--- a/Assets/Light/PPT Data/Light Example.pptx
+++ b/Assets/Light/PPT Data/Light Example.pptx
@@ -2,30 +2,29 @@
 <file path=ppt/presentation.xml><?xml version="1.0" encoding="utf-8"?>
 <p:presentation xmlns:a="http://schemas.openxmlformats.org/drawingml/2006/main" xmlns:r="http://schemas.openxmlformats.org/officeDocument/2006/relationships" xmlns:p="http://schemas.openxmlformats.org/presentationml/2006/main" xmlns:p14="http://schemas.microsoft.com/office/powerpoint/2010/main" saveSubsetFonts="1" firstSlideNum="0">
   <p:sldMasterIdLst>
-    <p:sldMasterId id="2147486078" r:id="rId12"/>
+    <p:sldMasterId id="2147486098" r:id="rId12"/>
   </p:sldMasterIdLst>
   <p:notesMasterIdLst>
     <p:notesMasterId r:id="rId14"/>
   </p:notesMasterIdLst>
   <p:sldIdLst>
     <p:sldId id="287" r:id="rId16"/>
-    <p:sldId id="315" r:id="rId18"/>
-    <p:sldId id="316" r:id="rId19"/>
-    <p:sldId id="327" r:id="rId20"/>
-    <p:sldId id="294" r:id="rId21"/>
-    <p:sldId id="299" r:id="rId22"/>
+    <p:sldId id="315" r:id="rId17"/>
+    <p:sldId id="316" r:id="rId18"/>
+    <p:sldId id="327" r:id="rId19"/>
+    <p:sldId id="294" r:id="rId20"/>
+    <p:sldId id="299" r:id="rId21"/>
     <p:sldId id="318" r:id="rId23"/>
-    <p:sldId id="310" r:id="rId24"/>
-    <p:sldId id="319" r:id="rId25"/>
-    <p:sldId id="320" r:id="rId26"/>
-    <p:sldId id="321" r:id="rId27"/>
-    <p:sldId id="308" r:id="rId28"/>
-    <p:sldId id="322" r:id="rId29"/>
-    <p:sldId id="323" r:id="rId30"/>
-    <p:sldId id="324" r:id="rId31"/>
-    <p:sldId id="325" r:id="rId32"/>
-    <p:sldId id="326" r:id="rId33"/>
-    <p:sldId id="313" r:id="rId34"/>
+    <p:sldId id="310" r:id="rId25"/>
+    <p:sldId id="319" r:id="rId27"/>
+    <p:sldId id="320" r:id="rId29"/>
+    <p:sldId id="321" r:id="rId31"/>
+    <p:sldId id="308" r:id="rId33"/>
+    <p:sldId id="323" r:id="rId35"/>
+    <p:sldId id="324" r:id="rId37"/>
+    <p:sldId id="325" r:id="rId39"/>
+    <p:sldId id="326" r:id="rId41"/>
+    <p:sldId id="313" r:id="rId43"/>
   </p:sldIdLst>
   <p:sldSz cx="12192000" cy="6858000"/>
   <p:notesSz cx="6858000" cy="9144000"/>
@@ -1366,7 +1365,7 @@
         <p:spPr>
           <a:xfrm rot="0">
             <a:off x="685800" y="1143000"/>
-            <a:ext cx="5493385" cy="3093085"/>
+            <a:ext cx="5494020" cy="3093720"/>
           </a:xfrm>
           <a:prstGeom prst="rect"/>
           <a:noFill/>
@@ -1405,7 +1404,7 @@
         <p:spPr>
           <a:xfrm rot="0">
             <a:off x="685800" y="4400550"/>
-            <a:ext cx="5493385" cy="3607435"/>
+            <a:ext cx="5494020" cy="3608070"/>
           </a:xfrm>
           <a:prstGeom prst="rect"/>
         </p:spPr>
@@ -1435,7 +1434,7 @@
         <p:spPr>
           <a:xfrm rot="0">
             <a:off x="3884930" y="8685530"/>
-            <a:ext cx="2978785" cy="465455"/>
+            <a:ext cx="2979420" cy="466090"/>
           </a:xfrm>
           <a:prstGeom prst="rect"/>
         </p:spPr>
@@ -1621,148 +1620,6 @@
 </file>
 
 <file path=ppt/notesSlides/notesSlide17.xml><?xml version="1.0" encoding="utf-8"?>
-<p:notes xmlns:a="http://schemas.openxmlformats.org/drawingml/2006/main" xmlns:r="http://schemas.openxmlformats.org/officeDocument/2006/relationships" xmlns:p="http://schemas.openxmlformats.org/presentationml/2006/main">
-  <p:cSld>
-    <p:spTree>
-      <p:nvGrpSpPr>
-        <p:cNvPr id="1" name=""/>
-        <p:cNvGrpSpPr/>
-        <p:nvPr/>
-      </p:nvGrpSpPr>
-      <p:grpSpPr>
-        <a:xfrm>
-          <a:off x="0" y="0"/>
-          <a:ext cx="0" cy="0"/>
-          <a:chOff x="0" y="0"/>
-          <a:chExt cx="0" cy="0"/>
-        </a:xfrm>
-      </p:grpSpPr>
-      <p:sp>
-        <p:nvSpPr>
-          <p:cNvPr id="2" name="슬라이드 이미지 개체 틀 3"/>
-          <p:cNvSpPr>
-            <a:spLocks noChangeAspect="1"/>
-          </p:cNvSpPr>
-          <p:nvPr>
-            <p:ph type="sldImg" idx="2"/>
-          </p:nvPr>
-        </p:nvSpPr>
-        <p:spPr>
-          <a:xfrm rot="0">
-            <a:off x="685800" y="1143000"/>
-            <a:ext cx="5494020" cy="3093720"/>
-          </a:xfrm>
-          <a:prstGeom prst="rect"/>
-          <a:noFill/>
-          <a:ln w="12700" cap="flat" cmpd="sng">
-            <a:solidFill>
-              <a:srgbClr val="000000">
-                <a:alpha val="100000"/>
-              </a:srgbClr>
-            </a:solidFill>
-            <a:prstDash val="solid"/>
-          </a:ln>
-        </p:spPr>
-        <p:txBody>
-          <a:bodyPr wrap="square" lIns="91440" tIns="45720" rIns="91440" bIns="45720" numCol="1" vert="horz" anchor="ctr">
-            <a:noAutofit/>
-          </a:bodyPr>
-          <a:lstStyle/>
-          <a:p>
-            <a:pPr marL="0" indent="0" latinLnBrk="0">
-              <a:buFontTx/>
-              <a:buNone/>
-            </a:pPr>
-          </a:p>
-        </p:txBody>
-      </p:sp>
-      <p:sp>
-        <p:nvSpPr>
-          <p:cNvPr id="3" name="슬라이드 노트 개체 틀 4"/>
-          <p:cNvSpPr txBox="1">
-            <a:spLocks/>
-          </p:cNvSpPr>
-          <p:nvPr>
-            <p:ph type="body" idx="3"/>
-          </p:nvPr>
-        </p:nvSpPr>
-        <p:spPr>
-          <a:xfrm rot="0">
-            <a:off x="685800" y="4400550"/>
-            <a:ext cx="5494020" cy="3608070"/>
-          </a:xfrm>
-          <a:prstGeom prst="rect"/>
-        </p:spPr>
-        <p:txBody>
-          <a:bodyPr wrap="square" lIns="91440" tIns="45720" rIns="91440" bIns="45720" numCol="1" vert="horz" anchor="t">
-            <a:noAutofit/>
-          </a:bodyPr>
-          <a:lstStyle/>
-          <a:p>
-            <a:pPr marL="0" indent="0" latinLnBrk="0">
-              <a:buFontTx/>
-              <a:buNone/>
-            </a:pPr>
-          </a:p>
-        </p:txBody>
-      </p:sp>
-      <p:sp>
-        <p:nvSpPr>
-          <p:cNvPr id="4" name="슬라이드 번호 개체 틀 6"/>
-          <p:cNvSpPr txBox="1">
-            <a:spLocks/>
-          </p:cNvSpPr>
-          <p:nvPr>
-            <p:ph type="sldNum" idx="5"/>
-          </p:nvPr>
-        </p:nvSpPr>
-        <p:spPr>
-          <a:xfrm rot="0">
-            <a:off x="3884930" y="8685530"/>
-            <a:ext cx="2979420" cy="466090"/>
-          </a:xfrm>
-          <a:prstGeom prst="rect"/>
-        </p:spPr>
-        <p:txBody>
-          <a:bodyPr wrap="square" lIns="91440" tIns="45720" rIns="91440" bIns="45720" numCol="1" vert="horz" anchor="b">
-            <a:noAutofit/>
-          </a:bodyPr>
-          <a:lstStyle>
-            <a:lvl1pPr marL="0" indent="0" algn="r" latinLnBrk="0">
-              <a:buFontTx/>
-              <a:buNone/>
-              <a:defRPr lang="en-GB" altLang="en-US" sz="1200"/>
-            </a:lvl1pPr>
-          </a:lstStyle>
-          <a:p>
-            <a:pPr marL="0" indent="0" latinLnBrk="0">
-              <a:buFontTx/>
-              <a:buNone/>
-            </a:pPr>
-            <a:fld id="{B9320F77-B9A0-41C5-862A-B4B631284C64}" type="slidenum">
-              <a:rPr lang="ko-KR" altLang="en-US"/>
-              <a:t>‹#›</a:t>
-            </a:fld>
-          </a:p>
-        </p:txBody>
-      </p:sp>
-    </p:spTree>
-  </p:cSld>
-  <p:clrMapOvr>
-    <a:masterClrMapping/>
-  </p:clrMapOvr>
-  <mc:AlternateContent xmlns:mc="http://schemas.openxmlformats.org/markup-compatibility/2006">
-    <mc:Choice xmlns:p14="http://schemas.microsoft.com/office/powerpoint/2010/main" Requires="p14">
-      <p:transition spd="slow" p14:dur="0"/>
-    </mc:Choice>
-    <mc:Fallback>
-      <p:transition spd="slow"/>
-    </mc:Fallback>
-  </mc:AlternateContent>
-</p:notes>
-</file>
-
-<file path=ppt/notesSlides/notesSlide18.xml><?xml version="1.0" encoding="utf-8"?>
 <p:notes xmlns:a="http://schemas.openxmlformats.org/drawingml/2006/main" xmlns:r="http://schemas.openxmlformats.org/officeDocument/2006/relationships" xmlns:p="http://schemas.openxmlformats.org/presentationml/2006/main">
   <p:cSld>
     <p:spTree>
@@ -8012,8 +7869,8 @@
         </p:nvSpPr>
         <p:spPr>
           <a:xfrm rot="0">
-            <a:off x="1231900" y="5154295"/>
-            <a:ext cx="4126865" cy="954405"/>
+            <a:off x="1231900" y="2544445"/>
+            <a:ext cx="4127500" cy="1231265"/>
           </a:xfrm>
           <a:prstGeom prst="rect"/>
           <a:noFill/>
@@ -8057,14 +7914,7 @@
                 <a:latin typeface="맑은 고딕" charset="0"/>
                 <a:ea typeface="맑은 고딕" charset="0"/>
               </a:rPr>
-              <a:t>첫 번째로 3D Object에서 Plane을 </a:t>
-            </a:r>
-            <a:r>
-              <a:rPr lang="ko-KR" sz="1800">
-                <a:latin typeface="맑은 고딕" charset="0"/>
-                <a:ea typeface="맑은 고딕" charset="0"/>
-              </a:rPr>
-              <a:t>생성한</a:t>
+              <a:t>첫</a:t>
             </a:r>
             <a:r>
               <a:rPr lang="ko-KR" sz="1800">
@@ -8078,7 +7928,63 @@
                 <a:latin typeface="맑은 고딕" charset="0"/>
                 <a:ea typeface="맑은 고딕" charset="0"/>
               </a:rPr>
-              <a:t>다음 Left Ground라는 </a:t>
+              <a:t>번째로</a:t>
+            </a:r>
+            <a:r>
+              <a:rPr lang="ko-KR" sz="1800">
+                <a:latin typeface="맑은 고딕" charset="0"/>
+                <a:ea typeface="맑은 고딕" charset="0"/>
+              </a:rPr>
+              <a:t> </a:t>
+            </a:r>
+            <a:r>
+              <a:rPr lang="ko-KR" sz="1800">
+                <a:latin typeface="맑은 고딕" charset="0"/>
+                <a:ea typeface="맑은 고딕" charset="0"/>
+              </a:rPr>
+              <a:t>Project 폴더에 있는 </a:t>
+            </a:r>
+            <a:r>
+              <a:rPr lang="ko-KR" sz="1800">
+                <a:latin typeface="맑은 고딕" charset="0"/>
+                <a:ea typeface="맑은 고딕" charset="0"/>
+              </a:rPr>
+              <a:t>Model</a:t>
+            </a:r>
+            <a:r>
+              <a:rPr lang="ko-KR" sz="1800">
+                <a:latin typeface="맑은 고딕" charset="0"/>
+                <a:ea typeface="맑은 고딕" charset="0"/>
+              </a:rPr>
+              <a:t> 폴더에 Road 모델을 월드 </a:t>
+            </a:r>
+            <a:r>
+              <a:rPr lang="ko-KR" sz="1800">
+                <a:latin typeface="맑은 고딕" charset="0"/>
+                <a:ea typeface="맑은 고딕" charset="0"/>
+              </a:rPr>
+              <a:t>공간에</a:t>
+            </a:r>
+            <a:r>
+              <a:rPr lang="ko-KR" sz="1800">
+                <a:latin typeface="맑은 고딕" charset="0"/>
+                <a:ea typeface="맑은 고딕" charset="0"/>
+              </a:rPr>
+              <a:t> </a:t>
+            </a:r>
+            <a:r>
+              <a:rPr lang="ko-KR" sz="1800">
+                <a:latin typeface="맑은 고딕" charset="0"/>
+                <a:ea typeface="맑은 고딕" charset="0"/>
+              </a:rPr>
+              <a:t>배치한 </a:t>
+            </a:r>
+            <a:r>
+              <a:rPr lang="ko-KR" sz="1800">
+                <a:latin typeface="맑은 고딕" charset="0"/>
+                <a:ea typeface="맑은 고딕" charset="0"/>
+              </a:rPr>
+              <a:t>다음 Right Road라는 </a:t>
             </a:r>
             <a:r>
               <a:rPr lang="ko-KR" sz="1800">
@@ -8100,13 +8006,6 @@
                 <a:ea typeface="맑은 고딕" charset="0"/>
               </a:rPr>
               <a:t>다.</a:t>
-            </a:r>
-            <a:r>
-              <a:rPr lang="ko-KR" sz="1800">
-                <a:latin typeface="맑은 고딕" charset="0"/>
-                <a:ea typeface="맑은 고딕" charset="0"/>
-              </a:rPr>
-              <a:t> </a:t>
             </a:r>
             <a:endParaRPr lang="ko-KR" altLang="en-US" sz="1800">
               <a:latin typeface="맑은 고딕" charset="0"/>
@@ -8125,8 +8024,8 @@
         </p:nvSpPr>
         <p:spPr>
           <a:xfrm rot="0">
-            <a:off x="6825615" y="2995295"/>
-            <a:ext cx="4131945" cy="677545"/>
+            <a:off x="6825615" y="2538730"/>
+            <a:ext cx="4140200" cy="1231265"/>
           </a:xfrm>
           <a:prstGeom prst="rect"/>
           <a:noFill/>
@@ -8153,7 +8052,7 @@
                 <a:latin typeface="맑은 고딕" charset="0"/>
                 <a:ea typeface="맑은 고딕" charset="0"/>
               </a:rPr>
-              <a:t>2.</a:t>
+              <a:t>3.</a:t>
             </a:r>
             <a:r>
               <a:rPr lang="ko-KR" sz="2000" b="1">
@@ -8170,14 +8069,7 @@
                 <a:latin typeface="맑은 고딕" charset="0"/>
                 <a:ea typeface="맑은 고딕" charset="0"/>
               </a:rPr>
-              <a:t>이제 Main Camera 오브젝트의 </a:t>
-            </a:r>
-            <a:r>
-              <a:rPr lang="ko-KR" sz="1800">
-                <a:latin typeface="맑은 고딕" charset="0"/>
-                <a:ea typeface="맑은 고딕" charset="0"/>
-              </a:rPr>
-              <a:t>위치와</a:t>
+              <a:t>그리고</a:t>
             </a:r>
             <a:r>
               <a:rPr lang="ko-KR" sz="1800">
@@ -8191,14 +8083,84 @@
                 <a:latin typeface="맑은 고딕" charset="0"/>
                 <a:ea typeface="맑은 고딕" charset="0"/>
               </a:rPr>
-              <a:t>회전 </a:t>
-            </a:r>
-            <a:r>
-              <a:rPr lang="ko-KR" sz="1800">
-                <a:latin typeface="맑은 고딕" charset="0"/>
-                <a:ea typeface="맑은 고딕" charset="0"/>
-              </a:rPr>
-              <a:t>값을 설정합니다.</a:t>
+              <a:t>Project 폴더에 있는 </a:t>
+            </a:r>
+            <a:r>
+              <a:rPr lang="ko-KR" sz="1800">
+                <a:latin typeface="맑은 고딕" charset="0"/>
+                <a:ea typeface="맑은 고딕" charset="0"/>
+              </a:rPr>
+              <a:t>Model</a:t>
+            </a:r>
+            <a:r>
+              <a:rPr lang="ko-KR" sz="1800">
+                <a:latin typeface="맑은 고딕" charset="0"/>
+                <a:ea typeface="맑은 고딕" charset="0"/>
+              </a:rPr>
+              <a:t> </a:t>
+            </a:r>
+            <a:r>
+              <a:rPr lang="ko-KR" sz="1800">
+                <a:latin typeface="맑은 고딕" charset="0"/>
+                <a:ea typeface="맑은 고딕" charset="0"/>
+              </a:rPr>
+              <a:t>폴더에</a:t>
+            </a:r>
+            <a:r>
+              <a:rPr lang="ko-KR" sz="1800">
+                <a:latin typeface="맑은 고딕" charset="0"/>
+                <a:ea typeface="맑은 고딕" charset="0"/>
+              </a:rPr>
+              <a:t> </a:t>
+            </a:r>
+            <a:r>
+              <a:rPr lang="ko-KR" sz="1800">
+                <a:latin typeface="맑은 고딕" charset="0"/>
+                <a:ea typeface="맑은 고딕" charset="0"/>
+              </a:rPr>
+              <a:t>Road 모델을</a:t>
+            </a:r>
+            <a:r>
+              <a:rPr lang="ko-KR" sz="1800">
+                <a:latin typeface="맑은 고딕" charset="0"/>
+                <a:ea typeface="맑은 고딕" charset="0"/>
+              </a:rPr>
+              <a:t> 월드 공간에 </a:t>
+            </a:r>
+            <a:r>
+              <a:rPr lang="ko-KR" sz="1800">
+                <a:latin typeface="맑은 고딕" charset="0"/>
+                <a:ea typeface="맑은 고딕" charset="0"/>
+              </a:rPr>
+              <a:t>배치한</a:t>
+            </a:r>
+            <a:r>
+              <a:rPr lang="ko-KR" sz="1800">
+                <a:latin typeface="맑은 고딕" charset="0"/>
+                <a:ea typeface="맑은 고딕" charset="0"/>
+              </a:rPr>
+              <a:t> </a:t>
+            </a:r>
+            <a:r>
+              <a:rPr lang="ko-KR" sz="1800">
+                <a:latin typeface="맑은 고딕" charset="0"/>
+                <a:ea typeface="맑은 고딕" charset="0"/>
+              </a:rPr>
+              <a:t>다음 Left Road라는 이름으로 </a:t>
+            </a:r>
+            <a:r>
+              <a:rPr lang="ko-KR" sz="1800">
+                <a:latin typeface="맑은 고딕" charset="0"/>
+                <a:ea typeface="맑은 고딕" charset="0"/>
+              </a:rPr>
+              <a:t>정의합니</a:t>
+            </a:r>
+            <a:r>
+              <a:rPr lang="ko-KR" sz="1800">
+                <a:latin typeface="맑은 고딕" charset="0"/>
+                <a:ea typeface="맑은 고딕" charset="0"/>
+              </a:rPr>
+              <a:t>다.</a:t>
             </a:r>
             <a:endParaRPr lang="ko-KR" altLang="en-US" sz="1800">
               <a:latin typeface="맑은 고딕" charset="0"/>
@@ -8207,16 +8169,170 @@
           </a:p>
         </p:txBody>
       </p:sp>
+      <p:sp>
+        <p:nvSpPr>
+          <p:cNvPr id="1142" name="텍스트 상자 19"/>
+          <p:cNvSpPr txBox="1">
+            <a:spLocks/>
+          </p:cNvSpPr>
+          <p:nvPr/>
+        </p:nvSpPr>
+        <p:spPr>
+          <a:xfrm>
+            <a:off x="6828155" y="5427345"/>
+            <a:ext cx="4147185" cy="677545"/>
+          </a:xfrm>
+          <a:prstGeom prst="rect"/>
+          <a:noFill/>
+          <a:ln w="0">
+            <a:noFill/>
+            <a:prstDash/>
+          </a:ln>
+        </p:spPr>
+        <p:txBody>
+          <a:bodyPr wrap="square" lIns="89535" tIns="46355" rIns="89535" bIns="46355" numCol="1" vert="horz" anchor="t">
+            <a:spAutoFit/>
+          </a:bodyPr>
+          <a:lstStyle/>
+          <a:p>
+            <a:pPr marL="0" indent="0" algn="l" latinLnBrk="0" hangingPunct="1">
+              <a:buFontTx/>
+              <a:buNone/>
+            </a:pPr>
+            <a:r>
+              <a:rPr lang="ko-KR" sz="2000" b="1">
+                <a:solidFill>
+                  <a:srgbClr val="0611F2"/>
+                </a:solidFill>
+                <a:latin typeface="맑은 고딕" charset="0"/>
+                <a:ea typeface="맑은 고딕" charset="0"/>
+              </a:rPr>
+              <a:t>4.</a:t>
+            </a:r>
+            <a:r>
+              <a:rPr lang="ko-KR" sz="2000" b="1">
+                <a:solidFill>
+                  <a:srgbClr val="0611F2"/>
+                </a:solidFill>
+                <a:latin typeface="맑은 고딕" charset="0"/>
+                <a:ea typeface="맑은 고딕" charset="0"/>
+              </a:rPr>
+              <a:t> </a:t>
+            </a:r>
+            <a:r>
+              <a:rPr lang="ko-KR" sz="1800">
+                <a:latin typeface="맑은 고딕" charset="0"/>
+                <a:ea typeface="맑은 고딕" charset="0"/>
+              </a:rPr>
+              <a:t>그런 다음 Left Ground 오브젝트의 </a:t>
+            </a:r>
+            <a:r>
+              <a:rPr lang="ko-KR" sz="1800">
+                <a:latin typeface="맑은 고딕" charset="0"/>
+                <a:ea typeface="맑은 고딕" charset="0"/>
+              </a:rPr>
+              <a:t>위치와</a:t>
+            </a:r>
+            <a:r>
+              <a:rPr lang="ko-KR" sz="1800">
+                <a:latin typeface="맑은 고딕" charset="0"/>
+                <a:ea typeface="맑은 고딕" charset="0"/>
+              </a:rPr>
+              <a:t> </a:t>
+            </a:r>
+            <a:r>
+              <a:rPr lang="ko-KR" sz="1800">
+                <a:latin typeface="맑은 고딕" charset="0"/>
+                <a:ea typeface="맑은 고딕" charset="0"/>
+              </a:rPr>
+              <a:t>크기</a:t>
+            </a:r>
+            <a:r>
+              <a:rPr lang="ko-KR" sz="1800">
+                <a:latin typeface="맑은 고딕" charset="0"/>
+                <a:ea typeface="맑은 고딕" charset="0"/>
+              </a:rPr>
+              <a:t> 값을 설정합니다.</a:t>
+            </a:r>
+            <a:endParaRPr lang="ko-KR" altLang="en-US" sz="1800">
+              <a:latin typeface="맑은 고딕" charset="0"/>
+              <a:ea typeface="맑은 고딕" charset="0"/>
+            </a:endParaRPr>
+          </a:p>
+        </p:txBody>
+      </p:sp>
       <p:pic>
         <p:nvPicPr>
-          <p:cNvPr id="1138" name="그림 1"/>
+          <p:cNvPr id="1143" name="그림 1" descr="C:/Users/Admin1/AppData/Roaming/PolarisOffice/ETemp/18888_13767696/fImage687529341.png"/>
           <p:cNvPicPr>
             <a:picLocks noChangeAspect="1"/>
           </p:cNvPicPr>
           <p:nvPr/>
         </p:nvPicPr>
         <p:blipFill rotWithShape="1">
-          <a:blip r:embed="rId27" cstate="hqprint">
+          <a:blip r:embed="rId31" cstate="print">
+            <a:extLst>
+              <a:ext uri="{28A0092B-C50C-407E-A947-70E740481C1C}">
+                <a14:useLocalDpi xmlns:a14="http://schemas.microsoft.com/office/drawing/2010/main" val="0"/>
+              </a:ext>
+            </a:extLst>
+          </a:blip>
+          <a:stretch>
+            <a:fillRect/>
+          </a:stretch>
+        </p:blipFill>
+        <p:spPr>
+          <a:xfrm rot="0">
+            <a:off x="2911475" y="1433830"/>
+            <a:ext cx="2451100" cy="1021715"/>
+          </a:xfrm>
+          <a:prstGeom prst="roundRect"/>
+          <a:solidFill>
+            <a:srgbClr val="EDEDED"/>
+          </a:solidFill>
+        </p:spPr>
+      </p:pic>
+      <p:pic>
+        <p:nvPicPr>
+          <p:cNvPr id="1144" name="그림 4" descr="C:/Users/Admin1/AppData/Roaming/PolarisOffice/ETemp/18888_13767696/fImage53672948467.png"/>
+          <p:cNvPicPr>
+            <a:picLocks noChangeAspect="1"/>
+          </p:cNvPicPr>
+          <p:nvPr/>
+        </p:nvPicPr>
+        <p:blipFill rotWithShape="1">
+          <a:blip r:embed="rId32" cstate="print">
+            <a:extLst>
+              <a:ext uri="{28A0092B-C50C-407E-A947-70E740481C1C}">
+                <a14:useLocalDpi xmlns:a14="http://schemas.microsoft.com/office/drawing/2010/main" val="0"/>
+              </a:ext>
+            </a:extLst>
+          </a:blip>
+          <a:stretch>
+            <a:fillRect/>
+          </a:stretch>
+        </p:blipFill>
+        <p:spPr>
+          <a:xfrm rot="0">
+            <a:off x="1240790" y="1438275"/>
+            <a:ext cx="1516380" cy="1012190"/>
+          </a:xfrm>
+          <a:prstGeom prst="roundRect"/>
+          <a:solidFill>
+            <a:srgbClr val="EDEDED"/>
+          </a:solidFill>
+        </p:spPr>
+      </p:pic>
+      <p:pic>
+        <p:nvPicPr>
+          <p:cNvPr id="1145" name="그림 7" descr="C:/Users/Admin1/AppData/Roaming/PolarisOffice/ETemp/18888_13767696/fImage22421721541.png"/>
+          <p:cNvPicPr>
+            <a:picLocks noChangeAspect="1"/>
+          </p:cNvPicPr>
+          <p:nvPr/>
+        </p:nvPicPr>
+        <p:blipFill rotWithShape="1">
+          <a:blip r:embed="rId33" cstate="hqprint">
             <a:extLst>
               <a:ext uri="{28A0092B-C50C-407E-A947-70E740481C1C}">
                 <a14:useLocalDpi xmlns:a14="http://schemas.microsoft.com/office/drawing/2010/main"/>
@@ -8228,26 +8344,99 @@
           </a:stretch>
         </p:blipFill>
         <p:spPr>
-          <a:xfrm rot="0">
-            <a:off x="1231900" y="1447165"/>
-            <a:ext cx="2713990" cy="3506470"/>
-          </a:xfrm>
-          <a:prstGeom prst="roundRect"/>
-          <a:solidFill>
-            <a:srgbClr val="EDEDED"/>
-          </a:solidFill>
+          <a:xfrm rot="10800000">
+            <a:off x="2480945" y="1765935"/>
+            <a:ext cx="626110" cy="352425"/>
+          </a:xfrm>
+          <a:prstGeom prst="rect"/>
+          <a:noFill/>
         </p:spPr>
       </p:pic>
+      <p:sp>
+        <p:nvSpPr>
+          <p:cNvPr id="1146" name="텍스트 상자 8"/>
+          <p:cNvSpPr txBox="1">
+            <a:spLocks/>
+          </p:cNvSpPr>
+          <p:nvPr/>
+        </p:nvSpPr>
+        <p:spPr>
+          <a:xfrm rot="0">
+            <a:off x="1243330" y="5501640"/>
+            <a:ext cx="4127500" cy="677545"/>
+          </a:xfrm>
+          <a:prstGeom prst="rect"/>
+          <a:noFill/>
+          <a:ln w="0">
+            <a:noFill/>
+            <a:prstDash/>
+          </a:ln>
+        </p:spPr>
+        <p:txBody>
+          <a:bodyPr wrap="square" lIns="89535" tIns="46355" rIns="89535" bIns="46355" numCol="1" vert="horz" anchor="t">
+            <a:spAutoFit/>
+          </a:bodyPr>
+          <a:lstStyle/>
+          <a:p>
+            <a:pPr marL="0" indent="0" algn="l" latinLnBrk="0" hangingPunct="1">
+              <a:buFontTx/>
+              <a:buNone/>
+            </a:pPr>
+            <a:r>
+              <a:rPr lang="ko-KR" sz="2000" b="1">
+                <a:solidFill>
+                  <a:srgbClr val="0611F2"/>
+                </a:solidFill>
+                <a:latin typeface="맑은 고딕" charset="0"/>
+                <a:ea typeface="맑은 고딕" charset="0"/>
+              </a:rPr>
+              <a:t>2.</a:t>
+            </a:r>
+            <a:r>
+              <a:rPr lang="ko-KR" sz="1800">
+                <a:latin typeface="맑은 고딕" charset="0"/>
+                <a:ea typeface="맑은 고딕" charset="0"/>
+              </a:rPr>
+              <a:t> 이제 </a:t>
+            </a:r>
+            <a:r>
+              <a:rPr lang="ko-KR" sz="1800">
+                <a:latin typeface="맑은 고딕" charset="0"/>
+                <a:ea typeface="맑은 고딕" charset="0"/>
+              </a:rPr>
+              <a:t>Main Camera 오브젝트의 </a:t>
+            </a:r>
+            <a:r>
+              <a:rPr lang="ko-KR" sz="1800">
+                <a:latin typeface="맑은 고딕" charset="0"/>
+                <a:ea typeface="맑은 고딕" charset="0"/>
+              </a:rPr>
+              <a:t>위치와</a:t>
+            </a:r>
+            <a:r>
+              <a:rPr lang="ko-KR" sz="1800">
+                <a:latin typeface="맑은 고딕" charset="0"/>
+                <a:ea typeface="맑은 고딕" charset="0"/>
+              </a:rPr>
+              <a:t> 회전 값을 설정합니다. </a:t>
+            </a:r>
+            <a:endParaRPr lang="ko-KR" altLang="en-US" sz="1800">
+              <a:latin typeface="맑은 고딕" charset="0"/>
+              <a:ea typeface="맑은 고딕" charset="0"/>
+            </a:endParaRPr>
+          </a:p>
+        </p:txBody>
+      </p:sp>
       <p:pic>
         <p:nvPicPr>
-          <p:cNvPr id="1139" name="그림 5"/>
+          <p:cNvPr id="1147" name="그림 10" descr="C:/Users/Admin1/AppData/Roaming/PolarisOffice/ETemp/18888_13767696/fImage114852986334.png"/>
           <p:cNvPicPr>
             <a:picLocks noChangeAspect="1"/>
           </p:cNvPicPr>
           <p:nvPr/>
         </p:nvPicPr>
         <p:blipFill rotWithShape="1">
-          <a:blip r:embed="rId28" cstate="print">
+          <a:blip r:embed="rId34" cstate="print">
             <a:extLst>
               <a:ext uri="{28A0092B-C50C-407E-A947-70E740481C1C}">
                 <a14:useLocalDpi xmlns:a14="http://schemas.microsoft.com/office/drawing/2010/main" val="0"/>
@@ -8260,8 +8449,8 @@
         </p:blipFill>
         <p:spPr>
           <a:xfrm rot="0">
-            <a:off x="4091305" y="2377440"/>
-            <a:ext cx="1275715" cy="1654175"/>
+            <a:off x="1240790" y="3902075"/>
+            <a:ext cx="4117975" cy="1534160"/>
           </a:xfrm>
           <a:prstGeom prst="roundRect"/>
           <a:solidFill>
@@ -8271,14 +8460,14 @@
       </p:pic>
       <p:pic>
         <p:nvPicPr>
-          <p:cNvPr id="1140" name="그림 13"/>
+          <p:cNvPr id="1148" name="그림 13" descr="C:/Users/Admin1/AppData/Roaming/PolarisOffice/ETemp/18888_13767696/fImage68752996500.png"/>
           <p:cNvPicPr>
             <a:picLocks noChangeAspect="1"/>
           </p:cNvPicPr>
           <p:nvPr/>
         </p:nvPicPr>
         <p:blipFill rotWithShape="1">
-          <a:blip r:embed="rId29" cstate="print">
+          <a:blip r:embed="rId35" cstate="print">
             <a:extLst>
               <a:ext uri="{28A0092B-C50C-407E-A947-70E740481C1C}">
                 <a14:useLocalDpi xmlns:a14="http://schemas.microsoft.com/office/drawing/2010/main" val="0"/>
@@ -8291,8 +8480,8 @@
         </p:blipFill>
         <p:spPr>
           <a:xfrm rot="0">
-            <a:off x="6822440" y="1438275"/>
-            <a:ext cx="4143375" cy="1464945"/>
+            <a:off x="8504555" y="1436370"/>
+            <a:ext cx="2451100" cy="1002030"/>
           </a:xfrm>
           <a:prstGeom prst="roundRect"/>
           <a:solidFill>
@@ -8302,14 +8491,45 @@
       </p:pic>
       <p:pic>
         <p:nvPicPr>
-          <p:cNvPr id="1141" name="그림 16" descr="C:/Users/Admin1/AppData/Roaming/PolarisOffice/ETemp/10232_14344976/fImage127673766334.png"/>
+          <p:cNvPr id="1149" name="그림 14" descr="C:/Users/Admin1/AppData/Roaming/PolarisOffice/ETemp/18888_13767696/fImage57863009169.png"/>
           <p:cNvPicPr>
             <a:picLocks noChangeAspect="1"/>
           </p:cNvPicPr>
           <p:nvPr/>
         </p:nvPicPr>
         <p:blipFill rotWithShape="1">
-          <a:blip r:embed="rId30" cstate="hqprint">
+          <a:blip r:embed="rId36" cstate="print">
+            <a:extLst>
+              <a:ext uri="{28A0092B-C50C-407E-A947-70E740481C1C}">
+                <a14:useLocalDpi xmlns:a14="http://schemas.microsoft.com/office/drawing/2010/main" val="0"/>
+              </a:ext>
+            </a:extLst>
+          </a:blip>
+          <a:stretch>
+            <a:fillRect/>
+          </a:stretch>
+        </p:blipFill>
+        <p:spPr>
+          <a:xfrm rot="0">
+            <a:off x="6821170" y="1440815"/>
+            <a:ext cx="1517650" cy="1005840"/>
+          </a:xfrm>
+          <a:prstGeom prst="roundRect"/>
+          <a:solidFill>
+            <a:srgbClr val="EDEDED"/>
+          </a:solidFill>
+        </p:spPr>
+      </p:pic>
+      <p:pic>
+        <p:nvPicPr>
+          <p:cNvPr id="1150" name="그림 17" descr="C:/Users/Admin1/AppData/Roaming/PolarisOffice/ETemp/18888_13767696/fImage22421721541.png"/>
+          <p:cNvPicPr>
+            <a:picLocks noChangeAspect="1"/>
+          </p:cNvPicPr>
+          <p:nvPr/>
+        </p:nvPicPr>
+        <p:blipFill rotWithShape="1">
+          <a:blip r:embed="rId33" cstate="hqprint">
             <a:extLst>
               <a:ext uri="{28A0092B-C50C-407E-A947-70E740481C1C}">
                 <a14:useLocalDpi xmlns:a14="http://schemas.microsoft.com/office/drawing/2010/main"/>
@@ -8321,9 +8541,38 @@
           </a:stretch>
         </p:blipFill>
         <p:spPr>
-          <a:xfrm rot="0">
-            <a:off x="6824980" y="3830320"/>
-            <a:ext cx="4141470" cy="1519555"/>
+          <a:xfrm rot="10800000">
+            <a:off x="8100060" y="1768475"/>
+            <a:ext cx="626110" cy="352425"/>
+          </a:xfrm>
+          <a:prstGeom prst="rect"/>
+          <a:noFill/>
+        </p:spPr>
+      </p:pic>
+      <p:pic>
+        <p:nvPicPr>
+          <p:cNvPr id="1151" name="그림 18" descr="C:/Users/Admin1/AppData/Roaming/PolarisOffice/ETemp/18888_13767696/fImage135493025724.png"/>
+          <p:cNvPicPr>
+            <a:picLocks noChangeAspect="1"/>
+          </p:cNvPicPr>
+          <p:nvPr/>
+        </p:nvPicPr>
+        <p:blipFill rotWithShape="1">
+          <a:blip r:embed="rId37" cstate="print">
+            <a:extLst>
+              <a:ext uri="{28A0092B-C50C-407E-A947-70E740481C1C}">
+                <a14:useLocalDpi xmlns:a14="http://schemas.microsoft.com/office/drawing/2010/main" val="0"/>
+              </a:ext>
+            </a:extLst>
+          </a:blip>
+          <a:stretch>
+            <a:fillRect/>
+          </a:stretch>
+        </p:blipFill>
+        <p:spPr>
+          <a:xfrm rot="0">
+            <a:off x="6813550" y="3893185"/>
+            <a:ext cx="4144010" cy="1456690"/>
           </a:xfrm>
           <a:prstGeom prst="roundRect"/>
           <a:solidFill>
@@ -8331,98 +8580,6 @@
           </a:solidFill>
         </p:spPr>
       </p:pic>
-      <p:sp>
-        <p:nvSpPr>
-          <p:cNvPr id="1142" name="텍스트 상자 19"/>
-          <p:cNvSpPr txBox="1">
-            <a:spLocks/>
-          </p:cNvSpPr>
-          <p:nvPr/>
-        </p:nvSpPr>
-        <p:spPr>
-          <a:xfrm rot="0">
-            <a:off x="6828155" y="5427345"/>
-            <a:ext cx="4146550" cy="677545"/>
-          </a:xfrm>
-          <a:prstGeom prst="rect"/>
-          <a:noFill/>
-          <a:ln w="0">
-            <a:noFill/>
-            <a:prstDash/>
-          </a:ln>
-        </p:spPr>
-        <p:txBody>
-          <a:bodyPr wrap="square" lIns="89535" tIns="46355" rIns="89535" bIns="46355" numCol="1" vert="horz" anchor="t">
-            <a:spAutoFit/>
-          </a:bodyPr>
-          <a:lstStyle/>
-          <a:p>
-            <a:pPr marL="0" indent="0" algn="l" latinLnBrk="0" hangingPunct="1">
-              <a:buFontTx/>
-              <a:buNone/>
-            </a:pPr>
-            <a:r>
-              <a:rPr lang="ko-KR" sz="2000" b="1">
-                <a:solidFill>
-                  <a:srgbClr val="0611F2"/>
-                </a:solidFill>
-                <a:latin typeface="맑은 고딕" charset="0"/>
-                <a:ea typeface="맑은 고딕" charset="0"/>
-              </a:rPr>
-              <a:t>3.</a:t>
-            </a:r>
-            <a:r>
-              <a:rPr lang="ko-KR" sz="2000" b="1">
-                <a:solidFill>
-                  <a:srgbClr val="0611F2"/>
-                </a:solidFill>
-                <a:latin typeface="맑은 고딕" charset="0"/>
-                <a:ea typeface="맑은 고딕" charset="0"/>
-              </a:rPr>
-              <a:t> </a:t>
-            </a:r>
-            <a:r>
-              <a:rPr lang="ko-KR" sz="1800">
-                <a:latin typeface="맑은 고딕" charset="0"/>
-                <a:ea typeface="맑은 고딕" charset="0"/>
-              </a:rPr>
-              <a:t>그리고 Left Ground 오브젝트의 </a:t>
-            </a:r>
-            <a:r>
-              <a:rPr lang="ko-KR" sz="1800">
-                <a:latin typeface="맑은 고딕" charset="0"/>
-                <a:ea typeface="맑은 고딕" charset="0"/>
-              </a:rPr>
-              <a:t>위치와</a:t>
-            </a:r>
-            <a:r>
-              <a:rPr lang="ko-KR" sz="1800">
-                <a:latin typeface="맑은 고딕" charset="0"/>
-                <a:ea typeface="맑은 고딕" charset="0"/>
-              </a:rPr>
-              <a:t> </a:t>
-            </a:r>
-            <a:r>
-              <a:rPr lang="ko-KR" sz="1800">
-                <a:latin typeface="맑은 고딕" charset="0"/>
-                <a:ea typeface="맑은 고딕" charset="0"/>
-              </a:rPr>
-              <a:t>회전 </a:t>
-            </a:r>
-            <a:r>
-              <a:rPr lang="ko-KR" sz="1800">
-                <a:latin typeface="맑은 고딕" charset="0"/>
-                <a:ea typeface="맑은 고딕" charset="0"/>
-              </a:rPr>
-              <a:t>값을 설정합니다.</a:t>
-            </a:r>
-            <a:endParaRPr lang="ko-KR" altLang="en-US" sz="1800">
-              <a:latin typeface="맑은 고딕" charset="0"/>
-              <a:ea typeface="맑은 고딕" charset="0"/>
-            </a:endParaRPr>
-          </a:p>
-        </p:txBody>
-      </p:sp>
     </p:spTree>
   </p:cSld>
   <p:clrMapOvr>
@@ -10295,7 +10452,7 @@
                 <a:latin typeface="나눔바른고딕" charset="0"/>
                 <a:ea typeface="나눔바른고딕" charset="0"/>
               </a:rPr>
-              <a:t>열세</a:t>
+              <a:t>열네</a:t>
             </a:r>
             <a:r>
               <a:rPr lang="ko-KR" altLang="en-US" sz="2500" b="1">
@@ -10327,8 +10484,8 @@
         </p:nvSpPr>
         <p:spPr>
           <a:xfrm>
-            <a:off x="1249045" y="5267325"/>
-            <a:ext cx="4128135" cy="954405"/>
+            <a:off x="1255395" y="5233035"/>
+            <a:ext cx="4138295" cy="954405"/>
           </a:xfrm>
           <a:prstGeom prst="rect"/>
           <a:noFill/>
@@ -10355,7 +10512,7 @@
                 <a:latin typeface="맑은 고딕" charset="0"/>
                 <a:ea typeface="맑은 고딕" charset="0"/>
               </a:rPr>
-              <a:t>38.</a:t>
+              <a:t>4</a:t>
             </a:r>
             <a:r>
               <a:rPr lang="ko-KR" sz="2000" b="1">
@@ -10365,6 +10522,26 @@
                 <a:latin typeface="맑은 고딕" charset="0"/>
                 <a:ea typeface="맑은 고딕" charset="0"/>
               </a:rPr>
+              <a:t>0</a:t>
+            </a:r>
+            <a:r>
+              <a:rPr lang="ko-KR" sz="2000" b="1">
+                <a:solidFill>
+                  <a:srgbClr val="0611F2"/>
+                </a:solidFill>
+                <a:latin typeface="맑은 고딕" charset="0"/>
+                <a:ea typeface="맑은 고딕" charset="0"/>
+              </a:rPr>
+              <a:t>.</a:t>
+            </a:r>
+            <a:r>
+              <a:rPr lang="ko-KR" sz="2000" b="1">
+                <a:solidFill>
+                  <a:srgbClr val="0611F2"/>
+                </a:solidFill>
+                <a:latin typeface="맑은 고딕" charset="0"/>
+                <a:ea typeface="맑은 고딕" charset="0"/>
+              </a:rPr>
               <a:t> </a:t>
             </a:r>
             <a:r>
@@ -10372,14 +10549,14 @@
                 <a:latin typeface="맑은 고딕" charset="0"/>
                 <a:ea typeface="맑은 고딕" charset="0"/>
               </a:rPr>
-              <a:t>그리고 Patrol 스크립트에서 </a:t>
-            </a:r>
-            <a:r>
-              <a:rPr lang="ko-KR" sz="1800">
-                <a:latin typeface="맑은 고딕" charset="0"/>
-                <a:ea typeface="맑은 고딕" charset="0"/>
-              </a:rPr>
-              <a:t>Vector3</a:t>
+              <a:t>그러고 나서 Spot Light </a:t>
+            </a:r>
+            <a:r>
+              <a:rPr lang="ko-KR" sz="1800">
+                <a:latin typeface="맑은 고딕" charset="0"/>
+                <a:ea typeface="맑은 고딕" charset="0"/>
+              </a:rPr>
+              <a:t>오브젝트의</a:t>
             </a:r>
             <a:r>
               <a:rPr lang="ko-KR" sz="1800">
@@ -10393,42 +10570,42 @@
                 <a:latin typeface="맑은 고딕" charset="0"/>
                 <a:ea typeface="맑은 고딕" charset="0"/>
               </a:rPr>
-              <a:t>변수를</a:t>
-            </a:r>
-            <a:r>
-              <a:rPr lang="ko-KR" sz="1800">
-                <a:latin typeface="맑은 고딕" charset="0"/>
-                <a:ea typeface="맑은 고딕" charset="0"/>
-              </a:rPr>
-              <a:t> 선언한 다음 </a:t>
-            </a:r>
-            <a:r>
-              <a:rPr lang="ko-KR" sz="1800">
-                <a:latin typeface="맑은 고딕" charset="0"/>
-                <a:ea typeface="맑은 고딕" charset="0"/>
-              </a:rPr>
-              <a:t>Vector3.forward</a:t>
-            </a:r>
-            <a:r>
-              <a:rPr lang="ko-KR" sz="1800">
-                <a:latin typeface="맑은 고딕" charset="0"/>
-                <a:ea typeface="맑은 고딕" charset="0"/>
-              </a:rPr>
-              <a:t> </a:t>
-            </a:r>
-            <a:r>
-              <a:rPr lang="ko-KR" sz="1800">
-                <a:latin typeface="맑은 고딕" charset="0"/>
-                <a:ea typeface="맑은 고딕" charset="0"/>
-              </a:rPr>
-              <a:t>값을</a:t>
-            </a:r>
-            <a:r>
-              <a:rPr lang="ko-KR" sz="1800">
-                <a:latin typeface="맑은 고딕" charset="0"/>
-                <a:ea typeface="맑은 고딕" charset="0"/>
-              </a:rPr>
-              <a:t> 저장합니다.</a:t>
+              <a:t>Spot</a:t>
+            </a:r>
+            <a:r>
+              <a:rPr lang="ko-KR" sz="1800">
+                <a:latin typeface="맑은 고딕" charset="0"/>
+                <a:ea typeface="맑은 고딕" charset="0"/>
+              </a:rPr>
+              <a:t> Angle 값을 설정한 </a:t>
+            </a:r>
+            <a:r>
+              <a:rPr lang="ko-KR" sz="1800">
+                <a:latin typeface="맑은 고딕" charset="0"/>
+                <a:ea typeface="맑은 고딕" charset="0"/>
+              </a:rPr>
+              <a:t>다음</a:t>
+            </a:r>
+            <a:r>
+              <a:rPr lang="ko-KR" sz="1800">
+                <a:latin typeface="맑은 고딕" charset="0"/>
+                <a:ea typeface="맑은 고딕" charset="0"/>
+              </a:rPr>
+              <a:t> Mode를 </a:t>
+            </a:r>
+            <a:r>
+              <a:rPr lang="ko-KR" sz="1800">
+                <a:latin typeface="맑은 고딕" charset="0"/>
+                <a:ea typeface="맑은 고딕" charset="0"/>
+              </a:rPr>
+              <a:t>Baked로</a:t>
+            </a:r>
+            <a:r>
+              <a:rPr lang="ko-KR" sz="1800">
+                <a:latin typeface="맑은 고딕" charset="0"/>
+                <a:ea typeface="맑은 고딕" charset="0"/>
+              </a:rPr>
+              <a:t> 설정합니다.</a:t>
             </a:r>
             <a:endParaRPr lang="ko-KR" altLang="en-US" sz="1800">
               <a:latin typeface="맑은 고딕" charset="0"/>
@@ -10439,17 +10616,17 @@
       </p:sp>
       <p:pic>
         <p:nvPicPr>
-          <p:cNvPr id="1211" name="그림 1"/>
+          <p:cNvPr id="1218" name="그림 21" descr="C:/Users/Admin1/AppData/Roaming/PolarisOffice/ETemp/1284_18416448/fImage208703199169.png"/>
           <p:cNvPicPr>
             <a:picLocks noChangeAspect="1"/>
           </p:cNvPicPr>
           <p:nvPr/>
         </p:nvPicPr>
         <p:blipFill rotWithShape="1">
-          <a:blip r:embed="rId2" cstate="print">
+          <a:blip r:embed="rId2" cstate="hqprint">
             <a:extLst>
               <a:ext uri="{28A0092B-C50C-407E-A947-70E740481C1C}">
-                <a14:useLocalDpi xmlns:a14="http://schemas.microsoft.com/office/drawing/2010/main" val="0"/>
+                <a14:useLocalDpi xmlns:a14="http://schemas.microsoft.com/office/drawing/2010/main"/>
               </a:ext>
             </a:extLst>
           </a:blip>
@@ -10459,8 +10636,8 @@
         </p:blipFill>
         <p:spPr>
           <a:xfrm rot="0">
-            <a:off x="2584450" y="1455420"/>
-            <a:ext cx="2791460" cy="1137920"/>
+            <a:off x="1247775" y="1464310"/>
+            <a:ext cx="4145915" cy="3568065"/>
           </a:xfrm>
           <a:prstGeom prst="roundRect"/>
           <a:solidFill>
@@ -10470,7 +10647,7 @@
       </p:pic>
       <p:pic>
         <p:nvPicPr>
-          <p:cNvPr id="1212" name="그림 4"/>
+          <p:cNvPr id="1219" name="그림 24"/>
           <p:cNvPicPr>
             <a:picLocks noChangeAspect="1"/>
           </p:cNvPicPr>
@@ -10490,8 +10667,8 @@
         </p:blipFill>
         <p:spPr>
           <a:xfrm rot="0">
-            <a:off x="1257935" y="1455420"/>
-            <a:ext cx="1223645" cy="1147445"/>
+            <a:off x="6806565" y="1461135"/>
+            <a:ext cx="4156710" cy="3570605"/>
           </a:xfrm>
           <a:prstGeom prst="roundRect"/>
           <a:solidFill>
@@ -10501,7 +10678,7 @@
       </p:pic>
       <p:sp>
         <p:nvSpPr>
-          <p:cNvPr id="1213" name="텍스트 상자 7"/>
+          <p:cNvPr id="1220" name="텍스트 상자 27"/>
           <p:cNvSpPr txBox="1">
             <a:spLocks/>
           </p:cNvSpPr>
@@ -10509,8 +10686,8 @@
         </p:nvSpPr>
         <p:spPr>
           <a:xfrm>
-            <a:off x="1251585" y="2686050"/>
-            <a:ext cx="4116070" cy="1231265"/>
+            <a:off x="6816725" y="5227320"/>
+            <a:ext cx="4138295" cy="954405"/>
           </a:xfrm>
           <a:prstGeom prst="rect"/>
           <a:noFill/>
@@ -10537,7 +10714,7 @@
                 <a:latin typeface="맑은 고딕" charset="0"/>
                 <a:ea typeface="맑은 고딕" charset="0"/>
               </a:rPr>
-              <a:t>37.</a:t>
+              <a:t>4</a:t>
             </a:r>
             <a:r>
               <a:rPr lang="ko-KR" sz="2000" b="1">
@@ -10547,6 +10724,26 @@
                 <a:latin typeface="맑은 고딕" charset="0"/>
                 <a:ea typeface="맑은 고딕" charset="0"/>
               </a:rPr>
+              <a:t>1</a:t>
+            </a:r>
+            <a:r>
+              <a:rPr lang="ko-KR" sz="2000" b="1">
+                <a:solidFill>
+                  <a:srgbClr val="0611F2"/>
+                </a:solidFill>
+                <a:latin typeface="맑은 고딕" charset="0"/>
+                <a:ea typeface="맑은 고딕" charset="0"/>
+              </a:rPr>
+              <a:t>.</a:t>
+            </a:r>
+            <a:r>
+              <a:rPr lang="ko-KR" sz="2000" b="1">
+                <a:solidFill>
+                  <a:srgbClr val="0611F2"/>
+                </a:solidFill>
+                <a:latin typeface="맑은 고딕" charset="0"/>
+                <a:ea typeface="맑은 고딕" charset="0"/>
+              </a:rPr>
               <a:t> </a:t>
             </a:r>
             <a:r>
@@ -10554,42 +10751,14 @@
                 <a:latin typeface="맑은 고딕" charset="0"/>
                 <a:ea typeface="맑은 고딕" charset="0"/>
               </a:rPr>
-              <a:t>이제 Project 폴더 아래에 있는 </a:t>
-            </a:r>
-            <a:r>
-              <a:rPr lang="ko-KR" sz="1800">
-                <a:latin typeface="맑은 고딕" charset="0"/>
-                <a:ea typeface="맑은 고딕" charset="0"/>
-              </a:rPr>
-              <a:t>Model</a:t>
-            </a:r>
-            <a:r>
-              <a:rPr lang="ko-KR" sz="1800">
-                <a:latin typeface="맑은 고딕" charset="0"/>
-                <a:ea typeface="맑은 고딕" charset="0"/>
-              </a:rPr>
-              <a:t> 폴더에 House 오브젝트를 월드 </a:t>
-            </a:r>
-            <a:r>
-              <a:rPr lang="ko-KR" sz="1800">
-                <a:latin typeface="맑은 고딕" charset="0"/>
-                <a:ea typeface="맑은 고딕" charset="0"/>
-              </a:rPr>
-              <a:t>공간에</a:t>
-            </a:r>
-            <a:r>
-              <a:rPr lang="ko-KR" sz="1800">
-                <a:latin typeface="맑은 고딕" charset="0"/>
-                <a:ea typeface="맑은 고딕" charset="0"/>
-              </a:rPr>
-              <a:t> 배치한 다음 Center </a:t>
-            </a:r>
-            <a:r>
-              <a:rPr lang="ko-KR" sz="1800">
-                <a:latin typeface="맑은 고딕" charset="0"/>
-                <a:ea typeface="맑은 고딕" charset="0"/>
-              </a:rPr>
-              <a:t>House라는</a:t>
+              <a:t>이제 Point Light 오브젝트의 </a:t>
+            </a:r>
+            <a:r>
+              <a:rPr lang="ko-KR" sz="1800">
+                <a:latin typeface="맑은 고딕" charset="0"/>
+                <a:ea typeface="맑은 고딕" charset="0"/>
+              </a:rPr>
+              <a:t>Range와</a:t>
             </a:r>
             <a:r>
               <a:rPr lang="ko-KR" sz="1800">
@@ -10603,158 +10772,24 @@
                 <a:latin typeface="맑은 고딕" charset="0"/>
                 <a:ea typeface="맑은 고딕" charset="0"/>
               </a:rPr>
-              <a:t>이름으로</a:t>
-            </a:r>
-            <a:r>
-              <a:rPr lang="ko-KR" sz="1800">
-                <a:latin typeface="맑은 고딕" charset="0"/>
-                <a:ea typeface="맑은 고딕" charset="0"/>
-              </a:rPr>
-              <a:t> 정의합니다.</a:t>
-            </a:r>
-            <a:endParaRPr lang="ko-KR" altLang="en-US" sz="1800">
-              <a:latin typeface="맑은 고딕" charset="0"/>
-              <a:ea typeface="맑은 고딕" charset="0"/>
-            </a:endParaRPr>
-          </a:p>
-        </p:txBody>
-      </p:sp>
-      <p:pic>
-        <p:nvPicPr>
-          <p:cNvPr id="1214" name="그림 8"/>
-          <p:cNvPicPr>
-            <a:picLocks noChangeAspect="1"/>
-          </p:cNvPicPr>
-          <p:nvPr/>
-        </p:nvPicPr>
-        <p:blipFill rotWithShape="1">
-          <a:blip r:embed="rId4" cstate="hqprint">
-            <a:extLst>
-              <a:ext uri="{28A0092B-C50C-407E-A947-70E740481C1C}">
-                <a14:useLocalDpi xmlns:a14="http://schemas.microsoft.com/office/drawing/2010/main"/>
-              </a:ext>
-            </a:extLst>
-          </a:blip>
-          <a:stretch>
-            <a:fillRect/>
-          </a:stretch>
-        </p:blipFill>
-        <p:spPr>
-          <a:xfrm rot="10800000">
-            <a:off x="2162175" y="1852930"/>
-            <a:ext cx="625475" cy="351790"/>
-          </a:xfrm>
-          <a:prstGeom prst="rect"/>
-          <a:noFill/>
-        </p:spPr>
-      </p:pic>
-      <p:pic>
-        <p:nvPicPr>
-          <p:cNvPr id="1215" name="그림 11"/>
-          <p:cNvPicPr>
-            <a:picLocks noChangeAspect="1"/>
-          </p:cNvPicPr>
-          <p:nvPr/>
-        </p:nvPicPr>
-        <p:blipFill rotWithShape="1">
-          <a:blip r:embed="rId5" cstate="print">
-            <a:extLst>
-              <a:ext uri="{28A0092B-C50C-407E-A947-70E740481C1C}">
-                <a14:useLocalDpi xmlns:a14="http://schemas.microsoft.com/office/drawing/2010/main" val="0"/>
-              </a:ext>
-            </a:extLst>
-          </a:blip>
-          <a:stretch>
-            <a:fillRect/>
-          </a:stretch>
-        </p:blipFill>
-        <p:spPr>
-          <a:xfrm rot="0">
-            <a:off x="1252220" y="4065905"/>
-            <a:ext cx="4114800" cy="1120140"/>
-          </a:xfrm>
-          <a:prstGeom prst="roundRect"/>
-          <a:solidFill>
-            <a:srgbClr val="EDEDED"/>
-          </a:solidFill>
-        </p:spPr>
-      </p:pic>
-      <p:pic>
-        <p:nvPicPr>
-          <p:cNvPr id="1216" name="그림 14"/>
-          <p:cNvPicPr>
-            <a:picLocks noChangeAspect="1"/>
-          </p:cNvPicPr>
-          <p:nvPr/>
-        </p:nvPicPr>
-        <p:blipFill rotWithShape="1">
-          <a:blip r:embed="rId6" cstate="print">
-            <a:extLst>
-              <a:ext uri="{28A0092B-C50C-407E-A947-70E740481C1C}">
-                <a14:useLocalDpi xmlns:a14="http://schemas.microsoft.com/office/drawing/2010/main" val="0"/>
-              </a:ext>
-            </a:extLst>
-          </a:blip>
-          <a:stretch>
-            <a:fillRect/>
-          </a:stretch>
-        </p:blipFill>
-        <p:spPr>
-          <a:xfrm rot="0">
-            <a:off x="6830695" y="1455420"/>
-            <a:ext cx="4126865" cy="2550795"/>
-          </a:xfrm>
-          <a:prstGeom prst="roundRect"/>
-          <a:solidFill>
-            <a:srgbClr val="EDEDED"/>
-          </a:solidFill>
-        </p:spPr>
-      </p:pic>
-      <p:sp>
-        <p:nvSpPr>
-          <p:cNvPr id="1217" name="텍스트 상자 17"/>
-          <p:cNvSpPr txBox="1">
-            <a:spLocks/>
-          </p:cNvSpPr>
-          <p:nvPr/>
-        </p:nvSpPr>
-        <p:spPr>
-          <a:xfrm>
-            <a:off x="6830695" y="4159250"/>
-            <a:ext cx="4124325" cy="2061845"/>
-          </a:xfrm>
-          <a:prstGeom prst="rect"/>
-          <a:noFill/>
-          <a:ln w="0">
-            <a:noFill/>
-            <a:prstDash/>
-          </a:ln>
-        </p:spPr>
-        <p:txBody>
-          <a:bodyPr wrap="square" lIns="89535" tIns="46355" rIns="89535" bIns="46355" numCol="1" vert="horz" anchor="t">
-            <a:spAutoFit/>
-          </a:bodyPr>
-          <a:lstStyle/>
-          <a:p>
-            <a:pPr marL="0" indent="0" algn="l" latinLnBrk="0" hangingPunct="1">
-              <a:buFontTx/>
-              <a:buNone/>
-            </a:pPr>
-            <a:r>
-              <a:rPr lang="ko-KR" sz="2000" b="1">
-                <a:solidFill>
-                  <a:srgbClr val="0611F2"/>
-                </a:solidFill>
-                <a:latin typeface="맑은 고딕" charset="0"/>
-                <a:ea typeface="맑은 고딕" charset="0"/>
-              </a:rPr>
-              <a:t>39.</a:t>
-            </a:r>
-            <a:r>
-              <a:rPr lang="ko-KR" sz="2000" b="1">
-                <a:solidFill>
-                  <a:srgbClr val="0611F2"/>
-                </a:solidFill>
+              <a:t>Color</a:t>
+            </a:r>
+            <a:r>
+              <a:rPr lang="ko-KR" sz="1800">
+                <a:latin typeface="맑은 고딕" charset="0"/>
+                <a:ea typeface="맑은 고딕" charset="0"/>
+              </a:rPr>
+              <a:t> 값을 설정한 다음 </a:t>
+            </a:r>
+            <a:r>
+              <a:rPr lang="ko-KR" sz="1800">
+                <a:latin typeface="맑은 고딕" charset="0"/>
+                <a:ea typeface="맑은 고딕" charset="0"/>
+              </a:rPr>
+              <a:t>Mode를</a:t>
+            </a:r>
+            <a:r>
+              <a:rPr lang="ko-KR" sz="1800">
                 <a:latin typeface="맑은 고딕" charset="0"/>
                 <a:ea typeface="맑은 고딕" charset="0"/>
               </a:rPr>
@@ -10765,111 +10800,7 @@
                 <a:latin typeface="맑은 고딕" charset="0"/>
                 <a:ea typeface="맑은 고딕" charset="0"/>
               </a:rPr>
-              <a:t>그런 다음 Update( ) 함수에서 </a:t>
-            </a:r>
-            <a:r>
-              <a:rPr lang="ko-KR" sz="1800">
-                <a:latin typeface="맑은 고딕" charset="0"/>
-                <a:ea typeface="맑은 고딕" charset="0"/>
-              </a:rPr>
-              <a:t>설정한</a:t>
-            </a:r>
-            <a:r>
-              <a:rPr lang="ko-KR" sz="1800">
-                <a:latin typeface="맑은 고딕" charset="0"/>
-                <a:ea typeface="맑은 고딕" charset="0"/>
-              </a:rPr>
-              <a:t> </a:t>
-            </a:r>
-            <a:r>
-              <a:rPr lang="ko-KR" sz="1800">
-                <a:latin typeface="맑은 고딕" charset="0"/>
-                <a:ea typeface="맑은 고딕" charset="0"/>
-              </a:rPr>
-              <a:t>방향에</a:t>
-            </a:r>
-            <a:r>
-              <a:rPr lang="ko-KR" sz="1800">
-                <a:latin typeface="맑은 고딕" charset="0"/>
-                <a:ea typeface="맑은 고딕" charset="0"/>
-              </a:rPr>
-              <a:t> 따라 일정한 속도로 </a:t>
-            </a:r>
-            <a:r>
-              <a:rPr lang="ko-KR" sz="1800">
-                <a:latin typeface="맑은 고딕" charset="0"/>
-                <a:ea typeface="맑은 고딕" charset="0"/>
-              </a:rPr>
-              <a:t>이동하도록</a:t>
-            </a:r>
-            <a:r>
-              <a:rPr lang="ko-KR" sz="1800">
-                <a:latin typeface="맑은 고딕" charset="0"/>
-                <a:ea typeface="맑은 고딕" charset="0"/>
-              </a:rPr>
-              <a:t> </a:t>
-            </a:r>
-            <a:r>
-              <a:rPr lang="ko-KR" sz="1800">
-                <a:latin typeface="맑은 고딕" charset="0"/>
-                <a:ea typeface="맑은 고딕" charset="0"/>
-              </a:rPr>
-              <a:t>설정합니다.</a:t>
-            </a:r>
-            <a:endParaRPr lang="ko-KR" altLang="en-US" sz="1800">
-              <a:latin typeface="맑은 고딕" charset="0"/>
-              <a:ea typeface="맑은 고딕" charset="0"/>
-            </a:endParaRPr>
-          </a:p>
-          <a:p>
-            <a:pPr marL="0" indent="0" algn="l" latinLnBrk="0" hangingPunct="1">
-              <a:buFontTx/>
-              <a:buNone/>
-            </a:pPr>
-            <a:endParaRPr lang="ko-KR" altLang="en-US" sz="1800">
-              <a:latin typeface="맑은 고딕" charset="0"/>
-              <a:ea typeface="맑은 고딕" charset="0"/>
-            </a:endParaRPr>
-          </a:p>
-          <a:p>
-            <a:pPr marL="0" indent="0" algn="l" latinLnBrk="0" hangingPunct="1">
-              <a:buFontTx/>
-              <a:buNone/>
-            </a:pPr>
-            <a:r>
-              <a:rPr lang="ko-KR" sz="1800">
-                <a:latin typeface="맑은 고딕" charset="0"/>
-                <a:ea typeface="맑은 고딕" charset="0"/>
-              </a:rPr>
-              <a:t>그다음으로</a:t>
-            </a:r>
-            <a:r>
-              <a:rPr lang="ko-KR" sz="1800">
-                <a:latin typeface="맑은 고딕" charset="0"/>
-                <a:ea typeface="맑은 고딕" charset="0"/>
-              </a:rPr>
-              <a:t> 자신의 x 위치 좌표에 따라 </a:t>
-            </a:r>
-            <a:r>
-              <a:rPr lang="ko-KR" sz="1800">
-                <a:latin typeface="맑은 고딕" charset="0"/>
-                <a:ea typeface="맑은 고딕" charset="0"/>
-              </a:rPr>
-              <a:t>direction</a:t>
-            </a:r>
-            <a:r>
-              <a:rPr lang="ko-KR" sz="1800">
-                <a:latin typeface="맑은 고딕" charset="0"/>
-                <a:ea typeface="맑은 고딕" charset="0"/>
-              </a:rPr>
-              <a:t> 변수에 새로운 값이 </a:t>
-            </a:r>
-            <a:r>
-              <a:rPr lang="ko-KR" sz="1800">
-                <a:latin typeface="맑은 고딕" charset="0"/>
-                <a:ea typeface="맑은 고딕" charset="0"/>
-              </a:rPr>
-              <a:t>저장되도록</a:t>
+              <a:t>Baked로</a:t>
             </a:r>
             <a:r>
               <a:rPr lang="ko-KR" sz="1800">
@@ -10963,7 +10894,7 @@
                 <a:latin typeface="나눔바른고딕" charset="0"/>
                 <a:ea typeface="나눔바른고딕" charset="0"/>
               </a:rPr>
-              <a:t>열네</a:t>
+              <a:t>열다섯</a:t>
             </a:r>
             <a:r>
               <a:rPr lang="ko-KR" altLang="en-US" sz="2500" b="1">
@@ -10995,7 +10926,7 @@
         </p:nvSpPr>
         <p:spPr>
           <a:xfrm>
-            <a:off x="1255395" y="5233035"/>
+            <a:off x="1246505" y="5267325"/>
             <a:ext cx="4138295" cy="954405"/>
           </a:xfrm>
           <a:prstGeom prst="rect"/>
@@ -11033,7 +10964,7 @@
                 <a:latin typeface="맑은 고딕" charset="0"/>
                 <a:ea typeface="맑은 고딕" charset="0"/>
               </a:rPr>
-              <a:t>0</a:t>
+              <a:t>2</a:t>
             </a:r>
             <a:r>
               <a:rPr lang="ko-KR" sz="2000" b="1">
@@ -11060,14 +10991,14 @@
                 <a:latin typeface="맑은 고딕" charset="0"/>
                 <a:ea typeface="맑은 고딕" charset="0"/>
               </a:rPr>
-              <a:t>그러고 나서 Spot Light </a:t>
-            </a:r>
-            <a:r>
-              <a:rPr lang="ko-KR" sz="1800">
-                <a:latin typeface="맑은 고딕" charset="0"/>
-                <a:ea typeface="맑은 고딕" charset="0"/>
-              </a:rPr>
-              <a:t>오브젝트의</a:t>
+              <a:t>그리고 Area Light 오브젝트의 </a:t>
+            </a:r>
+            <a:r>
+              <a:rPr lang="ko-KR" sz="1800">
+                <a:latin typeface="맑은 고딕" charset="0"/>
+                <a:ea typeface="맑은 고딕" charset="0"/>
+              </a:rPr>
+              <a:t>Range와</a:t>
             </a:r>
             <a:r>
               <a:rPr lang="ko-KR" sz="1800">
@@ -11081,42 +11012,49 @@
                 <a:latin typeface="맑은 고딕" charset="0"/>
                 <a:ea typeface="맑은 고딕" charset="0"/>
               </a:rPr>
-              <a:t>Spot</a:t>
-            </a:r>
-            <a:r>
-              <a:rPr lang="ko-KR" sz="1800">
-                <a:latin typeface="맑은 고딕" charset="0"/>
-                <a:ea typeface="맑은 고딕" charset="0"/>
-              </a:rPr>
-              <a:t> Angle 값을 설정한 </a:t>
-            </a:r>
-            <a:r>
-              <a:rPr lang="ko-KR" sz="1800">
-                <a:latin typeface="맑은 고딕" charset="0"/>
-                <a:ea typeface="맑은 고딕" charset="0"/>
-              </a:rPr>
-              <a:t>다음</a:t>
-            </a:r>
-            <a:r>
-              <a:rPr lang="ko-KR" sz="1800">
-                <a:latin typeface="맑은 고딕" charset="0"/>
-                <a:ea typeface="맑은 고딕" charset="0"/>
-              </a:rPr>
-              <a:t> Mode를 </a:t>
-            </a:r>
-            <a:r>
-              <a:rPr lang="ko-KR" sz="1800">
-                <a:latin typeface="맑은 고딕" charset="0"/>
-                <a:ea typeface="맑은 고딕" charset="0"/>
-              </a:rPr>
-              <a:t>Baked로</a:t>
-            </a:r>
-            <a:r>
-              <a:rPr lang="ko-KR" sz="1800">
-                <a:latin typeface="맑은 고딕" charset="0"/>
-                <a:ea typeface="맑은 고딕" charset="0"/>
-              </a:rPr>
-              <a:t> 설정합니다.</a:t>
+              <a:t>Color</a:t>
+            </a:r>
+            <a:r>
+              <a:rPr lang="ko-KR" sz="1800">
+                <a:latin typeface="맑은 고딕" charset="0"/>
+                <a:ea typeface="맑은 고딕" charset="0"/>
+              </a:rPr>
+              <a:t> 값을 설정하고 </a:t>
+            </a:r>
+            <a:r>
+              <a:rPr lang="ko-KR" sz="1800">
+                <a:latin typeface="맑은 고딕" charset="0"/>
+                <a:ea typeface="맑은 고딕" charset="0"/>
+              </a:rPr>
+              <a:t>Intensity</a:t>
+            </a:r>
+            <a:r>
+              <a:rPr lang="ko-KR" sz="1800">
+                <a:latin typeface="맑은 고딕" charset="0"/>
+                <a:ea typeface="맑은 고딕" charset="0"/>
+              </a:rPr>
+              <a:t> </a:t>
+            </a:r>
+            <a:r>
+              <a:rPr lang="ko-KR" sz="1800">
+                <a:latin typeface="맑은 고딕" charset="0"/>
+                <a:ea typeface="맑은 고딕" charset="0"/>
+              </a:rPr>
+              <a:t>값을</a:t>
+            </a:r>
+            <a:r>
+              <a:rPr lang="ko-KR" sz="1800">
+                <a:latin typeface="맑은 고딕" charset="0"/>
+                <a:ea typeface="맑은 고딕" charset="0"/>
+              </a:rPr>
+              <a:t> </a:t>
+            </a:r>
+            <a:r>
+              <a:rPr lang="ko-KR" sz="1800">
+                <a:latin typeface="맑은 고딕" charset="0"/>
+                <a:ea typeface="맑은 고딕" charset="0"/>
+              </a:rPr>
+              <a:t>설정합니다.</a:t>
             </a:r>
             <a:endParaRPr lang="ko-KR" altLang="en-US" sz="1800">
               <a:latin typeface="맑은 고딕" charset="0"/>
@@ -11125,9 +11063,107 @@
           </a:p>
         </p:txBody>
       </p:sp>
+      <p:sp>
+        <p:nvSpPr>
+          <p:cNvPr id="1220" name="Rect 0"/>
+          <p:cNvSpPr txBox="1">
+            <a:spLocks/>
+          </p:cNvSpPr>
+          <p:nvPr/>
+        </p:nvSpPr>
+        <p:spPr>
+          <a:xfrm rot="0">
+            <a:off x="6805295" y="5538470"/>
+            <a:ext cx="4169410" cy="677545"/>
+          </a:xfrm>
+          <a:prstGeom prst="rect"/>
+          <a:noFill/>
+          <a:ln w="0">
+            <a:noFill/>
+            <a:prstDash/>
+          </a:ln>
+        </p:spPr>
+        <p:txBody>
+          <a:bodyPr wrap="square" lIns="89535" tIns="46355" rIns="89535" bIns="46355" numCol="1" vert="horz" anchor="t">
+            <a:spAutoFit/>
+          </a:bodyPr>
+          <a:lstStyle/>
+          <a:p>
+            <a:pPr marL="0" indent="0" algn="l" latinLnBrk="0" hangingPunct="1">
+              <a:buFontTx/>
+              <a:buNone/>
+            </a:pPr>
+            <a:r>
+              <a:rPr lang="ko-KR" sz="2000" b="1">
+                <a:solidFill>
+                  <a:srgbClr val="0611F2"/>
+                </a:solidFill>
+                <a:latin typeface="맑은 고딕" charset="0"/>
+                <a:ea typeface="맑은 고딕" charset="0"/>
+              </a:rPr>
+              <a:t>4</a:t>
+            </a:r>
+            <a:r>
+              <a:rPr lang="ko-KR" sz="2000" b="1">
+                <a:solidFill>
+                  <a:srgbClr val="0611F2"/>
+                </a:solidFill>
+                <a:latin typeface="맑은 고딕" charset="0"/>
+                <a:ea typeface="맑은 고딕" charset="0"/>
+              </a:rPr>
+              <a:t>4</a:t>
+            </a:r>
+            <a:r>
+              <a:rPr lang="ko-KR" sz="2000" b="1">
+                <a:solidFill>
+                  <a:srgbClr val="0611F2"/>
+                </a:solidFill>
+                <a:latin typeface="맑은 고딕" charset="0"/>
+                <a:ea typeface="맑은 고딕" charset="0"/>
+              </a:rPr>
+              <a:t>.</a:t>
+            </a:r>
+            <a:r>
+              <a:rPr lang="ko-KR" sz="2000" b="1">
+                <a:solidFill>
+                  <a:srgbClr val="0611F2"/>
+                </a:solidFill>
+                <a:latin typeface="맑은 고딕" charset="0"/>
+                <a:ea typeface="맑은 고딕" charset="0"/>
+              </a:rPr>
+              <a:t> </a:t>
+            </a:r>
+            <a:r>
+              <a:rPr lang="ko-KR" sz="1800">
+                <a:latin typeface="맑은 고딕" charset="0"/>
+                <a:ea typeface="맑은 고딕" charset="0"/>
+              </a:rPr>
+              <a:t>그다음 Center House 오브젝트의 </a:t>
+            </a:r>
+            <a:r>
+              <a:rPr lang="ko-KR" sz="1800">
+                <a:latin typeface="맑은 고딕" charset="0"/>
+                <a:ea typeface="맑은 고딕" charset="0"/>
+              </a:rPr>
+              <a:t>위치와</a:t>
+            </a:r>
+            <a:r>
+              <a:rPr lang="ko-KR" sz="1800">
+                <a:latin typeface="맑은 고딕" charset="0"/>
+                <a:ea typeface="맑은 고딕" charset="0"/>
+              </a:rPr>
+              <a:t> 회전 값을 설정합니다.</a:t>
+            </a:r>
+            <a:endParaRPr lang="ko-KR" altLang="en-US" sz="1800">
+              <a:latin typeface="맑은 고딕" charset="0"/>
+              <a:ea typeface="맑은 고딕" charset="0"/>
+            </a:endParaRPr>
+          </a:p>
+        </p:txBody>
+      </p:sp>
       <p:pic>
         <p:nvPicPr>
-          <p:cNvPr id="1218" name="그림 21" descr="C:/Users/Admin1/AppData/Roaming/PolarisOffice/ETemp/1284_18416448/fImage208703199169.png"/>
+          <p:cNvPr id="1221" name="그림 28" descr="C:/Users/Admin1/AppData/Roaming/PolarisOffice/ETemp/1284_18416448/fImage201813301478.png"/>
           <p:cNvPicPr>
             <a:picLocks noChangeAspect="1"/>
           </p:cNvPicPr>
@@ -11147,8 +11183,8 @@
         </p:blipFill>
         <p:spPr>
           <a:xfrm rot="0">
-            <a:off x="1247775" y="1464310"/>
-            <a:ext cx="4145915" cy="3568065"/>
+            <a:off x="1252220" y="1454785"/>
+            <a:ext cx="4144010" cy="3655695"/>
           </a:xfrm>
           <a:prstGeom prst="roundRect"/>
           <a:solidFill>
@@ -11158,17 +11194,17 @@
       </p:pic>
       <p:pic>
         <p:nvPicPr>
-          <p:cNvPr id="1219" name="그림 24"/>
+          <p:cNvPr id="1222" name="그림 33" descr="C:/Users/Admin1/AppData/Roaming/PolarisOffice/ETemp/1284_18416448/fImage112893339358.png"/>
           <p:cNvPicPr>
             <a:picLocks noChangeAspect="1"/>
           </p:cNvPicPr>
           <p:nvPr/>
         </p:nvPicPr>
         <p:blipFill rotWithShape="1">
-          <a:blip r:embed="rId3" cstate="print">
+          <a:blip r:embed="rId3" cstate="hqprint">
             <a:extLst>
               <a:ext uri="{28A0092B-C50C-407E-A947-70E740481C1C}">
-                <a14:useLocalDpi xmlns:a14="http://schemas.microsoft.com/office/drawing/2010/main" val="0"/>
+                <a14:useLocalDpi xmlns:a14="http://schemas.microsoft.com/office/drawing/2010/main"/>
               </a:ext>
             </a:extLst>
           </a:blip>
@@ -11178,8 +11214,8 @@
         </p:blipFill>
         <p:spPr>
           <a:xfrm rot="0">
-            <a:off x="6806565" y="1461135"/>
-            <a:ext cx="4156710" cy="3570605"/>
+            <a:off x="6808470" y="1437640"/>
+            <a:ext cx="1254760" cy="1132205"/>
           </a:xfrm>
           <a:prstGeom prst="roundRect"/>
           <a:solidFill>
@@ -11187,18 +11223,81 @@
           </a:solidFill>
         </p:spPr>
       </p:pic>
+      <p:pic>
+        <p:nvPicPr>
+          <p:cNvPr id="1223" name="그림 34" descr="C:/Users/Admin1/AppData/Roaming/PolarisOffice/ETemp/1284_18416448/fImage483573346962.png"/>
+          <p:cNvPicPr>
+            <a:picLocks noChangeAspect="1"/>
+          </p:cNvPicPr>
+          <p:nvPr/>
+        </p:nvPicPr>
+        <p:blipFill rotWithShape="1">
+          <a:blip r:embed="rId4" cstate="hqprint">
+            <a:extLst>
+              <a:ext uri="{28A0092B-C50C-407E-A947-70E740481C1C}">
+                <a14:useLocalDpi xmlns:a14="http://schemas.microsoft.com/office/drawing/2010/main"/>
+              </a:ext>
+            </a:extLst>
+          </a:blip>
+          <a:stretch>
+            <a:fillRect/>
+          </a:stretch>
+        </p:blipFill>
+        <p:spPr>
+          <a:xfrm rot="0">
+            <a:off x="8174355" y="1445895"/>
+            <a:ext cx="2789555" cy="1121410"/>
+          </a:xfrm>
+          <a:prstGeom prst="roundRect"/>
+          <a:solidFill>
+            <a:srgbClr val="EDEDED"/>
+          </a:solidFill>
+        </p:spPr>
+      </p:pic>
+      <p:cxnSp>
+        <p:nvCxnSpPr>
+          <p:cNvPr id="1224" name="도형 37"/>
+          <p:cNvCxnSpPr/>
+          <p:nvPr/>
+        </p:nvCxnSpPr>
+        <p:spPr>
+          <a:xfrm rot="0" flipH="1">
+            <a:off x="7769860" y="2084705"/>
+            <a:ext cx="474345" cy="379095"/>
+          </a:xfrm>
+          <a:prstGeom prst="straightConnector1"/>
+          <a:ln w="6350" cap="flat" cmpd="sng">
+            <a:prstDash/>
+            <a:tailEnd type="triangle" w="med" len="med"/>
+          </a:ln>
+        </p:spPr>
+        <p:style>
+          <a:lnRef idx="1">
+            <a:schemeClr val="accent1"/>
+          </a:lnRef>
+          <a:fillRef idx="0">
+            <a:schemeClr val="accent1"/>
+          </a:fillRef>
+          <a:effectRef idx="0">
+            <a:schemeClr val="accent1"/>
+          </a:effectRef>
+          <a:fontRef idx="minor">
+            <a:schemeClr val="tx1"/>
+          </a:fontRef>
+        </p:style>
+      </p:cxnSp>
       <p:sp>
         <p:nvSpPr>
-          <p:cNvPr id="1220" name="텍스트 상자 27"/>
+          <p:cNvPr id="1225" name="텍스트 상자 38"/>
           <p:cNvSpPr txBox="1">
             <a:spLocks/>
           </p:cNvSpPr>
           <p:nvPr/>
         </p:nvSpPr>
         <p:spPr>
-          <a:xfrm>
-            <a:off x="6816725" y="5227320"/>
-            <a:ext cx="4138295" cy="954405"/>
+          <a:xfrm rot="0">
+            <a:off x="6808470" y="2677795"/>
+            <a:ext cx="4164330" cy="923925"/>
           </a:xfrm>
           <a:prstGeom prst="rect"/>
           <a:noFill/>
@@ -11213,12 +11312,12 @@
           </a:bodyPr>
           <a:lstStyle/>
           <a:p>
-            <a:pPr marL="0" indent="0" algn="l" latinLnBrk="0" hangingPunct="1">
-              <a:buFontTx/>
-              <a:buNone/>
-            </a:pPr>
-            <a:r>
-              <a:rPr lang="ko-KR" sz="2000" b="1">
+            <a:pPr marL="0" indent="0" rtl="0" algn="l" defTabSz="914400" eaLnBrk="1" latinLnBrk="0" hangingPunct="1">
+              <a:buFontTx/>
+              <a:buNone/>
+            </a:pPr>
+            <a:r>
+              <a:rPr lang="ko-KR" sz="1800" b="1">
                 <a:solidFill>
                   <a:srgbClr val="0611F2"/>
                 </a:solidFill>
@@ -11228,17 +11327,17 @@
               <a:t>4</a:t>
             </a:r>
             <a:r>
-              <a:rPr lang="ko-KR" sz="2000" b="1">
+              <a:rPr lang="ko-KR" sz="1800" b="1">
                 <a:solidFill>
                   <a:srgbClr val="0611F2"/>
                 </a:solidFill>
                 <a:latin typeface="맑은 고딕" charset="0"/>
                 <a:ea typeface="맑은 고딕" charset="0"/>
               </a:rPr>
-              <a:t>1</a:t>
-            </a:r>
-            <a:r>
-              <a:rPr lang="ko-KR" sz="2000" b="1">
+              <a:t>3</a:t>
+            </a:r>
+            <a:r>
+              <a:rPr sz="1800" b="1">
                 <a:solidFill>
                   <a:srgbClr val="0611F2"/>
                 </a:solidFill>
@@ -11248,10 +11347,7 @@
               <a:t>.</a:t>
             </a:r>
             <a:r>
-              <a:rPr lang="ko-KR" sz="2000" b="1">
-                <a:solidFill>
-                  <a:srgbClr val="0611F2"/>
-                </a:solidFill>
+              <a:rPr sz="1800">
                 <a:latin typeface="맑은 고딕" charset="0"/>
                 <a:ea typeface="맑은 고딕" charset="0"/>
               </a:rPr>
@@ -11262,14 +11358,14 @@
                 <a:latin typeface="맑은 고딕" charset="0"/>
                 <a:ea typeface="맑은 고딕" charset="0"/>
               </a:rPr>
-              <a:t>이제 Point Light 오브젝트의 </a:t>
-            </a:r>
-            <a:r>
-              <a:rPr lang="ko-KR" sz="1800">
-                <a:latin typeface="맑은 고딕" charset="0"/>
-                <a:ea typeface="맑은 고딕" charset="0"/>
-              </a:rPr>
-              <a:t>Range와</a:t>
+              <a:t>그런 다음 Project 폴더에 있는 </a:t>
+            </a:r>
+            <a:r>
+              <a:rPr lang="ko-KR" sz="1800">
+                <a:latin typeface="맑은 고딕" charset="0"/>
+                <a:ea typeface="맑은 고딕" charset="0"/>
+              </a:rPr>
+              <a:t>Texture</a:t>
             </a:r>
             <a:r>
               <a:rPr lang="ko-KR" sz="1800">
@@ -11283,21 +11379,21 @@
                 <a:latin typeface="맑은 고딕" charset="0"/>
                 <a:ea typeface="맑은 고딕" charset="0"/>
               </a:rPr>
-              <a:t>Color</a:t>
-            </a:r>
-            <a:r>
-              <a:rPr lang="ko-KR" sz="1800">
-                <a:latin typeface="맑은 고딕" charset="0"/>
-                <a:ea typeface="맑은 고딕" charset="0"/>
-              </a:rPr>
-              <a:t> 값을 설정한 다음 </a:t>
-            </a:r>
-            <a:r>
-              <a:rPr lang="ko-KR" sz="1800">
-                <a:latin typeface="맑은 고딕" charset="0"/>
-                <a:ea typeface="맑은 고딕" charset="0"/>
-              </a:rPr>
-              <a:t>Mode를</a:t>
+              <a:t>폴더에</a:t>
+            </a:r>
+            <a:r>
+              <a:rPr lang="ko-KR" sz="1800">
+                <a:latin typeface="맑은 고딕" charset="0"/>
+                <a:ea typeface="맑은 고딕" charset="0"/>
+              </a:rPr>
+              <a:t> House 텍스처를 </a:t>
+            </a:r>
+            <a:r>
+              <a:rPr lang="ko-KR" sz="1800">
+                <a:latin typeface="맑은 고딕" charset="0"/>
+                <a:ea typeface="맑은 고딕" charset="0"/>
+              </a:rPr>
+              <a:t>Center</a:t>
             </a:r>
             <a:r>
               <a:rPr lang="ko-KR" sz="1800">
@@ -11311,14 +11407,28 @@
                 <a:latin typeface="맑은 고딕" charset="0"/>
                 <a:ea typeface="맑은 고딕" charset="0"/>
               </a:rPr>
-              <a:t>Baked로</a:t>
-            </a:r>
-            <a:r>
-              <a:rPr lang="ko-KR" sz="1800">
-                <a:latin typeface="맑은 고딕" charset="0"/>
-                <a:ea typeface="맑은 고딕" charset="0"/>
-              </a:rPr>
-              <a:t> 설정합니다.</a:t>
+              <a:t>House</a:t>
+            </a:r>
+            <a:r>
+              <a:rPr lang="ko-KR" sz="1800">
+                <a:latin typeface="맑은 고딕" charset="0"/>
+                <a:ea typeface="맑은 고딕" charset="0"/>
+              </a:rPr>
+              <a:t> </a:t>
+            </a:r>
+            <a:r>
+              <a:rPr lang="ko-KR" sz="1800">
+                <a:latin typeface="맑은 고딕" charset="0"/>
+                <a:ea typeface="맑은 고딕" charset="0"/>
+              </a:rPr>
+              <a:t>오브젝트에</a:t>
+            </a:r>
+            <a:r>
+              <a:rPr lang="ko-KR" sz="1800">
+                <a:latin typeface="맑은 고딕" charset="0"/>
+                <a:ea typeface="맑은 고딕" charset="0"/>
+              </a:rPr>
+              <a:t> 넣어줍니다.</a:t>
             </a:r>
             <a:endParaRPr lang="ko-KR" altLang="en-US" sz="1800">
               <a:latin typeface="맑은 고딕" charset="0"/>
@@ -11327,6 +11437,37 @@
           </a:p>
         </p:txBody>
       </p:sp>
+      <p:pic>
+        <p:nvPicPr>
+          <p:cNvPr id="1226" name="그림 39" descr="C:/Users/Admin1/AppData/Roaming/PolarisOffice/ETemp/1284_18416448/fImage157213374464.png"/>
+          <p:cNvPicPr>
+            <a:picLocks noChangeAspect="1"/>
+          </p:cNvPicPr>
+          <p:nvPr/>
+        </p:nvPicPr>
+        <p:blipFill rotWithShape="1">
+          <a:blip r:embed="rId5" cstate="hqprint">
+            <a:extLst>
+              <a:ext uri="{28A0092B-C50C-407E-A947-70E740481C1C}">
+                <a14:useLocalDpi xmlns:a14="http://schemas.microsoft.com/office/drawing/2010/main"/>
+              </a:ext>
+            </a:extLst>
+          </a:blip>
+          <a:stretch>
+            <a:fillRect/>
+          </a:stretch>
+        </p:blipFill>
+        <p:spPr>
+          <a:xfrm rot="0">
+            <a:off x="6802755" y="3738245"/>
+            <a:ext cx="4152265" cy="1692275"/>
+          </a:xfrm>
+          <a:prstGeom prst="roundRect"/>
+          <a:solidFill>
+            <a:srgbClr val="EDEDED"/>
+          </a:solidFill>
+        </p:spPr>
+      </p:pic>
     </p:spTree>
   </p:cSld>
   <p:clrMapOvr>
@@ -11378,7 +11519,7 @@
         <p:spPr>
           <a:xfrm rot="0">
             <a:off x="4232275" y="396240"/>
-            <a:ext cx="3719830" cy="478155"/>
+            <a:ext cx="3720465" cy="478155"/>
           </a:xfrm>
           <a:prstGeom prst="rect"/>
           <a:noFill/>
@@ -11405,7 +11546,7 @@
                 <a:latin typeface="나눔바른고딕" charset="0"/>
                 <a:ea typeface="나눔바른고딕" charset="0"/>
               </a:rPr>
-              <a:t>열다섯</a:t>
+              <a:t>열여섯</a:t>
             </a:r>
             <a:r>
               <a:rPr lang="ko-KR" altLang="en-US" sz="2500" b="1">
@@ -11437,8 +11578,8 @@
         </p:nvSpPr>
         <p:spPr>
           <a:xfrm>
-            <a:off x="1246505" y="5267325"/>
-            <a:ext cx="4138295" cy="954405"/>
+            <a:off x="1246505" y="5534660"/>
+            <a:ext cx="4130040" cy="677545"/>
           </a:xfrm>
           <a:prstGeom prst="rect"/>
           <a:noFill/>
@@ -11465,7 +11606,7 @@
                 <a:latin typeface="맑은 고딕" charset="0"/>
                 <a:ea typeface="맑은 고딕" charset="0"/>
               </a:rPr>
-              <a:t>4</a:t>
+              <a:t>46.</a:t>
             </a:r>
             <a:r>
               <a:rPr lang="ko-KR" sz="2000" b="1">
@@ -11475,26 +11616,6 @@
                 <a:latin typeface="맑은 고딕" charset="0"/>
                 <a:ea typeface="맑은 고딕" charset="0"/>
               </a:rPr>
-              <a:t>2</a:t>
-            </a:r>
-            <a:r>
-              <a:rPr lang="ko-KR" sz="2000" b="1">
-                <a:solidFill>
-                  <a:srgbClr val="0611F2"/>
-                </a:solidFill>
-                <a:latin typeface="맑은 고딕" charset="0"/>
-                <a:ea typeface="맑은 고딕" charset="0"/>
-              </a:rPr>
-              <a:t>.</a:t>
-            </a:r>
-            <a:r>
-              <a:rPr lang="ko-KR" sz="2000" b="1">
-                <a:solidFill>
-                  <a:srgbClr val="0611F2"/>
-                </a:solidFill>
-                <a:latin typeface="맑은 고딕" charset="0"/>
-                <a:ea typeface="맑은 고딕" charset="0"/>
-              </a:rPr>
               <a:t> </a:t>
             </a:r>
             <a:r>
@@ -11502,14 +11623,14 @@
                 <a:latin typeface="맑은 고딕" charset="0"/>
                 <a:ea typeface="맑은 고딕" charset="0"/>
               </a:rPr>
-              <a:t>그리고 Area Light 오브젝트의 </a:t>
-            </a:r>
-            <a:r>
-              <a:rPr lang="ko-KR" sz="1800">
-                <a:latin typeface="맑은 고딕" charset="0"/>
-                <a:ea typeface="맑은 고딕" charset="0"/>
-              </a:rPr>
-              <a:t>Range와</a:t>
+              <a:t>이제 Right House 오브젝트의 </a:t>
+            </a:r>
+            <a:r>
+              <a:rPr lang="ko-KR" sz="1800">
+                <a:latin typeface="맑은 고딕" charset="0"/>
+                <a:ea typeface="맑은 고딕" charset="0"/>
+              </a:rPr>
+              <a:t>위치와</a:t>
             </a:r>
             <a:r>
               <a:rPr lang="ko-KR" sz="1800">
@@ -11523,49 +11644,14 @@
                 <a:latin typeface="맑은 고딕" charset="0"/>
                 <a:ea typeface="맑은 고딕" charset="0"/>
               </a:rPr>
-              <a:t>Color</a:t>
-            </a:r>
-            <a:r>
-              <a:rPr lang="ko-KR" sz="1800">
-                <a:latin typeface="맑은 고딕" charset="0"/>
-                <a:ea typeface="맑은 고딕" charset="0"/>
-              </a:rPr>
-              <a:t> 값을 설정하고 </a:t>
-            </a:r>
-            <a:r>
-              <a:rPr lang="ko-KR" sz="1800">
-                <a:latin typeface="맑은 고딕" charset="0"/>
-                <a:ea typeface="맑은 고딕" charset="0"/>
-              </a:rPr>
-              <a:t>Intensity</a:t>
-            </a:r>
-            <a:r>
-              <a:rPr lang="ko-KR" sz="1800">
-                <a:latin typeface="맑은 고딕" charset="0"/>
-                <a:ea typeface="맑은 고딕" charset="0"/>
-              </a:rPr>
-              <a:t> </a:t>
-            </a:r>
-            <a:r>
-              <a:rPr lang="ko-KR" sz="1800">
-                <a:latin typeface="맑은 고딕" charset="0"/>
-                <a:ea typeface="맑은 고딕" charset="0"/>
-              </a:rPr>
-              <a:t>값을</a:t>
-            </a:r>
-            <a:r>
-              <a:rPr lang="ko-KR" sz="1800">
-                <a:latin typeface="맑은 고딕" charset="0"/>
-                <a:ea typeface="맑은 고딕" charset="0"/>
-              </a:rPr>
-              <a:t> </a:t>
-            </a:r>
-            <a:r>
-              <a:rPr lang="ko-KR" sz="1800">
-                <a:latin typeface="맑은 고딕" charset="0"/>
-                <a:ea typeface="맑은 고딕" charset="0"/>
-              </a:rPr>
-              <a:t>설정합니다.</a:t>
+              <a:t>회전</a:t>
+            </a:r>
+            <a:r>
+              <a:rPr lang="ko-KR" sz="1800">
+                <a:latin typeface="맑은 고딕" charset="0"/>
+                <a:ea typeface="맑은 고딕" charset="0"/>
+              </a:rPr>
+              <a:t> 값을 설정합니다.</a:t>
             </a:r>
             <a:endParaRPr lang="ko-KR" altLang="en-US" sz="1800">
               <a:latin typeface="맑은 고딕" charset="0"/>
@@ -11583,9 +11669,9 @@
           <p:nvPr/>
         </p:nvSpPr>
         <p:spPr>
-          <a:xfrm rot="0">
-            <a:off x="6805295" y="5538470"/>
-            <a:ext cx="4169410" cy="677545"/>
+          <a:xfrm>
+            <a:off x="6807835" y="5538470"/>
+            <a:ext cx="4141470" cy="677545"/>
           </a:xfrm>
           <a:prstGeom prst="rect"/>
           <a:noFill/>
@@ -11612,7 +11698,7 @@
                 <a:latin typeface="맑은 고딕" charset="0"/>
                 <a:ea typeface="맑은 고딕" charset="0"/>
               </a:rPr>
-              <a:t>4</a:t>
+              <a:t>48.</a:t>
             </a:r>
             <a:r>
               <a:rPr lang="ko-KR" sz="2000" b="1">
@@ -11622,26 +11708,6 @@
                 <a:latin typeface="맑은 고딕" charset="0"/>
                 <a:ea typeface="맑은 고딕" charset="0"/>
               </a:rPr>
-              <a:t>4</a:t>
-            </a:r>
-            <a:r>
-              <a:rPr lang="ko-KR" sz="2000" b="1">
-                <a:solidFill>
-                  <a:srgbClr val="0611F2"/>
-                </a:solidFill>
-                <a:latin typeface="맑은 고딕" charset="0"/>
-                <a:ea typeface="맑은 고딕" charset="0"/>
-              </a:rPr>
-              <a:t>.</a:t>
-            </a:r>
-            <a:r>
-              <a:rPr lang="ko-KR" sz="2000" b="1">
-                <a:solidFill>
-                  <a:srgbClr val="0611F2"/>
-                </a:solidFill>
-                <a:latin typeface="맑은 고딕" charset="0"/>
-                <a:ea typeface="맑은 고딕" charset="0"/>
-              </a:rPr>
               <a:t> </a:t>
             </a:r>
             <a:r>
@@ -11649,7 +11715,7 @@
                 <a:latin typeface="맑은 고딕" charset="0"/>
                 <a:ea typeface="맑은 고딕" charset="0"/>
               </a:rPr>
-              <a:t>그다음 Center House 오브젝트의 </a:t>
+              <a:t>그런 다음 Left House 오브젝트의 </a:t>
             </a:r>
             <a:r>
               <a:rPr lang="ko-KR" sz="1800">
@@ -11672,9 +11738,115 @@
           </a:p>
         </p:txBody>
       </p:sp>
+      <p:sp>
+        <p:nvSpPr>
+          <p:cNvPr id="1225" name="Rect 0"/>
+          <p:cNvSpPr txBox="1">
+            <a:spLocks/>
+          </p:cNvSpPr>
+          <p:nvPr/>
+        </p:nvSpPr>
+        <p:spPr>
+          <a:xfrm rot="0">
+            <a:off x="6808470" y="2668905"/>
+            <a:ext cx="4149725" cy="1231265"/>
+          </a:xfrm>
+          <a:prstGeom prst="rect"/>
+          <a:noFill/>
+          <a:ln w="0">
+            <a:noFill/>
+            <a:prstDash/>
+          </a:ln>
+        </p:spPr>
+        <p:txBody>
+          <a:bodyPr wrap="square" lIns="89535" tIns="46355" rIns="89535" bIns="46355" numCol="1" vert="horz" anchor="t">
+            <a:spAutoFit/>
+          </a:bodyPr>
+          <a:lstStyle/>
+          <a:p>
+            <a:pPr marL="0" indent="0" algn="l" latinLnBrk="0" hangingPunct="1">
+              <a:buFontTx/>
+              <a:buNone/>
+            </a:pPr>
+            <a:r>
+              <a:rPr lang="ko-KR" sz="2000" b="1">
+                <a:solidFill>
+                  <a:srgbClr val="0611F2"/>
+                </a:solidFill>
+                <a:latin typeface="맑은 고딕" charset="0"/>
+                <a:ea typeface="맑은 고딕" charset="0"/>
+              </a:rPr>
+              <a:t>47.</a:t>
+            </a:r>
+            <a:r>
+              <a:rPr lang="ko-KR" sz="2000" b="1">
+                <a:solidFill>
+                  <a:srgbClr val="0611F2"/>
+                </a:solidFill>
+                <a:latin typeface="맑은 고딕" charset="0"/>
+                <a:ea typeface="맑은 고딕" charset="0"/>
+              </a:rPr>
+              <a:t> </a:t>
+            </a:r>
+            <a:r>
+              <a:rPr lang="ko-KR" sz="1800">
+                <a:latin typeface="맑은 고딕" charset="0"/>
+                <a:ea typeface="맑은 고딕" charset="0"/>
+              </a:rPr>
+              <a:t>그리고 Project 폴더 아래에 있는 </a:t>
+            </a:r>
+            <a:r>
+              <a:rPr lang="ko-KR" sz="1800">
+                <a:latin typeface="맑은 고딕" charset="0"/>
+                <a:ea typeface="맑은 고딕" charset="0"/>
+              </a:rPr>
+              <a:t>Model</a:t>
+            </a:r>
+            <a:r>
+              <a:rPr lang="ko-KR" sz="1800">
+                <a:latin typeface="맑은 고딕" charset="0"/>
+                <a:ea typeface="맑은 고딕" charset="0"/>
+              </a:rPr>
+              <a:t> 폴더에 House 오브젝트를 월드 </a:t>
+            </a:r>
+            <a:r>
+              <a:rPr lang="ko-KR" sz="1800">
+                <a:latin typeface="맑은 고딕" charset="0"/>
+                <a:ea typeface="맑은 고딕" charset="0"/>
+              </a:rPr>
+              <a:t>공간에</a:t>
+            </a:r>
+            <a:r>
+              <a:rPr lang="ko-KR" sz="1800">
+                <a:latin typeface="맑은 고딕" charset="0"/>
+                <a:ea typeface="맑은 고딕" charset="0"/>
+              </a:rPr>
+              <a:t> 배치한 다음 Left House라는 </a:t>
+            </a:r>
+            <a:r>
+              <a:rPr lang="ko-KR" sz="1800">
+                <a:latin typeface="맑은 고딕" charset="0"/>
+                <a:ea typeface="맑은 고딕" charset="0"/>
+              </a:rPr>
+              <a:t>이름으로</a:t>
+            </a:r>
+            <a:r>
+              <a:rPr lang="ko-KR" sz="1800">
+                <a:latin typeface="맑은 고딕" charset="0"/>
+                <a:ea typeface="맑은 고딕" charset="0"/>
+              </a:rPr>
+              <a:t> 정의합니다.</a:t>
+            </a:r>
+            <a:endParaRPr lang="ko-KR" altLang="en-US" sz="1800">
+              <a:latin typeface="맑은 고딕" charset="0"/>
+              <a:ea typeface="맑은 고딕" charset="0"/>
+            </a:endParaRPr>
+          </a:p>
+        </p:txBody>
+      </p:sp>
       <p:pic>
         <p:nvPicPr>
-          <p:cNvPr id="1221" name="그림 28" descr="C:/Users/Admin1/AppData/Roaming/PolarisOffice/ETemp/1284_18416448/fImage201813301478.png"/>
+          <p:cNvPr id="1228" name="그림 2" descr="C:/Users/Admin1/AppData/Roaming/PolarisOffice/ETemp/1284_18416448/fImage1169233941.png"/>
           <p:cNvPicPr>
             <a:picLocks noChangeAspect="1"/>
           </p:cNvPicPr>
@@ -11694,8 +11866,8 @@
         </p:blipFill>
         <p:spPr>
           <a:xfrm rot="0">
-            <a:off x="1252220" y="1454785"/>
-            <a:ext cx="4144010" cy="3655695"/>
+            <a:off x="1240790" y="1438275"/>
+            <a:ext cx="1310640" cy="1163320"/>
           </a:xfrm>
           <a:prstGeom prst="roundRect"/>
           <a:solidFill>
@@ -11705,7 +11877,7 @@
       </p:pic>
       <p:pic>
         <p:nvPicPr>
-          <p:cNvPr id="1222" name="그림 33" descr="C:/Users/Admin1/AppData/Roaming/PolarisOffice/ETemp/1284_18416448/fImage112893339358.png"/>
+          <p:cNvPr id="1229" name="그림 5" descr="C:/Users/Admin1/AppData/Roaming/PolarisOffice/ETemp/1284_18416448/fImage920929741.png"/>
           <p:cNvPicPr>
             <a:picLocks noChangeAspect="1"/>
           </p:cNvPicPr>
@@ -11725,8 +11897,8 @@
         </p:blipFill>
         <p:spPr>
           <a:xfrm rot="0">
-            <a:off x="6808470" y="1437640"/>
-            <a:ext cx="1254760" cy="1132205"/>
+            <a:off x="2670175" y="1438275"/>
+            <a:ext cx="2707005" cy="1163320"/>
           </a:xfrm>
           <a:prstGeom prst="roundRect"/>
           <a:solidFill>
@@ -11736,7 +11908,7 @@
       </p:pic>
       <p:pic>
         <p:nvPicPr>
-          <p:cNvPr id="1223" name="그림 34" descr="C:/Users/Admin1/AppData/Roaming/PolarisOffice/ETemp/1284_18416448/fImage483573346962.png"/>
+          <p:cNvPr id="1230" name="그림 6" descr="C:/Users/Admin1/AppData/Roaming/PolarisOffice/ETemp/1284_18416448/fImage22421721541.png"/>
           <p:cNvPicPr>
             <a:picLocks noChangeAspect="1"/>
           </p:cNvPicPr>
@@ -11755,51 +11927,17 @@
           </a:stretch>
         </p:blipFill>
         <p:spPr>
-          <a:xfrm rot="0">
-            <a:off x="8174355" y="1445895"/>
-            <a:ext cx="2789555" cy="1121410"/>
-          </a:xfrm>
-          <a:prstGeom prst="roundRect"/>
-          <a:solidFill>
-            <a:srgbClr val="EDEDED"/>
-          </a:solidFill>
+          <a:xfrm rot="10800000">
+            <a:off x="2265045" y="1843405"/>
+            <a:ext cx="626745" cy="353060"/>
+          </a:xfrm>
+          <a:prstGeom prst="rect"/>
+          <a:noFill/>
         </p:spPr>
       </p:pic>
-      <p:cxnSp>
-        <p:nvCxnSpPr>
-          <p:cNvPr id="1224" name="도형 37"/>
-          <p:cNvCxnSpPr/>
-          <p:nvPr/>
-        </p:nvCxnSpPr>
-        <p:spPr>
-          <a:xfrm rot="0" flipH="1">
-            <a:off x="7769860" y="2084705"/>
-            <a:ext cx="474345" cy="379095"/>
-          </a:xfrm>
-          <a:prstGeom prst="straightConnector1"/>
-          <a:ln w="6350" cap="flat" cmpd="sng">
-            <a:prstDash/>
-            <a:tailEnd type="triangle" w="med" len="med"/>
-          </a:ln>
-        </p:spPr>
-        <p:style>
-          <a:lnRef idx="1">
-            <a:schemeClr val="accent1"/>
-          </a:lnRef>
-          <a:fillRef idx="0">
-            <a:schemeClr val="accent1"/>
-          </a:fillRef>
-          <a:effectRef idx="0">
-            <a:schemeClr val="accent1"/>
-          </a:effectRef>
-          <a:fontRef idx="minor">
-            <a:schemeClr val="tx1"/>
-          </a:fontRef>
-        </p:style>
-      </p:cxnSp>
       <p:sp>
         <p:nvSpPr>
-          <p:cNvPr id="1225" name="텍스트 상자 38"/>
+          <p:cNvPr id="1231" name="텍스트 상자 7"/>
           <p:cNvSpPr txBox="1">
             <a:spLocks/>
           </p:cNvSpPr>
@@ -11807,8 +11945,8 @@
         </p:nvSpPr>
         <p:spPr>
           <a:xfrm rot="0">
-            <a:off x="6808470" y="2677795"/>
-            <a:ext cx="4164330" cy="923925"/>
+            <a:off x="1251585" y="2677160"/>
+            <a:ext cx="4133215" cy="1231265"/>
           </a:xfrm>
           <a:prstGeom prst="rect"/>
           <a:noFill/>
@@ -11823,45 +11961,28 @@
           </a:bodyPr>
           <a:lstStyle/>
           <a:p>
-            <a:pPr marL="0" indent="0" rtl="0" algn="l" defTabSz="914400" eaLnBrk="1" latinLnBrk="0" hangingPunct="1">
-              <a:buFontTx/>
-              <a:buNone/>
-            </a:pPr>
-            <a:r>
-              <a:rPr lang="ko-KR" sz="1800" b="1">
+            <a:pPr marL="0" indent="0" algn="l" latinLnBrk="0" hangingPunct="1">
+              <a:buFontTx/>
+              <a:buNone/>
+            </a:pPr>
+            <a:r>
+              <a:rPr lang="ko-KR" sz="2000" b="1">
                 <a:solidFill>
                   <a:srgbClr val="0611F2"/>
                 </a:solidFill>
                 <a:latin typeface="맑은 고딕" charset="0"/>
                 <a:ea typeface="맑은 고딕" charset="0"/>
               </a:rPr>
-              <a:t>4</a:t>
-            </a:r>
-            <a:r>
-              <a:rPr lang="ko-KR" sz="1800" b="1">
+              <a:t>45.</a:t>
+            </a:r>
+            <a:r>
+              <a:rPr lang="ko-KR" sz="2000" b="1">
                 <a:solidFill>
                   <a:srgbClr val="0611F2"/>
                 </a:solidFill>
                 <a:latin typeface="맑은 고딕" charset="0"/>
                 <a:ea typeface="맑은 고딕" charset="0"/>
               </a:rPr>
-              <a:t>3</a:t>
-            </a:r>
-            <a:r>
-              <a:rPr sz="1800" b="1">
-                <a:solidFill>
-                  <a:srgbClr val="0611F2"/>
-                </a:solidFill>
-                <a:latin typeface="맑은 고딕" charset="0"/>
-                <a:ea typeface="맑은 고딕" charset="0"/>
-              </a:rPr>
-              <a:t>.</a:t>
-            </a:r>
-            <a:r>
-              <a:rPr sz="1800">
-                <a:latin typeface="맑은 고딕" charset="0"/>
-                <a:ea typeface="맑은 고딕" charset="0"/>
-              </a:rPr>
               <a:t> </a:t>
             </a:r>
             <a:r>
@@ -11869,77 +11990,49 @@
                 <a:latin typeface="맑은 고딕" charset="0"/>
                 <a:ea typeface="맑은 고딕" charset="0"/>
               </a:rPr>
-              <a:t>그런 다음 Project 폴더에 있는 </a:t>
-            </a:r>
-            <a:r>
-              <a:rPr lang="ko-KR" sz="1800">
-                <a:latin typeface="맑은 고딕" charset="0"/>
-                <a:ea typeface="맑은 고딕" charset="0"/>
-              </a:rPr>
-              <a:t>Texture</a:t>
-            </a:r>
-            <a:r>
-              <a:rPr lang="ko-KR" sz="1800">
-                <a:latin typeface="맑은 고딕" charset="0"/>
-                <a:ea typeface="맑은 고딕" charset="0"/>
-              </a:rPr>
-              <a:t> </a:t>
-            </a:r>
-            <a:r>
-              <a:rPr lang="ko-KR" sz="1800">
-                <a:latin typeface="맑은 고딕" charset="0"/>
-                <a:ea typeface="맑은 고딕" charset="0"/>
-              </a:rPr>
-              <a:t>폴더에</a:t>
-            </a:r>
-            <a:r>
-              <a:rPr lang="ko-KR" sz="1800">
-                <a:latin typeface="맑은 고딕" charset="0"/>
-                <a:ea typeface="맑은 고딕" charset="0"/>
-              </a:rPr>
-              <a:t> House 텍스처를 </a:t>
-            </a:r>
-            <a:r>
-              <a:rPr lang="ko-KR" sz="1800">
-                <a:latin typeface="맑은 고딕" charset="0"/>
-                <a:ea typeface="맑은 고딕" charset="0"/>
-              </a:rPr>
-              <a:t>Center</a:t>
-            </a:r>
-            <a:r>
-              <a:rPr lang="ko-KR" sz="1800">
-                <a:latin typeface="맑은 고딕" charset="0"/>
-                <a:ea typeface="맑은 고딕" charset="0"/>
-              </a:rPr>
-              <a:t> </a:t>
-            </a:r>
-            <a:r>
-              <a:rPr lang="ko-KR" sz="1800">
-                <a:latin typeface="맑은 고딕" charset="0"/>
-                <a:ea typeface="맑은 고딕" charset="0"/>
-              </a:rPr>
-              <a:t>House</a:t>
-            </a:r>
-            <a:r>
-              <a:rPr lang="ko-KR" sz="1800">
-                <a:latin typeface="맑은 고딕" charset="0"/>
-                <a:ea typeface="맑은 고딕" charset="0"/>
-              </a:rPr>
-              <a:t> </a:t>
-            </a:r>
-            <a:r>
-              <a:rPr lang="ko-KR" sz="1800">
-                <a:latin typeface="맑은 고딕" charset="0"/>
-                <a:ea typeface="맑은 고딕" charset="0"/>
-              </a:rPr>
-              <a:t>오브젝트에</a:t>
-            </a:r>
-            <a:r>
-              <a:rPr lang="ko-KR" sz="1800">
-                <a:latin typeface="맑은 고딕" charset="0"/>
-                <a:ea typeface="맑은 고딕" charset="0"/>
-              </a:rPr>
-              <a:t> 넣어줍니다.</a:t>
+              <a:t>그러고 나서 Project 폴더 아래에 </a:t>
+            </a:r>
+            <a:r>
+              <a:rPr lang="ko-KR" sz="1800">
+                <a:latin typeface="맑은 고딕" charset="0"/>
+                <a:ea typeface="맑은 고딕" charset="0"/>
+              </a:rPr>
+              <a:t>있는</a:t>
+            </a:r>
+            <a:r>
+              <a:rPr lang="ko-KR" sz="1800">
+                <a:latin typeface="맑은 고딕" charset="0"/>
+                <a:ea typeface="맑은 고딕" charset="0"/>
+              </a:rPr>
+              <a:t> Model 폴더에 House 오브젝트를 </a:t>
+            </a:r>
+            <a:r>
+              <a:rPr lang="ko-KR" sz="1800">
+                <a:latin typeface="맑은 고딕" charset="0"/>
+                <a:ea typeface="맑은 고딕" charset="0"/>
+              </a:rPr>
+              <a:t>월드</a:t>
+            </a:r>
+            <a:r>
+              <a:rPr lang="ko-KR" sz="1800">
+                <a:latin typeface="맑은 고딕" charset="0"/>
+                <a:ea typeface="맑은 고딕" charset="0"/>
+              </a:rPr>
+              <a:t> 공간에 배치한 다음 Right </a:t>
+            </a:r>
+            <a:r>
+              <a:rPr lang="ko-KR" sz="1800">
+                <a:latin typeface="맑은 고딕" charset="0"/>
+                <a:ea typeface="맑은 고딕" charset="0"/>
+              </a:rPr>
+              <a:t>House라는</a:t>
+            </a:r>
+            <a:r>
+              <a:rPr lang="ko-KR" sz="1800">
+                <a:latin typeface="맑은 고딕" charset="0"/>
+                <a:ea typeface="맑은 고딕" charset="0"/>
+              </a:rPr>
+              <a:t> 이름으로 정의합니다.</a:t>
             </a:r>
             <a:endParaRPr lang="ko-KR" altLang="en-US" sz="1800">
               <a:latin typeface="맑은 고딕" charset="0"/>
@@ -11950,7 +12043,7 @@
       </p:sp>
       <p:pic>
         <p:nvPicPr>
-          <p:cNvPr id="1226" name="그림 39" descr="C:/Users/Admin1/AppData/Roaming/PolarisOffice/ETemp/1284_18416448/fImage157213374464.png"/>
+          <p:cNvPr id="1232" name="그림 8" descr="C:/Users/Admin1/AppData/Roaming/PolarisOffice/ETemp/1284_18416448/fImage160013438467.png"/>
           <p:cNvPicPr>
             <a:picLocks noChangeAspect="1"/>
           </p:cNvPicPr>
@@ -11970,13 +12063,135 @@
         </p:blipFill>
         <p:spPr>
           <a:xfrm rot="0">
-            <a:off x="6802755" y="3738245"/>
-            <a:ext cx="4152265" cy="1692275"/>
+            <a:off x="1257935" y="4005580"/>
+            <a:ext cx="4109720" cy="1456690"/>
           </a:xfrm>
           <a:prstGeom prst="roundRect"/>
           <a:solidFill>
             <a:srgbClr val="EDEDED"/>
           </a:solidFill>
+        </p:spPr>
+      </p:pic>
+      <p:pic>
+        <p:nvPicPr>
+          <p:cNvPr id="1233" name="그림 11" descr="C:/Users/Admin1/AppData/Roaming/PolarisOffice/ETemp/1284_18416448/fImage120253446334.png"/>
+          <p:cNvPicPr>
+            <a:picLocks noChangeAspect="1"/>
+          </p:cNvPicPr>
+          <p:nvPr/>
+        </p:nvPicPr>
+        <p:blipFill rotWithShape="1">
+          <a:blip r:embed="rId6" cstate="hqprint">
+            <a:extLst>
+              <a:ext uri="{28A0092B-C50C-407E-A947-70E740481C1C}">
+                <a14:useLocalDpi xmlns:a14="http://schemas.microsoft.com/office/drawing/2010/main"/>
+              </a:ext>
+            </a:extLst>
+          </a:blip>
+          <a:stretch>
+            <a:fillRect/>
+          </a:stretch>
+        </p:blipFill>
+        <p:spPr>
+          <a:xfrm rot="0">
+            <a:off x="6813550" y="1438275"/>
+            <a:ext cx="1336675" cy="1162050"/>
+          </a:xfrm>
+          <a:prstGeom prst="roundRect"/>
+          <a:solidFill>
+            <a:srgbClr val="EDEDED"/>
+          </a:solidFill>
+        </p:spPr>
+      </p:pic>
+      <p:pic>
+        <p:nvPicPr>
+          <p:cNvPr id="1234" name="그림 14" descr="C:/Users/Admin1/AppData/Roaming/PolarisOffice/ETemp/1284_18416448/fImage920929741.png"/>
+          <p:cNvPicPr>
+            <a:picLocks noChangeAspect="1"/>
+          </p:cNvPicPr>
+          <p:nvPr/>
+        </p:nvPicPr>
+        <p:blipFill rotWithShape="1">
+          <a:blip r:embed="rId3" cstate="hqprint">
+            <a:extLst>
+              <a:ext uri="{28A0092B-C50C-407E-A947-70E740481C1C}">
+                <a14:useLocalDpi xmlns:a14="http://schemas.microsoft.com/office/drawing/2010/main"/>
+              </a:ext>
+            </a:extLst>
+          </a:blip>
+          <a:stretch>
+            <a:fillRect/>
+          </a:stretch>
+        </p:blipFill>
+        <p:spPr>
+          <a:xfrm rot="0">
+            <a:off x="8254365" y="1449705"/>
+            <a:ext cx="2707005" cy="1151890"/>
+          </a:xfrm>
+          <a:prstGeom prst="roundRect"/>
+          <a:solidFill>
+            <a:srgbClr val="EDEDED"/>
+          </a:solidFill>
+        </p:spPr>
+      </p:pic>
+      <p:pic>
+        <p:nvPicPr>
+          <p:cNvPr id="1235" name="그림 15" descr="C:/Users/Admin1/AppData/Roaming/PolarisOffice/ETemp/1284_18416448/fImage158133466500.png"/>
+          <p:cNvPicPr>
+            <a:picLocks noChangeAspect="1"/>
+          </p:cNvPicPr>
+          <p:nvPr/>
+        </p:nvPicPr>
+        <p:blipFill rotWithShape="1">
+          <a:blip r:embed="rId7" cstate="hqprint">
+            <a:extLst>
+              <a:ext uri="{28A0092B-C50C-407E-A947-70E740481C1C}">
+                <a14:useLocalDpi xmlns:a14="http://schemas.microsoft.com/office/drawing/2010/main"/>
+              </a:ext>
+            </a:extLst>
+          </a:blip>
+          <a:stretch>
+            <a:fillRect/>
+          </a:stretch>
+        </p:blipFill>
+        <p:spPr>
+          <a:xfrm rot="0">
+            <a:off x="6803390" y="3996690"/>
+            <a:ext cx="4145915" cy="1464945"/>
+          </a:xfrm>
+          <a:prstGeom prst="roundRect"/>
+          <a:solidFill>
+            <a:srgbClr val="EDEDED"/>
+          </a:solidFill>
+        </p:spPr>
+      </p:pic>
+      <p:pic>
+        <p:nvPicPr>
+          <p:cNvPr id="1236" name="그림 64" descr="C:/Users/Admin1/AppData/Roaming/PolarisOffice/ETemp/1284_18416448/fImage22421721541.png"/>
+          <p:cNvPicPr>
+            <a:picLocks noChangeAspect="1"/>
+          </p:cNvPicPr>
+          <p:nvPr/>
+        </p:nvPicPr>
+        <p:blipFill rotWithShape="1">
+          <a:blip r:embed="rId4" cstate="hqprint">
+            <a:extLst>
+              <a:ext uri="{28A0092B-C50C-407E-A947-70E740481C1C}">
+                <a14:useLocalDpi xmlns:a14="http://schemas.microsoft.com/office/drawing/2010/main"/>
+              </a:ext>
+            </a:extLst>
+          </a:blip>
+          <a:stretch>
+            <a:fillRect/>
+          </a:stretch>
+        </p:blipFill>
+        <p:spPr>
+          <a:xfrm rot="10800000">
+            <a:off x="7892415" y="1845945"/>
+            <a:ext cx="626745" cy="353060"/>
+          </a:xfrm>
+          <a:prstGeom prst="rect"/>
+          <a:noFill/>
         </p:spPr>
       </p:pic>
     </p:spTree>
@@ -12057,732 +12272,6 @@
                 <a:latin typeface="나눔바른고딕" charset="0"/>
                 <a:ea typeface="나눔바른고딕" charset="0"/>
               </a:rPr>
-              <a:t>열여섯</a:t>
-            </a:r>
-            <a:r>
-              <a:rPr lang="ko-KR" altLang="en-US" sz="2500" b="1">
-                <a:solidFill>
-                  <a:schemeClr val="tx1"/>
-                </a:solidFill>
-                <a:latin typeface="나눔바른고딕" charset="0"/>
-                <a:ea typeface="나눔바른고딕" charset="0"/>
-              </a:rPr>
-              <a:t> 번째 튜토리얼</a:t>
-            </a:r>
-            <a:endParaRPr lang="ko-KR" altLang="en-US" sz="2500" b="1">
-              <a:solidFill>
-                <a:schemeClr val="tx1"/>
-              </a:solidFill>
-              <a:latin typeface="나눔바른고딕" charset="0"/>
-              <a:ea typeface="나눔바른고딕" charset="0"/>
-            </a:endParaRPr>
-          </a:p>
-        </p:txBody>
-      </p:sp>
-      <p:sp>
-        <p:nvSpPr>
-          <p:cNvPr id="1210" name="Rect 0"/>
-          <p:cNvSpPr txBox="1">
-            <a:spLocks/>
-          </p:cNvSpPr>
-          <p:nvPr/>
-        </p:nvSpPr>
-        <p:spPr>
-          <a:xfrm>
-            <a:off x="1246505" y="5534660"/>
-            <a:ext cx="4130040" cy="677545"/>
-          </a:xfrm>
-          <a:prstGeom prst="rect"/>
-          <a:noFill/>
-          <a:ln w="0">
-            <a:noFill/>
-            <a:prstDash/>
-          </a:ln>
-        </p:spPr>
-        <p:txBody>
-          <a:bodyPr wrap="square" lIns="89535" tIns="46355" rIns="89535" bIns="46355" numCol="1" vert="horz" anchor="t">
-            <a:spAutoFit/>
-          </a:bodyPr>
-          <a:lstStyle/>
-          <a:p>
-            <a:pPr marL="0" indent="0" algn="l" latinLnBrk="0" hangingPunct="1">
-              <a:buFontTx/>
-              <a:buNone/>
-            </a:pPr>
-            <a:r>
-              <a:rPr lang="ko-KR" sz="2000" b="1">
-                <a:solidFill>
-                  <a:srgbClr val="0611F2"/>
-                </a:solidFill>
-                <a:latin typeface="맑은 고딕" charset="0"/>
-                <a:ea typeface="맑은 고딕" charset="0"/>
-              </a:rPr>
-              <a:t>46.</a:t>
-            </a:r>
-            <a:r>
-              <a:rPr lang="ko-KR" sz="2000" b="1">
-                <a:solidFill>
-                  <a:srgbClr val="0611F2"/>
-                </a:solidFill>
-                <a:latin typeface="맑은 고딕" charset="0"/>
-                <a:ea typeface="맑은 고딕" charset="0"/>
-              </a:rPr>
-              <a:t> </a:t>
-            </a:r>
-            <a:r>
-              <a:rPr lang="ko-KR" sz="1800">
-                <a:latin typeface="맑은 고딕" charset="0"/>
-                <a:ea typeface="맑은 고딕" charset="0"/>
-              </a:rPr>
-              <a:t>이제 Right House 오브젝트의 </a:t>
-            </a:r>
-            <a:r>
-              <a:rPr lang="ko-KR" sz="1800">
-                <a:latin typeface="맑은 고딕" charset="0"/>
-                <a:ea typeface="맑은 고딕" charset="0"/>
-              </a:rPr>
-              <a:t>위치와</a:t>
-            </a:r>
-            <a:r>
-              <a:rPr lang="ko-KR" sz="1800">
-                <a:latin typeface="맑은 고딕" charset="0"/>
-                <a:ea typeface="맑은 고딕" charset="0"/>
-              </a:rPr>
-              <a:t> </a:t>
-            </a:r>
-            <a:r>
-              <a:rPr lang="ko-KR" sz="1800">
-                <a:latin typeface="맑은 고딕" charset="0"/>
-                <a:ea typeface="맑은 고딕" charset="0"/>
-              </a:rPr>
-              <a:t>회전</a:t>
-            </a:r>
-            <a:r>
-              <a:rPr lang="ko-KR" sz="1800">
-                <a:latin typeface="맑은 고딕" charset="0"/>
-                <a:ea typeface="맑은 고딕" charset="0"/>
-              </a:rPr>
-              <a:t> 값을 설정합니다.</a:t>
-            </a:r>
-            <a:endParaRPr lang="ko-KR" altLang="en-US" sz="1800">
-              <a:latin typeface="맑은 고딕" charset="0"/>
-              <a:ea typeface="맑은 고딕" charset="0"/>
-            </a:endParaRPr>
-          </a:p>
-        </p:txBody>
-      </p:sp>
-      <p:sp>
-        <p:nvSpPr>
-          <p:cNvPr id="1220" name="Rect 0"/>
-          <p:cNvSpPr txBox="1">
-            <a:spLocks/>
-          </p:cNvSpPr>
-          <p:nvPr/>
-        </p:nvSpPr>
-        <p:spPr>
-          <a:xfrm>
-            <a:off x="6807835" y="5538470"/>
-            <a:ext cx="4141470" cy="677545"/>
-          </a:xfrm>
-          <a:prstGeom prst="rect"/>
-          <a:noFill/>
-          <a:ln w="0">
-            <a:noFill/>
-            <a:prstDash/>
-          </a:ln>
-        </p:spPr>
-        <p:txBody>
-          <a:bodyPr wrap="square" lIns="89535" tIns="46355" rIns="89535" bIns="46355" numCol="1" vert="horz" anchor="t">
-            <a:spAutoFit/>
-          </a:bodyPr>
-          <a:lstStyle/>
-          <a:p>
-            <a:pPr marL="0" indent="0" algn="l" latinLnBrk="0" hangingPunct="1">
-              <a:buFontTx/>
-              <a:buNone/>
-            </a:pPr>
-            <a:r>
-              <a:rPr lang="ko-KR" sz="2000" b="1">
-                <a:solidFill>
-                  <a:srgbClr val="0611F2"/>
-                </a:solidFill>
-                <a:latin typeface="맑은 고딕" charset="0"/>
-                <a:ea typeface="맑은 고딕" charset="0"/>
-              </a:rPr>
-              <a:t>48.</a:t>
-            </a:r>
-            <a:r>
-              <a:rPr lang="ko-KR" sz="2000" b="1">
-                <a:solidFill>
-                  <a:srgbClr val="0611F2"/>
-                </a:solidFill>
-                <a:latin typeface="맑은 고딕" charset="0"/>
-                <a:ea typeface="맑은 고딕" charset="0"/>
-              </a:rPr>
-              <a:t> </a:t>
-            </a:r>
-            <a:r>
-              <a:rPr lang="ko-KR" sz="1800">
-                <a:latin typeface="맑은 고딕" charset="0"/>
-                <a:ea typeface="맑은 고딕" charset="0"/>
-              </a:rPr>
-              <a:t>그런 다음 Left House 오브젝트의 </a:t>
-            </a:r>
-            <a:r>
-              <a:rPr lang="ko-KR" sz="1800">
-                <a:latin typeface="맑은 고딕" charset="0"/>
-                <a:ea typeface="맑은 고딕" charset="0"/>
-              </a:rPr>
-              <a:t>위치와</a:t>
-            </a:r>
-            <a:r>
-              <a:rPr lang="ko-KR" sz="1800">
-                <a:latin typeface="맑은 고딕" charset="0"/>
-                <a:ea typeface="맑은 고딕" charset="0"/>
-              </a:rPr>
-              <a:t> 회전 값을 설정합니다.</a:t>
-            </a:r>
-            <a:endParaRPr lang="ko-KR" altLang="en-US" sz="1800">
-              <a:latin typeface="맑은 고딕" charset="0"/>
-              <a:ea typeface="맑은 고딕" charset="0"/>
-            </a:endParaRPr>
-          </a:p>
-        </p:txBody>
-      </p:sp>
-      <p:sp>
-        <p:nvSpPr>
-          <p:cNvPr id="1225" name="Rect 0"/>
-          <p:cNvSpPr txBox="1">
-            <a:spLocks/>
-          </p:cNvSpPr>
-          <p:nvPr/>
-        </p:nvSpPr>
-        <p:spPr>
-          <a:xfrm rot="0">
-            <a:off x="6808470" y="2668905"/>
-            <a:ext cx="4149725" cy="1231265"/>
-          </a:xfrm>
-          <a:prstGeom prst="rect"/>
-          <a:noFill/>
-          <a:ln w="0">
-            <a:noFill/>
-            <a:prstDash/>
-          </a:ln>
-        </p:spPr>
-        <p:txBody>
-          <a:bodyPr wrap="square" lIns="89535" tIns="46355" rIns="89535" bIns="46355" numCol="1" vert="horz" anchor="t">
-            <a:spAutoFit/>
-          </a:bodyPr>
-          <a:lstStyle/>
-          <a:p>
-            <a:pPr marL="0" indent="0" algn="l" latinLnBrk="0" hangingPunct="1">
-              <a:buFontTx/>
-              <a:buNone/>
-            </a:pPr>
-            <a:r>
-              <a:rPr lang="ko-KR" sz="2000" b="1">
-                <a:solidFill>
-                  <a:srgbClr val="0611F2"/>
-                </a:solidFill>
-                <a:latin typeface="맑은 고딕" charset="0"/>
-                <a:ea typeface="맑은 고딕" charset="0"/>
-              </a:rPr>
-              <a:t>47.</a:t>
-            </a:r>
-            <a:r>
-              <a:rPr lang="ko-KR" sz="2000" b="1">
-                <a:solidFill>
-                  <a:srgbClr val="0611F2"/>
-                </a:solidFill>
-                <a:latin typeface="맑은 고딕" charset="0"/>
-                <a:ea typeface="맑은 고딕" charset="0"/>
-              </a:rPr>
-              <a:t> </a:t>
-            </a:r>
-            <a:r>
-              <a:rPr lang="ko-KR" sz="1800">
-                <a:latin typeface="맑은 고딕" charset="0"/>
-                <a:ea typeface="맑은 고딕" charset="0"/>
-              </a:rPr>
-              <a:t>그리고 Project 폴더 아래에 있는 </a:t>
-            </a:r>
-            <a:r>
-              <a:rPr lang="ko-KR" sz="1800">
-                <a:latin typeface="맑은 고딕" charset="0"/>
-                <a:ea typeface="맑은 고딕" charset="0"/>
-              </a:rPr>
-              <a:t>Model</a:t>
-            </a:r>
-            <a:r>
-              <a:rPr lang="ko-KR" sz="1800">
-                <a:latin typeface="맑은 고딕" charset="0"/>
-                <a:ea typeface="맑은 고딕" charset="0"/>
-              </a:rPr>
-              <a:t> 폴더에 House 오브젝트를 월드 </a:t>
-            </a:r>
-            <a:r>
-              <a:rPr lang="ko-KR" sz="1800">
-                <a:latin typeface="맑은 고딕" charset="0"/>
-                <a:ea typeface="맑은 고딕" charset="0"/>
-              </a:rPr>
-              <a:t>공간에</a:t>
-            </a:r>
-            <a:r>
-              <a:rPr lang="ko-KR" sz="1800">
-                <a:latin typeface="맑은 고딕" charset="0"/>
-                <a:ea typeface="맑은 고딕" charset="0"/>
-              </a:rPr>
-              <a:t> 배치한 다음 Left House라는 </a:t>
-            </a:r>
-            <a:r>
-              <a:rPr lang="ko-KR" sz="1800">
-                <a:latin typeface="맑은 고딕" charset="0"/>
-                <a:ea typeface="맑은 고딕" charset="0"/>
-              </a:rPr>
-              <a:t>이름으로</a:t>
-            </a:r>
-            <a:r>
-              <a:rPr lang="ko-KR" sz="1800">
-                <a:latin typeface="맑은 고딕" charset="0"/>
-                <a:ea typeface="맑은 고딕" charset="0"/>
-              </a:rPr>
-              <a:t> 정의합니다.</a:t>
-            </a:r>
-            <a:endParaRPr lang="ko-KR" altLang="en-US" sz="1800">
-              <a:latin typeface="맑은 고딕" charset="0"/>
-              <a:ea typeface="맑은 고딕" charset="0"/>
-            </a:endParaRPr>
-          </a:p>
-        </p:txBody>
-      </p:sp>
-      <p:pic>
-        <p:nvPicPr>
-          <p:cNvPr id="1228" name="그림 2" descr="C:/Users/Admin1/AppData/Roaming/PolarisOffice/ETemp/1284_18416448/fImage1169233941.png"/>
-          <p:cNvPicPr>
-            <a:picLocks noChangeAspect="1"/>
-          </p:cNvPicPr>
-          <p:nvPr/>
-        </p:nvPicPr>
-        <p:blipFill rotWithShape="1">
-          <a:blip r:embed="rId2" cstate="hqprint">
-            <a:extLst>
-              <a:ext uri="{28A0092B-C50C-407E-A947-70E740481C1C}">
-                <a14:useLocalDpi xmlns:a14="http://schemas.microsoft.com/office/drawing/2010/main"/>
-              </a:ext>
-            </a:extLst>
-          </a:blip>
-          <a:stretch>
-            <a:fillRect/>
-          </a:stretch>
-        </p:blipFill>
-        <p:spPr>
-          <a:xfrm rot="0">
-            <a:off x="1240790" y="1438275"/>
-            <a:ext cx="1310640" cy="1163320"/>
-          </a:xfrm>
-          <a:prstGeom prst="roundRect"/>
-          <a:solidFill>
-            <a:srgbClr val="EDEDED"/>
-          </a:solidFill>
-        </p:spPr>
-      </p:pic>
-      <p:pic>
-        <p:nvPicPr>
-          <p:cNvPr id="1229" name="그림 5" descr="C:/Users/Admin1/AppData/Roaming/PolarisOffice/ETemp/1284_18416448/fImage920929741.png"/>
-          <p:cNvPicPr>
-            <a:picLocks noChangeAspect="1"/>
-          </p:cNvPicPr>
-          <p:nvPr/>
-        </p:nvPicPr>
-        <p:blipFill rotWithShape="1">
-          <a:blip r:embed="rId3" cstate="hqprint">
-            <a:extLst>
-              <a:ext uri="{28A0092B-C50C-407E-A947-70E740481C1C}">
-                <a14:useLocalDpi xmlns:a14="http://schemas.microsoft.com/office/drawing/2010/main"/>
-              </a:ext>
-            </a:extLst>
-          </a:blip>
-          <a:stretch>
-            <a:fillRect/>
-          </a:stretch>
-        </p:blipFill>
-        <p:spPr>
-          <a:xfrm rot="0">
-            <a:off x="2670175" y="1438275"/>
-            <a:ext cx="2707005" cy="1163320"/>
-          </a:xfrm>
-          <a:prstGeom prst="roundRect"/>
-          <a:solidFill>
-            <a:srgbClr val="EDEDED"/>
-          </a:solidFill>
-        </p:spPr>
-      </p:pic>
-      <p:pic>
-        <p:nvPicPr>
-          <p:cNvPr id="1230" name="그림 6" descr="C:/Users/Admin1/AppData/Roaming/PolarisOffice/ETemp/1284_18416448/fImage22421721541.png"/>
-          <p:cNvPicPr>
-            <a:picLocks noChangeAspect="1"/>
-          </p:cNvPicPr>
-          <p:nvPr/>
-        </p:nvPicPr>
-        <p:blipFill rotWithShape="1">
-          <a:blip r:embed="rId4" cstate="hqprint">
-            <a:extLst>
-              <a:ext uri="{28A0092B-C50C-407E-A947-70E740481C1C}">
-                <a14:useLocalDpi xmlns:a14="http://schemas.microsoft.com/office/drawing/2010/main"/>
-              </a:ext>
-            </a:extLst>
-          </a:blip>
-          <a:stretch>
-            <a:fillRect/>
-          </a:stretch>
-        </p:blipFill>
-        <p:spPr>
-          <a:xfrm rot="10800000">
-            <a:off x="2265045" y="1843405"/>
-            <a:ext cx="626745" cy="353060"/>
-          </a:xfrm>
-          <a:prstGeom prst="rect"/>
-          <a:noFill/>
-        </p:spPr>
-      </p:pic>
-      <p:sp>
-        <p:nvSpPr>
-          <p:cNvPr id="1231" name="텍스트 상자 7"/>
-          <p:cNvSpPr txBox="1">
-            <a:spLocks/>
-          </p:cNvSpPr>
-          <p:nvPr/>
-        </p:nvSpPr>
-        <p:spPr>
-          <a:xfrm rot="0">
-            <a:off x="1251585" y="2677160"/>
-            <a:ext cx="4133215" cy="1231265"/>
-          </a:xfrm>
-          <a:prstGeom prst="rect"/>
-          <a:noFill/>
-          <a:ln w="0">
-            <a:noFill/>
-            <a:prstDash/>
-          </a:ln>
-        </p:spPr>
-        <p:txBody>
-          <a:bodyPr wrap="square" lIns="89535" tIns="46355" rIns="89535" bIns="46355" numCol="1" vert="horz" anchor="t">
-            <a:spAutoFit/>
-          </a:bodyPr>
-          <a:lstStyle/>
-          <a:p>
-            <a:pPr marL="0" indent="0" algn="l" latinLnBrk="0" hangingPunct="1">
-              <a:buFontTx/>
-              <a:buNone/>
-            </a:pPr>
-            <a:r>
-              <a:rPr lang="ko-KR" sz="2000" b="1">
-                <a:solidFill>
-                  <a:srgbClr val="0611F2"/>
-                </a:solidFill>
-                <a:latin typeface="맑은 고딕" charset="0"/>
-                <a:ea typeface="맑은 고딕" charset="0"/>
-              </a:rPr>
-              <a:t>45.</a:t>
-            </a:r>
-            <a:r>
-              <a:rPr lang="ko-KR" sz="2000" b="1">
-                <a:solidFill>
-                  <a:srgbClr val="0611F2"/>
-                </a:solidFill>
-                <a:latin typeface="맑은 고딕" charset="0"/>
-                <a:ea typeface="맑은 고딕" charset="0"/>
-              </a:rPr>
-              <a:t> </a:t>
-            </a:r>
-            <a:r>
-              <a:rPr lang="ko-KR" sz="1800">
-                <a:latin typeface="맑은 고딕" charset="0"/>
-                <a:ea typeface="맑은 고딕" charset="0"/>
-              </a:rPr>
-              <a:t>그러고 나서 Project 폴더 아래에 </a:t>
-            </a:r>
-            <a:r>
-              <a:rPr lang="ko-KR" sz="1800">
-                <a:latin typeface="맑은 고딕" charset="0"/>
-                <a:ea typeface="맑은 고딕" charset="0"/>
-              </a:rPr>
-              <a:t>있는</a:t>
-            </a:r>
-            <a:r>
-              <a:rPr lang="ko-KR" sz="1800">
-                <a:latin typeface="맑은 고딕" charset="0"/>
-                <a:ea typeface="맑은 고딕" charset="0"/>
-              </a:rPr>
-              <a:t> Model 폴더에 House 오브젝트를 </a:t>
-            </a:r>
-            <a:r>
-              <a:rPr lang="ko-KR" sz="1800">
-                <a:latin typeface="맑은 고딕" charset="0"/>
-                <a:ea typeface="맑은 고딕" charset="0"/>
-              </a:rPr>
-              <a:t>월드</a:t>
-            </a:r>
-            <a:r>
-              <a:rPr lang="ko-KR" sz="1800">
-                <a:latin typeface="맑은 고딕" charset="0"/>
-                <a:ea typeface="맑은 고딕" charset="0"/>
-              </a:rPr>
-              <a:t> 공간에 배치한 다음 Right </a:t>
-            </a:r>
-            <a:r>
-              <a:rPr lang="ko-KR" sz="1800">
-                <a:latin typeface="맑은 고딕" charset="0"/>
-                <a:ea typeface="맑은 고딕" charset="0"/>
-              </a:rPr>
-              <a:t>House라는</a:t>
-            </a:r>
-            <a:r>
-              <a:rPr lang="ko-KR" sz="1800">
-                <a:latin typeface="맑은 고딕" charset="0"/>
-                <a:ea typeface="맑은 고딕" charset="0"/>
-              </a:rPr>
-              <a:t> 이름으로 정의합니다.</a:t>
-            </a:r>
-            <a:endParaRPr lang="ko-KR" altLang="en-US" sz="1800">
-              <a:latin typeface="맑은 고딕" charset="0"/>
-              <a:ea typeface="맑은 고딕" charset="0"/>
-            </a:endParaRPr>
-          </a:p>
-        </p:txBody>
-      </p:sp>
-      <p:pic>
-        <p:nvPicPr>
-          <p:cNvPr id="1232" name="그림 8" descr="C:/Users/Admin1/AppData/Roaming/PolarisOffice/ETemp/1284_18416448/fImage160013438467.png"/>
-          <p:cNvPicPr>
-            <a:picLocks noChangeAspect="1"/>
-          </p:cNvPicPr>
-          <p:nvPr/>
-        </p:nvPicPr>
-        <p:blipFill rotWithShape="1">
-          <a:blip r:embed="rId5" cstate="hqprint">
-            <a:extLst>
-              <a:ext uri="{28A0092B-C50C-407E-A947-70E740481C1C}">
-                <a14:useLocalDpi xmlns:a14="http://schemas.microsoft.com/office/drawing/2010/main"/>
-              </a:ext>
-            </a:extLst>
-          </a:blip>
-          <a:stretch>
-            <a:fillRect/>
-          </a:stretch>
-        </p:blipFill>
-        <p:spPr>
-          <a:xfrm rot="0">
-            <a:off x="1257935" y="4005580"/>
-            <a:ext cx="4109720" cy="1456690"/>
-          </a:xfrm>
-          <a:prstGeom prst="roundRect"/>
-          <a:solidFill>
-            <a:srgbClr val="EDEDED"/>
-          </a:solidFill>
-        </p:spPr>
-      </p:pic>
-      <p:pic>
-        <p:nvPicPr>
-          <p:cNvPr id="1233" name="그림 11" descr="C:/Users/Admin1/AppData/Roaming/PolarisOffice/ETemp/1284_18416448/fImage120253446334.png"/>
-          <p:cNvPicPr>
-            <a:picLocks noChangeAspect="1"/>
-          </p:cNvPicPr>
-          <p:nvPr/>
-        </p:nvPicPr>
-        <p:blipFill rotWithShape="1">
-          <a:blip r:embed="rId6" cstate="hqprint">
-            <a:extLst>
-              <a:ext uri="{28A0092B-C50C-407E-A947-70E740481C1C}">
-                <a14:useLocalDpi xmlns:a14="http://schemas.microsoft.com/office/drawing/2010/main"/>
-              </a:ext>
-            </a:extLst>
-          </a:blip>
-          <a:stretch>
-            <a:fillRect/>
-          </a:stretch>
-        </p:blipFill>
-        <p:spPr>
-          <a:xfrm rot="0">
-            <a:off x="6813550" y="1438275"/>
-            <a:ext cx="1336675" cy="1162050"/>
-          </a:xfrm>
-          <a:prstGeom prst="roundRect"/>
-          <a:solidFill>
-            <a:srgbClr val="EDEDED"/>
-          </a:solidFill>
-        </p:spPr>
-      </p:pic>
-      <p:pic>
-        <p:nvPicPr>
-          <p:cNvPr id="1234" name="그림 14" descr="C:/Users/Admin1/AppData/Roaming/PolarisOffice/ETemp/1284_18416448/fImage920929741.png"/>
-          <p:cNvPicPr>
-            <a:picLocks noChangeAspect="1"/>
-          </p:cNvPicPr>
-          <p:nvPr/>
-        </p:nvPicPr>
-        <p:blipFill rotWithShape="1">
-          <a:blip r:embed="rId3" cstate="hqprint">
-            <a:extLst>
-              <a:ext uri="{28A0092B-C50C-407E-A947-70E740481C1C}">
-                <a14:useLocalDpi xmlns:a14="http://schemas.microsoft.com/office/drawing/2010/main"/>
-              </a:ext>
-            </a:extLst>
-          </a:blip>
-          <a:stretch>
-            <a:fillRect/>
-          </a:stretch>
-        </p:blipFill>
-        <p:spPr>
-          <a:xfrm rot="0">
-            <a:off x="8254365" y="1449705"/>
-            <a:ext cx="2707005" cy="1151890"/>
-          </a:xfrm>
-          <a:prstGeom prst="roundRect"/>
-          <a:solidFill>
-            <a:srgbClr val="EDEDED"/>
-          </a:solidFill>
-        </p:spPr>
-      </p:pic>
-      <p:pic>
-        <p:nvPicPr>
-          <p:cNvPr id="1235" name="그림 15" descr="C:/Users/Admin1/AppData/Roaming/PolarisOffice/ETemp/1284_18416448/fImage158133466500.png"/>
-          <p:cNvPicPr>
-            <a:picLocks noChangeAspect="1"/>
-          </p:cNvPicPr>
-          <p:nvPr/>
-        </p:nvPicPr>
-        <p:blipFill rotWithShape="1">
-          <a:blip r:embed="rId7" cstate="hqprint">
-            <a:extLst>
-              <a:ext uri="{28A0092B-C50C-407E-A947-70E740481C1C}">
-                <a14:useLocalDpi xmlns:a14="http://schemas.microsoft.com/office/drawing/2010/main"/>
-              </a:ext>
-            </a:extLst>
-          </a:blip>
-          <a:stretch>
-            <a:fillRect/>
-          </a:stretch>
-        </p:blipFill>
-        <p:spPr>
-          <a:xfrm rot="0">
-            <a:off x="6803390" y="3996690"/>
-            <a:ext cx="4145915" cy="1464945"/>
-          </a:xfrm>
-          <a:prstGeom prst="roundRect"/>
-          <a:solidFill>
-            <a:srgbClr val="EDEDED"/>
-          </a:solidFill>
-        </p:spPr>
-      </p:pic>
-      <p:pic>
-        <p:nvPicPr>
-          <p:cNvPr id="1236" name="그림 64" descr="C:/Users/Admin1/AppData/Roaming/PolarisOffice/ETemp/1284_18416448/fImage22421721541.png"/>
-          <p:cNvPicPr>
-            <a:picLocks noChangeAspect="1"/>
-          </p:cNvPicPr>
-          <p:nvPr/>
-        </p:nvPicPr>
-        <p:blipFill rotWithShape="1">
-          <a:blip r:embed="rId4" cstate="hqprint">
-            <a:extLst>
-              <a:ext uri="{28A0092B-C50C-407E-A947-70E740481C1C}">
-                <a14:useLocalDpi xmlns:a14="http://schemas.microsoft.com/office/drawing/2010/main"/>
-              </a:ext>
-            </a:extLst>
-          </a:blip>
-          <a:stretch>
-            <a:fillRect/>
-          </a:stretch>
-        </p:blipFill>
-        <p:spPr>
-          <a:xfrm rot="10800000">
-            <a:off x="7892415" y="1845945"/>
-            <a:ext cx="626745" cy="353060"/>
-          </a:xfrm>
-          <a:prstGeom prst="rect"/>
-          <a:noFill/>
-        </p:spPr>
-      </p:pic>
-    </p:spTree>
-  </p:cSld>
-  <p:clrMapOvr>
-    <a:masterClrMapping/>
-  </p:clrMapOvr>
-  <mc:AlternateContent xmlns:mc="http://schemas.openxmlformats.org/markup-compatibility/2006">
-    <mc:Choice xmlns:p14="http://schemas.microsoft.com/office/powerpoint/2010/main" Requires="p14">
-      <p:transition spd="slow" p14:dur="2000"/>
-    </mc:Choice>
-    <mc:Fallback>
-      <p:transition spd="slow"/>
-    </mc:Fallback>
-  </mc:AlternateContent>
-  <p:timing>
-    <p:tnLst>
-      <p:par>
-        <p:cTn id="1" dur="indefinite" restart="never" nodeType="tmRoot"/>
-      </p:par>
-    </p:tnLst>
-  </p:timing>
-</p:sld>
-</file>
-
-<file path=ppt/slides/slide17.xml><?xml version="1.0" encoding="utf-8"?>
-<p:sld xmlns:a="http://schemas.openxmlformats.org/drawingml/2006/main" xmlns:r="http://schemas.openxmlformats.org/officeDocument/2006/relationships" xmlns:p="http://schemas.openxmlformats.org/presentationml/2006/main" xmlns:p14="http://schemas.microsoft.com/office/powerpoint/2010/main">
-  <p:cSld>
-    <p:spTree>
-      <p:nvGrpSpPr>
-        <p:cNvPr id="1" name=""/>
-        <p:cNvGrpSpPr/>
-        <p:nvPr/>
-      </p:nvGrpSpPr>
-      <p:grpSpPr>
-        <a:xfrm>
-          <a:off x="0" y="0"/>
-          <a:ext cx="0" cy="0"/>
-          <a:chOff x="0" y="0"/>
-          <a:chExt cx="0" cy="0"/>
-        </a:xfrm>
-      </p:grpSpPr>
-      <p:sp>
-        <p:nvSpPr>
-          <p:cNvPr id="1031" name="Rect 0"/>
-          <p:cNvSpPr txBox="1">
-            <a:spLocks/>
-          </p:cNvSpPr>
-          <p:nvPr/>
-        </p:nvSpPr>
-        <p:spPr>
-          <a:xfrm rot="0">
-            <a:off x="4232275" y="396240"/>
-            <a:ext cx="3720465" cy="478155"/>
-          </a:xfrm>
-          <a:prstGeom prst="rect"/>
-          <a:noFill/>
-          <a:ln w="0">
-            <a:noFill/>
-            <a:prstDash/>
-          </a:ln>
-        </p:spPr>
-        <p:txBody>
-          <a:bodyPr wrap="square" lIns="89535" tIns="46355" rIns="89535" bIns="46355" numCol="1" vert="horz" anchor="t">
-            <a:spAutoFit/>
-          </a:bodyPr>
-          <a:lstStyle/>
-          <a:p>
-            <a:pPr marL="0" indent="0" algn="ctr" latinLnBrk="0">
-              <a:buFontTx/>
-              <a:buNone/>
-            </a:pPr>
-            <a:r>
-              <a:rPr lang="ko-KR" altLang="en-US" sz="2500" b="1">
-                <a:solidFill>
-                  <a:schemeClr val="tx1"/>
-                </a:solidFill>
-                <a:latin typeface="나눔바른고딕" charset="0"/>
-                <a:ea typeface="나눔바른고딕" charset="0"/>
-              </a:rPr>
               <a:t>열일곱</a:t>
             </a:r>
             <a:r>
@@ -13503,7 +12992,7 @@
 </p:sld>
 </file>
 
-<file path=ppt/slides/slide18.xml><?xml version="1.0" encoding="utf-8"?>
+<file path=ppt/slides/slide17.xml><?xml version="1.0" encoding="utf-8"?>
 <p:sld xmlns:a="http://schemas.openxmlformats.org/drawingml/2006/main" xmlns:r="http://schemas.openxmlformats.org/officeDocument/2006/relationships" xmlns:p="http://schemas.openxmlformats.org/presentationml/2006/main" xmlns:p14="http://schemas.microsoft.com/office/powerpoint/2010/main">
   <p:cSld>
     <p:spTree>
@@ -13983,8 +13472,8 @@
         </p:nvSpPr>
         <p:spPr>
           <a:xfrm rot="0">
-            <a:off x="1252855" y="5166360"/>
-            <a:ext cx="4123690" cy="955040"/>
+            <a:off x="1240790" y="3141345"/>
+            <a:ext cx="4135120" cy="677545"/>
           </a:xfrm>
           <a:prstGeom prst="rect"/>
           <a:noFill/>
@@ -14011,7 +13500,7 @@
                 <a:latin typeface="맑은 고딕" charset="0"/>
                 <a:ea typeface="맑은 고딕" charset="0"/>
               </a:rPr>
-              <a:t>4.</a:t>
+              <a:t>5.</a:t>
             </a:r>
             <a:r>
               <a:rPr lang="ko-KR" sz="2000" b="1">
@@ -14028,28 +13517,14 @@
                 <a:latin typeface="맑은 고딕" charset="0"/>
                 <a:ea typeface="맑은 고딕" charset="0"/>
               </a:rPr>
-              <a:t>그런 다음 3D Object에서 Plane을 </a:t>
-            </a:r>
-            <a:r>
-              <a:rPr lang="ko-KR" sz="1800">
-                <a:latin typeface="맑은 고딕" charset="0"/>
-                <a:ea typeface="맑은 고딕" charset="0"/>
-              </a:rPr>
-              <a:t>생성하고</a:t>
-            </a:r>
-            <a:r>
-              <a:rPr lang="ko-KR" sz="1800">
-                <a:latin typeface="맑은 고딕" charset="0"/>
-                <a:ea typeface="맑은 고딕" charset="0"/>
-              </a:rPr>
-              <a:t> Right Ground라는 이름으로 </a:t>
-            </a:r>
-            <a:r>
-              <a:rPr lang="ko-KR" sz="1800">
-                <a:latin typeface="맑은 고딕" charset="0"/>
-                <a:ea typeface="맑은 고딕" charset="0"/>
-              </a:rPr>
-              <a:t>정의합니다.</a:t>
+              <a:t>그다음 Right Road </a:t>
+            </a:r>
+            <a:r>
+              <a:rPr lang="ko-KR" sz="1800">
+                <a:latin typeface="맑은 고딕" charset="0"/>
+                <a:ea typeface="맑은 고딕" charset="0"/>
+              </a:rPr>
+              <a:t>오브젝트의</a:t>
             </a:r>
             <a:r>
               <a:rPr lang="ko-KR" sz="1800">
@@ -14057,6 +13532,41 @@
                 <a:ea typeface="맑은 고딕" charset="0"/>
               </a:rPr>
               <a:t> </a:t>
+            </a:r>
+            <a:r>
+              <a:rPr lang="ko-KR" sz="1800">
+                <a:latin typeface="맑은 고딕" charset="0"/>
+                <a:ea typeface="맑은 고딕" charset="0"/>
+              </a:rPr>
+              <a:t>위치와</a:t>
+            </a:r>
+            <a:r>
+              <a:rPr lang="ko-KR" sz="1800">
+                <a:latin typeface="맑은 고딕" charset="0"/>
+                <a:ea typeface="맑은 고딕" charset="0"/>
+              </a:rPr>
+              <a:t> </a:t>
+            </a:r>
+            <a:r>
+              <a:rPr lang="ko-KR" sz="1800">
+                <a:latin typeface="맑은 고딕" charset="0"/>
+                <a:ea typeface="맑은 고딕" charset="0"/>
+              </a:rPr>
+              <a:t>크기</a:t>
+            </a:r>
+            <a:r>
+              <a:rPr lang="ko-KR" sz="1800">
+                <a:latin typeface="맑은 고딕" charset="0"/>
+                <a:ea typeface="맑은 고딕" charset="0"/>
+              </a:rPr>
+              <a:t> 값을 </a:t>
+            </a:r>
+            <a:r>
+              <a:rPr lang="ko-KR" sz="1800">
+                <a:latin typeface="맑은 고딕" charset="0"/>
+                <a:ea typeface="맑은 고딕" charset="0"/>
+              </a:rPr>
+              <a:t>설정합니다.</a:t>
             </a:r>
             <a:endParaRPr lang="ko-KR" altLang="en-US" sz="1800">
               <a:latin typeface="맑은 고딕" charset="0"/>
@@ -14065,16 +13575,242 @@
           </a:p>
         </p:txBody>
       </p:sp>
+      <p:sp>
+        <p:nvSpPr>
+          <p:cNvPr id="1144" name="텍스트 상자 7"/>
+          <p:cNvSpPr txBox="1">
+            <a:spLocks/>
+          </p:cNvSpPr>
+          <p:nvPr/>
+        </p:nvSpPr>
+        <p:spPr>
+          <a:xfrm rot="0">
+            <a:off x="6839585" y="5252085"/>
+            <a:ext cx="4118610" cy="954405"/>
+          </a:xfrm>
+          <a:prstGeom prst="rect"/>
+          <a:noFill/>
+          <a:ln w="0">
+            <a:noFill/>
+            <a:prstDash/>
+          </a:ln>
+        </p:spPr>
+        <p:txBody>
+          <a:bodyPr wrap="square" lIns="89535" tIns="46355" rIns="89535" bIns="46355" numCol="1" vert="horz" anchor="t">
+            <a:spAutoFit/>
+          </a:bodyPr>
+          <a:lstStyle/>
+          <a:p>
+            <a:pPr marL="0" indent="0" algn="l" latinLnBrk="0" hangingPunct="1">
+              <a:buFontTx/>
+              <a:buNone/>
+            </a:pPr>
+            <a:r>
+              <a:rPr lang="ko-KR" sz="2000" b="1">
+                <a:solidFill>
+                  <a:srgbClr val="0611F2"/>
+                </a:solidFill>
+                <a:latin typeface="맑은 고딕" charset="0"/>
+                <a:ea typeface="맑은 고딕" charset="0"/>
+              </a:rPr>
+              <a:t>8.</a:t>
+            </a:r>
+            <a:r>
+              <a:rPr lang="ko-KR" sz="2000" b="1">
+                <a:solidFill>
+                  <a:srgbClr val="0611F2"/>
+                </a:solidFill>
+                <a:latin typeface="맑은 고딕" charset="0"/>
+                <a:ea typeface="맑은 고딕" charset="0"/>
+              </a:rPr>
+              <a:t> </a:t>
+            </a:r>
+            <a:r>
+              <a:rPr lang="ko-KR" sz="1800">
+                <a:latin typeface="맑은 고딕" charset="0"/>
+                <a:ea typeface="맑은 고딕" charset="0"/>
+              </a:rPr>
+              <a:t>그리고 Project 폴더에 있는 </a:t>
+            </a:r>
+            <a:r>
+              <a:rPr lang="ko-KR" sz="1800">
+                <a:latin typeface="맑은 고딕" charset="0"/>
+                <a:ea typeface="맑은 고딕" charset="0"/>
+              </a:rPr>
+              <a:t>Model</a:t>
+            </a:r>
+            <a:r>
+              <a:rPr lang="ko-KR" sz="1800">
+                <a:latin typeface="맑은 고딕" charset="0"/>
+                <a:ea typeface="맑은 고딕" charset="0"/>
+              </a:rPr>
+              <a:t> </a:t>
+            </a:r>
+            <a:r>
+              <a:rPr lang="ko-KR" sz="1800">
+                <a:latin typeface="맑은 고딕" charset="0"/>
+                <a:ea typeface="맑은 고딕" charset="0"/>
+              </a:rPr>
+              <a:t>폴더에</a:t>
+            </a:r>
+            <a:r>
+              <a:rPr lang="ko-KR" sz="1800">
+                <a:latin typeface="맑은 고딕" charset="0"/>
+                <a:ea typeface="맑은 고딕" charset="0"/>
+              </a:rPr>
+              <a:t> Robot 모델을 월드 </a:t>
+            </a:r>
+            <a:r>
+              <a:rPr lang="ko-KR" sz="1800">
+                <a:latin typeface="맑은 고딕" charset="0"/>
+                <a:ea typeface="맑은 고딕" charset="0"/>
+              </a:rPr>
+              <a:t>공간에</a:t>
+            </a:r>
+            <a:r>
+              <a:rPr lang="ko-KR" sz="1800">
+                <a:latin typeface="맑은 고딕" charset="0"/>
+                <a:ea typeface="맑은 고딕" charset="0"/>
+              </a:rPr>
+              <a:t> </a:t>
+            </a:r>
+            <a:r>
+              <a:rPr lang="ko-KR" sz="1800">
+                <a:latin typeface="맑은 고딕" charset="0"/>
+                <a:ea typeface="맑은 고딕" charset="0"/>
+              </a:rPr>
+              <a:t>배치합니다.</a:t>
+            </a:r>
+            <a:endParaRPr lang="ko-KR" altLang="en-US" sz="1800">
+              <a:latin typeface="맑은 고딕" charset="0"/>
+              <a:ea typeface="맑은 고딕" charset="0"/>
+            </a:endParaRPr>
+          </a:p>
+        </p:txBody>
+      </p:sp>
+      <p:sp>
+        <p:nvSpPr>
+          <p:cNvPr id="1148" name="텍스트 상자 21"/>
+          <p:cNvSpPr txBox="1">
+            <a:spLocks/>
+          </p:cNvSpPr>
+          <p:nvPr/>
+        </p:nvSpPr>
+        <p:spPr>
+          <a:xfrm rot="0">
+            <a:off x="1240790" y="5533390"/>
+            <a:ext cx="4117975" cy="677545"/>
+          </a:xfrm>
+          <a:prstGeom prst="rect"/>
+          <a:noFill/>
+          <a:ln w="0">
+            <a:noFill/>
+            <a:prstDash/>
+          </a:ln>
+        </p:spPr>
+        <p:txBody>
+          <a:bodyPr wrap="square" lIns="89535" tIns="46355" rIns="89535" bIns="46355" numCol="1" vert="horz" anchor="t">
+            <a:spAutoFit/>
+          </a:bodyPr>
+          <a:lstStyle/>
+          <a:p>
+            <a:pPr marL="0" indent="0" algn="l" latinLnBrk="0" hangingPunct="1">
+              <a:buFontTx/>
+              <a:buNone/>
+            </a:pPr>
+            <a:r>
+              <a:rPr lang="ko-KR" sz="2000" b="1">
+                <a:solidFill>
+                  <a:srgbClr val="0611F2"/>
+                </a:solidFill>
+                <a:latin typeface="맑은 고딕" charset="0"/>
+                <a:ea typeface="맑은 고딕" charset="0"/>
+              </a:rPr>
+              <a:t>6.</a:t>
+            </a:r>
+            <a:r>
+              <a:rPr lang="ko-KR" sz="2000" b="1">
+                <a:solidFill>
+                  <a:srgbClr val="0611F2"/>
+                </a:solidFill>
+                <a:latin typeface="맑은 고딕" charset="0"/>
+                <a:ea typeface="맑은 고딕" charset="0"/>
+              </a:rPr>
+              <a:t> </a:t>
+            </a:r>
+            <a:r>
+              <a:rPr lang="ko-KR" sz="1800">
+                <a:latin typeface="맑은 고딕" charset="0"/>
+                <a:ea typeface="맑은 고딕" charset="0"/>
+              </a:rPr>
+              <a:t>그러고 나서 Left Road </a:t>
+            </a:r>
+            <a:r>
+              <a:rPr lang="ko-KR" sz="1800">
+                <a:latin typeface="맑은 고딕" charset="0"/>
+                <a:ea typeface="맑은 고딕" charset="0"/>
+              </a:rPr>
+              <a:t>오브젝트에</a:t>
+            </a:r>
+            <a:r>
+              <a:rPr lang="ko-KR" sz="1800">
+                <a:latin typeface="맑은 고딕" charset="0"/>
+                <a:ea typeface="맑은 고딕" charset="0"/>
+              </a:rPr>
+              <a:t> </a:t>
+            </a:r>
+            <a:r>
+              <a:rPr lang="ko-KR" sz="1800">
+                <a:latin typeface="맑은 고딕" charset="0"/>
+                <a:ea typeface="맑은 고딕" charset="0"/>
+              </a:rPr>
+              <a:t>Contribute</a:t>
+            </a:r>
+            <a:r>
+              <a:rPr lang="ko-KR" sz="1800">
+                <a:latin typeface="맑은 고딕" charset="0"/>
+                <a:ea typeface="맑은 고딕" charset="0"/>
+              </a:rPr>
+              <a:t> </a:t>
+            </a:r>
+            <a:r>
+              <a:rPr lang="ko-KR" sz="1800">
+                <a:latin typeface="맑은 고딕" charset="0"/>
+                <a:ea typeface="맑은 고딕" charset="0"/>
+              </a:rPr>
+              <a:t>GI를</a:t>
+            </a:r>
+            <a:r>
+              <a:rPr lang="ko-KR" sz="1800">
+                <a:latin typeface="맑은 고딕" charset="0"/>
+                <a:ea typeface="맑은 고딕" charset="0"/>
+              </a:rPr>
+              <a:t> </a:t>
+            </a:r>
+            <a:r>
+              <a:rPr lang="ko-KR" sz="1800">
+                <a:latin typeface="맑은 고딕" charset="0"/>
+                <a:ea typeface="맑은 고딕" charset="0"/>
+              </a:rPr>
+              <a:t>설정합니다.</a:t>
+            </a:r>
+            <a:endParaRPr lang="ko-KR" altLang="en-US" sz="1800">
+              <a:latin typeface="맑은 고딕" charset="0"/>
+              <a:ea typeface="맑은 고딕" charset="0"/>
+            </a:endParaRPr>
+          </a:p>
+        </p:txBody>
+      </p:sp>
       <p:pic>
         <p:nvPicPr>
-          <p:cNvPr id="1140" name="Picture "/>
+          <p:cNvPr id="1149" name="그림 22" descr="C:/Users/Admin1/AppData/Roaming/PolarisOffice/ETemp/18888_13767696/fImage50303243281.png"/>
           <p:cNvPicPr>
             <a:picLocks noChangeAspect="1"/>
           </p:cNvPicPr>
           <p:nvPr/>
         </p:nvPicPr>
         <p:blipFill rotWithShape="1">
-          <a:blip r:embed="rId2" cstate="hqprint">
+          <a:blip r:embed="rId10" cstate="hqprint">
             <a:extLst>
               <a:ext uri="{28A0092B-C50C-407E-A947-70E740481C1C}">
                 <a14:useLocalDpi xmlns:a14="http://schemas.microsoft.com/office/drawing/2010/main"/>
@@ -14087,8 +13823,8 @@
         </p:blipFill>
         <p:spPr>
           <a:xfrm rot="0">
-            <a:off x="1249045" y="1455420"/>
-            <a:ext cx="2768600" cy="3514725"/>
+            <a:off x="3032760" y="3927475"/>
+            <a:ext cx="2335530" cy="1508125"/>
           </a:xfrm>
           <a:prstGeom prst="roundRect"/>
           <a:solidFill>
@@ -14098,14 +13834,14 @@
       </p:pic>
       <p:pic>
         <p:nvPicPr>
-          <p:cNvPr id="1141" name="Picture "/>
+          <p:cNvPr id="1150" name="그림 24" descr="C:/Users/Admin1/AppData/Roaming/PolarisOffice/ETemp/18888_13767696/fImage58173061478.png"/>
           <p:cNvPicPr>
             <a:picLocks noChangeAspect="1"/>
           </p:cNvPicPr>
           <p:nvPr/>
         </p:nvPicPr>
         <p:blipFill rotWithShape="1">
-          <a:blip r:embed="rId3" cstate="print">
+          <a:blip r:embed="rId11" cstate="print">
             <a:extLst>
               <a:ext uri="{28A0092B-C50C-407E-A947-70E740481C1C}">
                 <a14:useLocalDpi xmlns:a14="http://schemas.microsoft.com/office/drawing/2010/main" val="0"/>
@@ -14118,8 +13854,8 @@
         </p:blipFill>
         <p:spPr>
           <a:xfrm rot="0">
-            <a:off x="4143375" y="2351405"/>
-            <a:ext cx="1240790" cy="1723390"/>
+            <a:off x="6843395" y="1455420"/>
+            <a:ext cx="1608455" cy="1499235"/>
           </a:xfrm>
           <a:prstGeom prst="roundRect"/>
           <a:solidFill>
@@ -14129,14 +13865,144 @@
       </p:pic>
       <p:pic>
         <p:nvPicPr>
-          <p:cNvPr id="1142" name="그림 20" descr="C:/Users/Admin1/AppData/Roaming/PolarisOffice/ETemp/1284_18416448/fImage128323789169.png"/>
+          <p:cNvPr id="1151" name="그림 28" descr="C:/Users/Admin1/AppData/Roaming/PolarisOffice/ETemp/18888_13767696/fImage136363089358.png"/>
           <p:cNvPicPr>
             <a:picLocks noChangeAspect="1"/>
           </p:cNvPicPr>
           <p:nvPr/>
         </p:nvPicPr>
         <p:blipFill rotWithShape="1">
-          <a:blip r:embed="rId4" cstate="hqprint">
+          <a:blip r:embed="rId12" cstate="print">
+            <a:extLst>
+              <a:ext uri="{28A0092B-C50C-407E-A947-70E740481C1C}">
+                <a14:useLocalDpi xmlns:a14="http://schemas.microsoft.com/office/drawing/2010/main" val="0"/>
+              </a:ext>
+            </a:extLst>
+          </a:blip>
+          <a:stretch>
+            <a:fillRect/>
+          </a:stretch>
+        </p:blipFill>
+        <p:spPr>
+          <a:xfrm rot="0">
+            <a:off x="1240790" y="1455420"/>
+            <a:ext cx="4135120" cy="1645920"/>
+          </a:xfrm>
+          <a:prstGeom prst="roundRect"/>
+          <a:solidFill>
+            <a:srgbClr val="EDEDED"/>
+          </a:solidFill>
+        </p:spPr>
+      </p:pic>
+      <p:sp>
+        <p:nvSpPr>
+          <p:cNvPr id="1152" name="텍스트 상자 33"/>
+          <p:cNvSpPr txBox="1">
+            <a:spLocks/>
+          </p:cNvSpPr>
+          <p:nvPr/>
+        </p:nvSpPr>
+        <p:spPr>
+          <a:xfrm rot="0">
+            <a:off x="6842125" y="3072130"/>
+            <a:ext cx="4115435" cy="677545"/>
+          </a:xfrm>
+          <a:prstGeom prst="rect"/>
+          <a:noFill/>
+          <a:ln w="0">
+            <a:noFill/>
+            <a:prstDash/>
+          </a:ln>
+        </p:spPr>
+        <p:txBody>
+          <a:bodyPr wrap="square" lIns="89535" tIns="46355" rIns="89535" bIns="46355" numCol="1" vert="horz" anchor="t">
+            <a:spAutoFit/>
+          </a:bodyPr>
+          <a:lstStyle/>
+          <a:p>
+            <a:pPr marL="0" indent="0" algn="l" latinLnBrk="0" hangingPunct="1">
+              <a:buFontTx/>
+              <a:buNone/>
+            </a:pPr>
+            <a:r>
+              <a:rPr lang="ko-KR" sz="2000" b="1">
+                <a:solidFill>
+                  <a:srgbClr val="0611F2"/>
+                </a:solidFill>
+                <a:latin typeface="맑은 고딕" charset="0"/>
+                <a:ea typeface="맑은 고딕" charset="0"/>
+              </a:rPr>
+              <a:t>7.</a:t>
+            </a:r>
+            <a:r>
+              <a:rPr lang="ko-KR" sz="2000" b="1">
+                <a:solidFill>
+                  <a:srgbClr val="0611F2"/>
+                </a:solidFill>
+                <a:latin typeface="맑은 고딕" charset="0"/>
+                <a:ea typeface="맑은 고딕" charset="0"/>
+              </a:rPr>
+              <a:t> </a:t>
+            </a:r>
+            <a:r>
+              <a:rPr lang="ko-KR" sz="1800">
+                <a:latin typeface="맑은 고딕" charset="0"/>
+                <a:ea typeface="맑은 고딕" charset="0"/>
+              </a:rPr>
+              <a:t>이제 Right Road 오브젝트에 </a:t>
+            </a:r>
+            <a:r>
+              <a:rPr lang="ko-KR" sz="1800">
+                <a:latin typeface="맑은 고딕" charset="0"/>
+                <a:ea typeface="맑은 고딕" charset="0"/>
+              </a:rPr>
+              <a:t>Contribute</a:t>
+            </a:r>
+            <a:r>
+              <a:rPr lang="ko-KR" sz="1800">
+                <a:latin typeface="맑은 고딕" charset="0"/>
+                <a:ea typeface="맑은 고딕" charset="0"/>
+              </a:rPr>
+              <a:t> </a:t>
+            </a:r>
+            <a:r>
+              <a:rPr lang="ko-KR" sz="1800">
+                <a:latin typeface="맑은 고딕" charset="0"/>
+                <a:ea typeface="맑은 고딕" charset="0"/>
+              </a:rPr>
+              <a:t>GI를</a:t>
+            </a:r>
+            <a:r>
+              <a:rPr lang="ko-KR" sz="1800">
+                <a:latin typeface="맑은 고딕" charset="0"/>
+                <a:ea typeface="맑은 고딕" charset="0"/>
+              </a:rPr>
+              <a:t> </a:t>
+            </a:r>
+            <a:r>
+              <a:rPr lang="ko-KR" sz="1800">
+                <a:latin typeface="맑은 고딕" charset="0"/>
+                <a:ea typeface="맑은 고딕" charset="0"/>
+              </a:rPr>
+              <a:t>설정합니다.</a:t>
+            </a:r>
+            <a:endParaRPr lang="ko-KR" altLang="en-US" sz="1800">
+              <a:latin typeface="맑은 고딕" charset="0"/>
+              <a:ea typeface="맑은 고딕" charset="0"/>
+            </a:endParaRPr>
+          </a:p>
+        </p:txBody>
+      </p:sp>
+      <p:pic>
+        <p:nvPicPr>
+          <p:cNvPr id="1153" name="그림 34" descr="C:/Users/Admin1/AppData/Roaming/PolarisOffice/ETemp/18888_13767696/fImage50303243281.png"/>
+          <p:cNvPicPr>
+            <a:picLocks noChangeAspect="1"/>
+          </p:cNvPicPr>
+          <p:nvPr/>
+        </p:nvPicPr>
+        <p:blipFill rotWithShape="1">
+          <a:blip r:embed="rId10" cstate="hqprint">
             <a:extLst>
               <a:ext uri="{28A0092B-C50C-407E-A947-70E740481C1C}">
                 <a14:useLocalDpi xmlns:a14="http://schemas.microsoft.com/office/drawing/2010/main"/>
@@ -14149,8 +14015,8 @@
         </p:blipFill>
         <p:spPr>
           <a:xfrm rot="0">
-            <a:off x="6822440" y="1452880"/>
-            <a:ext cx="4135755" cy="1416050"/>
+            <a:off x="8605520" y="1458595"/>
+            <a:ext cx="2355215" cy="1504950"/>
           </a:xfrm>
           <a:prstGeom prst="roundRect"/>
           <a:solidFill>
@@ -14158,203 +14024,19 @@
           </a:solidFill>
         </p:spPr>
       </p:pic>
-      <p:sp>
-        <p:nvSpPr>
-          <p:cNvPr id="1143" name="텍스트 상자 23"/>
-          <p:cNvSpPr txBox="1">
-            <a:spLocks/>
-          </p:cNvSpPr>
-          <p:nvPr/>
-        </p:nvSpPr>
-        <p:spPr>
-          <a:xfrm rot="0">
-            <a:off x="6830695" y="2929890"/>
-            <a:ext cx="4127500" cy="677545"/>
-          </a:xfrm>
-          <a:prstGeom prst="rect"/>
-          <a:noFill/>
-          <a:ln w="0">
-            <a:noFill/>
-            <a:prstDash/>
-          </a:ln>
-        </p:spPr>
-        <p:txBody>
-          <a:bodyPr wrap="square" lIns="89535" tIns="46355" rIns="89535" bIns="46355" numCol="1" vert="horz" anchor="t">
-            <a:spAutoFit/>
-          </a:bodyPr>
-          <a:lstStyle/>
-          <a:p>
-            <a:pPr marL="0" indent="0" algn="l" latinLnBrk="0" hangingPunct="1">
-              <a:buFontTx/>
-              <a:buNone/>
-            </a:pPr>
-            <a:r>
-              <a:rPr lang="ko-KR" sz="2000" b="1">
-                <a:solidFill>
-                  <a:srgbClr val="0611F2"/>
-                </a:solidFill>
-                <a:latin typeface="맑은 고딕" charset="0"/>
-                <a:ea typeface="맑은 고딕" charset="0"/>
-              </a:rPr>
-              <a:t>5.</a:t>
-            </a:r>
-            <a:r>
-              <a:rPr lang="ko-KR" sz="2000" b="1">
-                <a:solidFill>
-                  <a:srgbClr val="0611F2"/>
-                </a:solidFill>
-                <a:latin typeface="맑은 고딕" charset="0"/>
-                <a:ea typeface="맑은 고딕" charset="0"/>
-              </a:rPr>
-              <a:t> </a:t>
-            </a:r>
-            <a:r>
-              <a:rPr lang="ko-KR" sz="1800">
-                <a:latin typeface="맑은 고딕" charset="0"/>
-                <a:ea typeface="맑은 고딕" charset="0"/>
-              </a:rPr>
-              <a:t>그다음 Right Ground 오브젝트의 </a:t>
-            </a:r>
-            <a:r>
-              <a:rPr lang="ko-KR" sz="1800">
-                <a:latin typeface="맑은 고딕" charset="0"/>
-                <a:ea typeface="맑은 고딕" charset="0"/>
-              </a:rPr>
-              <a:t>위치와</a:t>
-            </a:r>
-            <a:r>
-              <a:rPr lang="ko-KR" sz="1800">
-                <a:latin typeface="맑은 고딕" charset="0"/>
-                <a:ea typeface="맑은 고딕" charset="0"/>
-              </a:rPr>
-              <a:t> 회전 값을 설정합니다.</a:t>
-            </a:r>
-            <a:endParaRPr lang="ko-KR" altLang="en-US" sz="1800">
-              <a:latin typeface="맑은 고딕" charset="0"/>
-              <a:ea typeface="맑은 고딕" charset="0"/>
-            </a:endParaRPr>
-          </a:p>
-        </p:txBody>
-      </p:sp>
-      <p:sp>
-        <p:nvSpPr>
-          <p:cNvPr id="1144" name="텍스트 상자 7"/>
-          <p:cNvSpPr txBox="1">
-            <a:spLocks/>
-          </p:cNvSpPr>
-          <p:nvPr/>
-        </p:nvSpPr>
-        <p:spPr>
-          <a:xfrm rot="0">
-            <a:off x="6839585" y="4881880"/>
-            <a:ext cx="4117975" cy="1231265"/>
-          </a:xfrm>
-          <a:prstGeom prst="rect"/>
-          <a:noFill/>
-          <a:ln w="0">
-            <a:noFill/>
-            <a:prstDash/>
-          </a:ln>
-        </p:spPr>
-        <p:txBody>
-          <a:bodyPr wrap="square" lIns="89535" tIns="46355" rIns="89535" bIns="46355" numCol="1" vert="horz" anchor="t">
-            <a:spAutoFit/>
-          </a:bodyPr>
-          <a:lstStyle/>
-          <a:p>
-            <a:pPr marL="0" indent="0" algn="l" latinLnBrk="0" hangingPunct="1">
-              <a:buFontTx/>
-              <a:buNone/>
-            </a:pPr>
-            <a:r>
-              <a:rPr lang="ko-KR" sz="2000" b="1">
-                <a:solidFill>
-                  <a:srgbClr val="0611F2"/>
-                </a:solidFill>
-                <a:latin typeface="맑은 고딕" charset="0"/>
-                <a:ea typeface="맑은 고딕" charset="0"/>
-              </a:rPr>
-              <a:t>6.</a:t>
-            </a:r>
-            <a:r>
-              <a:rPr lang="ko-KR" sz="2000" b="1">
-                <a:solidFill>
-                  <a:srgbClr val="0611F2"/>
-                </a:solidFill>
-                <a:latin typeface="맑은 고딕" charset="0"/>
-                <a:ea typeface="맑은 고딕" charset="0"/>
-              </a:rPr>
-              <a:t> </a:t>
-            </a:r>
-            <a:r>
-              <a:rPr lang="ko-KR" sz="1800">
-                <a:latin typeface="맑은 고딕" charset="0"/>
-                <a:ea typeface="맑은 고딕" charset="0"/>
-              </a:rPr>
-              <a:t>그러고 나서 Project 폴더에 있는 </a:t>
-            </a:r>
-            <a:r>
-              <a:rPr lang="ko-KR" sz="1800">
-                <a:latin typeface="맑은 고딕" charset="0"/>
-                <a:ea typeface="맑은 고딕" charset="0"/>
-              </a:rPr>
-              <a:t>Model</a:t>
-            </a:r>
-            <a:r>
-              <a:rPr lang="ko-KR" sz="1800">
-                <a:latin typeface="맑은 고딕" charset="0"/>
-                <a:ea typeface="맑은 고딕" charset="0"/>
-              </a:rPr>
-              <a:t> 폴더에 Street Lamp를 월드 </a:t>
-            </a:r>
-            <a:r>
-              <a:rPr lang="ko-KR" sz="1800">
-                <a:latin typeface="맑은 고딕" charset="0"/>
-                <a:ea typeface="맑은 고딕" charset="0"/>
-              </a:rPr>
-              <a:t>공간에</a:t>
-            </a:r>
-            <a:r>
-              <a:rPr lang="ko-KR" sz="1800">
-                <a:latin typeface="맑은 고딕" charset="0"/>
-                <a:ea typeface="맑은 고딕" charset="0"/>
-              </a:rPr>
-              <a:t> 배치한 다음 Spot Street </a:t>
-            </a:r>
-            <a:r>
-              <a:rPr lang="ko-KR" sz="1800">
-                <a:latin typeface="맑은 고딕" charset="0"/>
-                <a:ea typeface="맑은 고딕" charset="0"/>
-              </a:rPr>
-              <a:t>Lamp라는</a:t>
-            </a:r>
-            <a:r>
-              <a:rPr lang="ko-KR" sz="1800">
-                <a:latin typeface="맑은 고딕" charset="0"/>
-                <a:ea typeface="맑은 고딕" charset="0"/>
-              </a:rPr>
-              <a:t> 이름으로 정의합니다.</a:t>
-            </a:r>
-            <a:endParaRPr lang="ko-KR" altLang="en-US" sz="1800">
-              <a:latin typeface="맑은 고딕" charset="0"/>
-              <a:ea typeface="맑은 고딕" charset="0"/>
-            </a:endParaRPr>
-          </a:p>
-        </p:txBody>
-      </p:sp>
       <p:pic>
         <p:nvPicPr>
-          <p:cNvPr id="1145" name="그림 8" descr="C:/Users/Admin1/AppData/Roaming/PolarisOffice/ETemp/1284_18416448/fImage92243935724.png"/>
+          <p:cNvPr id="1155" name="그림 55" descr="C:/Users/Admin1/AppData/Roaming/PolarisOffice/ETemp/18888_13767696/fImage69283246962.png"/>
           <p:cNvPicPr>
             <a:picLocks noChangeAspect="1"/>
           </p:cNvPicPr>
           <p:nvPr/>
         </p:nvPicPr>
         <p:blipFill rotWithShape="1">
-          <a:blip r:embed="rId7" cstate="hqprint">
+          <a:blip r:embed="rId13" cstate="print">
             <a:extLst>
               <a:ext uri="{28A0092B-C50C-407E-A947-70E740481C1C}">
-                <a14:useLocalDpi xmlns:a14="http://schemas.microsoft.com/office/drawing/2010/main"/>
+                <a14:useLocalDpi xmlns:a14="http://schemas.microsoft.com/office/drawing/2010/main" val="0"/>
               </a:ext>
             </a:extLst>
           </a:blip>
@@ -14364,8 +14046,8 @@
         </p:blipFill>
         <p:spPr>
           <a:xfrm rot="0">
-            <a:off x="8338185" y="3721100"/>
-            <a:ext cx="2638425" cy="1052195"/>
+            <a:off x="8338185" y="3893820"/>
+            <a:ext cx="2619375" cy="1240790"/>
           </a:xfrm>
           <a:prstGeom prst="roundRect"/>
           <a:solidFill>
@@ -14375,17 +14057,17 @@
       </p:pic>
       <p:pic>
         <p:nvPicPr>
-          <p:cNvPr id="1146" name="그림 9" descr="C:/Users/Admin1/AppData/Roaming/PolarisOffice/ETemp/1284_18416448/fImage69923941478.png"/>
+          <p:cNvPr id="1156" name="그림 58" descr="C:/Users/Admin1/AppData/Roaming/PolarisOffice/ETemp/18888_13767696/fImage57863254464.png"/>
           <p:cNvPicPr>
             <a:picLocks noChangeAspect="1"/>
           </p:cNvPicPr>
           <p:nvPr/>
         </p:nvPicPr>
         <p:blipFill rotWithShape="1">
-          <a:blip r:embed="rId8" cstate="hqprint">
+          <a:blip r:embed="rId14" cstate="print">
             <a:extLst>
               <a:ext uri="{28A0092B-C50C-407E-A947-70E740481C1C}">
-                <a14:useLocalDpi xmlns:a14="http://schemas.microsoft.com/office/drawing/2010/main"/>
+                <a14:useLocalDpi xmlns:a14="http://schemas.microsoft.com/office/drawing/2010/main" val="0"/>
               </a:ext>
             </a:extLst>
           </a:blip>
@@ -14395,8 +14077,8 @@
         </p:blipFill>
         <p:spPr>
           <a:xfrm rot="0">
-            <a:off x="6839585" y="3721735"/>
-            <a:ext cx="1362075" cy="1051560"/>
+            <a:off x="1242060" y="3921760"/>
+            <a:ext cx="1604010" cy="1516380"/>
           </a:xfrm>
           <a:prstGeom prst="roundRect"/>
           <a:solidFill>
@@ -14406,7 +14088,38 @@
       </p:pic>
       <p:pic>
         <p:nvPicPr>
-          <p:cNvPr id="1147" name="그림 10" descr="C:/Users/Admin1/AppData/Roaming/PolarisOffice/ETemp/1284_18416448/fImage22421721541.png"/>
+          <p:cNvPr id="1157" name="그림 59" descr="C:/Users/Admin1/AppData/Roaming/PolarisOffice/ETemp/18888_13767696/fImage64153265705.png"/>
+          <p:cNvPicPr>
+            <a:picLocks noChangeAspect="1"/>
+          </p:cNvPicPr>
+          <p:nvPr/>
+        </p:nvPicPr>
+        <p:blipFill rotWithShape="1">
+          <a:blip r:embed="rId15" cstate="print">
+            <a:extLst>
+              <a:ext uri="{28A0092B-C50C-407E-A947-70E740481C1C}">
+                <a14:useLocalDpi xmlns:a14="http://schemas.microsoft.com/office/drawing/2010/main" val="0"/>
+              </a:ext>
+            </a:extLst>
+          </a:blip>
+          <a:stretch>
+            <a:fillRect/>
+          </a:stretch>
+        </p:blipFill>
+        <p:spPr>
+          <a:xfrm rot="0">
+            <a:off x="6840220" y="3902075"/>
+            <a:ext cx="1395095" cy="1223645"/>
+          </a:xfrm>
+          <a:prstGeom prst="roundRect"/>
+          <a:solidFill>
+            <a:srgbClr val="EDEDED"/>
+          </a:solidFill>
+        </p:spPr>
+      </p:pic>
+      <p:pic>
+        <p:nvPicPr>
+          <p:cNvPr id="1147" name="그림 10" descr="C:/Users/Admin1/AppData/Roaming/PolarisOffice/ETemp/18888_13767696/fImage22421721541.png"/>
           <p:cNvPicPr>
             <a:picLocks noChangeAspect="1"/>
           </p:cNvPicPr>
@@ -14426,8 +14139,8 @@
         </p:blipFill>
         <p:spPr>
           <a:xfrm rot="10800000">
-            <a:off x="7933055" y="4074160"/>
-            <a:ext cx="625475" cy="351790"/>
+            <a:off x="7941310" y="4333240"/>
+            <a:ext cx="626110" cy="352425"/>
           </a:xfrm>
           <a:prstGeom prst="rect"/>
           <a:noFill/>
@@ -14535,182 +14248,7 @@
       </p:sp>
       <p:pic>
         <p:nvPicPr>
-          <p:cNvPr id="1151" name="그림 40"/>
-          <p:cNvPicPr>
-            <a:picLocks noChangeAspect="1"/>
-          </p:cNvPicPr>
-          <p:nvPr/>
-        </p:nvPicPr>
-        <p:blipFill rotWithShape="1">
-          <a:blip r:embed="rId5" cstate="hqprint">
-            <a:extLst>
-              <a:ext uri="{28A0092B-C50C-407E-A947-70E740481C1C}">
-                <a14:useLocalDpi xmlns:a14="http://schemas.microsoft.com/office/drawing/2010/main"/>
-              </a:ext>
-            </a:extLst>
-          </a:blip>
-          <a:stretch>
-            <a:fillRect/>
-          </a:stretch>
-        </p:blipFill>
-        <p:spPr>
-          <a:xfrm rot="0">
-            <a:off x="6822440" y="1464310"/>
-            <a:ext cx="2740025" cy="3472815"/>
-          </a:xfrm>
-          <a:prstGeom prst="roundRect"/>
-          <a:solidFill>
-            <a:srgbClr val="EDEDED"/>
-          </a:solidFill>
-        </p:spPr>
-      </p:pic>
-      <p:pic>
-        <p:nvPicPr>
-          <p:cNvPr id="1152" name="그림 43"/>
-          <p:cNvPicPr>
-            <a:picLocks noChangeAspect="1"/>
-          </p:cNvPicPr>
-          <p:nvPr/>
-        </p:nvPicPr>
-        <p:blipFill rotWithShape="1">
-          <a:blip r:embed="rId6" cstate="print">
-            <a:extLst>
-              <a:ext uri="{28A0092B-C50C-407E-A947-70E740481C1C}">
-                <a14:useLocalDpi xmlns:a14="http://schemas.microsoft.com/office/drawing/2010/main" val="0"/>
-              </a:ext>
-            </a:extLst>
-          </a:blip>
-          <a:stretch>
-            <a:fillRect/>
-          </a:stretch>
-        </p:blipFill>
-        <p:spPr>
-          <a:xfrm rot="0">
-            <a:off x="9707880" y="2209800"/>
-            <a:ext cx="1249680" cy="1976755"/>
-          </a:xfrm>
-          <a:prstGeom prst="roundRect"/>
-          <a:solidFill>
-            <a:srgbClr val="EDEDED"/>
-          </a:solidFill>
-        </p:spPr>
-      </p:pic>
-      <p:sp>
-        <p:nvSpPr>
-          <p:cNvPr id="1153" name="텍스트 상자 46"/>
-          <p:cNvSpPr txBox="1">
-            <a:spLocks/>
-          </p:cNvSpPr>
-          <p:nvPr/>
-        </p:nvSpPr>
-        <p:spPr>
-          <a:xfrm rot="0">
-            <a:off x="6817995" y="5149215"/>
-            <a:ext cx="4139565" cy="954405"/>
-          </a:xfrm>
-          <a:prstGeom prst="rect"/>
-          <a:noFill/>
-          <a:ln w="0">
-            <a:noFill/>
-            <a:prstDash/>
-          </a:ln>
-        </p:spPr>
-        <p:txBody>
-          <a:bodyPr wrap="square" lIns="89535" tIns="46355" rIns="89535" bIns="46355" numCol="1" vert="horz" anchor="t">
-            <a:spAutoFit/>
-          </a:bodyPr>
-          <a:lstStyle/>
-          <a:p>
-            <a:pPr marL="0" indent="0" algn="l" latinLnBrk="0" hangingPunct="1">
-              <a:buFontTx/>
-              <a:buNone/>
-            </a:pPr>
-            <a:r>
-              <a:rPr lang="ko-KR" sz="2000" b="1">
-                <a:solidFill>
-                  <a:srgbClr val="0611F2"/>
-                </a:solidFill>
-                <a:latin typeface="맑은 고딕" charset="0"/>
-                <a:ea typeface="맑은 고딕" charset="0"/>
-              </a:rPr>
-              <a:t>8.</a:t>
-            </a:r>
-            <a:r>
-              <a:rPr lang="ko-KR" sz="2000" b="1">
-                <a:solidFill>
-                  <a:srgbClr val="0611F2"/>
-                </a:solidFill>
-                <a:latin typeface="맑은 고딕" charset="0"/>
-                <a:ea typeface="맑은 고딕" charset="0"/>
-              </a:rPr>
-              <a:t> </a:t>
-            </a:r>
-            <a:r>
-              <a:rPr lang="ko-KR" sz="1800">
-                <a:latin typeface="맑은 고딕" charset="0"/>
-                <a:ea typeface="맑은 고딕" charset="0"/>
-              </a:rPr>
-              <a:t>그리고 Spot Street Lamp </a:t>
-            </a:r>
-            <a:r>
-              <a:rPr lang="ko-KR" sz="1800">
-                <a:latin typeface="맑은 고딕" charset="0"/>
-                <a:ea typeface="맑은 고딕" charset="0"/>
-              </a:rPr>
-              <a:t>오브젝트의</a:t>
-            </a:r>
-            <a:r>
-              <a:rPr lang="ko-KR" sz="1800">
-                <a:latin typeface="맑은 고딕" charset="0"/>
-                <a:ea typeface="맑은 고딕" charset="0"/>
-              </a:rPr>
-              <a:t> </a:t>
-            </a:r>
-            <a:r>
-              <a:rPr lang="ko-KR" sz="1800">
-                <a:latin typeface="맑은 고딕" charset="0"/>
-                <a:ea typeface="맑은 고딕" charset="0"/>
-              </a:rPr>
-              <a:t>하위</a:t>
-            </a:r>
-            <a:r>
-              <a:rPr lang="ko-KR" sz="1800">
-                <a:latin typeface="맑은 고딕" charset="0"/>
-                <a:ea typeface="맑은 고딕" charset="0"/>
-              </a:rPr>
-              <a:t> 오브젝트로 Light에 </a:t>
-            </a:r>
-            <a:r>
-              <a:rPr lang="ko-KR" sz="1800">
-                <a:latin typeface="맑은 고딕" charset="0"/>
-                <a:ea typeface="맑은 고딕" charset="0"/>
-              </a:rPr>
-              <a:t>Spot</a:t>
-            </a:r>
-            <a:r>
-              <a:rPr lang="ko-KR" sz="1800">
-                <a:latin typeface="맑은 고딕" charset="0"/>
-                <a:ea typeface="맑은 고딕" charset="0"/>
-              </a:rPr>
-              <a:t> Light를 </a:t>
-            </a:r>
-            <a:r>
-              <a:rPr lang="ko-KR" sz="1800">
-                <a:latin typeface="맑은 고딕" charset="0"/>
-                <a:ea typeface="맑은 고딕" charset="0"/>
-              </a:rPr>
-              <a:t>생성합니다.</a:t>
-            </a:r>
-            <a:endParaRPr lang="ko-KR" altLang="en-US" sz="1800">
-              <a:latin typeface="맑은 고딕" charset="0"/>
-              <a:ea typeface="맑은 고딕" charset="0"/>
-            </a:endParaRPr>
-          </a:p>
-        </p:txBody>
-      </p:sp>
-      <p:pic>
-        <p:nvPicPr>
-          <p:cNvPr id="1154" name="그림 11" descr="C:/Users/Admin1/AppData/Roaming/PolarisOffice/ETemp/1284_18416448/fImage828938141.png"/>
+          <p:cNvPr id="1154" name="그림 11" descr="C:/Users/Admin1/AppData/Roaming/PolarisOffice/ETemp/18888_13767696/fImage828938141.png"/>
           <p:cNvPicPr>
             <a:picLocks noChangeAspect="1"/>
           </p:cNvPicPr>
@@ -14731,7 +14269,7 @@
         <p:spPr>
           <a:xfrm rot="0">
             <a:off x="1249045" y="1464310"/>
-            <a:ext cx="2679700" cy="3747770"/>
+            <a:ext cx="2680335" cy="3842385"/>
           </a:xfrm>
           <a:prstGeom prst="roundRect"/>
           <a:solidFill>
@@ -14749,8 +14287,8 @@
         </p:nvSpPr>
         <p:spPr>
           <a:xfrm rot="0">
-            <a:off x="1260475" y="5433695"/>
-            <a:ext cx="4115435" cy="677545"/>
+            <a:off x="1260475" y="5467985"/>
+            <a:ext cx="4116070" cy="677545"/>
           </a:xfrm>
           <a:prstGeom prst="rect"/>
           <a:noFill/>
@@ -14777,7 +14315,7 @@
                 <a:latin typeface="맑은 고딕" charset="0"/>
                 <a:ea typeface="맑은 고딕" charset="0"/>
               </a:rPr>
-              <a:t>7.</a:t>
+              <a:t>9.</a:t>
             </a:r>
             <a:r>
               <a:rPr lang="ko-KR" sz="2000" b="1">
@@ -14794,27 +14332,34 @@
                 <a:latin typeface="맑은 고딕" charset="0"/>
                 <a:ea typeface="맑은 고딕" charset="0"/>
               </a:rPr>
-              <a:t>이제</a:t>
+              <a:t>그런 다음</a:t>
             </a:r>
             <a:r>
               <a:rPr sz="1800">
                 <a:latin typeface="맑은 고딕" charset="0"/>
                 <a:ea typeface="맑은 고딕" charset="0"/>
               </a:rPr>
-              <a:t> C# Script를 생성한 </a:t>
+              <a:t> C# Script를 생성하고</a:t>
             </a:r>
             <a:r>
               <a:rPr sz="1800">
                 <a:latin typeface="맑은 고딕" charset="0"/>
                 <a:ea typeface="맑은 고딕" charset="0"/>
               </a:rPr>
-              <a:t>다음</a:t>
+              <a:t> </a:t>
             </a:r>
             <a:r>
               <a:rPr sz="1800">
                 <a:latin typeface="맑은 고딕" charset="0"/>
                 <a:ea typeface="맑은 고딕" charset="0"/>
               </a:rPr>
+              <a:t>Movement</a:t>
+            </a:r>
+            <a:r>
+              <a:rPr sz="1800">
+                <a:latin typeface="맑은 고딕" charset="0"/>
+                <a:ea typeface="맑은 고딕" charset="0"/>
+              </a:rPr>
               <a:t> </a:t>
             </a:r>
             <a:r>
@@ -14822,49 +14367,14 @@
                 <a:latin typeface="맑은 고딕" charset="0"/>
                 <a:ea typeface="맑은 고딕" charset="0"/>
               </a:rPr>
-              <a:t>Move</a:t>
+              <a:t>라는</a:t>
             </a:r>
             <a:r>
               <a:rPr sz="1800">
                 <a:latin typeface="맑은 고딕" charset="0"/>
                 <a:ea typeface="맑은 고딕" charset="0"/>
               </a:rPr>
-              <a:t>m</a:t>
-            </a:r>
-            <a:r>
-              <a:rPr sz="1800">
-                <a:latin typeface="맑은 고딕" charset="0"/>
-                <a:ea typeface="맑은 고딕" charset="0"/>
-              </a:rPr>
-              <a:t>ent</a:t>
-            </a:r>
-            <a:r>
-              <a:rPr sz="1800">
-                <a:latin typeface="맑은 고딕" charset="0"/>
-                <a:ea typeface="맑은 고딕" charset="0"/>
-              </a:rPr>
-              <a:t> </a:t>
-            </a:r>
-            <a:r>
-              <a:rPr sz="1800">
-                <a:latin typeface="맑은 고딕" charset="0"/>
-                <a:ea typeface="맑은 고딕" charset="0"/>
-              </a:rPr>
-              <a:t>라는</a:t>
-            </a:r>
-            <a:r>
-              <a:rPr sz="1800">
-                <a:latin typeface="맑은 고딕" charset="0"/>
-                <a:ea typeface="맑은 고딕" charset="0"/>
-              </a:rPr>
-              <a:t> 이름으로 </a:t>
-            </a:r>
-            <a:r>
-              <a:rPr sz="1800">
-                <a:latin typeface="맑은 고딕" charset="0"/>
-                <a:ea typeface="맑은 고딕" charset="0"/>
-              </a:rPr>
-              <a:t>정의합니다.</a:t>
+              <a:t> 이름으로 정의합니다.</a:t>
             </a:r>
             <a:endParaRPr lang="ko-KR" altLang="en-US" sz="1800">
               <a:latin typeface="맑은 고딕" charset="0"/>
@@ -14875,17 +14385,17 @@
       </p:sp>
       <p:pic>
         <p:nvPicPr>
-          <p:cNvPr id="1157" name="그림 14" descr="C:/Users/Admin1/AppData/Roaming/PolarisOffice/ETemp/1284_18416448/fImage25863848467.png"/>
+          <p:cNvPr id="1157" name="그림 14" descr="C:/Users/Admin1/AppData/Roaming/PolarisOffice/ETemp/18888_13767696/fImage25863848467.png"/>
           <p:cNvPicPr>
             <a:picLocks noChangeAspect="1"/>
           </p:cNvPicPr>
           <p:nvPr/>
         </p:nvPicPr>
         <p:blipFill rotWithShape="1">
-          <a:blip r:embed="rId10" cstate="print">
+          <a:blip r:embed="rId10" cstate="hqprint">
             <a:extLst>
               <a:ext uri="{28A0092B-C50C-407E-A947-70E740481C1C}">
-                <a14:useLocalDpi xmlns:a14="http://schemas.microsoft.com/office/drawing/2010/main" val="0"/>
+                <a14:useLocalDpi xmlns:a14="http://schemas.microsoft.com/office/drawing/2010/main"/>
               </a:ext>
             </a:extLst>
           </a:blip>
@@ -14895,8 +14405,8 @@
         </p:blipFill>
         <p:spPr>
           <a:xfrm rot="0">
-            <a:off x="4220845" y="2739390"/>
-            <a:ext cx="1155065" cy="1223645"/>
+            <a:off x="4229735" y="2816860"/>
+            <a:ext cx="1146175" cy="1224280"/>
           </a:xfrm>
           <a:prstGeom prst="roundRect"/>
           <a:solidFill>
@@ -14906,7 +14416,7 @@
       </p:pic>
       <p:pic>
         <p:nvPicPr>
-          <p:cNvPr id="1155" name="그림 12" descr="C:/Users/Admin1/AppData/Roaming/PolarisOffice/ETemp/1284_18416448/fImage2242173826334.png"/>
+          <p:cNvPr id="1155" name="그림 12" descr="C:/Users/Admin1/AppData/Roaming/PolarisOffice/ETemp/18888_13767696/fImage2242173826334.png"/>
           <p:cNvPicPr>
             <a:picLocks noChangeAspect="1"/>
           </p:cNvPicPr>
@@ -14926,13 +14436,345 @@
         </p:blipFill>
         <p:spPr>
           <a:xfrm rot="0">
-            <a:off x="3479165" y="3057525"/>
-            <a:ext cx="1199515" cy="577850"/>
+            <a:off x="3479165" y="3178175"/>
+            <a:ext cx="1087120" cy="508635"/>
           </a:xfrm>
           <a:prstGeom prst="rect"/>
           <a:noFill/>
         </p:spPr>
       </p:pic>
+      <p:pic>
+        <p:nvPicPr>
+          <p:cNvPr id="1158" name="그림 62" descr="C:/Users/Admin1/AppData/Roaming/PolarisOffice/ETemp/18888_13767696/fImage139043278145.png"/>
+          <p:cNvPicPr>
+            <a:picLocks noChangeAspect="1"/>
+          </p:cNvPicPr>
+          <p:nvPr/>
+        </p:nvPicPr>
+        <p:blipFill rotWithShape="1">
+          <a:blip r:embed="rId12" cstate="print">
+            <a:extLst>
+              <a:ext uri="{28A0092B-C50C-407E-A947-70E740481C1C}">
+                <a14:useLocalDpi xmlns:a14="http://schemas.microsoft.com/office/drawing/2010/main" val="0"/>
+              </a:ext>
+            </a:extLst>
+          </a:blip>
+          <a:stretch>
+            <a:fillRect/>
+          </a:stretch>
+        </p:blipFill>
+        <p:spPr>
+          <a:xfrm rot="0">
+            <a:off x="6822440" y="1464310"/>
+            <a:ext cx="4135120" cy="1387475"/>
+          </a:xfrm>
+          <a:prstGeom prst="roundRect"/>
+          <a:solidFill>
+            <a:srgbClr val="EDEDED"/>
+          </a:solidFill>
+        </p:spPr>
+      </p:pic>
+      <p:sp>
+        <p:nvSpPr>
+          <p:cNvPr id="1159" name="텍스트 상자 65"/>
+          <p:cNvSpPr txBox="1">
+            <a:spLocks/>
+          </p:cNvSpPr>
+          <p:nvPr/>
+        </p:nvSpPr>
+        <p:spPr>
+          <a:xfrm rot="0">
+            <a:off x="6813550" y="2926715"/>
+            <a:ext cx="4143375" cy="954405"/>
+          </a:xfrm>
+          <a:prstGeom prst="rect"/>
+          <a:noFill/>
+          <a:ln w="0">
+            <a:noFill/>
+            <a:prstDash/>
+          </a:ln>
+        </p:spPr>
+        <p:txBody>
+          <a:bodyPr wrap="square" lIns="89535" tIns="46355" rIns="89535" bIns="46355" numCol="1" vert="horz" anchor="t">
+            <a:spAutoFit/>
+          </a:bodyPr>
+          <a:lstStyle/>
+          <a:p>
+            <a:pPr marL="0" indent="0" algn="l" latinLnBrk="0" hangingPunct="1">
+              <a:buFontTx/>
+              <a:buNone/>
+            </a:pPr>
+            <a:r>
+              <a:rPr lang="ko-KR" sz="2000" b="1">
+                <a:solidFill>
+                  <a:srgbClr val="0611F2"/>
+                </a:solidFill>
+                <a:latin typeface="맑은 고딕" charset="0"/>
+                <a:ea typeface="맑은 고딕" charset="0"/>
+              </a:rPr>
+              <a:t>1</a:t>
+            </a:r>
+            <a:r>
+              <a:rPr lang="ko-KR" sz="2000" b="1">
+                <a:solidFill>
+                  <a:srgbClr val="0611F2"/>
+                </a:solidFill>
+                <a:latin typeface="맑은 고딕" charset="0"/>
+                <a:ea typeface="맑은 고딕" charset="0"/>
+              </a:rPr>
+              <a:t>0</a:t>
+            </a:r>
+            <a:r>
+              <a:rPr lang="ko-KR" sz="2000" b="1">
+                <a:solidFill>
+                  <a:srgbClr val="0611F2"/>
+                </a:solidFill>
+                <a:latin typeface="맑은 고딕" charset="0"/>
+                <a:ea typeface="맑은 고딕" charset="0"/>
+              </a:rPr>
+              <a:t>.</a:t>
+            </a:r>
+            <a:r>
+              <a:rPr lang="ko-KR" sz="2000" b="1">
+                <a:solidFill>
+                  <a:srgbClr val="0611F2"/>
+                </a:solidFill>
+                <a:latin typeface="맑은 고딕" charset="0"/>
+                <a:ea typeface="맑은 고딕" charset="0"/>
+              </a:rPr>
+              <a:t> </a:t>
+            </a:r>
+            <a:r>
+              <a:rPr lang="ko-KR" sz="1800">
+                <a:latin typeface="맑은 고딕" charset="0"/>
+                <a:ea typeface="맑은 고딕" charset="0"/>
+              </a:rPr>
+              <a:t>그다음으로 Robot 오브젝트의 </a:t>
+            </a:r>
+            <a:r>
+              <a:rPr lang="ko-KR" sz="1800">
+                <a:latin typeface="맑은 고딕" charset="0"/>
+                <a:ea typeface="맑은 고딕" charset="0"/>
+              </a:rPr>
+              <a:t>위치와</a:t>
+            </a:r>
+            <a:r>
+              <a:rPr lang="ko-KR" sz="1800">
+                <a:latin typeface="맑은 고딕" charset="0"/>
+                <a:ea typeface="맑은 고딕" charset="0"/>
+              </a:rPr>
+              <a:t> </a:t>
+            </a:r>
+            <a:r>
+              <a:rPr lang="ko-KR" sz="1800">
+                <a:latin typeface="맑은 고딕" charset="0"/>
+                <a:ea typeface="맑은 고딕" charset="0"/>
+              </a:rPr>
+              <a:t>회전 </a:t>
+            </a:r>
+            <a:r>
+              <a:rPr lang="ko-KR" sz="1800">
+                <a:latin typeface="맑은 고딕" charset="0"/>
+                <a:ea typeface="맑은 고딕" charset="0"/>
+              </a:rPr>
+              <a:t>값을 설정하고 크기 값을 </a:t>
+            </a:r>
+            <a:r>
+              <a:rPr lang="ko-KR" sz="1800">
+                <a:latin typeface="맑은 고딕" charset="0"/>
+                <a:ea typeface="맑은 고딕" charset="0"/>
+              </a:rPr>
+              <a:t>설정합니</a:t>
+            </a:r>
+            <a:r>
+              <a:rPr lang="ko-KR" sz="1800">
+                <a:latin typeface="맑은 고딕" charset="0"/>
+                <a:ea typeface="맑은 고딕" charset="0"/>
+              </a:rPr>
+              <a:t>다.</a:t>
+            </a:r>
+            <a:endParaRPr lang="ko-KR" altLang="en-US" sz="1800">
+              <a:latin typeface="맑은 고딕" charset="0"/>
+              <a:ea typeface="맑은 고딕" charset="0"/>
+            </a:endParaRPr>
+          </a:p>
+        </p:txBody>
+      </p:sp>
+      <p:pic>
+        <p:nvPicPr>
+          <p:cNvPr id="1160" name="그림 68" descr="C:/Users/Admin1/AppData/Roaming/PolarisOffice/ETemp/18888_13767696/fImage50303243281.png"/>
+          <p:cNvPicPr>
+            <a:picLocks noChangeAspect="1"/>
+          </p:cNvPicPr>
+          <p:nvPr/>
+        </p:nvPicPr>
+        <p:blipFill rotWithShape="1">
+          <a:blip r:embed="rId13" cstate="hqprint">
+            <a:extLst>
+              <a:ext uri="{28A0092B-C50C-407E-A947-70E740481C1C}">
+                <a14:useLocalDpi xmlns:a14="http://schemas.microsoft.com/office/drawing/2010/main"/>
+              </a:ext>
+            </a:extLst>
+          </a:blip>
+          <a:stretch>
+            <a:fillRect/>
+          </a:stretch>
+        </p:blipFill>
+        <p:spPr>
+          <a:xfrm rot="0">
+            <a:off x="8614410" y="4013835"/>
+            <a:ext cx="2351405" cy="1387475"/>
+          </a:xfrm>
+          <a:prstGeom prst="roundRect"/>
+          <a:solidFill>
+            <a:srgbClr val="EDEDED"/>
+          </a:solidFill>
+        </p:spPr>
+      </p:pic>
+      <p:pic>
+        <p:nvPicPr>
+          <p:cNvPr id="1161" name="그림 69" descr="C:/Users/Admin1/AppData/Roaming/PolarisOffice/ETemp/18888_13767696/fImage64153323281.png"/>
+          <p:cNvPicPr>
+            <a:picLocks noChangeAspect="1"/>
+          </p:cNvPicPr>
+          <p:nvPr/>
+        </p:nvPicPr>
+        <p:blipFill rotWithShape="1">
+          <a:blip r:embed="rId14" cstate="print">
+            <a:extLst>
+              <a:ext uri="{28A0092B-C50C-407E-A947-70E740481C1C}">
+                <a14:useLocalDpi xmlns:a14="http://schemas.microsoft.com/office/drawing/2010/main" val="0"/>
+              </a:ext>
+            </a:extLst>
+          </a:blip>
+          <a:stretch>
+            <a:fillRect/>
+          </a:stretch>
+        </p:blipFill>
+        <p:spPr>
+          <a:xfrm rot="0">
+            <a:off x="6822440" y="4002405"/>
+            <a:ext cx="1628140" cy="1398905"/>
+          </a:xfrm>
+          <a:prstGeom prst="roundRect"/>
+          <a:solidFill>
+            <a:srgbClr val="EDEDED"/>
+          </a:solidFill>
+        </p:spPr>
+      </p:pic>
+      <p:sp>
+        <p:nvSpPr>
+          <p:cNvPr id="1162" name="텍스트 상자 70"/>
+          <p:cNvSpPr txBox="1">
+            <a:spLocks/>
+          </p:cNvSpPr>
+          <p:nvPr/>
+        </p:nvSpPr>
+        <p:spPr>
+          <a:xfrm rot="0">
+            <a:off x="6816090" y="5470525"/>
+            <a:ext cx="4143375" cy="677545"/>
+          </a:xfrm>
+          <a:prstGeom prst="rect"/>
+          <a:noFill/>
+          <a:ln w="0">
+            <a:noFill/>
+            <a:prstDash/>
+          </a:ln>
+        </p:spPr>
+        <p:txBody>
+          <a:bodyPr wrap="square" lIns="89535" tIns="46355" rIns="89535" bIns="46355" numCol="1" vert="horz" anchor="t">
+            <a:spAutoFit/>
+          </a:bodyPr>
+          <a:lstStyle/>
+          <a:p>
+            <a:pPr marL="0" indent="0" algn="l" latinLnBrk="0" hangingPunct="1">
+              <a:buFontTx/>
+              <a:buNone/>
+            </a:pPr>
+            <a:r>
+              <a:rPr lang="ko-KR" sz="2000" b="1">
+                <a:solidFill>
+                  <a:srgbClr val="0611F2"/>
+                </a:solidFill>
+                <a:latin typeface="맑은 고딕" charset="0"/>
+                <a:ea typeface="맑은 고딕" charset="0"/>
+              </a:rPr>
+              <a:t>11.</a:t>
+            </a:r>
+            <a:r>
+              <a:rPr lang="ko-KR" sz="2000" b="1">
+                <a:solidFill>
+                  <a:srgbClr val="0611F2"/>
+                </a:solidFill>
+                <a:latin typeface="맑은 고딕" charset="0"/>
+                <a:ea typeface="맑은 고딕" charset="0"/>
+              </a:rPr>
+              <a:t> </a:t>
+            </a:r>
+            <a:r>
+              <a:rPr lang="ko-KR" sz="1800">
+                <a:latin typeface="맑은 고딕" charset="0"/>
+                <a:ea typeface="맑은 고딕" charset="0"/>
+              </a:rPr>
+              <a:t>그러고 나서 Robot </a:t>
+            </a:r>
+            <a:r>
+              <a:rPr lang="ko-KR" sz="1800">
+                <a:latin typeface="맑은 고딕" charset="0"/>
+                <a:ea typeface="맑은 고딕" charset="0"/>
+              </a:rPr>
+              <a:t>오브젝트에</a:t>
+            </a:r>
+            <a:r>
+              <a:rPr lang="ko-KR" sz="1800">
+                <a:latin typeface="맑은 고딕" charset="0"/>
+                <a:ea typeface="맑은 고딕" charset="0"/>
+              </a:rPr>
+              <a:t> </a:t>
+            </a:r>
+            <a:r>
+              <a:rPr lang="ko-KR" sz="1800">
+                <a:latin typeface="맑은 고딕" charset="0"/>
+                <a:ea typeface="맑은 고딕" charset="0"/>
+              </a:rPr>
+              <a:t>Contribute</a:t>
+            </a:r>
+            <a:r>
+              <a:rPr lang="ko-KR" sz="1800">
+                <a:latin typeface="맑은 고딕" charset="0"/>
+                <a:ea typeface="맑은 고딕" charset="0"/>
+              </a:rPr>
+              <a:t> </a:t>
+            </a:r>
+            <a:r>
+              <a:rPr lang="ko-KR" sz="1800">
+                <a:latin typeface="맑은 고딕" charset="0"/>
+                <a:ea typeface="맑은 고딕" charset="0"/>
+              </a:rPr>
+              <a:t>GI를</a:t>
+            </a:r>
+            <a:r>
+              <a:rPr lang="ko-KR" sz="1800">
+                <a:latin typeface="맑은 고딕" charset="0"/>
+                <a:ea typeface="맑은 고딕" charset="0"/>
+              </a:rPr>
+              <a:t> </a:t>
+            </a:r>
+            <a:r>
+              <a:rPr lang="ko-KR" sz="1800">
+                <a:latin typeface="맑은 고딕" charset="0"/>
+                <a:ea typeface="맑은 고딕" charset="0"/>
+              </a:rPr>
+              <a:t>설정합니다.</a:t>
+            </a:r>
+            <a:endParaRPr lang="ko-KR" altLang="en-US" sz="1800">
+              <a:latin typeface="맑은 고딕" charset="0"/>
+              <a:ea typeface="맑은 고딕" charset="0"/>
+            </a:endParaRPr>
+          </a:p>
+        </p:txBody>
+      </p:sp>
     </p:spTree>
   </p:cSld>
   <p:clrMapOvr>
@@ -14957,7 +14799,7 @@
 </file>
 
 <file path=ppt/slides/slide4.xml><?xml version="1.0" encoding="utf-8"?>
-<p:sld xmlns:a="http://schemas.openxmlformats.org/drawingml/2006/main" xmlns:r="http://schemas.openxmlformats.org/officeDocument/2006/relationships" xmlns:p="http://schemas.openxmlformats.org/presentationml/2006/main">
+<p:sld xmlns:a="http://schemas.openxmlformats.org/drawingml/2006/main" xmlns:r="http://schemas.openxmlformats.org/officeDocument/2006/relationships" xmlns:p="http://schemas.openxmlformats.org/presentationml/2006/main" xmlns:p14="http://schemas.microsoft.com/office/powerpoint/2010/main">
   <p:cSld>
     <p:spTree>
       <p:nvGrpSpPr>
@@ -15035,7 +14877,7 @@
       </p:sp>
       <p:sp>
         <p:nvSpPr>
-          <p:cNvPr id="1149" name="Rect 0"/>
+          <p:cNvPr id="1151" name="텍스트 상자 17"/>
           <p:cNvSpPr txBox="1">
             <a:spLocks/>
           </p:cNvSpPr>
@@ -15043,8 +14885,8 @@
         </p:nvSpPr>
         <p:spPr>
           <a:xfrm rot="0">
-            <a:off x="1240790" y="2958465"/>
-            <a:ext cx="4143375" cy="954405"/>
+            <a:off x="6830695" y="5198110"/>
+            <a:ext cx="4117975" cy="954405"/>
           </a:xfrm>
           <a:prstGeom prst="rect"/>
           <a:noFill/>
@@ -15071,7 +14913,7 @@
                 <a:latin typeface="맑은 고딕" charset="0"/>
                 <a:ea typeface="맑은 고딕" charset="0"/>
               </a:rPr>
-              <a:t>9.</a:t>
+              <a:t>14.</a:t>
             </a:r>
             <a:r>
               <a:rPr lang="ko-KR" sz="2000" b="1">
@@ -15088,14 +14930,14 @@
                 <a:latin typeface="맑은 고딕" charset="0"/>
                 <a:ea typeface="맑은 고딕" charset="0"/>
               </a:rPr>
-              <a:t>그런 다음 Spot Street Lamp </a:t>
-            </a:r>
-            <a:r>
-              <a:rPr lang="ko-KR" sz="1800">
-                <a:latin typeface="맑은 고딕" charset="0"/>
-                <a:ea typeface="맑은 고딕" charset="0"/>
-              </a:rPr>
-              <a:t>오브젝트의</a:t>
+              <a:t>그런 다음 Movement </a:t>
+            </a:r>
+            <a:r>
+              <a:rPr lang="ko-KR" sz="1800">
+                <a:latin typeface="맑은 고딕" charset="0"/>
+                <a:ea typeface="맑은 고딕" charset="0"/>
+              </a:rPr>
+              <a:t>스크립트에서</a:t>
             </a:r>
             <a:r>
               <a:rPr lang="ko-KR" sz="1800">
@@ -15109,21 +14951,21 @@
                 <a:latin typeface="맑은 고딕" charset="0"/>
                 <a:ea typeface="맑은 고딕" charset="0"/>
               </a:rPr>
-              <a:t>위치와</a:t>
-            </a:r>
-            <a:r>
-              <a:rPr lang="ko-KR" sz="1800">
-                <a:latin typeface="맑은 고딕" charset="0"/>
-                <a:ea typeface="맑은 고딕" charset="0"/>
-              </a:rPr>
-              <a:t> 회전 값을 </a:t>
-            </a:r>
-            <a:r>
-              <a:rPr lang="ko-KR" sz="1800">
-                <a:latin typeface="맑은 고딕" charset="0"/>
-                <a:ea typeface="맑은 고딕" charset="0"/>
-              </a:rPr>
-              <a:t>설정합니다.</a:t>
+              <a:t>float 변수와 Transform </a:t>
+            </a:r>
+            <a:r>
+              <a:rPr lang="ko-KR" sz="1800">
+                <a:latin typeface="맑은 고딕" charset="0"/>
+                <a:ea typeface="맑은 고딕" charset="0"/>
+              </a:rPr>
+              <a:t>변수를</a:t>
+            </a:r>
+            <a:r>
+              <a:rPr lang="ko-KR" sz="1800">
+                <a:latin typeface="맑은 고딕" charset="0"/>
+                <a:ea typeface="맑은 고딕" charset="0"/>
+              </a:rPr>
+              <a:t> 선언합니다.</a:t>
             </a:r>
             <a:endParaRPr lang="ko-KR" altLang="en-US" sz="1800">
               <a:latin typeface="맑은 고딕" charset="0"/>
@@ -15134,14 +14976,45 @@
       </p:sp>
       <p:pic>
         <p:nvPicPr>
-          <p:cNvPr id="1150" name="Picture " descr="C:/Users/Admin1/AppData/Roaming/PolarisOffice/ETemp/1284_18416448/fImage158423979358.png"/>
+          <p:cNvPr id="1160" name="그림 43" descr="C:/Users/Admin1/AppData/Roaming/PolarisOffice/ETemp/18888_13767696/fImage438813186827.png"/>
           <p:cNvPicPr>
             <a:picLocks noChangeAspect="1"/>
           </p:cNvPicPr>
           <p:nvPr/>
         </p:nvPicPr>
         <p:blipFill rotWithShape="1">
-          <a:blip r:embed="rId2" cstate="hqprint">
+          <a:blip r:embed="rId9" cstate="print">
+            <a:extLst>
+              <a:ext uri="{28A0092B-C50C-407E-A947-70E740481C1C}">
+                <a14:useLocalDpi xmlns:a14="http://schemas.microsoft.com/office/drawing/2010/main" val="0"/>
+              </a:ext>
+            </a:extLst>
+          </a:blip>
+          <a:stretch>
+            <a:fillRect/>
+          </a:stretch>
+        </p:blipFill>
+        <p:spPr>
+          <a:xfrm rot="0">
+            <a:off x="6839585" y="3841750"/>
+            <a:ext cx="4117975" cy="1257935"/>
+          </a:xfrm>
+          <a:prstGeom prst="roundRect"/>
+          <a:solidFill>
+            <a:srgbClr val="EDEDED"/>
+          </a:solidFill>
+        </p:spPr>
+      </p:pic>
+      <p:pic>
+        <p:nvPicPr>
+          <p:cNvPr id="1161" name="그림 72" descr="C:/Users/Admin1/AppData/Roaming/PolarisOffice/ETemp/18888_13767696/fImage85063369961.png"/>
+          <p:cNvPicPr>
+            <a:picLocks noChangeAspect="1"/>
+          </p:cNvPicPr>
+          <p:nvPr/>
+        </p:nvPicPr>
+        <p:blipFill rotWithShape="1">
+          <a:blip r:embed="rId10" cstate="hqprint">
             <a:extLst>
               <a:ext uri="{28A0092B-C50C-407E-A947-70E740481C1C}">
                 <a14:useLocalDpi xmlns:a14="http://schemas.microsoft.com/office/drawing/2010/main"/>
@@ -15154,8 +15027,8 @@
         </p:blipFill>
         <p:spPr>
           <a:xfrm rot="0">
-            <a:off x="1240790" y="1437640"/>
-            <a:ext cx="4143375" cy="1448435"/>
+            <a:off x="1240790" y="1455420"/>
+            <a:ext cx="2534920" cy="3566795"/>
           </a:xfrm>
           <a:prstGeom prst="roundRect"/>
           <a:solidFill>
@@ -15163,152 +15036,19 @@
           </a:solidFill>
         </p:spPr>
       </p:pic>
-      <p:sp>
-        <p:nvSpPr>
-          <p:cNvPr id="1151" name="텍스트 상자 17"/>
-          <p:cNvSpPr txBox="1">
-            <a:spLocks/>
-          </p:cNvSpPr>
-          <p:nvPr/>
-        </p:nvSpPr>
-        <p:spPr>
-          <a:xfrm rot="0">
-            <a:off x="1249045" y="5507990"/>
-            <a:ext cx="4128135" cy="677545"/>
-          </a:xfrm>
-          <a:prstGeom prst="rect"/>
-          <a:noFill/>
-          <a:ln w="0">
-            <a:noFill/>
-            <a:prstDash/>
-          </a:ln>
-        </p:spPr>
-        <p:txBody>
-          <a:bodyPr wrap="square" lIns="89535" tIns="46355" rIns="89535" bIns="46355" numCol="1" vert="horz" anchor="t">
-            <a:spAutoFit/>
-          </a:bodyPr>
-          <a:lstStyle/>
-          <a:p>
-            <a:pPr marL="0" indent="0" algn="l" latinLnBrk="0" hangingPunct="1">
-              <a:buFontTx/>
-              <a:buNone/>
-            </a:pPr>
-            <a:r>
-              <a:rPr lang="ko-KR" sz="2000" b="1">
-                <a:solidFill>
-                  <a:srgbClr val="0611F2"/>
-                </a:solidFill>
-                <a:latin typeface="맑은 고딕" charset="0"/>
-                <a:ea typeface="맑은 고딕" charset="0"/>
-              </a:rPr>
-              <a:t>1</a:t>
-            </a:r>
-            <a:r>
-              <a:rPr lang="ko-KR" sz="2000" b="1">
-                <a:solidFill>
-                  <a:srgbClr val="0611F2"/>
-                </a:solidFill>
-                <a:latin typeface="맑은 고딕" charset="0"/>
-                <a:ea typeface="맑은 고딕" charset="0"/>
-              </a:rPr>
-              <a:t>0</a:t>
-            </a:r>
-            <a:r>
-              <a:rPr lang="ko-KR" sz="2000" b="1">
-                <a:solidFill>
-                  <a:srgbClr val="0611F2"/>
-                </a:solidFill>
-                <a:latin typeface="맑은 고딕" charset="0"/>
-                <a:ea typeface="맑은 고딕" charset="0"/>
-              </a:rPr>
-              <a:t>.</a:t>
-            </a:r>
-            <a:r>
-              <a:rPr lang="ko-KR" sz="2000" b="1">
-                <a:solidFill>
-                  <a:srgbClr val="0611F2"/>
-                </a:solidFill>
-                <a:latin typeface="맑은 고딕" charset="0"/>
-                <a:ea typeface="맑은 고딕" charset="0"/>
-              </a:rPr>
-              <a:t> </a:t>
-            </a:r>
-            <a:r>
-              <a:rPr lang="ko-KR" sz="1800">
-                <a:latin typeface="맑은 고딕" charset="0"/>
-                <a:ea typeface="맑은 고딕" charset="0"/>
-              </a:rPr>
-              <a:t>그다음 Spot Light </a:t>
-            </a:r>
-            <a:r>
-              <a:rPr lang="ko-KR" sz="1800">
-                <a:latin typeface="맑은 고딕" charset="0"/>
-                <a:ea typeface="맑은 고딕" charset="0"/>
-              </a:rPr>
-              <a:t>오브젝트의</a:t>
-            </a:r>
-            <a:r>
-              <a:rPr lang="ko-KR" sz="1800">
-                <a:latin typeface="맑은 고딕" charset="0"/>
-                <a:ea typeface="맑은 고딕" charset="0"/>
-              </a:rPr>
-              <a:t> </a:t>
-            </a:r>
-            <a:r>
-              <a:rPr lang="ko-KR" sz="1800">
-                <a:latin typeface="맑은 고딕" charset="0"/>
-                <a:ea typeface="맑은 고딕" charset="0"/>
-              </a:rPr>
-              <a:t>위치와</a:t>
-            </a:r>
-            <a:r>
-              <a:rPr lang="ko-KR" sz="1800">
-                <a:latin typeface="맑은 고딕" charset="0"/>
-                <a:ea typeface="맑은 고딕" charset="0"/>
-              </a:rPr>
-              <a:t> </a:t>
-            </a:r>
-            <a:r>
-              <a:rPr lang="ko-KR" sz="1800">
-                <a:latin typeface="맑은 고딕" charset="0"/>
-                <a:ea typeface="맑은 고딕" charset="0"/>
-              </a:rPr>
-              <a:t>회전</a:t>
-            </a:r>
-            <a:r>
-              <a:rPr lang="ko-KR" sz="1800">
-                <a:latin typeface="맑은 고딕" charset="0"/>
-                <a:ea typeface="맑은 고딕" charset="0"/>
-              </a:rPr>
-              <a:t> 값을 </a:t>
-            </a:r>
-            <a:r>
-              <a:rPr lang="ko-KR" sz="1800">
-                <a:latin typeface="맑은 고딕" charset="0"/>
-                <a:ea typeface="맑은 고딕" charset="0"/>
-              </a:rPr>
-              <a:t>설정합니다.</a:t>
-            </a:r>
-            <a:endParaRPr lang="ko-KR" altLang="en-US" sz="1800">
-              <a:latin typeface="맑은 고딕" charset="0"/>
-              <a:ea typeface="맑은 고딕" charset="0"/>
-            </a:endParaRPr>
-          </a:p>
-        </p:txBody>
-      </p:sp>
       <p:pic>
         <p:nvPicPr>
-          <p:cNvPr id="1152" name="그림 18" descr="C:/Users/Admin1/AppData/Roaming/PolarisOffice/ETemp/1284_18416448/fImage127044178145.png"/>
+          <p:cNvPr id="1162" name="그림 73" descr="C:/Users/Admin1/AppData/Roaming/PolarisOffice/ETemp/18888_13767696/fImage7515337491.png"/>
           <p:cNvPicPr>
             <a:picLocks noChangeAspect="1"/>
           </p:cNvPicPr>
           <p:nvPr/>
         </p:nvPicPr>
         <p:blipFill rotWithShape="1">
-          <a:blip r:embed="rId3" cstate="hqprint">
+          <a:blip r:embed="rId11" cstate="print">
             <a:extLst>
               <a:ext uri="{28A0092B-C50C-407E-A947-70E740481C1C}">
-                <a14:useLocalDpi xmlns:a14="http://schemas.microsoft.com/office/drawing/2010/main"/>
+                <a14:useLocalDpi xmlns:a14="http://schemas.microsoft.com/office/drawing/2010/main" val="0"/>
               </a:ext>
             </a:extLst>
           </a:blip>
@@ -15318,8 +15058,8 @@
         </p:blipFill>
         <p:spPr>
           <a:xfrm rot="0">
-            <a:off x="1240790" y="4004945"/>
-            <a:ext cx="4143375" cy="1439545"/>
+            <a:off x="3928110" y="2291080"/>
+            <a:ext cx="1447800" cy="1904365"/>
           </a:xfrm>
           <a:prstGeom prst="roundRect"/>
           <a:solidFill>
@@ -15329,7 +15069,7 @@
       </p:pic>
       <p:sp>
         <p:nvSpPr>
-          <p:cNvPr id="1153" name="텍스트 상자 22"/>
+          <p:cNvPr id="1163" name="텍스트 상자 76"/>
           <p:cNvSpPr txBox="1">
             <a:spLocks/>
           </p:cNvSpPr>
@@ -15337,8 +15077,8 @@
         </p:nvSpPr>
         <p:spPr>
           <a:xfrm rot="0">
-            <a:off x="6822440" y="2461895"/>
-            <a:ext cx="4143375" cy="1231265"/>
+            <a:off x="1243330" y="5192395"/>
+            <a:ext cx="4132580" cy="954405"/>
           </a:xfrm>
           <a:prstGeom prst="rect"/>
           <a:noFill/>
@@ -15365,7 +15105,7 @@
                 <a:latin typeface="맑은 고딕" charset="0"/>
                 <a:ea typeface="맑은 고딕" charset="0"/>
               </a:rPr>
-              <a:t>11.</a:t>
+              <a:t>12.</a:t>
             </a:r>
             <a:r>
               <a:rPr lang="ko-KR" sz="2000" b="1">
@@ -15382,14 +15122,14 @@
                 <a:latin typeface="맑은 고딕" charset="0"/>
                 <a:ea typeface="맑은 고딕" charset="0"/>
               </a:rPr>
-              <a:t>그러고 나서 Project 폴더에 </a:t>
-            </a:r>
-            <a:r>
-              <a:rPr lang="ko-KR" sz="1800">
-                <a:latin typeface="맑은 고딕" charset="0"/>
-                <a:ea typeface="맑은 고딕" charset="0"/>
-              </a:rPr>
-              <a:t>있는</a:t>
+              <a:t>이제 빈 게임 오브젝트를 생성한 </a:t>
+            </a:r>
+            <a:r>
+              <a:rPr lang="ko-KR" sz="1800">
+                <a:latin typeface="맑은 고딕" charset="0"/>
+                <a:ea typeface="맑은 고딕" charset="0"/>
+              </a:rPr>
+              <a:t>다음</a:t>
             </a:r>
             <a:r>
               <a:rPr lang="ko-KR" sz="1800">
@@ -15403,98 +15143,14 @@
                 <a:latin typeface="맑은 고딕" charset="0"/>
                 <a:ea typeface="맑은 고딕" charset="0"/>
               </a:rPr>
-              <a:t>Model</a:t>
-            </a:r>
-            <a:r>
-              <a:rPr lang="ko-KR" sz="1800">
-                <a:latin typeface="맑은 고딕" charset="0"/>
-                <a:ea typeface="맑은 고딕" charset="0"/>
-              </a:rPr>
-              <a:t> </a:t>
-            </a:r>
-            <a:r>
-              <a:rPr lang="ko-KR" sz="1800">
-                <a:latin typeface="맑은 고딕" charset="0"/>
-                <a:ea typeface="맑은 고딕" charset="0"/>
-              </a:rPr>
-              <a:t>폴더에</a:t>
-            </a:r>
-            <a:r>
-              <a:rPr lang="ko-KR" sz="1800">
-                <a:latin typeface="맑은 고딕" charset="0"/>
-                <a:ea typeface="맑은 고딕" charset="0"/>
-              </a:rPr>
-              <a:t> Street Lamp를 </a:t>
-            </a:r>
-            <a:r>
-              <a:rPr lang="ko-KR" sz="1800">
-                <a:latin typeface="맑은 고딕" charset="0"/>
-                <a:ea typeface="맑은 고딕" charset="0"/>
-              </a:rPr>
-              <a:t>월드</a:t>
-            </a:r>
-            <a:r>
-              <a:rPr lang="ko-KR" sz="1800">
-                <a:latin typeface="맑은 고딕" charset="0"/>
-                <a:ea typeface="맑은 고딕" charset="0"/>
-              </a:rPr>
-              <a:t> </a:t>
-            </a:r>
-            <a:r>
-              <a:rPr lang="ko-KR" sz="1800">
-                <a:latin typeface="맑은 고딕" charset="0"/>
-                <a:ea typeface="맑은 고딕" charset="0"/>
-              </a:rPr>
-              <a:t>공간에</a:t>
-            </a:r>
-            <a:r>
-              <a:rPr lang="ko-KR" sz="1800">
-                <a:latin typeface="맑은 고딕" charset="0"/>
-                <a:ea typeface="맑은 고딕" charset="0"/>
-              </a:rPr>
-              <a:t> </a:t>
-            </a:r>
-            <a:r>
-              <a:rPr lang="ko-KR" sz="1800">
-                <a:latin typeface="맑은 고딕" charset="0"/>
-                <a:ea typeface="맑은 고딕" charset="0"/>
-              </a:rPr>
-              <a:t>배치한</a:t>
-            </a:r>
-            <a:r>
-              <a:rPr lang="ko-KR" sz="1800">
-                <a:latin typeface="맑은 고딕" charset="0"/>
-                <a:ea typeface="맑은 고딕" charset="0"/>
-              </a:rPr>
-              <a:t> 다음 Point Street </a:t>
-            </a:r>
-            <a:r>
-              <a:rPr lang="ko-KR" sz="1800">
-                <a:latin typeface="맑은 고딕" charset="0"/>
-                <a:ea typeface="맑은 고딕" charset="0"/>
-              </a:rPr>
-              <a:t>Lamp라는</a:t>
-            </a:r>
-            <a:r>
-              <a:rPr lang="ko-KR" sz="1800">
-                <a:latin typeface="맑은 고딕" charset="0"/>
-                <a:ea typeface="맑은 고딕" charset="0"/>
-              </a:rPr>
-              <a:t> </a:t>
-            </a:r>
-            <a:r>
-              <a:rPr lang="ko-KR" sz="1800">
-                <a:latin typeface="맑은 고딕" charset="0"/>
-                <a:ea typeface="맑은 고딕" charset="0"/>
-              </a:rPr>
-              <a:t>이름으로</a:t>
-            </a:r>
-            <a:r>
-              <a:rPr lang="ko-KR" sz="1800">
-                <a:latin typeface="맑은 고딕" charset="0"/>
-                <a:ea typeface="맑은 고딕" charset="0"/>
-              </a:rPr>
-              <a:t> 정의합니다.</a:t>
+              <a:t>Arrival Point 라는 이름으로 </a:t>
+            </a:r>
+            <a:r>
+              <a:rPr lang="ko-KR" sz="1800">
+                <a:latin typeface="맑은 고딕" charset="0"/>
+                <a:ea typeface="맑은 고딕" charset="0"/>
+              </a:rPr>
+              <a:t>정의합니다.</a:t>
             </a:r>
             <a:endParaRPr lang="ko-KR" altLang="en-US" sz="1800">
               <a:latin typeface="맑은 고딕" charset="0"/>
@@ -15505,17 +15161,17 @@
       </p:sp>
       <p:pic>
         <p:nvPicPr>
-          <p:cNvPr id="1154" name="그림 23" descr="C:/Users/Admin1/AppData/Roaming/PolarisOffice/ETemp/1284_18416448/fImage162612176500.png"/>
+          <p:cNvPr id="1164" name="그림 77" descr="C:/Users/Admin1/AppData/Roaming/PolarisOffice/ETemp/18888_13767696/fImage107663392995.png"/>
           <p:cNvPicPr>
             <a:picLocks noChangeAspect="1"/>
           </p:cNvPicPr>
           <p:nvPr/>
         </p:nvPicPr>
         <p:blipFill rotWithShape="1">
-          <a:blip r:embed="rId4" cstate="hqprint">
+          <a:blip r:embed="rId12" cstate="print">
             <a:extLst>
               <a:ext uri="{28A0092B-C50C-407E-A947-70E740481C1C}">
-                <a14:useLocalDpi xmlns:a14="http://schemas.microsoft.com/office/drawing/2010/main"/>
+                <a14:useLocalDpi xmlns:a14="http://schemas.microsoft.com/office/drawing/2010/main" val="0"/>
               </a:ext>
             </a:extLst>
           </a:blip>
@@ -15525,8 +15181,8 @@
         </p:blipFill>
         <p:spPr>
           <a:xfrm rot="0">
-            <a:off x="6822440" y="3832860"/>
-            <a:ext cx="4144645" cy="1335405"/>
+            <a:off x="6827520" y="1448435"/>
+            <a:ext cx="4130040" cy="1515110"/>
           </a:xfrm>
           <a:prstGeom prst="roundRect"/>
           <a:solidFill>
@@ -15536,7 +15192,7 @@
       </p:pic>
       <p:sp>
         <p:nvSpPr>
-          <p:cNvPr id="1155" name="텍스트 상자 24"/>
+          <p:cNvPr id="1165" name="텍스트 상자 80"/>
           <p:cNvSpPr txBox="1">
             <a:spLocks/>
           </p:cNvSpPr>
@@ -15544,8 +15200,8 @@
         </p:nvSpPr>
         <p:spPr>
           <a:xfrm rot="0">
-            <a:off x="6813550" y="5234940"/>
-            <a:ext cx="4161155" cy="954405"/>
+            <a:off x="6833235" y="3039110"/>
+            <a:ext cx="4117975" cy="677545"/>
           </a:xfrm>
           <a:prstGeom prst="rect"/>
           <a:noFill/>
@@ -15572,7 +15228,7 @@
                 <a:latin typeface="맑은 고딕" charset="0"/>
                 <a:ea typeface="맑은 고딕" charset="0"/>
               </a:rPr>
-              <a:t>12.</a:t>
+              <a:t>13.</a:t>
             </a:r>
             <a:r>
               <a:rPr lang="ko-KR" sz="2000" b="1">
@@ -15589,14 +15245,14 @@
                 <a:latin typeface="맑은 고딕" charset="0"/>
                 <a:ea typeface="맑은 고딕" charset="0"/>
               </a:rPr>
-              <a:t>이제 Point Street Lamp </a:t>
-            </a:r>
-            <a:r>
-              <a:rPr lang="ko-KR" sz="1800">
-                <a:latin typeface="맑은 고딕" charset="0"/>
-                <a:ea typeface="맑은 고딕" charset="0"/>
-              </a:rPr>
-              <a:t>오브젝트의</a:t>
+              <a:t>그리고 Arrival Point 오브젝트의 </a:t>
+            </a:r>
+            <a:r>
+              <a:rPr lang="ko-KR" sz="1800">
+                <a:latin typeface="맑은 고딕" charset="0"/>
+                <a:ea typeface="맑은 고딕" charset="0"/>
+              </a:rPr>
+              <a:t>위치</a:t>
             </a:r>
             <a:r>
               <a:rPr lang="ko-KR" sz="1800">
@@ -15610,21 +15266,7 @@
                 <a:latin typeface="맑은 고딕" charset="0"/>
                 <a:ea typeface="맑은 고딕" charset="0"/>
               </a:rPr>
-              <a:t>위치와</a:t>
-            </a:r>
-            <a:r>
-              <a:rPr lang="ko-KR" sz="1800">
-                <a:latin typeface="맑은 고딕" charset="0"/>
-                <a:ea typeface="맑은 고딕" charset="0"/>
-              </a:rPr>
-              <a:t> 회전 값을 </a:t>
-            </a:r>
-            <a:r>
-              <a:rPr lang="ko-KR" sz="1800">
-                <a:latin typeface="맑은 고딕" charset="0"/>
-                <a:ea typeface="맑은 고딕" charset="0"/>
-              </a:rPr>
-              <a:t>설정합니다</a:t>
+              <a:t>값을 설정합니다.</a:t>
             </a:r>
             <a:endParaRPr lang="ko-KR" altLang="en-US" sz="1800">
               <a:latin typeface="맑은 고딕" charset="0"/>
@@ -15633,97 +15275,6 @@
           </a:p>
         </p:txBody>
       </p:sp>
-      <p:pic>
-        <p:nvPicPr>
-          <p:cNvPr id="1156" name="그림 25" descr="C:/Users/Admin1/AppData/Roaming/PolarisOffice/ETemp/1284_18416448/fImage92243935724.png"/>
-          <p:cNvPicPr>
-            <a:picLocks noChangeAspect="1"/>
-          </p:cNvPicPr>
-          <p:nvPr/>
-        </p:nvPicPr>
-        <p:blipFill rotWithShape="1">
-          <a:blip r:embed="rId5" cstate="hqprint">
-            <a:extLst>
-              <a:ext uri="{28A0092B-C50C-407E-A947-70E740481C1C}">
-                <a14:useLocalDpi xmlns:a14="http://schemas.microsoft.com/office/drawing/2010/main"/>
-              </a:ext>
-            </a:extLst>
-          </a:blip>
-          <a:stretch>
-            <a:fillRect/>
-          </a:stretch>
-        </p:blipFill>
-        <p:spPr>
-          <a:xfrm rot="0">
-            <a:off x="8234680" y="1446530"/>
-            <a:ext cx="2731770" cy="931545"/>
-          </a:xfrm>
-          <a:prstGeom prst="roundRect"/>
-          <a:solidFill>
-            <a:srgbClr val="EDEDED"/>
-          </a:solidFill>
-        </p:spPr>
-      </p:pic>
-      <p:pic>
-        <p:nvPicPr>
-          <p:cNvPr id="1157" name="그림 26" descr="C:/Users/Admin1/AppData/Roaming/PolarisOffice/ETemp/1284_18416448/fImage78712118467.png"/>
-          <p:cNvPicPr>
-            <a:picLocks noChangeAspect="1"/>
-          </p:cNvPicPr>
-          <p:nvPr/>
-        </p:nvPicPr>
-        <p:blipFill rotWithShape="1">
-          <a:blip r:embed="rId6" cstate="hqprint">
-            <a:extLst>
-              <a:ext uri="{28A0092B-C50C-407E-A947-70E740481C1C}">
-                <a14:useLocalDpi xmlns:a14="http://schemas.microsoft.com/office/drawing/2010/main"/>
-              </a:ext>
-            </a:extLst>
-          </a:blip>
-          <a:stretch>
-            <a:fillRect/>
-          </a:stretch>
-        </p:blipFill>
-        <p:spPr>
-          <a:xfrm rot="0">
-            <a:off x="6822440" y="1438275"/>
-            <a:ext cx="1250315" cy="945515"/>
-          </a:xfrm>
-          <a:prstGeom prst="roundRect"/>
-          <a:solidFill>
-            <a:srgbClr val="EDEDED"/>
-          </a:solidFill>
-        </p:spPr>
-      </p:pic>
-      <p:pic>
-        <p:nvPicPr>
-          <p:cNvPr id="1158" name="그림 27" descr="C:/Users/Admin1/AppData/Roaming/PolarisOffice/ETemp/1284_18416448/fImage2242172146334.png"/>
-          <p:cNvPicPr>
-            <a:picLocks noChangeAspect="1"/>
-          </p:cNvPicPr>
-          <p:nvPr/>
-        </p:nvPicPr>
-        <p:blipFill rotWithShape="1">
-          <a:blip r:embed="rId7" cstate="hqprint">
-            <a:extLst>
-              <a:ext uri="{28A0092B-C50C-407E-A947-70E740481C1C}">
-                <a14:useLocalDpi xmlns:a14="http://schemas.microsoft.com/office/drawing/2010/main"/>
-              </a:ext>
-            </a:extLst>
-          </a:blip>
-          <a:stretch>
-            <a:fillRect/>
-          </a:stretch>
-        </p:blipFill>
-        <p:spPr>
-          <a:xfrm rot="10800000">
-            <a:off x="7812405" y="1740535"/>
-            <a:ext cx="625475" cy="351790"/>
-          </a:xfrm>
-          <a:prstGeom prst="rect"/>
-          <a:noFill/>
-        </p:spPr>
-      </p:pic>
     </p:spTree>
   </p:cSld>
   <p:clrMapOvr>
@@ -15844,8 +15395,8 @@
         </p:nvSpPr>
         <p:spPr>
           <a:xfrm rot="0">
-            <a:off x="1229995" y="5282565"/>
-            <a:ext cx="4154805" cy="954405"/>
+            <a:off x="1238885" y="3008630"/>
+            <a:ext cx="4145280" cy="954405"/>
           </a:xfrm>
           <a:prstGeom prst="rect"/>
           <a:noFill/>
@@ -15872,7 +15423,7 @@
                 <a:latin typeface="맑은 고딕" charset="0"/>
                 <a:ea typeface="맑은 고딕" charset="0"/>
               </a:rPr>
-              <a:t>13.</a:t>
+              <a:t>15.</a:t>
             </a:r>
             <a:r>
               <a:rPr lang="ko-KR" sz="2000" b="1">
@@ -15889,14 +15440,14 @@
                 <a:latin typeface="맑은 고딕" charset="0"/>
                 <a:ea typeface="맑은 고딕" charset="0"/>
               </a:rPr>
-              <a:t>그리고 Point Street Lamp </a:t>
-            </a:r>
-            <a:r>
-              <a:rPr lang="ko-KR" sz="1800">
-                <a:latin typeface="맑은 고딕" charset="0"/>
-                <a:ea typeface="맑은 고딕" charset="0"/>
-              </a:rPr>
-              <a:t>오브젝트의</a:t>
+              <a:t>그다음으로 Update( ) 함수에서 </a:t>
+            </a:r>
+            <a:r>
+              <a:rPr lang="ko-KR" sz="1800">
+                <a:latin typeface="맑은 고딕" charset="0"/>
+                <a:ea typeface="맑은 고딕" charset="0"/>
+              </a:rPr>
+              <a:t>자신의</a:t>
             </a:r>
             <a:r>
               <a:rPr lang="ko-KR" sz="1800">
@@ -15910,7 +15461,21 @@
                 <a:latin typeface="맑은 고딕" charset="0"/>
                 <a:ea typeface="맑은 고딕" charset="0"/>
               </a:rPr>
-              <a:t>하위</a:t>
+              <a:t>위치를 destination 오브젝트의 </a:t>
+            </a:r>
+            <a:r>
+              <a:rPr lang="ko-KR" sz="1800">
+                <a:latin typeface="맑은 고딕" charset="0"/>
+                <a:ea typeface="맑은 고딕" charset="0"/>
+              </a:rPr>
+              <a:t>위치</a:t>
+            </a:r>
+            <a:r>
+              <a:rPr lang="ko-KR" sz="1800">
+                <a:latin typeface="맑은 고딕" charset="0"/>
+                <a:ea typeface="맑은 고딕" charset="0"/>
+              </a:rPr>
+              <a:t>로</a:t>
             </a:r>
             <a:r>
               <a:rPr lang="ko-KR" sz="1800">
@@ -15924,35 +15489,7 @@
                 <a:latin typeface="맑은 고딕" charset="0"/>
                 <a:ea typeface="맑은 고딕" charset="0"/>
               </a:rPr>
-              <a:t>오브젝트로</a:t>
-            </a:r>
-            <a:r>
-              <a:rPr lang="ko-KR" sz="1800">
-                <a:latin typeface="맑은 고딕" charset="0"/>
-                <a:ea typeface="맑은 고딕" charset="0"/>
-              </a:rPr>
-              <a:t> Light에 </a:t>
-            </a:r>
-            <a:r>
-              <a:rPr lang="ko-KR" sz="1800">
-                <a:latin typeface="맑은 고딕" charset="0"/>
-                <a:ea typeface="맑은 고딕" charset="0"/>
-              </a:rPr>
-              <a:t>Point</a:t>
-            </a:r>
-            <a:r>
-              <a:rPr lang="ko-KR" sz="1800">
-                <a:latin typeface="맑은 고딕" charset="0"/>
-                <a:ea typeface="맑은 고딕" charset="0"/>
-              </a:rPr>
-              <a:t> Light를 </a:t>
-            </a:r>
-            <a:r>
-              <a:rPr lang="ko-KR" sz="1800">
-                <a:latin typeface="맑은 고딕" charset="0"/>
-                <a:ea typeface="맑은 고딕" charset="0"/>
-              </a:rPr>
-              <a:t>생성합니다.</a:t>
+              <a:t>이동하도록 설정합니다.</a:t>
             </a:r>
             <a:endParaRPr lang="ko-KR" altLang="en-US" sz="1800">
               <a:latin typeface="맑은 고딕" charset="0"/>
@@ -15961,19 +15498,149 @@
           </a:p>
         </p:txBody>
       </p:sp>
+      <p:sp>
+        <p:nvSpPr>
+          <p:cNvPr id="1149" name="텍스트 상자 31"/>
+          <p:cNvSpPr txBox="1">
+            <a:spLocks/>
+          </p:cNvSpPr>
+          <p:nvPr/>
+        </p:nvSpPr>
+        <p:spPr>
+          <a:xfrm rot="0">
+            <a:off x="6824345" y="5076825"/>
+            <a:ext cx="4124325" cy="1139825"/>
+          </a:xfrm>
+          <a:prstGeom prst="rect"/>
+          <a:noFill/>
+        </p:spPr>
+        <p:txBody>
+          <a:bodyPr wrap="square" lIns="0" tIns="0" rIns="0" bIns="0" numCol="1" vert="horz" anchor="t">
+            <a:noAutofit/>
+          </a:bodyPr>
+          <a:lstStyle/>
+          <a:p>
+            <a:pPr marL="0" indent="0" algn="l" latinLnBrk="0" hangingPunct="1">
+              <a:buFontTx/>
+              <a:buNone/>
+            </a:pPr>
+            <a:r>
+              <a:rPr lang="ko-KR" sz="2000" b="1">
+                <a:solidFill>
+                  <a:srgbClr val="0611F2"/>
+                </a:solidFill>
+                <a:latin typeface="맑은 고딕" charset="0"/>
+                <a:ea typeface="맑은 고딕" charset="0"/>
+              </a:rPr>
+              <a:t>18.</a:t>
+            </a:r>
+            <a:r>
+              <a:rPr lang="ko-KR" sz="2000" b="1">
+                <a:solidFill>
+                  <a:srgbClr val="0611F2"/>
+                </a:solidFill>
+                <a:latin typeface="맑은 고딕" charset="0"/>
+                <a:ea typeface="맑은 고딕" charset="0"/>
+              </a:rPr>
+              <a:t> </a:t>
+            </a:r>
+            <a:r>
+              <a:rPr lang="ko-KR" sz="1800">
+                <a:latin typeface="맑은 고딕" charset="0"/>
+                <a:ea typeface="맑은 고딕" charset="0"/>
+              </a:rPr>
+              <a:t>그리고 Project 폴더에 있는 </a:t>
+            </a:r>
+            <a:r>
+              <a:rPr lang="ko-KR" sz="1800">
+                <a:latin typeface="맑은 고딕" charset="0"/>
+                <a:ea typeface="맑은 고딕" charset="0"/>
+              </a:rPr>
+              <a:t>Model</a:t>
+            </a:r>
+            <a:r>
+              <a:rPr lang="ko-KR" sz="1800">
+                <a:latin typeface="맑은 고딕" charset="0"/>
+                <a:ea typeface="맑은 고딕" charset="0"/>
+              </a:rPr>
+              <a:t> </a:t>
+            </a:r>
+            <a:r>
+              <a:rPr lang="ko-KR" sz="1800">
+                <a:latin typeface="맑은 고딕" charset="0"/>
+                <a:ea typeface="맑은 고딕" charset="0"/>
+              </a:rPr>
+              <a:t>폴더에</a:t>
+            </a:r>
+            <a:r>
+              <a:rPr lang="ko-KR" sz="1800">
+                <a:latin typeface="맑은 고딕" charset="0"/>
+                <a:ea typeface="맑은 고딕" charset="0"/>
+              </a:rPr>
+              <a:t> Street Lamp를 월드 </a:t>
+            </a:r>
+            <a:r>
+              <a:rPr lang="ko-KR" sz="1800">
+                <a:latin typeface="맑은 고딕" charset="0"/>
+                <a:ea typeface="맑은 고딕" charset="0"/>
+              </a:rPr>
+              <a:t>공간에</a:t>
+            </a:r>
+            <a:r>
+              <a:rPr lang="ko-KR" sz="1800">
+                <a:latin typeface="맑은 고딕" charset="0"/>
+                <a:ea typeface="맑은 고딕" charset="0"/>
+              </a:rPr>
+              <a:t> </a:t>
+            </a:r>
+            <a:r>
+              <a:rPr lang="ko-KR" sz="1800">
+                <a:latin typeface="맑은 고딕" charset="0"/>
+                <a:ea typeface="맑은 고딕" charset="0"/>
+              </a:rPr>
+              <a:t>배치하고</a:t>
+            </a:r>
+            <a:r>
+              <a:rPr lang="ko-KR" sz="1800">
+                <a:latin typeface="맑은 고딕" charset="0"/>
+                <a:ea typeface="맑은 고딕" charset="0"/>
+              </a:rPr>
+              <a:t> Area Street Lamp라는 </a:t>
+            </a:r>
+            <a:r>
+              <a:rPr lang="ko-KR" sz="1800">
+                <a:latin typeface="맑은 고딕" charset="0"/>
+                <a:ea typeface="맑은 고딕" charset="0"/>
+              </a:rPr>
+              <a:t>이름으로</a:t>
+            </a:r>
+            <a:r>
+              <a:rPr lang="ko-KR" sz="1800">
+                <a:latin typeface="맑은 고딕" charset="0"/>
+                <a:ea typeface="맑은 고딕" charset="0"/>
+              </a:rPr>
+              <a:t> 정의합니다.</a:t>
+            </a:r>
+            <a:endParaRPr lang="ko-KR" altLang="en-US" sz="1800">
+              <a:latin typeface="맑은 고딕" charset="0"/>
+              <a:ea typeface="맑은 고딕" charset="0"/>
+            </a:endParaRPr>
+          </a:p>
+        </p:txBody>
+      </p:sp>
       <p:pic>
         <p:nvPicPr>
-          <p:cNvPr id="1136" name="그림 15" descr="C:/Users/Admin1/AppData/Roaming/PolarisOffice/ETemp/1284_18416448/fImage115991459169.png"/>
+          <p:cNvPr id="1151" name="그림 84" descr="C:/Users/Admin1/AppData/Roaming/PolarisOffice/ETemp/18888_13767696/fImage233263421942.png"/>
           <p:cNvPicPr>
             <a:picLocks noChangeAspect="1"/>
           </p:cNvPicPr>
           <p:nvPr/>
         </p:nvPicPr>
         <p:blipFill rotWithShape="1">
-          <a:blip r:embed="rId8" cstate="hqprint">
+          <a:blip r:embed="rId18" cstate="print">
             <a:extLst>
               <a:ext uri="{28A0092B-C50C-407E-A947-70E740481C1C}">
-                <a14:useLocalDpi xmlns:a14="http://schemas.microsoft.com/office/drawing/2010/main"/>
+                <a14:useLocalDpi xmlns:a14="http://schemas.microsoft.com/office/drawing/2010/main" val="0"/>
               </a:ext>
             </a:extLst>
           </a:blip>
@@ -15983,8 +15650,8 @@
         </p:blipFill>
         <p:spPr>
           <a:xfrm rot="0">
-            <a:off x="1231900" y="1447165"/>
-            <a:ext cx="2705735" cy="3661410"/>
+            <a:off x="1244600" y="4083050"/>
+            <a:ext cx="4139565" cy="1111250"/>
           </a:xfrm>
           <a:prstGeom prst="roundRect"/>
           <a:solidFill>
@@ -15992,19 +15659,132 @@
           </a:solidFill>
         </p:spPr>
       </p:pic>
+      <p:sp>
+        <p:nvSpPr>
+          <p:cNvPr id="1152" name="텍스트 상자 87"/>
+          <p:cNvSpPr txBox="1">
+            <a:spLocks/>
+          </p:cNvSpPr>
+          <p:nvPr/>
+        </p:nvSpPr>
+        <p:spPr>
+          <a:xfrm rot="0">
+            <a:off x="1241425" y="5268595"/>
+            <a:ext cx="4134485" cy="954405"/>
+          </a:xfrm>
+          <a:prstGeom prst="rect"/>
+          <a:noFill/>
+          <a:ln w="0">
+            <a:noFill/>
+            <a:prstDash/>
+          </a:ln>
+        </p:spPr>
+        <p:txBody>
+          <a:bodyPr wrap="square" lIns="89535" tIns="46355" rIns="89535" bIns="46355" numCol="1" vert="horz" anchor="t">
+            <a:spAutoFit/>
+          </a:bodyPr>
+          <a:lstStyle/>
+          <a:p>
+            <a:pPr marL="0" indent="0" algn="l" latinLnBrk="0" hangingPunct="1">
+              <a:buFontTx/>
+              <a:buNone/>
+            </a:pPr>
+            <a:r>
+              <a:rPr lang="ko-KR" sz="2000" b="1">
+                <a:solidFill>
+                  <a:srgbClr val="0611F2"/>
+                </a:solidFill>
+                <a:latin typeface="맑은 고딕" charset="0"/>
+                <a:ea typeface="맑은 고딕" charset="0"/>
+              </a:rPr>
+              <a:t>16.</a:t>
+            </a:r>
+            <a:r>
+              <a:rPr lang="ko-KR" sz="2000" b="1">
+                <a:solidFill>
+                  <a:srgbClr val="0611F2"/>
+                </a:solidFill>
+                <a:latin typeface="맑은 고딕" charset="0"/>
+                <a:ea typeface="맑은 고딕" charset="0"/>
+              </a:rPr>
+              <a:t> </a:t>
+            </a:r>
+            <a:r>
+              <a:rPr lang="ko-KR" sz="1800">
+                <a:latin typeface="맑은 고딕" charset="0"/>
+                <a:ea typeface="맑은 고딕" charset="0"/>
+              </a:rPr>
+              <a:t>그러고 나서 OnBecameInvisible( ) </a:t>
+            </a:r>
+            <a:r>
+              <a:rPr lang="ko-KR" sz="1800">
+                <a:latin typeface="맑은 고딕" charset="0"/>
+                <a:ea typeface="맑은 고딕" charset="0"/>
+              </a:rPr>
+              <a:t>함수에서</a:t>
+            </a:r>
+            <a:r>
+              <a:rPr lang="ko-KR" sz="1800">
+                <a:latin typeface="맑은 고딕" charset="0"/>
+                <a:ea typeface="맑은 고딕" charset="0"/>
+              </a:rPr>
+              <a:t> </a:t>
+            </a:r>
+            <a:r>
+              <a:rPr lang="ko-KR" sz="1800">
+                <a:latin typeface="맑은 고딕" charset="0"/>
+                <a:ea typeface="맑은 고딕" charset="0"/>
+              </a:rPr>
+              <a:t>자신의 위치를 새로운 </a:t>
+            </a:r>
+            <a:r>
+              <a:rPr lang="ko-KR" sz="1800">
+                <a:latin typeface="맑은 고딕" charset="0"/>
+                <a:ea typeface="맑은 고딕" charset="0"/>
+              </a:rPr>
+              <a:t>위치</a:t>
+            </a:r>
+            <a:r>
+              <a:rPr lang="ko-KR" sz="1800">
+                <a:latin typeface="맑은 고딕" charset="0"/>
+                <a:ea typeface="맑은 고딕" charset="0"/>
+              </a:rPr>
+              <a:t>로</a:t>
+            </a:r>
+            <a:r>
+              <a:rPr lang="ko-KR" sz="1800">
+                <a:latin typeface="맑은 고딕" charset="0"/>
+                <a:ea typeface="맑은 고딕" charset="0"/>
+              </a:rPr>
+              <a:t> </a:t>
+            </a:r>
+            <a:r>
+              <a:rPr lang="ko-KR" sz="1800">
+                <a:latin typeface="맑은 고딕" charset="0"/>
+                <a:ea typeface="맑은 고딕" charset="0"/>
+              </a:rPr>
+              <a:t>이동하도록 설정합니다.</a:t>
+            </a:r>
+            <a:endParaRPr lang="ko-KR" altLang="en-US" sz="1800">
+              <a:latin typeface="맑은 고딕" charset="0"/>
+              <a:ea typeface="맑은 고딕" charset="0"/>
+            </a:endParaRPr>
+          </a:p>
+        </p:txBody>
+      </p:sp>
       <p:pic>
         <p:nvPicPr>
-          <p:cNvPr id="1141" name="그림 14" descr="C:/Users/Admin1/AppData/Roaming/PolarisOffice/ETemp/1284_18416448/fImage83402199169.png"/>
+          <p:cNvPr id="1153" name="그림 91" descr="C:/Users/Admin1/AppData/Roaming/PolarisOffice/ETemp/18888_13767696/fImage371583454827.png"/>
           <p:cNvPicPr>
             <a:picLocks noChangeAspect="1"/>
           </p:cNvPicPr>
           <p:nvPr/>
         </p:nvPicPr>
         <p:blipFill rotWithShape="1">
-          <a:blip r:embed="rId12" cstate="hqprint">
+          <a:blip r:embed="rId19" cstate="print">
             <a:extLst>
               <a:ext uri="{28A0092B-C50C-407E-A947-70E740481C1C}">
-                <a14:useLocalDpi xmlns:a14="http://schemas.microsoft.com/office/drawing/2010/main"/>
+                <a14:useLocalDpi xmlns:a14="http://schemas.microsoft.com/office/drawing/2010/main" val="0"/>
               </a:ext>
             </a:extLst>
           </a:blip>
@@ -16014,8 +15794,8 @@
         </p:blipFill>
         <p:spPr>
           <a:xfrm rot="0">
-            <a:off x="4065270" y="2273935"/>
-            <a:ext cx="1318895" cy="1990725"/>
+            <a:off x="1240155" y="1438275"/>
+            <a:ext cx="4135755" cy="1473835"/>
           </a:xfrm>
           <a:prstGeom prst="roundRect"/>
           <a:solidFill>
@@ -16025,17 +15805,17 @@
       </p:pic>
       <p:pic>
         <p:nvPicPr>
-          <p:cNvPr id="1144" name="그림 19" descr="C:/Users/Admin1/AppData/Roaming/PolarisOffice/ETemp/1284_18416448/fImage125702225724.png"/>
+          <p:cNvPr id="1154" name="그림 97" descr="C:/Users/Admin1/AppData/Roaming/PolarisOffice/ETemp/18888_13767696/fImage34013475436.png"/>
           <p:cNvPicPr>
             <a:picLocks noChangeAspect="1"/>
           </p:cNvPicPr>
           <p:nvPr/>
         </p:nvPicPr>
         <p:blipFill rotWithShape="1">
-          <a:blip r:embed="rId14" cstate="hqprint">
+          <a:blip r:embed="rId20" cstate="print">
             <a:extLst>
               <a:ext uri="{28A0092B-C50C-407E-A947-70E740481C1C}">
-                <a14:useLocalDpi xmlns:a14="http://schemas.microsoft.com/office/drawing/2010/main"/>
+                <a14:useLocalDpi xmlns:a14="http://schemas.microsoft.com/office/drawing/2010/main" val="0"/>
               </a:ext>
             </a:extLst>
           </a:blip>
@@ -16045,8 +15825,8 @@
         </p:blipFill>
         <p:spPr>
           <a:xfrm rot="0">
-            <a:off x="6822440" y="1443355"/>
-            <a:ext cx="4143375" cy="1511935"/>
+            <a:off x="6827520" y="1428115"/>
+            <a:ext cx="4130040" cy="1380490"/>
           </a:xfrm>
           <a:prstGeom prst="roundRect"/>
           <a:solidFill>
@@ -16056,7 +15836,7 @@
       </p:pic>
       <p:sp>
         <p:nvSpPr>
-          <p:cNvPr id="1145" name="텍스트 상자 22"/>
+          <p:cNvPr id="1155" name="텍스트 상자 100"/>
           <p:cNvSpPr txBox="1">
             <a:spLocks/>
           </p:cNvSpPr>
@@ -16064,19 +15844,15 @@
         </p:nvSpPr>
         <p:spPr>
           <a:xfrm rot="0">
-            <a:off x="6823710" y="3018790"/>
-            <a:ext cx="4142105" cy="677545"/>
+            <a:off x="6821805" y="2892425"/>
+            <a:ext cx="4126865" cy="648335"/>
           </a:xfrm>
           <a:prstGeom prst="rect"/>
           <a:noFill/>
-          <a:ln w="0">
-            <a:noFill/>
-            <a:prstDash/>
-          </a:ln>
         </p:spPr>
         <p:txBody>
-          <a:bodyPr wrap="square" lIns="89535" tIns="46355" rIns="89535" bIns="46355" numCol="1" vert="horz" anchor="t">
-            <a:spAutoFit/>
+          <a:bodyPr wrap="square" lIns="0" tIns="0" rIns="0" bIns="0" numCol="1" vert="horz" anchor="t">
+            <a:noAutofit/>
           </a:bodyPr>
           <a:lstStyle/>
           <a:p>
@@ -16092,7 +15868,7 @@
                 <a:latin typeface="맑은 고딕" charset="0"/>
                 <a:ea typeface="맑은 고딕" charset="0"/>
               </a:rPr>
-              <a:t>14.</a:t>
+              <a:t>17.</a:t>
             </a:r>
             <a:r>
               <a:rPr lang="ko-KR" sz="2000" b="1">
@@ -16109,14 +15885,14 @@
                 <a:latin typeface="맑은 고딕" charset="0"/>
                 <a:ea typeface="맑은 고딕" charset="0"/>
               </a:rPr>
-              <a:t>그런 다음 Point Light </a:t>
-            </a:r>
-            <a:r>
-              <a:rPr lang="ko-KR" sz="1800">
-                <a:latin typeface="맑은 고딕" charset="0"/>
-                <a:ea typeface="맑은 고딕" charset="0"/>
-              </a:rPr>
-              <a:t>오브젝트의</a:t>
+              <a:t>이제 Robot 오브젝트에 Movement </a:t>
+            </a:r>
+            <a:r>
+              <a:rPr lang="ko-KR" sz="1800">
+                <a:latin typeface="맑은 고딕" charset="0"/>
+                <a:ea typeface="맑은 고딕" charset="0"/>
+              </a:rPr>
+              <a:t>스크립트를</a:t>
             </a:r>
             <a:r>
               <a:rPr lang="ko-KR" sz="1800">
@@ -16130,35 +15906,7 @@
                 <a:latin typeface="맑은 고딕" charset="0"/>
                 <a:ea typeface="맑은 고딕" charset="0"/>
               </a:rPr>
-              <a:t>위치와</a:t>
-            </a:r>
-            <a:r>
-              <a:rPr lang="ko-KR" sz="1800">
-                <a:latin typeface="맑은 고딕" charset="0"/>
-                <a:ea typeface="맑은 고딕" charset="0"/>
-              </a:rPr>
-              <a:t> </a:t>
-            </a:r>
-            <a:r>
-              <a:rPr lang="ko-KR" sz="1800">
-                <a:latin typeface="맑은 고딕" charset="0"/>
-                <a:ea typeface="맑은 고딕" charset="0"/>
-              </a:rPr>
-              <a:t>회전</a:t>
-            </a:r>
-            <a:r>
-              <a:rPr lang="ko-KR" sz="1800">
-                <a:latin typeface="맑은 고딕" charset="0"/>
-                <a:ea typeface="맑은 고딕" charset="0"/>
-              </a:rPr>
-              <a:t> 값을 </a:t>
-            </a:r>
-            <a:r>
-              <a:rPr lang="ko-KR" sz="1800">
-                <a:latin typeface="맑은 고딕" charset="0"/>
-                <a:ea typeface="맑은 고딕" charset="0"/>
-              </a:rPr>
-              <a:t>설정합니다.</a:t>
+              <a:t>추가합니다.</a:t>
             </a:r>
             <a:endParaRPr lang="ko-KR" altLang="en-US" sz="1800">
               <a:latin typeface="맑은 고딕" charset="0"/>
@@ -16169,17 +15917,17 @@
       </p:sp>
       <p:pic>
         <p:nvPicPr>
-          <p:cNvPr id="1146" name="그림 28" descr="C:/Users/Admin1/AppData/Roaming/PolarisOffice/ETemp/1284_18416448/fImage827216841.png"/>
+          <p:cNvPr id="1156" name="그림 101" descr="C:/Users/Admin1/AppData/Roaming/PolarisOffice/ETemp/18888_13767696/fImage87753492391.png"/>
           <p:cNvPicPr>
             <a:picLocks noChangeAspect="1"/>
           </p:cNvPicPr>
           <p:nvPr/>
         </p:nvPicPr>
         <p:blipFill rotWithShape="1">
-          <a:blip r:embed="rId15" cstate="hqprint">
+          <a:blip r:embed="rId21" cstate="print">
             <a:extLst>
               <a:ext uri="{28A0092B-C50C-407E-A947-70E740481C1C}">
-                <a14:useLocalDpi xmlns:a14="http://schemas.microsoft.com/office/drawing/2010/main"/>
+                <a14:useLocalDpi xmlns:a14="http://schemas.microsoft.com/office/drawing/2010/main" val="0"/>
               </a:ext>
             </a:extLst>
           </a:blip>
@@ -16189,8 +15937,8 @@
         </p:blipFill>
         <p:spPr>
           <a:xfrm rot="0">
-            <a:off x="6830060" y="3815715"/>
-            <a:ext cx="1397635" cy="1104265"/>
+            <a:off x="6812915" y="3677285"/>
+            <a:ext cx="1535430" cy="1219200"/>
           </a:xfrm>
           <a:prstGeom prst="roundRect"/>
           <a:solidFill>
@@ -16200,17 +15948,17 @@
       </p:pic>
       <p:pic>
         <p:nvPicPr>
-          <p:cNvPr id="1147" name="그림 29" descr="C:/Users/Admin1/AppData/Roaming/PolarisOffice/ETemp/1284_18416448/fImage92243935724.png"/>
+          <p:cNvPr id="1157" name="그림 104" descr="C:/Users/Admin1/AppData/Roaming/PolarisOffice/ETemp/18888_13767696/fImage69173504604.png"/>
           <p:cNvPicPr>
             <a:picLocks noChangeAspect="1"/>
           </p:cNvPicPr>
           <p:nvPr/>
         </p:nvPicPr>
         <p:blipFill rotWithShape="1">
-          <a:blip r:embed="rId16" cstate="hqprint">
+          <a:blip r:embed="rId22" cstate="print">
             <a:extLst>
               <a:ext uri="{28A0092B-C50C-407E-A947-70E740481C1C}">
-                <a14:useLocalDpi xmlns:a14="http://schemas.microsoft.com/office/drawing/2010/main"/>
+                <a14:useLocalDpi xmlns:a14="http://schemas.microsoft.com/office/drawing/2010/main" val="0"/>
               </a:ext>
             </a:extLst>
           </a:blip>
@@ -16220,8 +15968,8 @@
         </p:blipFill>
         <p:spPr>
           <a:xfrm rot="0">
-            <a:off x="8338185" y="3823335"/>
-            <a:ext cx="2628265" cy="1097280"/>
+            <a:off x="8467725" y="3686810"/>
+            <a:ext cx="2489835" cy="1206500"/>
           </a:xfrm>
           <a:prstGeom prst="roundRect"/>
           <a:solidFill>
@@ -16231,7 +15979,7 @@
       </p:pic>
       <p:pic>
         <p:nvPicPr>
-          <p:cNvPr id="1148" name="그림 30" descr="C:/Users/Admin1/AppData/Roaming/PolarisOffice/ETemp/1284_18416448/fImage22421721541.png"/>
+          <p:cNvPr id="1158" name="그림 107" descr="C:/Users/Admin1/AppData/Roaming/PolarisOffice/ETemp/18888_13767696/fImage22421721541.png"/>
           <p:cNvPicPr>
             <a:picLocks noChangeAspect="1"/>
           </p:cNvPicPr>
@@ -16251,143 +15999,13 @@
         </p:blipFill>
         <p:spPr>
           <a:xfrm rot="10800000">
-            <a:off x="7915275" y="4195445"/>
+            <a:off x="8087360" y="4109085"/>
             <a:ext cx="626110" cy="352425"/>
           </a:xfrm>
           <a:prstGeom prst="rect"/>
           <a:noFill/>
         </p:spPr>
       </p:pic>
-      <p:sp>
-        <p:nvSpPr>
-          <p:cNvPr id="1149" name="텍스트 상자 31"/>
-          <p:cNvSpPr txBox="1">
-            <a:spLocks/>
-          </p:cNvSpPr>
-          <p:nvPr/>
-        </p:nvSpPr>
-        <p:spPr>
-          <a:xfrm rot="0">
-            <a:off x="6833235" y="5085715"/>
-            <a:ext cx="4133215" cy="1139190"/>
-          </a:xfrm>
-          <a:prstGeom prst="rect"/>
-          <a:noFill/>
-        </p:spPr>
-        <p:txBody>
-          <a:bodyPr wrap="square" lIns="0" tIns="0" rIns="0" bIns="0" numCol="1" vert="horz" anchor="t">
-            <a:noAutofit/>
-          </a:bodyPr>
-          <a:lstStyle/>
-          <a:p>
-            <a:pPr marL="0" indent="0" algn="l" latinLnBrk="0" hangingPunct="1">
-              <a:buFontTx/>
-              <a:buNone/>
-            </a:pPr>
-            <a:r>
-              <a:rPr lang="ko-KR" sz="2000" b="1">
-                <a:solidFill>
-                  <a:srgbClr val="0611F2"/>
-                </a:solidFill>
-                <a:latin typeface="맑은 고딕" charset="0"/>
-                <a:ea typeface="맑은 고딕" charset="0"/>
-              </a:rPr>
-              <a:t>15.</a:t>
-            </a:r>
-            <a:r>
-              <a:rPr lang="ko-KR" sz="2000" b="1">
-                <a:solidFill>
-                  <a:srgbClr val="0611F2"/>
-                </a:solidFill>
-                <a:latin typeface="맑은 고딕" charset="0"/>
-                <a:ea typeface="맑은 고딕" charset="0"/>
-              </a:rPr>
-              <a:t> </a:t>
-            </a:r>
-            <a:r>
-              <a:rPr lang="ko-KR" sz="1800">
-                <a:latin typeface="맑은 고딕" charset="0"/>
-                <a:ea typeface="맑은 고딕" charset="0"/>
-              </a:rPr>
-              <a:t>그다음으로 Project 폴더에 있는 </a:t>
-            </a:r>
-            <a:r>
-              <a:rPr lang="ko-KR" sz="1800">
-                <a:latin typeface="맑은 고딕" charset="0"/>
-                <a:ea typeface="맑은 고딕" charset="0"/>
-              </a:rPr>
-              <a:t>Model</a:t>
-            </a:r>
-            <a:r>
-              <a:rPr lang="ko-KR" sz="1800">
-                <a:latin typeface="맑은 고딕" charset="0"/>
-                <a:ea typeface="맑은 고딕" charset="0"/>
-              </a:rPr>
-              <a:t> </a:t>
-            </a:r>
-            <a:r>
-              <a:rPr lang="ko-KR" sz="1800">
-                <a:latin typeface="맑은 고딕" charset="0"/>
-                <a:ea typeface="맑은 고딕" charset="0"/>
-              </a:rPr>
-              <a:t>폴더에</a:t>
-            </a:r>
-            <a:r>
-              <a:rPr lang="ko-KR" sz="1800">
-                <a:latin typeface="맑은 고딕" charset="0"/>
-                <a:ea typeface="맑은 고딕" charset="0"/>
-              </a:rPr>
-              <a:t> Street Lamp를 월드 </a:t>
-            </a:r>
-            <a:r>
-              <a:rPr lang="ko-KR" sz="1800">
-                <a:latin typeface="맑은 고딕" charset="0"/>
-                <a:ea typeface="맑은 고딕" charset="0"/>
-              </a:rPr>
-              <a:t>공간에</a:t>
-            </a:r>
-            <a:r>
-              <a:rPr lang="ko-KR" sz="1800">
-                <a:latin typeface="맑은 고딕" charset="0"/>
-                <a:ea typeface="맑은 고딕" charset="0"/>
-              </a:rPr>
-              <a:t> </a:t>
-            </a:r>
-            <a:r>
-              <a:rPr lang="ko-KR" sz="1800">
-                <a:latin typeface="맑은 고딕" charset="0"/>
-                <a:ea typeface="맑은 고딕" charset="0"/>
-              </a:rPr>
-              <a:t>배치하고</a:t>
-            </a:r>
-            <a:r>
-              <a:rPr lang="ko-KR" sz="1800">
-                <a:latin typeface="맑은 고딕" charset="0"/>
-                <a:ea typeface="맑은 고딕" charset="0"/>
-              </a:rPr>
-              <a:t> Area Street Lamp라는 </a:t>
-            </a:r>
-            <a:r>
-              <a:rPr lang="ko-KR" sz="1800">
-                <a:latin typeface="맑은 고딕" charset="0"/>
-                <a:ea typeface="맑은 고딕" charset="0"/>
-              </a:rPr>
-              <a:t>이름으로</a:t>
-            </a:r>
-            <a:r>
-              <a:rPr lang="ko-KR" sz="1800">
-                <a:latin typeface="맑은 고딕" charset="0"/>
-                <a:ea typeface="맑은 고딕" charset="0"/>
-              </a:rPr>
-              <a:t> 정의합니다.</a:t>
-            </a:r>
-            <a:endParaRPr lang="ko-KR" altLang="en-US" sz="1800">
-              <a:latin typeface="맑은 고딕" charset="0"/>
-              <a:ea typeface="맑은 고딕" charset="0"/>
-            </a:endParaRPr>
-          </a:p>
-        </p:txBody>
-      </p:sp>
     </p:spTree>
   </p:cSld>
   <p:clrMapOvr>

--- a/Assets/Light/PPT Data/Light Example.pptx
+++ b/Assets/Light/PPT Data/Light Example.pptx
@@ -2,7 +2,7 @@
 <file path=ppt/presentation.xml><?xml version="1.0" encoding="utf-8"?>
 <p:presentation xmlns:a="http://schemas.openxmlformats.org/drawingml/2006/main" xmlns:r="http://schemas.openxmlformats.org/officeDocument/2006/relationships" xmlns:p="http://schemas.openxmlformats.org/presentationml/2006/main" xmlns:p14="http://schemas.microsoft.com/office/powerpoint/2010/main" saveSubsetFonts="1" firstSlideNum="0">
   <p:sldMasterIdLst>
-    <p:sldMasterId id="2147486098" r:id="rId12"/>
+    <p:sldMasterId id="2147486127" r:id="rId12"/>
   </p:sldMasterIdLst>
   <p:notesMasterIdLst>
     <p:notesMasterId r:id="rId14"/>
@@ -10,21 +10,20 @@
   <p:sldIdLst>
     <p:sldId id="287" r:id="rId16"/>
     <p:sldId id="315" r:id="rId17"/>
-    <p:sldId id="316" r:id="rId18"/>
-    <p:sldId id="327" r:id="rId19"/>
-    <p:sldId id="294" r:id="rId20"/>
-    <p:sldId id="299" r:id="rId21"/>
-    <p:sldId id="318" r:id="rId23"/>
-    <p:sldId id="310" r:id="rId25"/>
-    <p:sldId id="319" r:id="rId27"/>
-    <p:sldId id="320" r:id="rId29"/>
-    <p:sldId id="321" r:id="rId31"/>
-    <p:sldId id="308" r:id="rId33"/>
-    <p:sldId id="323" r:id="rId35"/>
-    <p:sldId id="324" r:id="rId37"/>
-    <p:sldId id="325" r:id="rId39"/>
-    <p:sldId id="326" r:id="rId41"/>
-    <p:sldId id="313" r:id="rId43"/>
+    <p:sldId id="316" r:id="rId19"/>
+    <p:sldId id="327" r:id="rId21"/>
+    <p:sldId id="294" r:id="rId23"/>
+    <p:sldId id="299" r:id="rId25"/>
+    <p:sldId id="318" r:id="rId27"/>
+    <p:sldId id="310" r:id="rId29"/>
+    <p:sldId id="319" r:id="rId31"/>
+    <p:sldId id="320" r:id="rId33"/>
+    <p:sldId id="321" r:id="rId35"/>
+    <p:sldId id="308" r:id="rId36"/>
+    <p:sldId id="323" r:id="rId37"/>
+    <p:sldId id="324" r:id="rId38"/>
+    <p:sldId id="326" r:id="rId39"/>
+    <p:sldId id="313" r:id="rId41"/>
   </p:sldIdLst>
   <p:sldSz cx="12192000" cy="6858000"/>
   <p:notesSz cx="6858000" cy="9144000"/>
@@ -1507,148 +1506,6 @@
         <p:spPr>
           <a:xfrm rot="0">
             <a:off x="685800" y="1143000"/>
-            <a:ext cx="5494020" cy="3093720"/>
-          </a:xfrm>
-          <a:prstGeom prst="rect"/>
-          <a:noFill/>
-          <a:ln w="12700" cap="flat" cmpd="sng">
-            <a:solidFill>
-              <a:srgbClr val="000000">
-                <a:alpha val="100000"/>
-              </a:srgbClr>
-            </a:solidFill>
-            <a:prstDash val="solid"/>
-          </a:ln>
-        </p:spPr>
-        <p:txBody>
-          <a:bodyPr wrap="square" lIns="91440" tIns="45720" rIns="91440" bIns="45720" numCol="1" vert="horz" anchor="ctr">
-            <a:noAutofit/>
-          </a:bodyPr>
-          <a:lstStyle/>
-          <a:p>
-            <a:pPr marL="0" indent="0" latinLnBrk="0">
-              <a:buFontTx/>
-              <a:buNone/>
-            </a:pPr>
-          </a:p>
-        </p:txBody>
-      </p:sp>
-      <p:sp>
-        <p:nvSpPr>
-          <p:cNvPr id="3" name="슬라이드 노트 개체 틀 4"/>
-          <p:cNvSpPr txBox="1">
-            <a:spLocks/>
-          </p:cNvSpPr>
-          <p:nvPr>
-            <p:ph type="body" idx="3"/>
-          </p:nvPr>
-        </p:nvSpPr>
-        <p:spPr>
-          <a:xfrm rot="0">
-            <a:off x="685800" y="4400550"/>
-            <a:ext cx="5494020" cy="3608070"/>
-          </a:xfrm>
-          <a:prstGeom prst="rect"/>
-        </p:spPr>
-        <p:txBody>
-          <a:bodyPr wrap="square" lIns="91440" tIns="45720" rIns="91440" bIns="45720" numCol="1" vert="horz" anchor="t">
-            <a:noAutofit/>
-          </a:bodyPr>
-          <a:lstStyle/>
-          <a:p>
-            <a:pPr marL="0" indent="0" latinLnBrk="0">
-              <a:buFontTx/>
-              <a:buNone/>
-            </a:pPr>
-          </a:p>
-        </p:txBody>
-      </p:sp>
-      <p:sp>
-        <p:nvSpPr>
-          <p:cNvPr id="4" name="슬라이드 번호 개체 틀 6"/>
-          <p:cNvSpPr txBox="1">
-            <a:spLocks/>
-          </p:cNvSpPr>
-          <p:nvPr>
-            <p:ph type="sldNum" idx="5"/>
-          </p:nvPr>
-        </p:nvSpPr>
-        <p:spPr>
-          <a:xfrm rot="0">
-            <a:off x="3884930" y="8685530"/>
-            <a:ext cx="2979420" cy="466090"/>
-          </a:xfrm>
-          <a:prstGeom prst="rect"/>
-        </p:spPr>
-        <p:txBody>
-          <a:bodyPr wrap="square" lIns="91440" tIns="45720" rIns="91440" bIns="45720" numCol="1" vert="horz" anchor="b">
-            <a:noAutofit/>
-          </a:bodyPr>
-          <a:lstStyle>
-            <a:lvl1pPr marL="0" indent="0" algn="r" latinLnBrk="0">
-              <a:buFontTx/>
-              <a:buNone/>
-              <a:defRPr lang="en-GB" altLang="en-US" sz="1200"/>
-            </a:lvl1pPr>
-          </a:lstStyle>
-          <a:p>
-            <a:pPr marL="0" indent="0" latinLnBrk="0">
-              <a:buFontTx/>
-              <a:buNone/>
-            </a:pPr>
-            <a:fld id="{B9320F77-B9A0-41C5-862A-B4B631284C64}" type="slidenum">
-              <a:rPr lang="ko-KR" altLang="en-US"/>
-              <a:t>‹#›</a:t>
-            </a:fld>
-          </a:p>
-        </p:txBody>
-      </p:sp>
-    </p:spTree>
-  </p:cSld>
-  <p:clrMapOvr>
-    <a:masterClrMapping/>
-  </p:clrMapOvr>
-  <mc:AlternateContent xmlns:mc="http://schemas.openxmlformats.org/markup-compatibility/2006">
-    <mc:Choice xmlns:p14="http://schemas.microsoft.com/office/powerpoint/2010/main" Requires="p14">
-      <p:transition spd="slow" p14:dur="0"/>
-    </mc:Choice>
-    <mc:Fallback>
-      <p:transition spd="slow"/>
-    </mc:Fallback>
-  </mc:AlternateContent>
-</p:notes>
-</file>
-
-<file path=ppt/notesSlides/notesSlide17.xml><?xml version="1.0" encoding="utf-8"?>
-<p:notes xmlns:a="http://schemas.openxmlformats.org/drawingml/2006/main" xmlns:r="http://schemas.openxmlformats.org/officeDocument/2006/relationships" xmlns:p="http://schemas.openxmlformats.org/presentationml/2006/main">
-  <p:cSld>
-    <p:spTree>
-      <p:nvGrpSpPr>
-        <p:cNvPr id="1" name=""/>
-        <p:cNvGrpSpPr/>
-        <p:nvPr/>
-      </p:nvGrpSpPr>
-      <p:grpSpPr>
-        <a:xfrm>
-          <a:off x="0" y="0"/>
-          <a:ext cx="0" cy="0"/>
-          <a:chOff x="0" y="0"/>
-          <a:chExt cx="0" cy="0"/>
-        </a:xfrm>
-      </p:grpSpPr>
-      <p:sp>
-        <p:nvSpPr>
-          <p:cNvPr id="2" name="슬라이드 이미지 개체 틀 3"/>
-          <p:cNvSpPr>
-            <a:spLocks noChangeAspect="1"/>
-          </p:cNvSpPr>
-          <p:nvPr>
-            <p:ph type="sldImg" idx="2"/>
-          </p:nvPr>
-        </p:nvSpPr>
-        <p:spPr>
-          <a:xfrm rot="0">
-            <a:off x="685800" y="1143000"/>
             <a:ext cx="5494655" cy="3094355"/>
           </a:xfrm>
           <a:prstGeom prst="rect"/>
@@ -8024,8 +7881,8 @@
         </p:nvSpPr>
         <p:spPr>
           <a:xfrm rot="0">
-            <a:off x="6825615" y="2538730"/>
-            <a:ext cx="4140200" cy="1231265"/>
+            <a:off x="6834505" y="2409825"/>
+            <a:ext cx="4140835" cy="1231900"/>
           </a:xfrm>
           <a:prstGeom prst="rect"/>
           <a:noFill/>
@@ -8069,35 +7926,7 @@
                 <a:latin typeface="맑은 고딕" charset="0"/>
                 <a:ea typeface="맑은 고딕" charset="0"/>
               </a:rPr>
-              <a:t>그리고</a:t>
-            </a:r>
-            <a:r>
-              <a:rPr lang="ko-KR" sz="1800">
-                <a:latin typeface="맑은 고딕" charset="0"/>
-                <a:ea typeface="맑은 고딕" charset="0"/>
-              </a:rPr>
-              <a:t> </a:t>
-            </a:r>
-            <a:r>
-              <a:rPr lang="ko-KR" sz="1800">
-                <a:latin typeface="맑은 고딕" charset="0"/>
-                <a:ea typeface="맑은 고딕" charset="0"/>
-              </a:rPr>
-              <a:t>Project 폴더에 있는 </a:t>
-            </a:r>
-            <a:r>
-              <a:rPr lang="ko-KR" sz="1800">
-                <a:latin typeface="맑은 고딕" charset="0"/>
-                <a:ea typeface="맑은 고딕" charset="0"/>
-              </a:rPr>
-              <a:t>Model</a:t>
-            </a:r>
-            <a:r>
-              <a:rPr lang="ko-KR" sz="1800">
-                <a:latin typeface="맑은 고딕" charset="0"/>
-                <a:ea typeface="맑은 고딕" charset="0"/>
-              </a:rPr>
-              <a:t> </a:t>
+              <a:t>그리고 Project 폴더에 있는 Model </a:t>
             </a:r>
             <a:r>
               <a:rPr lang="ko-KR" sz="1800">
@@ -8111,21 +7940,7 @@
                 <a:latin typeface="맑은 고딕" charset="0"/>
                 <a:ea typeface="맑은 고딕" charset="0"/>
               </a:rPr>
-              <a:t> </a:t>
-            </a:r>
-            <a:r>
-              <a:rPr lang="ko-KR" sz="1800">
-                <a:latin typeface="맑은 고딕" charset="0"/>
-                <a:ea typeface="맑은 고딕" charset="0"/>
-              </a:rPr>
-              <a:t>Road 모델을</a:t>
-            </a:r>
-            <a:r>
-              <a:rPr lang="ko-KR" sz="1800">
-                <a:latin typeface="맑은 고딕" charset="0"/>
-                <a:ea typeface="맑은 고딕" charset="0"/>
-              </a:rPr>
-              <a:t> 월드 공간에 </a:t>
+              <a:t> Road 모델을 월드 공간에 </a:t>
             </a:r>
             <a:r>
               <a:rPr lang="ko-KR" sz="1800">
@@ -8139,28 +7954,14 @@
                 <a:latin typeface="맑은 고딕" charset="0"/>
                 <a:ea typeface="맑은 고딕" charset="0"/>
               </a:rPr>
-              <a:t> </a:t>
-            </a:r>
-            <a:r>
-              <a:rPr lang="ko-KR" sz="1800">
-                <a:latin typeface="맑은 고딕" charset="0"/>
-                <a:ea typeface="맑은 고딕" charset="0"/>
-              </a:rPr>
-              <a:t>다음 Left Road라는 이름으로 </a:t>
-            </a:r>
-            <a:r>
-              <a:rPr lang="ko-KR" sz="1800">
-                <a:latin typeface="맑은 고딕" charset="0"/>
-                <a:ea typeface="맑은 고딕" charset="0"/>
-              </a:rPr>
-              <a:t>정의합니</a:t>
-            </a:r>
-            <a:r>
-              <a:rPr lang="ko-KR" sz="1800">
-                <a:latin typeface="맑은 고딕" charset="0"/>
-                <a:ea typeface="맑은 고딕" charset="0"/>
-              </a:rPr>
-              <a:t>다.</a:t>
+              <a:t> 다음 Left Road라는 이름으로 </a:t>
+            </a:r>
+            <a:r>
+              <a:rPr lang="ko-KR" sz="1800">
+                <a:latin typeface="맑은 고딕" charset="0"/>
+                <a:ea typeface="맑은 고딕" charset="0"/>
+              </a:rPr>
+              <a:t>정의합니다.</a:t>
             </a:r>
             <a:endParaRPr lang="ko-KR" altLang="en-US" sz="1800">
               <a:latin typeface="맑은 고딕" charset="0"/>
@@ -8263,7 +8064,7 @@
       </p:sp>
       <p:pic>
         <p:nvPicPr>
-          <p:cNvPr id="1143" name="그림 1" descr="C:/Users/Admin1/AppData/Roaming/PolarisOffice/ETemp/18888_13767696/fImage687529341.png"/>
+          <p:cNvPr id="1143" name="그림 1"/>
           <p:cNvPicPr>
             <a:picLocks noChangeAspect="1"/>
           </p:cNvPicPr>
@@ -8294,7 +8095,7 @@
       </p:pic>
       <p:pic>
         <p:nvPicPr>
-          <p:cNvPr id="1144" name="그림 4" descr="C:/Users/Admin1/AppData/Roaming/PolarisOffice/ETemp/18888_13767696/fImage53672948467.png"/>
+          <p:cNvPr id="1144" name="그림 4"/>
           <p:cNvPicPr>
             <a:picLocks noChangeAspect="1"/>
           </p:cNvPicPr>
@@ -8325,7 +8126,7 @@
       </p:pic>
       <p:pic>
         <p:nvPicPr>
-          <p:cNvPr id="1145" name="그림 7" descr="C:/Users/Admin1/AppData/Roaming/PolarisOffice/ETemp/18888_13767696/fImage22421721541.png"/>
+          <p:cNvPr id="1145" name="그림 7"/>
           <p:cNvPicPr>
             <a:picLocks noChangeAspect="1"/>
           </p:cNvPicPr>
@@ -8429,7 +8230,7 @@
       </p:sp>
       <p:pic>
         <p:nvPicPr>
-          <p:cNvPr id="1147" name="그림 10" descr="C:/Users/Admin1/AppData/Roaming/PolarisOffice/ETemp/18888_13767696/fImage114852986334.png"/>
+          <p:cNvPr id="1147" name="그림 10"/>
           <p:cNvPicPr>
             <a:picLocks noChangeAspect="1"/>
           </p:cNvPicPr>
@@ -8460,17 +8261,17 @@
       </p:pic>
       <p:pic>
         <p:nvPicPr>
-          <p:cNvPr id="1148" name="그림 13" descr="C:/Users/Admin1/AppData/Roaming/PolarisOffice/ETemp/18888_13767696/fImage68752996500.png"/>
+          <p:cNvPr id="1148" name="그림 13" descr="C:/Users/Admin1/AppData/Roaming/PolarisOffice/ETemp/26084_16904392/fImage68752996500.png"/>
           <p:cNvPicPr>
             <a:picLocks noChangeAspect="1"/>
           </p:cNvPicPr>
           <p:nvPr/>
         </p:nvPicPr>
         <p:blipFill rotWithShape="1">
-          <a:blip r:embed="rId35" cstate="print">
+          <a:blip r:embed="rId35" cstate="hqprint">
             <a:extLst>
               <a:ext uri="{28A0092B-C50C-407E-A947-70E740481C1C}">
-                <a14:useLocalDpi xmlns:a14="http://schemas.microsoft.com/office/drawing/2010/main" val="0"/>
+                <a14:useLocalDpi xmlns:a14="http://schemas.microsoft.com/office/drawing/2010/main"/>
               </a:ext>
             </a:extLst>
           </a:blip>
@@ -8480,8 +8281,8 @@
         </p:blipFill>
         <p:spPr>
           <a:xfrm rot="0">
-            <a:off x="8504555" y="1436370"/>
-            <a:ext cx="2451100" cy="1002030"/>
+            <a:off x="8504555" y="1421130"/>
+            <a:ext cx="2451735" cy="896620"/>
           </a:xfrm>
           <a:prstGeom prst="roundRect"/>
           <a:solidFill>
@@ -8491,17 +8292,17 @@
       </p:pic>
       <p:pic>
         <p:nvPicPr>
-          <p:cNvPr id="1149" name="그림 14" descr="C:/Users/Admin1/AppData/Roaming/PolarisOffice/ETemp/18888_13767696/fImage57863009169.png"/>
+          <p:cNvPr id="1149" name="그림 14" descr="C:/Users/Admin1/AppData/Roaming/PolarisOffice/ETemp/26084_16904392/fImage57863009169.png"/>
           <p:cNvPicPr>
             <a:picLocks noChangeAspect="1"/>
           </p:cNvPicPr>
           <p:nvPr/>
         </p:nvPicPr>
         <p:blipFill rotWithShape="1">
-          <a:blip r:embed="rId36" cstate="print">
+          <a:blip r:embed="rId36" cstate="hqprint">
             <a:extLst>
               <a:ext uri="{28A0092B-C50C-407E-A947-70E740481C1C}">
-                <a14:useLocalDpi xmlns:a14="http://schemas.microsoft.com/office/drawing/2010/main" val="0"/>
+                <a14:useLocalDpi xmlns:a14="http://schemas.microsoft.com/office/drawing/2010/main"/>
               </a:ext>
             </a:extLst>
           </a:blip>
@@ -8511,8 +8312,8 @@
         </p:blipFill>
         <p:spPr>
           <a:xfrm rot="0">
-            <a:off x="6821170" y="1440815"/>
-            <a:ext cx="1517650" cy="1005840"/>
+            <a:off x="6821170" y="1430020"/>
+            <a:ext cx="1518285" cy="895985"/>
           </a:xfrm>
           <a:prstGeom prst="roundRect"/>
           <a:solidFill>
@@ -8522,7 +8323,7 @@
       </p:pic>
       <p:pic>
         <p:nvPicPr>
-          <p:cNvPr id="1150" name="그림 17" descr="C:/Users/Admin1/AppData/Roaming/PolarisOffice/ETemp/18888_13767696/fImage22421721541.png"/>
+          <p:cNvPr id="1150" name="그림 17" descr="C:/Users/Admin1/AppData/Roaming/PolarisOffice/ETemp/26084_16904392/fImage22421721541.png"/>
           <p:cNvPicPr>
             <a:picLocks noChangeAspect="1"/>
           </p:cNvPicPr>
@@ -8542,8 +8343,8 @@
         </p:blipFill>
         <p:spPr>
           <a:xfrm rot="10800000">
-            <a:off x="8100060" y="1768475"/>
-            <a:ext cx="626110" cy="352425"/>
+            <a:off x="8108950" y="1699260"/>
+            <a:ext cx="626745" cy="353060"/>
           </a:xfrm>
           <a:prstGeom prst="rect"/>
           <a:noFill/>
@@ -8551,17 +8352,17 @@
       </p:pic>
       <p:pic>
         <p:nvPicPr>
-          <p:cNvPr id="1151" name="그림 18" descr="C:/Users/Admin1/AppData/Roaming/PolarisOffice/ETemp/18888_13767696/fImage135493025724.png"/>
+          <p:cNvPr id="1151" name="그림 18" descr="C:/Users/Admin1/AppData/Roaming/PolarisOffice/ETemp/26084_16904392/fImage135493025724.png"/>
           <p:cNvPicPr>
             <a:picLocks noChangeAspect="1"/>
           </p:cNvPicPr>
           <p:nvPr/>
         </p:nvPicPr>
         <p:blipFill rotWithShape="1">
-          <a:blip r:embed="rId37" cstate="print">
+          <a:blip r:embed="rId37" cstate="hqprint">
             <a:extLst>
               <a:ext uri="{28A0092B-C50C-407E-A947-70E740481C1C}">
-                <a14:useLocalDpi xmlns:a14="http://schemas.microsoft.com/office/drawing/2010/main" val="0"/>
+                <a14:useLocalDpi xmlns:a14="http://schemas.microsoft.com/office/drawing/2010/main"/>
               </a:ext>
             </a:extLst>
           </a:blip>
@@ -8571,8 +8372,8 @@
         </p:blipFill>
         <p:spPr>
           <a:xfrm rot="0">
-            <a:off x="6813550" y="3893185"/>
-            <a:ext cx="4144010" cy="1456690"/>
+            <a:off x="6813550" y="3738245"/>
+            <a:ext cx="4144645" cy="1585595"/>
           </a:xfrm>
           <a:prstGeom prst="roundRect"/>
           <a:solidFill>
@@ -8798,7 +8599,7 @@
       </p:sp>
       <p:pic>
         <p:nvPicPr>
-          <p:cNvPr id="1058" name="Picture " descr="C:/Users/Admin1/AppData/Roaming/PolarisOffice/ETemp/1284_18416448/fImage24803535741.png"/>
+          <p:cNvPr id="1058" name="Picture "/>
           <p:cNvPicPr>
             <a:picLocks noChangeAspect="1"/>
           </p:cNvPicPr>
@@ -9105,38 +8906,7 @@
       </p:sp>
       <p:pic>
         <p:nvPicPr>
-          <p:cNvPr id="1060" name="그림 2" descr="C:/Users/Admin1/AppData/Roaming/PolarisOffice/ETemp/1284_18416448/fImage1031526941.png"/>
-          <p:cNvPicPr>
-            <a:picLocks noChangeAspect="1"/>
-          </p:cNvPicPr>
-          <p:nvPr/>
-        </p:nvPicPr>
-        <p:blipFill rotWithShape="1">
-          <a:blip r:embed="rId3" cstate="hqprint">
-            <a:extLst>
-              <a:ext uri="{28A0092B-C50C-407E-A947-70E740481C1C}">
-                <a14:useLocalDpi xmlns:a14="http://schemas.microsoft.com/office/drawing/2010/main"/>
-              </a:ext>
-            </a:extLst>
-          </a:blip>
-          <a:stretch>
-            <a:fillRect/>
-          </a:stretch>
-        </p:blipFill>
-        <p:spPr>
-          <a:xfrm rot="0">
-            <a:off x="4108450" y="2419985"/>
-            <a:ext cx="1259205" cy="2016760"/>
-          </a:xfrm>
-          <a:prstGeom prst="roundRect"/>
-          <a:solidFill>
-            <a:srgbClr val="EDEDED"/>
-          </a:solidFill>
-        </p:spPr>
-      </p:pic>
-      <p:pic>
-        <p:nvPicPr>
-          <p:cNvPr id="1061" name="그림 3" descr="C:/Users/Admin1/AppData/Roaming/PolarisOffice/ETemp/1284_18416448/fImage171842708467.png"/>
+          <p:cNvPr id="1061" name="그림 3" descr="C:/Users/Admin1/AppData/Roaming/PolarisOffice/ETemp/18264_16703120/fImage171842708467.png"/>
           <p:cNvPicPr>
             <a:picLocks noChangeAspect="1"/>
           </p:cNvPicPr>
@@ -9156,8 +8926,8 @@
         </p:blipFill>
         <p:spPr>
           <a:xfrm rot="0">
-            <a:off x="1240790" y="1447165"/>
-            <a:ext cx="2722880" cy="3937000"/>
+            <a:off x="1240790" y="1438275"/>
+            <a:ext cx="2723515" cy="3937000"/>
           </a:xfrm>
           <a:prstGeom prst="roundRect"/>
           <a:solidFill>
@@ -9175,8 +8945,8 @@
         </p:nvSpPr>
         <p:spPr>
           <a:xfrm rot="0">
-            <a:off x="1231900" y="5567045"/>
-            <a:ext cx="4135755" cy="647065"/>
+            <a:off x="1249045" y="5567045"/>
+            <a:ext cx="4126865" cy="647065"/>
           </a:xfrm>
           <a:prstGeom prst="rect"/>
           <a:noFill/>
@@ -9213,7 +8983,7 @@
                 <a:latin typeface="맑은 고딕" charset="0"/>
                 <a:ea typeface="맑은 고딕" charset="0"/>
               </a:rPr>
-              <a:t>1</a:t>
+              <a:t>2</a:t>
             </a:r>
             <a:r>
               <a:rPr sz="1800" b="1">
@@ -9237,7 +9007,21 @@
                 <a:latin typeface="맑은 고딕" charset="0"/>
                 <a:ea typeface="맑은 고딕" charset="0"/>
               </a:rPr>
-              <a:t>그러고 나서 Light Probe Group </a:t>
+              <a:t>이제 Light에서 Light Probe </a:t>
+            </a:r>
+            <a:r>
+              <a:rPr lang="ko-KR" sz="1800">
+                <a:latin typeface="맑은 고딕" charset="0"/>
+                <a:ea typeface="맑은 고딕" charset="0"/>
+              </a:rPr>
+              <a:t>Group</a:t>
+            </a:r>
+            <a:r>
+              <a:rPr lang="ko-KR" sz="1800">
+                <a:latin typeface="맑은 고딕" charset="0"/>
+                <a:ea typeface="맑은 고딕" charset="0"/>
+              </a:rPr>
+              <a:t> </a:t>
             </a:r>
             <a:r>
               <a:rPr lang="ko-KR" sz="1800">
@@ -9267,6 +9051,37 @@
           </a:p>
         </p:txBody>
       </p:sp>
+      <p:pic>
+        <p:nvPicPr>
+          <p:cNvPr id="1063" name="그림 18" descr="C:/Users/Admin1/AppData/Roaming/PolarisOffice/ETemp/18264_16703120/fImage113983019169.png"/>
+          <p:cNvPicPr>
+            <a:picLocks noChangeAspect="1"/>
+          </p:cNvPicPr>
+          <p:nvPr/>
+        </p:nvPicPr>
+        <p:blipFill rotWithShape="1">
+          <a:blip r:embed="rId6" cstate="print">
+            <a:extLst>
+              <a:ext uri="{28A0092B-C50C-407E-A947-70E740481C1C}">
+                <a14:useLocalDpi xmlns:a14="http://schemas.microsoft.com/office/drawing/2010/main" val="0"/>
+              </a:ext>
+            </a:extLst>
+          </a:blip>
+          <a:stretch>
+            <a:fillRect/>
+          </a:stretch>
+        </p:blipFill>
+        <p:spPr>
+          <a:xfrm rot="0">
+            <a:off x="4100195" y="2477135"/>
+            <a:ext cx="1283970" cy="1838960"/>
+          </a:xfrm>
+          <a:prstGeom prst="roundRect"/>
+          <a:solidFill>
+            <a:srgbClr val="EDEDED"/>
+          </a:solidFill>
+        </p:spPr>
+      </p:pic>
     </p:spTree>
   </p:cSld>
   <p:clrMapOvr>
@@ -9387,16 +9202,108 @@
           </a:p>
         </p:txBody>
       </p:sp>
+      <p:sp>
+        <p:nvSpPr>
+          <p:cNvPr id="1065" name="텍스트 상자 18"/>
+          <p:cNvSpPr txBox="1">
+            <a:spLocks/>
+          </p:cNvSpPr>
+          <p:nvPr/>
+        </p:nvSpPr>
+        <p:spPr>
+          <a:xfrm rot="0">
+            <a:off x="1240155" y="3078480"/>
+            <a:ext cx="4152900" cy="677545"/>
+          </a:xfrm>
+          <a:prstGeom prst="rect"/>
+          <a:noFill/>
+          <a:ln w="0">
+            <a:noFill/>
+            <a:prstDash/>
+          </a:ln>
+        </p:spPr>
+        <p:txBody>
+          <a:bodyPr wrap="square" lIns="89535" tIns="46355" rIns="89535" bIns="46355" numCol="1" vert="horz" anchor="t">
+            <a:spAutoFit/>
+          </a:bodyPr>
+          <a:lstStyle/>
+          <a:p>
+            <a:pPr marL="0" indent="0" algn="l" latinLnBrk="0" hangingPunct="1">
+              <a:buFontTx/>
+              <a:buNone/>
+            </a:pPr>
+            <a:r>
+              <a:rPr lang="ko-KR" sz="2000" b="1">
+                <a:solidFill>
+                  <a:srgbClr val="0611F2"/>
+                </a:solidFill>
+                <a:latin typeface="맑은 고딕" charset="0"/>
+                <a:ea typeface="맑은 고딕" charset="0"/>
+              </a:rPr>
+              <a:t>32.</a:t>
+            </a:r>
+            <a:r>
+              <a:rPr lang="ko-KR" sz="2000" b="1">
+                <a:solidFill>
+                  <a:srgbClr val="0611F2"/>
+                </a:solidFill>
+                <a:latin typeface="맑은 고딕" charset="0"/>
+                <a:ea typeface="맑은 고딕" charset="0"/>
+              </a:rPr>
+              <a:t> </a:t>
+            </a:r>
+            <a:r>
+              <a:rPr lang="ko-KR" sz="1800">
+                <a:latin typeface="맑은 고딕" charset="0"/>
+                <a:ea typeface="맑은 고딕" charset="0"/>
+              </a:rPr>
+              <a:t>이제 Light Probe Group </a:t>
+            </a:r>
+            <a:r>
+              <a:rPr lang="ko-KR" sz="1800">
+                <a:latin typeface="맑은 고딕" charset="0"/>
+                <a:ea typeface="맑은 고딕" charset="0"/>
+              </a:rPr>
+              <a:t>오브젝트의</a:t>
+            </a:r>
+            <a:r>
+              <a:rPr lang="ko-KR" sz="1800">
+                <a:latin typeface="맑은 고딕" charset="0"/>
+                <a:ea typeface="맑은 고딕" charset="0"/>
+              </a:rPr>
+              <a:t> </a:t>
+            </a:r>
+            <a:r>
+              <a:rPr lang="ko-KR" sz="1800">
+                <a:latin typeface="맑은 고딕" charset="0"/>
+                <a:ea typeface="맑은 고딕" charset="0"/>
+              </a:rPr>
+              <a:t>위치</a:t>
+            </a:r>
+            <a:r>
+              <a:rPr lang="ko-KR" sz="1800">
+                <a:latin typeface="맑은 고딕" charset="0"/>
+                <a:ea typeface="맑은 고딕" charset="0"/>
+              </a:rPr>
+              <a:t> 값을 설정합니다.</a:t>
+            </a:r>
+            <a:endParaRPr lang="ko-KR" altLang="en-US" sz="1800">
+              <a:latin typeface="맑은 고딕" charset="0"/>
+              <a:ea typeface="맑은 고딕" charset="0"/>
+            </a:endParaRPr>
+          </a:p>
+        </p:txBody>
+      </p:sp>
       <p:pic>
         <p:nvPicPr>
-          <p:cNvPr id="1064" name="그림 15" descr="C:/Users/Admin1/AppData/Roaming/PolarisOffice/ETemp/1284_18416448/fImage129742866500.png"/>
+          <p:cNvPr id="1066" name="그림 65" descr="C:/Users/Admin1/AppData/Roaming/PolarisOffice/ETemp/26084_16904392/fImage114124286962.png"/>
           <p:cNvPicPr>
             <a:picLocks noChangeAspect="1"/>
           </p:cNvPicPr>
           <p:nvPr/>
         </p:nvPicPr>
         <p:blipFill rotWithShape="1">
-          <a:blip r:embed="rId5" cstate="hqprint">
+          <a:blip r:embed="rId7" cstate="hqprint">
             <a:extLst>
               <a:ext uri="{28A0092B-C50C-407E-A947-70E740481C1C}">
                 <a14:useLocalDpi xmlns:a14="http://schemas.microsoft.com/office/drawing/2010/main"/>
@@ -9409,131 +9316,8 @@
         </p:blipFill>
         <p:spPr>
           <a:xfrm rot="0">
-            <a:off x="1240790" y="1447165"/>
-            <a:ext cx="4143375" cy="1430655"/>
-          </a:xfrm>
-          <a:prstGeom prst="roundRect"/>
-          <a:solidFill>
-            <a:srgbClr val="EDEDED"/>
-          </a:solidFill>
-        </p:spPr>
-      </p:pic>
-      <p:sp>
-        <p:nvSpPr>
-          <p:cNvPr id="1065" name="텍스트 상자 18"/>
-          <p:cNvSpPr txBox="1">
-            <a:spLocks/>
-          </p:cNvSpPr>
-          <p:nvPr/>
-        </p:nvSpPr>
-        <p:spPr>
-          <a:xfrm rot="0">
-            <a:off x="1240155" y="2957830"/>
-            <a:ext cx="4144010" cy="677545"/>
-          </a:xfrm>
-          <a:prstGeom prst="rect"/>
-          <a:noFill/>
-          <a:ln w="0">
-            <a:noFill/>
-            <a:prstDash/>
-          </a:ln>
-        </p:spPr>
-        <p:txBody>
-          <a:bodyPr wrap="square" lIns="89535" tIns="46355" rIns="89535" bIns="46355" numCol="1" vert="horz" anchor="t">
-            <a:spAutoFit/>
-          </a:bodyPr>
-          <a:lstStyle/>
-          <a:p>
-            <a:pPr marL="0" indent="0" algn="l" latinLnBrk="0" hangingPunct="1">
-              <a:buFontTx/>
-              <a:buNone/>
-            </a:pPr>
-            <a:r>
-              <a:rPr lang="ko-KR" sz="2000" b="1">
-                <a:solidFill>
-                  <a:srgbClr val="0611F2"/>
-                </a:solidFill>
-                <a:latin typeface="맑은 고딕" charset="0"/>
-                <a:ea typeface="맑은 고딕" charset="0"/>
-              </a:rPr>
-              <a:t>32.</a:t>
-            </a:r>
-            <a:r>
-              <a:rPr lang="ko-KR" sz="2000" b="1">
-                <a:solidFill>
-                  <a:srgbClr val="0611F2"/>
-                </a:solidFill>
-                <a:latin typeface="맑은 고딕" charset="0"/>
-                <a:ea typeface="맑은 고딕" charset="0"/>
-              </a:rPr>
-              <a:t> </a:t>
-            </a:r>
-            <a:r>
-              <a:rPr lang="ko-KR" sz="1800">
-                <a:latin typeface="맑은 고딕" charset="0"/>
-                <a:ea typeface="맑은 고딕" charset="0"/>
-              </a:rPr>
-              <a:t>이제 Light Probe Group </a:t>
-            </a:r>
-            <a:r>
-              <a:rPr lang="ko-KR" sz="1800">
-                <a:latin typeface="맑은 고딕" charset="0"/>
-                <a:ea typeface="맑은 고딕" charset="0"/>
-              </a:rPr>
-              <a:t>오브젝트의</a:t>
-            </a:r>
-            <a:r>
-              <a:rPr lang="ko-KR" sz="1800">
-                <a:latin typeface="맑은 고딕" charset="0"/>
-                <a:ea typeface="맑은 고딕" charset="0"/>
-              </a:rPr>
-              <a:t> </a:t>
-            </a:r>
-            <a:r>
-              <a:rPr lang="ko-KR" sz="1800">
-                <a:latin typeface="맑은 고딕" charset="0"/>
-                <a:ea typeface="맑은 고딕" charset="0"/>
-              </a:rPr>
-              <a:t>위치</a:t>
-            </a:r>
-            <a:r>
-              <a:rPr lang="ko-KR" sz="1800">
-                <a:latin typeface="맑은 고딕" charset="0"/>
-                <a:ea typeface="맑은 고딕" charset="0"/>
-              </a:rPr>
-              <a:t> 값을 설정합니다.</a:t>
-            </a:r>
-            <a:endParaRPr lang="ko-KR" altLang="en-US" sz="1800">
-              <a:latin typeface="맑은 고딕" charset="0"/>
-              <a:ea typeface="맑은 고딕" charset="0"/>
-            </a:endParaRPr>
-          </a:p>
-        </p:txBody>
-      </p:sp>
-      <p:pic>
-        <p:nvPicPr>
-          <p:cNvPr id="1066" name="그림 65" descr="C:/Users/Admin1/AppData/Roaming/PolarisOffice/ETemp/1284_18416448/fImage114124286962.png"/>
-          <p:cNvPicPr>
-            <a:picLocks noChangeAspect="1"/>
-          </p:cNvPicPr>
-          <p:nvPr/>
-        </p:nvPicPr>
-        <p:blipFill rotWithShape="1">
-          <a:blip r:embed="rId7" cstate="print">
-            <a:extLst>
-              <a:ext uri="{28A0092B-C50C-407E-A947-70E740481C1C}">
-                <a14:useLocalDpi xmlns:a14="http://schemas.microsoft.com/office/drawing/2010/main" val="0"/>
-              </a:ext>
-            </a:extLst>
-          </a:blip>
-          <a:stretch>
-            <a:fillRect/>
-          </a:stretch>
-        </p:blipFill>
-        <p:spPr>
-          <a:xfrm rot="0">
-            <a:off x="1248410" y="3763645"/>
-            <a:ext cx="4135755" cy="1473835"/>
+            <a:off x="1240790" y="3867785"/>
+            <a:ext cx="4144010" cy="1370330"/>
           </a:xfrm>
           <a:prstGeom prst="roundRect"/>
           <a:solidFill>
@@ -9551,8 +9335,8 @@
         </p:nvSpPr>
         <p:spPr>
           <a:xfrm rot="0">
-            <a:off x="1249045" y="5278120"/>
-            <a:ext cx="4137660" cy="954405"/>
+            <a:off x="1240790" y="5278120"/>
+            <a:ext cx="4146550" cy="954405"/>
           </a:xfrm>
           <a:prstGeom prst="rect"/>
           <a:noFill/>
@@ -9610,42 +9394,21 @@
                 <a:latin typeface="맑은 고딕" charset="0"/>
                 <a:ea typeface="맑은 고딕" charset="0"/>
               </a:rPr>
-              <a:t> </a:t>
-            </a:r>
-            <a:r>
-              <a:rPr lang="ko-KR" sz="1800">
-                <a:latin typeface="맑은 고딕" charset="0"/>
-                <a:ea typeface="맑은 고딕" charset="0"/>
-              </a:rPr>
-              <a:t>선택하고 Edit Light </a:t>
-            </a:r>
-            <a:r>
-              <a:rPr lang="ko-KR" sz="1800">
-                <a:latin typeface="맑은 고딕" charset="0"/>
-                <a:ea typeface="맑은 고딕" charset="0"/>
-              </a:rPr>
-              <a:t>Probes</a:t>
-            </a:r>
-            <a:r>
-              <a:rPr lang="ko-KR" sz="1800">
-                <a:latin typeface="맑은 고딕" charset="0"/>
-                <a:ea typeface="맑은 고딕" charset="0"/>
-              </a:rPr>
-              <a:t>를</a:t>
-            </a:r>
-            <a:r>
-              <a:rPr lang="ko-KR" sz="1800">
-                <a:latin typeface="맑은 고딕" charset="0"/>
-                <a:ea typeface="맑은 고딕" charset="0"/>
-              </a:rPr>
-              <a:t> </a:t>
-            </a:r>
-            <a:r>
-              <a:rPr lang="ko-KR" sz="1800">
-                <a:latin typeface="맑은 고딕" charset="0"/>
-                <a:ea typeface="맑은 고딕" charset="0"/>
-              </a:rPr>
-              <a:t>선택합니다.</a:t>
+              <a:t> 선택하고 Edit Light </a:t>
+            </a:r>
+            <a:r>
+              <a:rPr lang="ko-KR" sz="1800">
+                <a:latin typeface="맑은 고딕" charset="0"/>
+                <a:ea typeface="맑은 고딕" charset="0"/>
+              </a:rPr>
+              <a:t>Probes를</a:t>
+            </a:r>
+            <a:r>
+              <a:rPr lang="ko-KR" sz="1800">
+                <a:latin typeface="맑은 고딕" charset="0"/>
+                <a:ea typeface="맑은 고딕" charset="0"/>
+              </a:rPr>
+              <a:t> 선택합니다.</a:t>
             </a:r>
             <a:endParaRPr lang="ko-KR" altLang="en-US" sz="1800">
               <a:latin typeface="맑은 고딕" charset="0"/>
@@ -9656,7 +9419,7 @@
       </p:sp>
       <p:pic>
         <p:nvPicPr>
-          <p:cNvPr id="1068" name="그림 83" descr="C:/Users/Admin1/AppData/Roaming/PolarisOffice/ETemp/1284_18416448/fImage114104424464.png"/>
+          <p:cNvPr id="1068" name="그림 83"/>
           <p:cNvPicPr>
             <a:picLocks noChangeAspect="1"/>
           </p:cNvPicPr>
@@ -9695,8 +9458,8 @@
         </p:nvSpPr>
         <p:spPr>
           <a:xfrm rot="0">
-            <a:off x="6842760" y="2952115"/>
-            <a:ext cx="4131945" cy="677545"/>
+            <a:off x="6833870" y="2952115"/>
+            <a:ext cx="4132580" cy="678180"/>
           </a:xfrm>
           <a:prstGeom prst="rect"/>
           <a:noFill/>
@@ -9754,14 +9517,7 @@
                 <a:latin typeface="맑은 고딕" charset="0"/>
                 <a:ea typeface="맑은 고딕" charset="0"/>
               </a:rPr>
-              <a:t> </a:t>
-            </a:r>
-            <a:r>
-              <a:rPr lang="ko-KR" sz="1800">
-                <a:latin typeface="맑은 고딕" charset="0"/>
-                <a:ea typeface="맑은 고딕" charset="0"/>
-              </a:rPr>
-              <a:t>Select All을 선택합니다.</a:t>
+              <a:t> Select All을 선택합니다.</a:t>
             </a:r>
             <a:endParaRPr lang="ko-KR" altLang="en-US" sz="1800">
               <a:latin typeface="맑은 고딕" charset="0"/>
@@ -9772,7 +9528,7 @@
       </p:sp>
       <p:pic>
         <p:nvPicPr>
-          <p:cNvPr id="1070" name="그림 87" descr="C:/Users/Admin1/AppData/Roaming/PolarisOffice/ETemp/1284_18416448/fImage116814445705.png"/>
+          <p:cNvPr id="1070" name="그림 87"/>
           <p:cNvPicPr>
             <a:picLocks noChangeAspect="1"/>
           </p:cNvPicPr>
@@ -9810,9 +9566,9 @@
           <p:nvPr/>
         </p:nvSpPr>
         <p:spPr>
-          <a:xfrm rot="0">
+          <a:xfrm>
             <a:off x="6837045" y="5280025"/>
-            <a:ext cx="4146550" cy="954405"/>
+            <a:ext cx="4147185" cy="954405"/>
           </a:xfrm>
           <a:prstGeom prst="rect"/>
           <a:noFill/>
@@ -9856,7 +9612,7 @@
                 <a:latin typeface="맑은 고딕" charset="0"/>
                 <a:ea typeface="맑은 고딕" charset="0"/>
               </a:rPr>
-              <a:t>그다음 Duplicate Selected를 </a:t>
+              <a:t>그다음으로 Duplicate Selected를 </a:t>
             </a:r>
             <a:r>
               <a:rPr lang="ko-KR" sz="1800">
@@ -9870,42 +9626,21 @@
                 <a:latin typeface="맑은 고딕" charset="0"/>
                 <a:ea typeface="맑은 고딕" charset="0"/>
               </a:rPr>
-              <a:t> </a:t>
-            </a:r>
-            <a:r>
-              <a:rPr lang="ko-KR" sz="1800">
-                <a:latin typeface="맑은 고딕" charset="0"/>
-                <a:ea typeface="맑은 고딕" charset="0"/>
-              </a:rPr>
-              <a:t>Selected Probe Position X </a:t>
-            </a:r>
-            <a:r>
-              <a:rPr lang="ko-KR" sz="1800">
-                <a:latin typeface="맑은 고딕" charset="0"/>
-                <a:ea typeface="맑은 고딕" charset="0"/>
-              </a:rPr>
-              <a:t>값</a:t>
-            </a:r>
-            <a:r>
-              <a:rPr lang="ko-KR" sz="1800">
-                <a:latin typeface="맑은 고딕" charset="0"/>
-                <a:ea typeface="맑은 고딕" charset="0"/>
-              </a:rPr>
-              <a:t>을</a:t>
-            </a:r>
-            <a:r>
-              <a:rPr lang="ko-KR" sz="1800">
-                <a:latin typeface="맑은 고딕" charset="0"/>
-                <a:ea typeface="맑은 고딕" charset="0"/>
-              </a:rPr>
-              <a:t> </a:t>
-            </a:r>
-            <a:r>
-              <a:rPr lang="ko-KR" sz="1800">
-                <a:latin typeface="맑은 고딕" charset="0"/>
-                <a:ea typeface="맑은 고딕" charset="0"/>
-              </a:rPr>
-              <a:t>설정합니다.</a:t>
+              <a:t> Selected Probe Position X </a:t>
+            </a:r>
+            <a:r>
+              <a:rPr lang="ko-KR" sz="1800">
+                <a:latin typeface="맑은 고딕" charset="0"/>
+                <a:ea typeface="맑은 고딕" charset="0"/>
+              </a:rPr>
+              <a:t>값을</a:t>
+            </a:r>
+            <a:r>
+              <a:rPr lang="ko-KR" sz="1800">
+                <a:latin typeface="맑은 고딕" charset="0"/>
+                <a:ea typeface="맑은 고딕" charset="0"/>
+              </a:rPr>
+              <a:t> 설정합니다.</a:t>
             </a:r>
             <a:endParaRPr lang="ko-KR" altLang="en-US" sz="1800">
               <a:latin typeface="맑은 고딕" charset="0"/>
@@ -9914,6 +9649,37 @@
           </a:p>
         </p:txBody>
       </p:sp>
+      <p:pic>
+        <p:nvPicPr>
+          <p:cNvPr id="1072" name="그림 21" descr="C:/Users/Admin1/AppData/Roaming/PolarisOffice/ETemp/26084_16904392/fImage1080129041.png"/>
+          <p:cNvPicPr>
+            <a:picLocks noChangeAspect="1"/>
+          </p:cNvPicPr>
+          <p:nvPr/>
+        </p:nvPicPr>
+        <p:blipFill rotWithShape="1">
+          <a:blip r:embed="rId10" cstate="print">
+            <a:extLst>
+              <a:ext uri="{28A0092B-C50C-407E-A947-70E740481C1C}">
+                <a14:useLocalDpi xmlns:a14="http://schemas.microsoft.com/office/drawing/2010/main" val="0"/>
+              </a:ext>
+            </a:extLst>
+          </a:blip>
+          <a:stretch>
+            <a:fillRect/>
+          </a:stretch>
+        </p:blipFill>
+        <p:spPr>
+          <a:xfrm rot="0">
+            <a:off x="1240790" y="1442720"/>
+            <a:ext cx="4144010" cy="1572895"/>
+          </a:xfrm>
+          <a:prstGeom prst="roundRect"/>
+          <a:solidFill>
+            <a:srgbClr val="EDEDED"/>
+          </a:solidFill>
+        </p:spPr>
+      </p:pic>
     </p:spTree>
   </p:cSld>
   <p:clrMapOvr>
@@ -10129,7 +9895,7 @@
       </p:sp>
       <p:pic>
         <p:nvPicPr>
-          <p:cNvPr id="1207" name="그림 29"/>
+          <p:cNvPr id="1207" name="그림 29" descr="C:/Users/Admin1/AppData/Roaming/PolarisOffice/ETemp/26084_16904392/fImage2270692959358.png"/>
           <p:cNvPicPr>
             <a:picLocks noChangeAspect="1"/>
           </p:cNvPicPr>
@@ -10149,8 +9915,8 @@
         </p:blipFill>
         <p:spPr>
           <a:xfrm rot="0">
-            <a:off x="6822440" y="2548890"/>
-            <a:ext cx="4135755" cy="2517140"/>
+            <a:off x="6831330" y="2548890"/>
+            <a:ext cx="4136390" cy="2517775"/>
           </a:xfrm>
           <a:prstGeom prst="roundRect"/>
           <a:solidFill>
@@ -10253,10 +10019,10 @@
           <p:nvPr/>
         </p:nvPicPr>
         <p:blipFill rotWithShape="1">
-          <a:blip r:embed="rId6" cstate="print">
+          <a:blip r:embed="rId6" cstate="hqprint">
             <a:extLst>
               <a:ext uri="{28A0092B-C50C-407E-A947-70E740481C1C}">
-                <a14:useLocalDpi xmlns:a14="http://schemas.microsoft.com/office/drawing/2010/main" val="0"/>
+                <a14:useLocalDpi xmlns:a14="http://schemas.microsoft.com/office/drawing/2010/main"/>
               </a:ext>
             </a:extLst>
           </a:blip>
@@ -10267,7 +10033,7 @@
         <p:spPr>
           <a:xfrm rot="0">
             <a:off x="1240155" y="1447165"/>
-            <a:ext cx="4135755" cy="3359785"/>
+            <a:ext cx="4136390" cy="3360420"/>
           </a:xfrm>
           <a:prstGeom prst="roundRect"/>
           <a:solidFill>
@@ -10285,8 +10051,8 @@
         </p:nvSpPr>
         <p:spPr>
           <a:xfrm rot="0">
-            <a:off x="1249045" y="4991735"/>
-            <a:ext cx="4135120" cy="1231265"/>
+            <a:off x="1240155" y="5000625"/>
+            <a:ext cx="4135755" cy="1231900"/>
           </a:xfrm>
           <a:prstGeom prst="rect"/>
           <a:noFill/>
@@ -10423,9 +10189,9 @@
           <p:nvPr/>
         </p:nvSpPr>
         <p:spPr>
-          <a:xfrm rot="0">
+          <a:xfrm>
             <a:off x="4232275" y="396240"/>
-            <a:ext cx="3719830" cy="478155"/>
+            <a:ext cx="3720465" cy="478155"/>
           </a:xfrm>
           <a:prstGeom prst="rect"/>
           <a:noFill/>
@@ -10452,7 +10218,7 @@
                 <a:latin typeface="나눔바른고딕" charset="0"/>
                 <a:ea typeface="나눔바른고딕" charset="0"/>
               </a:rPr>
-              <a:t>열네</a:t>
+              <a:t>열세</a:t>
             </a:r>
             <a:r>
               <a:rPr lang="ko-KR" altLang="en-US" sz="2500" b="1">
@@ -10483,9 +10249,9 @@
           <p:nvPr/>
         </p:nvSpPr>
         <p:spPr>
-          <a:xfrm>
-            <a:off x="1255395" y="5233035"/>
-            <a:ext cx="4138295" cy="954405"/>
+          <a:xfrm rot="0">
+            <a:off x="1240790" y="4672965"/>
+            <a:ext cx="4153535" cy="1508125"/>
           </a:xfrm>
           <a:prstGeom prst="rect"/>
           <a:noFill/>
@@ -10512,7 +10278,7 @@
                 <a:latin typeface="맑은 고딕" charset="0"/>
                 <a:ea typeface="맑은 고딕" charset="0"/>
               </a:rPr>
-              <a:t>4</a:t>
+              <a:t>3</a:t>
             </a:r>
             <a:r>
               <a:rPr lang="ko-KR" sz="2000" b="1">
@@ -10522,7 +10288,7 @@
                 <a:latin typeface="맑은 고딕" charset="0"/>
                 <a:ea typeface="맑은 고딕" charset="0"/>
               </a:rPr>
-              <a:t>0</a:t>
+              <a:t>7</a:t>
             </a:r>
             <a:r>
               <a:rPr lang="ko-KR" sz="2000" b="1">
@@ -10549,7 +10315,7 @@
                 <a:latin typeface="맑은 고딕" charset="0"/>
                 <a:ea typeface="맑은 고딕" charset="0"/>
               </a:rPr>
-              <a:t>그러고 나서 Spot Light </a:t>
+              <a:t>이제 Spot Light </a:t>
             </a:r>
             <a:r>
               <a:rPr lang="ko-KR" sz="1800">
@@ -10570,91 +10336,324 @@
                 <a:latin typeface="맑은 고딕" charset="0"/>
                 <a:ea typeface="맑은 고딕" charset="0"/>
               </a:rPr>
-              <a:t>Spot</a:t>
-            </a:r>
-            <a:r>
-              <a:rPr lang="ko-KR" sz="1800">
-                <a:latin typeface="맑은 고딕" charset="0"/>
-                <a:ea typeface="맑은 고딕" charset="0"/>
-              </a:rPr>
-              <a:t> Angle 값을 설정한 </a:t>
-            </a:r>
-            <a:r>
-              <a:rPr lang="ko-KR" sz="1800">
-                <a:latin typeface="맑은 고딕" charset="0"/>
-                <a:ea typeface="맑은 고딕" charset="0"/>
-              </a:rPr>
-              <a:t>다음</a:t>
-            </a:r>
-            <a:r>
-              <a:rPr lang="ko-KR" sz="1800">
-                <a:latin typeface="맑은 고딕" charset="0"/>
-                <a:ea typeface="맑은 고딕" charset="0"/>
-              </a:rPr>
-              <a:t> Mode를 </a:t>
-            </a:r>
-            <a:r>
-              <a:rPr lang="ko-KR" sz="1800">
-                <a:latin typeface="맑은 고딕" charset="0"/>
-                <a:ea typeface="맑은 고딕" charset="0"/>
-              </a:rPr>
-              <a:t>Baked로</a:t>
-            </a:r>
-            <a:r>
-              <a:rPr lang="ko-KR" sz="1800">
-                <a:latin typeface="맑은 고딕" charset="0"/>
-                <a:ea typeface="맑은 고딕" charset="0"/>
-              </a:rPr>
-              <a:t> 설정합니다.</a:t>
+              <a:t>Range와</a:t>
+            </a:r>
+            <a:r>
+              <a:rPr lang="ko-KR" sz="1800">
+                <a:latin typeface="맑은 고딕" charset="0"/>
+                <a:ea typeface="맑은 고딕" charset="0"/>
+              </a:rPr>
+              <a:t> </a:t>
+            </a:r>
+            <a:r>
+              <a:rPr lang="ko-KR" sz="1800">
+                <a:latin typeface="맑은 고딕" charset="0"/>
+                <a:ea typeface="맑은 고딕" charset="0"/>
+              </a:rPr>
+              <a:t>Spot Angle 값을 설정합니다.</a:t>
             </a:r>
             <a:endParaRPr lang="ko-KR" altLang="en-US" sz="1800">
               <a:latin typeface="맑은 고딕" charset="0"/>
               <a:ea typeface="맑은 고딕" charset="0"/>
             </a:endParaRPr>
           </a:p>
+          <a:p>
+            <a:pPr marL="0" indent="0" algn="l" latinLnBrk="0" hangingPunct="1">
+              <a:buFontTx/>
+              <a:buNone/>
+            </a:pPr>
+            <a:endParaRPr lang="ko-KR" altLang="en-US" sz="1800">
+              <a:latin typeface="맑은 고딕" charset="0"/>
+              <a:ea typeface="맑은 고딕" charset="0"/>
+            </a:endParaRPr>
+          </a:p>
+          <a:p>
+            <a:pPr marL="0" indent="0" algn="l" latinLnBrk="0" hangingPunct="1">
+              <a:buFontTx/>
+              <a:buNone/>
+            </a:pPr>
+            <a:r>
+              <a:rPr lang="ko-KR" sz="1800">
+                <a:latin typeface="맑은 고딕" charset="0"/>
+                <a:ea typeface="맑은 고딕" charset="0"/>
+              </a:rPr>
+              <a:t>그리</a:t>
+            </a:r>
+            <a:r>
+              <a:rPr lang="ko-KR" sz="1800">
+                <a:latin typeface="맑은 고딕" charset="0"/>
+                <a:ea typeface="맑은 고딕" charset="0"/>
+              </a:rPr>
+              <a:t>고</a:t>
+            </a:r>
+            <a:r>
+              <a:rPr lang="ko-KR" sz="1800">
+                <a:latin typeface="맑은 고딕" charset="0"/>
+                <a:ea typeface="맑은 고딕" charset="0"/>
+              </a:rPr>
+              <a:t> </a:t>
+            </a:r>
+            <a:r>
+              <a:rPr lang="ko-KR" sz="1800">
+                <a:latin typeface="맑은 고딕" charset="0"/>
+                <a:ea typeface="맑은 고딕" charset="0"/>
+              </a:rPr>
+              <a:t>Color 값을 설정한 다음 </a:t>
+            </a:r>
+            <a:r>
+              <a:rPr lang="ko-KR" sz="1800">
+                <a:latin typeface="맑은 고딕" charset="0"/>
+                <a:ea typeface="맑은 고딕" charset="0"/>
+              </a:rPr>
+              <a:t>Mode</a:t>
+            </a:r>
+            <a:r>
+              <a:rPr lang="ko-KR" sz="1800">
+                <a:latin typeface="맑은 고딕" charset="0"/>
+                <a:ea typeface="맑은 고딕" charset="0"/>
+              </a:rPr>
+              <a:t>를</a:t>
+            </a:r>
+            <a:r>
+              <a:rPr lang="ko-KR" sz="1800">
+                <a:latin typeface="맑은 고딕" charset="0"/>
+                <a:ea typeface="맑은 고딕" charset="0"/>
+              </a:rPr>
+              <a:t> </a:t>
+            </a:r>
+            <a:r>
+              <a:rPr lang="ko-KR" sz="1800">
+                <a:latin typeface="맑은 고딕" charset="0"/>
+                <a:ea typeface="맑은 고딕" charset="0"/>
+              </a:rPr>
+              <a:t>Baked로 설정합니다.</a:t>
+            </a:r>
+            <a:endParaRPr lang="ko-KR" altLang="en-US" sz="1800">
+              <a:latin typeface="맑은 고딕" charset="0"/>
+              <a:ea typeface="맑은 고딕" charset="0"/>
+            </a:endParaRPr>
+          </a:p>
+        </p:txBody>
+      </p:sp>
+      <p:sp>
+        <p:nvSpPr>
+          <p:cNvPr id="1220" name="텍스트 상자 27"/>
+          <p:cNvSpPr txBox="1">
+            <a:spLocks/>
+          </p:cNvSpPr>
+          <p:nvPr/>
+        </p:nvSpPr>
+        <p:spPr>
+          <a:xfrm rot="0">
+            <a:off x="6798945" y="4676140"/>
+            <a:ext cx="4166870" cy="1508125"/>
+          </a:xfrm>
+          <a:prstGeom prst="rect"/>
+          <a:noFill/>
+          <a:ln w="0">
+            <a:noFill/>
+            <a:prstDash/>
+          </a:ln>
+        </p:spPr>
+        <p:txBody>
+          <a:bodyPr wrap="square" lIns="89535" tIns="46355" rIns="89535" bIns="46355" numCol="1" vert="horz" anchor="t">
+            <a:spAutoFit/>
+          </a:bodyPr>
+          <a:lstStyle/>
+          <a:p>
+            <a:pPr marL="0" indent="0" algn="l" latinLnBrk="0" hangingPunct="1">
+              <a:buFontTx/>
+              <a:buNone/>
+            </a:pPr>
+            <a:r>
+              <a:rPr lang="ko-KR" sz="2000" b="1">
+                <a:solidFill>
+                  <a:srgbClr val="0611F2"/>
+                </a:solidFill>
+                <a:latin typeface="맑은 고딕" charset="0"/>
+                <a:ea typeface="맑은 고딕" charset="0"/>
+              </a:rPr>
+              <a:t>3</a:t>
+            </a:r>
+            <a:r>
+              <a:rPr lang="ko-KR" sz="2000" b="1">
+                <a:solidFill>
+                  <a:srgbClr val="0611F2"/>
+                </a:solidFill>
+                <a:latin typeface="맑은 고딕" charset="0"/>
+                <a:ea typeface="맑은 고딕" charset="0"/>
+              </a:rPr>
+              <a:t>8</a:t>
+            </a:r>
+            <a:r>
+              <a:rPr lang="ko-KR" sz="2000" b="1">
+                <a:solidFill>
+                  <a:srgbClr val="0611F2"/>
+                </a:solidFill>
+                <a:latin typeface="맑은 고딕" charset="0"/>
+                <a:ea typeface="맑은 고딕" charset="0"/>
+              </a:rPr>
+              <a:t>.</a:t>
+            </a:r>
+            <a:r>
+              <a:rPr lang="ko-KR" sz="2000" b="1">
+                <a:solidFill>
+                  <a:srgbClr val="0611F2"/>
+                </a:solidFill>
+                <a:latin typeface="맑은 고딕" charset="0"/>
+                <a:ea typeface="맑은 고딕" charset="0"/>
+              </a:rPr>
+              <a:t> </a:t>
+            </a:r>
+            <a:r>
+              <a:rPr lang="ko-KR" sz="1800">
+                <a:latin typeface="맑은 고딕" charset="0"/>
+                <a:ea typeface="맑은 고딕" charset="0"/>
+              </a:rPr>
+              <a:t>그런 다음 Point Light 오브젝트의 </a:t>
+            </a:r>
+            <a:r>
+              <a:rPr lang="ko-KR" sz="1800">
+                <a:latin typeface="맑은 고딕" charset="0"/>
+                <a:ea typeface="맑은 고딕" charset="0"/>
+              </a:rPr>
+              <a:t>Range와</a:t>
+            </a:r>
+            <a:r>
+              <a:rPr lang="ko-KR" sz="1800">
+                <a:latin typeface="맑은 고딕" charset="0"/>
+                <a:ea typeface="맑은 고딕" charset="0"/>
+              </a:rPr>
+              <a:t> </a:t>
+            </a:r>
+            <a:r>
+              <a:rPr lang="ko-KR" sz="1800">
+                <a:latin typeface="맑은 고딕" charset="0"/>
+                <a:ea typeface="맑은 고딕" charset="0"/>
+              </a:rPr>
+              <a:t>Color</a:t>
+            </a:r>
+            <a:r>
+              <a:rPr lang="ko-KR" sz="1800">
+                <a:latin typeface="맑은 고딕" charset="0"/>
+                <a:ea typeface="맑은 고딕" charset="0"/>
+              </a:rPr>
+              <a:t> 값을 설정합니다.</a:t>
+            </a:r>
+            <a:endParaRPr lang="ko-KR" altLang="en-US" sz="1800">
+              <a:latin typeface="맑은 고딕" charset="0"/>
+              <a:ea typeface="맑은 고딕" charset="0"/>
+            </a:endParaRPr>
+          </a:p>
+          <a:p>
+            <a:pPr marL="0" indent="0" algn="l" latinLnBrk="0" hangingPunct="1">
+              <a:buFontTx/>
+              <a:buNone/>
+            </a:pPr>
+            <a:endParaRPr lang="ko-KR" altLang="en-US" sz="1800">
+              <a:latin typeface="맑은 고딕" charset="0"/>
+              <a:ea typeface="맑은 고딕" charset="0"/>
+            </a:endParaRPr>
+          </a:p>
+          <a:p>
+            <a:pPr marL="0" indent="0" algn="l" latinLnBrk="0" hangingPunct="1">
+              <a:buFontTx/>
+              <a:buNone/>
+            </a:pPr>
+            <a:r>
+              <a:rPr lang="ko-KR" sz="1800">
+                <a:latin typeface="맑은 고딕" charset="0"/>
+                <a:ea typeface="맑은 고딕" charset="0"/>
+              </a:rPr>
+              <a:t>그다음</a:t>
+            </a:r>
+            <a:r>
+              <a:rPr lang="ko-KR" sz="1800">
+                <a:latin typeface="맑은 고딕" charset="0"/>
+                <a:ea typeface="맑은 고딕" charset="0"/>
+              </a:rPr>
+              <a:t> </a:t>
+            </a:r>
+            <a:r>
+              <a:rPr lang="ko-KR" sz="1800">
+                <a:latin typeface="맑은 고딕" charset="0"/>
+                <a:ea typeface="맑은 고딕" charset="0"/>
+              </a:rPr>
+              <a:t>Mode를</a:t>
+            </a:r>
+            <a:r>
+              <a:rPr lang="ko-KR" sz="1800">
+                <a:latin typeface="맑은 고딕" charset="0"/>
+                <a:ea typeface="맑은 고딕" charset="0"/>
+              </a:rPr>
+              <a:t> </a:t>
+            </a:r>
+            <a:r>
+              <a:rPr lang="ko-KR" sz="1800">
+                <a:latin typeface="맑은 고딕" charset="0"/>
+                <a:ea typeface="맑은 고딕" charset="0"/>
+              </a:rPr>
+              <a:t>Baked로</a:t>
+            </a:r>
+            <a:r>
+              <a:rPr lang="ko-KR" sz="1800">
+                <a:latin typeface="맑은 고딕" charset="0"/>
+                <a:ea typeface="맑은 고딕" charset="0"/>
+              </a:rPr>
+              <a:t> 설정하고 </a:t>
+            </a:r>
+            <a:r>
+              <a:rPr lang="ko-KR" sz="1800">
+                <a:latin typeface="맑은 고딕" charset="0"/>
+                <a:ea typeface="맑은 고딕" charset="0"/>
+              </a:rPr>
+              <a:t>Inten</a:t>
+            </a:r>
+            <a:r>
+              <a:rPr lang="ko-KR" sz="1800">
+                <a:latin typeface="맑은 고딕" charset="0"/>
+                <a:ea typeface="맑은 고딕" charset="0"/>
+              </a:rPr>
+              <a:t>sity</a:t>
+            </a:r>
+            <a:r>
+              <a:rPr lang="ko-KR" sz="1800">
+                <a:latin typeface="맑은 고딕" charset="0"/>
+                <a:ea typeface="맑은 고딕" charset="0"/>
+              </a:rPr>
+              <a:t>의</a:t>
+            </a:r>
+            <a:r>
+              <a:rPr lang="ko-KR" sz="1800">
+                <a:latin typeface="맑은 고딕" charset="0"/>
+                <a:ea typeface="맑은 고딕" charset="0"/>
+              </a:rPr>
+              <a:t> </a:t>
+            </a:r>
+            <a:r>
+              <a:rPr lang="ko-KR" sz="1800">
+                <a:latin typeface="맑은 고딕" charset="0"/>
+                <a:ea typeface="맑은 고딕" charset="0"/>
+              </a:rPr>
+              <a:t>값을 1.5로 설정합니다.</a:t>
+            </a:r>
+            <a:endParaRPr lang="ko-KR" altLang="en-US" sz="1800">
+              <a:latin typeface="맑은 고딕" charset="0"/>
+              <a:ea typeface="맑은 고딕" charset="0"/>
+            </a:endParaRPr>
+          </a:p>
         </p:txBody>
       </p:sp>
       <p:pic>
         <p:nvPicPr>
-          <p:cNvPr id="1218" name="그림 21" descr="C:/Users/Admin1/AppData/Roaming/PolarisOffice/ETemp/1284_18416448/fImage208703199169.png"/>
+          <p:cNvPr id="1221" name="그림 8" descr="C:/Users/Admin1/AppData/Roaming/PolarisOffice/ETemp/26084_16904392/fImage172872858467.png"/>
           <p:cNvPicPr>
             <a:picLocks noChangeAspect="1"/>
           </p:cNvPicPr>
           <p:nvPr/>
         </p:nvPicPr>
         <p:blipFill rotWithShape="1">
-          <a:blip r:embed="rId2" cstate="hqprint">
-            <a:extLst>
-              <a:ext uri="{28A0092B-C50C-407E-A947-70E740481C1C}">
-                <a14:useLocalDpi xmlns:a14="http://schemas.microsoft.com/office/drawing/2010/main"/>
-              </a:ext>
-            </a:extLst>
-          </a:blip>
-          <a:stretch>
-            <a:fillRect/>
-          </a:stretch>
-        </p:blipFill>
-        <p:spPr>
-          <a:xfrm rot="0">
-            <a:off x="1247775" y="1464310"/>
-            <a:ext cx="4145915" cy="3568065"/>
-          </a:xfrm>
-          <a:prstGeom prst="roundRect"/>
-          <a:solidFill>
-            <a:srgbClr val="EDEDED"/>
-          </a:solidFill>
-        </p:spPr>
-      </p:pic>
-      <p:pic>
-        <p:nvPicPr>
-          <p:cNvPr id="1219" name="그림 24"/>
-          <p:cNvPicPr>
-            <a:picLocks noChangeAspect="1"/>
-          </p:cNvPicPr>
-          <p:nvPr/>
-        </p:nvPicPr>
-        <p:blipFill rotWithShape="1">
-          <a:blip r:embed="rId3" cstate="print">
+          <a:blip r:embed="rId5" cstate="print">
             <a:extLst>
               <a:ext uri="{28A0092B-C50C-407E-A947-70E740481C1C}">
                 <a14:useLocalDpi xmlns:a14="http://schemas.microsoft.com/office/drawing/2010/main" val="0"/>
@@ -10667,8 +10666,8 @@
         </p:blipFill>
         <p:spPr>
           <a:xfrm rot="0">
-            <a:off x="6806565" y="1461135"/>
-            <a:ext cx="4156710" cy="3570605"/>
+            <a:off x="6798310" y="1446530"/>
+            <a:ext cx="4159250" cy="3041650"/>
           </a:xfrm>
           <a:prstGeom prst="roundRect"/>
           <a:solidFill>
@@ -10676,146 +10675,37 @@
           </a:solidFill>
         </p:spPr>
       </p:pic>
-      <p:sp>
-        <p:nvSpPr>
-          <p:cNvPr id="1220" name="텍스트 상자 27"/>
-          <p:cNvSpPr txBox="1">
-            <a:spLocks/>
-          </p:cNvSpPr>
+      <p:pic>
+        <p:nvPicPr>
+          <p:cNvPr id="1222" name="그림 11" descr="C:/Users/Admin1/AppData/Roaming/PolarisOffice/ETemp/26084_16904392/fImage173832866334.png"/>
+          <p:cNvPicPr>
+            <a:picLocks noChangeAspect="1"/>
+          </p:cNvPicPr>
           <p:nvPr/>
-        </p:nvSpPr>
-        <p:spPr>
-          <a:xfrm>
-            <a:off x="6816725" y="5227320"/>
-            <a:ext cx="4138295" cy="954405"/>
-          </a:xfrm>
-          <a:prstGeom prst="rect"/>
-          <a:noFill/>
-          <a:ln w="0">
-            <a:noFill/>
-            <a:prstDash/>
-          </a:ln>
-        </p:spPr>
-        <p:txBody>
-          <a:bodyPr wrap="square" lIns="89535" tIns="46355" rIns="89535" bIns="46355" numCol="1" vert="horz" anchor="t">
-            <a:spAutoFit/>
-          </a:bodyPr>
-          <a:lstStyle/>
-          <a:p>
-            <a:pPr marL="0" indent="0" algn="l" latinLnBrk="0" hangingPunct="1">
-              <a:buFontTx/>
-              <a:buNone/>
-            </a:pPr>
-            <a:r>
-              <a:rPr lang="ko-KR" sz="2000" b="1">
-                <a:solidFill>
-                  <a:srgbClr val="0611F2"/>
-                </a:solidFill>
-                <a:latin typeface="맑은 고딕" charset="0"/>
-                <a:ea typeface="맑은 고딕" charset="0"/>
-              </a:rPr>
-              <a:t>4</a:t>
-            </a:r>
-            <a:r>
-              <a:rPr lang="ko-KR" sz="2000" b="1">
-                <a:solidFill>
-                  <a:srgbClr val="0611F2"/>
-                </a:solidFill>
-                <a:latin typeface="맑은 고딕" charset="0"/>
-                <a:ea typeface="맑은 고딕" charset="0"/>
-              </a:rPr>
-              <a:t>1</a:t>
-            </a:r>
-            <a:r>
-              <a:rPr lang="ko-KR" sz="2000" b="1">
-                <a:solidFill>
-                  <a:srgbClr val="0611F2"/>
-                </a:solidFill>
-                <a:latin typeface="맑은 고딕" charset="0"/>
-                <a:ea typeface="맑은 고딕" charset="0"/>
-              </a:rPr>
-              <a:t>.</a:t>
-            </a:r>
-            <a:r>
-              <a:rPr lang="ko-KR" sz="2000" b="1">
-                <a:solidFill>
-                  <a:srgbClr val="0611F2"/>
-                </a:solidFill>
-                <a:latin typeface="맑은 고딕" charset="0"/>
-                <a:ea typeface="맑은 고딕" charset="0"/>
-              </a:rPr>
-              <a:t> </a:t>
-            </a:r>
-            <a:r>
-              <a:rPr lang="ko-KR" sz="1800">
-                <a:latin typeface="맑은 고딕" charset="0"/>
-                <a:ea typeface="맑은 고딕" charset="0"/>
-              </a:rPr>
-              <a:t>이제 Point Light 오브젝트의 </a:t>
-            </a:r>
-            <a:r>
-              <a:rPr lang="ko-KR" sz="1800">
-                <a:latin typeface="맑은 고딕" charset="0"/>
-                <a:ea typeface="맑은 고딕" charset="0"/>
-              </a:rPr>
-              <a:t>Range와</a:t>
-            </a:r>
-            <a:r>
-              <a:rPr lang="ko-KR" sz="1800">
-                <a:latin typeface="맑은 고딕" charset="0"/>
-                <a:ea typeface="맑은 고딕" charset="0"/>
-              </a:rPr>
-              <a:t> </a:t>
-            </a:r>
-            <a:r>
-              <a:rPr lang="ko-KR" sz="1800">
-                <a:latin typeface="맑은 고딕" charset="0"/>
-                <a:ea typeface="맑은 고딕" charset="0"/>
-              </a:rPr>
-              <a:t>Color</a:t>
-            </a:r>
-            <a:r>
-              <a:rPr lang="ko-KR" sz="1800">
-                <a:latin typeface="맑은 고딕" charset="0"/>
-                <a:ea typeface="맑은 고딕" charset="0"/>
-              </a:rPr>
-              <a:t> 값을 설정한 다음 </a:t>
-            </a:r>
-            <a:r>
-              <a:rPr lang="ko-KR" sz="1800">
-                <a:latin typeface="맑은 고딕" charset="0"/>
-                <a:ea typeface="맑은 고딕" charset="0"/>
-              </a:rPr>
-              <a:t>Mode를</a:t>
-            </a:r>
-            <a:r>
-              <a:rPr lang="ko-KR" sz="1800">
-                <a:latin typeface="맑은 고딕" charset="0"/>
-                <a:ea typeface="맑은 고딕" charset="0"/>
-              </a:rPr>
-              <a:t> </a:t>
-            </a:r>
-            <a:r>
-              <a:rPr lang="ko-KR" sz="1800">
-                <a:latin typeface="맑은 고딕" charset="0"/>
-                <a:ea typeface="맑은 고딕" charset="0"/>
-              </a:rPr>
-              <a:t>Baked로</a:t>
-            </a:r>
-            <a:r>
-              <a:rPr lang="ko-KR" sz="1800">
-                <a:latin typeface="맑은 고딕" charset="0"/>
-                <a:ea typeface="맑은 고딕" charset="0"/>
-              </a:rPr>
-              <a:t> 설정합니다.</a:t>
-            </a:r>
-            <a:endParaRPr lang="ko-KR" altLang="en-US" sz="1800">
-              <a:latin typeface="맑은 고딕" charset="0"/>
-              <a:ea typeface="맑은 고딕" charset="0"/>
-            </a:endParaRPr>
-          </a:p>
-        </p:txBody>
-      </p:sp>
+        </p:nvPicPr>
+        <p:blipFill rotWithShape="1">
+          <a:blip r:embed="rId6" cstate="print">
+            <a:extLst>
+              <a:ext uri="{28A0092B-C50C-407E-A947-70E740481C1C}">
+                <a14:useLocalDpi xmlns:a14="http://schemas.microsoft.com/office/drawing/2010/main" val="0"/>
+              </a:ext>
+            </a:extLst>
+          </a:blip>
+          <a:stretch>
+            <a:fillRect/>
+          </a:stretch>
+        </p:blipFill>
+        <p:spPr>
+          <a:xfrm rot="0">
+            <a:off x="1240790" y="1448435"/>
+            <a:ext cx="4143375" cy="3048635"/>
+          </a:xfrm>
+          <a:prstGeom prst="roundRect"/>
+          <a:solidFill>
+            <a:srgbClr val="EDEDED"/>
+          </a:solidFill>
+        </p:spPr>
+      </p:pic>
     </p:spTree>
   </p:cSld>
   <p:clrMapOvr>
@@ -10865,9 +10755,9 @@
           <p:nvPr/>
         </p:nvSpPr>
         <p:spPr>
-          <a:xfrm rot="0">
+          <a:xfrm>
             <a:off x="4232275" y="396240"/>
-            <a:ext cx="3719830" cy="478155"/>
+            <a:ext cx="3720465" cy="478155"/>
           </a:xfrm>
           <a:prstGeom prst="rect"/>
           <a:noFill/>
@@ -10894,7 +10784,7 @@
                 <a:latin typeface="나눔바른고딕" charset="0"/>
                 <a:ea typeface="나눔바른고딕" charset="0"/>
               </a:rPr>
-              <a:t>열다섯</a:t>
+              <a:t>열네</a:t>
             </a:r>
             <a:r>
               <a:rPr lang="ko-KR" altLang="en-US" sz="2500" b="1">
@@ -10927,7 +10817,7 @@
         <p:spPr>
           <a:xfrm>
             <a:off x="1246505" y="5267325"/>
-            <a:ext cx="4138295" cy="954405"/>
+            <a:ext cx="4138930" cy="370205"/>
           </a:xfrm>
           <a:prstGeom prst="rect"/>
           <a:noFill/>
@@ -10946,116 +10836,6 @@
               <a:buFontTx/>
               <a:buNone/>
             </a:pPr>
-            <a:r>
-              <a:rPr lang="ko-KR" sz="2000" b="1">
-                <a:solidFill>
-                  <a:srgbClr val="0611F2"/>
-                </a:solidFill>
-                <a:latin typeface="맑은 고딕" charset="0"/>
-                <a:ea typeface="맑은 고딕" charset="0"/>
-              </a:rPr>
-              <a:t>4</a:t>
-            </a:r>
-            <a:r>
-              <a:rPr lang="ko-KR" sz="2000" b="1">
-                <a:solidFill>
-                  <a:srgbClr val="0611F2"/>
-                </a:solidFill>
-                <a:latin typeface="맑은 고딕" charset="0"/>
-                <a:ea typeface="맑은 고딕" charset="0"/>
-              </a:rPr>
-              <a:t>2</a:t>
-            </a:r>
-            <a:r>
-              <a:rPr lang="ko-KR" sz="2000" b="1">
-                <a:solidFill>
-                  <a:srgbClr val="0611F2"/>
-                </a:solidFill>
-                <a:latin typeface="맑은 고딕" charset="0"/>
-                <a:ea typeface="맑은 고딕" charset="0"/>
-              </a:rPr>
-              <a:t>.</a:t>
-            </a:r>
-            <a:r>
-              <a:rPr lang="ko-KR" sz="2000" b="1">
-                <a:solidFill>
-                  <a:srgbClr val="0611F2"/>
-                </a:solidFill>
-                <a:latin typeface="맑은 고딕" charset="0"/>
-                <a:ea typeface="맑은 고딕" charset="0"/>
-              </a:rPr>
-              <a:t> </a:t>
-            </a:r>
-            <a:r>
-              <a:rPr lang="ko-KR" sz="1800">
-                <a:latin typeface="맑은 고딕" charset="0"/>
-                <a:ea typeface="맑은 고딕" charset="0"/>
-              </a:rPr>
-              <a:t>그리고 Area Light 오브젝트의 </a:t>
-            </a:r>
-            <a:r>
-              <a:rPr lang="ko-KR" sz="1800">
-                <a:latin typeface="맑은 고딕" charset="0"/>
-                <a:ea typeface="맑은 고딕" charset="0"/>
-              </a:rPr>
-              <a:t>Range와</a:t>
-            </a:r>
-            <a:r>
-              <a:rPr lang="ko-KR" sz="1800">
-                <a:latin typeface="맑은 고딕" charset="0"/>
-                <a:ea typeface="맑은 고딕" charset="0"/>
-              </a:rPr>
-              <a:t> </a:t>
-            </a:r>
-            <a:r>
-              <a:rPr lang="ko-KR" sz="1800">
-                <a:latin typeface="맑은 고딕" charset="0"/>
-                <a:ea typeface="맑은 고딕" charset="0"/>
-              </a:rPr>
-              <a:t>Color</a:t>
-            </a:r>
-            <a:r>
-              <a:rPr lang="ko-KR" sz="1800">
-                <a:latin typeface="맑은 고딕" charset="0"/>
-                <a:ea typeface="맑은 고딕" charset="0"/>
-              </a:rPr>
-              <a:t> 값을 설정하고 </a:t>
-            </a:r>
-            <a:r>
-              <a:rPr lang="ko-KR" sz="1800">
-                <a:latin typeface="맑은 고딕" charset="0"/>
-                <a:ea typeface="맑은 고딕" charset="0"/>
-              </a:rPr>
-              <a:t>Intensity</a:t>
-            </a:r>
-            <a:r>
-              <a:rPr lang="ko-KR" sz="1800">
-                <a:latin typeface="맑은 고딕" charset="0"/>
-                <a:ea typeface="맑은 고딕" charset="0"/>
-              </a:rPr>
-              <a:t> </a:t>
-            </a:r>
-            <a:r>
-              <a:rPr lang="ko-KR" sz="1800">
-                <a:latin typeface="맑은 고딕" charset="0"/>
-                <a:ea typeface="맑은 고딕" charset="0"/>
-              </a:rPr>
-              <a:t>값을</a:t>
-            </a:r>
-            <a:r>
-              <a:rPr lang="ko-KR" sz="1800">
-                <a:latin typeface="맑은 고딕" charset="0"/>
-                <a:ea typeface="맑은 고딕" charset="0"/>
-              </a:rPr>
-              <a:t> </a:t>
-            </a:r>
-            <a:r>
-              <a:rPr lang="ko-KR" sz="1800">
-                <a:latin typeface="맑은 고딕" charset="0"/>
-                <a:ea typeface="맑은 고딕" charset="0"/>
-              </a:rPr>
-              <a:t>설정합니다.</a:t>
-            </a:r>
             <a:endParaRPr lang="ko-KR" altLang="en-US" sz="1800">
               <a:latin typeface="맑은 고딕" charset="0"/>
               <a:ea typeface="맑은 고딕" charset="0"/>
@@ -11074,7 +10854,7 @@
         <p:spPr>
           <a:xfrm rot="0">
             <a:off x="6805295" y="5538470"/>
-            <a:ext cx="4169410" cy="677545"/>
+            <a:ext cx="4161155" cy="677545"/>
           </a:xfrm>
           <a:prstGeom prst="rect"/>
           <a:noFill/>
@@ -11101,7 +10881,7 @@
                 <a:latin typeface="맑은 고딕" charset="0"/>
                 <a:ea typeface="맑은 고딕" charset="0"/>
               </a:rPr>
-              <a:t>4</a:t>
+              <a:t>41.</a:t>
             </a:r>
             <a:r>
               <a:rPr lang="ko-KR" sz="2000" b="1">
@@ -11111,26 +10891,6 @@
                 <a:latin typeface="맑은 고딕" charset="0"/>
                 <a:ea typeface="맑은 고딕" charset="0"/>
               </a:rPr>
-              <a:t>4</a:t>
-            </a:r>
-            <a:r>
-              <a:rPr lang="ko-KR" sz="2000" b="1">
-                <a:solidFill>
-                  <a:srgbClr val="0611F2"/>
-                </a:solidFill>
-                <a:latin typeface="맑은 고딕" charset="0"/>
-                <a:ea typeface="맑은 고딕" charset="0"/>
-              </a:rPr>
-              <a:t>.</a:t>
-            </a:r>
-            <a:r>
-              <a:rPr lang="ko-KR" sz="2000" b="1">
-                <a:solidFill>
-                  <a:srgbClr val="0611F2"/>
-                </a:solidFill>
-                <a:latin typeface="맑은 고딕" charset="0"/>
-                <a:ea typeface="맑은 고딕" charset="0"/>
-              </a:rPr>
               <a:t> </a:t>
             </a:r>
             <a:r>
@@ -11138,7 +10898,21 @@
                 <a:latin typeface="맑은 고딕" charset="0"/>
                 <a:ea typeface="맑은 고딕" charset="0"/>
               </a:rPr>
-              <a:t>그다음 Center House 오브젝트의 </a:t>
+              <a:t>그런 다음 Point Light </a:t>
+            </a:r>
+            <a:r>
+              <a:rPr lang="ko-KR" sz="1800">
+                <a:latin typeface="맑은 고딕" charset="0"/>
+                <a:ea typeface="맑은 고딕" charset="0"/>
+              </a:rPr>
+              <a:t>오브젝트의</a:t>
+            </a:r>
+            <a:r>
+              <a:rPr lang="ko-KR" sz="1800">
+                <a:latin typeface="맑은 고딕" charset="0"/>
+                <a:ea typeface="맑은 고딕" charset="0"/>
+              </a:rPr>
+              <a:t> </a:t>
             </a:r>
             <a:r>
               <a:rPr lang="ko-KR" sz="1800">
@@ -11152,7 +10926,42 @@
                 <a:latin typeface="맑은 고딕" charset="0"/>
                 <a:ea typeface="맑은 고딕" charset="0"/>
               </a:rPr>
-              <a:t> 회전 값을 설정합니다.</a:t>
+              <a:t> </a:t>
+            </a:r>
+            <a:r>
+              <a:rPr lang="ko-KR" sz="1800">
+                <a:latin typeface="맑은 고딕" charset="0"/>
+                <a:ea typeface="맑은 고딕" charset="0"/>
+              </a:rPr>
+              <a:t>회전</a:t>
+            </a:r>
+            <a:r>
+              <a:rPr lang="ko-KR" sz="1800">
+                <a:latin typeface="맑은 고딕" charset="0"/>
+                <a:ea typeface="맑은 고딕" charset="0"/>
+              </a:rPr>
+              <a:t> </a:t>
+            </a:r>
+            <a:r>
+              <a:rPr lang="ko-KR" sz="1800">
+                <a:latin typeface="맑은 고딕" charset="0"/>
+                <a:ea typeface="맑은 고딕" charset="0"/>
+              </a:rPr>
+              <a:t>값을</a:t>
+            </a:r>
+            <a:r>
+              <a:rPr lang="ko-KR" sz="1800">
+                <a:latin typeface="맑은 고딕" charset="0"/>
+                <a:ea typeface="맑은 고딕" charset="0"/>
+              </a:rPr>
+              <a:t> </a:t>
+            </a:r>
+            <a:r>
+              <a:rPr lang="ko-KR" sz="1800">
+                <a:latin typeface="맑은 고딕" charset="0"/>
+                <a:ea typeface="맑은 고딕" charset="0"/>
+              </a:rPr>
+              <a:t>설정합니다.</a:t>
             </a:r>
             <a:endParaRPr lang="ko-KR" altLang="en-US" sz="1800">
               <a:latin typeface="맑은 고딕" charset="0"/>
@@ -11161,19 +10970,111 @@
           </a:p>
         </p:txBody>
       </p:sp>
+      <p:sp>
+        <p:nvSpPr>
+          <p:cNvPr id="1228" name="텍스트 상자 4"/>
+          <p:cNvSpPr txBox="1">
+            <a:spLocks/>
+          </p:cNvSpPr>
+          <p:nvPr/>
+        </p:nvSpPr>
+        <p:spPr>
+          <a:xfrm rot="0">
+            <a:off x="6813550" y="3094355"/>
+            <a:ext cx="4144010" cy="677545"/>
+          </a:xfrm>
+          <a:prstGeom prst="rect"/>
+          <a:noFill/>
+          <a:ln w="0">
+            <a:noFill/>
+            <a:prstDash/>
+          </a:ln>
+        </p:spPr>
+        <p:txBody>
+          <a:bodyPr wrap="square" lIns="89535" tIns="46355" rIns="89535" bIns="46355" numCol="1" vert="horz" anchor="t">
+            <a:spAutoFit/>
+          </a:bodyPr>
+          <a:lstStyle/>
+          <a:p>
+            <a:pPr marL="0" indent="0" algn="l" latinLnBrk="0" hangingPunct="1">
+              <a:buFontTx/>
+              <a:buNone/>
+            </a:pPr>
+            <a:r>
+              <a:rPr lang="ko-KR" sz="2000" b="1">
+                <a:solidFill>
+                  <a:srgbClr val="0611F2"/>
+                </a:solidFill>
+                <a:latin typeface="맑은 고딕" charset="0"/>
+                <a:ea typeface="맑은 고딕" charset="0"/>
+              </a:rPr>
+              <a:t>40.</a:t>
+            </a:r>
+            <a:r>
+              <a:rPr lang="ko-KR" sz="2000" b="1">
+                <a:solidFill>
+                  <a:srgbClr val="0611F2"/>
+                </a:solidFill>
+                <a:latin typeface="맑은 고딕" charset="0"/>
+                <a:ea typeface="맑은 고딕" charset="0"/>
+              </a:rPr>
+              <a:t> </a:t>
+            </a:r>
+            <a:r>
+              <a:rPr lang="ko-KR" sz="1800">
+                <a:latin typeface="맑은 고딕" charset="0"/>
+                <a:ea typeface="맑은 고딕" charset="0"/>
+              </a:rPr>
+              <a:t>그리고 Area Light </a:t>
+            </a:r>
+            <a:r>
+              <a:rPr lang="ko-KR" sz="1800">
+                <a:latin typeface="맑은 고딕" charset="0"/>
+                <a:ea typeface="맑은 고딕" charset="0"/>
+              </a:rPr>
+              <a:t>오브젝트의 </a:t>
+            </a:r>
+            <a:r>
+              <a:rPr lang="ko-KR" sz="1800">
+                <a:latin typeface="맑은 고딕" charset="0"/>
+                <a:ea typeface="맑은 고딕" charset="0"/>
+              </a:rPr>
+              <a:t>위치와</a:t>
+            </a:r>
+            <a:r>
+              <a:rPr lang="ko-KR" sz="1800">
+                <a:latin typeface="맑은 고딕" charset="0"/>
+                <a:ea typeface="맑은 고딕" charset="0"/>
+              </a:rPr>
+              <a:t> 회전 값을 설정합니</a:t>
+            </a:r>
+            <a:r>
+              <a:rPr lang="ko-KR" sz="1800">
+                <a:latin typeface="맑은 고딕" charset="0"/>
+                <a:ea typeface="맑은 고딕" charset="0"/>
+              </a:rPr>
+              <a:t>다.</a:t>
+            </a:r>
+            <a:endParaRPr lang="ko-KR" altLang="en-US" sz="1800">
+              <a:latin typeface="맑은 고딕" charset="0"/>
+              <a:ea typeface="맑은 고딕" charset="0"/>
+            </a:endParaRPr>
+          </a:p>
+        </p:txBody>
+      </p:sp>
       <p:pic>
         <p:nvPicPr>
-          <p:cNvPr id="1221" name="그림 28" descr="C:/Users/Admin1/AppData/Roaming/PolarisOffice/ETemp/1284_18416448/fImage201813301478.png"/>
+          <p:cNvPr id="1229" name="그림 5" descr="C:/Users/Admin1/AppData/Roaming/PolarisOffice/ETemp/26084_16904392/fImage104272846500.png"/>
           <p:cNvPicPr>
             <a:picLocks noChangeAspect="1"/>
           </p:cNvPicPr>
           <p:nvPr/>
         </p:nvPicPr>
         <p:blipFill rotWithShape="1">
-          <a:blip r:embed="rId2" cstate="hqprint">
+          <a:blip r:embed="rId7" cstate="print">
             <a:extLst>
               <a:ext uri="{28A0092B-C50C-407E-A947-70E740481C1C}">
-                <a14:useLocalDpi xmlns:a14="http://schemas.microsoft.com/office/drawing/2010/main"/>
+                <a14:useLocalDpi xmlns:a14="http://schemas.microsoft.com/office/drawing/2010/main" val="0"/>
               </a:ext>
             </a:extLst>
           </a:blip>
@@ -11183,8 +11084,8 @@
         </p:blipFill>
         <p:spPr>
           <a:xfrm rot="0">
-            <a:off x="1252220" y="1454785"/>
-            <a:ext cx="4144010" cy="3655695"/>
+            <a:off x="6814185" y="3875405"/>
+            <a:ext cx="4143375" cy="1560195"/>
           </a:xfrm>
           <a:prstGeom prst="roundRect"/>
           <a:solidFill>
@@ -11194,17 +11095,17 @@
       </p:pic>
       <p:pic>
         <p:nvPicPr>
-          <p:cNvPr id="1222" name="그림 33" descr="C:/Users/Admin1/AppData/Roaming/PolarisOffice/ETemp/1284_18416448/fImage112893339358.png"/>
+          <p:cNvPr id="1230" name="그림 14" descr="C:/Users/Admin1/AppData/Roaming/PolarisOffice/ETemp/26084_16904392/fImage105942879169.png"/>
           <p:cNvPicPr>
             <a:picLocks noChangeAspect="1"/>
           </p:cNvPicPr>
           <p:nvPr/>
         </p:nvPicPr>
         <p:blipFill rotWithShape="1">
-          <a:blip r:embed="rId3" cstate="hqprint">
+          <a:blip r:embed="rId8" cstate="print">
             <a:extLst>
               <a:ext uri="{28A0092B-C50C-407E-A947-70E740481C1C}">
-                <a14:useLocalDpi xmlns:a14="http://schemas.microsoft.com/office/drawing/2010/main"/>
+                <a14:useLocalDpi xmlns:a14="http://schemas.microsoft.com/office/drawing/2010/main" val="0"/>
               </a:ext>
             </a:extLst>
           </a:blip>
@@ -11214,8 +11115,8 @@
         </p:blipFill>
         <p:spPr>
           <a:xfrm rot="0">
-            <a:off x="6808470" y="1437640"/>
-            <a:ext cx="1254760" cy="1132205"/>
+            <a:off x="6813550" y="1457960"/>
+            <a:ext cx="4135120" cy="1548765"/>
           </a:xfrm>
           <a:prstGeom prst="roundRect"/>
           <a:solidFill>
@@ -11223,19 +11124,187 @@
           </a:solidFill>
         </p:spPr>
       </p:pic>
+      <p:sp>
+        <p:nvSpPr>
+          <p:cNvPr id="1231" name="텍스트 상자 17"/>
+          <p:cNvSpPr txBox="1">
+            <a:spLocks/>
+          </p:cNvSpPr>
+          <p:nvPr/>
+        </p:nvSpPr>
+        <p:spPr>
+          <a:xfrm rot="0">
+            <a:off x="1249680" y="4422775"/>
+            <a:ext cx="4126230" cy="1784985"/>
+          </a:xfrm>
+          <a:prstGeom prst="rect"/>
+          <a:noFill/>
+          <a:ln w="0">
+            <a:noFill/>
+            <a:prstDash/>
+          </a:ln>
+        </p:spPr>
+        <p:txBody>
+          <a:bodyPr wrap="square" lIns="89535" tIns="46355" rIns="89535" bIns="46355" numCol="1" vert="horz" anchor="t">
+            <a:spAutoFit/>
+          </a:bodyPr>
+          <a:lstStyle/>
+          <a:p>
+            <a:pPr marL="0" indent="0" algn="l" latinLnBrk="0" hangingPunct="1">
+              <a:buFontTx/>
+              <a:buNone/>
+            </a:pPr>
+            <a:r>
+              <a:rPr lang="ko-KR" sz="2000" b="1">
+                <a:solidFill>
+                  <a:srgbClr val="0611F2"/>
+                </a:solidFill>
+                <a:latin typeface="맑은 고딕" charset="0"/>
+                <a:ea typeface="맑은 고딕" charset="0"/>
+              </a:rPr>
+              <a:t>39.</a:t>
+            </a:r>
+            <a:r>
+              <a:rPr lang="ko-KR" sz="2000" b="1">
+                <a:solidFill>
+                  <a:srgbClr val="0611F2"/>
+                </a:solidFill>
+                <a:latin typeface="맑은 고딕" charset="0"/>
+                <a:ea typeface="맑은 고딕" charset="0"/>
+              </a:rPr>
+              <a:t> </a:t>
+            </a:r>
+            <a:r>
+              <a:rPr lang="ko-KR" sz="1800">
+                <a:latin typeface="맑은 고딕" charset="0"/>
+                <a:ea typeface="맑은 고딕" charset="0"/>
+              </a:rPr>
+              <a:t>그러고 나서 Spot Light </a:t>
+            </a:r>
+            <a:r>
+              <a:rPr lang="ko-KR" sz="1800">
+                <a:latin typeface="맑은 고딕" charset="0"/>
+                <a:ea typeface="맑은 고딕" charset="0"/>
+              </a:rPr>
+              <a:t>오브젝트의</a:t>
+            </a:r>
+            <a:r>
+              <a:rPr lang="ko-KR" sz="1800">
+                <a:latin typeface="맑은 고딕" charset="0"/>
+                <a:ea typeface="맑은 고딕" charset="0"/>
+              </a:rPr>
+              <a:t> </a:t>
+            </a:r>
+            <a:r>
+              <a:rPr lang="ko-KR" sz="1800">
+                <a:latin typeface="맑은 고딕" charset="0"/>
+                <a:ea typeface="맑은 고딕" charset="0"/>
+              </a:rPr>
+              <a:t>Height와 </a:t>
+            </a:r>
+            <a:r>
+              <a:rPr lang="ko-KR" sz="1800">
+                <a:latin typeface="맑은 고딕" charset="0"/>
+                <a:ea typeface="맑은 고딕" charset="0"/>
+              </a:rPr>
+              <a:t>Width 값을 </a:t>
+            </a:r>
+            <a:r>
+              <a:rPr lang="ko-KR" sz="1800">
+                <a:latin typeface="맑은 고딕" charset="0"/>
+                <a:ea typeface="맑은 고딕" charset="0"/>
+              </a:rPr>
+              <a:t>설정합니다.</a:t>
+            </a:r>
+            <a:endParaRPr lang="ko-KR" altLang="en-US" sz="1800">
+              <a:latin typeface="맑은 고딕" charset="0"/>
+              <a:ea typeface="맑은 고딕" charset="0"/>
+            </a:endParaRPr>
+          </a:p>
+          <a:p>
+            <a:pPr marL="0" indent="0" algn="l" latinLnBrk="0" hangingPunct="1">
+              <a:buFontTx/>
+              <a:buNone/>
+            </a:pPr>
+            <a:endParaRPr lang="ko-KR" altLang="en-US" sz="1800">
+              <a:latin typeface="맑은 고딕" charset="0"/>
+              <a:ea typeface="맑은 고딕" charset="0"/>
+            </a:endParaRPr>
+          </a:p>
+          <a:p>
+            <a:pPr marL="0" indent="0" algn="l" latinLnBrk="0" hangingPunct="1">
+              <a:buFontTx/>
+              <a:buNone/>
+            </a:pPr>
+            <a:r>
+              <a:rPr lang="ko-KR" sz="1800">
+                <a:latin typeface="맑은 고딕" charset="0"/>
+                <a:ea typeface="맑은 고딕" charset="0"/>
+              </a:rPr>
+              <a:t>이제</a:t>
+            </a:r>
+            <a:r>
+              <a:rPr lang="ko-KR" sz="1800">
+                <a:latin typeface="맑은 고딕" charset="0"/>
+                <a:ea typeface="맑은 고딕" charset="0"/>
+              </a:rPr>
+              <a:t> </a:t>
+            </a:r>
+            <a:r>
+              <a:rPr lang="ko-KR" sz="1800">
+                <a:latin typeface="맑은 고딕" charset="0"/>
+                <a:ea typeface="맑은 고딕" charset="0"/>
+              </a:rPr>
+              <a:t>Color 값을 설정한 다음 Range</a:t>
+            </a:r>
+            <a:r>
+              <a:rPr lang="ko-KR" sz="1800">
+                <a:latin typeface="맑은 고딕" charset="0"/>
+                <a:ea typeface="맑은 고딕" charset="0"/>
+              </a:rPr>
+              <a:t> </a:t>
+            </a:r>
+            <a:r>
+              <a:rPr lang="ko-KR" sz="1800">
+                <a:latin typeface="맑은 고딕" charset="0"/>
+                <a:ea typeface="맑은 고딕" charset="0"/>
+              </a:rPr>
+              <a:t>값</a:t>
+            </a:r>
+            <a:r>
+              <a:rPr lang="ko-KR" sz="1800">
+                <a:latin typeface="맑은 고딕" charset="0"/>
+                <a:ea typeface="맑은 고딕" charset="0"/>
+              </a:rPr>
+              <a:t>을</a:t>
+            </a:r>
+            <a:r>
+              <a:rPr lang="ko-KR" sz="1800">
+                <a:latin typeface="맑은 고딕" charset="0"/>
+                <a:ea typeface="맑은 고딕" charset="0"/>
+              </a:rPr>
+              <a:t> 15로 설정합니다.</a:t>
+            </a:r>
+            <a:endParaRPr lang="ko-KR" altLang="en-US" sz="1800">
+              <a:latin typeface="맑은 고딕" charset="0"/>
+              <a:ea typeface="맑은 고딕" charset="0"/>
+            </a:endParaRPr>
+          </a:p>
+        </p:txBody>
+      </p:sp>
       <p:pic>
         <p:nvPicPr>
-          <p:cNvPr id="1223" name="그림 34" descr="C:/Users/Admin1/AppData/Roaming/PolarisOffice/ETemp/1284_18416448/fImage483573346962.png"/>
+          <p:cNvPr id="1232" name="그림 18" descr="C:/Users/Admin1/AppData/Roaming/PolarisOffice/ETemp/26084_16904392/fImage162692895724.png"/>
           <p:cNvPicPr>
             <a:picLocks noChangeAspect="1"/>
           </p:cNvPicPr>
           <p:nvPr/>
         </p:nvPicPr>
         <p:blipFill rotWithShape="1">
-          <a:blip r:embed="rId4" cstate="hqprint">
+          <a:blip r:embed="rId9" cstate="print">
             <a:extLst>
               <a:ext uri="{28A0092B-C50C-407E-A947-70E740481C1C}">
-                <a14:useLocalDpi xmlns:a14="http://schemas.microsoft.com/office/drawing/2010/main"/>
+                <a14:useLocalDpi xmlns:a14="http://schemas.microsoft.com/office/drawing/2010/main" val="0"/>
               </a:ext>
             </a:extLst>
           </a:blip>
@@ -11245,222 +11314,8 @@
         </p:blipFill>
         <p:spPr>
           <a:xfrm rot="0">
-            <a:off x="8174355" y="1445895"/>
-            <a:ext cx="2789555" cy="1121410"/>
-          </a:xfrm>
-          <a:prstGeom prst="roundRect"/>
-          <a:solidFill>
-            <a:srgbClr val="EDEDED"/>
-          </a:solidFill>
-        </p:spPr>
-      </p:pic>
-      <p:cxnSp>
-        <p:nvCxnSpPr>
-          <p:cNvPr id="1224" name="도형 37"/>
-          <p:cNvCxnSpPr/>
-          <p:nvPr/>
-        </p:nvCxnSpPr>
-        <p:spPr>
-          <a:xfrm rot="0" flipH="1">
-            <a:off x="7769860" y="2084705"/>
-            <a:ext cx="474345" cy="379095"/>
-          </a:xfrm>
-          <a:prstGeom prst="straightConnector1"/>
-          <a:ln w="6350" cap="flat" cmpd="sng">
-            <a:prstDash/>
-            <a:tailEnd type="triangle" w="med" len="med"/>
-          </a:ln>
-        </p:spPr>
-        <p:style>
-          <a:lnRef idx="1">
-            <a:schemeClr val="accent1"/>
-          </a:lnRef>
-          <a:fillRef idx="0">
-            <a:schemeClr val="accent1"/>
-          </a:fillRef>
-          <a:effectRef idx="0">
-            <a:schemeClr val="accent1"/>
-          </a:effectRef>
-          <a:fontRef idx="minor">
-            <a:schemeClr val="tx1"/>
-          </a:fontRef>
-        </p:style>
-      </p:cxnSp>
-      <p:sp>
-        <p:nvSpPr>
-          <p:cNvPr id="1225" name="텍스트 상자 38"/>
-          <p:cNvSpPr txBox="1">
-            <a:spLocks/>
-          </p:cNvSpPr>
-          <p:nvPr/>
-        </p:nvSpPr>
-        <p:spPr>
-          <a:xfrm rot="0">
-            <a:off x="6808470" y="2677795"/>
-            <a:ext cx="4164330" cy="923925"/>
-          </a:xfrm>
-          <a:prstGeom prst="rect"/>
-          <a:noFill/>
-          <a:ln w="0">
-            <a:noFill/>
-            <a:prstDash/>
-          </a:ln>
-        </p:spPr>
-        <p:txBody>
-          <a:bodyPr wrap="square" lIns="89535" tIns="46355" rIns="89535" bIns="46355" numCol="1" vert="horz" anchor="t">
-            <a:spAutoFit/>
-          </a:bodyPr>
-          <a:lstStyle/>
-          <a:p>
-            <a:pPr marL="0" indent="0" rtl="0" algn="l" defTabSz="914400" eaLnBrk="1" latinLnBrk="0" hangingPunct="1">
-              <a:buFontTx/>
-              <a:buNone/>
-            </a:pPr>
-            <a:r>
-              <a:rPr lang="ko-KR" sz="1800" b="1">
-                <a:solidFill>
-                  <a:srgbClr val="0611F2"/>
-                </a:solidFill>
-                <a:latin typeface="맑은 고딕" charset="0"/>
-                <a:ea typeface="맑은 고딕" charset="0"/>
-              </a:rPr>
-              <a:t>4</a:t>
-            </a:r>
-            <a:r>
-              <a:rPr lang="ko-KR" sz="1800" b="1">
-                <a:solidFill>
-                  <a:srgbClr val="0611F2"/>
-                </a:solidFill>
-                <a:latin typeface="맑은 고딕" charset="0"/>
-                <a:ea typeface="맑은 고딕" charset="0"/>
-              </a:rPr>
-              <a:t>3</a:t>
-            </a:r>
-            <a:r>
-              <a:rPr sz="1800" b="1">
-                <a:solidFill>
-                  <a:srgbClr val="0611F2"/>
-                </a:solidFill>
-                <a:latin typeface="맑은 고딕" charset="0"/>
-                <a:ea typeface="맑은 고딕" charset="0"/>
-              </a:rPr>
-              <a:t>.</a:t>
-            </a:r>
-            <a:r>
-              <a:rPr sz="1800">
-                <a:latin typeface="맑은 고딕" charset="0"/>
-                <a:ea typeface="맑은 고딕" charset="0"/>
-              </a:rPr>
-              <a:t> </a:t>
-            </a:r>
-            <a:r>
-              <a:rPr lang="ko-KR" sz="1800">
-                <a:latin typeface="맑은 고딕" charset="0"/>
-                <a:ea typeface="맑은 고딕" charset="0"/>
-              </a:rPr>
-              <a:t>그런 다음 Project 폴더에 있는 </a:t>
-            </a:r>
-            <a:r>
-              <a:rPr lang="ko-KR" sz="1800">
-                <a:latin typeface="맑은 고딕" charset="0"/>
-                <a:ea typeface="맑은 고딕" charset="0"/>
-              </a:rPr>
-              <a:t>Texture</a:t>
-            </a:r>
-            <a:r>
-              <a:rPr lang="ko-KR" sz="1800">
-                <a:latin typeface="맑은 고딕" charset="0"/>
-                <a:ea typeface="맑은 고딕" charset="0"/>
-              </a:rPr>
-              <a:t> </a:t>
-            </a:r>
-            <a:r>
-              <a:rPr lang="ko-KR" sz="1800">
-                <a:latin typeface="맑은 고딕" charset="0"/>
-                <a:ea typeface="맑은 고딕" charset="0"/>
-              </a:rPr>
-              <a:t>폴더에</a:t>
-            </a:r>
-            <a:r>
-              <a:rPr lang="ko-KR" sz="1800">
-                <a:latin typeface="맑은 고딕" charset="0"/>
-                <a:ea typeface="맑은 고딕" charset="0"/>
-              </a:rPr>
-              <a:t> House 텍스처를 </a:t>
-            </a:r>
-            <a:r>
-              <a:rPr lang="ko-KR" sz="1800">
-                <a:latin typeface="맑은 고딕" charset="0"/>
-                <a:ea typeface="맑은 고딕" charset="0"/>
-              </a:rPr>
-              <a:t>Center</a:t>
-            </a:r>
-            <a:r>
-              <a:rPr lang="ko-KR" sz="1800">
-                <a:latin typeface="맑은 고딕" charset="0"/>
-                <a:ea typeface="맑은 고딕" charset="0"/>
-              </a:rPr>
-              <a:t> </a:t>
-            </a:r>
-            <a:r>
-              <a:rPr lang="ko-KR" sz="1800">
-                <a:latin typeface="맑은 고딕" charset="0"/>
-                <a:ea typeface="맑은 고딕" charset="0"/>
-              </a:rPr>
-              <a:t>House</a:t>
-            </a:r>
-            <a:r>
-              <a:rPr lang="ko-KR" sz="1800">
-                <a:latin typeface="맑은 고딕" charset="0"/>
-                <a:ea typeface="맑은 고딕" charset="0"/>
-              </a:rPr>
-              <a:t> </a:t>
-            </a:r>
-            <a:r>
-              <a:rPr lang="ko-KR" sz="1800">
-                <a:latin typeface="맑은 고딕" charset="0"/>
-                <a:ea typeface="맑은 고딕" charset="0"/>
-              </a:rPr>
-              <a:t>오브젝트에</a:t>
-            </a:r>
-            <a:r>
-              <a:rPr lang="ko-KR" sz="1800">
-                <a:latin typeface="맑은 고딕" charset="0"/>
-                <a:ea typeface="맑은 고딕" charset="0"/>
-              </a:rPr>
-              <a:t> 넣어줍니다.</a:t>
-            </a:r>
-            <a:endParaRPr lang="ko-KR" altLang="en-US" sz="1800">
-              <a:latin typeface="맑은 고딕" charset="0"/>
-              <a:ea typeface="맑은 고딕" charset="0"/>
-            </a:endParaRPr>
-          </a:p>
-        </p:txBody>
-      </p:sp>
-      <p:pic>
-        <p:nvPicPr>
-          <p:cNvPr id="1226" name="그림 39" descr="C:/Users/Admin1/AppData/Roaming/PolarisOffice/ETemp/1284_18416448/fImage157213374464.png"/>
-          <p:cNvPicPr>
-            <a:picLocks noChangeAspect="1"/>
-          </p:cNvPicPr>
-          <p:nvPr/>
-        </p:nvPicPr>
-        <p:blipFill rotWithShape="1">
-          <a:blip r:embed="rId5" cstate="hqprint">
-            <a:extLst>
-              <a:ext uri="{28A0092B-C50C-407E-A947-70E740481C1C}">
-                <a14:useLocalDpi xmlns:a14="http://schemas.microsoft.com/office/drawing/2010/main"/>
-              </a:ext>
-            </a:extLst>
-          </a:blip>
-          <a:stretch>
-            <a:fillRect/>
-          </a:stretch>
-        </p:blipFill>
-        <p:spPr>
-          <a:xfrm rot="0">
-            <a:off x="6802755" y="3738245"/>
-            <a:ext cx="4152265" cy="1692275"/>
+            <a:off x="1249680" y="1447165"/>
+            <a:ext cx="4126230" cy="2791460"/>
           </a:xfrm>
           <a:prstGeom prst="roundRect"/>
           <a:solidFill>
@@ -11546,732 +11401,6 @@
                 <a:latin typeface="나눔바른고딕" charset="0"/>
                 <a:ea typeface="나눔바른고딕" charset="0"/>
               </a:rPr>
-              <a:t>열여섯</a:t>
-            </a:r>
-            <a:r>
-              <a:rPr lang="ko-KR" altLang="en-US" sz="2500" b="1">
-                <a:solidFill>
-                  <a:schemeClr val="tx1"/>
-                </a:solidFill>
-                <a:latin typeface="나눔바른고딕" charset="0"/>
-                <a:ea typeface="나눔바른고딕" charset="0"/>
-              </a:rPr>
-              <a:t> 번째 튜토리얼</a:t>
-            </a:r>
-            <a:endParaRPr lang="ko-KR" altLang="en-US" sz="2500" b="1">
-              <a:solidFill>
-                <a:schemeClr val="tx1"/>
-              </a:solidFill>
-              <a:latin typeface="나눔바른고딕" charset="0"/>
-              <a:ea typeface="나눔바른고딕" charset="0"/>
-            </a:endParaRPr>
-          </a:p>
-        </p:txBody>
-      </p:sp>
-      <p:sp>
-        <p:nvSpPr>
-          <p:cNvPr id="1210" name="Rect 0"/>
-          <p:cNvSpPr txBox="1">
-            <a:spLocks/>
-          </p:cNvSpPr>
-          <p:nvPr/>
-        </p:nvSpPr>
-        <p:spPr>
-          <a:xfrm>
-            <a:off x="1246505" y="5534660"/>
-            <a:ext cx="4130040" cy="677545"/>
-          </a:xfrm>
-          <a:prstGeom prst="rect"/>
-          <a:noFill/>
-          <a:ln w="0">
-            <a:noFill/>
-            <a:prstDash/>
-          </a:ln>
-        </p:spPr>
-        <p:txBody>
-          <a:bodyPr wrap="square" lIns="89535" tIns="46355" rIns="89535" bIns="46355" numCol="1" vert="horz" anchor="t">
-            <a:spAutoFit/>
-          </a:bodyPr>
-          <a:lstStyle/>
-          <a:p>
-            <a:pPr marL="0" indent="0" algn="l" latinLnBrk="0" hangingPunct="1">
-              <a:buFontTx/>
-              <a:buNone/>
-            </a:pPr>
-            <a:r>
-              <a:rPr lang="ko-KR" sz="2000" b="1">
-                <a:solidFill>
-                  <a:srgbClr val="0611F2"/>
-                </a:solidFill>
-                <a:latin typeface="맑은 고딕" charset="0"/>
-                <a:ea typeface="맑은 고딕" charset="0"/>
-              </a:rPr>
-              <a:t>46.</a:t>
-            </a:r>
-            <a:r>
-              <a:rPr lang="ko-KR" sz="2000" b="1">
-                <a:solidFill>
-                  <a:srgbClr val="0611F2"/>
-                </a:solidFill>
-                <a:latin typeface="맑은 고딕" charset="0"/>
-                <a:ea typeface="맑은 고딕" charset="0"/>
-              </a:rPr>
-              <a:t> </a:t>
-            </a:r>
-            <a:r>
-              <a:rPr lang="ko-KR" sz="1800">
-                <a:latin typeface="맑은 고딕" charset="0"/>
-                <a:ea typeface="맑은 고딕" charset="0"/>
-              </a:rPr>
-              <a:t>이제 Right House 오브젝트의 </a:t>
-            </a:r>
-            <a:r>
-              <a:rPr lang="ko-KR" sz="1800">
-                <a:latin typeface="맑은 고딕" charset="0"/>
-                <a:ea typeface="맑은 고딕" charset="0"/>
-              </a:rPr>
-              <a:t>위치와</a:t>
-            </a:r>
-            <a:r>
-              <a:rPr lang="ko-KR" sz="1800">
-                <a:latin typeface="맑은 고딕" charset="0"/>
-                <a:ea typeface="맑은 고딕" charset="0"/>
-              </a:rPr>
-              <a:t> </a:t>
-            </a:r>
-            <a:r>
-              <a:rPr lang="ko-KR" sz="1800">
-                <a:latin typeface="맑은 고딕" charset="0"/>
-                <a:ea typeface="맑은 고딕" charset="0"/>
-              </a:rPr>
-              <a:t>회전</a:t>
-            </a:r>
-            <a:r>
-              <a:rPr lang="ko-KR" sz="1800">
-                <a:latin typeface="맑은 고딕" charset="0"/>
-                <a:ea typeface="맑은 고딕" charset="0"/>
-              </a:rPr>
-              <a:t> 값을 설정합니다.</a:t>
-            </a:r>
-            <a:endParaRPr lang="ko-KR" altLang="en-US" sz="1800">
-              <a:latin typeface="맑은 고딕" charset="0"/>
-              <a:ea typeface="맑은 고딕" charset="0"/>
-            </a:endParaRPr>
-          </a:p>
-        </p:txBody>
-      </p:sp>
-      <p:sp>
-        <p:nvSpPr>
-          <p:cNvPr id="1220" name="Rect 0"/>
-          <p:cNvSpPr txBox="1">
-            <a:spLocks/>
-          </p:cNvSpPr>
-          <p:nvPr/>
-        </p:nvSpPr>
-        <p:spPr>
-          <a:xfrm>
-            <a:off x="6807835" y="5538470"/>
-            <a:ext cx="4141470" cy="677545"/>
-          </a:xfrm>
-          <a:prstGeom prst="rect"/>
-          <a:noFill/>
-          <a:ln w="0">
-            <a:noFill/>
-            <a:prstDash/>
-          </a:ln>
-        </p:spPr>
-        <p:txBody>
-          <a:bodyPr wrap="square" lIns="89535" tIns="46355" rIns="89535" bIns="46355" numCol="1" vert="horz" anchor="t">
-            <a:spAutoFit/>
-          </a:bodyPr>
-          <a:lstStyle/>
-          <a:p>
-            <a:pPr marL="0" indent="0" algn="l" latinLnBrk="0" hangingPunct="1">
-              <a:buFontTx/>
-              <a:buNone/>
-            </a:pPr>
-            <a:r>
-              <a:rPr lang="ko-KR" sz="2000" b="1">
-                <a:solidFill>
-                  <a:srgbClr val="0611F2"/>
-                </a:solidFill>
-                <a:latin typeface="맑은 고딕" charset="0"/>
-                <a:ea typeface="맑은 고딕" charset="0"/>
-              </a:rPr>
-              <a:t>48.</a:t>
-            </a:r>
-            <a:r>
-              <a:rPr lang="ko-KR" sz="2000" b="1">
-                <a:solidFill>
-                  <a:srgbClr val="0611F2"/>
-                </a:solidFill>
-                <a:latin typeface="맑은 고딕" charset="0"/>
-                <a:ea typeface="맑은 고딕" charset="0"/>
-              </a:rPr>
-              <a:t> </a:t>
-            </a:r>
-            <a:r>
-              <a:rPr lang="ko-KR" sz="1800">
-                <a:latin typeface="맑은 고딕" charset="0"/>
-                <a:ea typeface="맑은 고딕" charset="0"/>
-              </a:rPr>
-              <a:t>그런 다음 Left House 오브젝트의 </a:t>
-            </a:r>
-            <a:r>
-              <a:rPr lang="ko-KR" sz="1800">
-                <a:latin typeface="맑은 고딕" charset="0"/>
-                <a:ea typeface="맑은 고딕" charset="0"/>
-              </a:rPr>
-              <a:t>위치와</a:t>
-            </a:r>
-            <a:r>
-              <a:rPr lang="ko-KR" sz="1800">
-                <a:latin typeface="맑은 고딕" charset="0"/>
-                <a:ea typeface="맑은 고딕" charset="0"/>
-              </a:rPr>
-              <a:t> 회전 값을 설정합니다.</a:t>
-            </a:r>
-            <a:endParaRPr lang="ko-KR" altLang="en-US" sz="1800">
-              <a:latin typeface="맑은 고딕" charset="0"/>
-              <a:ea typeface="맑은 고딕" charset="0"/>
-            </a:endParaRPr>
-          </a:p>
-        </p:txBody>
-      </p:sp>
-      <p:sp>
-        <p:nvSpPr>
-          <p:cNvPr id="1225" name="Rect 0"/>
-          <p:cNvSpPr txBox="1">
-            <a:spLocks/>
-          </p:cNvSpPr>
-          <p:nvPr/>
-        </p:nvSpPr>
-        <p:spPr>
-          <a:xfrm rot="0">
-            <a:off x="6808470" y="2668905"/>
-            <a:ext cx="4149725" cy="1231265"/>
-          </a:xfrm>
-          <a:prstGeom prst="rect"/>
-          <a:noFill/>
-          <a:ln w="0">
-            <a:noFill/>
-            <a:prstDash/>
-          </a:ln>
-        </p:spPr>
-        <p:txBody>
-          <a:bodyPr wrap="square" lIns="89535" tIns="46355" rIns="89535" bIns="46355" numCol="1" vert="horz" anchor="t">
-            <a:spAutoFit/>
-          </a:bodyPr>
-          <a:lstStyle/>
-          <a:p>
-            <a:pPr marL="0" indent="0" algn="l" latinLnBrk="0" hangingPunct="1">
-              <a:buFontTx/>
-              <a:buNone/>
-            </a:pPr>
-            <a:r>
-              <a:rPr lang="ko-KR" sz="2000" b="1">
-                <a:solidFill>
-                  <a:srgbClr val="0611F2"/>
-                </a:solidFill>
-                <a:latin typeface="맑은 고딕" charset="0"/>
-                <a:ea typeface="맑은 고딕" charset="0"/>
-              </a:rPr>
-              <a:t>47.</a:t>
-            </a:r>
-            <a:r>
-              <a:rPr lang="ko-KR" sz="2000" b="1">
-                <a:solidFill>
-                  <a:srgbClr val="0611F2"/>
-                </a:solidFill>
-                <a:latin typeface="맑은 고딕" charset="0"/>
-                <a:ea typeface="맑은 고딕" charset="0"/>
-              </a:rPr>
-              <a:t> </a:t>
-            </a:r>
-            <a:r>
-              <a:rPr lang="ko-KR" sz="1800">
-                <a:latin typeface="맑은 고딕" charset="0"/>
-                <a:ea typeface="맑은 고딕" charset="0"/>
-              </a:rPr>
-              <a:t>그리고 Project 폴더 아래에 있는 </a:t>
-            </a:r>
-            <a:r>
-              <a:rPr lang="ko-KR" sz="1800">
-                <a:latin typeface="맑은 고딕" charset="0"/>
-                <a:ea typeface="맑은 고딕" charset="0"/>
-              </a:rPr>
-              <a:t>Model</a:t>
-            </a:r>
-            <a:r>
-              <a:rPr lang="ko-KR" sz="1800">
-                <a:latin typeface="맑은 고딕" charset="0"/>
-                <a:ea typeface="맑은 고딕" charset="0"/>
-              </a:rPr>
-              <a:t> 폴더에 House 오브젝트를 월드 </a:t>
-            </a:r>
-            <a:r>
-              <a:rPr lang="ko-KR" sz="1800">
-                <a:latin typeface="맑은 고딕" charset="0"/>
-                <a:ea typeface="맑은 고딕" charset="0"/>
-              </a:rPr>
-              <a:t>공간에</a:t>
-            </a:r>
-            <a:r>
-              <a:rPr lang="ko-KR" sz="1800">
-                <a:latin typeface="맑은 고딕" charset="0"/>
-                <a:ea typeface="맑은 고딕" charset="0"/>
-              </a:rPr>
-              <a:t> 배치한 다음 Left House라는 </a:t>
-            </a:r>
-            <a:r>
-              <a:rPr lang="ko-KR" sz="1800">
-                <a:latin typeface="맑은 고딕" charset="0"/>
-                <a:ea typeface="맑은 고딕" charset="0"/>
-              </a:rPr>
-              <a:t>이름으로</a:t>
-            </a:r>
-            <a:r>
-              <a:rPr lang="ko-KR" sz="1800">
-                <a:latin typeface="맑은 고딕" charset="0"/>
-                <a:ea typeface="맑은 고딕" charset="0"/>
-              </a:rPr>
-              <a:t> 정의합니다.</a:t>
-            </a:r>
-            <a:endParaRPr lang="ko-KR" altLang="en-US" sz="1800">
-              <a:latin typeface="맑은 고딕" charset="0"/>
-              <a:ea typeface="맑은 고딕" charset="0"/>
-            </a:endParaRPr>
-          </a:p>
-        </p:txBody>
-      </p:sp>
-      <p:pic>
-        <p:nvPicPr>
-          <p:cNvPr id="1228" name="그림 2" descr="C:/Users/Admin1/AppData/Roaming/PolarisOffice/ETemp/1284_18416448/fImage1169233941.png"/>
-          <p:cNvPicPr>
-            <a:picLocks noChangeAspect="1"/>
-          </p:cNvPicPr>
-          <p:nvPr/>
-        </p:nvPicPr>
-        <p:blipFill rotWithShape="1">
-          <a:blip r:embed="rId2" cstate="hqprint">
-            <a:extLst>
-              <a:ext uri="{28A0092B-C50C-407E-A947-70E740481C1C}">
-                <a14:useLocalDpi xmlns:a14="http://schemas.microsoft.com/office/drawing/2010/main"/>
-              </a:ext>
-            </a:extLst>
-          </a:blip>
-          <a:stretch>
-            <a:fillRect/>
-          </a:stretch>
-        </p:blipFill>
-        <p:spPr>
-          <a:xfrm rot="0">
-            <a:off x="1240790" y="1438275"/>
-            <a:ext cx="1310640" cy="1163320"/>
-          </a:xfrm>
-          <a:prstGeom prst="roundRect"/>
-          <a:solidFill>
-            <a:srgbClr val="EDEDED"/>
-          </a:solidFill>
-        </p:spPr>
-      </p:pic>
-      <p:pic>
-        <p:nvPicPr>
-          <p:cNvPr id="1229" name="그림 5" descr="C:/Users/Admin1/AppData/Roaming/PolarisOffice/ETemp/1284_18416448/fImage920929741.png"/>
-          <p:cNvPicPr>
-            <a:picLocks noChangeAspect="1"/>
-          </p:cNvPicPr>
-          <p:nvPr/>
-        </p:nvPicPr>
-        <p:blipFill rotWithShape="1">
-          <a:blip r:embed="rId3" cstate="hqprint">
-            <a:extLst>
-              <a:ext uri="{28A0092B-C50C-407E-A947-70E740481C1C}">
-                <a14:useLocalDpi xmlns:a14="http://schemas.microsoft.com/office/drawing/2010/main"/>
-              </a:ext>
-            </a:extLst>
-          </a:blip>
-          <a:stretch>
-            <a:fillRect/>
-          </a:stretch>
-        </p:blipFill>
-        <p:spPr>
-          <a:xfrm rot="0">
-            <a:off x="2670175" y="1438275"/>
-            <a:ext cx="2707005" cy="1163320"/>
-          </a:xfrm>
-          <a:prstGeom prst="roundRect"/>
-          <a:solidFill>
-            <a:srgbClr val="EDEDED"/>
-          </a:solidFill>
-        </p:spPr>
-      </p:pic>
-      <p:pic>
-        <p:nvPicPr>
-          <p:cNvPr id="1230" name="그림 6" descr="C:/Users/Admin1/AppData/Roaming/PolarisOffice/ETemp/1284_18416448/fImage22421721541.png"/>
-          <p:cNvPicPr>
-            <a:picLocks noChangeAspect="1"/>
-          </p:cNvPicPr>
-          <p:nvPr/>
-        </p:nvPicPr>
-        <p:blipFill rotWithShape="1">
-          <a:blip r:embed="rId4" cstate="hqprint">
-            <a:extLst>
-              <a:ext uri="{28A0092B-C50C-407E-A947-70E740481C1C}">
-                <a14:useLocalDpi xmlns:a14="http://schemas.microsoft.com/office/drawing/2010/main"/>
-              </a:ext>
-            </a:extLst>
-          </a:blip>
-          <a:stretch>
-            <a:fillRect/>
-          </a:stretch>
-        </p:blipFill>
-        <p:spPr>
-          <a:xfrm rot="10800000">
-            <a:off x="2265045" y="1843405"/>
-            <a:ext cx="626745" cy="353060"/>
-          </a:xfrm>
-          <a:prstGeom prst="rect"/>
-          <a:noFill/>
-        </p:spPr>
-      </p:pic>
-      <p:sp>
-        <p:nvSpPr>
-          <p:cNvPr id="1231" name="텍스트 상자 7"/>
-          <p:cNvSpPr txBox="1">
-            <a:spLocks/>
-          </p:cNvSpPr>
-          <p:nvPr/>
-        </p:nvSpPr>
-        <p:spPr>
-          <a:xfrm rot="0">
-            <a:off x="1251585" y="2677160"/>
-            <a:ext cx="4133215" cy="1231265"/>
-          </a:xfrm>
-          <a:prstGeom prst="rect"/>
-          <a:noFill/>
-          <a:ln w="0">
-            <a:noFill/>
-            <a:prstDash/>
-          </a:ln>
-        </p:spPr>
-        <p:txBody>
-          <a:bodyPr wrap="square" lIns="89535" tIns="46355" rIns="89535" bIns="46355" numCol="1" vert="horz" anchor="t">
-            <a:spAutoFit/>
-          </a:bodyPr>
-          <a:lstStyle/>
-          <a:p>
-            <a:pPr marL="0" indent="0" algn="l" latinLnBrk="0" hangingPunct="1">
-              <a:buFontTx/>
-              <a:buNone/>
-            </a:pPr>
-            <a:r>
-              <a:rPr lang="ko-KR" sz="2000" b="1">
-                <a:solidFill>
-                  <a:srgbClr val="0611F2"/>
-                </a:solidFill>
-                <a:latin typeface="맑은 고딕" charset="0"/>
-                <a:ea typeface="맑은 고딕" charset="0"/>
-              </a:rPr>
-              <a:t>45.</a:t>
-            </a:r>
-            <a:r>
-              <a:rPr lang="ko-KR" sz="2000" b="1">
-                <a:solidFill>
-                  <a:srgbClr val="0611F2"/>
-                </a:solidFill>
-                <a:latin typeface="맑은 고딕" charset="0"/>
-                <a:ea typeface="맑은 고딕" charset="0"/>
-              </a:rPr>
-              <a:t> </a:t>
-            </a:r>
-            <a:r>
-              <a:rPr lang="ko-KR" sz="1800">
-                <a:latin typeface="맑은 고딕" charset="0"/>
-                <a:ea typeface="맑은 고딕" charset="0"/>
-              </a:rPr>
-              <a:t>그러고 나서 Project 폴더 아래에 </a:t>
-            </a:r>
-            <a:r>
-              <a:rPr lang="ko-KR" sz="1800">
-                <a:latin typeface="맑은 고딕" charset="0"/>
-                <a:ea typeface="맑은 고딕" charset="0"/>
-              </a:rPr>
-              <a:t>있는</a:t>
-            </a:r>
-            <a:r>
-              <a:rPr lang="ko-KR" sz="1800">
-                <a:latin typeface="맑은 고딕" charset="0"/>
-                <a:ea typeface="맑은 고딕" charset="0"/>
-              </a:rPr>
-              <a:t> Model 폴더에 House 오브젝트를 </a:t>
-            </a:r>
-            <a:r>
-              <a:rPr lang="ko-KR" sz="1800">
-                <a:latin typeface="맑은 고딕" charset="0"/>
-                <a:ea typeface="맑은 고딕" charset="0"/>
-              </a:rPr>
-              <a:t>월드</a:t>
-            </a:r>
-            <a:r>
-              <a:rPr lang="ko-KR" sz="1800">
-                <a:latin typeface="맑은 고딕" charset="0"/>
-                <a:ea typeface="맑은 고딕" charset="0"/>
-              </a:rPr>
-              <a:t> 공간에 배치한 다음 Right </a:t>
-            </a:r>
-            <a:r>
-              <a:rPr lang="ko-KR" sz="1800">
-                <a:latin typeface="맑은 고딕" charset="0"/>
-                <a:ea typeface="맑은 고딕" charset="0"/>
-              </a:rPr>
-              <a:t>House라는</a:t>
-            </a:r>
-            <a:r>
-              <a:rPr lang="ko-KR" sz="1800">
-                <a:latin typeface="맑은 고딕" charset="0"/>
-                <a:ea typeface="맑은 고딕" charset="0"/>
-              </a:rPr>
-              <a:t> 이름으로 정의합니다.</a:t>
-            </a:r>
-            <a:endParaRPr lang="ko-KR" altLang="en-US" sz="1800">
-              <a:latin typeface="맑은 고딕" charset="0"/>
-              <a:ea typeface="맑은 고딕" charset="0"/>
-            </a:endParaRPr>
-          </a:p>
-        </p:txBody>
-      </p:sp>
-      <p:pic>
-        <p:nvPicPr>
-          <p:cNvPr id="1232" name="그림 8" descr="C:/Users/Admin1/AppData/Roaming/PolarisOffice/ETemp/1284_18416448/fImage160013438467.png"/>
-          <p:cNvPicPr>
-            <a:picLocks noChangeAspect="1"/>
-          </p:cNvPicPr>
-          <p:nvPr/>
-        </p:nvPicPr>
-        <p:blipFill rotWithShape="1">
-          <a:blip r:embed="rId5" cstate="hqprint">
-            <a:extLst>
-              <a:ext uri="{28A0092B-C50C-407E-A947-70E740481C1C}">
-                <a14:useLocalDpi xmlns:a14="http://schemas.microsoft.com/office/drawing/2010/main"/>
-              </a:ext>
-            </a:extLst>
-          </a:blip>
-          <a:stretch>
-            <a:fillRect/>
-          </a:stretch>
-        </p:blipFill>
-        <p:spPr>
-          <a:xfrm rot="0">
-            <a:off x="1257935" y="4005580"/>
-            <a:ext cx="4109720" cy="1456690"/>
-          </a:xfrm>
-          <a:prstGeom prst="roundRect"/>
-          <a:solidFill>
-            <a:srgbClr val="EDEDED"/>
-          </a:solidFill>
-        </p:spPr>
-      </p:pic>
-      <p:pic>
-        <p:nvPicPr>
-          <p:cNvPr id="1233" name="그림 11" descr="C:/Users/Admin1/AppData/Roaming/PolarisOffice/ETemp/1284_18416448/fImage120253446334.png"/>
-          <p:cNvPicPr>
-            <a:picLocks noChangeAspect="1"/>
-          </p:cNvPicPr>
-          <p:nvPr/>
-        </p:nvPicPr>
-        <p:blipFill rotWithShape="1">
-          <a:blip r:embed="rId6" cstate="hqprint">
-            <a:extLst>
-              <a:ext uri="{28A0092B-C50C-407E-A947-70E740481C1C}">
-                <a14:useLocalDpi xmlns:a14="http://schemas.microsoft.com/office/drawing/2010/main"/>
-              </a:ext>
-            </a:extLst>
-          </a:blip>
-          <a:stretch>
-            <a:fillRect/>
-          </a:stretch>
-        </p:blipFill>
-        <p:spPr>
-          <a:xfrm rot="0">
-            <a:off x="6813550" y="1438275"/>
-            <a:ext cx="1336675" cy="1162050"/>
-          </a:xfrm>
-          <a:prstGeom prst="roundRect"/>
-          <a:solidFill>
-            <a:srgbClr val="EDEDED"/>
-          </a:solidFill>
-        </p:spPr>
-      </p:pic>
-      <p:pic>
-        <p:nvPicPr>
-          <p:cNvPr id="1234" name="그림 14" descr="C:/Users/Admin1/AppData/Roaming/PolarisOffice/ETemp/1284_18416448/fImage920929741.png"/>
-          <p:cNvPicPr>
-            <a:picLocks noChangeAspect="1"/>
-          </p:cNvPicPr>
-          <p:nvPr/>
-        </p:nvPicPr>
-        <p:blipFill rotWithShape="1">
-          <a:blip r:embed="rId3" cstate="hqprint">
-            <a:extLst>
-              <a:ext uri="{28A0092B-C50C-407E-A947-70E740481C1C}">
-                <a14:useLocalDpi xmlns:a14="http://schemas.microsoft.com/office/drawing/2010/main"/>
-              </a:ext>
-            </a:extLst>
-          </a:blip>
-          <a:stretch>
-            <a:fillRect/>
-          </a:stretch>
-        </p:blipFill>
-        <p:spPr>
-          <a:xfrm rot="0">
-            <a:off x="8254365" y="1449705"/>
-            <a:ext cx="2707005" cy="1151890"/>
-          </a:xfrm>
-          <a:prstGeom prst="roundRect"/>
-          <a:solidFill>
-            <a:srgbClr val="EDEDED"/>
-          </a:solidFill>
-        </p:spPr>
-      </p:pic>
-      <p:pic>
-        <p:nvPicPr>
-          <p:cNvPr id="1235" name="그림 15" descr="C:/Users/Admin1/AppData/Roaming/PolarisOffice/ETemp/1284_18416448/fImage158133466500.png"/>
-          <p:cNvPicPr>
-            <a:picLocks noChangeAspect="1"/>
-          </p:cNvPicPr>
-          <p:nvPr/>
-        </p:nvPicPr>
-        <p:blipFill rotWithShape="1">
-          <a:blip r:embed="rId7" cstate="hqprint">
-            <a:extLst>
-              <a:ext uri="{28A0092B-C50C-407E-A947-70E740481C1C}">
-                <a14:useLocalDpi xmlns:a14="http://schemas.microsoft.com/office/drawing/2010/main"/>
-              </a:ext>
-            </a:extLst>
-          </a:blip>
-          <a:stretch>
-            <a:fillRect/>
-          </a:stretch>
-        </p:blipFill>
-        <p:spPr>
-          <a:xfrm rot="0">
-            <a:off x="6803390" y="3996690"/>
-            <a:ext cx="4145915" cy="1464945"/>
-          </a:xfrm>
-          <a:prstGeom prst="roundRect"/>
-          <a:solidFill>
-            <a:srgbClr val="EDEDED"/>
-          </a:solidFill>
-        </p:spPr>
-      </p:pic>
-      <p:pic>
-        <p:nvPicPr>
-          <p:cNvPr id="1236" name="그림 64" descr="C:/Users/Admin1/AppData/Roaming/PolarisOffice/ETemp/1284_18416448/fImage22421721541.png"/>
-          <p:cNvPicPr>
-            <a:picLocks noChangeAspect="1"/>
-          </p:cNvPicPr>
-          <p:nvPr/>
-        </p:nvPicPr>
-        <p:blipFill rotWithShape="1">
-          <a:blip r:embed="rId4" cstate="hqprint">
-            <a:extLst>
-              <a:ext uri="{28A0092B-C50C-407E-A947-70E740481C1C}">
-                <a14:useLocalDpi xmlns:a14="http://schemas.microsoft.com/office/drawing/2010/main"/>
-              </a:ext>
-            </a:extLst>
-          </a:blip>
-          <a:stretch>
-            <a:fillRect/>
-          </a:stretch>
-        </p:blipFill>
-        <p:spPr>
-          <a:xfrm rot="10800000">
-            <a:off x="7892415" y="1845945"/>
-            <a:ext cx="626745" cy="353060"/>
-          </a:xfrm>
-          <a:prstGeom prst="rect"/>
-          <a:noFill/>
-        </p:spPr>
-      </p:pic>
-    </p:spTree>
-  </p:cSld>
-  <p:clrMapOvr>
-    <a:masterClrMapping/>
-  </p:clrMapOvr>
-  <mc:AlternateContent xmlns:mc="http://schemas.openxmlformats.org/markup-compatibility/2006">
-    <mc:Choice xmlns:p14="http://schemas.microsoft.com/office/powerpoint/2010/main" Requires="p14">
-      <p:transition spd="slow" p14:dur="2000"/>
-    </mc:Choice>
-    <mc:Fallback>
-      <p:transition spd="slow"/>
-    </mc:Fallback>
-  </mc:AlternateContent>
-  <p:timing>
-    <p:tnLst>
-      <p:par>
-        <p:cTn id="1" dur="indefinite" restart="never" nodeType="tmRoot"/>
-      </p:par>
-    </p:tnLst>
-  </p:timing>
-</p:sld>
-</file>
-
-<file path=ppt/slides/slide16.xml><?xml version="1.0" encoding="utf-8"?>
-<p:sld xmlns:a="http://schemas.openxmlformats.org/drawingml/2006/main" xmlns:r="http://schemas.openxmlformats.org/officeDocument/2006/relationships" xmlns:p="http://schemas.openxmlformats.org/presentationml/2006/main" xmlns:p14="http://schemas.microsoft.com/office/powerpoint/2010/main">
-  <p:cSld>
-    <p:spTree>
-      <p:nvGrpSpPr>
-        <p:cNvPr id="1" name=""/>
-        <p:cNvGrpSpPr/>
-        <p:nvPr/>
-      </p:nvGrpSpPr>
-      <p:grpSpPr>
-        <a:xfrm>
-          <a:off x="0" y="0"/>
-          <a:ext cx="0" cy="0"/>
-          <a:chOff x="0" y="0"/>
-          <a:chExt cx="0" cy="0"/>
-        </a:xfrm>
-      </p:grpSpPr>
-      <p:sp>
-        <p:nvSpPr>
-          <p:cNvPr id="1031" name="Rect 0"/>
-          <p:cNvSpPr txBox="1">
-            <a:spLocks/>
-          </p:cNvSpPr>
-          <p:nvPr/>
-        </p:nvSpPr>
-        <p:spPr>
-          <a:xfrm rot="0">
-            <a:off x="4232275" y="396240"/>
-            <a:ext cx="3720465" cy="478155"/>
-          </a:xfrm>
-          <a:prstGeom prst="rect"/>
-          <a:noFill/>
-          <a:ln w="0">
-            <a:noFill/>
-            <a:prstDash/>
-          </a:ln>
-        </p:spPr>
-        <p:txBody>
-          <a:bodyPr wrap="square" lIns="89535" tIns="46355" rIns="89535" bIns="46355" numCol="1" vert="horz" anchor="t">
-            <a:spAutoFit/>
-          </a:bodyPr>
-          <a:lstStyle/>
-          <a:p>
-            <a:pPr marL="0" indent="0" algn="ctr" latinLnBrk="0">
-              <a:buFontTx/>
-              <a:buNone/>
-            </a:pPr>
-            <a:r>
-              <a:rPr lang="ko-KR" altLang="en-US" sz="2500" b="1">
-                <a:solidFill>
-                  <a:schemeClr val="tx1"/>
-                </a:solidFill>
-                <a:latin typeface="나눔바른고딕" charset="0"/>
-                <a:ea typeface="나눔바른고딕" charset="0"/>
-              </a:rPr>
               <a:t>열일곱</a:t>
             </a:r>
             <a:r>
@@ -12992,7 +12121,7 @@
 </p:sld>
 </file>
 
-<file path=ppt/slides/slide17.xml><?xml version="1.0" encoding="utf-8"?>
+<file path=ppt/slides/slide16.xml><?xml version="1.0" encoding="utf-8"?>
 <p:sld xmlns:a="http://schemas.openxmlformats.org/drawingml/2006/main" xmlns:r="http://schemas.openxmlformats.org/officeDocument/2006/relationships" xmlns:p="http://schemas.openxmlformats.org/presentationml/2006/main" xmlns:p14="http://schemas.microsoft.com/office/powerpoint/2010/main">
   <p:cSld>
     <p:spTree>
@@ -14976,7 +14105,7 @@
       </p:sp>
       <p:pic>
         <p:nvPicPr>
-          <p:cNvPr id="1160" name="그림 43" descr="C:/Users/Admin1/AppData/Roaming/PolarisOffice/ETemp/18888_13767696/fImage438813186827.png"/>
+          <p:cNvPr id="1160" name="그림 43"/>
           <p:cNvPicPr>
             <a:picLocks noChangeAspect="1"/>
           </p:cNvPicPr>
@@ -15007,7 +14136,7 @@
       </p:pic>
       <p:pic>
         <p:nvPicPr>
-          <p:cNvPr id="1161" name="그림 72" descr="C:/Users/Admin1/AppData/Roaming/PolarisOffice/ETemp/18888_13767696/fImage85063369961.png"/>
+          <p:cNvPr id="1161" name="그림 72"/>
           <p:cNvPicPr>
             <a:picLocks noChangeAspect="1"/>
           </p:cNvPicPr>
@@ -15038,7 +14167,7 @@
       </p:pic>
       <p:pic>
         <p:nvPicPr>
-          <p:cNvPr id="1162" name="그림 73" descr="C:/Users/Admin1/AppData/Roaming/PolarisOffice/ETemp/18888_13767696/fImage7515337491.png"/>
+          <p:cNvPr id="1162" name="그림 73"/>
           <p:cNvPicPr>
             <a:picLocks noChangeAspect="1"/>
           </p:cNvPicPr>
@@ -15077,8 +14206,8 @@
         </p:nvSpPr>
         <p:spPr>
           <a:xfrm rot="0">
-            <a:off x="1243330" y="5192395"/>
-            <a:ext cx="4132580" cy="954405"/>
+            <a:off x="1243330" y="5201920"/>
+            <a:ext cx="4133215" cy="955040"/>
           </a:xfrm>
           <a:prstGeom prst="rect"/>
           <a:noFill/>
@@ -15136,14 +14265,7 @@
                 <a:latin typeface="맑은 고딕" charset="0"/>
                 <a:ea typeface="맑은 고딕" charset="0"/>
               </a:rPr>
-              <a:t> </a:t>
-            </a:r>
-            <a:r>
-              <a:rPr lang="ko-KR" sz="1800">
-                <a:latin typeface="맑은 고딕" charset="0"/>
-                <a:ea typeface="맑은 고딕" charset="0"/>
-              </a:rPr>
-              <a:t>Arrival Point 라는 이름으로 </a:t>
+              <a:t> Arrival Point 라는 이름으로 </a:t>
             </a:r>
             <a:r>
               <a:rPr lang="ko-KR" sz="1800">
@@ -15161,7 +14283,7 @@
       </p:sp>
       <p:pic>
         <p:nvPicPr>
-          <p:cNvPr id="1164" name="그림 77" descr="C:/Users/Admin1/AppData/Roaming/PolarisOffice/ETemp/18888_13767696/fImage107663392995.png"/>
+          <p:cNvPr id="1164" name="그림 77"/>
           <p:cNvPicPr>
             <a:picLocks noChangeAspect="1"/>
           </p:cNvPicPr>
@@ -15630,7 +14752,7 @@
       </p:sp>
       <p:pic>
         <p:nvPicPr>
-          <p:cNvPr id="1151" name="그림 84" descr="C:/Users/Admin1/AppData/Roaming/PolarisOffice/ETemp/18888_13767696/fImage233263421942.png"/>
+          <p:cNvPr id="1151" name="그림 84"/>
           <p:cNvPicPr>
             <a:picLocks noChangeAspect="1"/>
           </p:cNvPicPr>
@@ -15774,7 +14896,7 @@
       </p:sp>
       <p:pic>
         <p:nvPicPr>
-          <p:cNvPr id="1153" name="그림 91" descr="C:/Users/Admin1/AppData/Roaming/PolarisOffice/ETemp/18888_13767696/fImage371583454827.png"/>
+          <p:cNvPr id="1153" name="그림 91"/>
           <p:cNvPicPr>
             <a:picLocks noChangeAspect="1"/>
           </p:cNvPicPr>
@@ -15805,7 +14927,7 @@
       </p:pic>
       <p:pic>
         <p:nvPicPr>
-          <p:cNvPr id="1154" name="그림 97" descr="C:/Users/Admin1/AppData/Roaming/PolarisOffice/ETemp/18888_13767696/fImage34013475436.png"/>
+          <p:cNvPr id="1154" name="그림 97"/>
           <p:cNvPicPr>
             <a:picLocks noChangeAspect="1"/>
           </p:cNvPicPr>
@@ -15844,8 +14966,8 @@
         </p:nvSpPr>
         <p:spPr>
           <a:xfrm rot="0">
-            <a:off x="6821805" y="2892425"/>
-            <a:ext cx="4126865" cy="648335"/>
+            <a:off x="6821805" y="2909570"/>
+            <a:ext cx="4127500" cy="648970"/>
           </a:xfrm>
           <a:prstGeom prst="rect"/>
           <a:noFill/>
@@ -15899,14 +15021,7 @@
                 <a:latin typeface="맑은 고딕" charset="0"/>
                 <a:ea typeface="맑은 고딕" charset="0"/>
               </a:rPr>
-              <a:t> </a:t>
-            </a:r>
-            <a:r>
-              <a:rPr lang="ko-KR" sz="1800">
-                <a:latin typeface="맑은 고딕" charset="0"/>
-                <a:ea typeface="맑은 고딕" charset="0"/>
-              </a:rPr>
-              <a:t>추가합니다.</a:t>
+              <a:t> 추가합니다.</a:t>
             </a:r>
             <a:endParaRPr lang="ko-KR" altLang="en-US" sz="1800">
               <a:latin typeface="맑은 고딕" charset="0"/>
@@ -15917,7 +15032,7 @@
       </p:sp>
       <p:pic>
         <p:nvPicPr>
-          <p:cNvPr id="1156" name="그림 101" descr="C:/Users/Admin1/AppData/Roaming/PolarisOffice/ETemp/18888_13767696/fImage87753492391.png"/>
+          <p:cNvPr id="1156" name="그림 101"/>
           <p:cNvPicPr>
             <a:picLocks noChangeAspect="1"/>
           </p:cNvPicPr>
@@ -15948,7 +15063,7 @@
       </p:pic>
       <p:pic>
         <p:nvPicPr>
-          <p:cNvPr id="1157" name="그림 104" descr="C:/Users/Admin1/AppData/Roaming/PolarisOffice/ETemp/18888_13767696/fImage69173504604.png"/>
+          <p:cNvPr id="1157" name="그림 104"/>
           <p:cNvPicPr>
             <a:picLocks noChangeAspect="1"/>
           </p:cNvPicPr>
@@ -15979,7 +15094,7 @@
       </p:pic>
       <p:pic>
         <p:nvPicPr>
-          <p:cNvPr id="1158" name="그림 107" descr="C:/Users/Admin1/AppData/Roaming/PolarisOffice/ETemp/18888_13767696/fImage22421721541.png"/>
+          <p:cNvPr id="1158" name="그림 107"/>
           <p:cNvPicPr>
             <a:picLocks noChangeAspect="1"/>
           </p:cNvPicPr>
@@ -16136,8 +15251,8 @@
         </p:nvSpPr>
         <p:spPr>
           <a:xfrm rot="0">
-            <a:off x="6821170" y="3070225"/>
-            <a:ext cx="4145280" cy="704850"/>
+            <a:off x="6823710" y="2761615"/>
+            <a:ext cx="4122420" cy="965835"/>
           </a:xfrm>
           <a:prstGeom prst="rect"/>
           <a:noFill/>
@@ -16160,7 +15275,7 @@
                 <a:latin typeface="맑은 고딕" charset="0"/>
                 <a:ea typeface="맑은 고딕" charset="0"/>
               </a:rPr>
-              <a:t>17.</a:t>
+              <a:t>2</a:t>
             </a:r>
             <a:r>
               <a:rPr lang="ko-KR" sz="2000" b="1">
@@ -16170,6 +15285,26 @@
                 <a:latin typeface="맑은 고딕" charset="0"/>
                 <a:ea typeface="맑은 고딕" charset="0"/>
               </a:rPr>
+              <a:t>0</a:t>
+            </a:r>
+            <a:r>
+              <a:rPr lang="ko-KR" sz="2000" b="1">
+                <a:solidFill>
+                  <a:srgbClr val="0611F2"/>
+                </a:solidFill>
+                <a:latin typeface="맑은 고딕" charset="0"/>
+                <a:ea typeface="맑은 고딕" charset="0"/>
+              </a:rPr>
+              <a:t>.</a:t>
+            </a:r>
+            <a:r>
+              <a:rPr lang="ko-KR" sz="2000" b="1">
+                <a:solidFill>
+                  <a:srgbClr val="0611F2"/>
+                </a:solidFill>
+                <a:latin typeface="맑은 고딕" charset="0"/>
+                <a:ea typeface="맑은 고딕" charset="0"/>
+              </a:rPr>
               <a:t> </a:t>
             </a:r>
             <a:r>
@@ -16177,14 +15312,14 @@
                 <a:latin typeface="맑은 고딕" charset="0"/>
                 <a:ea typeface="맑은 고딕" charset="0"/>
               </a:rPr>
-              <a:t>이제 Area Street Lamp 오브젝트의 </a:t>
-            </a:r>
-            <a:r>
-              <a:rPr lang="ko-KR" sz="1800">
-                <a:latin typeface="맑은 고딕" charset="0"/>
-                <a:ea typeface="맑은 고딕" charset="0"/>
-              </a:rPr>
-              <a:t>위치와</a:t>
+              <a:t>그다음 Project 폴더에 있는 </a:t>
+            </a:r>
+            <a:r>
+              <a:rPr lang="ko-KR" sz="1800">
+                <a:latin typeface="맑은 고딕" charset="0"/>
+                <a:ea typeface="맑은 고딕" charset="0"/>
+              </a:rPr>
+              <a:t>Texture</a:t>
             </a:r>
             <a:r>
               <a:rPr lang="ko-KR" sz="1800">
@@ -16198,7 +15333,21 @@
                 <a:latin typeface="맑은 고딕" charset="0"/>
                 <a:ea typeface="맑은 고딕" charset="0"/>
               </a:rPr>
-              <a:t>회전</a:t>
+              <a:t>폴더에</a:t>
+            </a:r>
+            <a:r>
+              <a:rPr lang="ko-KR" sz="1800">
+                <a:latin typeface="맑은 고딕" charset="0"/>
+                <a:ea typeface="맑은 고딕" charset="0"/>
+              </a:rPr>
+              <a:t> Street Lamp 텍스처를 </a:t>
+            </a:r>
+            <a:r>
+              <a:rPr lang="ko-KR" sz="1800">
+                <a:latin typeface="맑은 고딕" charset="0"/>
+                <a:ea typeface="맑은 고딕" charset="0"/>
+              </a:rPr>
+              <a:t>Spot</a:t>
             </a:r>
             <a:r>
               <a:rPr lang="ko-KR" sz="1800">
@@ -16212,14 +15361,42 @@
                 <a:latin typeface="맑은 고딕" charset="0"/>
                 <a:ea typeface="맑은 고딕" charset="0"/>
               </a:rPr>
-              <a:t>값을</a:t>
-            </a:r>
-            <a:r>
-              <a:rPr lang="ko-KR" sz="1800">
-                <a:latin typeface="맑은 고딕" charset="0"/>
-                <a:ea typeface="맑은 고딕" charset="0"/>
-              </a:rPr>
-              <a:t> 설정합니다.</a:t>
+              <a:t>Street</a:t>
+            </a:r>
+            <a:r>
+              <a:rPr lang="ko-KR" sz="1800">
+                <a:latin typeface="맑은 고딕" charset="0"/>
+                <a:ea typeface="맑은 고딕" charset="0"/>
+              </a:rPr>
+              <a:t> </a:t>
+            </a:r>
+            <a:r>
+              <a:rPr lang="ko-KR" sz="1800">
+                <a:latin typeface="맑은 고딕" charset="0"/>
+                <a:ea typeface="맑은 고딕" charset="0"/>
+              </a:rPr>
+              <a:t>Lamp</a:t>
+            </a:r>
+            <a:r>
+              <a:rPr lang="ko-KR" sz="1800">
+                <a:latin typeface="맑은 고딕" charset="0"/>
+                <a:ea typeface="맑은 고딕" charset="0"/>
+              </a:rPr>
+              <a:t> 오브젝트에 </a:t>
+            </a:r>
+            <a:r>
+              <a:rPr lang="ko-KR" sz="1800">
+                <a:latin typeface="맑은 고딕" charset="0"/>
+                <a:ea typeface="맑은 고딕" charset="0"/>
+              </a:rPr>
+              <a:t>넣어줍니다.</a:t>
+            </a:r>
+            <a:r>
+              <a:rPr lang="ko-KR" sz="1800">
+                <a:latin typeface="맑은 고딕" charset="0"/>
+                <a:ea typeface="맑은 고딕" charset="0"/>
+              </a:rPr>
+              <a:t> </a:t>
             </a:r>
             <a:endParaRPr lang="ko-KR" altLang="en-US" sz="1800">
               <a:latin typeface="맑은 고딕" charset="0"/>
@@ -16228,16 +15405,304 @@
           </a:p>
         </p:txBody>
       </p:sp>
+      <p:sp>
+        <p:nvSpPr>
+          <p:cNvPr id="1169" name="텍스트 상자 19"/>
+          <p:cNvSpPr txBox="1">
+            <a:spLocks/>
+          </p:cNvSpPr>
+          <p:nvPr/>
+        </p:nvSpPr>
+        <p:spPr>
+          <a:xfrm>
+            <a:off x="1236345" y="5208905"/>
+            <a:ext cx="4140200" cy="954405"/>
+          </a:xfrm>
+          <a:prstGeom prst="rect"/>
+          <a:noFill/>
+          <a:ln w="0">
+            <a:noFill/>
+            <a:prstDash/>
+          </a:ln>
+        </p:spPr>
+        <p:txBody>
+          <a:bodyPr wrap="square" lIns="89535" tIns="46355" rIns="89535" bIns="46355" numCol="1" vert="horz" anchor="t">
+            <a:spAutoFit/>
+          </a:bodyPr>
+          <a:lstStyle/>
+          <a:p>
+            <a:pPr marL="0" indent="0" algn="l" latinLnBrk="0" hangingPunct="1">
+              <a:buFontTx/>
+              <a:buNone/>
+            </a:pPr>
+            <a:r>
+              <a:rPr lang="ko-KR" sz="2000" b="1">
+                <a:solidFill>
+                  <a:srgbClr val="0611F2"/>
+                </a:solidFill>
+                <a:latin typeface="맑은 고딕" charset="0"/>
+                <a:ea typeface="맑은 고딕" charset="0"/>
+              </a:rPr>
+              <a:t>19.</a:t>
+            </a:r>
+            <a:r>
+              <a:rPr lang="ko-KR" sz="2000" b="1">
+                <a:solidFill>
+                  <a:srgbClr val="0611F2"/>
+                </a:solidFill>
+                <a:latin typeface="맑은 고딕" charset="0"/>
+                <a:ea typeface="맑은 고딕" charset="0"/>
+              </a:rPr>
+              <a:t> </a:t>
+            </a:r>
+            <a:r>
+              <a:rPr lang="ko-KR" sz="1800">
+                <a:latin typeface="맑은 고딕" charset="0"/>
+                <a:ea typeface="맑은 고딕" charset="0"/>
+              </a:rPr>
+              <a:t>그런 다음 Spot Street Lamp </a:t>
+            </a:r>
+            <a:r>
+              <a:rPr lang="ko-KR" sz="1800">
+                <a:latin typeface="맑은 고딕" charset="0"/>
+                <a:ea typeface="맑은 고딕" charset="0"/>
+              </a:rPr>
+              <a:t>오브젝트의</a:t>
+            </a:r>
+            <a:r>
+              <a:rPr lang="ko-KR" sz="1800">
+                <a:latin typeface="맑은 고딕" charset="0"/>
+                <a:ea typeface="맑은 고딕" charset="0"/>
+              </a:rPr>
+              <a:t> </a:t>
+            </a:r>
+            <a:r>
+              <a:rPr lang="ko-KR" sz="1800">
+                <a:latin typeface="맑은 고딕" charset="0"/>
+                <a:ea typeface="맑은 고딕" charset="0"/>
+              </a:rPr>
+              <a:t>하위</a:t>
+            </a:r>
+            <a:r>
+              <a:rPr lang="ko-KR" sz="1800">
+                <a:latin typeface="맑은 고딕" charset="0"/>
+                <a:ea typeface="맑은 고딕" charset="0"/>
+              </a:rPr>
+              <a:t> 오브젝트로 Light에 </a:t>
+            </a:r>
+            <a:r>
+              <a:rPr lang="ko-KR" sz="1800">
+                <a:latin typeface="맑은 고딕" charset="0"/>
+                <a:ea typeface="맑은 고딕" charset="0"/>
+              </a:rPr>
+              <a:t>S</a:t>
+            </a:r>
+            <a:r>
+              <a:rPr lang="ko-KR" sz="1800">
+                <a:latin typeface="맑은 고딕" charset="0"/>
+                <a:ea typeface="맑은 고딕" charset="0"/>
+              </a:rPr>
+              <a:t>pot</a:t>
+            </a:r>
+            <a:r>
+              <a:rPr lang="ko-KR" sz="1800">
+                <a:latin typeface="맑은 고딕" charset="0"/>
+                <a:ea typeface="맑은 고딕" charset="0"/>
+              </a:rPr>
+              <a:t> </a:t>
+            </a:r>
+            <a:r>
+              <a:rPr lang="ko-KR" sz="1800">
+                <a:latin typeface="맑은 고딕" charset="0"/>
+                <a:ea typeface="맑은 고딕" charset="0"/>
+              </a:rPr>
+              <a:t>Light를</a:t>
+            </a:r>
+            <a:r>
+              <a:rPr lang="ko-KR" sz="1800">
+                <a:latin typeface="맑은 고딕" charset="0"/>
+                <a:ea typeface="맑은 고딕" charset="0"/>
+              </a:rPr>
+              <a:t> </a:t>
+            </a:r>
+            <a:r>
+              <a:rPr lang="ko-KR" sz="1800">
+                <a:latin typeface="맑은 고딕" charset="0"/>
+                <a:ea typeface="맑은 고딕" charset="0"/>
+              </a:rPr>
+              <a:t>생성합니다.</a:t>
+            </a:r>
+            <a:endParaRPr lang="ko-KR" altLang="en-US" sz="1800">
+              <a:latin typeface="맑은 고딕" charset="0"/>
+              <a:ea typeface="맑은 고딕" charset="0"/>
+            </a:endParaRPr>
+          </a:p>
+        </p:txBody>
+      </p:sp>
+      <p:sp>
+        <p:nvSpPr>
+          <p:cNvPr id="1170" name="텍스트 상자 32"/>
+          <p:cNvSpPr txBox="1">
+            <a:spLocks/>
+          </p:cNvSpPr>
+          <p:nvPr/>
+        </p:nvSpPr>
+        <p:spPr>
+          <a:xfrm rot="0">
+            <a:off x="6822440" y="5205095"/>
+            <a:ext cx="4141470" cy="954405"/>
+          </a:xfrm>
+          <a:prstGeom prst="rect"/>
+          <a:noFill/>
+          <a:ln w="0">
+            <a:noFill/>
+            <a:prstDash/>
+          </a:ln>
+        </p:spPr>
+        <p:txBody>
+          <a:bodyPr wrap="square" lIns="89535" tIns="46355" rIns="89535" bIns="46355" numCol="1" vert="horz" anchor="t">
+            <a:spAutoFit/>
+          </a:bodyPr>
+          <a:lstStyle/>
+          <a:p>
+            <a:pPr marL="0" indent="0" algn="l" latinLnBrk="0" hangingPunct="1">
+              <a:buFontTx/>
+              <a:buNone/>
+            </a:pPr>
+            <a:r>
+              <a:rPr lang="ko-KR" sz="2000" b="1">
+                <a:solidFill>
+                  <a:srgbClr val="0611F2"/>
+                </a:solidFill>
+                <a:latin typeface="맑은 고딕" charset="0"/>
+                <a:ea typeface="맑은 고딕" charset="0"/>
+              </a:rPr>
+              <a:t>2</a:t>
+            </a:r>
+            <a:r>
+              <a:rPr lang="ko-KR" sz="2000" b="1">
+                <a:solidFill>
+                  <a:srgbClr val="0611F2"/>
+                </a:solidFill>
+                <a:latin typeface="맑은 고딕" charset="0"/>
+                <a:ea typeface="맑은 고딕" charset="0"/>
+              </a:rPr>
+              <a:t>1</a:t>
+            </a:r>
+            <a:r>
+              <a:rPr lang="ko-KR" sz="2000" b="1">
+                <a:solidFill>
+                  <a:srgbClr val="0611F2"/>
+                </a:solidFill>
+                <a:latin typeface="맑은 고딕" charset="0"/>
+                <a:ea typeface="맑은 고딕" charset="0"/>
+              </a:rPr>
+              <a:t>.</a:t>
+            </a:r>
+            <a:r>
+              <a:rPr lang="ko-KR" sz="2000" b="1">
+                <a:solidFill>
+                  <a:srgbClr val="0611F2"/>
+                </a:solidFill>
+                <a:latin typeface="맑은 고딕" charset="0"/>
+                <a:ea typeface="맑은 고딕" charset="0"/>
+              </a:rPr>
+              <a:t> </a:t>
+            </a:r>
+            <a:r>
+              <a:rPr lang="ko-KR" sz="1800">
+                <a:latin typeface="맑은 고딕" charset="0"/>
+                <a:ea typeface="맑은 고딕" charset="0"/>
+              </a:rPr>
+              <a:t>그러고 나서 Project 폴더에 있는 </a:t>
+            </a:r>
+            <a:r>
+              <a:rPr lang="ko-KR" sz="1800">
+                <a:latin typeface="맑은 고딕" charset="0"/>
+                <a:ea typeface="맑은 고딕" charset="0"/>
+              </a:rPr>
+              <a:t>Texture</a:t>
+            </a:r>
+            <a:r>
+              <a:rPr lang="ko-KR" sz="1800">
+                <a:latin typeface="맑은 고딕" charset="0"/>
+                <a:ea typeface="맑은 고딕" charset="0"/>
+              </a:rPr>
+              <a:t> </a:t>
+            </a:r>
+            <a:r>
+              <a:rPr lang="ko-KR" sz="1800">
+                <a:latin typeface="맑은 고딕" charset="0"/>
+                <a:ea typeface="맑은 고딕" charset="0"/>
+              </a:rPr>
+              <a:t>폴더에</a:t>
+            </a:r>
+            <a:r>
+              <a:rPr lang="ko-KR" sz="1800">
+                <a:latin typeface="맑은 고딕" charset="0"/>
+                <a:ea typeface="맑은 고딕" charset="0"/>
+              </a:rPr>
+              <a:t> Road 텍스처를 </a:t>
+            </a:r>
+            <a:r>
+              <a:rPr lang="ko-KR" sz="1800">
+                <a:latin typeface="맑은 고딕" charset="0"/>
+                <a:ea typeface="맑은 고딕" charset="0"/>
+              </a:rPr>
+              <a:t>Right </a:t>
+            </a:r>
+            <a:r>
+              <a:rPr lang="ko-KR" sz="1800">
+                <a:latin typeface="맑은 고딕" charset="0"/>
+                <a:ea typeface="맑은 고딕" charset="0"/>
+              </a:rPr>
+              <a:t>Road</a:t>
+            </a:r>
+            <a:r>
+              <a:rPr lang="ko-KR" sz="1800">
+                <a:latin typeface="맑은 고딕" charset="0"/>
+                <a:ea typeface="맑은 고딕" charset="0"/>
+              </a:rPr>
+              <a:t> </a:t>
+            </a:r>
+            <a:r>
+              <a:rPr lang="ko-KR" sz="1800">
+                <a:latin typeface="맑은 고딕" charset="0"/>
+                <a:ea typeface="맑은 고딕" charset="0"/>
+              </a:rPr>
+              <a:t>오브젝트에</a:t>
+            </a:r>
+            <a:r>
+              <a:rPr lang="ko-KR" sz="1800">
+                <a:latin typeface="맑은 고딕" charset="0"/>
+                <a:ea typeface="맑은 고딕" charset="0"/>
+              </a:rPr>
+              <a:t> </a:t>
+            </a:r>
+            <a:r>
+              <a:rPr lang="ko-KR" sz="1800">
+                <a:latin typeface="맑은 고딕" charset="0"/>
+                <a:ea typeface="맑은 고딕" charset="0"/>
+              </a:rPr>
+              <a:t>넣어줍니다.</a:t>
+            </a:r>
+            <a:endParaRPr lang="ko-KR" altLang="en-US" sz="1800">
+              <a:latin typeface="맑은 고딕" charset="0"/>
+              <a:ea typeface="맑은 고딕" charset="0"/>
+            </a:endParaRPr>
+          </a:p>
+        </p:txBody>
+      </p:sp>
       <p:pic>
         <p:nvPicPr>
-          <p:cNvPr id="1166" name="그림 10" descr="C:/Users/Admin1/AppData/Roaming/PolarisOffice/ETemp/1284_18416448/fImage161391738467.png"/>
+          <p:cNvPr id="1172" name="그림 3" descr="C:/Users/Admin1/AppData/Roaming/PolarisOffice/ETemp/2672_21102392/fImage2321137641.png"/>
           <p:cNvPicPr>
             <a:picLocks noChangeAspect="1"/>
           </p:cNvPicPr>
           <p:nvPr/>
         </p:nvPicPr>
         <p:blipFill rotWithShape="1">
-          <a:blip r:embed="rId16" cstate="hqprint">
+          <a:blip r:embed="rId20" cstate="hqprint">
             <a:extLst>
               <a:ext uri="{28A0092B-C50C-407E-A947-70E740481C1C}">
                 <a14:useLocalDpi xmlns:a14="http://schemas.microsoft.com/office/drawing/2010/main"/>
@@ -16250,8 +15715,8 @@
         </p:blipFill>
         <p:spPr>
           <a:xfrm rot="0">
-            <a:off x="6813550" y="1438275"/>
-            <a:ext cx="4161155" cy="1534160"/>
+            <a:off x="1238250" y="1438275"/>
+            <a:ext cx="2754630" cy="3583940"/>
           </a:xfrm>
           <a:prstGeom prst="roundRect"/>
           <a:solidFill>
@@ -16261,14 +15726,107 @@
       </p:pic>
       <p:pic>
         <p:nvPicPr>
-          <p:cNvPr id="1167" name="그림 13" descr="C:/Users/Admin1/AppData/Roaming/PolarisOffice/ETemp/1284_18416448/fImage174022586334.png"/>
+          <p:cNvPr id="1173" name="그림 4" descr="C:/Users/Admin1/AppData/Roaming/PolarisOffice/ETemp/2672_21102392/fImage96493778467.png"/>
           <p:cNvPicPr>
             <a:picLocks noChangeAspect="1"/>
           </p:cNvPicPr>
           <p:nvPr/>
         </p:nvPicPr>
         <p:blipFill rotWithShape="1">
-          <a:blip r:embed="rId17" cstate="hqprint">
+          <a:blip r:embed="rId21" cstate="print">
+            <a:extLst>
+              <a:ext uri="{28A0092B-C50C-407E-A947-70E740481C1C}">
+                <a14:useLocalDpi xmlns:a14="http://schemas.microsoft.com/office/drawing/2010/main" val="0"/>
+              </a:ext>
+            </a:extLst>
+          </a:blip>
+          <a:stretch>
+            <a:fillRect/>
+          </a:stretch>
+        </p:blipFill>
+        <p:spPr>
+          <a:xfrm rot="0">
+            <a:off x="4139565" y="2324100"/>
+            <a:ext cx="1238885" cy="1776095"/>
+          </a:xfrm>
+          <a:prstGeom prst="roundRect"/>
+          <a:solidFill>
+            <a:srgbClr val="EDEDED"/>
+          </a:solidFill>
+        </p:spPr>
+      </p:pic>
+      <p:pic>
+        <p:nvPicPr>
+          <p:cNvPr id="1175" name="그림 10" descr="C:/Users/Admin1/AppData/Roaming/PolarisOffice/ETemp/2672_21102392/fImage229433796334.png"/>
+          <p:cNvPicPr>
+            <a:picLocks noChangeAspect="1"/>
+          </p:cNvPicPr>
+          <p:nvPr/>
+        </p:nvPicPr>
+        <p:blipFill rotWithShape="1">
+          <a:blip r:embed="rId22" cstate="print">
+            <a:extLst>
+              <a:ext uri="{28A0092B-C50C-407E-A947-70E740481C1C}">
+                <a14:useLocalDpi xmlns:a14="http://schemas.microsoft.com/office/drawing/2010/main" val="0"/>
+              </a:ext>
+            </a:extLst>
+          </a:blip>
+          <a:stretch>
+            <a:fillRect/>
+          </a:stretch>
+        </p:blipFill>
+        <p:spPr>
+          <a:xfrm rot="0">
+            <a:off x="8330565" y="1437640"/>
+            <a:ext cx="2623820" cy="1186815"/>
+          </a:xfrm>
+          <a:prstGeom prst="roundRect"/>
+          <a:solidFill>
+            <a:srgbClr val="EDEDED"/>
+          </a:solidFill>
+        </p:spPr>
+      </p:pic>
+      <p:pic>
+        <p:nvPicPr>
+          <p:cNvPr id="1176" name="그림 13" descr="C:/Users/Admin1/AppData/Roaming/PolarisOffice/ETemp/2672_21102392/fImage96863806500.png"/>
+          <p:cNvPicPr>
+            <a:picLocks noChangeAspect="1"/>
+          </p:cNvPicPr>
+          <p:nvPr/>
+        </p:nvPicPr>
+        <p:blipFill rotWithShape="1">
+          <a:blip r:embed="rId23" cstate="print">
+            <a:extLst>
+              <a:ext uri="{28A0092B-C50C-407E-A947-70E740481C1C}">
+                <a14:useLocalDpi xmlns:a14="http://schemas.microsoft.com/office/drawing/2010/main" val="0"/>
+              </a:ext>
+            </a:extLst>
+          </a:blip>
+          <a:stretch>
+            <a:fillRect/>
+          </a:stretch>
+        </p:blipFill>
+        <p:spPr>
+          <a:xfrm rot="0">
+            <a:off x="6814820" y="1437640"/>
+            <a:ext cx="1377315" cy="1186815"/>
+          </a:xfrm>
+          <a:prstGeom prst="roundRect"/>
+          <a:solidFill>
+            <a:srgbClr val="EDEDED"/>
+          </a:solidFill>
+        </p:spPr>
+      </p:pic>
+      <p:pic>
+        <p:nvPicPr>
+          <p:cNvPr id="1177" name="그림 16" descr="C:/Users/Admin1/AppData/Roaming/PolarisOffice/ETemp/2672_21102392/fImage22421721541.png"/>
+          <p:cNvPicPr>
+            <a:picLocks noChangeAspect="1"/>
+          </p:cNvPicPr>
+          <p:nvPr/>
+        </p:nvPicPr>
+        <p:blipFill rotWithShape="1">
+          <a:blip r:embed="rId24" cstate="hqprint">
             <a:extLst>
               <a:ext uri="{28A0092B-C50C-407E-A947-70E740481C1C}">
                 <a14:useLocalDpi xmlns:a14="http://schemas.microsoft.com/office/drawing/2010/main"/>
@@ -16280,26 +15838,86 @@
           </a:stretch>
         </p:blipFill>
         <p:spPr>
-          <a:xfrm rot="0">
-            <a:off x="1266190" y="1438275"/>
-            <a:ext cx="2723515" cy="3609340"/>
-          </a:xfrm>
-          <a:prstGeom prst="roundRect"/>
-          <a:solidFill>
-            <a:srgbClr val="EDEDED"/>
-          </a:solidFill>
+          <a:xfrm rot="10800000">
+            <a:off x="7862570" y="1823085"/>
+            <a:ext cx="676275" cy="412115"/>
+          </a:xfrm>
+          <a:prstGeom prst="rect"/>
+          <a:noFill/>
         </p:spPr>
       </p:pic>
       <p:pic>
         <p:nvPicPr>
-          <p:cNvPr id="1168" name="그림 16" descr="C:/Users/Admin1/AppData/Roaming/PolarisOffice/ETemp/1284_18416448/fImage93402596500.png"/>
+          <p:cNvPr id="1178" name="그림 20" descr="C:/Users/Admin1/AppData/Roaming/PolarisOffice/ETemp/2672_21102392/fImage229563839169.png"/>
           <p:cNvPicPr>
             <a:picLocks noChangeAspect="1"/>
           </p:cNvPicPr>
           <p:nvPr/>
         </p:nvPicPr>
         <p:blipFill rotWithShape="1">
-          <a:blip r:embed="rId18" cstate="hqprint">
+          <a:blip r:embed="rId25" cstate="print">
+            <a:extLst>
+              <a:ext uri="{28A0092B-C50C-407E-A947-70E740481C1C}">
+                <a14:useLocalDpi xmlns:a14="http://schemas.microsoft.com/office/drawing/2010/main" val="0"/>
+              </a:ext>
+            </a:extLst>
+          </a:blip>
+          <a:stretch>
+            <a:fillRect/>
+          </a:stretch>
+        </p:blipFill>
+        <p:spPr>
+          <a:xfrm rot="0">
+            <a:off x="8343900" y="3857625"/>
+            <a:ext cx="2605405" cy="1200785"/>
+          </a:xfrm>
+          <a:prstGeom prst="roundRect"/>
+          <a:solidFill>
+            <a:srgbClr val="EDEDED"/>
+          </a:solidFill>
+        </p:spPr>
+      </p:pic>
+      <p:pic>
+        <p:nvPicPr>
+          <p:cNvPr id="1179" name="그림 23" descr="C:/Users/Admin1/AppData/Roaming/PolarisOffice/ETemp/2672_21102392/fImage96703845724.png"/>
+          <p:cNvPicPr>
+            <a:picLocks noChangeAspect="1"/>
+          </p:cNvPicPr>
+          <p:nvPr/>
+        </p:nvPicPr>
+        <p:blipFill rotWithShape="1">
+          <a:blip r:embed="rId26" cstate="print">
+            <a:extLst>
+              <a:ext uri="{28A0092B-C50C-407E-A947-70E740481C1C}">
+                <a14:useLocalDpi xmlns:a14="http://schemas.microsoft.com/office/drawing/2010/main" val="0"/>
+              </a:ext>
+            </a:extLst>
+          </a:blip>
+          <a:stretch>
+            <a:fillRect/>
+          </a:stretch>
+        </p:blipFill>
+        <p:spPr>
+          <a:xfrm rot="0">
+            <a:off x="6819900" y="3862070"/>
+            <a:ext cx="1381760" cy="1205865"/>
+          </a:xfrm>
+          <a:prstGeom prst="roundRect"/>
+          <a:solidFill>
+            <a:srgbClr val="EDEDED"/>
+          </a:solidFill>
+        </p:spPr>
+      </p:pic>
+      <p:pic>
+        <p:nvPicPr>
+          <p:cNvPr id="1180" name="그림 26" descr="C:/Users/Admin1/AppData/Roaming/PolarisOffice/ETemp/2672_21102392/fImage22421721541.png"/>
+          <p:cNvPicPr>
+            <a:picLocks noChangeAspect="1"/>
+          </p:cNvPicPr>
+          <p:nvPr/>
+        </p:nvPicPr>
+        <p:blipFill rotWithShape="1">
+          <a:blip r:embed="rId24" cstate="hqprint">
             <a:extLst>
               <a:ext uri="{28A0092B-C50C-407E-A947-70E740481C1C}">
                 <a14:useLocalDpi xmlns:a14="http://schemas.microsoft.com/office/drawing/2010/main"/>
@@ -16311,243 +15929,12 @@
           </a:stretch>
         </p:blipFill>
         <p:spPr>
-          <a:xfrm rot="0">
-            <a:off x="4108450" y="2350770"/>
-            <a:ext cx="1267460" cy="1784985"/>
-          </a:xfrm>
-          <a:prstGeom prst="roundRect"/>
-          <a:solidFill>
-            <a:srgbClr val="EDEDED"/>
-          </a:solidFill>
-        </p:spPr>
-      </p:pic>
-      <p:sp>
-        <p:nvSpPr>
-          <p:cNvPr id="1169" name="텍스트 상자 19"/>
-          <p:cNvSpPr txBox="1">
-            <a:spLocks/>
-          </p:cNvSpPr>
-          <p:nvPr/>
-        </p:nvSpPr>
-        <p:spPr>
-          <a:xfrm rot="0">
-            <a:off x="1236345" y="5208905"/>
-            <a:ext cx="4139565" cy="954405"/>
+          <a:xfrm rot="10800000">
+            <a:off x="7858125" y="4266565"/>
+            <a:ext cx="676275" cy="412115"/>
           </a:xfrm>
           <a:prstGeom prst="rect"/>
           <a:noFill/>
-          <a:ln w="0">
-            <a:noFill/>
-            <a:prstDash/>
-          </a:ln>
-        </p:spPr>
-        <p:txBody>
-          <a:bodyPr wrap="square" lIns="89535" tIns="46355" rIns="89535" bIns="46355" numCol="1" vert="horz" anchor="t">
-            <a:spAutoFit/>
-          </a:bodyPr>
-          <a:lstStyle/>
-          <a:p>
-            <a:pPr marL="0" indent="0" algn="l" latinLnBrk="0" hangingPunct="1">
-              <a:buFontTx/>
-              <a:buNone/>
-            </a:pPr>
-            <a:r>
-              <a:rPr lang="ko-KR" sz="2000" b="1">
-                <a:solidFill>
-                  <a:srgbClr val="0611F2"/>
-                </a:solidFill>
-                <a:latin typeface="맑은 고딕" charset="0"/>
-                <a:ea typeface="맑은 고딕" charset="0"/>
-              </a:rPr>
-              <a:t>16.</a:t>
-            </a:r>
-            <a:r>
-              <a:rPr lang="ko-KR" sz="2000" b="1">
-                <a:solidFill>
-                  <a:srgbClr val="0611F2"/>
-                </a:solidFill>
-                <a:latin typeface="맑은 고딕" charset="0"/>
-                <a:ea typeface="맑은 고딕" charset="0"/>
-              </a:rPr>
-              <a:t> </a:t>
-            </a:r>
-            <a:r>
-              <a:rPr lang="ko-KR" sz="1800">
-                <a:latin typeface="맑은 고딕" charset="0"/>
-                <a:ea typeface="맑은 고딕" charset="0"/>
-              </a:rPr>
-              <a:t>그러고 나서 Area Street Lamp </a:t>
-            </a:r>
-            <a:r>
-              <a:rPr lang="ko-KR" sz="1800">
-                <a:latin typeface="맑은 고딕" charset="0"/>
-                <a:ea typeface="맑은 고딕" charset="0"/>
-              </a:rPr>
-              <a:t>오브젝트의</a:t>
-            </a:r>
-            <a:r>
-              <a:rPr lang="ko-KR" sz="1800">
-                <a:latin typeface="맑은 고딕" charset="0"/>
-                <a:ea typeface="맑은 고딕" charset="0"/>
-              </a:rPr>
-              <a:t> 하위 오브젝트로 Light에 </a:t>
-            </a:r>
-            <a:r>
-              <a:rPr lang="ko-KR" sz="1800">
-                <a:latin typeface="맑은 고딕" charset="0"/>
-                <a:ea typeface="맑은 고딕" charset="0"/>
-              </a:rPr>
-              <a:t>Area</a:t>
-            </a:r>
-            <a:r>
-              <a:rPr lang="ko-KR" sz="1800">
-                <a:latin typeface="맑은 고딕" charset="0"/>
-                <a:ea typeface="맑은 고딕" charset="0"/>
-              </a:rPr>
-              <a:t> Light를 생성합니다.</a:t>
-            </a:r>
-            <a:endParaRPr lang="ko-KR" altLang="en-US" sz="1800">
-              <a:latin typeface="맑은 고딕" charset="0"/>
-              <a:ea typeface="맑은 고딕" charset="0"/>
-            </a:endParaRPr>
-          </a:p>
-        </p:txBody>
-      </p:sp>
-      <p:sp>
-        <p:nvSpPr>
-          <p:cNvPr id="1170" name="텍스트 상자 32"/>
-          <p:cNvSpPr txBox="1">
-            <a:spLocks/>
-          </p:cNvSpPr>
-          <p:nvPr/>
-        </p:nvSpPr>
-        <p:spPr>
-          <a:xfrm rot="0">
-            <a:off x="6813550" y="5490845"/>
-            <a:ext cx="4161155" cy="677545"/>
-          </a:xfrm>
-          <a:prstGeom prst="rect"/>
-          <a:noFill/>
-          <a:ln w="0">
-            <a:noFill/>
-            <a:prstDash/>
-          </a:ln>
-        </p:spPr>
-        <p:txBody>
-          <a:bodyPr wrap="square" lIns="89535" tIns="46355" rIns="89535" bIns="46355" numCol="1" vert="horz" anchor="t">
-            <a:spAutoFit/>
-          </a:bodyPr>
-          <a:lstStyle/>
-          <a:p>
-            <a:pPr marL="0" indent="0" algn="l" latinLnBrk="0" hangingPunct="1">
-              <a:buFontTx/>
-              <a:buNone/>
-            </a:pPr>
-            <a:r>
-              <a:rPr lang="ko-KR" sz="2000" b="1">
-                <a:solidFill>
-                  <a:srgbClr val="0611F2"/>
-                </a:solidFill>
-                <a:latin typeface="맑은 고딕" charset="0"/>
-                <a:ea typeface="맑은 고딕" charset="0"/>
-              </a:rPr>
-              <a:t>18.</a:t>
-            </a:r>
-            <a:r>
-              <a:rPr lang="ko-KR" sz="2000" b="1">
-                <a:solidFill>
-                  <a:srgbClr val="0611F2"/>
-                </a:solidFill>
-                <a:latin typeface="맑은 고딕" charset="0"/>
-                <a:ea typeface="맑은 고딕" charset="0"/>
-              </a:rPr>
-              <a:t> </a:t>
-            </a:r>
-            <a:r>
-              <a:rPr lang="ko-KR" sz="1800">
-                <a:latin typeface="맑은 고딕" charset="0"/>
-                <a:ea typeface="맑은 고딕" charset="0"/>
-              </a:rPr>
-              <a:t>그리고 Area Light 오브젝트의 </a:t>
-            </a:r>
-            <a:r>
-              <a:rPr lang="ko-KR" sz="1800">
-                <a:latin typeface="맑은 고딕" charset="0"/>
-                <a:ea typeface="맑은 고딕" charset="0"/>
-              </a:rPr>
-              <a:t>위치와</a:t>
-            </a:r>
-            <a:r>
-              <a:rPr lang="ko-KR" sz="1800">
-                <a:latin typeface="맑은 고딕" charset="0"/>
-                <a:ea typeface="맑은 고딕" charset="0"/>
-              </a:rPr>
-              <a:t> </a:t>
-            </a:r>
-            <a:r>
-              <a:rPr lang="ko-KR" sz="1800">
-                <a:latin typeface="맑은 고딕" charset="0"/>
-                <a:ea typeface="맑은 고딕" charset="0"/>
-              </a:rPr>
-              <a:t>회전</a:t>
-            </a:r>
-            <a:r>
-              <a:rPr lang="ko-KR" sz="1800">
-                <a:latin typeface="맑은 고딕" charset="0"/>
-                <a:ea typeface="맑은 고딕" charset="0"/>
-              </a:rPr>
-              <a:t> </a:t>
-            </a:r>
-            <a:r>
-              <a:rPr lang="ko-KR" sz="1800">
-                <a:latin typeface="맑은 고딕" charset="0"/>
-                <a:ea typeface="맑은 고딕" charset="0"/>
-              </a:rPr>
-              <a:t>값을</a:t>
-            </a:r>
-            <a:r>
-              <a:rPr lang="ko-KR" sz="1800">
-                <a:latin typeface="맑은 고딕" charset="0"/>
-                <a:ea typeface="맑은 고딕" charset="0"/>
-              </a:rPr>
-              <a:t> 설정합니다.</a:t>
-            </a:r>
-            <a:endParaRPr lang="ko-KR" altLang="en-US" sz="1800">
-              <a:latin typeface="맑은 고딕" charset="0"/>
-              <a:ea typeface="맑은 고딕" charset="0"/>
-            </a:endParaRPr>
-          </a:p>
-        </p:txBody>
-      </p:sp>
-      <p:pic>
-        <p:nvPicPr>
-          <p:cNvPr id="1171" name="그림 33" descr="C:/Users/Admin1/AppData/Roaming/PolarisOffice/ETemp/1284_18416448/fImage125422635724.png"/>
-          <p:cNvPicPr>
-            <a:picLocks noChangeAspect="1"/>
-          </p:cNvPicPr>
-          <p:nvPr/>
-        </p:nvPicPr>
-        <p:blipFill rotWithShape="1">
-          <a:blip r:embed="rId19" cstate="hqprint">
-            <a:extLst>
-              <a:ext uri="{28A0092B-C50C-407E-A947-70E740481C1C}">
-                <a14:useLocalDpi xmlns:a14="http://schemas.microsoft.com/office/drawing/2010/main"/>
-              </a:ext>
-            </a:extLst>
-          </a:blip>
-          <a:stretch>
-            <a:fillRect/>
-          </a:stretch>
-        </p:blipFill>
-        <p:spPr>
-          <a:xfrm rot="0">
-            <a:off x="6813550" y="3815715"/>
-            <a:ext cx="4152265" cy="1576705"/>
-          </a:xfrm>
-          <a:prstGeom prst="roundRect"/>
-          <a:solidFill>
-            <a:srgbClr val="EDEDED"/>
-          </a:solidFill>
         </p:spPr>
       </p:pic>
     </p:spTree>
@@ -16670,16 +16057,578 @@
           </a:p>
         </p:txBody>
       </p:sp>
+      <p:sp>
+        <p:nvSpPr>
+          <p:cNvPr id="1171" name="텍스트 상자 34"/>
+          <p:cNvSpPr txBox="1">
+            <a:spLocks/>
+          </p:cNvSpPr>
+          <p:nvPr/>
+        </p:nvSpPr>
+        <p:spPr>
+          <a:xfrm rot="0">
+            <a:off x="6840855" y="2687320"/>
+            <a:ext cx="4113530" cy="954405"/>
+          </a:xfrm>
+          <a:prstGeom prst="rect"/>
+          <a:noFill/>
+          <a:ln w="0">
+            <a:noFill/>
+            <a:prstDash/>
+          </a:ln>
+        </p:spPr>
+        <p:txBody>
+          <a:bodyPr wrap="square" lIns="89535" tIns="46355" rIns="89535" bIns="46355" numCol="1" vert="horz" anchor="t">
+            <a:spAutoFit/>
+          </a:bodyPr>
+          <a:lstStyle/>
+          <a:p>
+            <a:pPr marL="0" indent="0" algn="l" latinLnBrk="0" hangingPunct="1">
+              <a:buFontTx/>
+              <a:buNone/>
+            </a:pPr>
+            <a:r>
+              <a:rPr lang="ko-KR" sz="2000" b="1">
+                <a:solidFill>
+                  <a:srgbClr val="0611F2"/>
+                </a:solidFill>
+                <a:latin typeface="맑은 고딕" charset="0"/>
+                <a:ea typeface="맑은 고딕" charset="0"/>
+              </a:rPr>
+              <a:t>24.</a:t>
+            </a:r>
+            <a:r>
+              <a:rPr lang="ko-KR" sz="2000" b="1">
+                <a:solidFill>
+                  <a:srgbClr val="0611F2"/>
+                </a:solidFill>
+                <a:latin typeface="맑은 고딕" charset="0"/>
+                <a:ea typeface="맑은 고딕" charset="0"/>
+              </a:rPr>
+              <a:t> </a:t>
+            </a:r>
+            <a:r>
+              <a:rPr lang="ko-KR" sz="1800">
+                <a:latin typeface="맑은 고딕" charset="0"/>
+                <a:ea typeface="맑은 고딕" charset="0"/>
+              </a:rPr>
+              <a:t>그런 다음 Project 폴더 아래에 </a:t>
+            </a:r>
+            <a:r>
+              <a:rPr lang="ko-KR" sz="1800">
+                <a:latin typeface="맑은 고딕" charset="0"/>
+                <a:ea typeface="맑은 고딕" charset="0"/>
+              </a:rPr>
+              <a:t>있는</a:t>
+            </a:r>
+            <a:r>
+              <a:rPr lang="ko-KR" sz="1800">
+                <a:latin typeface="맑은 고딕" charset="0"/>
+                <a:ea typeface="맑은 고딕" charset="0"/>
+              </a:rPr>
+              <a:t> </a:t>
+            </a:r>
+            <a:r>
+              <a:rPr lang="ko-KR" sz="1800">
+                <a:latin typeface="맑은 고딕" charset="0"/>
+                <a:ea typeface="맑은 고딕" charset="0"/>
+              </a:rPr>
+              <a:t>Texture</a:t>
+            </a:r>
+            <a:r>
+              <a:rPr lang="ko-KR" sz="1800">
+                <a:latin typeface="맑은 고딕" charset="0"/>
+                <a:ea typeface="맑은 고딕" charset="0"/>
+              </a:rPr>
+              <a:t> 폴더에 Robot 텍스처를 </a:t>
+            </a:r>
+            <a:r>
+              <a:rPr lang="ko-KR" sz="1800">
+                <a:latin typeface="맑은 고딕" charset="0"/>
+                <a:ea typeface="맑은 고딕" charset="0"/>
+              </a:rPr>
+              <a:t>R</a:t>
+            </a:r>
+            <a:r>
+              <a:rPr lang="ko-KR" sz="1800">
+                <a:latin typeface="맑은 고딕" charset="0"/>
+                <a:ea typeface="맑은 고딕" charset="0"/>
+              </a:rPr>
+              <a:t>ob</a:t>
+            </a:r>
+            <a:r>
+              <a:rPr lang="ko-KR" sz="1800">
+                <a:latin typeface="맑은 고딕" charset="0"/>
+                <a:ea typeface="맑은 고딕" charset="0"/>
+              </a:rPr>
+              <a:t>o</a:t>
+            </a:r>
+            <a:r>
+              <a:rPr lang="ko-KR" sz="1800">
+                <a:latin typeface="맑은 고딕" charset="0"/>
+                <a:ea typeface="맑은 고딕" charset="0"/>
+              </a:rPr>
+              <a:t>t</a:t>
+            </a:r>
+            <a:r>
+              <a:rPr lang="ko-KR" sz="1800">
+                <a:latin typeface="맑은 고딕" charset="0"/>
+                <a:ea typeface="맑은 고딕" charset="0"/>
+              </a:rPr>
+              <a:t> </a:t>
+            </a:r>
+            <a:r>
+              <a:rPr lang="ko-KR" sz="1800">
+                <a:latin typeface="맑은 고딕" charset="0"/>
+                <a:ea typeface="맑은 고딕" charset="0"/>
+              </a:rPr>
+              <a:t>오브젝트에</a:t>
+            </a:r>
+            <a:r>
+              <a:rPr lang="ko-KR" sz="1800">
+                <a:latin typeface="맑은 고딕" charset="0"/>
+                <a:ea typeface="맑은 고딕" charset="0"/>
+              </a:rPr>
+              <a:t> 넣어줍니다.</a:t>
+            </a:r>
+            <a:endParaRPr lang="ko-KR" altLang="en-US" sz="1800">
+              <a:latin typeface="맑은 고딕" charset="0"/>
+              <a:ea typeface="맑은 고딕" charset="0"/>
+            </a:endParaRPr>
+          </a:p>
+        </p:txBody>
+      </p:sp>
+      <p:sp>
+        <p:nvSpPr>
+          <p:cNvPr id="1175" name="텍스트 상자 39"/>
+          <p:cNvSpPr txBox="1">
+            <a:spLocks/>
+          </p:cNvSpPr>
+          <p:nvPr/>
+        </p:nvSpPr>
+        <p:spPr>
+          <a:xfrm rot="0">
+            <a:off x="1223010" y="5246370"/>
+            <a:ext cx="4155440" cy="954405"/>
+          </a:xfrm>
+          <a:prstGeom prst="rect"/>
+          <a:noFill/>
+          <a:ln w="0">
+            <a:noFill/>
+            <a:prstDash/>
+          </a:ln>
+        </p:spPr>
+        <p:txBody>
+          <a:bodyPr wrap="square" lIns="89535" tIns="46355" rIns="89535" bIns="46355" numCol="1" vert="horz" anchor="t">
+            <a:spAutoFit/>
+          </a:bodyPr>
+          <a:lstStyle/>
+          <a:p>
+            <a:pPr marL="0" indent="0" algn="l" latinLnBrk="0" hangingPunct="1">
+              <a:buFontTx/>
+              <a:buNone/>
+            </a:pPr>
+            <a:r>
+              <a:rPr lang="ko-KR" sz="2000" b="1">
+                <a:solidFill>
+                  <a:srgbClr val="0611F2"/>
+                </a:solidFill>
+                <a:latin typeface="맑은 고딕" charset="0"/>
+                <a:ea typeface="맑은 고딕" charset="0"/>
+              </a:rPr>
+              <a:t>23.</a:t>
+            </a:r>
+            <a:r>
+              <a:rPr lang="ko-KR" sz="2000" b="1">
+                <a:solidFill>
+                  <a:srgbClr val="0611F2"/>
+                </a:solidFill>
+                <a:latin typeface="맑은 고딕" charset="0"/>
+                <a:ea typeface="맑은 고딕" charset="0"/>
+              </a:rPr>
+              <a:t> </a:t>
+            </a:r>
+            <a:r>
+              <a:rPr lang="ko-KR" sz="1800">
+                <a:latin typeface="맑은 고딕" charset="0"/>
+                <a:ea typeface="맑은 고딕" charset="0"/>
+              </a:rPr>
+              <a:t>그리고 Project 폴더에 있는 </a:t>
+            </a:r>
+            <a:r>
+              <a:rPr lang="ko-KR" sz="1800">
+                <a:latin typeface="맑은 고딕" charset="0"/>
+                <a:ea typeface="맑은 고딕" charset="0"/>
+              </a:rPr>
+              <a:t>Texture</a:t>
+            </a:r>
+            <a:r>
+              <a:rPr lang="ko-KR" sz="1800">
+                <a:latin typeface="맑은 고딕" charset="0"/>
+                <a:ea typeface="맑은 고딕" charset="0"/>
+              </a:rPr>
+              <a:t> </a:t>
+            </a:r>
+            <a:r>
+              <a:rPr lang="ko-KR" sz="1800">
+                <a:latin typeface="맑은 고딕" charset="0"/>
+                <a:ea typeface="맑은 고딕" charset="0"/>
+              </a:rPr>
+              <a:t>폴더에</a:t>
+            </a:r>
+            <a:r>
+              <a:rPr lang="ko-KR" sz="1800">
+                <a:latin typeface="맑은 고딕" charset="0"/>
+                <a:ea typeface="맑은 고딕" charset="0"/>
+              </a:rPr>
+              <a:t> Road 텍스처를 </a:t>
+            </a:r>
+            <a:r>
+              <a:rPr lang="ko-KR" sz="1800">
+                <a:latin typeface="맑은 고딕" charset="0"/>
+                <a:ea typeface="맑은 고딕" charset="0"/>
+              </a:rPr>
+              <a:t>Left </a:t>
+            </a:r>
+            <a:r>
+              <a:rPr lang="ko-KR" sz="1800">
+                <a:latin typeface="맑은 고딕" charset="0"/>
+                <a:ea typeface="맑은 고딕" charset="0"/>
+              </a:rPr>
+              <a:t>Road</a:t>
+            </a:r>
+            <a:r>
+              <a:rPr lang="ko-KR" sz="1800">
+                <a:latin typeface="맑은 고딕" charset="0"/>
+                <a:ea typeface="맑은 고딕" charset="0"/>
+              </a:rPr>
+              <a:t> </a:t>
+            </a:r>
+            <a:r>
+              <a:rPr lang="ko-KR" sz="1800">
+                <a:latin typeface="맑은 고딕" charset="0"/>
+                <a:ea typeface="맑은 고딕" charset="0"/>
+              </a:rPr>
+              <a:t>오브젝트에</a:t>
+            </a:r>
+            <a:r>
+              <a:rPr lang="ko-KR" sz="1800">
+                <a:latin typeface="맑은 고딕" charset="0"/>
+                <a:ea typeface="맑은 고딕" charset="0"/>
+              </a:rPr>
+              <a:t> </a:t>
+            </a:r>
+            <a:r>
+              <a:rPr lang="ko-KR" sz="1800">
+                <a:latin typeface="맑은 고딕" charset="0"/>
+                <a:ea typeface="맑은 고딕" charset="0"/>
+              </a:rPr>
+              <a:t>넣어줍니다.</a:t>
+            </a:r>
+            <a:endParaRPr lang="ko-KR" altLang="en-US" sz="1800">
+              <a:latin typeface="맑은 고딕" charset="0"/>
+              <a:ea typeface="맑은 고딕" charset="0"/>
+            </a:endParaRPr>
+          </a:p>
+        </p:txBody>
+      </p:sp>
+      <p:sp>
+        <p:nvSpPr>
+          <p:cNvPr id="1182" name="텍스트 상자 36"/>
+          <p:cNvSpPr txBox="1">
+            <a:spLocks/>
+          </p:cNvSpPr>
+          <p:nvPr/>
+        </p:nvSpPr>
+        <p:spPr>
+          <a:xfrm rot="0">
+            <a:off x="1232535" y="3211195"/>
+            <a:ext cx="4137025" cy="647065"/>
+          </a:xfrm>
+          <a:prstGeom prst="rect"/>
+          <a:noFill/>
+          <a:ln w="0">
+            <a:noFill/>
+            <a:prstDash/>
+          </a:ln>
+        </p:spPr>
+        <p:txBody>
+          <a:bodyPr wrap="square" lIns="89535" tIns="46355" rIns="89535" bIns="46355" numCol="1" vert="horz" anchor="t">
+            <a:spAutoFit/>
+          </a:bodyPr>
+          <a:lstStyle/>
+          <a:p>
+            <a:pPr marL="0" indent="0" rtl="0" algn="l" defTabSz="914400" eaLnBrk="1" latinLnBrk="0" hangingPunct="1">
+              <a:buFontTx/>
+              <a:buNone/>
+            </a:pPr>
+            <a:r>
+              <a:rPr sz="1800" b="1">
+                <a:solidFill>
+                  <a:srgbClr val="0611F2"/>
+                </a:solidFill>
+                <a:latin typeface="맑은 고딕" charset="0"/>
+                <a:ea typeface="맑은 고딕" charset="0"/>
+              </a:rPr>
+              <a:t>2</a:t>
+            </a:r>
+            <a:r>
+              <a:rPr sz="1800" b="1">
+                <a:solidFill>
+                  <a:srgbClr val="0611F2"/>
+                </a:solidFill>
+                <a:latin typeface="맑은 고딕" charset="0"/>
+                <a:ea typeface="맑은 고딕" charset="0"/>
+              </a:rPr>
+              <a:t>2</a:t>
+            </a:r>
+            <a:r>
+              <a:rPr sz="1800" b="1">
+                <a:solidFill>
+                  <a:srgbClr val="0611F2"/>
+                </a:solidFill>
+                <a:latin typeface="맑은 고딕" charset="0"/>
+                <a:ea typeface="맑은 고딕" charset="0"/>
+              </a:rPr>
+              <a:t>.</a:t>
+            </a:r>
+            <a:r>
+              <a:rPr sz="1800">
+                <a:latin typeface="맑은 고딕" charset="0"/>
+                <a:ea typeface="맑은 고딕" charset="0"/>
+              </a:rPr>
+              <a:t> </a:t>
+            </a:r>
+            <a:r>
+              <a:rPr lang="ko-KR" sz="1800">
+                <a:latin typeface="맑은 고딕" charset="0"/>
+                <a:ea typeface="맑은 고딕" charset="0"/>
+              </a:rPr>
+              <a:t>이제 Spot Light </a:t>
+            </a:r>
+            <a:r>
+              <a:rPr lang="ko-KR" sz="1800">
+                <a:latin typeface="맑은 고딕" charset="0"/>
+                <a:ea typeface="맑은 고딕" charset="0"/>
+              </a:rPr>
+              <a:t>오브젝트의 </a:t>
+            </a:r>
+            <a:r>
+              <a:rPr lang="ko-KR" sz="1800">
+                <a:latin typeface="맑은 고딕" charset="0"/>
+                <a:ea typeface="맑은 고딕" charset="0"/>
+              </a:rPr>
+              <a:t>위치와</a:t>
+            </a:r>
+            <a:r>
+              <a:rPr lang="ko-KR" sz="1800">
+                <a:latin typeface="맑은 고딕" charset="0"/>
+                <a:ea typeface="맑은 고딕" charset="0"/>
+              </a:rPr>
+              <a:t> 회전 값을 설정합니</a:t>
+            </a:r>
+            <a:r>
+              <a:rPr lang="ko-KR" sz="1800">
+                <a:latin typeface="맑은 고딕" charset="0"/>
+                <a:ea typeface="맑은 고딕" charset="0"/>
+              </a:rPr>
+              <a:t>다.</a:t>
+            </a:r>
+            <a:endParaRPr lang="ko-KR" altLang="en-US" sz="1800">
+              <a:latin typeface="맑은 고딕" charset="0"/>
+              <a:ea typeface="맑은 고딕" charset="0"/>
+            </a:endParaRPr>
+          </a:p>
+        </p:txBody>
+      </p:sp>
+      <p:sp>
+        <p:nvSpPr>
+          <p:cNvPr id="1184" name="텍스트 상자 39"/>
+          <p:cNvSpPr txBox="1">
+            <a:spLocks/>
+          </p:cNvSpPr>
+          <p:nvPr/>
+        </p:nvSpPr>
+        <p:spPr>
+          <a:xfrm rot="0">
+            <a:off x="6839585" y="5283200"/>
+            <a:ext cx="4114800" cy="923925"/>
+          </a:xfrm>
+          <a:prstGeom prst="rect"/>
+          <a:noFill/>
+          <a:ln w="0">
+            <a:noFill/>
+            <a:prstDash/>
+          </a:ln>
+        </p:spPr>
+        <p:txBody>
+          <a:bodyPr wrap="square" lIns="89535" tIns="46355" rIns="89535" bIns="46355" numCol="1" vert="horz" anchor="t">
+            <a:spAutoFit/>
+          </a:bodyPr>
+          <a:lstStyle/>
+          <a:p>
+            <a:pPr marL="0" indent="0" rtl="0" algn="l" defTabSz="914400" eaLnBrk="1" latinLnBrk="0" hangingPunct="1">
+              <a:buFontTx/>
+              <a:buNone/>
+            </a:pPr>
+            <a:r>
+              <a:rPr sz="1800" b="1">
+                <a:solidFill>
+                  <a:srgbClr val="0611F2"/>
+                </a:solidFill>
+                <a:latin typeface="맑은 고딕" charset="0"/>
+                <a:ea typeface="맑은 고딕" charset="0"/>
+              </a:rPr>
+              <a:t>2</a:t>
+            </a:r>
+            <a:r>
+              <a:rPr lang="ko-KR" sz="1800" b="1">
+                <a:solidFill>
+                  <a:srgbClr val="0611F2"/>
+                </a:solidFill>
+                <a:latin typeface="맑은 고딕" charset="0"/>
+                <a:ea typeface="맑은 고딕" charset="0"/>
+              </a:rPr>
+              <a:t>5</a:t>
+            </a:r>
+            <a:r>
+              <a:rPr sz="1800" b="1">
+                <a:solidFill>
+                  <a:srgbClr val="0611F2"/>
+                </a:solidFill>
+                <a:latin typeface="맑은 고딕" charset="0"/>
+                <a:ea typeface="맑은 고딕" charset="0"/>
+              </a:rPr>
+              <a:t>.</a:t>
+            </a:r>
+            <a:r>
+              <a:rPr sz="1800">
+                <a:latin typeface="맑은 고딕" charset="0"/>
+                <a:ea typeface="맑은 고딕" charset="0"/>
+              </a:rPr>
+              <a:t> </a:t>
+            </a:r>
+            <a:r>
+              <a:rPr lang="ko-KR" sz="1800">
+                <a:latin typeface="맑은 고딕" charset="0"/>
+                <a:ea typeface="맑은 고딕" charset="0"/>
+              </a:rPr>
+              <a:t>그다음으로 Spot Street Light </a:t>
+            </a:r>
+            <a:r>
+              <a:rPr lang="ko-KR" sz="1800">
+                <a:latin typeface="맑은 고딕" charset="0"/>
+                <a:ea typeface="맑은 고딕" charset="0"/>
+              </a:rPr>
+              <a:t>오브젝트의</a:t>
+            </a:r>
+            <a:r>
+              <a:rPr lang="ko-KR" sz="1800">
+                <a:latin typeface="맑은 고딕" charset="0"/>
+                <a:ea typeface="맑은 고딕" charset="0"/>
+              </a:rPr>
+              <a:t> </a:t>
+            </a:r>
+            <a:r>
+              <a:rPr lang="ko-KR" sz="1800">
+                <a:latin typeface="맑은 고딕" charset="0"/>
+                <a:ea typeface="맑은 고딕" charset="0"/>
+              </a:rPr>
+              <a:t>위치와 회전 값을 </a:t>
+            </a:r>
+            <a:r>
+              <a:rPr lang="ko-KR" sz="1800">
+                <a:latin typeface="맑은 고딕" charset="0"/>
+                <a:ea typeface="맑은 고딕" charset="0"/>
+              </a:rPr>
+              <a:t>설정합니</a:t>
+            </a:r>
+            <a:r>
+              <a:rPr lang="ko-KR" sz="1800">
+                <a:latin typeface="맑은 고딕" charset="0"/>
+                <a:ea typeface="맑은 고딕" charset="0"/>
+              </a:rPr>
+              <a:t>다.</a:t>
+            </a:r>
+            <a:endParaRPr lang="ko-KR" altLang="en-US" sz="1800">
+              <a:latin typeface="맑은 고딕" charset="0"/>
+              <a:ea typeface="맑은 고딕" charset="0"/>
+            </a:endParaRPr>
+          </a:p>
+        </p:txBody>
+      </p:sp>
       <p:pic>
         <p:nvPicPr>
-          <p:cNvPr id="1168" name="그림 25" descr="C:/Users/Admin1/AppData/Roaming/PolarisOffice/ETemp/1284_18416448/fImage483792641478.png"/>
+          <p:cNvPr id="1190" name="그림 30" descr="C:/Users/Admin1/AppData/Roaming/PolarisOffice/ETemp/2672_21102392/fImage229563871478.png"/>
           <p:cNvPicPr>
             <a:picLocks noChangeAspect="1"/>
           </p:cNvPicPr>
           <p:nvPr/>
         </p:nvPicPr>
         <p:blipFill rotWithShape="1">
-          <a:blip r:embed="rId4" cstate="hqprint">
+          <a:blip r:embed="rId15" cstate="print">
+            <a:extLst>
+              <a:ext uri="{28A0092B-C50C-407E-A947-70E740481C1C}">
+                <a14:useLocalDpi xmlns:a14="http://schemas.microsoft.com/office/drawing/2010/main" val="0"/>
+              </a:ext>
+            </a:extLst>
+          </a:blip>
+          <a:stretch>
+            <a:fillRect/>
+          </a:stretch>
+        </p:blipFill>
+        <p:spPr>
+          <a:xfrm rot="0">
+            <a:off x="2745105" y="4000500"/>
+            <a:ext cx="2624455" cy="1153795"/>
+          </a:xfrm>
+          <a:prstGeom prst="roundRect"/>
+          <a:solidFill>
+            <a:srgbClr val="EDEDED"/>
+          </a:solidFill>
+        </p:spPr>
+      </p:pic>
+      <p:pic>
+        <p:nvPicPr>
+          <p:cNvPr id="1191" name="그림 35" descr="C:/Users/Admin1/AppData/Roaming/PolarisOffice/ETemp/2672_21102392/fImage96783909358.png"/>
+          <p:cNvPicPr>
+            <a:picLocks noChangeAspect="1"/>
+          </p:cNvPicPr>
+          <p:nvPr/>
+        </p:nvPicPr>
+        <p:blipFill rotWithShape="1">
+          <a:blip r:embed="rId16" cstate="print">
+            <a:extLst>
+              <a:ext uri="{28A0092B-C50C-407E-A947-70E740481C1C}">
+                <a14:useLocalDpi xmlns:a14="http://schemas.microsoft.com/office/drawing/2010/main" val="0"/>
+              </a:ext>
+            </a:extLst>
+          </a:blip>
+          <a:stretch>
+            <a:fillRect/>
+          </a:stretch>
+        </p:blipFill>
+        <p:spPr>
+          <a:xfrm rot="0">
+            <a:off x="1222375" y="4001770"/>
+            <a:ext cx="1376045" cy="1159510"/>
+          </a:xfrm>
+          <a:prstGeom prst="roundRect"/>
+          <a:solidFill>
+            <a:srgbClr val="EDEDED"/>
+          </a:solidFill>
+        </p:spPr>
+      </p:pic>
+      <p:pic>
+        <p:nvPicPr>
+          <p:cNvPr id="1192" name="그림 36" descr="C:/Users/Admin1/AppData/Roaming/PolarisOffice/ETemp/2672_21102392/fImage22421721541.png"/>
+          <p:cNvPicPr>
+            <a:picLocks noChangeAspect="1"/>
+          </p:cNvPicPr>
+          <p:nvPr/>
+        </p:nvPicPr>
+        <p:blipFill rotWithShape="1">
+          <a:blip r:embed="rId17" cstate="hqprint">
             <a:extLst>
               <a:ext uri="{28A0092B-C50C-407E-A947-70E740481C1C}">
                 <a14:useLocalDpi xmlns:a14="http://schemas.microsoft.com/office/drawing/2010/main"/>
@@ -16691,292 +16640,86 @@
           </a:stretch>
         </p:blipFill>
         <p:spPr>
-          <a:xfrm rot="0">
-            <a:off x="8243570" y="1447165"/>
-            <a:ext cx="2740025" cy="1129030"/>
-          </a:xfrm>
-          <a:prstGeom prst="roundRect"/>
-          <a:solidFill>
-            <a:srgbClr val="EDEDED"/>
-          </a:solidFill>
-        </p:spPr>
-      </p:pic>
-      <p:sp>
-        <p:nvSpPr>
-          <p:cNvPr id="1171" name="텍스트 상자 34"/>
-          <p:cNvSpPr txBox="1">
-            <a:spLocks/>
-          </p:cNvSpPr>
-          <p:nvPr/>
-        </p:nvSpPr>
-        <p:spPr>
-          <a:xfrm rot="0">
-            <a:off x="6848475" y="2643505"/>
-            <a:ext cx="4126230" cy="954405"/>
+          <a:xfrm rot="10800000">
+            <a:off x="2277745" y="4368800"/>
+            <a:ext cx="676275" cy="412115"/>
           </a:xfrm>
           <a:prstGeom prst="rect"/>
           <a:noFill/>
-          <a:ln w="0">
-            <a:noFill/>
-            <a:prstDash/>
-          </a:ln>
-        </p:spPr>
-        <p:txBody>
-          <a:bodyPr wrap="square" lIns="89535" tIns="46355" rIns="89535" bIns="46355" numCol="1" vert="horz" anchor="t">
-            <a:spAutoFit/>
-          </a:bodyPr>
-          <a:lstStyle/>
-          <a:p>
-            <a:pPr marL="0" indent="0" algn="l" latinLnBrk="0" hangingPunct="1">
-              <a:buFontTx/>
-              <a:buNone/>
-            </a:pPr>
-            <a:r>
-              <a:rPr lang="ko-KR" sz="2000" b="1">
-                <a:solidFill>
-                  <a:srgbClr val="0611F2"/>
-                </a:solidFill>
-                <a:latin typeface="맑은 고딕" charset="0"/>
-                <a:ea typeface="맑은 고딕" charset="0"/>
-              </a:rPr>
-              <a:t>2</a:t>
-            </a:r>
-            <a:r>
-              <a:rPr lang="ko-KR" sz="2000" b="1">
-                <a:solidFill>
-                  <a:srgbClr val="0611F2"/>
-                </a:solidFill>
-                <a:latin typeface="맑은 고딕" charset="0"/>
-                <a:ea typeface="맑은 고딕" charset="0"/>
-              </a:rPr>
-              <a:t>1</a:t>
-            </a:r>
-            <a:r>
-              <a:rPr lang="ko-KR" sz="2000" b="1">
-                <a:solidFill>
-                  <a:srgbClr val="0611F2"/>
-                </a:solidFill>
-                <a:latin typeface="맑은 고딕" charset="0"/>
-                <a:ea typeface="맑은 고딕" charset="0"/>
-              </a:rPr>
-              <a:t>.</a:t>
-            </a:r>
-            <a:r>
-              <a:rPr lang="ko-KR" sz="2000" b="1">
-                <a:solidFill>
-                  <a:srgbClr val="0611F2"/>
-                </a:solidFill>
-                <a:latin typeface="맑은 고딕" charset="0"/>
-                <a:ea typeface="맑은 고딕" charset="0"/>
-              </a:rPr>
-              <a:t> </a:t>
-            </a:r>
-            <a:r>
-              <a:rPr lang="ko-KR" sz="1800">
-                <a:latin typeface="맑은 고딕" charset="0"/>
-                <a:ea typeface="맑은 고딕" charset="0"/>
-              </a:rPr>
-              <a:t>그러고 나서 Project 폴더 아래에 </a:t>
-            </a:r>
-            <a:r>
-              <a:rPr lang="ko-KR" sz="1800">
-                <a:latin typeface="맑은 고딕" charset="0"/>
-                <a:ea typeface="맑은 고딕" charset="0"/>
-              </a:rPr>
-              <a:t>있는</a:t>
-            </a:r>
-            <a:r>
-              <a:rPr lang="ko-KR" sz="1800">
-                <a:latin typeface="맑은 고딕" charset="0"/>
-                <a:ea typeface="맑은 고딕" charset="0"/>
-              </a:rPr>
-              <a:t> </a:t>
-            </a:r>
-            <a:r>
-              <a:rPr lang="ko-KR" sz="1800">
-                <a:latin typeface="맑은 고딕" charset="0"/>
-                <a:ea typeface="맑은 고딕" charset="0"/>
-              </a:rPr>
-              <a:t>Texture</a:t>
-            </a:r>
-            <a:r>
-              <a:rPr lang="ko-KR" sz="1800">
-                <a:latin typeface="맑은 고딕" charset="0"/>
-                <a:ea typeface="맑은 고딕" charset="0"/>
-              </a:rPr>
-              <a:t> </a:t>
-            </a:r>
-            <a:r>
-              <a:rPr lang="ko-KR" sz="1800">
-                <a:latin typeface="맑은 고딕" charset="0"/>
-                <a:ea typeface="맑은 고딕" charset="0"/>
-              </a:rPr>
-              <a:t>폴더에</a:t>
-            </a:r>
-            <a:r>
-              <a:rPr lang="ko-KR" sz="1800">
-                <a:latin typeface="맑은 고딕" charset="0"/>
-                <a:ea typeface="맑은 고딕" charset="0"/>
-              </a:rPr>
-              <a:t> Road 텍스처를 </a:t>
-            </a:r>
-            <a:r>
-              <a:rPr lang="ko-KR" sz="1800">
-                <a:latin typeface="맑은 고딕" charset="0"/>
-                <a:ea typeface="맑은 고딕" charset="0"/>
-              </a:rPr>
-              <a:t>Left</a:t>
-            </a:r>
-            <a:r>
-              <a:rPr lang="ko-KR" sz="1800">
-                <a:latin typeface="맑은 고딕" charset="0"/>
-                <a:ea typeface="맑은 고딕" charset="0"/>
-              </a:rPr>
-              <a:t> </a:t>
-            </a:r>
-            <a:r>
-              <a:rPr lang="ko-KR" sz="1800">
-                <a:latin typeface="맑은 고딕" charset="0"/>
-                <a:ea typeface="맑은 고딕" charset="0"/>
-              </a:rPr>
-              <a:t>Ground</a:t>
-            </a:r>
-            <a:r>
-              <a:rPr lang="ko-KR" sz="1800">
-                <a:latin typeface="맑은 고딕" charset="0"/>
-                <a:ea typeface="맑은 고딕" charset="0"/>
-              </a:rPr>
-              <a:t> </a:t>
-            </a:r>
-            <a:r>
-              <a:rPr lang="ko-KR" sz="1800">
-                <a:latin typeface="맑은 고딕" charset="0"/>
-                <a:ea typeface="맑은 고딕" charset="0"/>
-              </a:rPr>
-              <a:t>오브젝트에</a:t>
-            </a:r>
-            <a:r>
-              <a:rPr lang="ko-KR" sz="1800">
-                <a:latin typeface="맑은 고딕" charset="0"/>
-                <a:ea typeface="맑은 고딕" charset="0"/>
-              </a:rPr>
-              <a:t> 넣어줍니다.</a:t>
-            </a:r>
-            <a:endParaRPr lang="ko-KR" altLang="en-US" sz="1800">
-              <a:latin typeface="맑은 고딕" charset="0"/>
-              <a:ea typeface="맑은 고딕" charset="0"/>
-            </a:endParaRPr>
-          </a:p>
-        </p:txBody>
-      </p:sp>
-      <p:sp>
-        <p:nvSpPr>
-          <p:cNvPr id="1175" name="텍스트 상자 39"/>
-          <p:cNvSpPr txBox="1">
-            <a:spLocks/>
-          </p:cNvSpPr>
-          <p:nvPr/>
-        </p:nvSpPr>
-        <p:spPr>
-          <a:xfrm rot="0">
-            <a:off x="1223010" y="5523865"/>
-            <a:ext cx="4144010" cy="677545"/>
-          </a:xfrm>
-          <a:prstGeom prst="rect"/>
-          <a:noFill/>
-          <a:ln w="0">
-            <a:noFill/>
-            <a:prstDash/>
-          </a:ln>
-        </p:spPr>
-        <p:txBody>
-          <a:bodyPr wrap="square" lIns="89535" tIns="46355" rIns="89535" bIns="46355" numCol="1" vert="horz" anchor="t">
-            <a:spAutoFit/>
-          </a:bodyPr>
-          <a:lstStyle/>
-          <a:p>
-            <a:pPr marL="0" indent="0" algn="l" latinLnBrk="0" hangingPunct="1">
-              <a:buFontTx/>
-              <a:buNone/>
-            </a:pPr>
-            <a:r>
-              <a:rPr lang="ko-KR" sz="2000" b="1">
-                <a:solidFill>
-                  <a:srgbClr val="0611F2"/>
-                </a:solidFill>
-                <a:latin typeface="맑은 고딕" charset="0"/>
-                <a:ea typeface="맑은 고딕" charset="0"/>
-              </a:rPr>
-              <a:t>2</a:t>
-            </a:r>
-            <a:r>
-              <a:rPr lang="ko-KR" sz="2000" b="1">
-                <a:solidFill>
-                  <a:srgbClr val="0611F2"/>
-                </a:solidFill>
-                <a:latin typeface="맑은 고딕" charset="0"/>
-                <a:ea typeface="맑은 고딕" charset="0"/>
-              </a:rPr>
-              <a:t>0</a:t>
-            </a:r>
-            <a:r>
-              <a:rPr lang="ko-KR" sz="2000" b="1">
-                <a:solidFill>
-                  <a:srgbClr val="0611F2"/>
-                </a:solidFill>
-                <a:latin typeface="맑은 고딕" charset="0"/>
-                <a:ea typeface="맑은 고딕" charset="0"/>
-              </a:rPr>
-              <a:t>.</a:t>
-            </a:r>
-            <a:r>
-              <a:rPr lang="ko-KR" sz="2000" b="1">
-                <a:solidFill>
-                  <a:srgbClr val="0611F2"/>
-                </a:solidFill>
-                <a:latin typeface="맑은 고딕" charset="0"/>
-                <a:ea typeface="맑은 고딕" charset="0"/>
-              </a:rPr>
-              <a:t> </a:t>
-            </a:r>
-            <a:r>
-              <a:rPr lang="ko-KR" sz="1800">
-                <a:latin typeface="맑은 고딕" charset="0"/>
-                <a:ea typeface="맑은 고딕" charset="0"/>
-              </a:rPr>
-              <a:t>그다음 Left Ground 오브젝트에 </a:t>
-            </a:r>
-            <a:r>
-              <a:rPr lang="ko-KR" sz="1800">
-                <a:latin typeface="맑은 고딕" charset="0"/>
-                <a:ea typeface="맑은 고딕" charset="0"/>
-              </a:rPr>
-              <a:t>Contribute</a:t>
-            </a:r>
-            <a:r>
-              <a:rPr lang="ko-KR" sz="1800">
-                <a:latin typeface="맑은 고딕" charset="0"/>
-                <a:ea typeface="맑은 고딕" charset="0"/>
-              </a:rPr>
-              <a:t> GI를 설정합니다.</a:t>
-            </a:r>
-            <a:endParaRPr lang="ko-KR" altLang="en-US" sz="1800">
-              <a:latin typeface="맑은 고딕" charset="0"/>
-              <a:ea typeface="맑은 고딕" charset="0"/>
-            </a:endParaRPr>
-          </a:p>
-        </p:txBody>
-      </p:sp>
+        </p:spPr>
+      </p:pic>
       <p:pic>
         <p:nvPicPr>
-          <p:cNvPr id="1180" name="그림 34" descr="C:/Users/Admin1/AppData/Roaming/PolarisOffice/ETemp/1284_18416448/fImage92251886334.png"/>
+          <p:cNvPr id="1193" name="그림 37" descr="C:/Users/Admin1/AppData/Roaming/PolarisOffice/ETemp/2672_21102392/fImage96793926962.png"/>
           <p:cNvPicPr>
             <a:picLocks noChangeAspect="1"/>
           </p:cNvPicPr>
           <p:nvPr/>
         </p:nvPicPr>
         <p:blipFill rotWithShape="1">
-          <a:blip r:embed="rId9" cstate="hqprint">
+          <a:blip r:embed="rId18" cstate="print">
+            <a:extLst>
+              <a:ext uri="{28A0092B-C50C-407E-A947-70E740481C1C}">
+                <a14:useLocalDpi xmlns:a14="http://schemas.microsoft.com/office/drawing/2010/main" val="0"/>
+              </a:ext>
+            </a:extLst>
+          </a:blip>
+          <a:stretch>
+            <a:fillRect/>
+          </a:stretch>
+        </p:blipFill>
+        <p:spPr>
+          <a:xfrm rot="0">
+            <a:off x="6838950" y="1438910"/>
+            <a:ext cx="1379220" cy="1167765"/>
+          </a:xfrm>
+          <a:prstGeom prst="roundRect"/>
+          <a:solidFill>
+            <a:srgbClr val="EDEDED"/>
+          </a:solidFill>
+        </p:spPr>
+      </p:pic>
+      <p:pic>
+        <p:nvPicPr>
+          <p:cNvPr id="1194" name="그림 40" descr="C:/Users/Admin1/AppData/Roaming/PolarisOffice/ETemp/2672_21102392/fImage229293934464.png"/>
+          <p:cNvPicPr>
+            <a:picLocks noChangeAspect="1"/>
+          </p:cNvPicPr>
+          <p:nvPr/>
+        </p:nvPicPr>
+        <p:blipFill rotWithShape="1">
+          <a:blip r:embed="rId19" cstate="print">
+            <a:extLst>
+              <a:ext uri="{28A0092B-C50C-407E-A947-70E740481C1C}">
+                <a14:useLocalDpi xmlns:a14="http://schemas.microsoft.com/office/drawing/2010/main" val="0"/>
+              </a:ext>
+            </a:extLst>
+          </a:blip>
+          <a:stretch>
+            <a:fillRect/>
+          </a:stretch>
+        </p:blipFill>
+        <p:spPr>
+          <a:xfrm rot="0">
+            <a:off x="8364855" y="1444625"/>
+            <a:ext cx="2589530" cy="1162685"/>
+          </a:xfrm>
+          <a:prstGeom prst="roundRect"/>
+          <a:solidFill>
+            <a:srgbClr val="EDEDED"/>
+          </a:solidFill>
+        </p:spPr>
+      </p:pic>
+      <p:pic>
+        <p:nvPicPr>
+          <p:cNvPr id="1195" name="그림 43" descr="C:/Users/Admin1/AppData/Roaming/PolarisOffice/ETemp/2672_21102392/fImage22421721541.png"/>
+          <p:cNvPicPr>
+            <a:picLocks noChangeAspect="1"/>
+          </p:cNvPicPr>
+          <p:nvPr/>
+        </p:nvPicPr>
+        <p:blipFill rotWithShape="1">
+          <a:blip r:embed="rId17" cstate="hqprint">
             <a:extLst>
               <a:ext uri="{28A0092B-C50C-407E-A947-70E740481C1C}">
                 <a14:useLocalDpi xmlns:a14="http://schemas.microsoft.com/office/drawing/2010/main"/>
@@ -16988,418 +16731,24 @@
           </a:stretch>
         </p:blipFill>
         <p:spPr>
-          <a:xfrm rot="0">
-            <a:off x="2592705" y="1455420"/>
-            <a:ext cx="2769235" cy="1120775"/>
-          </a:xfrm>
-          <a:prstGeom prst="roundRect"/>
-          <a:solidFill>
-            <a:srgbClr val="EDEDED"/>
-          </a:solidFill>
+          <a:xfrm rot="10800000">
+            <a:off x="7926070" y="1816735"/>
+            <a:ext cx="676275" cy="412115"/>
+          </a:xfrm>
+          <a:prstGeom prst="rect"/>
+          <a:noFill/>
         </p:spPr>
       </p:pic>
       <p:pic>
         <p:nvPicPr>
-          <p:cNvPr id="1181" name="그림 35" descr="C:/Users/Admin1/AppData/Roaming/PolarisOffice/ETemp/1284_18416448/fImage86201896500.png"/>
+          <p:cNvPr id="1196" name="그림 44" descr="C:/Users/Admin1/AppData/Roaming/PolarisOffice/ETemp/2672_21102392/fImage141733955705.png"/>
           <p:cNvPicPr>
             <a:picLocks noChangeAspect="1"/>
           </p:cNvPicPr>
           <p:nvPr/>
         </p:nvPicPr>
         <p:blipFill rotWithShape="1">
-          <a:blip r:embed="rId10" cstate="hqprint">
-            <a:extLst>
-              <a:ext uri="{28A0092B-C50C-407E-A947-70E740481C1C}">
-                <a14:useLocalDpi xmlns:a14="http://schemas.microsoft.com/office/drawing/2010/main"/>
-              </a:ext>
-            </a:extLst>
-          </a:blip>
-          <a:stretch>
-            <a:fillRect/>
-          </a:stretch>
-        </p:blipFill>
-        <p:spPr>
-          <a:xfrm rot="0">
-            <a:off x="1223645" y="1438275"/>
-            <a:ext cx="1241425" cy="1136015"/>
-          </a:xfrm>
-          <a:prstGeom prst="roundRect"/>
-          <a:solidFill>
-            <a:srgbClr val="EDEDED"/>
-          </a:solidFill>
-        </p:spPr>
-      </p:pic>
-      <p:sp>
-        <p:nvSpPr>
-          <p:cNvPr id="1182" name="텍스트 상자 36"/>
-          <p:cNvSpPr txBox="1">
-            <a:spLocks/>
-          </p:cNvSpPr>
-          <p:nvPr/>
-        </p:nvSpPr>
-        <p:spPr>
-          <a:xfrm rot="0">
-            <a:off x="1223645" y="2693035"/>
-            <a:ext cx="4144010" cy="923925"/>
-          </a:xfrm>
-          <a:prstGeom prst="rect"/>
-          <a:noFill/>
-          <a:ln w="0">
-            <a:noFill/>
-            <a:prstDash/>
-          </a:ln>
-        </p:spPr>
-        <p:txBody>
-          <a:bodyPr wrap="square" lIns="89535" tIns="46355" rIns="89535" bIns="46355" numCol="1" vert="horz" anchor="t">
-            <a:spAutoFit/>
-          </a:bodyPr>
-          <a:lstStyle/>
-          <a:p>
-            <a:pPr marL="0" indent="0" rtl="0" algn="l" defTabSz="914400" eaLnBrk="1" latinLnBrk="0" hangingPunct="1">
-              <a:buFontTx/>
-              <a:buNone/>
-            </a:pPr>
-            <a:r>
-              <a:rPr sz="1800" b="1">
-                <a:solidFill>
-                  <a:srgbClr val="0611F2"/>
-                </a:solidFill>
-                <a:latin typeface="맑은 고딕" charset="0"/>
-                <a:ea typeface="맑은 고딕" charset="0"/>
-              </a:rPr>
-              <a:t>1</a:t>
-            </a:r>
-            <a:r>
-              <a:rPr sz="1800" b="1">
-                <a:solidFill>
-                  <a:srgbClr val="0611F2"/>
-                </a:solidFill>
-                <a:latin typeface="맑은 고딕" charset="0"/>
-                <a:ea typeface="맑은 고딕" charset="0"/>
-              </a:rPr>
-              <a:t>9</a:t>
-            </a:r>
-            <a:r>
-              <a:rPr sz="1800" b="1">
-                <a:solidFill>
-                  <a:srgbClr val="0611F2"/>
-                </a:solidFill>
-                <a:latin typeface="맑은 고딕" charset="0"/>
-                <a:ea typeface="맑은 고딕" charset="0"/>
-              </a:rPr>
-              <a:t>.</a:t>
-            </a:r>
-            <a:r>
-              <a:rPr sz="1800">
-                <a:latin typeface="맑은 고딕" charset="0"/>
-                <a:ea typeface="맑은 고딕" charset="0"/>
-              </a:rPr>
-              <a:t> </a:t>
-            </a:r>
-            <a:r>
-              <a:rPr lang="ko-KR" sz="1800">
-                <a:latin typeface="맑은 고딕" charset="0"/>
-                <a:ea typeface="맑은 고딕" charset="0"/>
-              </a:rPr>
-              <a:t>그런 다음 Project 폴더에 있는 </a:t>
-            </a:r>
-            <a:r>
-              <a:rPr lang="ko-KR" sz="1800">
-                <a:latin typeface="맑은 고딕" charset="0"/>
-                <a:ea typeface="맑은 고딕" charset="0"/>
-              </a:rPr>
-              <a:t>Model</a:t>
-            </a:r>
-            <a:r>
-              <a:rPr lang="ko-KR" sz="1800">
-                <a:latin typeface="맑은 고딕" charset="0"/>
-                <a:ea typeface="맑은 고딕" charset="0"/>
-              </a:rPr>
-              <a:t> </a:t>
-            </a:r>
-            <a:r>
-              <a:rPr lang="ko-KR" sz="1800">
-                <a:latin typeface="맑은 고딕" charset="0"/>
-                <a:ea typeface="맑은 고딕" charset="0"/>
-              </a:rPr>
-              <a:t>폴더에</a:t>
-            </a:r>
-            <a:r>
-              <a:rPr lang="ko-KR" sz="1800">
-                <a:latin typeface="맑은 고딕" charset="0"/>
-                <a:ea typeface="맑은 고딕" charset="0"/>
-              </a:rPr>
-              <a:t> Robot 모델을 월드 </a:t>
-            </a:r>
-            <a:r>
-              <a:rPr lang="ko-KR" sz="1800">
-                <a:latin typeface="맑은 고딕" charset="0"/>
-                <a:ea typeface="맑은 고딕" charset="0"/>
-              </a:rPr>
-              <a:t>공간에</a:t>
-            </a:r>
-            <a:r>
-              <a:rPr lang="ko-KR" sz="1800">
-                <a:latin typeface="맑은 고딕" charset="0"/>
-                <a:ea typeface="맑은 고딕" charset="0"/>
-              </a:rPr>
-              <a:t> </a:t>
-            </a:r>
-            <a:r>
-              <a:rPr lang="ko-KR" sz="1800">
-                <a:latin typeface="맑은 고딕" charset="0"/>
-                <a:ea typeface="맑은 고딕" charset="0"/>
-              </a:rPr>
-              <a:t>배치합니다.</a:t>
-            </a:r>
-            <a:r>
-              <a:rPr lang="ko-KR" sz="1800">
-                <a:latin typeface="맑은 고딕" charset="0"/>
-                <a:ea typeface="맑은 고딕" charset="0"/>
-              </a:rPr>
-              <a:t> </a:t>
-            </a:r>
-            <a:endParaRPr lang="ko-KR" altLang="en-US" sz="1800">
-              <a:latin typeface="맑은 고딕" charset="0"/>
-              <a:ea typeface="맑은 고딕" charset="0"/>
-            </a:endParaRPr>
-          </a:p>
-        </p:txBody>
-      </p:sp>
-      <p:cxnSp>
-        <p:nvCxnSpPr>
-          <p:cNvPr id="1183" name="도형 37"/>
-          <p:cNvCxnSpPr/>
-          <p:nvPr/>
-        </p:nvCxnSpPr>
-        <p:spPr>
-          <a:xfrm rot="0" flipH="1">
-            <a:off x="1886585" y="2110740"/>
-            <a:ext cx="1672590" cy="387985"/>
-          </a:xfrm>
-          <a:prstGeom prst="straightConnector1"/>
-          <a:ln w="6350" cap="flat" cmpd="sng">
-            <a:prstDash/>
-            <a:tailEnd type="triangle" w="med" len="med"/>
-          </a:ln>
-        </p:spPr>
-        <p:style>
-          <a:lnRef idx="1">
-            <a:schemeClr val="accent1"/>
-          </a:lnRef>
-          <a:fillRef idx="0">
-            <a:schemeClr val="accent1"/>
-          </a:fillRef>
-          <a:effectRef idx="0">
-            <a:schemeClr val="accent1"/>
-          </a:effectRef>
-          <a:fontRef idx="minor">
-            <a:schemeClr val="tx1"/>
-          </a:fontRef>
-        </p:style>
-      </p:cxnSp>
-      <p:sp>
-        <p:nvSpPr>
-          <p:cNvPr id="1184" name="텍스트 상자 39"/>
-          <p:cNvSpPr txBox="1">
-            <a:spLocks/>
-          </p:cNvSpPr>
-          <p:nvPr/>
-        </p:nvSpPr>
-        <p:spPr>
-          <a:xfrm rot="0">
-            <a:off x="6839585" y="5283200"/>
-            <a:ext cx="4143375" cy="923925"/>
-          </a:xfrm>
-          <a:prstGeom prst="rect"/>
-          <a:noFill/>
-          <a:ln w="0">
-            <a:noFill/>
-            <a:prstDash/>
-          </a:ln>
-        </p:spPr>
-        <p:txBody>
-          <a:bodyPr wrap="square" lIns="89535" tIns="46355" rIns="89535" bIns="46355" numCol="1" vert="horz" anchor="t">
-            <a:spAutoFit/>
-          </a:bodyPr>
-          <a:lstStyle/>
-          <a:p>
-            <a:pPr marL="0" indent="0" rtl="0" algn="l" defTabSz="914400" eaLnBrk="1" latinLnBrk="0" hangingPunct="1">
-              <a:buFontTx/>
-              <a:buNone/>
-            </a:pPr>
-            <a:r>
-              <a:rPr sz="1800" b="1">
-                <a:solidFill>
-                  <a:srgbClr val="0611F2"/>
-                </a:solidFill>
-                <a:latin typeface="맑은 고딕" charset="0"/>
-                <a:ea typeface="맑은 고딕" charset="0"/>
-              </a:rPr>
-              <a:t>2</a:t>
-            </a:r>
-            <a:r>
-              <a:rPr lang="ko-KR" sz="1800" b="1">
-                <a:solidFill>
-                  <a:srgbClr val="0611F2"/>
-                </a:solidFill>
-                <a:latin typeface="맑은 고딕" charset="0"/>
-                <a:ea typeface="맑은 고딕" charset="0"/>
-              </a:rPr>
-              <a:t>2</a:t>
-            </a:r>
-            <a:r>
-              <a:rPr sz="1800" b="1">
-                <a:solidFill>
-                  <a:srgbClr val="0611F2"/>
-                </a:solidFill>
-                <a:latin typeface="맑은 고딕" charset="0"/>
-                <a:ea typeface="맑은 고딕" charset="0"/>
-              </a:rPr>
-              <a:t>.</a:t>
-            </a:r>
-            <a:r>
-              <a:rPr sz="1800">
-                <a:latin typeface="맑은 고딕" charset="0"/>
-                <a:ea typeface="맑은 고딕" charset="0"/>
-              </a:rPr>
-              <a:t> </a:t>
-            </a:r>
-            <a:r>
-              <a:rPr lang="ko-KR" sz="1800">
-                <a:latin typeface="맑은 고딕" charset="0"/>
-                <a:ea typeface="맑은 고딕" charset="0"/>
-              </a:rPr>
-              <a:t>이제 Robot 오브젝트에 </a:t>
-            </a:r>
-            <a:r>
-              <a:rPr lang="ko-KR" sz="1800">
-                <a:latin typeface="맑은 고딕" charset="0"/>
-                <a:ea typeface="맑은 고딕" charset="0"/>
-              </a:rPr>
-              <a:t>위치와</a:t>
-            </a:r>
-            <a:r>
-              <a:rPr lang="ko-KR" sz="1800">
-                <a:latin typeface="맑은 고딕" charset="0"/>
-                <a:ea typeface="맑은 고딕" charset="0"/>
-              </a:rPr>
-              <a:t> </a:t>
-            </a:r>
-            <a:r>
-              <a:rPr lang="ko-KR" sz="1800">
-                <a:latin typeface="맑은 고딕" charset="0"/>
-                <a:ea typeface="맑은 고딕" charset="0"/>
-              </a:rPr>
-              <a:t>회전</a:t>
-            </a:r>
-            <a:r>
-              <a:rPr lang="ko-KR" sz="1800">
-                <a:latin typeface="맑은 고딕" charset="0"/>
-                <a:ea typeface="맑은 고딕" charset="0"/>
-              </a:rPr>
-              <a:t> </a:t>
-            </a:r>
-            <a:r>
-              <a:rPr lang="ko-KR" sz="1800">
-                <a:latin typeface="맑은 고딕" charset="0"/>
-                <a:ea typeface="맑은 고딕" charset="0"/>
-              </a:rPr>
-              <a:t>값을</a:t>
-            </a:r>
-            <a:r>
-              <a:rPr lang="ko-KR" sz="1800">
-                <a:latin typeface="맑은 고딕" charset="0"/>
-                <a:ea typeface="맑은 고딕" charset="0"/>
-              </a:rPr>
-              <a:t> 설정하고 크기 값을 </a:t>
-            </a:r>
-            <a:r>
-              <a:rPr lang="ko-KR" sz="1800">
-                <a:latin typeface="맑은 고딕" charset="0"/>
-                <a:ea typeface="맑은 고딕" charset="0"/>
-              </a:rPr>
-              <a:t>설정합니다.</a:t>
-            </a:r>
-            <a:endParaRPr lang="ko-KR" altLang="en-US" sz="1800">
-              <a:latin typeface="맑은 고딕" charset="0"/>
-              <a:ea typeface="맑은 고딕" charset="0"/>
-            </a:endParaRPr>
-          </a:p>
-        </p:txBody>
-      </p:sp>
-      <p:pic>
-        <p:nvPicPr>
-          <p:cNvPr id="1185" name="그림 40" descr="C:/Users/Admin1/AppData/Roaming/PolarisOffice/ETemp/1284_18416448/fImage157022869358.png"/>
-          <p:cNvPicPr>
-            <a:picLocks noChangeAspect="1"/>
-          </p:cNvPicPr>
-          <p:nvPr/>
-        </p:nvPicPr>
-        <p:blipFill rotWithShape="1">
-          <a:blip r:embed="rId11" cstate="hqprint">
-            <a:extLst>
-              <a:ext uri="{28A0092B-C50C-407E-A947-70E740481C1C}">
-                <a14:useLocalDpi xmlns:a14="http://schemas.microsoft.com/office/drawing/2010/main"/>
-              </a:ext>
-            </a:extLst>
-          </a:blip>
-          <a:stretch>
-            <a:fillRect/>
-          </a:stretch>
-        </p:blipFill>
-        <p:spPr>
-          <a:xfrm rot="0">
-            <a:off x="6839585" y="3703955"/>
-            <a:ext cx="4143375" cy="1482090"/>
-          </a:xfrm>
-          <a:prstGeom prst="roundRect"/>
-          <a:solidFill>
-            <a:srgbClr val="EDEDED"/>
-          </a:solidFill>
-        </p:spPr>
-      </p:pic>
-      <p:pic>
-        <p:nvPicPr>
-          <p:cNvPr id="1186" name="그림 45" descr="C:/Users/Admin1/AppData/Roaming/PolarisOffice/ETemp/1284_18416448/fImage50303243281.png"/>
-          <p:cNvPicPr>
-            <a:picLocks noChangeAspect="1"/>
-          </p:cNvPicPr>
-          <p:nvPr/>
-        </p:nvPicPr>
-        <p:blipFill rotWithShape="1">
-          <a:blip r:embed="rId12" cstate="hqprint">
-            <a:extLst>
-              <a:ext uri="{28A0092B-C50C-407E-A947-70E740481C1C}">
-                <a14:useLocalDpi xmlns:a14="http://schemas.microsoft.com/office/drawing/2010/main"/>
-              </a:ext>
-            </a:extLst>
-          </a:blip>
-          <a:stretch>
-            <a:fillRect/>
-          </a:stretch>
-        </p:blipFill>
-        <p:spPr>
-          <a:xfrm rot="0">
-            <a:off x="3247390" y="3764280"/>
-            <a:ext cx="2119630" cy="1663065"/>
-          </a:xfrm>
-          <a:prstGeom prst="roundRect"/>
-          <a:solidFill>
-            <a:srgbClr val="EDEDED"/>
-          </a:solidFill>
-        </p:spPr>
-      </p:pic>
-      <p:pic>
-        <p:nvPicPr>
-          <p:cNvPr id="1187" name="그림 46" descr="C:/Users/Admin1/AppData/Roaming/PolarisOffice/ETemp/1284_18416448/fImage84844146500.png"/>
-          <p:cNvPicPr>
-            <a:picLocks noChangeAspect="1"/>
-          </p:cNvPicPr>
-          <p:nvPr/>
-        </p:nvPicPr>
-        <p:blipFill rotWithShape="1">
-          <a:blip r:embed="rId13" cstate="print">
+          <a:blip r:embed="rId20" cstate="print">
             <a:extLst>
               <a:ext uri="{28A0092B-C50C-407E-A947-70E740481C1C}">
                 <a14:useLocalDpi xmlns:a14="http://schemas.microsoft.com/office/drawing/2010/main" val="0"/>
@@ -17412,8 +16761,8 @@
         </p:blipFill>
         <p:spPr>
           <a:xfrm rot="0">
-            <a:off x="1231900" y="3764280"/>
-            <a:ext cx="1878330" cy="1654175"/>
+            <a:off x="6852285" y="3749675"/>
+            <a:ext cx="4102100" cy="1429385"/>
           </a:xfrm>
           <a:prstGeom prst="roundRect"/>
           <a:solidFill>
@@ -17423,14 +16772,14 @@
       </p:pic>
       <p:pic>
         <p:nvPicPr>
-          <p:cNvPr id="1188" name="그림 49" descr="C:/Users/Admin1/AppData/Roaming/PolarisOffice/ETemp/1284_18416448/fImage84844159169.png"/>
+          <p:cNvPr id="1197" name="그림 45" descr="C:/Users/Admin1/AppData/Roaming/PolarisOffice/ETemp/2672_21102392/fImage111763968145.png"/>
           <p:cNvPicPr>
             <a:picLocks noChangeAspect="1"/>
           </p:cNvPicPr>
           <p:nvPr/>
         </p:nvPicPr>
         <p:blipFill rotWithShape="1">
-          <a:blip r:embed="rId14" cstate="print">
+          <a:blip r:embed="rId21" cstate="print">
             <a:extLst>
               <a:ext uri="{28A0092B-C50C-407E-A947-70E740481C1C}">
                 <a14:useLocalDpi xmlns:a14="http://schemas.microsoft.com/office/drawing/2010/main" val="0"/>
@@ -17443,8 +16792,8 @@
         </p:blipFill>
         <p:spPr>
           <a:xfrm rot="0">
-            <a:off x="6830695" y="1441450"/>
-            <a:ext cx="1318895" cy="1125855"/>
+            <a:off x="1221740" y="1441450"/>
+            <a:ext cx="4147820" cy="1659255"/>
           </a:xfrm>
           <a:prstGeom prst="roundRect"/>
           <a:solidFill>
@@ -17452,38 +16801,6 @@
           </a:solidFill>
         </p:spPr>
       </p:pic>
-      <p:cxnSp>
-        <p:nvCxnSpPr>
-          <p:cNvPr id="1170" name="도형 33"/>
-          <p:cNvCxnSpPr/>
-          <p:nvPr/>
-        </p:nvCxnSpPr>
-        <p:spPr>
-          <a:xfrm rot="0" flipH="1" flipV="1">
-            <a:off x="7787005" y="1894840"/>
-            <a:ext cx="1051560" cy="138430"/>
-          </a:xfrm>
-          <a:prstGeom prst="straightConnector1"/>
-          <a:ln w="6350" cap="flat" cmpd="sng">
-            <a:prstDash/>
-            <a:tailEnd type="triangle" w="med" len="med"/>
-          </a:ln>
-        </p:spPr>
-        <p:style>
-          <a:lnRef idx="1">
-            <a:schemeClr val="accent1"/>
-          </a:lnRef>
-          <a:fillRef idx="0">
-            <a:schemeClr val="accent1"/>
-          </a:fillRef>
-          <a:effectRef idx="0">
-            <a:schemeClr val="accent1"/>
-          </a:effectRef>
-          <a:fontRef idx="minor">
-            <a:schemeClr val="tx1"/>
-          </a:fontRef>
-        </p:style>
-      </p:cxnSp>
     </p:spTree>
   </p:cSld>
   <p:clrMapOvr>
@@ -17604,8 +16921,8 @@
         </p:nvSpPr>
         <p:spPr>
           <a:xfrm rot="0">
-            <a:off x="1240790" y="5300345"/>
-            <a:ext cx="4143375" cy="923925"/>
+            <a:off x="1240790" y="5291455"/>
+            <a:ext cx="4128770" cy="923925"/>
           </a:xfrm>
           <a:prstGeom prst="rect"/>
           <a:noFill/>
@@ -17642,7 +16959,7 @@
                 <a:latin typeface="맑은 고딕" charset="0"/>
                 <a:ea typeface="맑은 고딕" charset="0"/>
               </a:rPr>
-              <a:t>4</a:t>
+              <a:t>7</a:t>
             </a:r>
             <a:r>
               <a:rPr sz="1800" b="1">
@@ -17666,14 +16983,14 @@
                 <a:latin typeface="맑은 고딕" charset="0"/>
                 <a:ea typeface="맑은 고딕" charset="0"/>
               </a:rPr>
-              <a:t>그런 다음 Right Ground </a:t>
-            </a:r>
-            <a:r>
-              <a:rPr lang="ko-KR" sz="1800">
-                <a:latin typeface="맑은 고딕" charset="0"/>
-                <a:ea typeface="맑은 고딕" charset="0"/>
-              </a:rPr>
-              <a:t>오브젝트에</a:t>
+              <a:t>이제 </a:t>
+            </a:r>
+            <a:r>
+              <a:rPr lang="ko-KR" sz="1800">
+                <a:latin typeface="맑은 고딕" charset="0"/>
+                <a:ea typeface="맑은 고딕" charset="0"/>
+              </a:rPr>
+              <a:t>Movement</a:t>
             </a:r>
             <a:r>
               <a:rPr lang="ko-KR" sz="1800">
@@ -17687,21 +17004,49 @@
                 <a:latin typeface="맑은 고딕" charset="0"/>
                 <a:ea typeface="맑은 고딕" charset="0"/>
               </a:rPr>
-              <a:t>Contribute</a:t>
-            </a:r>
-            <a:r>
-              <a:rPr lang="ko-KR" sz="1800">
-                <a:latin typeface="맑은 고딕" charset="0"/>
-                <a:ea typeface="맑은 고딕" charset="0"/>
-              </a:rPr>
-              <a:t> GI를 </a:t>
-            </a:r>
-            <a:r>
-              <a:rPr lang="ko-KR" sz="1800">
-                <a:latin typeface="맑은 고딕" charset="0"/>
-                <a:ea typeface="맑은 고딕" charset="0"/>
-              </a:rPr>
-              <a:t>설정합니다.</a:t>
+              <a:t>스크립트의 </a:t>
+            </a:r>
+            <a:r>
+              <a:rPr lang="ko-KR" sz="1800">
+                <a:latin typeface="맑은 고딕" charset="0"/>
+                <a:ea typeface="맑은 고딕" charset="0"/>
+              </a:rPr>
+              <a:t>Destination</a:t>
+            </a:r>
+            <a:r>
+              <a:rPr lang="ko-KR" sz="1800">
+                <a:latin typeface="맑은 고딕" charset="0"/>
+                <a:ea typeface="맑은 고딕" charset="0"/>
+              </a:rPr>
+              <a:t> 변수에 </a:t>
+            </a:r>
+            <a:r>
+              <a:rPr lang="ko-KR" sz="1800">
+                <a:latin typeface="맑은 고딕" charset="0"/>
+                <a:ea typeface="맑은 고딕" charset="0"/>
+              </a:rPr>
+              <a:t>Arrival Point </a:t>
+            </a:r>
+            <a:r>
+              <a:rPr lang="ko-KR" sz="1800">
+                <a:latin typeface="맑은 고딕" charset="0"/>
+                <a:ea typeface="맑은 고딕" charset="0"/>
+              </a:rPr>
+              <a:t>오브젝트를</a:t>
+            </a:r>
+            <a:r>
+              <a:rPr lang="ko-KR" sz="1800">
+                <a:latin typeface="맑은 고딕" charset="0"/>
+                <a:ea typeface="맑은 고딕" charset="0"/>
+              </a:rPr>
+              <a:t> 넣어줍니</a:t>
+            </a:r>
+            <a:r>
+              <a:rPr lang="ko-KR" sz="1800">
+                <a:latin typeface="맑은 고딕" charset="0"/>
+                <a:ea typeface="맑은 고딕" charset="0"/>
+              </a:rPr>
+              <a:t>다.</a:t>
             </a:r>
             <a:endParaRPr lang="ko-KR" altLang="en-US" sz="1800">
               <a:latin typeface="맑은 고딕" charset="0"/>
@@ -17710,16 +17055,166 @@
           </a:p>
         </p:txBody>
       </p:sp>
+      <p:sp>
+        <p:nvSpPr>
+          <p:cNvPr id="1066" name="텍스트 상자 48"/>
+          <p:cNvSpPr txBox="1">
+            <a:spLocks/>
+          </p:cNvSpPr>
+          <p:nvPr/>
+        </p:nvSpPr>
+        <p:spPr>
+          <a:xfrm rot="0">
+            <a:off x="1239520" y="2747010"/>
+            <a:ext cx="4121150" cy="1140460"/>
+          </a:xfrm>
+          <a:prstGeom prst="rect"/>
+          <a:noFill/>
+        </p:spPr>
+        <p:txBody>
+          <a:bodyPr wrap="square" lIns="0" tIns="0" rIns="0" bIns="0" numCol="1" vert="horz" anchor="t">
+            <a:noAutofit/>
+          </a:bodyPr>
+          <a:lstStyle/>
+          <a:p>
+            <a:pPr marL="0" indent="0" algn="l" latinLnBrk="0" hangingPunct="1">
+              <a:buFontTx/>
+              <a:buNone/>
+            </a:pPr>
+            <a:r>
+              <a:rPr lang="ko-KR" sz="2000" b="1">
+                <a:solidFill>
+                  <a:srgbClr val="0611F2"/>
+                </a:solidFill>
+                <a:latin typeface="맑은 고딕" charset="0"/>
+                <a:ea typeface="맑은 고딕" charset="0"/>
+              </a:rPr>
+              <a:t>2</a:t>
+            </a:r>
+            <a:r>
+              <a:rPr lang="ko-KR" sz="2000" b="1">
+                <a:solidFill>
+                  <a:srgbClr val="0611F2"/>
+                </a:solidFill>
+                <a:latin typeface="맑은 고딕" charset="0"/>
+                <a:ea typeface="맑은 고딕" charset="0"/>
+              </a:rPr>
+              <a:t>6</a:t>
+            </a:r>
+            <a:r>
+              <a:rPr lang="ko-KR" sz="2000" b="1">
+                <a:solidFill>
+                  <a:srgbClr val="0611F2"/>
+                </a:solidFill>
+                <a:latin typeface="맑은 고딕" charset="0"/>
+                <a:ea typeface="맑은 고딕" charset="0"/>
+              </a:rPr>
+              <a:t>.</a:t>
+            </a:r>
+            <a:r>
+              <a:rPr lang="ko-KR" sz="2000" b="1">
+                <a:solidFill>
+                  <a:srgbClr val="0611F2"/>
+                </a:solidFill>
+                <a:latin typeface="맑은 고딕" charset="0"/>
+                <a:ea typeface="맑은 고딕" charset="0"/>
+              </a:rPr>
+              <a:t> </a:t>
+            </a:r>
+            <a:r>
+              <a:rPr lang="ko-KR" sz="1800">
+                <a:latin typeface="맑은 고딕" charset="0"/>
+                <a:ea typeface="맑은 고딕" charset="0"/>
+              </a:rPr>
+              <a:t>그러고 나서 Project 폴더에 있는 </a:t>
+            </a:r>
+            <a:r>
+              <a:rPr lang="ko-KR" sz="1800">
+                <a:latin typeface="맑은 고딕" charset="0"/>
+                <a:ea typeface="맑은 고딕" charset="0"/>
+              </a:rPr>
+              <a:t>Model</a:t>
+            </a:r>
+            <a:r>
+              <a:rPr lang="ko-KR" sz="1800">
+                <a:latin typeface="맑은 고딕" charset="0"/>
+                <a:ea typeface="맑은 고딕" charset="0"/>
+              </a:rPr>
+              <a:t> </a:t>
+            </a:r>
+            <a:r>
+              <a:rPr lang="ko-KR" sz="1800">
+                <a:latin typeface="맑은 고딕" charset="0"/>
+                <a:ea typeface="맑은 고딕" charset="0"/>
+              </a:rPr>
+              <a:t>폴더에</a:t>
+            </a:r>
+            <a:r>
+              <a:rPr lang="ko-KR" sz="1800">
+                <a:latin typeface="맑은 고딕" charset="0"/>
+                <a:ea typeface="맑은 고딕" charset="0"/>
+              </a:rPr>
+              <a:t> Street Lamp를 월드 </a:t>
+            </a:r>
+            <a:r>
+              <a:rPr lang="ko-KR" sz="1800">
+                <a:latin typeface="맑은 고딕" charset="0"/>
+                <a:ea typeface="맑은 고딕" charset="0"/>
+              </a:rPr>
+              <a:t>공간에</a:t>
+            </a:r>
+            <a:r>
+              <a:rPr lang="ko-KR" sz="1800">
+                <a:latin typeface="맑은 고딕" charset="0"/>
+                <a:ea typeface="맑은 고딕" charset="0"/>
+              </a:rPr>
+              <a:t> </a:t>
+            </a:r>
+            <a:r>
+              <a:rPr lang="ko-KR" sz="1800">
+                <a:latin typeface="맑은 고딕" charset="0"/>
+                <a:ea typeface="맑은 고딕" charset="0"/>
+              </a:rPr>
+              <a:t>배치하고</a:t>
+            </a:r>
+            <a:r>
+              <a:rPr lang="ko-KR" sz="1800">
+                <a:latin typeface="맑은 고딕" charset="0"/>
+                <a:ea typeface="맑은 고딕" charset="0"/>
+              </a:rPr>
+              <a:t> Point Street Lamp라는 </a:t>
+            </a:r>
+            <a:r>
+              <a:rPr lang="ko-KR" sz="1800">
+                <a:latin typeface="맑은 고딕" charset="0"/>
+                <a:ea typeface="맑은 고딕" charset="0"/>
+              </a:rPr>
+              <a:t>이름으로</a:t>
+            </a:r>
+            <a:r>
+              <a:rPr lang="ko-KR" sz="1800">
+                <a:latin typeface="맑은 고딕" charset="0"/>
+                <a:ea typeface="맑은 고딕" charset="0"/>
+              </a:rPr>
+              <a:t> 정의합니다.</a:t>
+            </a:r>
+            <a:endParaRPr lang="ko-KR" altLang="en-US" sz="1800">
+              <a:latin typeface="맑은 고딕" charset="0"/>
+              <a:ea typeface="맑은 고딕" charset="0"/>
+            </a:endParaRPr>
+          </a:p>
+        </p:txBody>
+      </p:sp>
       <p:pic>
         <p:nvPicPr>
-          <p:cNvPr id="1047" name="그림 7" descr="C:/Users/Admin1/AppData/Roaming/PolarisOffice/ETemp/1284_18416448/fImage50303243281.png"/>
+          <p:cNvPr id="1067" name="그림 49" descr="C:/Users/Admin1/AppData/Roaming/PolarisOffice/ETemp/2672_21102392/fImage69173504604.png"/>
           <p:cNvPicPr>
             <a:picLocks noChangeAspect="1"/>
           </p:cNvPicPr>
           <p:nvPr/>
         </p:nvPicPr>
         <p:blipFill rotWithShape="1">
-          <a:blip r:embed="rId4" cstate="hqprint">
+          <a:blip r:embed="rId19" cstate="hqprint">
             <a:extLst>
               <a:ext uri="{28A0092B-C50C-407E-A947-70E740481C1C}">
                 <a14:useLocalDpi xmlns:a14="http://schemas.microsoft.com/office/drawing/2010/main"/>
@@ -17732,8 +17227,8 @@
         </p:blipFill>
         <p:spPr>
           <a:xfrm rot="0">
-            <a:off x="3247390" y="3757930"/>
-            <a:ext cx="2136775" cy="1376045"/>
+            <a:off x="2753995" y="1437640"/>
+            <a:ext cx="2615565" cy="1195705"/>
           </a:xfrm>
           <a:prstGeom prst="roundRect"/>
           <a:solidFill>
@@ -17743,14 +17238,45 @@
       </p:pic>
       <p:pic>
         <p:nvPicPr>
-          <p:cNvPr id="1049" name="그림 10" descr="C:/Users/Admin1/AppData/Roaming/PolarisOffice/ETemp/1284_18416448/fImage803917841.png"/>
+          <p:cNvPr id="1069" name="그림 55" descr="C:/Users/Admin1/AppData/Roaming/PolarisOffice/ETemp/2672_21102392/fImage107334023281.png"/>
           <p:cNvPicPr>
             <a:picLocks noChangeAspect="1"/>
           </p:cNvPicPr>
           <p:nvPr/>
         </p:nvPicPr>
         <p:blipFill rotWithShape="1">
-          <a:blip r:embed="rId10" cstate="hqprint">
+          <a:blip r:embed="rId20" cstate="print">
+            <a:extLst>
+              <a:ext uri="{28A0092B-C50C-407E-A947-70E740481C1C}">
+                <a14:useLocalDpi xmlns:a14="http://schemas.microsoft.com/office/drawing/2010/main" val="0"/>
+              </a:ext>
+            </a:extLst>
+          </a:blip>
+          <a:stretch>
+            <a:fillRect/>
+          </a:stretch>
+        </p:blipFill>
+        <p:spPr>
+          <a:xfrm rot="0">
+            <a:off x="1238250" y="1437640"/>
+            <a:ext cx="1377315" cy="1186815"/>
+          </a:xfrm>
+          <a:prstGeom prst="roundRect"/>
+          <a:solidFill>
+            <a:srgbClr val="EDEDED"/>
+          </a:solidFill>
+        </p:spPr>
+      </p:pic>
+      <p:pic>
+        <p:nvPicPr>
+          <p:cNvPr id="1068" name="그림 50" descr="C:/Users/Admin1/AppData/Roaming/PolarisOffice/ETemp/2672_21102392/fImage22421721541.png"/>
+          <p:cNvPicPr>
+            <a:picLocks noChangeAspect="1"/>
+          </p:cNvPicPr>
+          <p:nvPr/>
+        </p:nvPicPr>
+        <p:blipFill rotWithShape="1">
+          <a:blip r:embed="rId21" cstate="hqprint">
             <a:extLst>
               <a:ext uri="{28A0092B-C50C-407E-A947-70E740481C1C}">
                 <a14:useLocalDpi xmlns:a14="http://schemas.microsoft.com/office/drawing/2010/main"/>
@@ -17762,29 +17288,27 @@
           </a:stretch>
         </p:blipFill>
         <p:spPr>
-          <a:xfrm rot="0">
-            <a:off x="6830695" y="1444625"/>
-            <a:ext cx="1233170" cy="1120140"/>
-          </a:xfrm>
-          <a:prstGeom prst="roundRect"/>
-          <a:solidFill>
-            <a:srgbClr val="EDEDED"/>
-          </a:solidFill>
+          <a:xfrm rot="10800000">
+            <a:off x="2381250" y="1874520"/>
+            <a:ext cx="626745" cy="353060"/>
+          </a:xfrm>
+          <a:prstGeom prst="rect"/>
+          <a:noFill/>
         </p:spPr>
       </p:pic>
       <p:pic>
         <p:nvPicPr>
-          <p:cNvPr id="1050" name="그림 11" descr="C:/Users/Admin1/AppData/Roaming/PolarisOffice/ETemp/1284_18416448/fImage482571798467.png"/>
+          <p:cNvPr id="1070" name="그림 56" descr="C:/Users/Admin1/AppData/Roaming/PolarisOffice/ETemp/2672_21102392/fImage102054036827.png"/>
           <p:cNvPicPr>
             <a:picLocks noChangeAspect="1"/>
           </p:cNvPicPr>
           <p:nvPr/>
         </p:nvPicPr>
         <p:blipFill rotWithShape="1">
-          <a:blip r:embed="rId11" cstate="hqprint">
+          <a:blip r:embed="rId22" cstate="print">
             <a:extLst>
               <a:ext uri="{28A0092B-C50C-407E-A947-70E740481C1C}">
-                <a14:useLocalDpi xmlns:a14="http://schemas.microsoft.com/office/drawing/2010/main"/>
+                <a14:useLocalDpi xmlns:a14="http://schemas.microsoft.com/office/drawing/2010/main" val="0"/>
               </a:ext>
             </a:extLst>
           </a:blip>
@@ -17794,8 +17318,8 @@
         </p:blipFill>
         <p:spPr>
           <a:xfrm rot="0">
-            <a:off x="8183245" y="1450975"/>
-            <a:ext cx="2774950" cy="1108075"/>
+            <a:off x="1238250" y="4061460"/>
+            <a:ext cx="1369060" cy="1117600"/>
           </a:xfrm>
           <a:prstGeom prst="roundRect"/>
           <a:solidFill>
@@ -17803,199 +17327,52 @@
           </a:solidFill>
         </p:spPr>
       </p:pic>
-      <p:sp>
-        <p:nvSpPr>
-          <p:cNvPr id="1051" name="텍스트 상자 18"/>
-          <p:cNvSpPr txBox="1">
-            <a:spLocks/>
-          </p:cNvSpPr>
+      <p:pic>
+        <p:nvPicPr>
+          <p:cNvPr id="1071" name="그림 59" descr="C:/Users/Admin1/AppData/Roaming/PolarisOffice/ETemp/2672_21102392/fImage86244049961.png"/>
+          <p:cNvPicPr>
+            <a:picLocks noChangeAspect="1"/>
+          </p:cNvPicPr>
           <p:nvPr/>
-        </p:nvSpPr>
-        <p:spPr>
-          <a:xfrm rot="0">
-            <a:off x="6833235" y="2673350"/>
-            <a:ext cx="4132580" cy="1200785"/>
-          </a:xfrm>
-          <a:prstGeom prst="rect"/>
-          <a:noFill/>
-          <a:ln w="0">
-            <a:noFill/>
-            <a:prstDash/>
-          </a:ln>
-        </p:spPr>
-        <p:txBody>
-          <a:bodyPr wrap="square" lIns="89535" tIns="46355" rIns="89535" bIns="46355" numCol="1" vert="horz" anchor="t">
-            <a:spAutoFit/>
-          </a:bodyPr>
-          <a:lstStyle/>
-          <a:p>
-            <a:pPr marL="0" indent="0" rtl="0" algn="l" defTabSz="914400" eaLnBrk="1" latinLnBrk="0" hangingPunct="1">
-              <a:buFontTx/>
-              <a:buNone/>
-            </a:pPr>
-            <a:r>
-              <a:rPr sz="1800" b="1">
-                <a:solidFill>
-                  <a:srgbClr val="0611F2"/>
-                </a:solidFill>
-                <a:latin typeface="맑은 고딕" charset="0"/>
-                <a:ea typeface="맑은 고딕" charset="0"/>
-              </a:rPr>
-              <a:t>2</a:t>
-            </a:r>
-            <a:r>
-              <a:rPr sz="1800" b="1">
-                <a:solidFill>
-                  <a:srgbClr val="0611F2"/>
-                </a:solidFill>
-                <a:latin typeface="맑은 고딕" charset="0"/>
-                <a:ea typeface="맑은 고딕" charset="0"/>
-              </a:rPr>
-              <a:t>5</a:t>
-            </a:r>
-            <a:r>
-              <a:rPr sz="1800" b="1">
-                <a:solidFill>
-                  <a:srgbClr val="0611F2"/>
-                </a:solidFill>
-                <a:latin typeface="맑은 고딕" charset="0"/>
-                <a:ea typeface="맑은 고딕" charset="0"/>
-              </a:rPr>
-              <a:t>.</a:t>
-            </a:r>
-            <a:r>
-              <a:rPr sz="1800">
-                <a:latin typeface="맑은 고딕" charset="0"/>
-                <a:ea typeface="맑은 고딕" charset="0"/>
-              </a:rPr>
-              <a:t> </a:t>
-            </a:r>
-            <a:r>
-              <a:rPr lang="ko-KR" sz="1800">
-                <a:latin typeface="맑은 고딕" charset="0"/>
-                <a:ea typeface="맑은 고딕" charset="0"/>
-              </a:rPr>
-              <a:t>그다음으로 Project 폴더에 있는 </a:t>
-            </a:r>
-            <a:r>
-              <a:rPr lang="ko-KR" sz="1800">
-                <a:latin typeface="맑은 고딕" charset="0"/>
-                <a:ea typeface="맑은 고딕" charset="0"/>
-              </a:rPr>
-              <a:t>Texture</a:t>
-            </a:r>
-            <a:r>
-              <a:rPr lang="ko-KR" sz="1800">
-                <a:latin typeface="맑은 고딕" charset="0"/>
-                <a:ea typeface="맑은 고딕" charset="0"/>
-              </a:rPr>
-              <a:t> </a:t>
-            </a:r>
-            <a:r>
-              <a:rPr lang="ko-KR" sz="1800">
-                <a:latin typeface="맑은 고딕" charset="0"/>
-                <a:ea typeface="맑은 고딕" charset="0"/>
-              </a:rPr>
-              <a:t>폴더에</a:t>
-            </a:r>
-            <a:r>
-              <a:rPr lang="ko-KR" sz="1800">
-                <a:latin typeface="맑은 고딕" charset="0"/>
-                <a:ea typeface="맑은 고딕" charset="0"/>
-              </a:rPr>
-              <a:t> </a:t>
-            </a:r>
-            <a:r>
-              <a:rPr lang="ko-KR" sz="1800">
-                <a:latin typeface="맑은 고딕" charset="0"/>
-                <a:ea typeface="맑은 고딕" charset="0"/>
-              </a:rPr>
-              <a:t>Street</a:t>
-            </a:r>
-            <a:r>
-              <a:rPr lang="ko-KR" sz="1800">
-                <a:latin typeface="맑은 고딕" charset="0"/>
-                <a:ea typeface="맑은 고딕" charset="0"/>
-              </a:rPr>
-              <a:t> Lamp 텍스처를 </a:t>
-            </a:r>
-            <a:r>
-              <a:rPr lang="ko-KR" sz="1800">
-                <a:latin typeface="맑은 고딕" charset="0"/>
-                <a:ea typeface="맑은 고딕" charset="0"/>
-              </a:rPr>
-              <a:t>Spot</a:t>
-            </a:r>
-            <a:r>
-              <a:rPr lang="ko-KR" sz="1800">
-                <a:latin typeface="맑은 고딕" charset="0"/>
-                <a:ea typeface="맑은 고딕" charset="0"/>
-              </a:rPr>
-              <a:t> </a:t>
-            </a:r>
-            <a:r>
-              <a:rPr lang="ko-KR" sz="1800">
-                <a:latin typeface="맑은 고딕" charset="0"/>
-                <a:ea typeface="맑은 고딕" charset="0"/>
-              </a:rPr>
-              <a:t>Street</a:t>
-            </a:r>
-            <a:r>
-              <a:rPr lang="ko-KR" sz="1800">
-                <a:latin typeface="맑은 고딕" charset="0"/>
-                <a:ea typeface="맑은 고딕" charset="0"/>
-              </a:rPr>
-              <a:t> </a:t>
-            </a:r>
-            <a:r>
-              <a:rPr lang="ko-KR" sz="1800">
-                <a:latin typeface="맑은 고딕" charset="0"/>
-                <a:ea typeface="맑은 고딕" charset="0"/>
-              </a:rPr>
-              <a:t>Lamp</a:t>
-            </a:r>
-            <a:r>
-              <a:rPr lang="ko-KR" sz="1800">
-                <a:latin typeface="맑은 고딕" charset="0"/>
-                <a:ea typeface="맑은 고딕" charset="0"/>
-              </a:rPr>
-              <a:t> 오브젝트에 </a:t>
-            </a:r>
-            <a:r>
-              <a:rPr lang="ko-KR" sz="1800">
-                <a:latin typeface="맑은 고딕" charset="0"/>
-                <a:ea typeface="맑은 고딕" charset="0"/>
-              </a:rPr>
-              <a:t>넣어줍니다.</a:t>
-            </a:r>
-            <a:r>
-              <a:rPr lang="ko-KR" sz="1800">
-                <a:latin typeface="맑은 고딕" charset="0"/>
-                <a:ea typeface="맑은 고딕" charset="0"/>
-              </a:rPr>
-              <a:t> </a:t>
-            </a:r>
-            <a:endParaRPr lang="ko-KR" altLang="en-US" sz="1800">
-              <a:latin typeface="맑은 고딕" charset="0"/>
-              <a:ea typeface="맑은 고딕" charset="0"/>
-            </a:endParaRPr>
-          </a:p>
-        </p:txBody>
-      </p:sp>
+        </p:nvPicPr>
+        <p:blipFill rotWithShape="1">
+          <a:blip r:embed="rId23" cstate="print">
+            <a:extLst>
+              <a:ext uri="{28A0092B-C50C-407E-A947-70E740481C1C}">
+                <a14:useLocalDpi xmlns:a14="http://schemas.microsoft.com/office/drawing/2010/main" val="0"/>
+              </a:ext>
+            </a:extLst>
+          </a:blip>
+          <a:stretch>
+            <a:fillRect/>
+          </a:stretch>
+        </p:blipFill>
+        <p:spPr>
+          <a:xfrm rot="0">
+            <a:off x="2745105" y="4061460"/>
+            <a:ext cx="2624455" cy="1117600"/>
+          </a:xfrm>
+          <a:prstGeom prst="roundRect"/>
+          <a:solidFill>
+            <a:srgbClr val="EDEDED"/>
+          </a:solidFill>
+        </p:spPr>
+      </p:pic>
       <p:cxnSp>
         <p:nvCxnSpPr>
-          <p:cNvPr id="1052" name="도형 19"/>
+          <p:cNvPr id="1072" name="도형 62"/>
           <p:cNvCxnSpPr/>
           <p:nvPr/>
         </p:nvCxnSpPr>
         <p:spPr>
-          <a:xfrm rot="0" flipH="1">
-            <a:off x="7985125" y="1877695"/>
-            <a:ext cx="2412365" cy="337820"/>
+          <a:xfrm rot="0">
+            <a:off x="2216785" y="4762500"/>
+            <a:ext cx="3048635" cy="200025"/>
           </a:xfrm>
           <a:prstGeom prst="straightConnector1"/>
           <a:ln w="6350" cap="flat" cmpd="sng">
             <a:prstDash/>
+            <a:headEnd type="none" w="med" len="med"/>
             <a:tailEnd type="triangle" w="med" len="med"/>
           </a:ln>
         </p:spPr>
@@ -18016,7 +17393,7 @@
       </p:cxnSp>
       <p:sp>
         <p:nvSpPr>
-          <p:cNvPr id="1056" name="텍스트 상자 41"/>
+          <p:cNvPr id="1073" name="텍스트 상자 64"/>
           <p:cNvSpPr txBox="1">
             <a:spLocks/>
           </p:cNvSpPr>
@@ -18024,8 +17401,8 @@
         </p:nvSpPr>
         <p:spPr>
           <a:xfrm rot="0">
-            <a:off x="1240790" y="2663190"/>
-            <a:ext cx="4152265" cy="954405"/>
+            <a:off x="6823710" y="5273675"/>
+            <a:ext cx="4130675" cy="954405"/>
           </a:xfrm>
           <a:prstGeom prst="rect"/>
           <a:noFill/>
@@ -18035,125 +17412,110 @@
           </a:ln>
         </p:spPr>
         <p:txBody>
-          <a:bodyPr wrap="square" lIns="89535" tIns="46355" rIns="89535" bIns="46355" numCol="1" vert="horz" anchor="t">
+          <a:bodyPr wrap="square" lIns="89535" tIns="46355" rIns="89535" bIns="46355" vert="horz" anchor="t">
             <a:spAutoFit/>
           </a:bodyPr>
           <a:lstStyle/>
           <a:p>
-            <a:pPr marL="0" indent="0" algn="l" latinLnBrk="0" hangingPunct="1">
-              <a:buFontTx/>
-              <a:buNone/>
-            </a:pPr>
-            <a:r>
-              <a:rPr lang="ko-KR" sz="2000" b="1">
+            <a:pPr marL="0" indent="0" rtl="0" algn="l" defTabSz="914400" eaLnBrk="1" latinLnBrk="0" hangingPunct="1">
+              <a:buFontTx/>
+              <a:buNone/>
+            </a:pPr>
+            <a:r>
+              <a:rPr sz="2000" b="1">
                 <a:solidFill>
                   <a:srgbClr val="0611F2"/>
                 </a:solidFill>
                 <a:latin typeface="맑은 고딕" charset="0"/>
                 <a:ea typeface="맑은 고딕" charset="0"/>
               </a:rPr>
-              <a:t>23.</a:t>
-            </a:r>
-            <a:r>
-              <a:rPr lang="ko-KR" sz="2000" b="1">
+              <a:t>2</a:t>
+            </a:r>
+            <a:r>
+              <a:rPr sz="2000" b="1">
                 <a:solidFill>
                   <a:srgbClr val="0611F2"/>
                 </a:solidFill>
                 <a:latin typeface="맑은 고딕" charset="0"/>
                 <a:ea typeface="맑은 고딕" charset="0"/>
               </a:rPr>
+              <a:t>8</a:t>
+            </a:r>
+            <a:r>
+              <a:rPr sz="2000" b="1">
+                <a:solidFill>
+                  <a:srgbClr val="0611F2"/>
+                </a:solidFill>
+                <a:latin typeface="맑은 고딕" charset="0"/>
+                <a:ea typeface="맑은 고딕" charset="0"/>
+              </a:rPr>
+              <a:t>.</a:t>
+            </a:r>
+            <a:r>
+              <a:rPr sz="2000" b="1">
+                <a:solidFill>
+                  <a:srgbClr val="0611F2"/>
+                </a:solidFill>
+                <a:latin typeface="맑은 고딕" charset="0"/>
+                <a:ea typeface="맑은 고딕" charset="0"/>
+              </a:rPr>
               <a:t> </a:t>
             </a:r>
             <a:r>
-              <a:rPr lang="ko-KR" sz="1800">
-                <a:latin typeface="맑은 고딕" charset="0"/>
-                <a:ea typeface="맑은 고딕" charset="0"/>
-              </a:rPr>
-              <a:t>그리고 Project 폴더 아래에 </a:t>
-            </a:r>
-            <a:r>
-              <a:rPr lang="ko-KR" sz="1800">
-                <a:latin typeface="맑은 고딕" charset="0"/>
-                <a:ea typeface="맑은 고딕" charset="0"/>
-              </a:rPr>
-              <a:t>있는</a:t>
-            </a:r>
-            <a:r>
-              <a:rPr lang="ko-KR" sz="1800">
+              <a:rPr sz="1800">
+                <a:latin typeface="맑은 고딕" charset="0"/>
+                <a:ea typeface="맑은 고딕" charset="0"/>
+              </a:rPr>
+              <a:t>그리고 Point Street Lamp </a:t>
+            </a:r>
+            <a:r>
+              <a:rPr sz="1800">
+                <a:latin typeface="맑은 고딕" charset="0"/>
+                <a:ea typeface="맑은 고딕" charset="0"/>
+              </a:rPr>
+              <a:t>오브젝트의</a:t>
+            </a:r>
+            <a:r>
+              <a:rPr sz="1800">
                 <a:latin typeface="맑은 고딕" charset="0"/>
                 <a:ea typeface="맑은 고딕" charset="0"/>
               </a:rPr>
               <a:t> </a:t>
             </a:r>
             <a:r>
-              <a:rPr lang="ko-KR" sz="1800">
-                <a:latin typeface="맑은 고딕" charset="0"/>
-                <a:ea typeface="맑은 고딕" charset="0"/>
-              </a:rPr>
-              <a:t>Texture</a:t>
-            </a:r>
-            <a:r>
-              <a:rPr lang="ko-KR" sz="1800">
-                <a:latin typeface="맑은 고딕" charset="0"/>
-                <a:ea typeface="맑은 고딕" charset="0"/>
-              </a:rPr>
-              <a:t> </a:t>
-            </a:r>
-            <a:r>
-              <a:rPr lang="ko-KR" sz="1800">
-                <a:latin typeface="맑은 고딕" charset="0"/>
-                <a:ea typeface="맑은 고딕" charset="0"/>
-              </a:rPr>
-              <a:t>폴더에</a:t>
-            </a:r>
-            <a:r>
-              <a:rPr lang="ko-KR" sz="1800">
-                <a:latin typeface="맑은 고딕" charset="0"/>
-                <a:ea typeface="맑은 고딕" charset="0"/>
-              </a:rPr>
-              <a:t> Road 텍스처를 </a:t>
-            </a:r>
-            <a:r>
-              <a:rPr lang="ko-KR" sz="1800">
-                <a:latin typeface="맑은 고딕" charset="0"/>
-                <a:ea typeface="맑은 고딕" charset="0"/>
-              </a:rPr>
-              <a:t>Right</a:t>
-            </a:r>
-            <a:r>
-              <a:rPr lang="ko-KR" sz="1800">
-                <a:latin typeface="맑은 고딕" charset="0"/>
-                <a:ea typeface="맑은 고딕" charset="0"/>
-              </a:rPr>
-              <a:t> </a:t>
-            </a:r>
-            <a:r>
-              <a:rPr lang="ko-KR" sz="1800">
-                <a:latin typeface="맑은 고딕" charset="0"/>
-                <a:ea typeface="맑은 고딕" charset="0"/>
-              </a:rPr>
-              <a:t>Ground</a:t>
-            </a:r>
-            <a:r>
-              <a:rPr lang="ko-KR" sz="1800">
-                <a:latin typeface="맑은 고딕" charset="0"/>
-                <a:ea typeface="맑은 고딕" charset="0"/>
-              </a:rPr>
-              <a:t> </a:t>
-            </a:r>
-            <a:r>
-              <a:rPr lang="ko-KR" sz="1800">
-                <a:latin typeface="맑은 고딕" charset="0"/>
-                <a:ea typeface="맑은 고딕" charset="0"/>
-              </a:rPr>
-              <a:t>오브젝트에</a:t>
-            </a:r>
-            <a:r>
-              <a:rPr lang="ko-KR" sz="1800">
-                <a:latin typeface="맑은 고딕" charset="0"/>
-                <a:ea typeface="맑은 고딕" charset="0"/>
-              </a:rPr>
-              <a:t> 넣어줍니다.</a:t>
+              <a:rPr sz="1800">
+                <a:latin typeface="맑은 고딕" charset="0"/>
+                <a:ea typeface="맑은 고딕" charset="0"/>
+              </a:rPr>
+              <a:t>하위</a:t>
+            </a:r>
+            <a:r>
+              <a:rPr sz="1800">
+                <a:latin typeface="맑은 고딕" charset="0"/>
+                <a:ea typeface="맑은 고딕" charset="0"/>
+              </a:rPr>
+              <a:t> 오브젝트로 Light에 </a:t>
+            </a:r>
+            <a:r>
+              <a:rPr sz="1800">
+                <a:latin typeface="맑은 고딕" charset="0"/>
+                <a:ea typeface="맑은 고딕" charset="0"/>
+              </a:rPr>
+              <a:t>Point</a:t>
+            </a:r>
+            <a:r>
+              <a:rPr sz="1800">
+                <a:latin typeface="맑은 고딕" charset="0"/>
+                <a:ea typeface="맑은 고딕" charset="0"/>
+              </a:rPr>
+              <a:t> Light를 </a:t>
+            </a:r>
+            <a:r>
+              <a:rPr sz="1800">
+                <a:latin typeface="맑은 고딕" charset="0"/>
+                <a:ea typeface="맑은 고딕" charset="0"/>
+              </a:rPr>
+              <a:t>생성합니다.</a:t>
             </a:r>
             <a:endParaRPr lang="ko-KR" altLang="en-US" sz="1800">
               <a:latin typeface="맑은 고딕" charset="0"/>
@@ -18164,14 +17526,14 @@
       </p:sp>
       <p:pic>
         <p:nvPicPr>
-          <p:cNvPr id="1057" name="그림 42" descr="C:/Users/Admin1/AppData/Roaming/PolarisOffice/ETemp/1284_18416448/fImage483792756962.png"/>
+          <p:cNvPr id="1074" name="그림 65" descr="C:/Users/Admin1/AppData/Roaming/PolarisOffice/ETemp/2672_21102392/fImage11599409491.png"/>
           <p:cNvPicPr>
             <a:picLocks noChangeAspect="1"/>
           </p:cNvPicPr>
           <p:nvPr/>
         </p:nvPicPr>
         <p:blipFill rotWithShape="1">
-          <a:blip r:embed="rId14" cstate="hqprint">
+          <a:blip r:embed="rId24" cstate="hqprint">
             <a:extLst>
               <a:ext uri="{28A0092B-C50C-407E-A947-70E740481C1C}">
                 <a14:useLocalDpi xmlns:a14="http://schemas.microsoft.com/office/drawing/2010/main"/>
@@ -18184,8 +17546,8 @@
         </p:blipFill>
         <p:spPr>
           <a:xfrm rot="0">
-            <a:off x="2698750" y="1438275"/>
-            <a:ext cx="2694305" cy="1137920"/>
+            <a:off x="6823710" y="1437640"/>
+            <a:ext cx="2708275" cy="3611245"/>
           </a:xfrm>
           <a:prstGeom prst="roundRect"/>
           <a:solidFill>
@@ -18195,14 +17557,14 @@
       </p:pic>
       <p:pic>
         <p:nvPicPr>
-          <p:cNvPr id="1060" name="그림 50" descr="C:/Users/Admin1/AppData/Roaming/PolarisOffice/ETemp/1284_18416448/fImage85084165724.png"/>
+          <p:cNvPr id="1075" name="그림 66" descr="C:/Users/Admin1/AppData/Roaming/PolarisOffice/ETemp/2672_21102392/fImage107604102995.png"/>
           <p:cNvPicPr>
             <a:picLocks noChangeAspect="1"/>
           </p:cNvPicPr>
           <p:nvPr/>
         </p:nvPicPr>
         <p:blipFill rotWithShape="1">
-          <a:blip r:embed="rId15" cstate="print">
+          <a:blip r:embed="rId25" cstate="print">
             <a:extLst>
               <a:ext uri="{28A0092B-C50C-407E-A947-70E740481C1C}">
                 <a14:useLocalDpi xmlns:a14="http://schemas.microsoft.com/office/drawing/2010/main" val="0"/>
@@ -18215,8 +17577,8 @@
         </p:blipFill>
         <p:spPr>
           <a:xfrm rot="0">
-            <a:off x="1240155" y="1438275"/>
-            <a:ext cx="1353185" cy="1137920"/>
+            <a:off x="9698355" y="2346325"/>
+            <a:ext cx="1256030" cy="1793240"/>
           </a:xfrm>
           <a:prstGeom prst="roundRect"/>
           <a:solidFill>
@@ -18224,308 +17586,6 @@
           </a:solidFill>
         </p:spPr>
       </p:pic>
-      <p:cxnSp>
-        <p:nvCxnSpPr>
-          <p:cNvPr id="1059" name="도형 44"/>
-          <p:cNvCxnSpPr/>
-          <p:nvPr/>
-        </p:nvCxnSpPr>
-        <p:spPr>
-          <a:xfrm rot="0" flipH="1">
-            <a:off x="2326005" y="1964055"/>
-            <a:ext cx="965200" cy="8890"/>
-          </a:xfrm>
-          <a:prstGeom prst="straightConnector1"/>
-          <a:ln w="6350" cap="flat" cmpd="sng">
-            <a:prstDash/>
-            <a:tailEnd type="triangle" w="med" len="med"/>
-          </a:ln>
-        </p:spPr>
-        <p:style>
-          <a:lnRef idx="1">
-            <a:schemeClr val="accent1"/>
-          </a:lnRef>
-          <a:fillRef idx="0">
-            <a:schemeClr val="accent1"/>
-          </a:fillRef>
-          <a:effectRef idx="0">
-            <a:schemeClr val="accent1"/>
-          </a:effectRef>
-          <a:fontRef idx="minor">
-            <a:schemeClr val="tx1"/>
-          </a:fontRef>
-        </p:style>
-      </p:cxnSp>
-      <p:pic>
-        <p:nvPicPr>
-          <p:cNvPr id="1061" name="그림 53" descr="C:/Users/Admin1/AppData/Roaming/PolarisOffice/ETemp/1284_18416448/fImage85084171478.png"/>
-          <p:cNvPicPr>
-            <a:picLocks noChangeAspect="1"/>
-          </p:cNvPicPr>
-          <p:nvPr/>
-        </p:nvPicPr>
-        <p:blipFill rotWithShape="1">
-          <a:blip r:embed="rId16" cstate="print">
-            <a:extLst>
-              <a:ext uri="{28A0092B-C50C-407E-A947-70E740481C1C}">
-                <a14:useLocalDpi xmlns:a14="http://schemas.microsoft.com/office/drawing/2010/main" val="0"/>
-              </a:ext>
-            </a:extLst>
-          </a:blip>
-          <a:stretch>
-            <a:fillRect/>
-          </a:stretch>
-        </p:blipFill>
-        <p:spPr>
-          <a:xfrm rot="0">
-            <a:off x="1240790" y="3755390"/>
-            <a:ext cx="1835150" cy="1387475"/>
-          </a:xfrm>
-          <a:prstGeom prst="roundRect"/>
-          <a:solidFill>
-            <a:srgbClr val="EDEDED"/>
-          </a:solidFill>
-        </p:spPr>
-      </p:pic>
-      <p:pic>
-        <p:nvPicPr>
-          <p:cNvPr id="1062" name="그림 58" descr="C:/Users/Admin1/AppData/Roaming/PolarisOffice/ETemp/1284_18416448/fImage45554229358.png"/>
-          <p:cNvPicPr>
-            <a:picLocks noChangeAspect="1"/>
-          </p:cNvPicPr>
-          <p:nvPr/>
-        </p:nvPicPr>
-        <p:blipFill rotWithShape="1">
-          <a:blip r:embed="rId17" cstate="print">
-            <a:extLst>
-              <a:ext uri="{28A0092B-C50C-407E-A947-70E740481C1C}">
-                <a14:useLocalDpi xmlns:a14="http://schemas.microsoft.com/office/drawing/2010/main" val="0"/>
-              </a:ext>
-            </a:extLst>
-          </a:blip>
-          <a:stretch>
-            <a:fillRect/>
-          </a:stretch>
-        </p:blipFill>
-        <p:spPr>
-          <a:xfrm rot="0">
-            <a:off x="8183245" y="4013835"/>
-            <a:ext cx="2774315" cy="1155065"/>
-          </a:xfrm>
-          <a:prstGeom prst="roundRect"/>
-          <a:solidFill>
-            <a:srgbClr val="EDEDED"/>
-          </a:solidFill>
-        </p:spPr>
-      </p:pic>
-      <p:pic>
-        <p:nvPicPr>
-          <p:cNvPr id="1063" name="그림 61" descr="C:/Users/Admin1/AppData/Roaming/PolarisOffice/ETemp/1284_18416448/fImage86202886962.png"/>
-          <p:cNvPicPr>
-            <a:picLocks noChangeAspect="1"/>
-          </p:cNvPicPr>
-          <p:nvPr/>
-        </p:nvPicPr>
-        <p:blipFill rotWithShape="1">
-          <a:blip r:embed="rId18" cstate="hqprint">
-            <a:extLst>
-              <a:ext uri="{28A0092B-C50C-407E-A947-70E740481C1C}">
-                <a14:useLocalDpi xmlns:a14="http://schemas.microsoft.com/office/drawing/2010/main"/>
-              </a:ext>
-            </a:extLst>
-          </a:blip>
-          <a:stretch>
-            <a:fillRect/>
-          </a:stretch>
-        </p:blipFill>
-        <p:spPr>
-          <a:xfrm rot="0">
-            <a:off x="6830695" y="4004310"/>
-            <a:ext cx="1232535" cy="1172845"/>
-          </a:xfrm>
-          <a:prstGeom prst="roundRect"/>
-          <a:solidFill>
-            <a:srgbClr val="EDEDED"/>
-          </a:solidFill>
-        </p:spPr>
-      </p:pic>
-      <p:sp>
-        <p:nvSpPr>
-          <p:cNvPr id="1064" name="텍스트 상자 62"/>
-          <p:cNvSpPr txBox="1">
-            <a:spLocks/>
-          </p:cNvSpPr>
-          <p:nvPr/>
-        </p:nvSpPr>
-        <p:spPr>
-          <a:xfrm rot="0">
-            <a:off x="6827520" y="5303520"/>
-            <a:ext cx="4138295" cy="923925"/>
-          </a:xfrm>
-          <a:prstGeom prst="rect"/>
-          <a:noFill/>
-          <a:ln w="0">
-            <a:noFill/>
-            <a:prstDash/>
-          </a:ln>
-        </p:spPr>
-        <p:txBody>
-          <a:bodyPr wrap="square" lIns="89535" tIns="46355" rIns="89535" bIns="46355" numCol="1" vert="horz" anchor="t">
-            <a:spAutoFit/>
-          </a:bodyPr>
-          <a:lstStyle/>
-          <a:p>
-            <a:pPr marL="0" indent="0" rtl="0" algn="l" defTabSz="914400" eaLnBrk="1" latinLnBrk="0" hangingPunct="1">
-              <a:buFontTx/>
-              <a:buNone/>
-            </a:pPr>
-            <a:r>
-              <a:rPr sz="1800" b="1">
-                <a:solidFill>
-                  <a:srgbClr val="0611F2"/>
-                </a:solidFill>
-                <a:latin typeface="맑은 고딕" charset="0"/>
-                <a:ea typeface="맑은 고딕" charset="0"/>
-              </a:rPr>
-              <a:t>2</a:t>
-            </a:r>
-            <a:r>
-              <a:rPr lang="ko-KR" sz="1800" b="1">
-                <a:solidFill>
-                  <a:srgbClr val="0611F2"/>
-                </a:solidFill>
-                <a:latin typeface="맑은 고딕" charset="0"/>
-                <a:ea typeface="맑은 고딕" charset="0"/>
-              </a:rPr>
-              <a:t>6</a:t>
-            </a:r>
-            <a:r>
-              <a:rPr sz="1800" b="1">
-                <a:solidFill>
-                  <a:srgbClr val="0611F2"/>
-                </a:solidFill>
-                <a:latin typeface="맑은 고딕" charset="0"/>
-                <a:ea typeface="맑은 고딕" charset="0"/>
-              </a:rPr>
-              <a:t>.</a:t>
-            </a:r>
-            <a:r>
-              <a:rPr sz="1800">
-                <a:latin typeface="맑은 고딕" charset="0"/>
-                <a:ea typeface="맑은 고딕" charset="0"/>
-              </a:rPr>
-              <a:t> </a:t>
-            </a:r>
-            <a:r>
-              <a:rPr lang="ko-KR" sz="1800">
-                <a:latin typeface="맑은 고딕" charset="0"/>
-                <a:ea typeface="맑은 고딕" charset="0"/>
-              </a:rPr>
-              <a:t>그러고 나서 Project 폴더에 </a:t>
-            </a:r>
-            <a:r>
-              <a:rPr lang="ko-KR" sz="1800">
-                <a:latin typeface="맑은 고딕" charset="0"/>
-                <a:ea typeface="맑은 고딕" charset="0"/>
-              </a:rPr>
-              <a:t>있는</a:t>
-            </a:r>
-            <a:r>
-              <a:rPr lang="ko-KR" sz="1800">
-                <a:latin typeface="맑은 고딕" charset="0"/>
-                <a:ea typeface="맑은 고딕" charset="0"/>
-              </a:rPr>
-              <a:t> </a:t>
-            </a:r>
-            <a:r>
-              <a:rPr lang="ko-KR" sz="1800">
-                <a:latin typeface="맑은 고딕" charset="0"/>
-                <a:ea typeface="맑은 고딕" charset="0"/>
-              </a:rPr>
-              <a:t>S</a:t>
-            </a:r>
-            <a:r>
-              <a:rPr lang="ko-KR" sz="1800">
-                <a:latin typeface="맑은 고딕" charset="0"/>
-                <a:ea typeface="맑은 고딕" charset="0"/>
-              </a:rPr>
-              <a:t>c</a:t>
-            </a:r>
-            <a:r>
-              <a:rPr lang="ko-KR" sz="1800">
-                <a:latin typeface="맑은 고딕" charset="0"/>
-                <a:ea typeface="맑은 고딕" charset="0"/>
-              </a:rPr>
-              <a:t>r</a:t>
-            </a:r>
-            <a:r>
-              <a:rPr lang="ko-KR" sz="1800">
-                <a:latin typeface="맑은 고딕" charset="0"/>
-                <a:ea typeface="맑은 고딕" charset="0"/>
-              </a:rPr>
-              <a:t>ipt</a:t>
-            </a:r>
-            <a:r>
-              <a:rPr lang="ko-KR" sz="1800">
-                <a:latin typeface="맑은 고딕" charset="0"/>
-                <a:ea typeface="맑은 고딕" charset="0"/>
-              </a:rPr>
-              <a:t> 폴더에 Movement 스크립트를 </a:t>
-            </a:r>
-            <a:r>
-              <a:rPr lang="ko-KR" sz="1800">
-                <a:latin typeface="맑은 고딕" charset="0"/>
-                <a:ea typeface="맑은 고딕" charset="0"/>
-              </a:rPr>
-              <a:t>Robot</a:t>
-            </a:r>
-            <a:r>
-              <a:rPr lang="ko-KR" sz="1800">
-                <a:latin typeface="맑은 고딕" charset="0"/>
-                <a:ea typeface="맑은 고딕" charset="0"/>
-              </a:rPr>
-              <a:t> 오브젝트에 넣어줍니다.</a:t>
-            </a:r>
-            <a:endParaRPr lang="ko-KR" altLang="en-US" sz="1800">
-              <a:latin typeface="맑은 고딕" charset="0"/>
-              <a:ea typeface="맑은 고딕" charset="0"/>
-            </a:endParaRPr>
-          </a:p>
-        </p:txBody>
-      </p:sp>
-      <p:cxnSp>
-        <p:nvCxnSpPr>
-          <p:cNvPr id="1065" name="도형 63"/>
-          <p:cNvCxnSpPr/>
-          <p:nvPr/>
-        </p:nvCxnSpPr>
-        <p:spPr>
-          <a:xfrm rot="0" flipH="1">
-            <a:off x="7494270" y="4453255"/>
-            <a:ext cx="922020" cy="638175"/>
-          </a:xfrm>
-          <a:prstGeom prst="straightConnector1"/>
-          <a:ln w="6350" cap="flat" cmpd="sng">
-            <a:prstDash/>
-            <a:headEnd type="none" w="med" len="med"/>
-            <a:tailEnd type="triangle" w="med" len="med"/>
-          </a:ln>
-        </p:spPr>
-        <p:style>
-          <a:lnRef idx="1">
-            <a:schemeClr val="accent1"/>
-          </a:lnRef>
-          <a:fillRef idx="0">
-            <a:schemeClr val="accent1"/>
-          </a:fillRef>
-          <a:effectRef idx="0">
-            <a:schemeClr val="accent1"/>
-          </a:effectRef>
-          <a:fontRef idx="minor">
-            <a:schemeClr val="tx1"/>
-          </a:fontRef>
-        </p:style>
-      </p:cxnSp>
     </p:spTree>
   </p:cSld>
   <p:clrMapOvr>
@@ -18628,7 +17688,7 @@
       </p:sp>
       <p:sp>
         <p:nvSpPr>
-          <p:cNvPr id="1043" name="Rect 0"/>
+          <p:cNvPr id="1055" name="Rect 0"/>
           <p:cNvSpPr txBox="1">
             <a:spLocks/>
           </p:cNvSpPr>
@@ -18636,8 +17696,8 @@
         </p:nvSpPr>
         <p:spPr>
           <a:xfrm rot="0">
-            <a:off x="1240790" y="2834005"/>
-            <a:ext cx="4135120" cy="923925"/>
+            <a:off x="6818630" y="5294630"/>
+            <a:ext cx="4130040" cy="923925"/>
           </a:xfrm>
           <a:prstGeom prst="rect"/>
           <a:noFill/>
@@ -18664,7 +17724,7 @@
                 <a:latin typeface="맑은 고딕" charset="0"/>
                 <a:ea typeface="맑은 고딕" charset="0"/>
               </a:rPr>
-              <a:t>2</a:t>
+              <a:t>3</a:t>
             </a:r>
             <a:r>
               <a:rPr sz="1800" b="1">
@@ -18674,7 +17734,7 @@
                 <a:latin typeface="맑은 고딕" charset="0"/>
                 <a:ea typeface="맑은 고딕" charset="0"/>
               </a:rPr>
-              <a:t>7</a:t>
+              <a:t>1</a:t>
             </a:r>
             <a:r>
               <a:rPr sz="1800" b="1">
@@ -18691,105 +17751,77 @@
                 <a:latin typeface="맑은 고딕" charset="0"/>
                 <a:ea typeface="맑은 고딕" charset="0"/>
               </a:rPr>
+              <a:t> 그러고 나서 Area Street Lamp </a:t>
+            </a:r>
+            <a:r>
+              <a:rPr sz="1800">
+                <a:latin typeface="맑은 고딕" charset="0"/>
+                <a:ea typeface="맑은 고딕" charset="0"/>
+              </a:rPr>
+              <a:t>오브젝트의</a:t>
+            </a:r>
+            <a:r>
+              <a:rPr sz="1800">
+                <a:latin typeface="맑은 고딕" charset="0"/>
+                <a:ea typeface="맑은 고딕" charset="0"/>
+              </a:rPr>
               <a:t> </a:t>
             </a:r>
             <a:r>
-              <a:rPr lang="ko-KR" sz="1800">
-                <a:latin typeface="맑은 고딕" charset="0"/>
-                <a:ea typeface="맑은 고딕" charset="0"/>
-              </a:rPr>
-              <a:t>이제 Project 폴더에 있는 </a:t>
-            </a:r>
-            <a:r>
-              <a:rPr lang="ko-KR" sz="1800">
-                <a:latin typeface="맑은 고딕" charset="0"/>
-                <a:ea typeface="맑은 고딕" charset="0"/>
-              </a:rPr>
-              <a:t>Texture</a:t>
-            </a:r>
-            <a:r>
-              <a:rPr lang="ko-KR" sz="1800">
+              <a:rPr sz="1800">
+                <a:latin typeface="맑은 고딕" charset="0"/>
+                <a:ea typeface="맑은 고딕" charset="0"/>
+              </a:rPr>
+              <a:t>하위</a:t>
+            </a:r>
+            <a:r>
+              <a:rPr sz="1800">
+                <a:latin typeface="맑은 고딕" charset="0"/>
+                <a:ea typeface="맑은 고딕" charset="0"/>
+              </a:rPr>
+              <a:t> 오브젝트로 Light에 </a:t>
+            </a:r>
+            <a:r>
+              <a:rPr sz="1800">
+                <a:latin typeface="맑은 고딕" charset="0"/>
+                <a:ea typeface="맑은 고딕" charset="0"/>
+              </a:rPr>
+              <a:t>A</a:t>
+            </a:r>
+            <a:r>
+              <a:rPr sz="1800">
+                <a:latin typeface="맑은 고딕" charset="0"/>
+                <a:ea typeface="맑은 고딕" charset="0"/>
+              </a:rPr>
+              <a:t>rea</a:t>
+            </a:r>
+            <a:r>
+              <a:rPr sz="1800">
                 <a:latin typeface="맑은 고딕" charset="0"/>
                 <a:ea typeface="맑은 고딕" charset="0"/>
               </a:rPr>
               <a:t> </a:t>
             </a:r>
             <a:r>
-              <a:rPr lang="ko-KR" sz="1800">
-                <a:latin typeface="맑은 고딕" charset="0"/>
-                <a:ea typeface="맑은 고딕" charset="0"/>
-              </a:rPr>
-              <a:t>폴더에</a:t>
-            </a:r>
-            <a:r>
-              <a:rPr lang="ko-KR" sz="1800">
+              <a:rPr sz="1800">
+                <a:latin typeface="맑은 고딕" charset="0"/>
+                <a:ea typeface="맑은 고딕" charset="0"/>
+              </a:rPr>
+              <a:t>Light를</a:t>
+            </a:r>
+            <a:r>
+              <a:rPr sz="1800">
                 <a:latin typeface="맑은 고딕" charset="0"/>
                 <a:ea typeface="맑은 고딕" charset="0"/>
               </a:rPr>
               <a:t> </a:t>
             </a:r>
             <a:r>
-              <a:rPr lang="ko-KR" sz="1800">
-                <a:latin typeface="맑은 고딕" charset="0"/>
-                <a:ea typeface="맑은 고딕" charset="0"/>
-              </a:rPr>
-              <a:t>Street</a:t>
-            </a:r>
-            <a:r>
-              <a:rPr lang="ko-KR" sz="1800">
-                <a:latin typeface="맑은 고딕" charset="0"/>
-                <a:ea typeface="맑은 고딕" charset="0"/>
-              </a:rPr>
-              <a:t> Lamp 텍스처를 </a:t>
-            </a:r>
-            <a:r>
-              <a:rPr lang="ko-KR" sz="1800">
-                <a:latin typeface="맑은 고딕" charset="0"/>
-                <a:ea typeface="맑은 고딕" charset="0"/>
-              </a:rPr>
-              <a:t>Point</a:t>
-            </a:r>
-            <a:r>
-              <a:rPr lang="ko-KR" sz="1800">
-                <a:latin typeface="맑은 고딕" charset="0"/>
-                <a:ea typeface="맑은 고딕" charset="0"/>
-              </a:rPr>
-              <a:t> </a:t>
-            </a:r>
-            <a:r>
-              <a:rPr lang="ko-KR" sz="1800">
-                <a:latin typeface="맑은 고딕" charset="0"/>
-                <a:ea typeface="맑은 고딕" charset="0"/>
-              </a:rPr>
-              <a:t>Street</a:t>
-            </a:r>
-            <a:r>
-              <a:rPr lang="ko-KR" sz="1800">
-                <a:latin typeface="맑은 고딕" charset="0"/>
-                <a:ea typeface="맑은 고딕" charset="0"/>
-              </a:rPr>
-              <a:t> </a:t>
-            </a:r>
-            <a:r>
-              <a:rPr lang="ko-KR" sz="1800">
-                <a:latin typeface="맑은 고딕" charset="0"/>
-                <a:ea typeface="맑은 고딕" charset="0"/>
-              </a:rPr>
-              <a:t>Lamp</a:t>
-            </a:r>
-            <a:r>
-              <a:rPr lang="ko-KR" sz="1800">
-                <a:latin typeface="맑은 고딕" charset="0"/>
-                <a:ea typeface="맑은 고딕" charset="0"/>
-              </a:rPr>
-              <a:t> 오브젝트에 </a:t>
-            </a:r>
-            <a:r>
-              <a:rPr lang="ko-KR" sz="1800">
-                <a:latin typeface="맑은 고딕" charset="0"/>
-                <a:ea typeface="맑은 고딕" charset="0"/>
-              </a:rPr>
-              <a:t>넣어줍니다.</a:t>
+              <a:rPr sz="1800">
+                <a:latin typeface="맑은 고딕" charset="0"/>
+                <a:ea typeface="맑은 고딕" charset="0"/>
+              </a:rPr>
+              <a:t>생성합니다.</a:t>
             </a:r>
             <a:endParaRPr lang="ko-KR" altLang="en-US" sz="1800">
               <a:latin typeface="맑은 고딕" charset="0"/>
@@ -18798,16 +17830,212 @@
           </a:p>
         </p:txBody>
       </p:sp>
+      <p:sp>
+        <p:nvSpPr>
+          <p:cNvPr id="1065" name="텍스트 상자 1"/>
+          <p:cNvSpPr txBox="1">
+            <a:spLocks/>
+          </p:cNvSpPr>
+          <p:nvPr/>
+        </p:nvSpPr>
+        <p:spPr>
+          <a:xfrm rot="0">
+            <a:off x="1249045" y="2695575"/>
+            <a:ext cx="4117975" cy="1141095"/>
+          </a:xfrm>
+          <a:prstGeom prst="rect"/>
+          <a:noFill/>
+        </p:spPr>
+        <p:txBody>
+          <a:bodyPr wrap="square" lIns="0" tIns="0" rIns="0" bIns="0" numCol="1" vert="horz" anchor="t">
+            <a:noAutofit/>
+          </a:bodyPr>
+          <a:lstStyle/>
+          <a:p>
+            <a:pPr marL="0" indent="0" algn="l" latinLnBrk="0" hangingPunct="1">
+              <a:buFontTx/>
+              <a:buNone/>
+            </a:pPr>
+            <a:r>
+              <a:rPr lang="ko-KR" sz="2000" b="1">
+                <a:solidFill>
+                  <a:srgbClr val="0611F2"/>
+                </a:solidFill>
+                <a:latin typeface="맑은 고딕" charset="0"/>
+                <a:ea typeface="맑은 고딕" charset="0"/>
+              </a:rPr>
+              <a:t>29.</a:t>
+            </a:r>
+            <a:r>
+              <a:rPr lang="ko-KR" sz="2000" b="1">
+                <a:solidFill>
+                  <a:srgbClr val="0611F2"/>
+                </a:solidFill>
+                <a:latin typeface="맑은 고딕" charset="0"/>
+                <a:ea typeface="맑은 고딕" charset="0"/>
+              </a:rPr>
+              <a:t> </a:t>
+            </a:r>
+            <a:r>
+              <a:rPr lang="ko-KR" sz="1800">
+                <a:latin typeface="맑은 고딕" charset="0"/>
+                <a:ea typeface="맑은 고딕" charset="0"/>
+              </a:rPr>
+              <a:t>그런 다음 Project 폴더에 있는 </a:t>
+            </a:r>
+            <a:r>
+              <a:rPr lang="ko-KR" sz="1800">
+                <a:latin typeface="맑은 고딕" charset="0"/>
+                <a:ea typeface="맑은 고딕" charset="0"/>
+              </a:rPr>
+              <a:t>Model</a:t>
+            </a:r>
+            <a:r>
+              <a:rPr lang="ko-KR" sz="1800">
+                <a:latin typeface="맑은 고딕" charset="0"/>
+                <a:ea typeface="맑은 고딕" charset="0"/>
+              </a:rPr>
+              <a:t> </a:t>
+            </a:r>
+            <a:r>
+              <a:rPr lang="ko-KR" sz="1800">
+                <a:latin typeface="맑은 고딕" charset="0"/>
+                <a:ea typeface="맑은 고딕" charset="0"/>
+              </a:rPr>
+              <a:t>폴더에</a:t>
+            </a:r>
+            <a:r>
+              <a:rPr lang="ko-KR" sz="1800">
+                <a:latin typeface="맑은 고딕" charset="0"/>
+                <a:ea typeface="맑은 고딕" charset="0"/>
+              </a:rPr>
+              <a:t> </a:t>
+            </a:r>
+            <a:r>
+              <a:rPr lang="ko-KR" sz="1800">
+                <a:latin typeface="맑은 고딕" charset="0"/>
+                <a:ea typeface="맑은 고딕" charset="0"/>
+              </a:rPr>
+              <a:t>Street</a:t>
+            </a:r>
+            <a:r>
+              <a:rPr lang="ko-KR" sz="1800">
+                <a:latin typeface="맑은 고딕" charset="0"/>
+                <a:ea typeface="맑은 고딕" charset="0"/>
+              </a:rPr>
+              <a:t> Lamp를 월드 </a:t>
+            </a:r>
+            <a:r>
+              <a:rPr lang="ko-KR" sz="1800">
+                <a:latin typeface="맑은 고딕" charset="0"/>
+                <a:ea typeface="맑은 고딕" charset="0"/>
+              </a:rPr>
+              <a:t>공간에</a:t>
+            </a:r>
+            <a:r>
+              <a:rPr lang="ko-KR" sz="1800">
+                <a:latin typeface="맑은 고딕" charset="0"/>
+                <a:ea typeface="맑은 고딕" charset="0"/>
+              </a:rPr>
+              <a:t> </a:t>
+            </a:r>
+            <a:r>
+              <a:rPr lang="ko-KR" sz="1800">
+                <a:latin typeface="맑은 고딕" charset="0"/>
+                <a:ea typeface="맑은 고딕" charset="0"/>
+              </a:rPr>
+              <a:t>배치하고</a:t>
+            </a:r>
+            <a:r>
+              <a:rPr lang="ko-KR" sz="1800">
+                <a:latin typeface="맑은 고딕" charset="0"/>
+                <a:ea typeface="맑은 고딕" charset="0"/>
+              </a:rPr>
+              <a:t> </a:t>
+            </a:r>
+            <a:r>
+              <a:rPr lang="ko-KR" sz="1800">
+                <a:latin typeface="맑은 고딕" charset="0"/>
+                <a:ea typeface="맑은 고딕" charset="0"/>
+              </a:rPr>
+              <a:t>Area </a:t>
+            </a:r>
+            <a:r>
+              <a:rPr lang="ko-KR" sz="1800">
+                <a:latin typeface="맑은 고딕" charset="0"/>
+                <a:ea typeface="맑은 고딕" charset="0"/>
+              </a:rPr>
+              <a:t>Street Lamp라는 </a:t>
+            </a:r>
+            <a:r>
+              <a:rPr lang="ko-KR" sz="1800">
+                <a:latin typeface="맑은 고딕" charset="0"/>
+                <a:ea typeface="맑은 고딕" charset="0"/>
+              </a:rPr>
+              <a:t>이름으로</a:t>
+            </a:r>
+            <a:r>
+              <a:rPr lang="ko-KR" sz="1800">
+                <a:latin typeface="맑은 고딕" charset="0"/>
+                <a:ea typeface="맑은 고딕" charset="0"/>
+              </a:rPr>
+              <a:t> </a:t>
+            </a:r>
+            <a:r>
+              <a:rPr lang="ko-KR" sz="1800">
+                <a:latin typeface="맑은 고딕" charset="0"/>
+                <a:ea typeface="맑은 고딕" charset="0"/>
+              </a:rPr>
+              <a:t>정의합니다.</a:t>
+            </a:r>
+            <a:endParaRPr lang="ko-KR" altLang="en-US" sz="1800">
+              <a:latin typeface="맑은 고딕" charset="0"/>
+              <a:ea typeface="맑은 고딕" charset="0"/>
+            </a:endParaRPr>
+          </a:p>
+        </p:txBody>
+      </p:sp>
       <p:pic>
         <p:nvPicPr>
-          <p:cNvPr id="1050" name="Picture "/>
+          <p:cNvPr id="1066" name="그림 2" descr="C:/Users/Admin1/AppData/Roaming/PolarisOffice/ETemp/18264_16703120/fImage69173504604.png"/>
           <p:cNvPicPr>
             <a:picLocks noChangeAspect="1"/>
           </p:cNvPicPr>
           <p:nvPr/>
         </p:nvPicPr>
         <p:blipFill rotWithShape="1">
-          <a:blip r:embed="rId2" cstate="print">
+          <a:blip r:embed="rId11" cstate="hqprint">
+            <a:extLst>
+              <a:ext uri="{28A0092B-C50C-407E-A947-70E740481C1C}">
+                <a14:useLocalDpi xmlns:a14="http://schemas.microsoft.com/office/drawing/2010/main"/>
+              </a:ext>
+            </a:extLst>
+          </a:blip>
+          <a:stretch>
+            <a:fillRect/>
+          </a:stretch>
+        </p:blipFill>
+        <p:spPr>
+          <a:xfrm rot="0">
+            <a:off x="2753995" y="1447165"/>
+            <a:ext cx="2616200" cy="1120140"/>
+          </a:xfrm>
+          <a:prstGeom prst="roundRect"/>
+          <a:solidFill>
+            <a:srgbClr val="EDEDED"/>
+          </a:solidFill>
+        </p:spPr>
+      </p:pic>
+      <p:pic>
+        <p:nvPicPr>
+          <p:cNvPr id="1068" name="그림 4" descr="C:/Users/Admin1/AppData/Roaming/PolarisOffice/ETemp/18264_16703120/fImage985628941.png"/>
+          <p:cNvPicPr>
+            <a:picLocks noChangeAspect="1"/>
+          </p:cNvPicPr>
+          <p:nvPr/>
+        </p:nvPicPr>
+        <p:blipFill rotWithShape="1">
+          <a:blip r:embed="rId12" cstate="print">
             <a:extLst>
               <a:ext uri="{28A0092B-C50C-407E-A947-70E740481C1C}">
                 <a14:useLocalDpi xmlns:a14="http://schemas.microsoft.com/office/drawing/2010/main" val="0"/>
@@ -18820,8 +18048,8 @@
         </p:blipFill>
         <p:spPr>
           <a:xfrm rot="0">
-            <a:off x="8183245" y="1450975"/>
-            <a:ext cx="2774315" cy="1108075"/>
+            <a:off x="1240790" y="1438275"/>
+            <a:ext cx="1387475" cy="1138555"/>
           </a:xfrm>
           <a:prstGeom prst="roundRect"/>
           <a:solidFill>
@@ -18829,283 +18057,16 @@
           </a:solidFill>
         </p:spPr>
       </p:pic>
-      <p:sp>
-        <p:nvSpPr>
-          <p:cNvPr id="1051" name="Rect 0"/>
-          <p:cNvSpPr txBox="1">
-            <a:spLocks/>
-          </p:cNvSpPr>
-          <p:nvPr/>
-        </p:nvSpPr>
-        <p:spPr>
-          <a:xfrm>
-            <a:off x="6842125" y="2690495"/>
-            <a:ext cx="4116070" cy="1200785"/>
-          </a:xfrm>
-          <a:prstGeom prst="rect"/>
-          <a:noFill/>
-          <a:ln w="0">
-            <a:noFill/>
-            <a:prstDash/>
-          </a:ln>
-        </p:spPr>
-        <p:txBody>
-          <a:bodyPr wrap="square" lIns="89535" tIns="46355" rIns="89535" bIns="46355" numCol="1" vert="horz" anchor="t">
-            <a:spAutoFit/>
-          </a:bodyPr>
-          <a:lstStyle/>
-          <a:p>
-            <a:pPr marL="0" indent="0" rtl="0" algn="l" defTabSz="914400" eaLnBrk="1" latinLnBrk="0" hangingPunct="1">
-              <a:buFontTx/>
-              <a:buNone/>
-            </a:pPr>
-            <a:r>
-              <a:rPr sz="1800" b="1">
-                <a:solidFill>
-                  <a:srgbClr val="0611F2"/>
-                </a:solidFill>
-                <a:latin typeface="맑은 고딕" charset="0"/>
-                <a:ea typeface="맑은 고딕" charset="0"/>
-              </a:rPr>
-              <a:t>2</a:t>
-            </a:r>
-            <a:r>
-              <a:rPr lang="ko-KR" sz="1800" b="1">
-                <a:solidFill>
-                  <a:srgbClr val="0611F2"/>
-                </a:solidFill>
-                <a:latin typeface="맑은 고딕" charset="0"/>
-                <a:ea typeface="맑은 고딕" charset="0"/>
-              </a:rPr>
-              <a:t>9</a:t>
-            </a:r>
-            <a:r>
-              <a:rPr sz="1800" b="1">
-                <a:solidFill>
-                  <a:srgbClr val="0611F2"/>
-                </a:solidFill>
-                <a:latin typeface="맑은 고딕" charset="0"/>
-                <a:ea typeface="맑은 고딕" charset="0"/>
-              </a:rPr>
-              <a:t>.</a:t>
-            </a:r>
-            <a:r>
-              <a:rPr sz="1800">
-                <a:latin typeface="맑은 고딕" charset="0"/>
-                <a:ea typeface="맑은 고딕" charset="0"/>
-              </a:rPr>
-              <a:t> </a:t>
-            </a:r>
-            <a:r>
-              <a:rPr lang="ko-KR" sz="1800">
-                <a:latin typeface="맑은 고딕" charset="0"/>
-                <a:ea typeface="맑은 고딕" charset="0"/>
-              </a:rPr>
-              <a:t>그런 다음 Project 폴더에 있는 </a:t>
-            </a:r>
-            <a:r>
-              <a:rPr lang="ko-KR" sz="1800">
-                <a:latin typeface="맑은 고딕" charset="0"/>
-                <a:ea typeface="맑은 고딕" charset="0"/>
-              </a:rPr>
-              <a:t>Texture</a:t>
-            </a:r>
-            <a:r>
-              <a:rPr lang="ko-KR" sz="1800">
-                <a:latin typeface="맑은 고딕" charset="0"/>
-                <a:ea typeface="맑은 고딕" charset="0"/>
-              </a:rPr>
-              <a:t> </a:t>
-            </a:r>
-            <a:r>
-              <a:rPr lang="ko-KR" sz="1800">
-                <a:latin typeface="맑은 고딕" charset="0"/>
-                <a:ea typeface="맑은 고딕" charset="0"/>
-              </a:rPr>
-              <a:t>폴더에</a:t>
-            </a:r>
-            <a:r>
-              <a:rPr lang="ko-KR" sz="1800">
-                <a:latin typeface="맑은 고딕" charset="0"/>
-                <a:ea typeface="맑은 고딕" charset="0"/>
-              </a:rPr>
-              <a:t> Street Lamp 텍스처를 </a:t>
-            </a:r>
-            <a:r>
-              <a:rPr lang="ko-KR" sz="1800">
-                <a:latin typeface="맑은 고딕" charset="0"/>
-                <a:ea typeface="맑은 고딕" charset="0"/>
-              </a:rPr>
-              <a:t>Area</a:t>
-            </a:r>
-            <a:r>
-              <a:rPr lang="ko-KR" sz="1800">
-                <a:latin typeface="맑은 고딕" charset="0"/>
-                <a:ea typeface="맑은 고딕" charset="0"/>
-              </a:rPr>
-              <a:t> </a:t>
-            </a:r>
-            <a:r>
-              <a:rPr lang="ko-KR" sz="1800">
-                <a:latin typeface="맑은 고딕" charset="0"/>
-                <a:ea typeface="맑은 고딕" charset="0"/>
-              </a:rPr>
-              <a:t>Street</a:t>
-            </a:r>
-            <a:r>
-              <a:rPr lang="ko-KR" sz="1800">
-                <a:latin typeface="맑은 고딕" charset="0"/>
-                <a:ea typeface="맑은 고딕" charset="0"/>
-              </a:rPr>
-              <a:t> Lamp 오브젝트에 </a:t>
-            </a:r>
-            <a:r>
-              <a:rPr lang="ko-KR" sz="1800">
-                <a:latin typeface="맑은 고딕" charset="0"/>
-                <a:ea typeface="맑은 고딕" charset="0"/>
-              </a:rPr>
-              <a:t>넣어줍니다.</a:t>
-            </a:r>
-            <a:r>
-              <a:rPr lang="ko-KR" sz="1800">
-                <a:latin typeface="맑은 고딕" charset="0"/>
-                <a:ea typeface="맑은 고딕" charset="0"/>
-              </a:rPr>
-              <a:t> </a:t>
-            </a:r>
-            <a:endParaRPr lang="ko-KR" altLang="en-US" sz="1800">
-              <a:latin typeface="맑은 고딕" charset="0"/>
-              <a:ea typeface="맑은 고딕" charset="0"/>
-            </a:endParaRPr>
-          </a:p>
-        </p:txBody>
-      </p:sp>
-      <p:sp>
-        <p:nvSpPr>
-          <p:cNvPr id="1055" name="Rect 0"/>
-          <p:cNvSpPr txBox="1">
-            <a:spLocks/>
-          </p:cNvSpPr>
-          <p:nvPr/>
-        </p:nvSpPr>
-        <p:spPr>
-          <a:xfrm>
-            <a:off x="6827520" y="5561965"/>
-            <a:ext cx="4130675" cy="647065"/>
-          </a:xfrm>
-          <a:prstGeom prst="rect"/>
-          <a:noFill/>
-          <a:ln w="0">
-            <a:noFill/>
-            <a:prstDash/>
-          </a:ln>
-        </p:spPr>
-        <p:txBody>
-          <a:bodyPr wrap="square" lIns="89535" tIns="46355" rIns="89535" bIns="46355" numCol="1" vert="horz" anchor="t">
-            <a:spAutoFit/>
-          </a:bodyPr>
-          <a:lstStyle/>
-          <a:p>
-            <a:pPr marL="0" indent="0" rtl="0" algn="l" defTabSz="914400" eaLnBrk="1" latinLnBrk="0" hangingPunct="1">
-              <a:buFontTx/>
-              <a:buNone/>
-            </a:pPr>
-            <a:r>
-              <a:rPr sz="1800" b="1">
-                <a:solidFill>
-                  <a:srgbClr val="0611F2"/>
-                </a:solidFill>
-                <a:latin typeface="맑은 고딕" charset="0"/>
-                <a:ea typeface="맑은 고딕" charset="0"/>
-              </a:rPr>
-              <a:t>3</a:t>
-            </a:r>
-            <a:r>
-              <a:rPr sz="1800" b="1">
-                <a:solidFill>
-                  <a:srgbClr val="0611F2"/>
-                </a:solidFill>
-                <a:latin typeface="맑은 고딕" charset="0"/>
-                <a:ea typeface="맑은 고딕" charset="0"/>
-              </a:rPr>
-              <a:t>0</a:t>
-            </a:r>
-            <a:r>
-              <a:rPr sz="1800" b="1">
-                <a:solidFill>
-                  <a:srgbClr val="0611F2"/>
-                </a:solidFill>
-                <a:latin typeface="맑은 고딕" charset="0"/>
-                <a:ea typeface="맑은 고딕" charset="0"/>
-              </a:rPr>
-              <a:t>.</a:t>
-            </a:r>
-            <a:r>
-              <a:rPr sz="1800">
-                <a:latin typeface="맑은 고딕" charset="0"/>
-                <a:ea typeface="맑은 고딕" charset="0"/>
-              </a:rPr>
-              <a:t> </a:t>
-            </a:r>
-            <a:r>
-              <a:rPr lang="ko-KR" sz="1800">
-                <a:latin typeface="맑은 고딕" charset="0"/>
-                <a:ea typeface="맑은 고딕" charset="0"/>
-              </a:rPr>
-              <a:t>그다음 Robot 오브젝트에 </a:t>
-            </a:r>
-            <a:r>
-              <a:rPr lang="ko-KR" sz="1800">
-                <a:latin typeface="맑은 고딕" charset="0"/>
-                <a:ea typeface="맑은 고딕" charset="0"/>
-              </a:rPr>
-              <a:t>Contribute</a:t>
-            </a:r>
-            <a:r>
-              <a:rPr lang="ko-KR" sz="1800">
-                <a:latin typeface="맑은 고딕" charset="0"/>
-                <a:ea typeface="맑은 고딕" charset="0"/>
-              </a:rPr>
-              <a:t> </a:t>
-            </a:r>
-            <a:r>
-              <a:rPr lang="ko-KR" sz="1800">
-                <a:latin typeface="맑은 고딕" charset="0"/>
-                <a:ea typeface="맑은 고딕" charset="0"/>
-              </a:rPr>
-              <a:t>GI를</a:t>
-            </a:r>
-            <a:r>
-              <a:rPr lang="ko-KR" sz="1800">
-                <a:latin typeface="맑은 고딕" charset="0"/>
-                <a:ea typeface="맑은 고딕" charset="0"/>
-              </a:rPr>
-              <a:t> </a:t>
-            </a:r>
-            <a:r>
-              <a:rPr lang="ko-KR" sz="1800">
-                <a:latin typeface="맑은 고딕" charset="0"/>
-                <a:ea typeface="맑은 고딕" charset="0"/>
-              </a:rPr>
-              <a:t>설정합니다.</a:t>
-            </a:r>
-            <a:endParaRPr lang="ko-KR" altLang="en-US" sz="1800">
-              <a:latin typeface="맑은 고딕" charset="0"/>
-              <a:ea typeface="맑은 고딕" charset="0"/>
-            </a:endParaRPr>
-          </a:p>
-        </p:txBody>
-      </p:sp>
       <p:pic>
         <p:nvPicPr>
-          <p:cNvPr id="1057" name="그림 32" descr="C:/Users/Admin1/AppData/Roaming/PolarisOffice/ETemp/1284_18416448/fImage482572835724.png"/>
+          <p:cNvPr id="1067" name="그림 3" descr="C:/Users/Admin1/AppData/Roaming/PolarisOffice/ETemp/18264_16703120/fImage22421721541.png"/>
           <p:cNvPicPr>
             <a:picLocks noChangeAspect="1"/>
           </p:cNvPicPr>
           <p:nvPr/>
         </p:nvPicPr>
         <p:blipFill rotWithShape="1">
-          <a:blip r:embed="rId3" cstate="hqprint">
+          <a:blip r:embed="rId13" cstate="hqprint">
             <a:extLst>
               <a:ext uri="{28A0092B-C50C-407E-A947-70E740481C1C}">
                 <a14:useLocalDpi xmlns:a14="http://schemas.microsoft.com/office/drawing/2010/main"/>
@@ -19117,26 +18078,24 @@
           </a:stretch>
         </p:blipFill>
         <p:spPr>
-          <a:xfrm rot="0">
-            <a:off x="2613025" y="1445260"/>
-            <a:ext cx="2774950" cy="1259840"/>
-          </a:xfrm>
-          <a:prstGeom prst="roundRect"/>
-          <a:solidFill>
-            <a:srgbClr val="EDEDED"/>
-          </a:solidFill>
+          <a:xfrm rot="10800000">
+            <a:off x="2355215" y="1847850"/>
+            <a:ext cx="627380" cy="353695"/>
+          </a:xfrm>
+          <a:prstGeom prst="rect"/>
+          <a:noFill/>
         </p:spPr>
       </p:pic>
       <p:pic>
         <p:nvPicPr>
-          <p:cNvPr id="1058" name="그림 33" descr="C:/Users/Admin1/AppData/Roaming/PolarisOffice/ETemp/1284_18416448/fImage86782841478.png"/>
+          <p:cNvPr id="1069" name="그림 10" descr="C:/Users/Admin1/AppData/Roaming/PolarisOffice/ETemp/18264_16703120/fImage174022958467.png"/>
           <p:cNvPicPr>
             <a:picLocks noChangeAspect="1"/>
           </p:cNvPicPr>
           <p:nvPr/>
         </p:nvPicPr>
         <p:blipFill rotWithShape="1">
-          <a:blip r:embed="rId4" cstate="hqprint">
+          <a:blip r:embed="rId14" cstate="hqprint">
             <a:extLst>
               <a:ext uri="{28A0092B-C50C-407E-A947-70E740481C1C}">
                 <a14:useLocalDpi xmlns:a14="http://schemas.microsoft.com/office/drawing/2010/main"/>
@@ -19149,8 +18108,8 @@
         </p:blipFill>
         <p:spPr>
           <a:xfrm rot="0">
-            <a:off x="1235710" y="1447165"/>
-            <a:ext cx="1228725" cy="1266825"/>
+            <a:off x="6830695" y="1447165"/>
+            <a:ext cx="2724150" cy="3644265"/>
           </a:xfrm>
           <a:prstGeom prst="roundRect"/>
           <a:solidFill>
@@ -19158,48 +18117,169 @@
           </a:solidFill>
         </p:spPr>
       </p:pic>
-      <p:cxnSp>
-        <p:nvCxnSpPr>
-          <p:cNvPr id="1059" name="도형 36"/>
-          <p:cNvCxnSpPr/>
-          <p:nvPr/>
-        </p:nvCxnSpPr>
-        <p:spPr>
-          <a:xfrm rot="0" flipH="1">
-            <a:off x="2420620" y="2075180"/>
-            <a:ext cx="2404745" cy="259715"/>
-          </a:xfrm>
-          <a:prstGeom prst="straightConnector1"/>
-          <a:ln w="6350" cap="flat" cmpd="sng">
-            <a:prstDash/>
-            <a:tailEnd type="triangle" w="med" len="med"/>
-          </a:ln>
-        </p:spPr>
-        <p:style>
-          <a:lnRef idx="1">
-            <a:schemeClr val="accent1"/>
-          </a:lnRef>
-          <a:fillRef idx="0">
-            <a:schemeClr val="accent1"/>
-          </a:fillRef>
-          <a:effectRef idx="0">
-            <a:schemeClr val="accent1"/>
-          </a:effectRef>
-          <a:fontRef idx="minor">
-            <a:schemeClr val="tx1"/>
-          </a:fontRef>
-        </p:style>
-      </p:cxnSp>
       <p:pic>
         <p:nvPicPr>
-          <p:cNvPr id="1061" name="그림 40"/>
+          <p:cNvPr id="1070" name="그림 11" descr="C:/Users/Admin1/AppData/Roaming/PolarisOffice/ETemp/18264_16703120/fImage120532966334.png"/>
           <p:cNvPicPr>
             <a:picLocks noChangeAspect="1"/>
           </p:cNvPicPr>
           <p:nvPr/>
         </p:nvPicPr>
         <p:blipFill rotWithShape="1">
-          <a:blip r:embed="rId6" cstate="hqprint">
+          <a:blip r:embed="rId15" cstate="print">
+            <a:extLst>
+              <a:ext uri="{28A0092B-C50C-407E-A947-70E740481C1C}">
+                <a14:useLocalDpi xmlns:a14="http://schemas.microsoft.com/office/drawing/2010/main" val="0"/>
+              </a:ext>
+            </a:extLst>
+          </a:blip>
+          <a:stretch>
+            <a:fillRect/>
+          </a:stretch>
+        </p:blipFill>
+        <p:spPr>
+          <a:xfrm rot="0">
+            <a:off x="9672955" y="2325370"/>
+            <a:ext cx="1275715" cy="1887220"/>
+          </a:xfrm>
+          <a:prstGeom prst="roundRect"/>
+          <a:solidFill>
+            <a:srgbClr val="EDEDED"/>
+          </a:solidFill>
+        </p:spPr>
+      </p:pic>
+      <p:sp>
+        <p:nvSpPr>
+          <p:cNvPr id="1071" name="텍스트 상자 14"/>
+          <p:cNvSpPr txBox="1">
+            <a:spLocks/>
+          </p:cNvSpPr>
+          <p:nvPr/>
+        </p:nvSpPr>
+        <p:spPr>
+          <a:xfrm rot="0">
+            <a:off x="1242060" y="5250815"/>
+            <a:ext cx="4133850" cy="966470"/>
+          </a:xfrm>
+          <a:prstGeom prst="rect"/>
+          <a:noFill/>
+        </p:spPr>
+        <p:txBody>
+          <a:bodyPr wrap="square" lIns="0" tIns="0" rIns="0" bIns="0" numCol="1" vert="horz" anchor="t">
+            <a:noAutofit/>
+          </a:bodyPr>
+          <a:lstStyle/>
+          <a:p>
+            <a:pPr marL="0" indent="0" algn="l" latinLnBrk="0" hangingPunct="1">
+              <a:buFontTx/>
+              <a:buNone/>
+            </a:pPr>
+            <a:r>
+              <a:rPr lang="ko-KR" sz="2000" b="1">
+                <a:solidFill>
+                  <a:srgbClr val="0611F2"/>
+                </a:solidFill>
+                <a:latin typeface="맑은 고딕" charset="0"/>
+                <a:ea typeface="맑은 고딕" charset="0"/>
+              </a:rPr>
+              <a:t>3</a:t>
+            </a:r>
+            <a:r>
+              <a:rPr lang="ko-KR" sz="2000" b="1">
+                <a:solidFill>
+                  <a:srgbClr val="0611F2"/>
+                </a:solidFill>
+                <a:latin typeface="맑은 고딕" charset="0"/>
+                <a:ea typeface="맑은 고딕" charset="0"/>
+              </a:rPr>
+              <a:t>0</a:t>
+            </a:r>
+            <a:r>
+              <a:rPr lang="ko-KR" sz="2000" b="1">
+                <a:solidFill>
+                  <a:srgbClr val="0611F2"/>
+                </a:solidFill>
+                <a:latin typeface="맑은 고딕" charset="0"/>
+                <a:ea typeface="맑은 고딕" charset="0"/>
+              </a:rPr>
+              <a:t>.</a:t>
+            </a:r>
+            <a:r>
+              <a:rPr lang="ko-KR" sz="2000" b="1">
+                <a:solidFill>
+                  <a:srgbClr val="0611F2"/>
+                </a:solidFill>
+                <a:latin typeface="맑은 고딕" charset="0"/>
+                <a:ea typeface="맑은 고딕" charset="0"/>
+              </a:rPr>
+              <a:t> </a:t>
+            </a:r>
+            <a:r>
+              <a:rPr lang="ko-KR" sz="1800">
+                <a:latin typeface="맑은 고딕" charset="0"/>
+                <a:ea typeface="맑은 고딕" charset="0"/>
+              </a:rPr>
+              <a:t>그다음 Project 폴더에 있는 Texture </a:t>
+            </a:r>
+            <a:r>
+              <a:rPr lang="ko-KR" sz="1800">
+                <a:latin typeface="맑은 고딕" charset="0"/>
+                <a:ea typeface="맑은 고딕" charset="0"/>
+              </a:rPr>
+              <a:t>폴더에</a:t>
+            </a:r>
+            <a:r>
+              <a:rPr lang="ko-KR" sz="1800">
+                <a:latin typeface="맑은 고딕" charset="0"/>
+                <a:ea typeface="맑은 고딕" charset="0"/>
+              </a:rPr>
+              <a:t> Street Lamp 텍스처를 Area </a:t>
+            </a:r>
+            <a:r>
+              <a:rPr lang="ko-KR" sz="1800">
+                <a:latin typeface="맑은 고딕" charset="0"/>
+                <a:ea typeface="맑은 고딕" charset="0"/>
+              </a:rPr>
+              <a:t>Street</a:t>
+            </a:r>
+            <a:r>
+              <a:rPr lang="ko-KR" sz="1800">
+                <a:latin typeface="맑은 고딕" charset="0"/>
+                <a:ea typeface="맑은 고딕" charset="0"/>
+              </a:rPr>
+              <a:t> </a:t>
+            </a:r>
+            <a:r>
+              <a:rPr lang="ko-KR" sz="1800">
+                <a:latin typeface="맑은 고딕" charset="0"/>
+                <a:ea typeface="맑은 고딕" charset="0"/>
+              </a:rPr>
+              <a:t>Lamp</a:t>
+            </a:r>
+            <a:r>
+              <a:rPr lang="ko-KR" sz="1800">
+                <a:latin typeface="맑은 고딕" charset="0"/>
+                <a:ea typeface="맑은 고딕" charset="0"/>
+              </a:rPr>
+              <a:t> 오브젝트에 넣어줍니다. </a:t>
+            </a:r>
+            <a:endParaRPr lang="ko-KR" altLang="en-US" sz="1800">
+              <a:latin typeface="맑은 고딕" charset="0"/>
+              <a:ea typeface="맑은 고딕" charset="0"/>
+            </a:endParaRPr>
+          </a:p>
+        </p:txBody>
+      </p:sp>
+      <p:pic>
+        <p:nvPicPr>
+          <p:cNvPr id="1072" name="그림 15" descr="C:/Users/Admin1/AppData/Roaming/PolarisOffice/ETemp/18264_16703120/fImage229433796334.png"/>
+          <p:cNvPicPr>
+            <a:picLocks noChangeAspect="1"/>
+          </p:cNvPicPr>
+          <p:nvPr/>
+        </p:nvPicPr>
+        <p:blipFill rotWithShape="1">
+          <a:blip r:embed="rId16" cstate="hqprint">
             <a:extLst>
               <a:ext uri="{28A0092B-C50C-407E-A947-70E740481C1C}">
                 <a14:useLocalDpi xmlns:a14="http://schemas.microsoft.com/office/drawing/2010/main"/>
@@ -19212,8 +18292,8 @@
         </p:blipFill>
         <p:spPr>
           <a:xfrm rot="0">
-            <a:off x="8915400" y="4042410"/>
-            <a:ext cx="2042160" cy="1376045"/>
+            <a:off x="2756535" y="4005580"/>
+            <a:ext cx="2619375" cy="1120140"/>
           </a:xfrm>
           <a:prstGeom prst="roundRect"/>
           <a:solidFill>
@@ -19223,14 +18303,14 @@
       </p:pic>
       <p:pic>
         <p:nvPicPr>
-          <p:cNvPr id="1062" name="그림 41"/>
+          <p:cNvPr id="1073" name="그림 16" descr="C:/Users/Admin1/AppData/Roaming/PolarisOffice/ETemp/18264_16703120/fImage98562996500.png"/>
           <p:cNvPicPr>
             <a:picLocks noChangeAspect="1"/>
           </p:cNvPicPr>
           <p:nvPr/>
         </p:nvPicPr>
         <p:blipFill rotWithShape="1">
-          <a:blip r:embed="rId7" cstate="print">
+          <a:blip r:embed="rId17" cstate="print">
             <a:extLst>
               <a:ext uri="{28A0092B-C50C-407E-A947-70E740481C1C}">
                 <a14:useLocalDpi xmlns:a14="http://schemas.microsoft.com/office/drawing/2010/main" val="0"/>
@@ -19243,8 +18323,8 @@
         </p:blipFill>
         <p:spPr>
           <a:xfrm rot="0">
-            <a:off x="6831330" y="4029710"/>
-            <a:ext cx="1938655" cy="1388745"/>
+            <a:off x="1252220" y="4008120"/>
+            <a:ext cx="1376045" cy="1117600"/>
           </a:xfrm>
           <a:prstGeom prst="roundRect"/>
           <a:solidFill>
@@ -19254,14 +18334,14 @@
       </p:pic>
       <p:pic>
         <p:nvPicPr>
-          <p:cNvPr id="1063" name="그림 42" descr="C:/Users/Admin1/AppData/Roaming/PolarisOffice/ETemp/1284_18416448/fImage86742894464.png"/>
+          <p:cNvPr id="1074" name="그림 17" descr="C:/Users/Admin1/AppData/Roaming/PolarisOffice/ETemp/18264_16703120/fImage22421721541.png"/>
           <p:cNvPicPr>
             <a:picLocks noChangeAspect="1"/>
           </p:cNvPicPr>
           <p:nvPr/>
         </p:nvPicPr>
         <p:blipFill rotWithShape="1">
-          <a:blip r:embed="rId8" cstate="hqprint">
+          <a:blip r:embed="rId13" cstate="hqprint">
             <a:extLst>
               <a:ext uri="{28A0092B-C50C-407E-A947-70E740481C1C}">
                 <a14:useLocalDpi xmlns:a14="http://schemas.microsoft.com/office/drawing/2010/main"/>
@@ -19273,256 +18353,14 @@
           </a:stretch>
         </p:blipFill>
         <p:spPr>
-          <a:xfrm rot="0">
-            <a:off x="6837680" y="1447165"/>
-            <a:ext cx="1208405" cy="1120140"/>
-          </a:xfrm>
-          <a:prstGeom prst="roundRect"/>
-          <a:solidFill>
-            <a:srgbClr val="EDEDED"/>
-          </a:solidFill>
-        </p:spPr>
-      </p:pic>
-      <p:cxnSp>
-        <p:nvCxnSpPr>
-          <p:cNvPr id="1052" name="Rect 0"/>
-          <p:cNvCxnSpPr/>
-          <p:nvPr/>
-        </p:nvCxnSpPr>
-        <p:spPr>
-          <a:xfrm rot="0" flipH="1">
-            <a:off x="7933690" y="1911985"/>
-            <a:ext cx="2463800" cy="431800"/>
-          </a:xfrm>
-          <a:prstGeom prst="straightConnector1"/>
-          <a:ln w="6350" cap="flat" cmpd="sng">
-            <a:prstDash/>
-            <a:headEnd type="none" w="med" len="med"/>
-            <a:tailEnd type="triangle" w="med" len="med"/>
-          </a:ln>
-        </p:spPr>
-        <p:style>
-          <a:lnRef idx="1">
-            <a:schemeClr val="accent1"/>
-          </a:lnRef>
-          <a:fillRef idx="0">
-            <a:schemeClr val="accent1"/>
-          </a:fillRef>
-          <a:effectRef idx="0">
-            <a:schemeClr val="accent1"/>
-          </a:effectRef>
-          <a:fontRef idx="minor">
-            <a:schemeClr val="tx1"/>
-          </a:fontRef>
-        </p:style>
-      </p:cxnSp>
-      <p:sp>
-        <p:nvSpPr>
-          <p:cNvPr id="1064" name="텍스트 상자 75"/>
-          <p:cNvSpPr txBox="1">
-            <a:spLocks/>
-          </p:cNvSpPr>
-          <p:nvPr/>
-        </p:nvSpPr>
-        <p:spPr>
-          <a:xfrm rot="0">
-            <a:off x="1240790" y="5297805"/>
-            <a:ext cx="4135120" cy="923925"/>
+          <a:xfrm rot="10800000">
+            <a:off x="2349500" y="4391660"/>
+            <a:ext cx="627380" cy="353695"/>
           </a:xfrm>
           <a:prstGeom prst="rect"/>
           <a:noFill/>
-          <a:ln w="0">
-            <a:noFill/>
-            <a:prstDash/>
-          </a:ln>
-        </p:spPr>
-        <p:txBody>
-          <a:bodyPr wrap="square" lIns="89535" tIns="46355" rIns="89535" bIns="46355" numCol="1" vert="horz" anchor="t">
-            <a:spAutoFit/>
-          </a:bodyPr>
-          <a:lstStyle/>
-          <a:p>
-            <a:pPr marL="0" indent="0" rtl="0" algn="l" defTabSz="914400" eaLnBrk="1" latinLnBrk="0" hangingPunct="1">
-              <a:buFontTx/>
-              <a:buNone/>
-            </a:pPr>
-            <a:r>
-              <a:rPr lang="ko-KR" sz="1800" b="1">
-                <a:solidFill>
-                  <a:srgbClr val="0611F2"/>
-                </a:solidFill>
-                <a:latin typeface="맑은 고딕" charset="0"/>
-                <a:ea typeface="맑은 고딕" charset="0"/>
-              </a:rPr>
-              <a:t>28</a:t>
-            </a:r>
-            <a:r>
-              <a:rPr sz="1800" b="1">
-                <a:solidFill>
-                  <a:srgbClr val="0611F2"/>
-                </a:solidFill>
-                <a:latin typeface="맑은 고딕" charset="0"/>
-                <a:ea typeface="맑은 고딕" charset="0"/>
-              </a:rPr>
-              <a:t>.</a:t>
-            </a:r>
-            <a:r>
-              <a:rPr sz="1800">
-                <a:latin typeface="맑은 고딕" charset="0"/>
-                <a:ea typeface="맑은 고딕" charset="0"/>
-              </a:rPr>
-              <a:t> </a:t>
-            </a:r>
-            <a:r>
-              <a:rPr lang="ko-KR" sz="1800">
-                <a:latin typeface="맑은 고딕" charset="0"/>
-                <a:ea typeface="맑은 고딕" charset="0"/>
-              </a:rPr>
-              <a:t>그리고 Project 폴더에 있는 </a:t>
-            </a:r>
-            <a:r>
-              <a:rPr lang="ko-KR" sz="1800">
-                <a:latin typeface="맑은 고딕" charset="0"/>
-                <a:ea typeface="맑은 고딕" charset="0"/>
-              </a:rPr>
-              <a:t>Texture</a:t>
-            </a:r>
-            <a:r>
-              <a:rPr lang="ko-KR" sz="1800">
-                <a:latin typeface="맑은 고딕" charset="0"/>
-                <a:ea typeface="맑은 고딕" charset="0"/>
-              </a:rPr>
-              <a:t> </a:t>
-            </a:r>
-            <a:r>
-              <a:rPr lang="ko-KR" sz="1800">
-                <a:latin typeface="맑은 고딕" charset="0"/>
-                <a:ea typeface="맑은 고딕" charset="0"/>
-              </a:rPr>
-              <a:t>폴더에</a:t>
-            </a:r>
-            <a:r>
-              <a:rPr lang="ko-KR" sz="1800">
-                <a:latin typeface="맑은 고딕" charset="0"/>
-                <a:ea typeface="맑은 고딕" charset="0"/>
-              </a:rPr>
-              <a:t> Robot 텍스처를 Robot </a:t>
-            </a:r>
-            <a:r>
-              <a:rPr lang="ko-KR" sz="1800">
-                <a:latin typeface="맑은 고딕" charset="0"/>
-                <a:ea typeface="맑은 고딕" charset="0"/>
-              </a:rPr>
-              <a:t>오브젝트에</a:t>
-            </a:r>
-            <a:r>
-              <a:rPr lang="ko-KR" sz="1800">
-                <a:latin typeface="맑은 고딕" charset="0"/>
-                <a:ea typeface="맑은 고딕" charset="0"/>
-              </a:rPr>
-              <a:t> 넣어줍니다.</a:t>
-            </a:r>
-            <a:endParaRPr lang="ko-KR" altLang="en-US" sz="1800">
-              <a:latin typeface="맑은 고딕" charset="0"/>
-              <a:ea typeface="맑은 고딕" charset="0"/>
-            </a:endParaRPr>
-          </a:p>
-        </p:txBody>
-      </p:sp>
-      <p:pic>
-        <p:nvPicPr>
-          <p:cNvPr id="1065" name="그림 76" descr="C:/Users/Admin1/AppData/Roaming/PolarisOffice/ETemp/1284_18416448/fImage86202886962.png"/>
-          <p:cNvPicPr>
-            <a:picLocks noChangeAspect="1"/>
-          </p:cNvPicPr>
-          <p:nvPr/>
-        </p:nvPicPr>
-        <p:blipFill rotWithShape="1">
-          <a:blip r:embed="rId7" cstate="hqprint">
-            <a:extLst>
-              <a:ext uri="{28A0092B-C50C-407E-A947-70E740481C1C}">
-                <a14:useLocalDpi xmlns:a14="http://schemas.microsoft.com/office/drawing/2010/main"/>
-              </a:ext>
-            </a:extLst>
-          </a:blip>
-          <a:stretch>
-            <a:fillRect/>
-          </a:stretch>
-        </p:blipFill>
-        <p:spPr>
-          <a:xfrm rot="0">
-            <a:off x="1223645" y="3902075"/>
-            <a:ext cx="1231900" cy="1249680"/>
-          </a:xfrm>
-          <a:prstGeom prst="roundRect"/>
-          <a:solidFill>
-            <a:srgbClr val="EDEDED"/>
-          </a:solidFill>
         </p:spPr>
       </p:pic>
-      <p:pic>
-        <p:nvPicPr>
-          <p:cNvPr id="1067" name="그림 78" descr="C:/Users/Admin1/AppData/Roaming/PolarisOffice/ETemp/1284_18416448/fImage483892836334.png"/>
-          <p:cNvPicPr>
-            <a:picLocks noChangeAspect="1"/>
-          </p:cNvPicPr>
-          <p:nvPr/>
-        </p:nvPicPr>
-        <p:blipFill rotWithShape="1">
-          <a:blip r:embed="rId10" cstate="hqprint">
-            <a:extLst>
-              <a:ext uri="{28A0092B-C50C-407E-A947-70E740481C1C}">
-                <a14:useLocalDpi xmlns:a14="http://schemas.microsoft.com/office/drawing/2010/main"/>
-              </a:ext>
-            </a:extLst>
-          </a:blip>
-          <a:stretch>
-            <a:fillRect/>
-          </a:stretch>
-        </p:blipFill>
-        <p:spPr>
-          <a:xfrm rot="0">
-            <a:off x="2601595" y="3902075"/>
-            <a:ext cx="2774315" cy="1249680"/>
-          </a:xfrm>
-          <a:prstGeom prst="roundRect"/>
-          <a:solidFill>
-            <a:srgbClr val="EDEDED"/>
-          </a:solidFill>
-        </p:spPr>
-      </p:pic>
-      <p:cxnSp>
-        <p:nvCxnSpPr>
-          <p:cNvPr id="1066" name="도형 77"/>
-          <p:cNvCxnSpPr/>
-          <p:nvPr/>
-        </p:nvCxnSpPr>
-        <p:spPr>
-          <a:xfrm rot="0" flipH="1">
-            <a:off x="1886585" y="4521835"/>
-            <a:ext cx="1844040" cy="543560"/>
-          </a:xfrm>
-          <a:prstGeom prst="straightConnector1"/>
-          <a:ln w="6350" cap="flat" cmpd="sng">
-            <a:prstDash/>
-            <a:tailEnd type="triangle" w="med" len="med"/>
-          </a:ln>
-        </p:spPr>
-        <p:style>
-          <a:lnRef idx="1">
-            <a:schemeClr val="accent1"/>
-          </a:lnRef>
-          <a:fillRef idx="0">
-            <a:schemeClr val="accent1"/>
-          </a:fillRef>
-          <a:effectRef idx="0">
-            <a:schemeClr val="accent1"/>
-          </a:effectRef>
-          <a:fontRef idx="minor">
-            <a:schemeClr val="tx1"/>
-          </a:fontRef>
-        </p:style>
-      </p:cxnSp>
     </p:spTree>
   </p:cSld>
   <p:clrMapOvr>

--- a/Assets/Light/PPT Data/Light Example.pptx
+++ b/Assets/Light/PPT Data/Light Example.pptx
@@ -2,28 +2,28 @@
 <file path=ppt/presentation.xml><?xml version="1.0" encoding="utf-8"?>
 <p:presentation xmlns:a="http://schemas.openxmlformats.org/drawingml/2006/main" xmlns:r="http://schemas.openxmlformats.org/officeDocument/2006/relationships" xmlns:p="http://schemas.openxmlformats.org/presentationml/2006/main" xmlns:p14="http://schemas.microsoft.com/office/powerpoint/2010/main" saveSubsetFonts="1" firstSlideNum="0">
   <p:sldMasterIdLst>
-    <p:sldMasterId id="2147486127" r:id="rId12"/>
+    <p:sldMasterId id="2147486135" r:id="rId12"/>
   </p:sldMasterIdLst>
   <p:notesMasterIdLst>
     <p:notesMasterId r:id="rId14"/>
   </p:notesMasterIdLst>
   <p:sldIdLst>
     <p:sldId id="287" r:id="rId16"/>
-    <p:sldId id="315" r:id="rId17"/>
-    <p:sldId id="316" r:id="rId19"/>
-    <p:sldId id="327" r:id="rId21"/>
-    <p:sldId id="294" r:id="rId23"/>
-    <p:sldId id="299" r:id="rId25"/>
-    <p:sldId id="318" r:id="rId27"/>
-    <p:sldId id="310" r:id="rId29"/>
-    <p:sldId id="319" r:id="rId31"/>
-    <p:sldId id="320" r:id="rId33"/>
-    <p:sldId id="321" r:id="rId35"/>
-    <p:sldId id="308" r:id="rId36"/>
-    <p:sldId id="323" r:id="rId37"/>
-    <p:sldId id="324" r:id="rId38"/>
-    <p:sldId id="326" r:id="rId39"/>
-    <p:sldId id="313" r:id="rId41"/>
+    <p:sldId id="315" r:id="rId18"/>
+    <p:sldId id="316" r:id="rId20"/>
+    <p:sldId id="327" r:id="rId22"/>
+    <p:sldId id="294" r:id="rId24"/>
+    <p:sldId id="299" r:id="rId26"/>
+    <p:sldId id="318" r:id="rId28"/>
+    <p:sldId id="310" r:id="rId30"/>
+    <p:sldId id="319" r:id="rId32"/>
+    <p:sldId id="320" r:id="rId34"/>
+    <p:sldId id="321" r:id="rId36"/>
+    <p:sldId id="308" r:id="rId37"/>
+    <p:sldId id="323" r:id="rId39"/>
+    <p:sldId id="324" r:id="rId41"/>
+    <p:sldId id="326" r:id="rId43"/>
+    <p:sldId id="313" r:id="rId44"/>
   </p:sldIdLst>
   <p:sldSz cx="12192000" cy="6858000"/>
   <p:notesSz cx="6858000" cy="9144000"/>
@@ -9212,8 +9212,8 @@
         </p:nvSpPr>
         <p:spPr>
           <a:xfrm rot="0">
-            <a:off x="1240155" y="3078480"/>
-            <a:ext cx="4152900" cy="677545"/>
+            <a:off x="1240155" y="3120390"/>
+            <a:ext cx="4153535" cy="678180"/>
           </a:xfrm>
           <a:prstGeom prst="rect"/>
           <a:noFill/>
@@ -9271,21 +9271,7 @@
                 <a:latin typeface="맑은 고딕" charset="0"/>
                 <a:ea typeface="맑은 고딕" charset="0"/>
               </a:rPr>
-              <a:t> </a:t>
-            </a:r>
-            <a:r>
-              <a:rPr lang="ko-KR" sz="1800">
-                <a:latin typeface="맑은 고딕" charset="0"/>
-                <a:ea typeface="맑은 고딕" charset="0"/>
-              </a:rPr>
-              <a:t>위치</a:t>
-            </a:r>
-            <a:r>
-              <a:rPr lang="ko-KR" sz="1800">
-                <a:latin typeface="맑은 고딕" charset="0"/>
-                <a:ea typeface="맑은 고딕" charset="0"/>
-              </a:rPr>
-              <a:t> 값을 설정합니다.</a:t>
+              <a:t> 위치 값을 설정합니다.</a:t>
             </a:r>
             <a:endParaRPr lang="ko-KR" altLang="en-US" sz="1800">
               <a:latin typeface="맑은 고딕" charset="0"/>
@@ -9296,14 +9282,14 @@
       </p:sp>
       <p:pic>
         <p:nvPicPr>
-          <p:cNvPr id="1066" name="그림 65" descr="C:/Users/Admin1/AppData/Roaming/PolarisOffice/ETemp/26084_16904392/fImage114124286962.png"/>
+          <p:cNvPr id="1068" name="그림 83" descr="C:/Users/Admin1/AppData/Roaming/PolarisOffice/ETemp/11500_10679736/fImage114104424464.png"/>
           <p:cNvPicPr>
             <a:picLocks noChangeAspect="1"/>
           </p:cNvPicPr>
           <p:nvPr/>
         </p:nvPicPr>
         <p:blipFill rotWithShape="1">
-          <a:blip r:embed="rId7" cstate="hqprint">
+          <a:blip r:embed="rId8" cstate="hqprint">
             <a:extLst>
               <a:ext uri="{28A0092B-C50C-407E-A947-70E740481C1C}">
                 <a14:useLocalDpi xmlns:a14="http://schemas.microsoft.com/office/drawing/2010/main"/>
@@ -9316,131 +9302,8 @@
         </p:blipFill>
         <p:spPr>
           <a:xfrm rot="0">
-            <a:off x="1240790" y="3867785"/>
-            <a:ext cx="4144010" cy="1370330"/>
-          </a:xfrm>
-          <a:prstGeom prst="roundRect"/>
-          <a:solidFill>
-            <a:srgbClr val="EDEDED"/>
-          </a:solidFill>
-        </p:spPr>
-      </p:pic>
-      <p:sp>
-        <p:nvSpPr>
-          <p:cNvPr id="1067" name="텍스트 상자 82"/>
-          <p:cNvSpPr txBox="1">
-            <a:spLocks/>
-          </p:cNvSpPr>
-          <p:nvPr/>
-        </p:nvSpPr>
-        <p:spPr>
-          <a:xfrm rot="0">
-            <a:off x="1240790" y="5278120"/>
-            <a:ext cx="4146550" cy="954405"/>
-          </a:xfrm>
-          <a:prstGeom prst="rect"/>
-          <a:noFill/>
-          <a:ln w="0">
-            <a:noFill/>
-            <a:prstDash/>
-          </a:ln>
-        </p:spPr>
-        <p:txBody>
-          <a:bodyPr wrap="square" lIns="89535" tIns="46355" rIns="89535" bIns="46355" numCol="1" vert="horz" anchor="t">
-            <a:spAutoFit/>
-          </a:bodyPr>
-          <a:lstStyle/>
-          <a:p>
-            <a:pPr marL="0" indent="0" algn="l" latinLnBrk="0" hangingPunct="1">
-              <a:buFontTx/>
-              <a:buNone/>
-            </a:pPr>
-            <a:r>
-              <a:rPr lang="ko-KR" sz="2000" b="1">
-                <a:solidFill>
-                  <a:srgbClr val="0611F2"/>
-                </a:solidFill>
-                <a:latin typeface="맑은 고딕" charset="0"/>
-                <a:ea typeface="맑은 고딕" charset="0"/>
-              </a:rPr>
-              <a:t>33.</a:t>
-            </a:r>
-            <a:r>
-              <a:rPr lang="ko-KR" sz="2000" b="1">
-                <a:solidFill>
-                  <a:srgbClr val="0611F2"/>
-                </a:solidFill>
-                <a:latin typeface="맑은 고딕" charset="0"/>
-                <a:ea typeface="맑은 고딕" charset="0"/>
-              </a:rPr>
-              <a:t> </a:t>
-            </a:r>
-            <a:r>
-              <a:rPr lang="ko-KR" sz="1800">
-                <a:latin typeface="맑은 고딕" charset="0"/>
-                <a:ea typeface="맑은 고딕" charset="0"/>
-              </a:rPr>
-              <a:t>그리고 Light Probe Group </a:t>
-            </a:r>
-            <a:r>
-              <a:rPr lang="ko-KR" sz="1800">
-                <a:latin typeface="맑은 고딕" charset="0"/>
-                <a:ea typeface="맑은 고딕" charset="0"/>
-              </a:rPr>
-              <a:t>오브젝트를</a:t>
-            </a:r>
-            <a:r>
-              <a:rPr lang="ko-KR" sz="1800">
-                <a:latin typeface="맑은 고딕" charset="0"/>
-                <a:ea typeface="맑은 고딕" charset="0"/>
-              </a:rPr>
-              <a:t> 선택하고 Edit Light </a:t>
-            </a:r>
-            <a:r>
-              <a:rPr lang="ko-KR" sz="1800">
-                <a:latin typeface="맑은 고딕" charset="0"/>
-                <a:ea typeface="맑은 고딕" charset="0"/>
-              </a:rPr>
-              <a:t>Probes를</a:t>
-            </a:r>
-            <a:r>
-              <a:rPr lang="ko-KR" sz="1800">
-                <a:latin typeface="맑은 고딕" charset="0"/>
-                <a:ea typeface="맑은 고딕" charset="0"/>
-              </a:rPr>
-              <a:t> 선택합니다.</a:t>
-            </a:r>
-            <a:endParaRPr lang="ko-KR" altLang="en-US" sz="1800">
-              <a:latin typeface="맑은 고딕" charset="0"/>
-              <a:ea typeface="맑은 고딕" charset="0"/>
-            </a:endParaRPr>
-          </a:p>
-        </p:txBody>
-      </p:sp>
-      <p:pic>
-        <p:nvPicPr>
-          <p:cNvPr id="1068" name="그림 83"/>
-          <p:cNvPicPr>
-            <a:picLocks noChangeAspect="1"/>
-          </p:cNvPicPr>
-          <p:nvPr/>
-        </p:nvPicPr>
-        <p:blipFill rotWithShape="1">
-          <a:blip r:embed="rId8" cstate="print">
-            <a:extLst>
-              <a:ext uri="{28A0092B-C50C-407E-A947-70E740481C1C}">
-                <a14:useLocalDpi xmlns:a14="http://schemas.microsoft.com/office/drawing/2010/main" val="0"/>
-              </a:ext>
-            </a:extLst>
-          </a:blip>
-          <a:stretch>
-            <a:fillRect/>
-          </a:stretch>
-        </p:blipFill>
-        <p:spPr>
-          <a:xfrm rot="0">
-            <a:off x="6822440" y="1445260"/>
-            <a:ext cx="4143375" cy="1432560"/>
+            <a:off x="6822440" y="1437005"/>
+            <a:ext cx="4144010" cy="1433195"/>
           </a:xfrm>
           <a:prstGeom prst="roundRect"/>
           <a:solidFill>
@@ -9651,14 +9514,45 @@
       </p:sp>
       <p:pic>
         <p:nvPicPr>
-          <p:cNvPr id="1072" name="그림 21" descr="C:/Users/Admin1/AppData/Roaming/PolarisOffice/ETemp/26084_16904392/fImage1080129041.png"/>
+          <p:cNvPr id="1072" name="그림 21" descr="C:/Users/Admin1/AppData/Roaming/PolarisOffice/ETemp/11500_10679736/fImage1080129041.png"/>
           <p:cNvPicPr>
             <a:picLocks noChangeAspect="1"/>
           </p:cNvPicPr>
           <p:nvPr/>
         </p:nvPicPr>
         <p:blipFill rotWithShape="1">
-          <a:blip r:embed="rId10" cstate="print">
+          <a:blip r:embed="rId10" cstate="hqprint">
+            <a:extLst>
+              <a:ext uri="{28A0092B-C50C-407E-A947-70E740481C1C}">
+                <a14:useLocalDpi xmlns:a14="http://schemas.microsoft.com/office/drawing/2010/main"/>
+              </a:ext>
+            </a:extLst>
+          </a:blip>
+          <a:stretch>
+            <a:fillRect/>
+          </a:stretch>
+        </p:blipFill>
+        <p:spPr>
+          <a:xfrm rot="0">
+            <a:off x="1240790" y="1442720"/>
+            <a:ext cx="4144645" cy="1605915"/>
+          </a:xfrm>
+          <a:prstGeom prst="roundRect"/>
+          <a:solidFill>
+            <a:srgbClr val="EDEDED"/>
+          </a:solidFill>
+        </p:spPr>
+      </p:pic>
+      <p:pic>
+        <p:nvPicPr>
+          <p:cNvPr id="1073" name="그림 15" descr="C:/Users/Admin1/AppData/Roaming/PolarisOffice/ETemp/11500_10679736/fImage1058727241.png"/>
+          <p:cNvPicPr>
+            <a:picLocks noChangeAspect="1"/>
+          </p:cNvPicPr>
+          <p:nvPr/>
+        </p:nvPicPr>
+        <p:blipFill rotWithShape="1">
+          <a:blip r:embed="rId11" cstate="print">
             <a:extLst>
               <a:ext uri="{28A0092B-C50C-407E-A947-70E740481C1C}">
                 <a14:useLocalDpi xmlns:a14="http://schemas.microsoft.com/office/drawing/2010/main" val="0"/>
@@ -9671,8 +9565,8 @@
         </p:blipFill>
         <p:spPr>
           <a:xfrm rot="0">
-            <a:off x="1240790" y="1442720"/>
-            <a:ext cx="4144010" cy="1572895"/>
+            <a:off x="1234440" y="3933825"/>
+            <a:ext cx="4139565" cy="1543685"/>
           </a:xfrm>
           <a:prstGeom prst="roundRect"/>
           <a:solidFill>
@@ -9680,6 +9574,119 @@
           </a:solidFill>
         </p:spPr>
       </p:pic>
+      <p:sp>
+        <p:nvSpPr>
+          <p:cNvPr id="1074" name="텍스트 상자 18"/>
+          <p:cNvSpPr txBox="1">
+            <a:spLocks/>
+          </p:cNvSpPr>
+          <p:nvPr/>
+        </p:nvSpPr>
+        <p:spPr>
+          <a:xfrm rot="0">
+            <a:off x="1241425" y="5561330"/>
+            <a:ext cx="4147820" cy="677545"/>
+          </a:xfrm>
+          <a:prstGeom prst="rect"/>
+          <a:noFill/>
+          <a:ln w="0">
+            <a:noFill/>
+            <a:prstDash/>
+          </a:ln>
+        </p:spPr>
+        <p:txBody>
+          <a:bodyPr wrap="square" lIns="89535" tIns="46355" rIns="89535" bIns="46355" numCol="1" vert="horz" anchor="t">
+            <a:spAutoFit/>
+          </a:bodyPr>
+          <a:lstStyle/>
+          <a:p>
+            <a:pPr marL="0" indent="0" algn="l" latinLnBrk="0" hangingPunct="1">
+              <a:buFontTx/>
+              <a:buNone/>
+            </a:pPr>
+            <a:r>
+              <a:rPr lang="ko-KR" sz="2000" b="1">
+                <a:solidFill>
+                  <a:srgbClr val="0611F2"/>
+                </a:solidFill>
+                <a:latin typeface="맑은 고딕" charset="0"/>
+                <a:ea typeface="맑은 고딕" charset="0"/>
+              </a:rPr>
+              <a:t>33.</a:t>
+            </a:r>
+            <a:r>
+              <a:rPr lang="ko-KR" sz="2000" b="1">
+                <a:solidFill>
+                  <a:srgbClr val="0611F2"/>
+                </a:solidFill>
+                <a:latin typeface="맑은 고딕" charset="0"/>
+                <a:ea typeface="맑은 고딕" charset="0"/>
+              </a:rPr>
+              <a:t> </a:t>
+            </a:r>
+            <a:r>
+              <a:rPr lang="ko-KR" sz="1800">
+                <a:latin typeface="맑은 고딕" charset="0"/>
+                <a:ea typeface="맑은 고딕" charset="0"/>
+              </a:rPr>
+              <a:t>그리고 Light Probe </a:t>
+            </a:r>
+            <a:r>
+              <a:rPr lang="ko-KR" sz="1800">
+                <a:latin typeface="맑은 고딕" charset="0"/>
+                <a:ea typeface="맑은 고딕" charset="0"/>
+              </a:rPr>
+              <a:t>Group의</a:t>
+            </a:r>
+            <a:r>
+              <a:rPr lang="ko-KR" sz="1800">
+                <a:latin typeface="맑은 고딕" charset="0"/>
+                <a:ea typeface="맑은 고딕" charset="0"/>
+              </a:rPr>
+              <a:t> </a:t>
+            </a:r>
+            <a:r>
+              <a:rPr lang="ko-KR" sz="1800">
+                <a:latin typeface="맑은 고딕" charset="0"/>
+                <a:ea typeface="맑은 고딕" charset="0"/>
+              </a:rPr>
+              <a:t>Edit</a:t>
+            </a:r>
+            <a:r>
+              <a:rPr lang="ko-KR" sz="1800">
+                <a:latin typeface="맑은 고딕" charset="0"/>
+                <a:ea typeface="맑은 고딕" charset="0"/>
+              </a:rPr>
+              <a:t> </a:t>
+            </a:r>
+            <a:r>
+              <a:rPr lang="ko-KR" sz="1800">
+                <a:latin typeface="맑은 고딕" charset="0"/>
+                <a:ea typeface="맑은 고딕" charset="0"/>
+              </a:rPr>
+              <a:t>Light</a:t>
+            </a:r>
+            <a:r>
+              <a:rPr lang="ko-KR" sz="1800">
+                <a:latin typeface="맑은 고딕" charset="0"/>
+                <a:ea typeface="맑은 고딕" charset="0"/>
+              </a:rPr>
+              <a:t> Probes를 </a:t>
+            </a:r>
+            <a:r>
+              <a:rPr lang="ko-KR" sz="1800">
+                <a:latin typeface="맑은 고딕" charset="0"/>
+                <a:ea typeface="맑은 고딕" charset="0"/>
+              </a:rPr>
+              <a:t>선택합니다.</a:t>
+            </a:r>
+            <a:endParaRPr lang="ko-KR" altLang="en-US" sz="1800">
+              <a:latin typeface="맑은 고딕" charset="0"/>
+              <a:ea typeface="맑은 고딕" charset="0"/>
+            </a:endParaRPr>
+          </a:p>
+        </p:txBody>
+      </p:sp>
     </p:spTree>
   </p:cSld>
   <p:clrMapOvr>
@@ -11372,9 +11379,9 @@
           <p:nvPr/>
         </p:nvSpPr>
         <p:spPr>
-          <a:xfrm rot="0">
+          <a:xfrm>
             <a:off x="4232275" y="396240"/>
-            <a:ext cx="3720465" cy="478155"/>
+            <a:ext cx="3721100" cy="478155"/>
           </a:xfrm>
           <a:prstGeom prst="rect"/>
           <a:noFill/>
@@ -11401,7 +11408,7 @@
                 <a:latin typeface="나눔바른고딕" charset="0"/>
                 <a:ea typeface="나눔바른고딕" charset="0"/>
               </a:rPr>
-              <a:t>열일곱</a:t>
+              <a:t>열다섯</a:t>
             </a:r>
             <a:r>
               <a:rPr lang="ko-KR" altLang="en-US" sz="2500" b="1">
@@ -11432,9 +11439,9 @@
           <p:nvPr/>
         </p:nvSpPr>
         <p:spPr>
-          <a:xfrm>
-            <a:off x="6805295" y="5323205"/>
-            <a:ext cx="4158615" cy="923925"/>
+          <a:xfrm rot="0">
+            <a:off x="6805295" y="5590540"/>
+            <a:ext cx="4160520" cy="647065"/>
           </a:xfrm>
           <a:prstGeom prst="rect"/>
           <a:noFill/>
@@ -11461,7 +11468,7 @@
                 <a:latin typeface="맑은 고딕" charset="0"/>
                 <a:ea typeface="맑은 고딕" charset="0"/>
               </a:rPr>
-              <a:t>5</a:t>
+              <a:t>4</a:t>
             </a:r>
             <a:r>
               <a:rPr lang="ko-KR" sz="1800" b="1">
@@ -11471,7 +11478,7 @@
                 <a:latin typeface="맑은 고딕" charset="0"/>
                 <a:ea typeface="맑은 고딕" charset="0"/>
               </a:rPr>
-              <a:t>1</a:t>
+              <a:t>4</a:t>
             </a:r>
             <a:r>
               <a:rPr sz="1800" b="1">
@@ -11495,63 +11502,35 @@
                 <a:latin typeface="맑은 고딕" charset="0"/>
                 <a:ea typeface="맑은 고딕" charset="0"/>
               </a:rPr>
-              <a:t>이제 Project 폴더 아래에 있는 </a:t>
-            </a:r>
-            <a:r>
-              <a:rPr lang="ko-KR" sz="1800">
-                <a:latin typeface="맑은 고딕" charset="0"/>
-                <a:ea typeface="맑은 고딕" charset="0"/>
-              </a:rPr>
-              <a:t>Texture</a:t>
-            </a:r>
-            <a:r>
-              <a:rPr lang="ko-KR" sz="1800">
-                <a:latin typeface="맑은 고딕" charset="0"/>
-                <a:ea typeface="맑은 고딕" charset="0"/>
-              </a:rPr>
-              <a:t> </a:t>
-            </a:r>
-            <a:r>
-              <a:rPr lang="ko-KR" sz="1800">
-                <a:latin typeface="맑은 고딕" charset="0"/>
-                <a:ea typeface="맑은 고딕" charset="0"/>
-              </a:rPr>
-              <a:t>폴더에</a:t>
-            </a:r>
-            <a:r>
-              <a:rPr lang="ko-KR" sz="1800">
-                <a:latin typeface="맑은 고딕" charset="0"/>
-                <a:ea typeface="맑은 고딕" charset="0"/>
-              </a:rPr>
-              <a:t> House 텍스처를 Left </a:t>
-            </a:r>
-            <a:r>
-              <a:rPr lang="ko-KR" sz="1800">
-                <a:latin typeface="맑은 고딕" charset="0"/>
-                <a:ea typeface="맑은 고딕" charset="0"/>
-              </a:rPr>
-              <a:t>House</a:t>
-            </a:r>
-            <a:r>
-              <a:rPr lang="ko-KR" sz="1800">
-                <a:latin typeface="맑은 고딕" charset="0"/>
-                <a:ea typeface="맑은 고딕" charset="0"/>
-              </a:rPr>
-              <a:t> </a:t>
-            </a:r>
-            <a:r>
-              <a:rPr lang="ko-KR" sz="1800">
-                <a:latin typeface="맑은 고딕" charset="0"/>
-                <a:ea typeface="맑은 고딕" charset="0"/>
-              </a:rPr>
-              <a:t>오브젝트에</a:t>
-            </a:r>
-            <a:r>
-              <a:rPr lang="ko-KR" sz="1800">
-                <a:latin typeface="맑은 고딕" charset="0"/>
-                <a:ea typeface="맑은 고딕" charset="0"/>
-              </a:rPr>
-              <a:t> 넣어줍니다.</a:t>
+              <a:t>이제 Area Street Lamp </a:t>
+            </a:r>
+            <a:r>
+              <a:rPr lang="ko-KR" sz="1800">
+                <a:latin typeface="맑은 고딕" charset="0"/>
+                <a:ea typeface="맑은 고딕" charset="0"/>
+              </a:rPr>
+              <a:t>오브젝트의 </a:t>
+            </a:r>
+            <a:r>
+              <a:rPr lang="ko-KR" sz="1800">
+                <a:latin typeface="맑은 고딕" charset="0"/>
+                <a:ea typeface="맑은 고딕" charset="0"/>
+              </a:rPr>
+              <a:t>위치와</a:t>
+            </a:r>
+            <a:r>
+              <a:rPr lang="ko-KR" sz="1800">
+                <a:latin typeface="맑은 고딕" charset="0"/>
+                <a:ea typeface="맑은 고딕" charset="0"/>
+              </a:rPr>
+              <a:t> 회전 값을 설정합니</a:t>
+            </a:r>
+            <a:r>
+              <a:rPr lang="ko-KR" sz="1800">
+                <a:latin typeface="맑은 고딕" charset="0"/>
+                <a:ea typeface="맑은 고딕" charset="0"/>
+              </a:rPr>
+              <a:t>다.</a:t>
             </a:r>
             <a:endParaRPr lang="ko-KR" altLang="en-US" sz="1800">
               <a:latin typeface="맑은 고딕" charset="0"/>
@@ -11560,37 +11539,6 @@
           </a:p>
         </p:txBody>
       </p:sp>
-      <p:pic>
-        <p:nvPicPr>
-          <p:cNvPr id="1237" name="그림 19"/>
-          <p:cNvPicPr>
-            <a:picLocks noChangeAspect="1"/>
-          </p:cNvPicPr>
-          <p:nvPr/>
-        </p:nvPicPr>
-        <p:blipFill rotWithShape="1">
-          <a:blip r:embed="rId2" cstate="hqprint">
-            <a:extLst>
-              <a:ext uri="{28A0092B-C50C-407E-A947-70E740481C1C}">
-                <a14:useLocalDpi xmlns:a14="http://schemas.microsoft.com/office/drawing/2010/main"/>
-              </a:ext>
-            </a:extLst>
-          </a:blip>
-          <a:stretch>
-            <a:fillRect/>
-          </a:stretch>
-        </p:blipFill>
-        <p:spPr>
-          <a:xfrm rot="0">
-            <a:off x="8251825" y="1445895"/>
-            <a:ext cx="2712085" cy="1282700"/>
-          </a:xfrm>
-          <a:prstGeom prst="roundRect"/>
-          <a:solidFill>
-            <a:srgbClr val="EDEDED"/>
-          </a:solidFill>
-        </p:spPr>
-      </p:pic>
       <p:sp>
         <p:nvSpPr>
           <p:cNvPr id="1238" name="텍스트 상자 20"/>
@@ -11600,9 +11548,9 @@
           <p:nvPr/>
         </p:nvSpPr>
         <p:spPr>
-          <a:xfrm>
-            <a:off x="6808470" y="2860040"/>
-            <a:ext cx="4164965" cy="923925"/>
+          <a:xfrm rot="0">
+            <a:off x="6808470" y="3015615"/>
+            <a:ext cx="4157345" cy="923925"/>
           </a:xfrm>
           <a:prstGeom prst="rect"/>
           <a:noFill/>
@@ -11629,7 +11577,7 @@
                 <a:latin typeface="맑은 고딕" charset="0"/>
                 <a:ea typeface="맑은 고딕" charset="0"/>
               </a:rPr>
-              <a:t>5</a:t>
+              <a:t>4</a:t>
             </a:r>
             <a:r>
               <a:rPr lang="ko-KR" sz="1800" b="1">
@@ -11639,7 +11587,7 @@
                 <a:latin typeface="맑은 고딕" charset="0"/>
                 <a:ea typeface="맑은 고딕" charset="0"/>
               </a:rPr>
-              <a:t>0</a:t>
+              <a:t>3</a:t>
             </a:r>
             <a:r>
               <a:rPr sz="1800" b="1">
@@ -11663,14 +11611,14 @@
                 <a:latin typeface="맑은 고딕" charset="0"/>
                 <a:ea typeface="맑은 고딕" charset="0"/>
               </a:rPr>
-              <a:t>그러고 나서 Project 폴더 아래에 </a:t>
-            </a:r>
-            <a:r>
-              <a:rPr lang="ko-KR" sz="1800">
-                <a:latin typeface="맑은 고딕" charset="0"/>
-                <a:ea typeface="맑은 고딕" charset="0"/>
-              </a:rPr>
-              <a:t>있는</a:t>
+              <a:t>그러고 나서 Point Street Lamp </a:t>
+            </a:r>
+            <a:r>
+              <a:rPr lang="ko-KR" sz="1800">
+                <a:latin typeface="맑은 고딕" charset="0"/>
+                <a:ea typeface="맑은 고딕" charset="0"/>
+              </a:rPr>
+              <a:t>오브젝트의</a:t>
             </a:r>
             <a:r>
               <a:rPr lang="ko-KR" sz="1800">
@@ -11684,42 +11632,21 @@
                 <a:latin typeface="맑은 고딕" charset="0"/>
                 <a:ea typeface="맑은 고딕" charset="0"/>
               </a:rPr>
-              <a:t>Texture</a:t>
-            </a:r>
-            <a:r>
-              <a:rPr lang="ko-KR" sz="1800">
-                <a:latin typeface="맑은 고딕" charset="0"/>
-                <a:ea typeface="맑은 고딕" charset="0"/>
-              </a:rPr>
-              <a:t> 폴더에 House 텍스처를 </a:t>
-            </a:r>
-            <a:r>
-              <a:rPr lang="ko-KR" sz="1800">
-                <a:latin typeface="맑은 고딕" charset="0"/>
-                <a:ea typeface="맑은 고딕" charset="0"/>
-              </a:rPr>
-              <a:t>Right</a:t>
-            </a:r>
-            <a:r>
-              <a:rPr lang="ko-KR" sz="1800">
-                <a:latin typeface="맑은 고딕" charset="0"/>
-                <a:ea typeface="맑은 고딕" charset="0"/>
-              </a:rPr>
-              <a:t> </a:t>
-            </a:r>
-            <a:r>
-              <a:rPr lang="ko-KR" sz="1800">
-                <a:latin typeface="맑은 고딕" charset="0"/>
-                <a:ea typeface="맑은 고딕" charset="0"/>
-              </a:rPr>
-              <a:t>House</a:t>
-            </a:r>
-            <a:r>
-              <a:rPr lang="ko-KR" sz="1800">
-                <a:latin typeface="맑은 고딕" charset="0"/>
-                <a:ea typeface="맑은 고딕" charset="0"/>
-              </a:rPr>
-              <a:t> 오브젝트에 넣어줍니다.</a:t>
+              <a:t>위치와 회전 값을 </a:t>
+            </a:r>
+            <a:r>
+              <a:rPr lang="ko-KR" sz="1800">
+                <a:latin typeface="맑은 고딕" charset="0"/>
+                <a:ea typeface="맑은 고딕" charset="0"/>
+              </a:rPr>
+              <a:t>설정합니</a:t>
+            </a:r>
+            <a:r>
+              <a:rPr lang="ko-KR" sz="1800">
+                <a:latin typeface="맑은 고딕" charset="0"/>
+                <a:ea typeface="맑은 고딕" charset="0"/>
+              </a:rPr>
+              <a:t>다.</a:t>
             </a:r>
             <a:endParaRPr lang="ko-KR" altLang="en-US" sz="1800">
               <a:latin typeface="맑은 고딕" charset="0"/>
@@ -11728,99 +11655,6 @@
           </a:p>
         </p:txBody>
       </p:sp>
-      <p:pic>
-        <p:nvPicPr>
-          <p:cNvPr id="1240" name="그림 22"/>
-          <p:cNvPicPr>
-            <a:picLocks noChangeAspect="1"/>
-          </p:cNvPicPr>
-          <p:nvPr/>
-        </p:nvPicPr>
-        <p:blipFill rotWithShape="1">
-          <a:blip r:embed="rId2" cstate="hqprint">
-            <a:extLst>
-              <a:ext uri="{28A0092B-C50C-407E-A947-70E740481C1C}">
-                <a14:useLocalDpi xmlns:a14="http://schemas.microsoft.com/office/drawing/2010/main"/>
-              </a:ext>
-            </a:extLst>
-          </a:blip>
-          <a:stretch>
-            <a:fillRect/>
-          </a:stretch>
-        </p:blipFill>
-        <p:spPr>
-          <a:xfrm rot="0">
-            <a:off x="8252460" y="3940175"/>
-            <a:ext cx="2710815" cy="1229995"/>
-          </a:xfrm>
-          <a:prstGeom prst="roundRect"/>
-          <a:solidFill>
-            <a:srgbClr val="EDEDED"/>
-          </a:solidFill>
-        </p:spPr>
-      </p:pic>
-      <p:pic>
-        <p:nvPicPr>
-          <p:cNvPr id="1241" name="그림 24"/>
-          <p:cNvPicPr>
-            <a:picLocks noChangeAspect="1"/>
-          </p:cNvPicPr>
-          <p:nvPr/>
-        </p:nvPicPr>
-        <p:blipFill rotWithShape="1">
-          <a:blip r:embed="rId3" cstate="print">
-            <a:extLst>
-              <a:ext uri="{28A0092B-C50C-407E-A947-70E740481C1C}">
-                <a14:useLocalDpi xmlns:a14="http://schemas.microsoft.com/office/drawing/2010/main" val="0"/>
-              </a:ext>
-            </a:extLst>
-          </a:blip>
-          <a:stretch>
-            <a:fillRect/>
-          </a:stretch>
-        </p:blipFill>
-        <p:spPr>
-          <a:xfrm rot="0">
-            <a:off x="6807835" y="3940175"/>
-            <a:ext cx="1306830" cy="1239520"/>
-          </a:xfrm>
-          <a:prstGeom prst="roundRect"/>
-          <a:solidFill>
-            <a:srgbClr val="EDEDED"/>
-          </a:solidFill>
-        </p:spPr>
-      </p:pic>
-      <p:pic>
-        <p:nvPicPr>
-          <p:cNvPr id="1242" name="그림 25"/>
-          <p:cNvPicPr>
-            <a:picLocks noChangeAspect="1"/>
-          </p:cNvPicPr>
-          <p:nvPr/>
-        </p:nvPicPr>
-        <p:blipFill rotWithShape="1">
-          <a:blip r:embed="rId4" cstate="print">
-            <a:extLst>
-              <a:ext uri="{28A0092B-C50C-407E-A947-70E740481C1C}">
-                <a14:useLocalDpi xmlns:a14="http://schemas.microsoft.com/office/drawing/2010/main" val="0"/>
-              </a:ext>
-            </a:extLst>
-          </a:blip>
-          <a:stretch>
-            <a:fillRect/>
-          </a:stretch>
-        </p:blipFill>
-        <p:spPr>
-          <a:xfrm rot="0">
-            <a:off x="6805295" y="1447165"/>
-            <a:ext cx="1310005" cy="1275080"/>
-          </a:xfrm>
-          <a:prstGeom prst="roundRect"/>
-          <a:solidFill>
-            <a:srgbClr val="EDEDED"/>
-          </a:solidFill>
-        </p:spPr>
-      </p:pic>
       <p:pic>
         <p:nvPicPr>
           <p:cNvPr id="1243" name="그림 26"/>
@@ -11852,16 +11686,115 @@
           </a:solidFill>
         </p:spPr>
       </p:pic>
+      <p:sp>
+        <p:nvSpPr>
+          <p:cNvPr id="1245" name="텍스트 상자 32"/>
+          <p:cNvSpPr txBox="1">
+            <a:spLocks/>
+          </p:cNvSpPr>
+          <p:nvPr/>
+        </p:nvSpPr>
+        <p:spPr>
+          <a:xfrm>
+            <a:off x="1240790" y="5325745"/>
+            <a:ext cx="4130040" cy="923925"/>
+          </a:xfrm>
+          <a:prstGeom prst="rect"/>
+          <a:noFill/>
+          <a:ln w="0">
+            <a:noFill/>
+            <a:prstDash/>
+          </a:ln>
+        </p:spPr>
+        <p:txBody>
+          <a:bodyPr wrap="square" lIns="89535" tIns="46355" rIns="89535" bIns="46355" numCol="1" vert="horz" anchor="t">
+            <a:spAutoFit/>
+          </a:bodyPr>
+          <a:lstStyle/>
+          <a:p>
+            <a:pPr marL="0" indent="0" rtl="0" algn="l" defTabSz="914400" eaLnBrk="1" latinLnBrk="0" hangingPunct="1">
+              <a:buFontTx/>
+              <a:buNone/>
+            </a:pPr>
+            <a:r>
+              <a:rPr lang="ko-KR" sz="1800" b="1">
+                <a:solidFill>
+                  <a:srgbClr val="0611F2"/>
+                </a:solidFill>
+                <a:latin typeface="맑은 고딕" charset="0"/>
+                <a:ea typeface="맑은 고딕" charset="0"/>
+              </a:rPr>
+              <a:t>42</a:t>
+            </a:r>
+            <a:r>
+              <a:rPr sz="1800" b="1">
+                <a:solidFill>
+                  <a:srgbClr val="0611F2"/>
+                </a:solidFill>
+                <a:latin typeface="맑은 고딕" charset="0"/>
+                <a:ea typeface="맑은 고딕" charset="0"/>
+              </a:rPr>
+              <a:t>.</a:t>
+            </a:r>
+            <a:r>
+              <a:rPr sz="1800">
+                <a:latin typeface="맑은 고딕" charset="0"/>
+                <a:ea typeface="맑은 고딕" charset="0"/>
+              </a:rPr>
+              <a:t> </a:t>
+            </a:r>
+            <a:r>
+              <a:rPr lang="ko-KR" sz="1800">
+                <a:latin typeface="맑은 고딕" charset="0"/>
+                <a:ea typeface="맑은 고딕" charset="0"/>
+              </a:rPr>
+              <a:t>그다음으로 Project 폴더에 있는 </a:t>
+            </a:r>
+            <a:r>
+              <a:rPr lang="ko-KR" sz="1800">
+                <a:latin typeface="맑은 고딕" charset="0"/>
+                <a:ea typeface="맑은 고딕" charset="0"/>
+              </a:rPr>
+              <a:t>Texture</a:t>
+            </a:r>
+            <a:r>
+              <a:rPr lang="ko-KR" sz="1800">
+                <a:latin typeface="맑은 고딕" charset="0"/>
+                <a:ea typeface="맑은 고딕" charset="0"/>
+              </a:rPr>
+              <a:t> 폴더에 Sky 텍스처를 월드 </a:t>
+            </a:r>
+            <a:r>
+              <a:rPr lang="ko-KR" sz="1800">
+                <a:latin typeface="맑은 고딕" charset="0"/>
+                <a:ea typeface="맑은 고딕" charset="0"/>
+              </a:rPr>
+              <a:t>공간에</a:t>
+            </a:r>
+            <a:r>
+              <a:rPr lang="ko-KR" sz="1800">
+                <a:latin typeface="맑은 고딕" charset="0"/>
+                <a:ea typeface="맑은 고딕" charset="0"/>
+              </a:rPr>
+              <a:t> 넣어줍니다.</a:t>
+            </a:r>
+            <a:endParaRPr lang="ko-KR" altLang="en-US" sz="1800">
+              <a:latin typeface="맑은 고딕" charset="0"/>
+              <a:ea typeface="맑은 고딕" charset="0"/>
+            </a:endParaRPr>
+          </a:p>
+        </p:txBody>
+      </p:sp>
       <p:pic>
         <p:nvPicPr>
-          <p:cNvPr id="1244" name="그림 29"/>
+          <p:cNvPr id="1249" name="그림 1" descr="C:/Users/Admin1/AppData/Roaming/PolarisOffice/ETemp/11500_10679736/fImage230142638467.png"/>
           <p:cNvPicPr>
             <a:picLocks noChangeAspect="1"/>
           </p:cNvPicPr>
           <p:nvPr/>
         </p:nvPicPr>
         <p:blipFill rotWithShape="1">
-          <a:blip r:embed="rId6" cstate="print">
+          <a:blip r:embed="rId9" cstate="print">
             <a:extLst>
               <a:ext uri="{28A0092B-C50C-407E-A947-70E740481C1C}">
                 <a14:useLocalDpi xmlns:a14="http://schemas.microsoft.com/office/drawing/2010/main" val="0"/>
@@ -11874,8 +11807,8 @@
         </p:blipFill>
         <p:spPr>
           <a:xfrm rot="0">
-            <a:off x="1240790" y="4039870"/>
-            <a:ext cx="4117975" cy="1209040"/>
+            <a:off x="1229995" y="4030980"/>
+            <a:ext cx="4137025" cy="1139825"/>
           </a:xfrm>
           <a:prstGeom prst="roundRect"/>
           <a:solidFill>
@@ -11883,129 +11816,9 @@
           </a:solidFill>
         </p:spPr>
       </p:pic>
-      <p:sp>
-        <p:nvSpPr>
-          <p:cNvPr id="1245" name="텍스트 상자 32"/>
-          <p:cNvSpPr txBox="1">
-            <a:spLocks/>
-          </p:cNvSpPr>
-          <p:nvPr/>
-        </p:nvSpPr>
-        <p:spPr>
-          <a:xfrm>
-            <a:off x="1240790" y="5325745"/>
-            <a:ext cx="4129405" cy="923925"/>
-          </a:xfrm>
-          <a:prstGeom prst="rect"/>
-          <a:noFill/>
-          <a:ln w="0">
-            <a:noFill/>
-            <a:prstDash/>
-          </a:ln>
-        </p:spPr>
-        <p:txBody>
-          <a:bodyPr wrap="square" lIns="89535" tIns="46355" rIns="89535" bIns="46355" numCol="1" vert="horz" anchor="t">
-            <a:spAutoFit/>
-          </a:bodyPr>
-          <a:lstStyle/>
-          <a:p>
-            <a:pPr marL="0" indent="0" rtl="0" algn="l" defTabSz="914400" eaLnBrk="1" latinLnBrk="0" hangingPunct="1">
-              <a:buFontTx/>
-              <a:buNone/>
-            </a:pPr>
-            <a:r>
-              <a:rPr lang="ko-KR" sz="1800" b="1">
-                <a:solidFill>
-                  <a:srgbClr val="0611F2"/>
-                </a:solidFill>
-                <a:latin typeface="맑은 고딕" charset="0"/>
-                <a:ea typeface="맑은 고딕" charset="0"/>
-              </a:rPr>
-              <a:t>49</a:t>
-            </a:r>
-            <a:r>
-              <a:rPr sz="1800" b="1">
-                <a:solidFill>
-                  <a:srgbClr val="0611F2"/>
-                </a:solidFill>
-                <a:latin typeface="맑은 고딕" charset="0"/>
-                <a:ea typeface="맑은 고딕" charset="0"/>
-              </a:rPr>
-              <a:t>.</a:t>
-            </a:r>
-            <a:r>
-              <a:rPr sz="1800">
-                <a:latin typeface="맑은 고딕" charset="0"/>
-                <a:ea typeface="맑은 고딕" charset="0"/>
-              </a:rPr>
-              <a:t> </a:t>
-            </a:r>
-            <a:r>
-              <a:rPr lang="ko-KR" sz="1800">
-                <a:latin typeface="맑은 고딕" charset="0"/>
-                <a:ea typeface="맑은 고딕" charset="0"/>
-              </a:rPr>
-              <a:t>그다음으로 Project 폴더에 있는 </a:t>
-            </a:r>
-            <a:r>
-              <a:rPr lang="ko-KR" sz="1800">
-                <a:latin typeface="맑은 고딕" charset="0"/>
-                <a:ea typeface="맑은 고딕" charset="0"/>
-              </a:rPr>
-              <a:t>Texture</a:t>
-            </a:r>
-            <a:r>
-              <a:rPr lang="ko-KR" sz="1800">
-                <a:latin typeface="맑은 고딕" charset="0"/>
-                <a:ea typeface="맑은 고딕" charset="0"/>
-              </a:rPr>
-              <a:t> </a:t>
-            </a:r>
-            <a:r>
-              <a:rPr lang="ko-KR" sz="1800">
-                <a:latin typeface="맑은 고딕" charset="0"/>
-                <a:ea typeface="맑은 고딕" charset="0"/>
-              </a:rPr>
-              <a:t>폴더에</a:t>
-            </a:r>
-            <a:r>
-              <a:rPr lang="ko-KR" sz="1800">
-                <a:latin typeface="맑은 고딕" charset="0"/>
-                <a:ea typeface="맑은 고딕" charset="0"/>
-              </a:rPr>
-              <a:t> Sky 텍스처를 월드 </a:t>
-            </a:r>
-            <a:r>
-              <a:rPr lang="ko-KR" sz="1800">
-                <a:latin typeface="맑은 고딕" charset="0"/>
-                <a:ea typeface="맑은 고딕" charset="0"/>
-              </a:rPr>
-              <a:t>공간에</a:t>
-            </a:r>
-            <a:r>
-              <a:rPr lang="ko-KR" sz="1800">
-                <a:latin typeface="맑은 고딕" charset="0"/>
-                <a:ea typeface="맑은 고딕" charset="0"/>
-              </a:rPr>
-              <a:t> </a:t>
-            </a:r>
-            <a:r>
-              <a:rPr lang="ko-KR" sz="1800">
-                <a:latin typeface="맑은 고딕" charset="0"/>
-                <a:ea typeface="맑은 고딕" charset="0"/>
-              </a:rPr>
-              <a:t>넣어줍니다.</a:t>
-            </a:r>
-            <a:endParaRPr lang="ko-KR" altLang="en-US" sz="1800">
-              <a:latin typeface="맑은 고딕" charset="0"/>
-              <a:ea typeface="맑은 고딕" charset="0"/>
-            </a:endParaRPr>
-          </a:p>
-        </p:txBody>
-      </p:sp>
       <p:pic>
         <p:nvPicPr>
-          <p:cNvPr id="1246" name="그림 33"/>
+          <p:cNvPr id="1246" name="그림 33" descr="C:/Users/Admin1/AppData/Roaming/PolarisOffice/ETemp/11500_10679736/fImage2242172146334.png"/>
           <p:cNvPicPr>
             <a:picLocks noChangeAspect="1"/>
           </p:cNvPicPr>
@@ -12025,79 +11838,75 @@
         </p:blipFill>
         <p:spPr>
           <a:xfrm rot="16200000">
-            <a:off x="2990850" y="3748405"/>
-            <a:ext cx="626110" cy="352425"/>
+            <a:off x="2926080" y="3658870"/>
+            <a:ext cx="773430" cy="560070"/>
           </a:xfrm>
           <a:prstGeom prst="rect"/>
           <a:noFill/>
         </p:spPr>
       </p:pic>
-      <p:cxnSp>
-        <p:nvCxnSpPr>
-          <p:cNvPr id="1247" name="도형 34"/>
-          <p:cNvCxnSpPr/>
+      <p:pic>
+        <p:nvPicPr>
+          <p:cNvPr id="1250" name="그림 4" descr="C:/Users/Admin1/AppData/Roaming/PolarisOffice/ETemp/11500_10679736/fImage136772646334.png"/>
+          <p:cNvPicPr>
+            <a:picLocks noChangeAspect="1"/>
+          </p:cNvPicPr>
           <p:nvPr/>
-        </p:nvCxnSpPr>
-        <p:spPr>
-          <a:xfrm rot="0" flipH="1">
-            <a:off x="7741285" y="1775460"/>
-            <a:ext cx="581025" cy="857885"/>
-          </a:xfrm>
-          <a:prstGeom prst="straightConnector1"/>
-          <a:ln w="6350" cap="flat" cmpd="sng">
-            <a:prstDash/>
-            <a:headEnd type="none" w="med" len="med"/>
-            <a:tailEnd type="triangle" w="med" len="med"/>
-          </a:ln>
-        </p:spPr>
-        <p:style>
-          <a:lnRef idx="1">
-            <a:schemeClr val="accent1"/>
-          </a:lnRef>
-          <a:fillRef idx="0">
-            <a:schemeClr val="accent1"/>
-          </a:fillRef>
-          <a:effectRef idx="0">
-            <a:schemeClr val="accent1"/>
-          </a:effectRef>
-          <a:fontRef idx="minor">
-            <a:schemeClr val="tx1"/>
-          </a:fontRef>
-        </p:style>
-      </p:cxnSp>
-      <p:cxnSp>
-        <p:nvCxnSpPr>
-          <p:cNvPr id="1248" name="도형 35"/>
-          <p:cNvCxnSpPr/>
+        </p:nvPicPr>
+        <p:blipFill rotWithShape="1">
+          <a:blip r:embed="rId10" cstate="print">
+            <a:extLst>
+              <a:ext uri="{28A0092B-C50C-407E-A947-70E740481C1C}">
+                <a14:useLocalDpi xmlns:a14="http://schemas.microsoft.com/office/drawing/2010/main" val="0"/>
+              </a:ext>
+            </a:extLst>
+          </a:blip>
+          <a:stretch>
+            <a:fillRect/>
+          </a:stretch>
+        </p:blipFill>
+        <p:spPr>
+          <a:xfrm rot="0">
+            <a:off x="6804660" y="1452880"/>
+            <a:ext cx="4161155" cy="1485265"/>
+          </a:xfrm>
+          <a:prstGeom prst="roundRect"/>
+          <a:solidFill>
+            <a:srgbClr val="EDEDED"/>
+          </a:solidFill>
+        </p:spPr>
+      </p:pic>
+      <p:pic>
+        <p:nvPicPr>
+          <p:cNvPr id="1251" name="그림 7" descr="C:/Users/Admin1/AppData/Roaming/PolarisOffice/ETemp/11500_10679736/fImage135822656500.png"/>
+          <p:cNvPicPr>
+            <a:picLocks noChangeAspect="1"/>
+          </p:cNvPicPr>
           <p:nvPr/>
-        </p:nvCxnSpPr>
-        <p:spPr>
-          <a:xfrm rot="0" flipH="1">
-            <a:off x="7698105" y="4303395"/>
-            <a:ext cx="633095" cy="771525"/>
-          </a:xfrm>
-          <a:prstGeom prst="straightConnector1"/>
-          <a:ln w="6350" cap="flat" cmpd="sng">
-            <a:prstDash/>
-            <a:headEnd type="none" w="med" len="med"/>
-            <a:tailEnd type="triangle" w="med" len="med"/>
-          </a:ln>
-        </p:spPr>
-        <p:style>
-          <a:lnRef idx="1">
-            <a:schemeClr val="accent1"/>
-          </a:lnRef>
-          <a:fillRef idx="0">
-            <a:schemeClr val="accent1"/>
-          </a:fillRef>
-          <a:effectRef idx="0">
-            <a:schemeClr val="accent1"/>
-          </a:effectRef>
-          <a:fontRef idx="minor">
-            <a:schemeClr val="tx1"/>
-          </a:fontRef>
-        </p:style>
-      </p:cxnSp>
+        </p:nvPicPr>
+        <p:blipFill rotWithShape="1">
+          <a:blip r:embed="rId11" cstate="print">
+            <a:extLst>
+              <a:ext uri="{28A0092B-C50C-407E-A947-70E740481C1C}">
+                <a14:useLocalDpi xmlns:a14="http://schemas.microsoft.com/office/drawing/2010/main" val="0"/>
+              </a:ext>
+            </a:extLst>
+          </a:blip>
+          <a:stretch>
+            <a:fillRect/>
+          </a:stretch>
+        </p:blipFill>
+        <p:spPr>
+          <a:xfrm rot="0">
+            <a:off x="6816090" y="4030980"/>
+            <a:ext cx="4150360" cy="1456055"/>
+          </a:xfrm>
+          <a:prstGeom prst="roundRect"/>
+          <a:solidFill>
+            <a:srgbClr val="EDEDED"/>
+          </a:solidFill>
+        </p:spPr>
+      </p:pic>
     </p:spTree>
   </p:cSld>
   <p:clrMapOvr>
@@ -12149,7 +11958,7 @@
         <p:spPr>
           <a:xfrm>
             <a:off x="4110990" y="327660"/>
-            <a:ext cx="3988435" cy="478155"/>
+            <a:ext cx="3989070" cy="478155"/>
           </a:xfrm>
           <a:prstGeom prst="rect"/>
           <a:noFill/>
@@ -12176,7 +11985,7 @@
                 <a:latin typeface="나눔바른고딕" charset="0"/>
                 <a:ea typeface="나눔바른고딕" charset="0"/>
               </a:rPr>
-              <a:t>열여덟</a:t>
+              <a:t>열여섯</a:t>
             </a:r>
             <a:r>
               <a:rPr lang="ko-KR" altLang="en-US" sz="2500" b="1">
@@ -12209,7 +12018,7 @@
         <p:spPr>
           <a:xfrm>
             <a:off x="6835140" y="5490845"/>
-            <a:ext cx="4131945" cy="647065"/>
+            <a:ext cx="4132580" cy="647065"/>
           </a:xfrm>
           <a:prstGeom prst="rect"/>
           <a:noFill/>
@@ -12236,7 +12045,7 @@
                 <a:latin typeface="맑은 고딕" charset="0"/>
                 <a:ea typeface="맑은 고딕" charset="0"/>
               </a:rPr>
-              <a:t>5</a:t>
+              <a:t>4</a:t>
             </a:r>
             <a:r>
               <a:rPr sz="1800" b="1">
@@ -12246,7 +12055,7 @@
                 <a:latin typeface="맑은 고딕" charset="0"/>
                 <a:ea typeface="맑은 고딕" charset="0"/>
               </a:rPr>
-              <a:t>3</a:t>
+              <a:t>6</a:t>
             </a:r>
             <a:r>
               <a:rPr sz="1800" b="1">
@@ -12295,7 +12104,7 @@
       </p:sp>
       <p:pic>
         <p:nvPicPr>
-          <p:cNvPr id="1056" name="그림 4" descr="C:/Users/Admin1/AppData/Roaming/PolarisOffice/ETemp/1284_18416448/fImage358712941478.png"/>
+          <p:cNvPr id="1056" name="그림 4"/>
           <p:cNvPicPr>
             <a:picLocks noChangeAspect="1"/>
           </p:cNvPicPr>
@@ -12326,7 +12135,7 @@
       </p:pic>
       <p:pic>
         <p:nvPicPr>
-          <p:cNvPr id="1057" name="그림 19" descr="C:/Users/Admin1/AppData/Roaming/PolarisOffice/ETemp/1284_18416448/fImage211388841.png"/>
+          <p:cNvPr id="1057" name="그림 19"/>
           <p:cNvPicPr>
             <a:picLocks noChangeAspect="1"/>
           </p:cNvPicPr>
@@ -12366,7 +12175,7 @@
         <p:spPr>
           <a:xfrm>
             <a:off x="1252220" y="5225415"/>
-            <a:ext cx="4116705" cy="909955"/>
+            <a:ext cx="4117340" cy="910590"/>
           </a:xfrm>
           <a:prstGeom prst="rect"/>
           <a:noFill/>
@@ -12389,6 +12198,16 @@
                 <a:latin typeface="맑은 고딕" charset="0"/>
                 <a:ea typeface="맑은 고딕" charset="0"/>
               </a:rPr>
+              <a:t>4</a:t>
+            </a:r>
+            <a:r>
+              <a:rPr lang="ko-KR" sz="2000" b="1">
+                <a:solidFill>
+                  <a:srgbClr val="0611F2"/>
+                </a:solidFill>
+                <a:latin typeface="맑은 고딕" charset="0"/>
+                <a:ea typeface="맑은 고딕" charset="0"/>
+              </a:rPr>
               <a:t>5</a:t>
             </a:r>
             <a:r>
@@ -12399,7 +12218,7 @@
                 <a:latin typeface="맑은 고딕" charset="0"/>
                 <a:ea typeface="맑은 고딕" charset="0"/>
               </a:rPr>
-              <a:t>2</a:t>
+              <a:t>.</a:t>
             </a:r>
             <a:r>
               <a:rPr lang="ko-KR" sz="2000" b="1">
@@ -12409,16 +12228,6 @@
                 <a:latin typeface="맑은 고딕" charset="0"/>
                 <a:ea typeface="맑은 고딕" charset="0"/>
               </a:rPr>
-              <a:t>.</a:t>
-            </a:r>
-            <a:r>
-              <a:rPr lang="ko-KR" sz="2000" b="1">
-                <a:solidFill>
-                  <a:srgbClr val="0611F2"/>
-                </a:solidFill>
-                <a:latin typeface="맑은 고딕" charset="0"/>
-                <a:ea typeface="맑은 고딕" charset="0"/>
-              </a:rPr>
               <a:t> </a:t>
             </a:r>
             <a:r>
@@ -12426,21 +12235,7 @@
                 <a:latin typeface="맑은 고딕" charset="0"/>
                 <a:ea typeface="맑은 고딕" charset="0"/>
               </a:rPr>
-              <a:t>그리고 Window에서 </a:t>
-            </a:r>
-            <a:r>
-              <a:rPr lang="ko-KR" sz="1800">
-                <a:latin typeface="맑은 고딕" charset="0"/>
-                <a:ea typeface="맑은 고딕" charset="0"/>
-              </a:rPr>
-              <a:t>Rendering을</a:t>
-            </a:r>
-            <a:r>
-              <a:rPr lang="ko-KR" sz="1800">
-                <a:latin typeface="맑은 고딕" charset="0"/>
-                <a:ea typeface="맑은 고딕" charset="0"/>
-              </a:rPr>
-              <a:t> </a:t>
+              <a:t>그리고 Window에서 Rendering을 </a:t>
             </a:r>
             <a:r>
               <a:rPr lang="ko-KR" sz="1800">
@@ -12454,21 +12249,7 @@
                 <a:latin typeface="맑은 고딕" charset="0"/>
                 <a:ea typeface="맑은 고딕" charset="0"/>
               </a:rPr>
-              <a:t> Lighting </a:t>
-            </a:r>
-            <a:r>
-              <a:rPr lang="ko-KR" sz="1800">
-                <a:latin typeface="맑은 고딕" charset="0"/>
-                <a:ea typeface="맑은 고딕" charset="0"/>
-              </a:rPr>
-              <a:t>Settings를</a:t>
-            </a:r>
-            <a:r>
-              <a:rPr lang="ko-KR" sz="1800">
-                <a:latin typeface="맑은 고딕" charset="0"/>
-                <a:ea typeface="맑은 고딕" charset="0"/>
-              </a:rPr>
-              <a:t> </a:t>
+              <a:t> Lighting Settings를 </a:t>
             </a:r>
             <a:r>
               <a:rPr lang="ko-KR" sz="1800">

--- a/Assets/Light/PPT Data/Light Example.pptx
+++ b/Assets/Light/PPT Data/Light Example.pptx
@@ -2,28 +2,26 @@
 <file path=ppt/presentation.xml><?xml version="1.0" encoding="utf-8"?>
 <p:presentation xmlns:a="http://schemas.openxmlformats.org/drawingml/2006/main" xmlns:r="http://schemas.openxmlformats.org/officeDocument/2006/relationships" xmlns:p="http://schemas.openxmlformats.org/presentationml/2006/main" xmlns:p14="http://schemas.microsoft.com/office/powerpoint/2010/main" saveSubsetFonts="1" firstSlideNum="0">
   <p:sldMasterIdLst>
-    <p:sldMasterId id="2147486135" r:id="rId12"/>
+    <p:sldMasterId id="2147486143" r:id="rId12"/>
   </p:sldMasterIdLst>
   <p:notesMasterIdLst>
     <p:notesMasterId r:id="rId14"/>
   </p:notesMasterIdLst>
   <p:sldIdLst>
     <p:sldId id="287" r:id="rId16"/>
-    <p:sldId id="315" r:id="rId18"/>
-    <p:sldId id="316" r:id="rId20"/>
-    <p:sldId id="327" r:id="rId22"/>
-    <p:sldId id="294" r:id="rId24"/>
-    <p:sldId id="299" r:id="rId26"/>
-    <p:sldId id="318" r:id="rId28"/>
-    <p:sldId id="310" r:id="rId30"/>
-    <p:sldId id="319" r:id="rId32"/>
-    <p:sldId id="320" r:id="rId34"/>
-    <p:sldId id="321" r:id="rId36"/>
-    <p:sldId id="308" r:id="rId37"/>
-    <p:sldId id="323" r:id="rId39"/>
-    <p:sldId id="324" r:id="rId41"/>
-    <p:sldId id="326" r:id="rId43"/>
-    <p:sldId id="313" r:id="rId44"/>
+    <p:sldId id="315" r:id="rId17"/>
+    <p:sldId id="316" r:id="rId18"/>
+    <p:sldId id="327" r:id="rId19"/>
+    <p:sldId id="294" r:id="rId20"/>
+    <p:sldId id="299" r:id="rId21"/>
+    <p:sldId id="318" r:id="rId22"/>
+    <p:sldId id="310" r:id="rId23"/>
+    <p:sldId id="319" r:id="rId24"/>
+    <p:sldId id="320" r:id="rId25"/>
+    <p:sldId id="321" r:id="rId26"/>
+    <p:sldId id="323" r:id="rId27"/>
+    <p:sldId id="324" r:id="rId28"/>
+    <p:sldId id="313" r:id="rId29"/>
   </p:sldIdLst>
   <p:sldSz cx="12192000" cy="6858000"/>
   <p:notesSz cx="6858000" cy="9144000"/>
@@ -938,7 +936,7 @@
         <p:spPr>
           <a:xfrm rot="0">
             <a:off x="685800" y="1143000"/>
-            <a:ext cx="5492750" cy="3092450"/>
+            <a:ext cx="5493385" cy="3093085"/>
           </a:xfrm>
           <a:prstGeom prst="rect"/>
           <a:noFill/>
@@ -977,7 +975,7 @@
         <p:spPr>
           <a:xfrm rot="0">
             <a:off x="685800" y="4400550"/>
-            <a:ext cx="5492750" cy="3606800"/>
+            <a:ext cx="5493385" cy="3607435"/>
           </a:xfrm>
           <a:prstGeom prst="rect"/>
         </p:spPr>
@@ -1007,7 +1005,7 @@
         <p:spPr>
           <a:xfrm rot="0">
             <a:off x="3884930" y="8685530"/>
-            <a:ext cx="2978150" cy="464820"/>
+            <a:ext cx="2978785" cy="465455"/>
           </a:xfrm>
           <a:prstGeom prst="rect"/>
         </p:spPr>
@@ -1193,290 +1191,6 @@
 </file>
 
 <file path=ppt/notesSlides/notesSlide14.xml><?xml version="1.0" encoding="utf-8"?>
-<p:notes xmlns:a="http://schemas.openxmlformats.org/drawingml/2006/main" xmlns:r="http://schemas.openxmlformats.org/officeDocument/2006/relationships" xmlns:p="http://schemas.openxmlformats.org/presentationml/2006/main">
-  <p:cSld>
-    <p:spTree>
-      <p:nvGrpSpPr>
-        <p:cNvPr id="1" name=""/>
-        <p:cNvGrpSpPr/>
-        <p:nvPr/>
-      </p:nvGrpSpPr>
-      <p:grpSpPr>
-        <a:xfrm>
-          <a:off x="0" y="0"/>
-          <a:ext cx="0" cy="0"/>
-          <a:chOff x="0" y="0"/>
-          <a:chExt cx="0" cy="0"/>
-        </a:xfrm>
-      </p:grpSpPr>
-      <p:sp>
-        <p:nvSpPr>
-          <p:cNvPr id="2" name="슬라이드 이미지 개체 틀 3"/>
-          <p:cNvSpPr>
-            <a:spLocks noChangeAspect="1"/>
-          </p:cNvSpPr>
-          <p:nvPr>
-            <p:ph type="sldImg" idx="2"/>
-          </p:nvPr>
-        </p:nvSpPr>
-        <p:spPr>
-          <a:xfrm rot="0">
-            <a:off x="685800" y="1143000"/>
-            <a:ext cx="5493385" cy="3093085"/>
-          </a:xfrm>
-          <a:prstGeom prst="rect"/>
-          <a:noFill/>
-          <a:ln w="12700" cap="flat" cmpd="sng">
-            <a:solidFill>
-              <a:srgbClr val="000000">
-                <a:alpha val="100000"/>
-              </a:srgbClr>
-            </a:solidFill>
-            <a:prstDash val="solid"/>
-          </a:ln>
-        </p:spPr>
-        <p:txBody>
-          <a:bodyPr wrap="square" lIns="91440" tIns="45720" rIns="91440" bIns="45720" numCol="1" vert="horz" anchor="ctr">
-            <a:noAutofit/>
-          </a:bodyPr>
-          <a:lstStyle/>
-          <a:p>
-            <a:pPr marL="0" indent="0" latinLnBrk="0">
-              <a:buFontTx/>
-              <a:buNone/>
-            </a:pPr>
-          </a:p>
-        </p:txBody>
-      </p:sp>
-      <p:sp>
-        <p:nvSpPr>
-          <p:cNvPr id="3" name="슬라이드 노트 개체 틀 4"/>
-          <p:cNvSpPr txBox="1">
-            <a:spLocks/>
-          </p:cNvSpPr>
-          <p:nvPr>
-            <p:ph type="body" idx="3"/>
-          </p:nvPr>
-        </p:nvSpPr>
-        <p:spPr>
-          <a:xfrm rot="0">
-            <a:off x="685800" y="4400550"/>
-            <a:ext cx="5493385" cy="3607435"/>
-          </a:xfrm>
-          <a:prstGeom prst="rect"/>
-        </p:spPr>
-        <p:txBody>
-          <a:bodyPr wrap="square" lIns="91440" tIns="45720" rIns="91440" bIns="45720" numCol="1" vert="horz" anchor="t">
-            <a:noAutofit/>
-          </a:bodyPr>
-          <a:lstStyle/>
-          <a:p>
-            <a:pPr marL="0" indent="0" latinLnBrk="0">
-              <a:buFontTx/>
-              <a:buNone/>
-            </a:pPr>
-          </a:p>
-        </p:txBody>
-      </p:sp>
-      <p:sp>
-        <p:nvSpPr>
-          <p:cNvPr id="4" name="슬라이드 번호 개체 틀 6"/>
-          <p:cNvSpPr txBox="1">
-            <a:spLocks/>
-          </p:cNvSpPr>
-          <p:nvPr>
-            <p:ph type="sldNum" idx="5"/>
-          </p:nvPr>
-        </p:nvSpPr>
-        <p:spPr>
-          <a:xfrm rot="0">
-            <a:off x="3884930" y="8685530"/>
-            <a:ext cx="2978785" cy="465455"/>
-          </a:xfrm>
-          <a:prstGeom prst="rect"/>
-        </p:spPr>
-        <p:txBody>
-          <a:bodyPr wrap="square" lIns="91440" tIns="45720" rIns="91440" bIns="45720" numCol="1" vert="horz" anchor="b">
-            <a:noAutofit/>
-          </a:bodyPr>
-          <a:lstStyle>
-            <a:lvl1pPr marL="0" indent="0" algn="r" latinLnBrk="0">
-              <a:buFontTx/>
-              <a:buNone/>
-              <a:defRPr lang="en-GB" altLang="en-US" sz="1200"/>
-            </a:lvl1pPr>
-          </a:lstStyle>
-          <a:p>
-            <a:pPr marL="0" indent="0" latinLnBrk="0">
-              <a:buFontTx/>
-              <a:buNone/>
-            </a:pPr>
-            <a:fld id="{B9320F77-B9A0-41C5-862A-B4B631284C64}" type="slidenum">
-              <a:rPr lang="ko-KR" altLang="en-US"/>
-              <a:t>‹#›</a:t>
-            </a:fld>
-          </a:p>
-        </p:txBody>
-      </p:sp>
-    </p:spTree>
-  </p:cSld>
-  <p:clrMapOvr>
-    <a:masterClrMapping/>
-  </p:clrMapOvr>
-  <mc:AlternateContent xmlns:mc="http://schemas.openxmlformats.org/markup-compatibility/2006">
-    <mc:Choice xmlns:p14="http://schemas.microsoft.com/office/powerpoint/2010/main" Requires="p14">
-      <p:transition spd="slow" p14:dur="0"/>
-    </mc:Choice>
-    <mc:Fallback>
-      <p:transition spd="slow"/>
-    </mc:Fallback>
-  </mc:AlternateContent>
-</p:notes>
-</file>
-
-<file path=ppt/notesSlides/notesSlide15.xml><?xml version="1.0" encoding="utf-8"?>
-<p:notes xmlns:a="http://schemas.openxmlformats.org/drawingml/2006/main" xmlns:r="http://schemas.openxmlformats.org/officeDocument/2006/relationships" xmlns:p="http://schemas.openxmlformats.org/presentationml/2006/main">
-  <p:cSld>
-    <p:spTree>
-      <p:nvGrpSpPr>
-        <p:cNvPr id="1" name=""/>
-        <p:cNvGrpSpPr/>
-        <p:nvPr/>
-      </p:nvGrpSpPr>
-      <p:grpSpPr>
-        <a:xfrm>
-          <a:off x="0" y="0"/>
-          <a:ext cx="0" cy="0"/>
-          <a:chOff x="0" y="0"/>
-          <a:chExt cx="0" cy="0"/>
-        </a:xfrm>
-      </p:grpSpPr>
-      <p:sp>
-        <p:nvSpPr>
-          <p:cNvPr id="2" name="슬라이드 이미지 개체 틀 3"/>
-          <p:cNvSpPr>
-            <a:spLocks noChangeAspect="1"/>
-          </p:cNvSpPr>
-          <p:nvPr>
-            <p:ph type="sldImg" idx="2"/>
-          </p:nvPr>
-        </p:nvSpPr>
-        <p:spPr>
-          <a:xfrm rot="0">
-            <a:off x="685800" y="1143000"/>
-            <a:ext cx="5494020" cy="3093720"/>
-          </a:xfrm>
-          <a:prstGeom prst="rect"/>
-          <a:noFill/>
-          <a:ln w="12700" cap="flat" cmpd="sng">
-            <a:solidFill>
-              <a:srgbClr val="000000">
-                <a:alpha val="100000"/>
-              </a:srgbClr>
-            </a:solidFill>
-            <a:prstDash val="solid"/>
-          </a:ln>
-        </p:spPr>
-        <p:txBody>
-          <a:bodyPr wrap="square" lIns="91440" tIns="45720" rIns="91440" bIns="45720" numCol="1" vert="horz" anchor="ctr">
-            <a:noAutofit/>
-          </a:bodyPr>
-          <a:lstStyle/>
-          <a:p>
-            <a:pPr marL="0" indent="0" latinLnBrk="0">
-              <a:buFontTx/>
-              <a:buNone/>
-            </a:pPr>
-          </a:p>
-        </p:txBody>
-      </p:sp>
-      <p:sp>
-        <p:nvSpPr>
-          <p:cNvPr id="3" name="슬라이드 노트 개체 틀 4"/>
-          <p:cNvSpPr txBox="1">
-            <a:spLocks/>
-          </p:cNvSpPr>
-          <p:nvPr>
-            <p:ph type="body" idx="3"/>
-          </p:nvPr>
-        </p:nvSpPr>
-        <p:spPr>
-          <a:xfrm rot="0">
-            <a:off x="685800" y="4400550"/>
-            <a:ext cx="5494020" cy="3608070"/>
-          </a:xfrm>
-          <a:prstGeom prst="rect"/>
-        </p:spPr>
-        <p:txBody>
-          <a:bodyPr wrap="square" lIns="91440" tIns="45720" rIns="91440" bIns="45720" numCol="1" vert="horz" anchor="t">
-            <a:noAutofit/>
-          </a:bodyPr>
-          <a:lstStyle/>
-          <a:p>
-            <a:pPr marL="0" indent="0" latinLnBrk="0">
-              <a:buFontTx/>
-              <a:buNone/>
-            </a:pPr>
-          </a:p>
-        </p:txBody>
-      </p:sp>
-      <p:sp>
-        <p:nvSpPr>
-          <p:cNvPr id="4" name="슬라이드 번호 개체 틀 6"/>
-          <p:cNvSpPr txBox="1">
-            <a:spLocks/>
-          </p:cNvSpPr>
-          <p:nvPr>
-            <p:ph type="sldNum" idx="5"/>
-          </p:nvPr>
-        </p:nvSpPr>
-        <p:spPr>
-          <a:xfrm rot="0">
-            <a:off x="3884930" y="8685530"/>
-            <a:ext cx="2979420" cy="466090"/>
-          </a:xfrm>
-          <a:prstGeom prst="rect"/>
-        </p:spPr>
-        <p:txBody>
-          <a:bodyPr wrap="square" lIns="91440" tIns="45720" rIns="91440" bIns="45720" numCol="1" vert="horz" anchor="b">
-            <a:noAutofit/>
-          </a:bodyPr>
-          <a:lstStyle>
-            <a:lvl1pPr marL="0" indent="0" algn="r" latinLnBrk="0">
-              <a:buFontTx/>
-              <a:buNone/>
-              <a:defRPr lang="en-GB" altLang="en-US" sz="1200"/>
-            </a:lvl1pPr>
-          </a:lstStyle>
-          <a:p>
-            <a:pPr marL="0" indent="0" latinLnBrk="0">
-              <a:buFontTx/>
-              <a:buNone/>
-            </a:pPr>
-            <a:fld id="{B9320F77-B9A0-41C5-862A-B4B631284C64}" type="slidenum">
-              <a:rPr lang="ko-KR" altLang="en-US"/>
-              <a:t>‹#›</a:t>
-            </a:fld>
-          </a:p>
-        </p:txBody>
-      </p:sp>
-    </p:spTree>
-  </p:cSld>
-  <p:clrMapOvr>
-    <a:masterClrMapping/>
-  </p:clrMapOvr>
-  <mc:AlternateContent xmlns:mc="http://schemas.openxmlformats.org/markup-compatibility/2006">
-    <mc:Choice xmlns:p14="http://schemas.microsoft.com/office/powerpoint/2010/main" Requires="p14">
-      <p:transition spd="slow" p14:dur="0"/>
-    </mc:Choice>
-    <mc:Fallback>
-      <p:transition spd="slow"/>
-    </mc:Fallback>
-  </mc:AlternateContent>
-</p:notes>
-</file>
-
-<file path=ppt/notesSlides/notesSlide16.xml><?xml version="1.0" encoding="utf-8"?>
 <p:notes xmlns:a="http://schemas.openxmlformats.org/drawingml/2006/main" xmlns:r="http://schemas.openxmlformats.org/officeDocument/2006/relationships" xmlns:p="http://schemas.openxmlformats.org/presentationml/2006/main">
   <p:cSld>
     <p:spTree>
@@ -7726,8 +7440,8 @@
         </p:nvSpPr>
         <p:spPr>
           <a:xfrm rot="0">
-            <a:off x="1231900" y="2544445"/>
-            <a:ext cx="4127500" cy="1231265"/>
+            <a:off x="1231900" y="2569845"/>
+            <a:ext cx="4137025" cy="954405"/>
           </a:xfrm>
           <a:prstGeom prst="rect"/>
           <a:noFill/>
@@ -7754,115 +7468,21 @@
                 <a:latin typeface="맑은 고딕" charset="0"/>
                 <a:ea typeface="맑은 고딕" charset="0"/>
               </a:rPr>
-              <a:t>1.</a:t>
-            </a:r>
-            <a:r>
-              <a:rPr lang="ko-KR" sz="2000" b="1">
-                <a:solidFill>
-                  <a:srgbClr val="0611F2"/>
-                </a:solidFill>
-                <a:latin typeface="맑은 고딕" charset="0"/>
-                <a:ea typeface="맑은 고딕" charset="0"/>
-              </a:rPr>
-              <a:t> </a:t>
-            </a:r>
-            <a:r>
-              <a:rPr lang="ko-KR" sz="1800">
-                <a:latin typeface="맑은 고딕" charset="0"/>
-                <a:ea typeface="맑은 고딕" charset="0"/>
-              </a:rPr>
-              <a:t>첫</a:t>
-            </a:r>
-            <a:r>
-              <a:rPr lang="ko-KR" sz="1800">
-                <a:latin typeface="맑은 고딕" charset="0"/>
-                <a:ea typeface="맑은 고딕" charset="0"/>
-              </a:rPr>
-              <a:t> </a:t>
-            </a:r>
-            <a:r>
-              <a:rPr lang="ko-KR" sz="1800">
-                <a:latin typeface="맑은 고딕" charset="0"/>
-                <a:ea typeface="맑은 고딕" charset="0"/>
-              </a:rPr>
-              <a:t>번째로</a:t>
-            </a:r>
-            <a:r>
-              <a:rPr lang="ko-KR" sz="1800">
-                <a:latin typeface="맑은 고딕" charset="0"/>
-                <a:ea typeface="맑은 고딕" charset="0"/>
-              </a:rPr>
-              <a:t> </a:t>
-            </a:r>
-            <a:r>
-              <a:rPr lang="ko-KR" sz="1800">
-                <a:latin typeface="맑은 고딕" charset="0"/>
-                <a:ea typeface="맑은 고딕" charset="0"/>
-              </a:rPr>
-              <a:t>Project 폴더에 있는 </a:t>
-            </a:r>
-            <a:r>
-              <a:rPr lang="ko-KR" sz="1800">
-                <a:latin typeface="맑은 고딕" charset="0"/>
-                <a:ea typeface="맑은 고딕" charset="0"/>
-              </a:rPr>
-              <a:t>Model</a:t>
-            </a:r>
-            <a:r>
-              <a:rPr lang="ko-KR" sz="1800">
-                <a:latin typeface="맑은 고딕" charset="0"/>
-                <a:ea typeface="맑은 고딕" charset="0"/>
-              </a:rPr>
-              <a:t> 폴더에 Road 모델을 월드 </a:t>
-            </a:r>
-            <a:r>
-              <a:rPr lang="ko-KR" sz="1800">
-                <a:latin typeface="맑은 고딕" charset="0"/>
-                <a:ea typeface="맑은 고딕" charset="0"/>
-              </a:rPr>
-              <a:t>공간에</a:t>
-            </a:r>
-            <a:r>
-              <a:rPr lang="ko-KR" sz="1800">
-                <a:latin typeface="맑은 고딕" charset="0"/>
-                <a:ea typeface="맑은 고딕" charset="0"/>
-              </a:rPr>
-              <a:t> </a:t>
-            </a:r>
-            <a:r>
-              <a:rPr lang="ko-KR" sz="1800">
-                <a:latin typeface="맑은 고딕" charset="0"/>
-                <a:ea typeface="맑은 고딕" charset="0"/>
-              </a:rPr>
-              <a:t>배치한 </a:t>
-            </a:r>
-            <a:r>
-              <a:rPr lang="ko-KR" sz="1800">
-                <a:latin typeface="맑은 고딕" charset="0"/>
-                <a:ea typeface="맑은 고딕" charset="0"/>
-              </a:rPr>
-              <a:t>다음 Right Road라는 </a:t>
-            </a:r>
-            <a:r>
-              <a:rPr lang="ko-KR" sz="1800">
-                <a:latin typeface="맑은 고딕" charset="0"/>
-                <a:ea typeface="맑은 고딕" charset="0"/>
-              </a:rPr>
-              <a:t>이름으로</a:t>
-            </a:r>
-            <a:r>
-              <a:rPr lang="ko-KR" sz="1800">
-                <a:latin typeface="맑은 고딕" charset="0"/>
-                <a:ea typeface="맑은 고딕" charset="0"/>
-              </a:rPr>
-              <a:t> 정의합니</a:t>
-            </a:r>
-            <a:r>
-              <a:rPr lang="ko-KR" sz="1800">
-                <a:latin typeface="맑은 고딕" charset="0"/>
-                <a:ea typeface="맑은 고딕" charset="0"/>
-              </a:rPr>
-              <a:t>다.</a:t>
+              <a:t>1. </a:t>
+            </a:r>
+            <a:r>
+              <a:rPr lang="ko-KR" sz="1800">
+                <a:latin typeface="맑은 고딕" charset="0"/>
+                <a:ea typeface="맑은 고딕" charset="0"/>
+              </a:rPr>
+              <a:t>첫 번째로 Project 폴더에 있는 Model 폴더에 Road 모델을 월드 공간에 배치</a:t>
+            </a:r>
+            <a:r>
+              <a:rPr lang="ko-KR" sz="1800">
+                <a:latin typeface="맑은 고딕" charset="0"/>
+                <a:ea typeface="맑은 고딕" charset="0"/>
+              </a:rPr>
+              <a:t>합니다.</a:t>
             </a:r>
             <a:endParaRPr lang="ko-KR" altLang="en-US" sz="1800">
               <a:latin typeface="맑은 고딕" charset="0"/>
@@ -7873,7 +7493,7 @@
       </p:sp>
       <p:sp>
         <p:nvSpPr>
-          <p:cNvPr id="1137" name="텍스트 상자 14"/>
+          <p:cNvPr id="1146" name="텍스트 상자 8"/>
           <p:cNvSpPr txBox="1">
             <a:spLocks/>
           </p:cNvSpPr>
@@ -7881,8 +7501,8 @@
         </p:nvSpPr>
         <p:spPr>
           <a:xfrm rot="0">
-            <a:off x="6834505" y="2409825"/>
-            <a:ext cx="4140835" cy="1231900"/>
+            <a:off x="1236980" y="5427345"/>
+            <a:ext cx="4138295" cy="677545"/>
           </a:xfrm>
           <a:prstGeom prst="rect"/>
           <a:noFill/>
@@ -7909,13 +7529,45 @@
                 <a:latin typeface="맑은 고딕" charset="0"/>
                 <a:ea typeface="맑은 고딕" charset="0"/>
               </a:rPr>
-              <a:t>3.</a:t>
-            </a:r>
-            <a:r>
-              <a:rPr lang="ko-KR" sz="2000" b="1">
-                <a:solidFill>
-                  <a:srgbClr val="0611F2"/>
-                </a:solidFill>
+              <a:t>2.</a:t>
+            </a:r>
+            <a:r>
+              <a:rPr lang="ko-KR" sz="1800">
+                <a:latin typeface="맑은 고딕" charset="0"/>
+                <a:ea typeface="맑은 고딕" charset="0"/>
+              </a:rPr>
+              <a:t> 이제 </a:t>
+            </a:r>
+            <a:r>
+              <a:rPr lang="ko-KR" sz="1800">
+                <a:latin typeface="맑은 고딕" charset="0"/>
+                <a:ea typeface="맑은 고딕" charset="0"/>
+              </a:rPr>
+              <a:t>R</a:t>
+            </a:r>
+            <a:r>
+              <a:rPr lang="ko-KR" sz="1800">
+                <a:latin typeface="맑은 고딕" charset="0"/>
+                <a:ea typeface="맑은 고딕" charset="0"/>
+              </a:rPr>
+              <a:t>oad 오브젝트의 위치</a:t>
+            </a:r>
+            <a:r>
+              <a:rPr lang="ko-KR" sz="1800">
+                <a:latin typeface="맑은 고딕" charset="0"/>
+                <a:ea typeface="맑은 고딕" charset="0"/>
+              </a:rPr>
+              <a:t>와 </a:t>
+            </a:r>
+            <a:r>
+              <a:rPr lang="ko-KR" sz="1800">
+                <a:latin typeface="맑은 고딕" charset="0"/>
+                <a:ea typeface="맑은 고딕" charset="0"/>
+              </a:rPr>
+              <a:t>크기 그리고 회전</a:t>
+            </a:r>
+            <a:r>
+              <a:rPr lang="ko-KR" sz="1800">
                 <a:latin typeface="맑은 고딕" charset="0"/>
                 <a:ea typeface="맑은 고딕" charset="0"/>
               </a:rPr>
@@ -7926,42 +7578,14 @@
                 <a:latin typeface="맑은 고딕" charset="0"/>
                 <a:ea typeface="맑은 고딕" charset="0"/>
               </a:rPr>
-              <a:t>그리고 Project 폴더에 있는 Model </a:t>
-            </a:r>
-            <a:r>
-              <a:rPr lang="ko-KR" sz="1800">
-                <a:latin typeface="맑은 고딕" charset="0"/>
-                <a:ea typeface="맑은 고딕" charset="0"/>
-              </a:rPr>
-              <a:t>폴더에</a:t>
-            </a:r>
-            <a:r>
-              <a:rPr lang="ko-KR" sz="1800">
-                <a:latin typeface="맑은 고딕" charset="0"/>
-                <a:ea typeface="맑은 고딕" charset="0"/>
-              </a:rPr>
-              <a:t> Road 모델을 월드 공간에 </a:t>
-            </a:r>
-            <a:r>
-              <a:rPr lang="ko-KR" sz="1800">
-                <a:latin typeface="맑은 고딕" charset="0"/>
-                <a:ea typeface="맑은 고딕" charset="0"/>
-              </a:rPr>
-              <a:t>배치한</a:t>
-            </a:r>
-            <a:r>
-              <a:rPr lang="ko-KR" sz="1800">
-                <a:latin typeface="맑은 고딕" charset="0"/>
-                <a:ea typeface="맑은 고딕" charset="0"/>
-              </a:rPr>
-              <a:t> 다음 Left Road라는 이름으로 </a:t>
-            </a:r>
-            <a:r>
-              <a:rPr lang="ko-KR" sz="1800">
-                <a:latin typeface="맑은 고딕" charset="0"/>
-                <a:ea typeface="맑은 고딕" charset="0"/>
-              </a:rPr>
-              <a:t>정의합니다.</a:t>
+              <a:t>값을 설정합니다.</a:t>
+            </a:r>
+            <a:r>
+              <a:rPr lang="ko-KR" sz="1800">
+                <a:latin typeface="맑은 고딕" charset="0"/>
+                <a:ea typeface="맑은 고딕" charset="0"/>
+              </a:rPr>
+              <a:t> </a:t>
             </a:r>
             <a:endParaRPr lang="ko-KR" altLang="en-US" sz="1800">
               <a:latin typeface="맑은 고딕" charset="0"/>
@@ -7970,108 +7594,16 @@
           </a:p>
         </p:txBody>
       </p:sp>
-      <p:sp>
-        <p:nvSpPr>
-          <p:cNvPr id="1142" name="텍스트 상자 19"/>
-          <p:cNvSpPr txBox="1">
-            <a:spLocks/>
-          </p:cNvSpPr>
-          <p:nvPr/>
-        </p:nvSpPr>
-        <p:spPr>
-          <a:xfrm>
-            <a:off x="6828155" y="5427345"/>
-            <a:ext cx="4147185" cy="677545"/>
-          </a:xfrm>
-          <a:prstGeom prst="rect"/>
-          <a:noFill/>
-          <a:ln w="0">
-            <a:noFill/>
-            <a:prstDash/>
-          </a:ln>
-        </p:spPr>
-        <p:txBody>
-          <a:bodyPr wrap="square" lIns="89535" tIns="46355" rIns="89535" bIns="46355" numCol="1" vert="horz" anchor="t">
-            <a:spAutoFit/>
-          </a:bodyPr>
-          <a:lstStyle/>
-          <a:p>
-            <a:pPr marL="0" indent="0" algn="l" latinLnBrk="0" hangingPunct="1">
-              <a:buFontTx/>
-              <a:buNone/>
-            </a:pPr>
-            <a:r>
-              <a:rPr lang="ko-KR" sz="2000" b="1">
-                <a:solidFill>
-                  <a:srgbClr val="0611F2"/>
-                </a:solidFill>
-                <a:latin typeface="맑은 고딕" charset="0"/>
-                <a:ea typeface="맑은 고딕" charset="0"/>
-              </a:rPr>
-              <a:t>4.</a:t>
-            </a:r>
-            <a:r>
-              <a:rPr lang="ko-KR" sz="2000" b="1">
-                <a:solidFill>
-                  <a:srgbClr val="0611F2"/>
-                </a:solidFill>
-                <a:latin typeface="맑은 고딕" charset="0"/>
-                <a:ea typeface="맑은 고딕" charset="0"/>
-              </a:rPr>
-              <a:t> </a:t>
-            </a:r>
-            <a:r>
-              <a:rPr lang="ko-KR" sz="1800">
-                <a:latin typeface="맑은 고딕" charset="0"/>
-                <a:ea typeface="맑은 고딕" charset="0"/>
-              </a:rPr>
-              <a:t>그런 다음 Left Ground 오브젝트의 </a:t>
-            </a:r>
-            <a:r>
-              <a:rPr lang="ko-KR" sz="1800">
-                <a:latin typeface="맑은 고딕" charset="0"/>
-                <a:ea typeface="맑은 고딕" charset="0"/>
-              </a:rPr>
-              <a:t>위치와</a:t>
-            </a:r>
-            <a:r>
-              <a:rPr lang="ko-KR" sz="1800">
-                <a:latin typeface="맑은 고딕" charset="0"/>
-                <a:ea typeface="맑은 고딕" charset="0"/>
-              </a:rPr>
-              <a:t> </a:t>
-            </a:r>
-            <a:r>
-              <a:rPr lang="ko-KR" sz="1800">
-                <a:latin typeface="맑은 고딕" charset="0"/>
-                <a:ea typeface="맑은 고딕" charset="0"/>
-              </a:rPr>
-              <a:t>크기</a:t>
-            </a:r>
-            <a:r>
-              <a:rPr lang="ko-KR" sz="1800">
-                <a:latin typeface="맑은 고딕" charset="0"/>
-                <a:ea typeface="맑은 고딕" charset="0"/>
-              </a:rPr>
-              <a:t> 값을 설정합니다.</a:t>
-            </a:r>
-            <a:endParaRPr lang="ko-KR" altLang="en-US" sz="1800">
-              <a:latin typeface="맑은 고딕" charset="0"/>
-              <a:ea typeface="맑은 고딕" charset="0"/>
-            </a:endParaRPr>
-          </a:p>
-        </p:txBody>
-      </p:sp>
       <p:pic>
         <p:nvPicPr>
-          <p:cNvPr id="1143" name="그림 1"/>
+          <p:cNvPr id="1152" name="그림 1" descr="C:/Users/nwond/AppData/Roaming/PolarisOffice/ETemp/19384_9309304/fImage498425941.png"/>
           <p:cNvPicPr>
             <a:picLocks noChangeAspect="1"/>
           </p:cNvPicPr>
           <p:nvPr/>
         </p:nvPicPr>
         <p:blipFill rotWithShape="1">
-          <a:blip r:embed="rId31" cstate="print">
+          <a:blip r:embed="rId38" cstate="print">
             <a:extLst>
               <a:ext uri="{28A0092B-C50C-407E-A947-70E740481C1C}">
                 <a14:useLocalDpi xmlns:a14="http://schemas.microsoft.com/office/drawing/2010/main" val="0"/>
@@ -8084,8 +7616,8 @@
         </p:blipFill>
         <p:spPr>
           <a:xfrm rot="0">
-            <a:off x="2911475" y="1433830"/>
-            <a:ext cx="2451100" cy="1021715"/>
+            <a:off x="1234440" y="1446530"/>
+            <a:ext cx="1490345" cy="1117600"/>
           </a:xfrm>
           <a:prstGeom prst="roundRect"/>
           <a:solidFill>
@@ -8095,14 +7627,14 @@
       </p:pic>
       <p:pic>
         <p:nvPicPr>
-          <p:cNvPr id="1144" name="그림 4"/>
+          <p:cNvPr id="1153" name="그림 6" descr="C:/Users/nwond/AppData/Roaming/PolarisOffice/ETemp/19384_9309304/fImage109582638467.png"/>
           <p:cNvPicPr>
             <a:picLocks noChangeAspect="1"/>
           </p:cNvPicPr>
           <p:nvPr/>
         </p:nvPicPr>
         <p:blipFill rotWithShape="1">
-          <a:blip r:embed="rId32" cstate="print">
+          <a:blip r:embed="rId39" cstate="print">
             <a:extLst>
               <a:ext uri="{28A0092B-C50C-407E-A947-70E740481C1C}">
                 <a14:useLocalDpi xmlns:a14="http://schemas.microsoft.com/office/drawing/2010/main" val="0"/>
@@ -8115,8 +7647,8 @@
         </p:blipFill>
         <p:spPr>
           <a:xfrm rot="0">
-            <a:off x="1240790" y="1438275"/>
-            <a:ext cx="1516380" cy="1012190"/>
+            <a:off x="2848610" y="1440180"/>
+            <a:ext cx="2526665" cy="1130300"/>
           </a:xfrm>
           <a:prstGeom prst="roundRect"/>
           <a:solidFill>
@@ -8126,7 +7658,7 @@
       </p:pic>
       <p:pic>
         <p:nvPicPr>
-          <p:cNvPr id="1145" name="그림 7"/>
+          <p:cNvPr id="1145" name="그림 7" descr="C:/Users/nwond/AppData/Roaming/PolarisOffice/ETemp/19384_9309304/fImage22421721541.png"/>
           <p:cNvPicPr>
             <a:picLocks noChangeAspect="1"/>
           </p:cNvPicPr>
@@ -8146,98 +7678,23 @@
         </p:blipFill>
         <p:spPr>
           <a:xfrm rot="10800000">
-            <a:off x="2480945" y="1765935"/>
-            <a:ext cx="626110" cy="352425"/>
+            <a:off x="2350770" y="1765935"/>
+            <a:ext cx="864870" cy="481965"/>
           </a:xfrm>
           <a:prstGeom prst="rect"/>
           <a:noFill/>
         </p:spPr>
       </p:pic>
-      <p:sp>
-        <p:nvSpPr>
-          <p:cNvPr id="1146" name="텍스트 상자 8"/>
-          <p:cNvSpPr txBox="1">
-            <a:spLocks/>
-          </p:cNvSpPr>
-          <p:nvPr/>
-        </p:nvSpPr>
-        <p:spPr>
-          <a:xfrm rot="0">
-            <a:off x="1243330" y="5501640"/>
-            <a:ext cx="4127500" cy="677545"/>
-          </a:xfrm>
-          <a:prstGeom prst="rect"/>
-          <a:noFill/>
-          <a:ln w="0">
-            <a:noFill/>
-            <a:prstDash/>
-          </a:ln>
-        </p:spPr>
-        <p:txBody>
-          <a:bodyPr wrap="square" lIns="89535" tIns="46355" rIns="89535" bIns="46355" numCol="1" vert="horz" anchor="t">
-            <a:spAutoFit/>
-          </a:bodyPr>
-          <a:lstStyle/>
-          <a:p>
-            <a:pPr marL="0" indent="0" algn="l" latinLnBrk="0" hangingPunct="1">
-              <a:buFontTx/>
-              <a:buNone/>
-            </a:pPr>
-            <a:r>
-              <a:rPr lang="ko-KR" sz="2000" b="1">
-                <a:solidFill>
-                  <a:srgbClr val="0611F2"/>
-                </a:solidFill>
-                <a:latin typeface="맑은 고딕" charset="0"/>
-                <a:ea typeface="맑은 고딕" charset="0"/>
-              </a:rPr>
-              <a:t>2.</a:t>
-            </a:r>
-            <a:r>
-              <a:rPr lang="ko-KR" sz="1800">
-                <a:latin typeface="맑은 고딕" charset="0"/>
-                <a:ea typeface="맑은 고딕" charset="0"/>
-              </a:rPr>
-              <a:t> 이제 </a:t>
-            </a:r>
-            <a:r>
-              <a:rPr lang="ko-KR" sz="1800">
-                <a:latin typeface="맑은 고딕" charset="0"/>
-                <a:ea typeface="맑은 고딕" charset="0"/>
-              </a:rPr>
-              <a:t>Main Camera 오브젝트의 </a:t>
-            </a:r>
-            <a:r>
-              <a:rPr lang="ko-KR" sz="1800">
-                <a:latin typeface="맑은 고딕" charset="0"/>
-                <a:ea typeface="맑은 고딕" charset="0"/>
-              </a:rPr>
-              <a:t>위치와</a:t>
-            </a:r>
-            <a:r>
-              <a:rPr lang="ko-KR" sz="1800">
-                <a:latin typeface="맑은 고딕" charset="0"/>
-                <a:ea typeface="맑은 고딕" charset="0"/>
-              </a:rPr>
-              <a:t> 회전 값을 설정합니다. </a:t>
-            </a:r>
-            <a:endParaRPr lang="ko-KR" altLang="en-US" sz="1800">
-              <a:latin typeface="맑은 고딕" charset="0"/>
-              <a:ea typeface="맑은 고딕" charset="0"/>
-            </a:endParaRPr>
-          </a:p>
-        </p:txBody>
-      </p:sp>
       <p:pic>
         <p:nvPicPr>
-          <p:cNvPr id="1147" name="그림 10"/>
+          <p:cNvPr id="1154" name="그림 9" descr="C:/Users/nwond/AppData/Roaming/PolarisOffice/ETemp/19384_9309304/fImage168822646334.png"/>
           <p:cNvPicPr>
             <a:picLocks noChangeAspect="1"/>
           </p:cNvPicPr>
           <p:nvPr/>
         </p:nvPicPr>
         <p:blipFill rotWithShape="1">
-          <a:blip r:embed="rId34" cstate="print">
+          <a:blip r:embed="rId40" cstate="print">
             <a:extLst>
               <a:ext uri="{28A0092B-C50C-407E-A947-70E740481C1C}">
                 <a14:useLocalDpi xmlns:a14="http://schemas.microsoft.com/office/drawing/2010/main" val="0"/>
@@ -8250,8 +7707,8 @@
         </p:blipFill>
         <p:spPr>
           <a:xfrm rot="0">
-            <a:off x="1240790" y="3902075"/>
-            <a:ext cx="4117975" cy="1534160"/>
+            <a:off x="1235075" y="3566795"/>
+            <a:ext cx="4139565" cy="1870710"/>
           </a:xfrm>
           <a:prstGeom prst="roundRect"/>
           <a:solidFill>
@@ -8261,14 +7718,14 @@
       </p:pic>
       <p:pic>
         <p:nvPicPr>
-          <p:cNvPr id="1148" name="그림 13" descr="C:/Users/Admin1/AppData/Roaming/PolarisOffice/ETemp/26084_16904392/fImage68752996500.png"/>
+          <p:cNvPr id="1155" name="그림 12" descr="C:/Users/nwond/AppData/Roaming/PolarisOffice/ETemp/19384_9309304/fImage85063369961.png"/>
           <p:cNvPicPr>
             <a:picLocks noChangeAspect="1"/>
           </p:cNvPicPr>
           <p:nvPr/>
         </p:nvPicPr>
         <p:blipFill rotWithShape="1">
-          <a:blip r:embed="rId35" cstate="hqprint">
+          <a:blip r:embed="rId41" cstate="hqprint">
             <a:extLst>
               <a:ext uri="{28A0092B-C50C-407E-A947-70E740481C1C}">
                 <a14:useLocalDpi xmlns:a14="http://schemas.microsoft.com/office/drawing/2010/main"/>
@@ -8281,8 +7738,8 @@
         </p:blipFill>
         <p:spPr>
           <a:xfrm rot="0">
-            <a:off x="8504555" y="1421130"/>
-            <a:ext cx="2451735" cy="896620"/>
+            <a:off x="6814185" y="1452245"/>
+            <a:ext cx="2533015" cy="3612515"/>
           </a:xfrm>
           <a:prstGeom prst="roundRect"/>
           <a:solidFill>
@@ -8290,19 +7747,97 @@
           </a:solidFill>
         </p:spPr>
       </p:pic>
+      <p:sp>
+        <p:nvSpPr>
+          <p:cNvPr id="1156" name="텍스트 상자 13"/>
+          <p:cNvSpPr txBox="1">
+            <a:spLocks/>
+          </p:cNvSpPr>
+          <p:nvPr/>
+        </p:nvSpPr>
+        <p:spPr>
+          <a:xfrm rot="0">
+            <a:off x="6779260" y="5152390"/>
+            <a:ext cx="4175125" cy="954405"/>
+          </a:xfrm>
+          <a:prstGeom prst="rect"/>
+          <a:noFill/>
+          <a:ln w="0">
+            <a:noFill/>
+            <a:prstDash/>
+          </a:ln>
+        </p:spPr>
+        <p:txBody>
+          <a:bodyPr wrap="square" lIns="89535" tIns="46355" rIns="89535" bIns="46355" numCol="1" vert="horz" anchor="t">
+            <a:spAutoFit/>
+          </a:bodyPr>
+          <a:lstStyle/>
+          <a:p>
+            <a:pPr marL="0" indent="0" algn="l" latinLnBrk="0" hangingPunct="1">
+              <a:buFontTx/>
+              <a:buNone/>
+            </a:pPr>
+            <a:r>
+              <a:rPr lang="ko-KR" sz="2000" b="1">
+                <a:solidFill>
+                  <a:srgbClr val="0611F2"/>
+                </a:solidFill>
+                <a:latin typeface="맑은 고딕" charset="0"/>
+                <a:ea typeface="맑은 고딕" charset="0"/>
+              </a:rPr>
+              <a:t>3</a:t>
+            </a:r>
+            <a:r>
+              <a:rPr lang="ko-KR" sz="2000" b="1">
+                <a:solidFill>
+                  <a:srgbClr val="0611F2"/>
+                </a:solidFill>
+                <a:latin typeface="맑은 고딕" charset="0"/>
+                <a:ea typeface="맑은 고딕" charset="0"/>
+              </a:rPr>
+              <a:t>. </a:t>
+            </a:r>
+            <a:r>
+              <a:rPr lang="ko-KR" sz="1800">
+                <a:latin typeface="맑은 고딕" charset="0"/>
+                <a:ea typeface="맑은 고딕" charset="0"/>
+              </a:rPr>
+              <a:t>그런 </a:t>
+            </a:r>
+            <a:r>
+              <a:rPr lang="ko-KR" sz="1800">
+                <a:latin typeface="맑은 고딕" charset="0"/>
+                <a:ea typeface="맑은 고딕" charset="0"/>
+              </a:rPr>
+              <a:t>다음</a:t>
+            </a:r>
+            <a:r>
+              <a:rPr lang="ko-KR" sz="1800">
+                <a:latin typeface="맑은 고딕" charset="0"/>
+                <a:ea typeface="맑은 고딕" charset="0"/>
+              </a:rPr>
+              <a:t> 빈 게임 오브젝트를 생성한 다음 Arrival Point 라는 이름으로 정의합니다.</a:t>
+            </a:r>
+            <a:endParaRPr lang="ko-KR" altLang="en-US" sz="1800">
+              <a:latin typeface="맑은 고딕" charset="0"/>
+              <a:ea typeface="맑은 고딕" charset="0"/>
+            </a:endParaRPr>
+          </a:p>
+        </p:txBody>
+      </p:sp>
       <p:pic>
         <p:nvPicPr>
-          <p:cNvPr id="1149" name="그림 14" descr="C:/Users/Admin1/AppData/Roaming/PolarisOffice/ETemp/26084_16904392/fImage57863009169.png"/>
+          <p:cNvPr id="1157" name="그림 14" descr="C:/Users/nwond/AppData/Roaming/PolarisOffice/ETemp/19384_9309304/fImage57302676500.png"/>
           <p:cNvPicPr>
             <a:picLocks noChangeAspect="1"/>
           </p:cNvPicPr>
           <p:nvPr/>
         </p:nvPicPr>
         <p:blipFill rotWithShape="1">
-          <a:blip r:embed="rId36" cstate="hqprint">
+          <a:blip r:embed="rId42" cstate="print">
             <a:extLst>
               <a:ext uri="{28A0092B-C50C-407E-A947-70E740481C1C}">
-                <a14:useLocalDpi xmlns:a14="http://schemas.microsoft.com/office/drawing/2010/main"/>
+                <a14:useLocalDpi xmlns:a14="http://schemas.microsoft.com/office/drawing/2010/main" val="0"/>
               </a:ext>
             </a:extLst>
           </a:blip>
@@ -8312,68 +7847,8 @@
         </p:blipFill>
         <p:spPr>
           <a:xfrm rot="0">
-            <a:off x="6821170" y="1430020"/>
-            <a:ext cx="1518285" cy="895985"/>
-          </a:xfrm>
-          <a:prstGeom prst="roundRect"/>
-          <a:solidFill>
-            <a:srgbClr val="EDEDED"/>
-          </a:solidFill>
-        </p:spPr>
-      </p:pic>
-      <p:pic>
-        <p:nvPicPr>
-          <p:cNvPr id="1150" name="그림 17" descr="C:/Users/Admin1/AppData/Roaming/PolarisOffice/ETemp/26084_16904392/fImage22421721541.png"/>
-          <p:cNvPicPr>
-            <a:picLocks noChangeAspect="1"/>
-          </p:cNvPicPr>
-          <p:nvPr/>
-        </p:nvPicPr>
-        <p:blipFill rotWithShape="1">
-          <a:blip r:embed="rId33" cstate="hqprint">
-            <a:extLst>
-              <a:ext uri="{28A0092B-C50C-407E-A947-70E740481C1C}">
-                <a14:useLocalDpi xmlns:a14="http://schemas.microsoft.com/office/drawing/2010/main"/>
-              </a:ext>
-            </a:extLst>
-          </a:blip>
-          <a:stretch>
-            <a:fillRect/>
-          </a:stretch>
-        </p:blipFill>
-        <p:spPr>
-          <a:xfrm rot="10800000">
-            <a:off x="8108950" y="1699260"/>
-            <a:ext cx="626745" cy="353060"/>
-          </a:xfrm>
-          <a:prstGeom prst="rect"/>
-          <a:noFill/>
-        </p:spPr>
-      </p:pic>
-      <p:pic>
-        <p:nvPicPr>
-          <p:cNvPr id="1151" name="그림 18" descr="C:/Users/Admin1/AppData/Roaming/PolarisOffice/ETemp/26084_16904392/fImage135493025724.png"/>
-          <p:cNvPicPr>
-            <a:picLocks noChangeAspect="1"/>
-          </p:cNvPicPr>
-          <p:nvPr/>
-        </p:nvPicPr>
-        <p:blipFill rotWithShape="1">
-          <a:blip r:embed="rId37" cstate="hqprint">
-            <a:extLst>
-              <a:ext uri="{28A0092B-C50C-407E-A947-70E740481C1C}">
-                <a14:useLocalDpi xmlns:a14="http://schemas.microsoft.com/office/drawing/2010/main"/>
-              </a:ext>
-            </a:extLst>
-          </a:blip>
-          <a:stretch>
-            <a:fillRect/>
-          </a:stretch>
-        </p:blipFill>
-        <p:spPr>
-          <a:xfrm rot="0">
-            <a:off x="6813550" y="3738245"/>
-            <a:ext cx="4144645" cy="1585595"/>
+            <a:off x="9490075" y="2420620"/>
+            <a:ext cx="1457960" cy="1675765"/>
           </a:xfrm>
           <a:prstGeom prst="roundRect"/>
           <a:solidFill>
@@ -8501,412 +7976,9 @@
           </a:p>
         </p:txBody>
       </p:sp>
-      <p:sp>
-        <p:nvSpPr>
-          <p:cNvPr id="1054" name="Rect 0"/>
-          <p:cNvSpPr txBox="1">
-            <a:spLocks/>
-          </p:cNvSpPr>
-          <p:nvPr/>
-        </p:nvSpPr>
-        <p:spPr>
-          <a:xfrm rot="0">
-            <a:off x="6822440" y="5309235"/>
-            <a:ext cx="4135755" cy="892810"/>
-          </a:xfrm>
-          <a:prstGeom prst="rect"/>
-          <a:noFill/>
-        </p:spPr>
-        <p:txBody>
-          <a:bodyPr wrap="square" lIns="0" tIns="0" rIns="0" bIns="0" numCol="1" vert="horz" anchor="t">
-            <a:noAutofit/>
-          </a:bodyPr>
-          <a:lstStyle/>
-          <a:p>
-            <a:pPr marL="0" indent="0" algn="l" latinLnBrk="0" hangingPunct="1">
-              <a:buFontTx/>
-              <a:buNone/>
-            </a:pPr>
-            <a:r>
-              <a:rPr lang="ko-KR" sz="1800" i="0" b="0">
-                <a:solidFill>
-                  <a:schemeClr val="tx1"/>
-                </a:solidFill>
-                <a:latin typeface="맑은 고딕" charset="0"/>
-                <a:ea typeface="맑은 고딕" charset="0"/>
-              </a:rPr>
-              <a:t>라이트</a:t>
-            </a:r>
-            <a:r>
-              <a:rPr lang="ko-KR" sz="1800" i="0" b="0">
-                <a:solidFill>
-                  <a:schemeClr val="tx1"/>
-                </a:solidFill>
-                <a:latin typeface="맑은 고딕" charset="0"/>
-                <a:ea typeface="맑은 고딕" charset="0"/>
-              </a:rPr>
-              <a:t> 프로브 그룹의 경우 영역 근처에 </a:t>
-            </a:r>
-            <a:r>
-              <a:rPr lang="ko-KR" sz="1800" i="0" b="0">
-                <a:solidFill>
-                  <a:schemeClr val="tx1"/>
-                </a:solidFill>
-                <a:latin typeface="맑은 고딕" charset="0"/>
-                <a:ea typeface="맑은 고딕" charset="0"/>
-              </a:rPr>
-              <a:t>있는</a:t>
-            </a:r>
-            <a:r>
-              <a:rPr lang="ko-KR" sz="1800" i="0" b="0">
-                <a:solidFill>
-                  <a:schemeClr val="tx1"/>
-                </a:solidFill>
-                <a:latin typeface="맑은 고딕" charset="0"/>
-                <a:ea typeface="맑은 고딕" charset="0"/>
-              </a:rPr>
-              <a:t> Mesh Renderer의 값을 보간한 </a:t>
-            </a:r>
-            <a:r>
-              <a:rPr lang="ko-KR" sz="1800" i="0" b="0">
-                <a:solidFill>
-                  <a:schemeClr val="tx1"/>
-                </a:solidFill>
-                <a:latin typeface="맑은 고딕" charset="0"/>
-                <a:ea typeface="맑은 고딕" charset="0"/>
-              </a:rPr>
-              <a:t>다음</a:t>
-            </a:r>
-            <a:r>
-              <a:rPr lang="ko-KR" sz="1800" i="0" b="0">
-                <a:solidFill>
-                  <a:schemeClr val="tx1"/>
-                </a:solidFill>
-                <a:latin typeface="맑은 고딕" charset="0"/>
-                <a:ea typeface="맑은 고딕" charset="0"/>
-              </a:rPr>
-              <a:t> 빛을 적용시킵니다.					</a:t>
-            </a:r>
-            <a:endParaRPr lang="ko-KR" altLang="en-US" sz="1800" i="0" b="0">
-              <a:solidFill>
-                <a:schemeClr val="tx1"/>
-              </a:solidFill>
-              <a:latin typeface="맑은 고딕" charset="0"/>
-              <a:ea typeface="맑은 고딕" charset="0"/>
-            </a:endParaRPr>
-          </a:p>
-        </p:txBody>
-      </p:sp>
       <p:pic>
         <p:nvPicPr>
-          <p:cNvPr id="1058" name="Picture "/>
-          <p:cNvPicPr>
-            <a:picLocks noChangeAspect="1"/>
-          </p:cNvPicPr>
-          <p:nvPr/>
-        </p:nvPicPr>
-        <p:blipFill rotWithShape="1">
-          <a:blip r:embed="rId2" cstate="hqprint">
-            <a:extLst>
-              <a:ext uri="{28A0092B-C50C-407E-A947-70E740481C1C}">
-                <a14:useLocalDpi xmlns:a14="http://schemas.microsoft.com/office/drawing/2010/main"/>
-              </a:ext>
-            </a:extLst>
-          </a:blip>
-          <a:stretch>
-            <a:fillRect/>
-          </a:stretch>
-        </p:blipFill>
-        <p:spPr>
-          <a:xfrm rot="0">
-            <a:off x="6830695" y="2799080"/>
-            <a:ext cx="4126865" cy="2258060"/>
-          </a:xfrm>
-          <a:prstGeom prst="roundRect"/>
-          <a:solidFill>
-            <a:srgbClr val="EDEDED"/>
-          </a:solidFill>
-        </p:spPr>
-      </p:pic>
-      <p:sp>
-        <p:nvSpPr>
-          <p:cNvPr id="1059" name="텍스트 상자 1"/>
-          <p:cNvSpPr txBox="1">
-            <a:spLocks/>
-          </p:cNvSpPr>
-          <p:nvPr/>
-        </p:nvSpPr>
-        <p:spPr>
-          <a:xfrm rot="0">
-            <a:off x="6826250" y="1447165"/>
-            <a:ext cx="4131310" cy="1189355"/>
-          </a:xfrm>
-          <a:prstGeom prst="rect"/>
-          <a:noFill/>
-        </p:spPr>
-        <p:txBody>
-          <a:bodyPr wrap="square" lIns="0" tIns="0" rIns="0" bIns="0" numCol="1" vert="horz" anchor="t">
-            <a:noAutofit/>
-          </a:bodyPr>
-          <a:lstStyle/>
-          <a:p>
-            <a:pPr marL="0" indent="0" algn="l" latinLnBrk="0" hangingPunct="1">
-              <a:buFontTx/>
-              <a:buNone/>
-            </a:pPr>
-            <a:r>
-              <a:rPr lang="ko-KR" sz="1800" i="0" b="0">
-                <a:solidFill>
-                  <a:schemeClr val="tx1"/>
-                </a:solidFill>
-                <a:latin typeface="맑은 고딕" charset="0"/>
-                <a:ea typeface="맑은 고딕" charset="0"/>
-              </a:rPr>
-              <a:t>라이트</a:t>
-            </a:r>
-            <a:r>
-              <a:rPr lang="ko-KR" sz="1800" i="0" b="0">
-                <a:solidFill>
-                  <a:schemeClr val="tx1"/>
-                </a:solidFill>
-                <a:latin typeface="맑은 고딕" charset="0"/>
-                <a:ea typeface="맑은 고딕" charset="0"/>
-              </a:rPr>
-              <a:t> </a:t>
-            </a:r>
-            <a:r>
-              <a:rPr lang="ko-KR" sz="1800" i="0" b="0">
-                <a:solidFill>
-                  <a:schemeClr val="tx1"/>
-                </a:solidFill>
-                <a:latin typeface="맑은 고딕" charset="0"/>
-                <a:ea typeface="맑은 고딕" charset="0"/>
-              </a:rPr>
-              <a:t>프로브</a:t>
-            </a:r>
-            <a:r>
-              <a:rPr lang="ko-KR" sz="1800" i="0" b="0">
-                <a:solidFill>
-                  <a:schemeClr val="tx1"/>
-                </a:solidFill>
-                <a:latin typeface="맑은 고딕" charset="0"/>
-                <a:ea typeface="맑은 고딕" charset="0"/>
-              </a:rPr>
-              <a:t> </a:t>
-            </a:r>
-            <a:r>
-              <a:rPr lang="ko-KR" sz="1800" i="0" b="0">
-                <a:solidFill>
-                  <a:schemeClr val="tx1"/>
-                </a:solidFill>
-                <a:latin typeface="맑은 고딕" charset="0"/>
-                <a:ea typeface="맑은 고딕" charset="0"/>
-              </a:rPr>
-              <a:t>그룹</a:t>
-            </a:r>
-            <a:r>
-              <a:rPr lang="ko-KR" sz="1800" i="0" b="0">
-                <a:solidFill>
-                  <a:schemeClr val="tx1"/>
-                </a:solidFill>
-                <a:latin typeface="맑은 고딕" charset="0"/>
-                <a:ea typeface="맑은 고딕" charset="0"/>
-              </a:rPr>
-              <a:t>은 동적으로 </a:t>
-            </a:r>
-            <a:r>
-              <a:rPr lang="ko-KR" sz="1800" i="0" b="0">
-                <a:solidFill>
-                  <a:schemeClr val="tx1"/>
-                </a:solidFill>
-                <a:latin typeface="맑은 고딕" charset="0"/>
-                <a:ea typeface="맑은 고딕" charset="0"/>
-              </a:rPr>
-              <a:t>움직이는</a:t>
-            </a:r>
-            <a:r>
-              <a:rPr lang="ko-KR" sz="1800" i="0" b="0">
-                <a:solidFill>
-                  <a:schemeClr val="tx1"/>
-                </a:solidFill>
-                <a:latin typeface="맑은 고딕" charset="0"/>
-                <a:ea typeface="맑은 고딕" charset="0"/>
-              </a:rPr>
-              <a:t> </a:t>
-            </a:r>
-            <a:r>
-              <a:rPr lang="ko-KR" sz="1800" i="0" b="0">
-                <a:solidFill>
-                  <a:schemeClr val="tx1"/>
-                </a:solidFill>
-                <a:latin typeface="맑은 고딕" charset="0"/>
-                <a:ea typeface="맑은 고딕" charset="0"/>
-              </a:rPr>
-              <a:t>오브젝트의</a:t>
-            </a:r>
-            <a:r>
-              <a:rPr lang="ko-KR" sz="1800" i="0" b="0">
-                <a:solidFill>
-                  <a:schemeClr val="tx1"/>
-                </a:solidFill>
-                <a:latin typeface="맑은 고딕" charset="0"/>
-                <a:ea typeface="맑은 고딕" charset="0"/>
-              </a:rPr>
-              <a:t> 빛 연산을 </a:t>
-            </a:r>
-            <a:r>
-              <a:rPr lang="ko-KR" sz="1800" i="0" b="0">
-                <a:solidFill>
-                  <a:schemeClr val="tx1"/>
-                </a:solidFill>
-                <a:latin typeface="맑은 고딕" charset="0"/>
-                <a:ea typeface="맑은 고딕" charset="0"/>
-              </a:rPr>
-              <a:t>사전에</a:t>
-            </a:r>
-            <a:r>
-              <a:rPr lang="ko-KR" sz="1800" i="0" b="0">
-                <a:solidFill>
-                  <a:schemeClr val="tx1"/>
-                </a:solidFill>
-                <a:latin typeface="맑은 고딕" charset="0"/>
-                <a:ea typeface="맑은 고딕" charset="0"/>
-              </a:rPr>
-              <a:t> </a:t>
-            </a:r>
-            <a:r>
-              <a:rPr lang="ko-KR" sz="1800" i="0" b="0">
-                <a:solidFill>
-                  <a:schemeClr val="tx1"/>
-                </a:solidFill>
-                <a:latin typeface="맑은 고딕" charset="0"/>
-                <a:ea typeface="맑은 고딕" charset="0"/>
-              </a:rPr>
-              <a:t>배치한</a:t>
-            </a:r>
-            <a:r>
-              <a:rPr lang="ko-KR" sz="1800" i="0" b="0">
-                <a:solidFill>
-                  <a:schemeClr val="tx1"/>
-                </a:solidFill>
-                <a:latin typeface="맑은 고딕" charset="0"/>
-                <a:ea typeface="맑은 고딕" charset="0"/>
-              </a:rPr>
-              <a:t> </a:t>
-            </a:r>
-            <a:r>
-              <a:rPr lang="ko-KR" sz="1800" i="0" b="0">
-                <a:solidFill>
-                  <a:schemeClr val="tx1"/>
-                </a:solidFill>
-                <a:latin typeface="맑은 고딕" charset="0"/>
-                <a:ea typeface="맑은 고딕" charset="0"/>
-              </a:rPr>
-              <a:t>빛의</a:t>
-            </a:r>
-            <a:r>
-              <a:rPr lang="ko-KR" sz="1800" i="0" b="0">
-                <a:solidFill>
-                  <a:schemeClr val="tx1"/>
-                </a:solidFill>
-                <a:latin typeface="맑은 고딕" charset="0"/>
-                <a:ea typeface="맑은 고딕" charset="0"/>
-              </a:rPr>
-              <a:t> </a:t>
-            </a:r>
-            <a:r>
-              <a:rPr lang="ko-KR" sz="1800" i="0" b="0">
-                <a:solidFill>
-                  <a:schemeClr val="tx1"/>
-                </a:solidFill>
-                <a:latin typeface="맑은 고딕" charset="0"/>
-                <a:ea typeface="맑은 고딕" charset="0"/>
-              </a:rPr>
-              <a:t>정보</a:t>
-            </a:r>
-            <a:r>
-              <a:rPr lang="ko-KR" sz="1800" i="0" b="0">
-                <a:solidFill>
-                  <a:schemeClr val="tx1"/>
-                </a:solidFill>
-                <a:latin typeface="맑은 고딕" charset="0"/>
-                <a:ea typeface="맑은 고딕" charset="0"/>
-              </a:rPr>
-              <a:t> </a:t>
-            </a:r>
-            <a:r>
-              <a:rPr lang="ko-KR" sz="1800" i="0" b="0">
-                <a:solidFill>
-                  <a:schemeClr val="tx1"/>
-                </a:solidFill>
-                <a:latin typeface="맑은 고딕" charset="0"/>
-                <a:ea typeface="맑은 고딕" charset="0"/>
-              </a:rPr>
-              <a:t>값을</a:t>
-            </a:r>
-            <a:r>
-              <a:rPr lang="ko-KR" sz="1800" i="0" b="0">
-                <a:solidFill>
-                  <a:schemeClr val="tx1"/>
-                </a:solidFill>
-                <a:latin typeface="맑은 고딕" charset="0"/>
-                <a:ea typeface="맑은 고딕" charset="0"/>
-              </a:rPr>
-              <a:t> </a:t>
-            </a:r>
-            <a:r>
-              <a:rPr lang="ko-KR" sz="1800" i="0" b="0">
-                <a:solidFill>
-                  <a:schemeClr val="tx1"/>
-                </a:solidFill>
-                <a:latin typeface="맑은 고딕" charset="0"/>
-                <a:ea typeface="맑은 고딕" charset="0"/>
-              </a:rPr>
-              <a:t>저장하여 해당 </a:t>
-            </a:r>
-            <a:r>
-              <a:rPr lang="ko-KR" sz="1800" i="0" b="0">
-                <a:solidFill>
-                  <a:schemeClr val="tx1"/>
-                </a:solidFill>
-                <a:latin typeface="맑은 고딕" charset="0"/>
-                <a:ea typeface="맑은 고딕" charset="0"/>
-              </a:rPr>
-              <a:t>위치에서</a:t>
-            </a:r>
-            <a:r>
-              <a:rPr lang="ko-KR" sz="1800" i="0" b="0">
-                <a:solidFill>
-                  <a:schemeClr val="tx1"/>
-                </a:solidFill>
-                <a:latin typeface="맑은 고딕" charset="0"/>
-                <a:ea typeface="맑은 고딕" charset="0"/>
-              </a:rPr>
-              <a:t> 계산하는 방법입니다.</a:t>
-            </a:r>
-            <a:r>
-              <a:rPr lang="ko-KR" sz="1800" i="0" b="0">
-                <a:solidFill>
-                  <a:schemeClr val="tx1"/>
-                </a:solidFill>
-                <a:latin typeface="맑은 고딕" charset="0"/>
-                <a:ea typeface="맑은 고딕" charset="0"/>
-              </a:rPr>
-              <a:t>		</a:t>
-            </a:r>
-            <a:endParaRPr lang="ko-KR" altLang="en-US" sz="1800" i="0" b="0">
-              <a:solidFill>
-                <a:schemeClr val="tx1"/>
-              </a:solidFill>
-              <a:latin typeface="맑은 고딕" charset="0"/>
-              <a:ea typeface="맑은 고딕" charset="0"/>
-            </a:endParaRPr>
-          </a:p>
-        </p:txBody>
-      </p:sp>
-      <p:pic>
-        <p:nvPicPr>
-          <p:cNvPr id="1061" name="그림 3" descr="C:/Users/Admin1/AppData/Roaming/PolarisOffice/ETemp/18264_16703120/fImage171842708467.png"/>
+          <p:cNvPr id="1061" name="그림 3"/>
           <p:cNvPicPr>
             <a:picLocks noChangeAspect="1"/>
           </p:cNvPicPr>
@@ -9053,7 +8125,7 @@
       </p:sp>
       <p:pic>
         <p:nvPicPr>
-          <p:cNvPr id="1063" name="그림 18" descr="C:/Users/Admin1/AppData/Roaming/PolarisOffice/ETemp/18264_16703120/fImage113983019169.png"/>
+          <p:cNvPr id="1063" name="그림 18"/>
           <p:cNvPicPr>
             <a:picLocks noChangeAspect="1"/>
           </p:cNvPicPr>
@@ -9082,6 +8154,91 @@
           </a:solidFill>
         </p:spPr>
       </p:pic>
+      <p:pic>
+        <p:nvPicPr>
+          <p:cNvPr id="1064" name="그림 97" descr="C:/Users/nwond/AppData/Roaming/PolarisOffice/ETemp/19384_9309304/fImage292962919169.png"/>
+          <p:cNvPicPr>
+            <a:picLocks noChangeAspect="1"/>
+          </p:cNvPicPr>
+          <p:nvPr/>
+        </p:nvPicPr>
+        <p:blipFill rotWithShape="1">
+          <a:blip r:embed="rId7" cstate="hqprint">
+            <a:extLst>
+              <a:ext uri="{28A0092B-C50C-407E-A947-70E740481C1C}">
+                <a14:useLocalDpi xmlns:a14="http://schemas.microsoft.com/office/drawing/2010/main"/>
+              </a:ext>
+            </a:extLst>
+          </a:blip>
+          <a:stretch>
+            <a:fillRect/>
+          </a:stretch>
+        </p:blipFill>
+        <p:spPr>
+          <a:xfrm rot="0">
+            <a:off x="6595745" y="1353820"/>
+            <a:ext cx="4137025" cy="3361055"/>
+          </a:xfrm>
+          <a:prstGeom prst="roundRect"/>
+          <a:solidFill>
+            <a:srgbClr val="EDEDED"/>
+          </a:solidFill>
+        </p:spPr>
+      </p:pic>
+      <p:sp>
+        <p:nvSpPr>
+          <p:cNvPr id="1065" name="텍스트 상자 98"/>
+          <p:cNvSpPr txBox="1">
+            <a:spLocks/>
+          </p:cNvSpPr>
+          <p:nvPr/>
+        </p:nvSpPr>
+        <p:spPr>
+          <a:xfrm rot="0">
+            <a:off x="6595745" y="4907280"/>
+            <a:ext cx="4136390" cy="1231265"/>
+          </a:xfrm>
+          <a:prstGeom prst="rect"/>
+          <a:noFill/>
+          <a:ln w="0">
+            <a:noFill/>
+            <a:prstDash/>
+          </a:ln>
+        </p:spPr>
+        <p:txBody>
+          <a:bodyPr wrap="square" lIns="89535" tIns="46355" rIns="89535" bIns="46355" numCol="1" vert="horz" anchor="t">
+            <a:spAutoFit/>
+          </a:bodyPr>
+          <a:lstStyle/>
+          <a:p>
+            <a:pPr marL="0" indent="0" algn="l" latinLnBrk="0" hangingPunct="1">
+              <a:buFontTx/>
+              <a:buNone/>
+            </a:pPr>
+            <a:r>
+              <a:rPr lang="ko-KR" sz="2000" b="1">
+                <a:solidFill>
+                  <a:srgbClr val="0611F2"/>
+                </a:solidFill>
+                <a:latin typeface="맑은 고딕" charset="0"/>
+                <a:ea typeface="맑은 고딕" charset="0"/>
+              </a:rPr>
+              <a:t>36. </a:t>
+            </a:r>
+            <a:r>
+              <a:rPr lang="ko-KR" sz="1800">
+                <a:latin typeface="맑은 고딕" charset="0"/>
+                <a:ea typeface="맑은 고딕" charset="0"/>
+              </a:rPr>
+              <a:t>그러 Robot 오브젝트의 Contribute Global IIIumination을 활성화한 다음 Light Probes를 설정합니다.</a:t>
+            </a:r>
+            <a:endParaRPr lang="ko-KR" altLang="en-US" sz="1800">
+              <a:latin typeface="맑은 고딕" charset="0"/>
+              <a:ea typeface="맑은 고딕" charset="0"/>
+            </a:endParaRPr>
+          </a:p>
+        </p:txBody>
+      </p:sp>
     </p:spTree>
   </p:cSld>
   <p:clrMapOvr>
@@ -9282,7 +8439,7 @@
       </p:sp>
       <p:pic>
         <p:nvPicPr>
-          <p:cNvPr id="1068" name="그림 83" descr="C:/Users/Admin1/AppData/Roaming/PolarisOffice/ETemp/11500_10679736/fImage114104424464.png"/>
+          <p:cNvPr id="1068" name="그림 83"/>
           <p:cNvPicPr>
             <a:picLocks noChangeAspect="1"/>
           </p:cNvPicPr>
@@ -9514,7 +8671,7 @@
       </p:sp>
       <p:pic>
         <p:nvPicPr>
-          <p:cNvPr id="1072" name="그림 21" descr="C:/Users/Admin1/AppData/Roaming/PolarisOffice/ETemp/11500_10679736/fImage1080129041.png"/>
+          <p:cNvPr id="1072" name="그림 21"/>
           <p:cNvPicPr>
             <a:picLocks noChangeAspect="1"/>
           </p:cNvPicPr>
@@ -9545,7 +8702,7 @@
       </p:pic>
       <p:pic>
         <p:nvPicPr>
-          <p:cNvPr id="1073" name="그림 15" descr="C:/Users/Admin1/AppData/Roaming/PolarisOffice/ETemp/11500_10679736/fImage1058727241.png"/>
+          <p:cNvPr id="1073" name="그림 15"/>
           <p:cNvPicPr>
             <a:picLocks noChangeAspect="1"/>
           </p:cNvPicPr>
@@ -9736,9 +8893,9 @@
           <p:nvPr/>
         </p:nvSpPr>
         <p:spPr>
-          <a:xfrm rot="0">
+          <a:xfrm>
             <a:off x="4232275" y="396240"/>
-            <a:ext cx="3719195" cy="478155"/>
+            <a:ext cx="3720465" cy="478155"/>
           </a:xfrm>
           <a:prstGeom prst="rect"/>
           <a:noFill/>
@@ -9765,7 +8922,7 @@
                 <a:latin typeface="나눔바른고딕" charset="0"/>
                 <a:ea typeface="나눔바른고딕" charset="0"/>
               </a:rPr>
-              <a:t>열두</a:t>
+              <a:t>열세</a:t>
             </a:r>
             <a:r>
               <a:rPr lang="ko-KR" altLang="en-US" sz="2500" b="1">
@@ -9775,27 +8932,7 @@
                 <a:latin typeface="나눔바른고딕" charset="0"/>
                 <a:ea typeface="나눔바른고딕" charset="0"/>
               </a:rPr>
-              <a:t> </a:t>
-            </a:r>
-            <a:r>
-              <a:rPr lang="ko-KR" altLang="en-US" sz="2500" b="1">
-                <a:solidFill>
-                  <a:schemeClr val="tx1"/>
-                </a:solidFill>
-                <a:latin typeface="나눔바른고딕" charset="0"/>
-                <a:ea typeface="나눔바른고딕" charset="0"/>
-              </a:rPr>
-              <a:t>번째 튜토리</a:t>
-            </a:r>
-            <a:r>
-              <a:rPr lang="ko-KR" altLang="en-US" sz="2500" b="1">
-                <a:solidFill>
-                  <a:schemeClr val="tx1"/>
-                </a:solidFill>
-                <a:latin typeface="나눔바른고딕" charset="0"/>
-                <a:ea typeface="나눔바른고딕" charset="0"/>
-              </a:rPr>
-              <a:t>얼</a:t>
+              <a:t> 번째 튜토리얼</a:t>
             </a:r>
             <a:endParaRPr lang="ko-KR" altLang="en-US" sz="2500" b="1">
               <a:solidFill>
@@ -9809,7 +8946,7 @@
       </p:sp>
       <p:sp>
         <p:nvSpPr>
-          <p:cNvPr id="1191" name="Rect 0"/>
+          <p:cNvPr id="1210" name="Rect 0"/>
           <p:cNvSpPr txBox="1">
             <a:spLocks/>
           </p:cNvSpPr>
@@ -9817,8 +8954,8 @@
         </p:nvSpPr>
         <p:spPr>
           <a:xfrm rot="0">
-            <a:off x="6830695" y="5302250"/>
-            <a:ext cx="4135755" cy="923925"/>
+            <a:off x="1240790" y="4672965"/>
+            <a:ext cx="4153535" cy="1508125"/>
           </a:xfrm>
           <a:prstGeom prst="rect"/>
           <a:noFill/>
@@ -9833,47 +8970,45 @@
           </a:bodyPr>
           <a:lstStyle/>
           <a:p>
-            <a:pPr marL="0" indent="0" rtl="0" algn="l" defTabSz="914400" eaLnBrk="1" latinLnBrk="0" hangingPunct="1">
-              <a:buFontTx/>
-              <a:buNone/>
-            </a:pPr>
-            <a:r>
-              <a:rPr lang="ko-KR" sz="1800">
-                <a:latin typeface="맑은 고딕" charset="0"/>
-                <a:ea typeface="맑은 고딕" charset="0"/>
-              </a:rPr>
-              <a:t>라이트</a:t>
-            </a:r>
-            <a:r>
-              <a:rPr lang="ko-KR" sz="1800">
-                <a:latin typeface="맑은 고딕" charset="0"/>
-                <a:ea typeface="맑은 고딕" charset="0"/>
-              </a:rPr>
-              <a:t> 맵의 경우 빛을 받은 게임 </a:t>
-            </a:r>
-            <a:r>
-              <a:rPr lang="ko-KR" sz="1800">
-                <a:latin typeface="맑은 고딕" charset="0"/>
-                <a:ea typeface="맑은 고딕" charset="0"/>
-              </a:rPr>
-              <a:t>오브젝트는</a:t>
-            </a:r>
-            <a:r>
-              <a:rPr lang="ko-KR" sz="1800">
-                <a:latin typeface="맑은 고딕" charset="0"/>
-                <a:ea typeface="맑은 고딕" charset="0"/>
-              </a:rPr>
-              <a:t> 그림자와 반사면이 </a:t>
-            </a:r>
-            <a:r>
-              <a:rPr lang="ko-KR" sz="1800">
-                <a:latin typeface="맑은 고딕" charset="0"/>
-                <a:ea typeface="맑은 고딕" charset="0"/>
-              </a:rPr>
-              <a:t>고정되어</a:t>
-            </a:r>
-            <a:r>
-              <a:rPr lang="ko-KR" sz="1800">
+            <a:pPr marL="0" indent="0" algn="l" latinLnBrk="0" hangingPunct="1">
+              <a:buFontTx/>
+              <a:buNone/>
+            </a:pPr>
+            <a:r>
+              <a:rPr lang="ko-KR" sz="2000" b="1">
+                <a:solidFill>
+                  <a:srgbClr val="0611F2"/>
+                </a:solidFill>
+                <a:latin typeface="맑은 고딕" charset="0"/>
+                <a:ea typeface="맑은 고딕" charset="0"/>
+              </a:rPr>
+              <a:t>3</a:t>
+            </a:r>
+            <a:r>
+              <a:rPr lang="ko-KR" sz="2000" b="1">
+                <a:solidFill>
+                  <a:srgbClr val="0611F2"/>
+                </a:solidFill>
+                <a:latin typeface="맑은 고딕" charset="0"/>
+                <a:ea typeface="맑은 고딕" charset="0"/>
+              </a:rPr>
+              <a:t>7</a:t>
+            </a:r>
+            <a:r>
+              <a:rPr lang="ko-KR" sz="2000" b="1">
+                <a:solidFill>
+                  <a:srgbClr val="0611F2"/>
+                </a:solidFill>
+                <a:latin typeface="맑은 고딕" charset="0"/>
+                <a:ea typeface="맑은 고딕" charset="0"/>
+              </a:rPr>
+              <a:t>.</a:t>
+            </a:r>
+            <a:r>
+              <a:rPr lang="ko-KR" sz="2000" b="1">
+                <a:solidFill>
+                  <a:srgbClr val="0611F2"/>
+                </a:solidFill>
                 <a:latin typeface="맑은 고딕" charset="0"/>
                 <a:ea typeface="맑은 고딕" charset="0"/>
               </a:rPr>
@@ -9884,35 +9019,348 @@
                 <a:latin typeface="맑은 고딕" charset="0"/>
                 <a:ea typeface="맑은 고딕" charset="0"/>
               </a:rPr>
-              <a:t>있는</a:t>
-            </a:r>
-            <a:r>
-              <a:rPr lang="ko-KR" sz="1800">
-                <a:latin typeface="맑은 고딕" charset="0"/>
-                <a:ea typeface="맑은 고딕" charset="0"/>
-              </a:rPr>
-              <a:t> 형태로 설정됩니다.</a:t>
+              <a:t>이제 Spot Light </a:t>
+            </a:r>
+            <a:r>
+              <a:rPr lang="ko-KR" sz="1800">
+                <a:latin typeface="맑은 고딕" charset="0"/>
+                <a:ea typeface="맑은 고딕" charset="0"/>
+              </a:rPr>
+              <a:t>오브젝트의</a:t>
+            </a:r>
+            <a:r>
+              <a:rPr lang="ko-KR" sz="1800">
+                <a:latin typeface="맑은 고딕" charset="0"/>
+                <a:ea typeface="맑은 고딕" charset="0"/>
+              </a:rPr>
+              <a:t> </a:t>
+            </a:r>
+            <a:r>
+              <a:rPr lang="ko-KR" sz="1800">
+                <a:latin typeface="맑은 고딕" charset="0"/>
+                <a:ea typeface="맑은 고딕" charset="0"/>
+              </a:rPr>
+              <a:t>Range와</a:t>
+            </a:r>
+            <a:r>
+              <a:rPr lang="ko-KR" sz="1800">
+                <a:latin typeface="맑은 고딕" charset="0"/>
+                <a:ea typeface="맑은 고딕" charset="0"/>
+              </a:rPr>
+              <a:t> </a:t>
+            </a:r>
+            <a:r>
+              <a:rPr lang="ko-KR" sz="1800">
+                <a:latin typeface="맑은 고딕" charset="0"/>
+                <a:ea typeface="맑은 고딕" charset="0"/>
+              </a:rPr>
+              <a:t>Spot Angle 값을 설정합니다.</a:t>
             </a:r>
             <a:endParaRPr lang="ko-KR" altLang="en-US" sz="1800">
               <a:latin typeface="맑은 고딕" charset="0"/>
               <a:ea typeface="맑은 고딕" charset="0"/>
             </a:endParaRPr>
           </a:p>
+          <a:p>
+            <a:pPr marL="0" indent="0" algn="l" latinLnBrk="0" hangingPunct="1">
+              <a:buFontTx/>
+              <a:buNone/>
+            </a:pPr>
+            <a:endParaRPr lang="ko-KR" altLang="en-US" sz="1800">
+              <a:latin typeface="맑은 고딕" charset="0"/>
+              <a:ea typeface="맑은 고딕" charset="0"/>
+            </a:endParaRPr>
+          </a:p>
+          <a:p>
+            <a:pPr marL="0" indent="0" algn="l" latinLnBrk="0" hangingPunct="1">
+              <a:buFontTx/>
+              <a:buNone/>
+            </a:pPr>
+            <a:r>
+              <a:rPr lang="ko-KR" sz="1800">
+                <a:latin typeface="맑은 고딕" charset="0"/>
+                <a:ea typeface="맑은 고딕" charset="0"/>
+              </a:rPr>
+              <a:t>그리</a:t>
+            </a:r>
+            <a:r>
+              <a:rPr lang="ko-KR" sz="1800">
+                <a:latin typeface="맑은 고딕" charset="0"/>
+                <a:ea typeface="맑은 고딕" charset="0"/>
+              </a:rPr>
+              <a:t>고</a:t>
+            </a:r>
+            <a:r>
+              <a:rPr lang="ko-KR" sz="1800">
+                <a:latin typeface="맑은 고딕" charset="0"/>
+                <a:ea typeface="맑은 고딕" charset="0"/>
+              </a:rPr>
+              <a:t> </a:t>
+            </a:r>
+            <a:r>
+              <a:rPr lang="ko-KR" sz="1800">
+                <a:latin typeface="맑은 고딕" charset="0"/>
+                <a:ea typeface="맑은 고딕" charset="0"/>
+              </a:rPr>
+              <a:t>Color 값을 설정한 다음 </a:t>
+            </a:r>
+            <a:r>
+              <a:rPr lang="ko-KR" sz="1800">
+                <a:latin typeface="맑은 고딕" charset="0"/>
+                <a:ea typeface="맑은 고딕" charset="0"/>
+              </a:rPr>
+              <a:t>Mode</a:t>
+            </a:r>
+            <a:r>
+              <a:rPr lang="ko-KR" sz="1800">
+                <a:latin typeface="맑은 고딕" charset="0"/>
+                <a:ea typeface="맑은 고딕" charset="0"/>
+              </a:rPr>
+              <a:t>를</a:t>
+            </a:r>
+            <a:r>
+              <a:rPr lang="ko-KR" sz="1800">
+                <a:latin typeface="맑은 고딕" charset="0"/>
+                <a:ea typeface="맑은 고딕" charset="0"/>
+              </a:rPr>
+              <a:t> </a:t>
+            </a:r>
+            <a:r>
+              <a:rPr lang="ko-KR" sz="1800">
+                <a:latin typeface="맑은 고딕" charset="0"/>
+                <a:ea typeface="맑은 고딕" charset="0"/>
+              </a:rPr>
+              <a:t>Baked로 설정합니다.</a:t>
+            </a:r>
+            <a:endParaRPr lang="ko-KR" altLang="en-US" sz="1800">
+              <a:latin typeface="맑은 고딕" charset="0"/>
+              <a:ea typeface="맑은 고딕" charset="0"/>
+            </a:endParaRPr>
+          </a:p>
+        </p:txBody>
+      </p:sp>
+      <p:sp>
+        <p:nvSpPr>
+          <p:cNvPr id="1220" name="텍스트 상자 27"/>
+          <p:cNvSpPr txBox="1">
+            <a:spLocks/>
+          </p:cNvSpPr>
+          <p:nvPr/>
+        </p:nvSpPr>
+        <p:spPr>
+          <a:xfrm rot="0">
+            <a:off x="6798945" y="4676140"/>
+            <a:ext cx="4166870" cy="1508125"/>
+          </a:xfrm>
+          <a:prstGeom prst="rect"/>
+          <a:noFill/>
+          <a:ln w="0">
+            <a:noFill/>
+            <a:prstDash/>
+          </a:ln>
+        </p:spPr>
+        <p:txBody>
+          <a:bodyPr wrap="square" lIns="89535" tIns="46355" rIns="89535" bIns="46355" numCol="1" vert="horz" anchor="t">
+            <a:spAutoFit/>
+          </a:bodyPr>
+          <a:lstStyle/>
+          <a:p>
+            <a:pPr marL="0" indent="0" algn="l" latinLnBrk="0" hangingPunct="1">
+              <a:buFontTx/>
+              <a:buNone/>
+            </a:pPr>
+            <a:r>
+              <a:rPr lang="ko-KR" sz="2000" b="1">
+                <a:solidFill>
+                  <a:srgbClr val="0611F2"/>
+                </a:solidFill>
+                <a:latin typeface="맑은 고딕" charset="0"/>
+                <a:ea typeface="맑은 고딕" charset="0"/>
+              </a:rPr>
+              <a:t>3</a:t>
+            </a:r>
+            <a:r>
+              <a:rPr lang="ko-KR" sz="2000" b="1">
+                <a:solidFill>
+                  <a:srgbClr val="0611F2"/>
+                </a:solidFill>
+                <a:latin typeface="맑은 고딕" charset="0"/>
+                <a:ea typeface="맑은 고딕" charset="0"/>
+              </a:rPr>
+              <a:t>8</a:t>
+            </a:r>
+            <a:r>
+              <a:rPr lang="ko-KR" sz="2000" b="1">
+                <a:solidFill>
+                  <a:srgbClr val="0611F2"/>
+                </a:solidFill>
+                <a:latin typeface="맑은 고딕" charset="0"/>
+                <a:ea typeface="맑은 고딕" charset="0"/>
+              </a:rPr>
+              <a:t>.</a:t>
+            </a:r>
+            <a:r>
+              <a:rPr lang="ko-KR" sz="2000" b="1">
+                <a:solidFill>
+                  <a:srgbClr val="0611F2"/>
+                </a:solidFill>
+                <a:latin typeface="맑은 고딕" charset="0"/>
+                <a:ea typeface="맑은 고딕" charset="0"/>
+              </a:rPr>
+              <a:t> </a:t>
+            </a:r>
+            <a:r>
+              <a:rPr lang="ko-KR" sz="1800">
+                <a:latin typeface="맑은 고딕" charset="0"/>
+                <a:ea typeface="맑은 고딕" charset="0"/>
+              </a:rPr>
+              <a:t>그런 다음 Point Light 오브젝트의 </a:t>
+            </a:r>
+            <a:r>
+              <a:rPr lang="ko-KR" sz="1800">
+                <a:latin typeface="맑은 고딕" charset="0"/>
+                <a:ea typeface="맑은 고딕" charset="0"/>
+              </a:rPr>
+              <a:t>Range와</a:t>
+            </a:r>
+            <a:r>
+              <a:rPr lang="ko-KR" sz="1800">
+                <a:latin typeface="맑은 고딕" charset="0"/>
+                <a:ea typeface="맑은 고딕" charset="0"/>
+              </a:rPr>
+              <a:t> </a:t>
+            </a:r>
+            <a:r>
+              <a:rPr lang="ko-KR" sz="1800">
+                <a:latin typeface="맑은 고딕" charset="0"/>
+                <a:ea typeface="맑은 고딕" charset="0"/>
+              </a:rPr>
+              <a:t>Color</a:t>
+            </a:r>
+            <a:r>
+              <a:rPr lang="ko-KR" sz="1800">
+                <a:latin typeface="맑은 고딕" charset="0"/>
+                <a:ea typeface="맑은 고딕" charset="0"/>
+              </a:rPr>
+              <a:t> 값을 설정합니다.</a:t>
+            </a:r>
+            <a:endParaRPr lang="ko-KR" altLang="en-US" sz="1800">
+              <a:latin typeface="맑은 고딕" charset="0"/>
+              <a:ea typeface="맑은 고딕" charset="0"/>
+            </a:endParaRPr>
+          </a:p>
+          <a:p>
+            <a:pPr marL="0" indent="0" algn="l" latinLnBrk="0" hangingPunct="1">
+              <a:buFontTx/>
+              <a:buNone/>
+            </a:pPr>
+            <a:endParaRPr lang="ko-KR" altLang="en-US" sz="1800">
+              <a:latin typeface="맑은 고딕" charset="0"/>
+              <a:ea typeface="맑은 고딕" charset="0"/>
+            </a:endParaRPr>
+          </a:p>
+          <a:p>
+            <a:pPr marL="0" indent="0" algn="l" latinLnBrk="0" hangingPunct="1">
+              <a:buFontTx/>
+              <a:buNone/>
+            </a:pPr>
+            <a:r>
+              <a:rPr lang="ko-KR" sz="1800">
+                <a:latin typeface="맑은 고딕" charset="0"/>
+                <a:ea typeface="맑은 고딕" charset="0"/>
+              </a:rPr>
+              <a:t>그다음</a:t>
+            </a:r>
+            <a:r>
+              <a:rPr lang="ko-KR" sz="1800">
+                <a:latin typeface="맑은 고딕" charset="0"/>
+                <a:ea typeface="맑은 고딕" charset="0"/>
+              </a:rPr>
+              <a:t> </a:t>
+            </a:r>
+            <a:r>
+              <a:rPr lang="ko-KR" sz="1800">
+                <a:latin typeface="맑은 고딕" charset="0"/>
+                <a:ea typeface="맑은 고딕" charset="0"/>
+              </a:rPr>
+              <a:t>Mode를</a:t>
+            </a:r>
+            <a:r>
+              <a:rPr lang="ko-KR" sz="1800">
+                <a:latin typeface="맑은 고딕" charset="0"/>
+                <a:ea typeface="맑은 고딕" charset="0"/>
+              </a:rPr>
+              <a:t> </a:t>
+            </a:r>
+            <a:r>
+              <a:rPr lang="ko-KR" sz="1800">
+                <a:latin typeface="맑은 고딕" charset="0"/>
+                <a:ea typeface="맑은 고딕" charset="0"/>
+              </a:rPr>
+              <a:t>Baked로</a:t>
+            </a:r>
+            <a:r>
+              <a:rPr lang="ko-KR" sz="1800">
+                <a:latin typeface="맑은 고딕" charset="0"/>
+                <a:ea typeface="맑은 고딕" charset="0"/>
+              </a:rPr>
+              <a:t> 설정하고 </a:t>
+            </a:r>
+            <a:r>
+              <a:rPr lang="ko-KR" sz="1800">
+                <a:latin typeface="맑은 고딕" charset="0"/>
+                <a:ea typeface="맑은 고딕" charset="0"/>
+              </a:rPr>
+              <a:t>Inten</a:t>
+            </a:r>
+            <a:r>
+              <a:rPr lang="ko-KR" sz="1800">
+                <a:latin typeface="맑은 고딕" charset="0"/>
+                <a:ea typeface="맑은 고딕" charset="0"/>
+              </a:rPr>
+              <a:t>sity</a:t>
+            </a:r>
+            <a:r>
+              <a:rPr lang="ko-KR" sz="1800">
+                <a:latin typeface="맑은 고딕" charset="0"/>
+                <a:ea typeface="맑은 고딕" charset="0"/>
+              </a:rPr>
+              <a:t>의</a:t>
+            </a:r>
+            <a:r>
+              <a:rPr lang="ko-KR" sz="1800">
+                <a:latin typeface="맑은 고딕" charset="0"/>
+                <a:ea typeface="맑은 고딕" charset="0"/>
+              </a:rPr>
+              <a:t> </a:t>
+            </a:r>
+            <a:r>
+              <a:rPr lang="ko-KR" sz="1800">
+                <a:latin typeface="맑은 고딕" charset="0"/>
+                <a:ea typeface="맑은 고딕" charset="0"/>
+              </a:rPr>
+              <a:t>값을 1.5로 설정합니다.</a:t>
+            </a:r>
+            <a:endParaRPr lang="ko-KR" altLang="en-US" sz="1800">
+              <a:latin typeface="맑은 고딕" charset="0"/>
+              <a:ea typeface="맑은 고딕" charset="0"/>
+            </a:endParaRPr>
+          </a:p>
         </p:txBody>
       </p:sp>
       <p:pic>
         <p:nvPicPr>
-          <p:cNvPr id="1207" name="그림 29" descr="C:/Users/Admin1/AppData/Roaming/PolarisOffice/ETemp/26084_16904392/fImage2270692959358.png"/>
+          <p:cNvPr id="1221" name="그림 8"/>
           <p:cNvPicPr>
             <a:picLocks noChangeAspect="1"/>
           </p:cNvPicPr>
           <p:nvPr/>
         </p:nvPicPr>
         <p:blipFill rotWithShape="1">
-          <a:blip r:embed="rId3" cstate="hqprint">
+          <a:blip r:embed="rId5" cstate="print">
             <a:extLst>
               <a:ext uri="{28A0092B-C50C-407E-A947-70E740481C1C}">
-                <a14:useLocalDpi xmlns:a14="http://schemas.microsoft.com/office/drawing/2010/main"/>
+                <a14:useLocalDpi xmlns:a14="http://schemas.microsoft.com/office/drawing/2010/main" val="0"/>
               </a:ext>
             </a:extLst>
           </a:blip>
@@ -9922,8 +9370,8 @@
         </p:blipFill>
         <p:spPr>
           <a:xfrm rot="0">
-            <a:off x="6831330" y="2548890"/>
-            <a:ext cx="4136390" cy="2517775"/>
+            <a:off x="6798310" y="1446530"/>
+            <a:ext cx="4159250" cy="3041650"/>
           </a:xfrm>
           <a:prstGeom prst="roundRect"/>
           <a:solidFill>
@@ -9931,105 +9379,19 @@
           </a:solidFill>
         </p:spPr>
       </p:pic>
-      <p:sp>
-        <p:nvSpPr>
-          <p:cNvPr id="1208" name="텍스트 상자 25"/>
-          <p:cNvSpPr txBox="1">
-            <a:spLocks/>
-          </p:cNvSpPr>
-          <p:nvPr/>
-        </p:nvSpPr>
-        <p:spPr>
-          <a:xfrm rot="0">
-            <a:off x="6830695" y="1445260"/>
-            <a:ext cx="4127500" cy="923925"/>
-          </a:xfrm>
-          <a:prstGeom prst="rect"/>
-          <a:noFill/>
-          <a:ln w="0">
-            <a:noFill/>
-            <a:prstDash/>
-          </a:ln>
-        </p:spPr>
-        <p:txBody>
-          <a:bodyPr wrap="square" lIns="89535" tIns="46355" rIns="89535" bIns="46355" numCol="1" vert="horz" anchor="t">
-            <a:spAutoFit/>
-          </a:bodyPr>
-          <a:lstStyle/>
-          <a:p>
-            <a:pPr marL="0" indent="0" rtl="0" algn="l" defTabSz="914400" eaLnBrk="1" latinLnBrk="0" hangingPunct="1">
-              <a:buFontTx/>
-              <a:buNone/>
-            </a:pPr>
-            <a:r>
-              <a:rPr lang="ko-KR" sz="1800">
-                <a:latin typeface="맑은 고딕" charset="0"/>
-                <a:ea typeface="맑은 고딕" charset="0"/>
-              </a:rPr>
-              <a:t>라이트</a:t>
-            </a:r>
-            <a:r>
-              <a:rPr lang="ko-KR" sz="1800">
-                <a:latin typeface="맑은 고딕" charset="0"/>
-                <a:ea typeface="맑은 고딕" charset="0"/>
-              </a:rPr>
-              <a:t> 맵은 실시간으로 생성되는 </a:t>
-            </a:r>
-            <a:r>
-              <a:rPr lang="ko-KR" sz="1800">
-                <a:latin typeface="맑은 고딕" charset="0"/>
-                <a:ea typeface="맑은 고딕" charset="0"/>
-              </a:rPr>
-              <a:t>빛에</a:t>
-            </a:r>
-            <a:r>
-              <a:rPr lang="ko-KR" sz="1800">
-                <a:latin typeface="맑은 고딕" charset="0"/>
-                <a:ea typeface="맑은 고딕" charset="0"/>
-              </a:rPr>
-              <a:t> </a:t>
-            </a:r>
-            <a:r>
-              <a:rPr lang="ko-KR" sz="1800">
-                <a:latin typeface="맑은 고딕" charset="0"/>
-                <a:ea typeface="맑은 고딕" charset="0"/>
-              </a:rPr>
-              <a:t>대한</a:t>
-            </a:r>
-            <a:r>
-              <a:rPr lang="ko-KR" sz="1800">
-                <a:latin typeface="맑은 고딕" charset="0"/>
-                <a:ea typeface="맑은 고딕" charset="0"/>
-              </a:rPr>
-              <a:t> 정보를 한 번에 저장한 </a:t>
-            </a:r>
-            <a:r>
-              <a:rPr lang="ko-KR" sz="1800">
-                <a:latin typeface="맑은 고딕" charset="0"/>
-                <a:ea typeface="맑은 고딕" charset="0"/>
-              </a:rPr>
-              <a:t>텍스처입니다.</a:t>
-            </a:r>
-            <a:endParaRPr lang="ko-KR" altLang="en-US" sz="1800">
-              <a:latin typeface="맑은 고딕" charset="0"/>
-              <a:ea typeface="맑은 고딕" charset="0"/>
-            </a:endParaRPr>
-          </a:p>
-        </p:txBody>
-      </p:sp>
       <p:pic>
         <p:nvPicPr>
-          <p:cNvPr id="1209" name="그림 26"/>
+          <p:cNvPr id="1222" name="그림 11"/>
           <p:cNvPicPr>
             <a:picLocks noChangeAspect="1"/>
           </p:cNvPicPr>
           <p:nvPr/>
         </p:nvPicPr>
         <p:blipFill rotWithShape="1">
-          <a:blip r:embed="rId6" cstate="hqprint">
+          <a:blip r:embed="rId6" cstate="print">
             <a:extLst>
               <a:ext uri="{28A0092B-C50C-407E-A947-70E740481C1C}">
-                <a14:useLocalDpi xmlns:a14="http://schemas.microsoft.com/office/drawing/2010/main"/>
+                <a14:useLocalDpi xmlns:a14="http://schemas.microsoft.com/office/drawing/2010/main" val="0"/>
               </a:ext>
             </a:extLst>
           </a:blip>
@@ -10039,8 +9401,8 @@
         </p:blipFill>
         <p:spPr>
           <a:xfrm rot="0">
-            <a:off x="1240155" y="1447165"/>
-            <a:ext cx="4136390" cy="3360420"/>
+            <a:off x="1240790" y="1448435"/>
+            <a:ext cx="4143375" cy="3048635"/>
           </a:xfrm>
           <a:prstGeom prst="roundRect"/>
           <a:solidFill>
@@ -10048,105 +9410,6 @@
           </a:solidFill>
         </p:spPr>
       </p:pic>
-      <p:sp>
-        <p:nvSpPr>
-          <p:cNvPr id="1210" name="텍스트 상자 29"/>
-          <p:cNvSpPr txBox="1">
-            <a:spLocks/>
-          </p:cNvSpPr>
-          <p:nvPr/>
-        </p:nvSpPr>
-        <p:spPr>
-          <a:xfrm rot="0">
-            <a:off x="1240155" y="5000625"/>
-            <a:ext cx="4135755" cy="1231900"/>
-          </a:xfrm>
-          <a:prstGeom prst="rect"/>
-          <a:noFill/>
-          <a:ln w="0">
-            <a:noFill/>
-            <a:prstDash/>
-          </a:ln>
-        </p:spPr>
-        <p:txBody>
-          <a:bodyPr wrap="square" lIns="89535" tIns="46355" rIns="89535" bIns="46355" numCol="1" vert="horz" anchor="t">
-            <a:spAutoFit/>
-          </a:bodyPr>
-          <a:lstStyle/>
-          <a:p>
-            <a:pPr marL="0" indent="0" algn="l" latinLnBrk="0" hangingPunct="1">
-              <a:buFontTx/>
-              <a:buNone/>
-            </a:pPr>
-            <a:r>
-              <a:rPr lang="ko-KR" sz="2000" b="1">
-                <a:solidFill>
-                  <a:srgbClr val="0611F2"/>
-                </a:solidFill>
-                <a:latin typeface="맑은 고딕" charset="0"/>
-                <a:ea typeface="맑은 고딕" charset="0"/>
-              </a:rPr>
-              <a:t>36.</a:t>
-            </a:r>
-            <a:r>
-              <a:rPr lang="ko-KR" sz="2000" b="1">
-                <a:solidFill>
-                  <a:srgbClr val="0611F2"/>
-                </a:solidFill>
-                <a:latin typeface="맑은 고딕" charset="0"/>
-                <a:ea typeface="맑은 고딕" charset="0"/>
-              </a:rPr>
-              <a:t> </a:t>
-            </a:r>
-            <a:r>
-              <a:rPr lang="ko-KR" sz="1800">
-                <a:latin typeface="맑은 고딕" charset="0"/>
-                <a:ea typeface="맑은 고딕" charset="0"/>
-              </a:rPr>
-              <a:t>그러고 나서 Robot 오브젝트의 </a:t>
-            </a:r>
-            <a:r>
-              <a:rPr lang="ko-KR" sz="1800">
-                <a:latin typeface="맑은 고딕" charset="0"/>
-                <a:ea typeface="맑은 고딕" charset="0"/>
-              </a:rPr>
-              <a:t>Contribute</a:t>
-            </a:r>
-            <a:r>
-              <a:rPr lang="ko-KR" sz="1800">
-                <a:latin typeface="맑은 고딕" charset="0"/>
-                <a:ea typeface="맑은 고딕" charset="0"/>
-              </a:rPr>
-              <a:t> Global IIIumination을 </a:t>
-            </a:r>
-            <a:r>
-              <a:rPr lang="ko-KR" sz="1800">
-                <a:latin typeface="맑은 고딕" charset="0"/>
-                <a:ea typeface="맑은 고딕" charset="0"/>
-              </a:rPr>
-              <a:t>활성화한</a:t>
-            </a:r>
-            <a:r>
-              <a:rPr lang="ko-KR" sz="1800">
-                <a:latin typeface="맑은 고딕" charset="0"/>
-                <a:ea typeface="맑은 고딕" charset="0"/>
-              </a:rPr>
-              <a:t> 다음 Light Probes를 </a:t>
-            </a:r>
-            <a:r>
-              <a:rPr lang="ko-KR" sz="1800">
-                <a:latin typeface="맑은 고딕" charset="0"/>
-                <a:ea typeface="맑은 고딕" charset="0"/>
-              </a:rPr>
-              <a:t>설정합니다.</a:t>
-            </a:r>
-            <a:endParaRPr lang="ko-KR" altLang="en-US" sz="1800">
-              <a:latin typeface="맑은 고딕" charset="0"/>
-              <a:ea typeface="맑은 고딕" charset="0"/>
-            </a:endParaRPr>
-          </a:p>
-        </p:txBody>
-      </p:sp>
     </p:spTree>
   </p:cSld>
   <p:clrMapOvr>
@@ -10225,7 +9488,7 @@
                 <a:latin typeface="나눔바른고딕" charset="0"/>
                 <a:ea typeface="나눔바른고딕" charset="0"/>
               </a:rPr>
-              <a:t>열세</a:t>
+              <a:t>열네</a:t>
             </a:r>
             <a:r>
               <a:rPr lang="ko-KR" altLang="en-US" sz="2500" b="1">
@@ -10256,9 +9519,9 @@
           <p:nvPr/>
         </p:nvSpPr>
         <p:spPr>
-          <a:xfrm rot="0">
-            <a:off x="1240790" y="4672965"/>
-            <a:ext cx="4153535" cy="1508125"/>
+          <a:xfrm>
+            <a:off x="1246505" y="5267325"/>
+            <a:ext cx="4138930" cy="370205"/>
           </a:xfrm>
           <a:prstGeom prst="rect"/>
           <a:noFill/>
@@ -10277,174 +9540,16 @@
               <a:buFontTx/>
               <a:buNone/>
             </a:pPr>
-            <a:r>
-              <a:rPr lang="ko-KR" sz="2000" b="1">
-                <a:solidFill>
-                  <a:srgbClr val="0611F2"/>
-                </a:solidFill>
-                <a:latin typeface="맑은 고딕" charset="0"/>
-                <a:ea typeface="맑은 고딕" charset="0"/>
-              </a:rPr>
-              <a:t>3</a:t>
-            </a:r>
-            <a:r>
-              <a:rPr lang="ko-KR" sz="2000" b="1">
-                <a:solidFill>
-                  <a:srgbClr val="0611F2"/>
-                </a:solidFill>
-                <a:latin typeface="맑은 고딕" charset="0"/>
-                <a:ea typeface="맑은 고딕" charset="0"/>
-              </a:rPr>
-              <a:t>7</a:t>
-            </a:r>
-            <a:r>
-              <a:rPr lang="ko-KR" sz="2000" b="1">
-                <a:solidFill>
-                  <a:srgbClr val="0611F2"/>
-                </a:solidFill>
-                <a:latin typeface="맑은 고딕" charset="0"/>
-                <a:ea typeface="맑은 고딕" charset="0"/>
-              </a:rPr>
-              <a:t>.</a:t>
-            </a:r>
-            <a:r>
-              <a:rPr lang="ko-KR" sz="2000" b="1">
-                <a:solidFill>
-                  <a:srgbClr val="0611F2"/>
-                </a:solidFill>
-                <a:latin typeface="맑은 고딕" charset="0"/>
-                <a:ea typeface="맑은 고딕" charset="0"/>
-              </a:rPr>
-              <a:t> </a:t>
-            </a:r>
-            <a:r>
-              <a:rPr lang="ko-KR" sz="1800">
-                <a:latin typeface="맑은 고딕" charset="0"/>
-                <a:ea typeface="맑은 고딕" charset="0"/>
-              </a:rPr>
-              <a:t>이제 Spot Light </a:t>
-            </a:r>
-            <a:r>
-              <a:rPr lang="ko-KR" sz="1800">
-                <a:latin typeface="맑은 고딕" charset="0"/>
-                <a:ea typeface="맑은 고딕" charset="0"/>
-              </a:rPr>
-              <a:t>오브젝트의</a:t>
-            </a:r>
-            <a:r>
-              <a:rPr lang="ko-KR" sz="1800">
-                <a:latin typeface="맑은 고딕" charset="0"/>
-                <a:ea typeface="맑은 고딕" charset="0"/>
-              </a:rPr>
-              <a:t> </a:t>
-            </a:r>
-            <a:r>
-              <a:rPr lang="ko-KR" sz="1800">
-                <a:latin typeface="맑은 고딕" charset="0"/>
-                <a:ea typeface="맑은 고딕" charset="0"/>
-              </a:rPr>
-              <a:t>Range와</a:t>
-            </a:r>
-            <a:r>
-              <a:rPr lang="ko-KR" sz="1800">
-                <a:latin typeface="맑은 고딕" charset="0"/>
-                <a:ea typeface="맑은 고딕" charset="0"/>
-              </a:rPr>
-              <a:t> </a:t>
-            </a:r>
-            <a:r>
-              <a:rPr lang="ko-KR" sz="1800">
-                <a:latin typeface="맑은 고딕" charset="0"/>
-                <a:ea typeface="맑은 고딕" charset="0"/>
-              </a:rPr>
-              <a:t>Spot Angle 값을 설정합니다.</a:t>
-            </a:r>
             <a:endParaRPr lang="ko-KR" altLang="en-US" sz="1800">
               <a:latin typeface="맑은 고딕" charset="0"/>
               <a:ea typeface="맑은 고딕" charset="0"/>
             </a:endParaRPr>
           </a:p>
-          <a:p>
-            <a:pPr marL="0" indent="0" algn="l" latinLnBrk="0" hangingPunct="1">
-              <a:buFontTx/>
-              <a:buNone/>
-            </a:pPr>
-            <a:endParaRPr lang="ko-KR" altLang="en-US" sz="1800">
-              <a:latin typeface="맑은 고딕" charset="0"/>
-              <a:ea typeface="맑은 고딕" charset="0"/>
-            </a:endParaRPr>
-          </a:p>
-          <a:p>
-            <a:pPr marL="0" indent="0" algn="l" latinLnBrk="0" hangingPunct="1">
-              <a:buFontTx/>
-              <a:buNone/>
-            </a:pPr>
-            <a:r>
-              <a:rPr lang="ko-KR" sz="1800">
-                <a:latin typeface="맑은 고딕" charset="0"/>
-                <a:ea typeface="맑은 고딕" charset="0"/>
-              </a:rPr>
-              <a:t>그리</a:t>
-            </a:r>
-            <a:r>
-              <a:rPr lang="ko-KR" sz="1800">
-                <a:latin typeface="맑은 고딕" charset="0"/>
-                <a:ea typeface="맑은 고딕" charset="0"/>
-              </a:rPr>
-              <a:t>고</a:t>
-            </a:r>
-            <a:r>
-              <a:rPr lang="ko-KR" sz="1800">
-                <a:latin typeface="맑은 고딕" charset="0"/>
-                <a:ea typeface="맑은 고딕" charset="0"/>
-              </a:rPr>
-              <a:t> </a:t>
-            </a:r>
-            <a:r>
-              <a:rPr lang="ko-KR" sz="1800">
-                <a:latin typeface="맑은 고딕" charset="0"/>
-                <a:ea typeface="맑은 고딕" charset="0"/>
-              </a:rPr>
-              <a:t>Color 값을 설정한 다음 </a:t>
-            </a:r>
-            <a:r>
-              <a:rPr lang="ko-KR" sz="1800">
-                <a:latin typeface="맑은 고딕" charset="0"/>
-                <a:ea typeface="맑은 고딕" charset="0"/>
-              </a:rPr>
-              <a:t>Mode</a:t>
-            </a:r>
-            <a:r>
-              <a:rPr lang="ko-KR" sz="1800">
-                <a:latin typeface="맑은 고딕" charset="0"/>
-                <a:ea typeface="맑은 고딕" charset="0"/>
-              </a:rPr>
-              <a:t>를</a:t>
-            </a:r>
-            <a:r>
-              <a:rPr lang="ko-KR" sz="1800">
-                <a:latin typeface="맑은 고딕" charset="0"/>
-                <a:ea typeface="맑은 고딕" charset="0"/>
-              </a:rPr>
-              <a:t> </a:t>
-            </a:r>
-            <a:r>
-              <a:rPr lang="ko-KR" sz="1800">
-                <a:latin typeface="맑은 고딕" charset="0"/>
-                <a:ea typeface="맑은 고딕" charset="0"/>
-              </a:rPr>
-              <a:t>Baked로 설정합니다.</a:t>
-            </a:r>
-            <a:endParaRPr lang="ko-KR" altLang="en-US" sz="1800">
-              <a:latin typeface="맑은 고딕" charset="0"/>
-              <a:ea typeface="맑은 고딕" charset="0"/>
-            </a:endParaRPr>
-          </a:p>
-        </p:txBody>
-      </p:sp>
-      <p:sp>
-        <p:nvSpPr>
-          <p:cNvPr id="1220" name="텍스트 상자 27"/>
+        </p:txBody>
+      </p:sp>
+      <p:sp>
+        <p:nvSpPr>
+          <p:cNvPr id="1220" name="Rect 0"/>
           <p:cNvSpPr txBox="1">
             <a:spLocks/>
           </p:cNvSpPr>
@@ -10452,8 +9557,8 @@
         </p:nvSpPr>
         <p:spPr>
           <a:xfrm rot="0">
-            <a:off x="6798945" y="4676140"/>
-            <a:ext cx="4166870" cy="1508125"/>
+            <a:off x="6805295" y="5538470"/>
+            <a:ext cx="4161155" cy="677545"/>
           </a:xfrm>
           <a:prstGeom prst="rect"/>
           <a:noFill/>
@@ -10480,7 +9585,7 @@
                 <a:latin typeface="맑은 고딕" charset="0"/>
                 <a:ea typeface="맑은 고딕" charset="0"/>
               </a:rPr>
-              <a:t>3</a:t>
+              <a:t>41.</a:t>
             </a:r>
             <a:r>
               <a:rPr lang="ko-KR" sz="2000" b="1">
@@ -10490,8 +9595,115 @@
                 <a:latin typeface="맑은 고딕" charset="0"/>
                 <a:ea typeface="맑은 고딕" charset="0"/>
               </a:rPr>
-              <a:t>8</a:t>
-            </a:r>
+              <a:t> </a:t>
+            </a:r>
+            <a:r>
+              <a:rPr lang="ko-KR" sz="1800">
+                <a:latin typeface="맑은 고딕" charset="0"/>
+                <a:ea typeface="맑은 고딕" charset="0"/>
+              </a:rPr>
+              <a:t>그런 다음 Point Light </a:t>
+            </a:r>
+            <a:r>
+              <a:rPr lang="ko-KR" sz="1800">
+                <a:latin typeface="맑은 고딕" charset="0"/>
+                <a:ea typeface="맑은 고딕" charset="0"/>
+              </a:rPr>
+              <a:t>오브젝트의</a:t>
+            </a:r>
+            <a:r>
+              <a:rPr lang="ko-KR" sz="1800">
+                <a:latin typeface="맑은 고딕" charset="0"/>
+                <a:ea typeface="맑은 고딕" charset="0"/>
+              </a:rPr>
+              <a:t> </a:t>
+            </a:r>
+            <a:r>
+              <a:rPr lang="ko-KR" sz="1800">
+                <a:latin typeface="맑은 고딕" charset="0"/>
+                <a:ea typeface="맑은 고딕" charset="0"/>
+              </a:rPr>
+              <a:t>위치와</a:t>
+            </a:r>
+            <a:r>
+              <a:rPr lang="ko-KR" sz="1800">
+                <a:latin typeface="맑은 고딕" charset="0"/>
+                <a:ea typeface="맑은 고딕" charset="0"/>
+              </a:rPr>
+              <a:t> </a:t>
+            </a:r>
+            <a:r>
+              <a:rPr lang="ko-KR" sz="1800">
+                <a:latin typeface="맑은 고딕" charset="0"/>
+                <a:ea typeface="맑은 고딕" charset="0"/>
+              </a:rPr>
+              <a:t>회전</a:t>
+            </a:r>
+            <a:r>
+              <a:rPr lang="ko-KR" sz="1800">
+                <a:latin typeface="맑은 고딕" charset="0"/>
+                <a:ea typeface="맑은 고딕" charset="0"/>
+              </a:rPr>
+              <a:t> </a:t>
+            </a:r>
+            <a:r>
+              <a:rPr lang="ko-KR" sz="1800">
+                <a:latin typeface="맑은 고딕" charset="0"/>
+                <a:ea typeface="맑은 고딕" charset="0"/>
+              </a:rPr>
+              <a:t>값을</a:t>
+            </a:r>
+            <a:r>
+              <a:rPr lang="ko-KR" sz="1800">
+                <a:latin typeface="맑은 고딕" charset="0"/>
+                <a:ea typeface="맑은 고딕" charset="0"/>
+              </a:rPr>
+              <a:t> </a:t>
+            </a:r>
+            <a:r>
+              <a:rPr lang="ko-KR" sz="1800">
+                <a:latin typeface="맑은 고딕" charset="0"/>
+                <a:ea typeface="맑은 고딕" charset="0"/>
+              </a:rPr>
+              <a:t>설정합니다.</a:t>
+            </a:r>
+            <a:endParaRPr lang="ko-KR" altLang="en-US" sz="1800">
+              <a:latin typeface="맑은 고딕" charset="0"/>
+              <a:ea typeface="맑은 고딕" charset="0"/>
+            </a:endParaRPr>
+          </a:p>
+        </p:txBody>
+      </p:sp>
+      <p:sp>
+        <p:nvSpPr>
+          <p:cNvPr id="1228" name="텍스트 상자 4"/>
+          <p:cNvSpPr txBox="1">
+            <a:spLocks/>
+          </p:cNvSpPr>
+          <p:nvPr/>
+        </p:nvSpPr>
+        <p:spPr>
+          <a:xfrm rot="0">
+            <a:off x="6813550" y="3094355"/>
+            <a:ext cx="4144010" cy="677545"/>
+          </a:xfrm>
+          <a:prstGeom prst="rect"/>
+          <a:noFill/>
+          <a:ln w="0">
+            <a:noFill/>
+            <a:prstDash/>
+          </a:ln>
+        </p:spPr>
+        <p:txBody>
+          <a:bodyPr wrap="square" lIns="89535" tIns="46355" rIns="89535" bIns="46355" numCol="1" vert="horz" anchor="t">
+            <a:spAutoFit/>
+          </a:bodyPr>
+          <a:lstStyle/>
+          <a:p>
+            <a:pPr marL="0" indent="0" algn="l" latinLnBrk="0" hangingPunct="1">
+              <a:buFontTx/>
+              <a:buNone/>
+            </a:pPr>
             <a:r>
               <a:rPr lang="ko-KR" sz="2000" b="1">
                 <a:solidFill>
@@ -10500,7 +9712,7 @@
                 <a:latin typeface="맑은 고딕" charset="0"/>
                 <a:ea typeface="맑은 고딕" charset="0"/>
               </a:rPr>
-              <a:t>.</a:t>
+              <a:t>40.</a:t>
             </a:r>
             <a:r>
               <a:rPr lang="ko-KR" sz="2000" b="1">
@@ -10517,150 +9729,53 @@
                 <a:latin typeface="맑은 고딕" charset="0"/>
                 <a:ea typeface="맑은 고딕" charset="0"/>
               </a:rPr>
-              <a:t>그런 다음 Point Light 오브젝트의 </a:t>
-            </a:r>
-            <a:r>
-              <a:rPr lang="ko-KR" sz="1800">
-                <a:latin typeface="맑은 고딕" charset="0"/>
-                <a:ea typeface="맑은 고딕" charset="0"/>
-              </a:rPr>
-              <a:t>Range와</a:t>
-            </a:r>
-            <a:r>
-              <a:rPr lang="ko-KR" sz="1800">
-                <a:latin typeface="맑은 고딕" charset="0"/>
-                <a:ea typeface="맑은 고딕" charset="0"/>
-              </a:rPr>
-              <a:t> </a:t>
-            </a:r>
-            <a:r>
-              <a:rPr lang="ko-KR" sz="1800">
-                <a:latin typeface="맑은 고딕" charset="0"/>
-                <a:ea typeface="맑은 고딕" charset="0"/>
-              </a:rPr>
-              <a:t>Color</a:t>
-            </a:r>
-            <a:r>
-              <a:rPr lang="ko-KR" sz="1800">
-                <a:latin typeface="맑은 고딕" charset="0"/>
-                <a:ea typeface="맑은 고딕" charset="0"/>
-              </a:rPr>
-              <a:t> 값을 설정합니다.</a:t>
+              <a:t>그리고 Area Light </a:t>
+            </a:r>
+            <a:r>
+              <a:rPr lang="ko-KR" sz="1800">
+                <a:latin typeface="맑은 고딕" charset="0"/>
+                <a:ea typeface="맑은 고딕" charset="0"/>
+              </a:rPr>
+              <a:t>오브젝트의 </a:t>
+            </a:r>
+            <a:r>
+              <a:rPr lang="ko-KR" sz="1800">
+                <a:latin typeface="맑은 고딕" charset="0"/>
+                <a:ea typeface="맑은 고딕" charset="0"/>
+              </a:rPr>
+              <a:t>위치와</a:t>
+            </a:r>
+            <a:r>
+              <a:rPr lang="ko-KR" sz="1800">
+                <a:latin typeface="맑은 고딕" charset="0"/>
+                <a:ea typeface="맑은 고딕" charset="0"/>
+              </a:rPr>
+              <a:t> 회전 값을 설정합니</a:t>
+            </a:r>
+            <a:r>
+              <a:rPr lang="ko-KR" sz="1800">
+                <a:latin typeface="맑은 고딕" charset="0"/>
+                <a:ea typeface="맑은 고딕" charset="0"/>
+              </a:rPr>
+              <a:t>다.</a:t>
             </a:r>
             <a:endParaRPr lang="ko-KR" altLang="en-US" sz="1800">
               <a:latin typeface="맑은 고딕" charset="0"/>
               <a:ea typeface="맑은 고딕" charset="0"/>
             </a:endParaRPr>
           </a:p>
-          <a:p>
-            <a:pPr marL="0" indent="0" algn="l" latinLnBrk="0" hangingPunct="1">
-              <a:buFontTx/>
-              <a:buNone/>
-            </a:pPr>
-            <a:endParaRPr lang="ko-KR" altLang="en-US" sz="1800">
-              <a:latin typeface="맑은 고딕" charset="0"/>
-              <a:ea typeface="맑은 고딕" charset="0"/>
-            </a:endParaRPr>
-          </a:p>
-          <a:p>
-            <a:pPr marL="0" indent="0" algn="l" latinLnBrk="0" hangingPunct="1">
-              <a:buFontTx/>
-              <a:buNone/>
-            </a:pPr>
-            <a:r>
-              <a:rPr lang="ko-KR" sz="1800">
-                <a:latin typeface="맑은 고딕" charset="0"/>
-                <a:ea typeface="맑은 고딕" charset="0"/>
-              </a:rPr>
-              <a:t>그다음</a:t>
-            </a:r>
-            <a:r>
-              <a:rPr lang="ko-KR" sz="1800">
-                <a:latin typeface="맑은 고딕" charset="0"/>
-                <a:ea typeface="맑은 고딕" charset="0"/>
-              </a:rPr>
-              <a:t> </a:t>
-            </a:r>
-            <a:r>
-              <a:rPr lang="ko-KR" sz="1800">
-                <a:latin typeface="맑은 고딕" charset="0"/>
-                <a:ea typeface="맑은 고딕" charset="0"/>
-              </a:rPr>
-              <a:t>Mode를</a:t>
-            </a:r>
-            <a:r>
-              <a:rPr lang="ko-KR" sz="1800">
-                <a:latin typeface="맑은 고딕" charset="0"/>
-                <a:ea typeface="맑은 고딕" charset="0"/>
-              </a:rPr>
-              <a:t> </a:t>
-            </a:r>
-            <a:r>
-              <a:rPr lang="ko-KR" sz="1800">
-                <a:latin typeface="맑은 고딕" charset="0"/>
-                <a:ea typeface="맑은 고딕" charset="0"/>
-              </a:rPr>
-              <a:t>Baked로</a:t>
-            </a:r>
-            <a:r>
-              <a:rPr lang="ko-KR" sz="1800">
-                <a:latin typeface="맑은 고딕" charset="0"/>
-                <a:ea typeface="맑은 고딕" charset="0"/>
-              </a:rPr>
-              <a:t> 설정하고 </a:t>
-            </a:r>
-            <a:r>
-              <a:rPr lang="ko-KR" sz="1800">
-                <a:latin typeface="맑은 고딕" charset="0"/>
-                <a:ea typeface="맑은 고딕" charset="0"/>
-              </a:rPr>
-              <a:t>Inten</a:t>
-            </a:r>
-            <a:r>
-              <a:rPr lang="ko-KR" sz="1800">
-                <a:latin typeface="맑은 고딕" charset="0"/>
-                <a:ea typeface="맑은 고딕" charset="0"/>
-              </a:rPr>
-              <a:t>sity</a:t>
-            </a:r>
-            <a:r>
-              <a:rPr lang="ko-KR" sz="1800">
-                <a:latin typeface="맑은 고딕" charset="0"/>
-                <a:ea typeface="맑은 고딕" charset="0"/>
-              </a:rPr>
-              <a:t>의</a:t>
-            </a:r>
-            <a:r>
-              <a:rPr lang="ko-KR" sz="1800">
-                <a:latin typeface="맑은 고딕" charset="0"/>
-                <a:ea typeface="맑은 고딕" charset="0"/>
-              </a:rPr>
-              <a:t> </a:t>
-            </a:r>
-            <a:r>
-              <a:rPr lang="ko-KR" sz="1800">
-                <a:latin typeface="맑은 고딕" charset="0"/>
-                <a:ea typeface="맑은 고딕" charset="0"/>
-              </a:rPr>
-              <a:t>값을 1.5로 설정합니다.</a:t>
-            </a:r>
-            <a:endParaRPr lang="ko-KR" altLang="en-US" sz="1800">
-              <a:latin typeface="맑은 고딕" charset="0"/>
-              <a:ea typeface="맑은 고딕" charset="0"/>
-            </a:endParaRPr>
-          </a:p>
         </p:txBody>
       </p:sp>
       <p:pic>
         <p:nvPicPr>
-          <p:cNvPr id="1221" name="그림 8" descr="C:/Users/Admin1/AppData/Roaming/PolarisOffice/ETemp/26084_16904392/fImage172872858467.png"/>
+          <p:cNvPr id="1229" name="그림 5"/>
           <p:cNvPicPr>
             <a:picLocks noChangeAspect="1"/>
           </p:cNvPicPr>
           <p:nvPr/>
         </p:nvPicPr>
         <p:blipFill rotWithShape="1">
-          <a:blip r:embed="rId5" cstate="print">
+          <a:blip r:embed="rId7" cstate="print">
             <a:extLst>
               <a:ext uri="{28A0092B-C50C-407E-A947-70E740481C1C}">
                 <a14:useLocalDpi xmlns:a14="http://schemas.microsoft.com/office/drawing/2010/main" val="0"/>
@@ -10673,8 +9788,8 @@
         </p:blipFill>
         <p:spPr>
           <a:xfrm rot="0">
-            <a:off x="6798310" y="1446530"/>
-            <a:ext cx="4159250" cy="3041650"/>
+            <a:off x="6814185" y="3875405"/>
+            <a:ext cx="4143375" cy="1560195"/>
           </a:xfrm>
           <a:prstGeom prst="roundRect"/>
           <a:solidFill>
@@ -10684,14 +9799,14 @@
       </p:pic>
       <p:pic>
         <p:nvPicPr>
-          <p:cNvPr id="1222" name="그림 11" descr="C:/Users/Admin1/AppData/Roaming/PolarisOffice/ETemp/26084_16904392/fImage173832866334.png"/>
+          <p:cNvPr id="1230" name="그림 14"/>
           <p:cNvPicPr>
             <a:picLocks noChangeAspect="1"/>
           </p:cNvPicPr>
           <p:nvPr/>
         </p:nvPicPr>
         <p:blipFill rotWithShape="1">
-          <a:blip r:embed="rId6" cstate="print">
+          <a:blip r:embed="rId8" cstate="print">
             <a:extLst>
               <a:ext uri="{28A0092B-C50C-407E-A947-70E740481C1C}">
                 <a14:useLocalDpi xmlns:a14="http://schemas.microsoft.com/office/drawing/2010/main" val="0"/>
@@ -10704,8 +9819,207 @@
         </p:blipFill>
         <p:spPr>
           <a:xfrm rot="0">
-            <a:off x="1240790" y="1448435"/>
-            <a:ext cx="4143375" cy="3048635"/>
+            <a:off x="6813550" y="1457960"/>
+            <a:ext cx="4135120" cy="1548765"/>
+          </a:xfrm>
+          <a:prstGeom prst="roundRect"/>
+          <a:solidFill>
+            <a:srgbClr val="EDEDED"/>
+          </a:solidFill>
+        </p:spPr>
+      </p:pic>
+      <p:sp>
+        <p:nvSpPr>
+          <p:cNvPr id="1231" name="텍스트 상자 17"/>
+          <p:cNvSpPr txBox="1">
+            <a:spLocks/>
+          </p:cNvSpPr>
+          <p:nvPr/>
+        </p:nvSpPr>
+        <p:spPr>
+          <a:xfrm rot="0">
+            <a:off x="1249680" y="4422775"/>
+            <a:ext cx="4126230" cy="1784985"/>
+          </a:xfrm>
+          <a:prstGeom prst="rect"/>
+          <a:noFill/>
+          <a:ln w="0">
+            <a:noFill/>
+            <a:prstDash/>
+          </a:ln>
+        </p:spPr>
+        <p:txBody>
+          <a:bodyPr wrap="square" lIns="89535" tIns="46355" rIns="89535" bIns="46355" numCol="1" vert="horz" anchor="t">
+            <a:spAutoFit/>
+          </a:bodyPr>
+          <a:lstStyle/>
+          <a:p>
+            <a:pPr marL="0" indent="0" algn="l" latinLnBrk="0" hangingPunct="1">
+              <a:buFontTx/>
+              <a:buNone/>
+            </a:pPr>
+            <a:r>
+              <a:rPr lang="ko-KR" sz="2000" b="1">
+                <a:solidFill>
+                  <a:srgbClr val="0611F2"/>
+                </a:solidFill>
+                <a:latin typeface="맑은 고딕" charset="0"/>
+                <a:ea typeface="맑은 고딕" charset="0"/>
+              </a:rPr>
+              <a:t>39.</a:t>
+            </a:r>
+            <a:r>
+              <a:rPr lang="ko-KR" sz="2000" b="1">
+                <a:solidFill>
+                  <a:srgbClr val="0611F2"/>
+                </a:solidFill>
+                <a:latin typeface="맑은 고딕" charset="0"/>
+                <a:ea typeface="맑은 고딕" charset="0"/>
+              </a:rPr>
+              <a:t> </a:t>
+            </a:r>
+            <a:r>
+              <a:rPr lang="ko-KR" sz="1800">
+                <a:latin typeface="맑은 고딕" charset="0"/>
+                <a:ea typeface="맑은 고딕" charset="0"/>
+              </a:rPr>
+              <a:t>그러고 나서 Spot Light </a:t>
+            </a:r>
+            <a:r>
+              <a:rPr lang="ko-KR" sz="1800">
+                <a:latin typeface="맑은 고딕" charset="0"/>
+                <a:ea typeface="맑은 고딕" charset="0"/>
+              </a:rPr>
+              <a:t>오브젝트의</a:t>
+            </a:r>
+            <a:r>
+              <a:rPr lang="ko-KR" sz="1800">
+                <a:latin typeface="맑은 고딕" charset="0"/>
+                <a:ea typeface="맑은 고딕" charset="0"/>
+              </a:rPr>
+              <a:t> </a:t>
+            </a:r>
+            <a:r>
+              <a:rPr lang="ko-KR" sz="1800">
+                <a:latin typeface="맑은 고딕" charset="0"/>
+                <a:ea typeface="맑은 고딕" charset="0"/>
+              </a:rPr>
+              <a:t>Height와 </a:t>
+            </a:r>
+            <a:r>
+              <a:rPr lang="ko-KR" sz="1800">
+                <a:latin typeface="맑은 고딕" charset="0"/>
+                <a:ea typeface="맑은 고딕" charset="0"/>
+              </a:rPr>
+              <a:t>Width 값을 </a:t>
+            </a:r>
+            <a:r>
+              <a:rPr lang="ko-KR" sz="1800">
+                <a:latin typeface="맑은 고딕" charset="0"/>
+                <a:ea typeface="맑은 고딕" charset="0"/>
+              </a:rPr>
+              <a:t>설정합니다.</a:t>
+            </a:r>
+            <a:endParaRPr lang="ko-KR" altLang="en-US" sz="1800">
+              <a:latin typeface="맑은 고딕" charset="0"/>
+              <a:ea typeface="맑은 고딕" charset="0"/>
+            </a:endParaRPr>
+          </a:p>
+          <a:p>
+            <a:pPr marL="0" indent="0" algn="l" latinLnBrk="0" hangingPunct="1">
+              <a:buFontTx/>
+              <a:buNone/>
+            </a:pPr>
+            <a:endParaRPr lang="ko-KR" altLang="en-US" sz="1800">
+              <a:latin typeface="맑은 고딕" charset="0"/>
+              <a:ea typeface="맑은 고딕" charset="0"/>
+            </a:endParaRPr>
+          </a:p>
+          <a:p>
+            <a:pPr marL="0" indent="0" algn="l" latinLnBrk="0" hangingPunct="1">
+              <a:buFontTx/>
+              <a:buNone/>
+            </a:pPr>
+            <a:r>
+              <a:rPr lang="ko-KR" sz="1800">
+                <a:latin typeface="맑은 고딕" charset="0"/>
+                <a:ea typeface="맑은 고딕" charset="0"/>
+              </a:rPr>
+              <a:t>이제</a:t>
+            </a:r>
+            <a:r>
+              <a:rPr lang="ko-KR" sz="1800">
+                <a:latin typeface="맑은 고딕" charset="0"/>
+                <a:ea typeface="맑은 고딕" charset="0"/>
+              </a:rPr>
+              <a:t> </a:t>
+            </a:r>
+            <a:r>
+              <a:rPr lang="ko-KR" sz="1800">
+                <a:latin typeface="맑은 고딕" charset="0"/>
+                <a:ea typeface="맑은 고딕" charset="0"/>
+              </a:rPr>
+              <a:t>Color 값을 설정한 다음 Range</a:t>
+            </a:r>
+            <a:r>
+              <a:rPr lang="ko-KR" sz="1800">
+                <a:latin typeface="맑은 고딕" charset="0"/>
+                <a:ea typeface="맑은 고딕" charset="0"/>
+              </a:rPr>
+              <a:t> </a:t>
+            </a:r>
+            <a:r>
+              <a:rPr lang="ko-KR" sz="1800">
+                <a:latin typeface="맑은 고딕" charset="0"/>
+                <a:ea typeface="맑은 고딕" charset="0"/>
+              </a:rPr>
+              <a:t>값</a:t>
+            </a:r>
+            <a:r>
+              <a:rPr lang="ko-KR" sz="1800">
+                <a:latin typeface="맑은 고딕" charset="0"/>
+                <a:ea typeface="맑은 고딕" charset="0"/>
+              </a:rPr>
+              <a:t>을</a:t>
+            </a:r>
+            <a:r>
+              <a:rPr lang="ko-KR" sz="1800">
+                <a:latin typeface="맑은 고딕" charset="0"/>
+                <a:ea typeface="맑은 고딕" charset="0"/>
+              </a:rPr>
+              <a:t> 15로 설정합니다.</a:t>
+            </a:r>
+            <a:endParaRPr lang="ko-KR" altLang="en-US" sz="1800">
+              <a:latin typeface="맑은 고딕" charset="0"/>
+              <a:ea typeface="맑은 고딕" charset="0"/>
+            </a:endParaRPr>
+          </a:p>
+        </p:txBody>
+      </p:sp>
+      <p:pic>
+        <p:nvPicPr>
+          <p:cNvPr id="1232" name="그림 18"/>
+          <p:cNvPicPr>
+            <a:picLocks noChangeAspect="1"/>
+          </p:cNvPicPr>
+          <p:nvPr/>
+        </p:nvPicPr>
+        <p:blipFill rotWithShape="1">
+          <a:blip r:embed="rId9" cstate="print">
+            <a:extLst>
+              <a:ext uri="{28A0092B-C50C-407E-A947-70E740481C1C}">
+                <a14:useLocalDpi xmlns:a14="http://schemas.microsoft.com/office/drawing/2010/main" val="0"/>
+              </a:ext>
+            </a:extLst>
+          </a:blip>
+          <a:stretch>
+            <a:fillRect/>
+          </a:stretch>
+        </p:blipFill>
+        <p:spPr>
+          <a:xfrm rot="0">
+            <a:off x="1249680" y="1447165"/>
+            <a:ext cx="4126230" cy="2791460"/>
           </a:xfrm>
           <a:prstGeom prst="roundRect"/>
           <a:solidFill>
@@ -10763,1200 +10077,6 @@
         </p:nvSpPr>
         <p:spPr>
           <a:xfrm>
-            <a:off x="4232275" y="396240"/>
-            <a:ext cx="3720465" cy="478155"/>
-          </a:xfrm>
-          <a:prstGeom prst="rect"/>
-          <a:noFill/>
-          <a:ln w="0">
-            <a:noFill/>
-            <a:prstDash/>
-          </a:ln>
-        </p:spPr>
-        <p:txBody>
-          <a:bodyPr wrap="square" lIns="89535" tIns="46355" rIns="89535" bIns="46355" numCol="1" vert="horz" anchor="t">
-            <a:spAutoFit/>
-          </a:bodyPr>
-          <a:lstStyle/>
-          <a:p>
-            <a:pPr marL="0" indent="0" algn="ctr" latinLnBrk="0">
-              <a:buFontTx/>
-              <a:buNone/>
-            </a:pPr>
-            <a:r>
-              <a:rPr lang="ko-KR" altLang="en-US" sz="2500" b="1">
-                <a:solidFill>
-                  <a:schemeClr val="tx1"/>
-                </a:solidFill>
-                <a:latin typeface="나눔바른고딕" charset="0"/>
-                <a:ea typeface="나눔바른고딕" charset="0"/>
-              </a:rPr>
-              <a:t>열네</a:t>
-            </a:r>
-            <a:r>
-              <a:rPr lang="ko-KR" altLang="en-US" sz="2500" b="1">
-                <a:solidFill>
-                  <a:schemeClr val="tx1"/>
-                </a:solidFill>
-                <a:latin typeface="나눔바른고딕" charset="0"/>
-                <a:ea typeface="나눔바른고딕" charset="0"/>
-              </a:rPr>
-              <a:t> 번째 튜토리얼</a:t>
-            </a:r>
-            <a:endParaRPr lang="ko-KR" altLang="en-US" sz="2500" b="1">
-              <a:solidFill>
-                <a:schemeClr val="tx1"/>
-              </a:solidFill>
-              <a:latin typeface="나눔바른고딕" charset="0"/>
-              <a:ea typeface="나눔바른고딕" charset="0"/>
-            </a:endParaRPr>
-          </a:p>
-        </p:txBody>
-      </p:sp>
-      <p:sp>
-        <p:nvSpPr>
-          <p:cNvPr id="1210" name="Rect 0"/>
-          <p:cNvSpPr txBox="1">
-            <a:spLocks/>
-          </p:cNvSpPr>
-          <p:nvPr/>
-        </p:nvSpPr>
-        <p:spPr>
-          <a:xfrm>
-            <a:off x="1246505" y="5267325"/>
-            <a:ext cx="4138930" cy="370205"/>
-          </a:xfrm>
-          <a:prstGeom prst="rect"/>
-          <a:noFill/>
-          <a:ln w="0">
-            <a:noFill/>
-            <a:prstDash/>
-          </a:ln>
-        </p:spPr>
-        <p:txBody>
-          <a:bodyPr wrap="square" lIns="89535" tIns="46355" rIns="89535" bIns="46355" numCol="1" vert="horz" anchor="t">
-            <a:spAutoFit/>
-          </a:bodyPr>
-          <a:lstStyle/>
-          <a:p>
-            <a:pPr marL="0" indent="0" algn="l" latinLnBrk="0" hangingPunct="1">
-              <a:buFontTx/>
-              <a:buNone/>
-            </a:pPr>
-            <a:endParaRPr lang="ko-KR" altLang="en-US" sz="1800">
-              <a:latin typeface="맑은 고딕" charset="0"/>
-              <a:ea typeface="맑은 고딕" charset="0"/>
-            </a:endParaRPr>
-          </a:p>
-        </p:txBody>
-      </p:sp>
-      <p:sp>
-        <p:nvSpPr>
-          <p:cNvPr id="1220" name="Rect 0"/>
-          <p:cNvSpPr txBox="1">
-            <a:spLocks/>
-          </p:cNvSpPr>
-          <p:nvPr/>
-        </p:nvSpPr>
-        <p:spPr>
-          <a:xfrm rot="0">
-            <a:off x="6805295" y="5538470"/>
-            <a:ext cx="4161155" cy="677545"/>
-          </a:xfrm>
-          <a:prstGeom prst="rect"/>
-          <a:noFill/>
-          <a:ln w="0">
-            <a:noFill/>
-            <a:prstDash/>
-          </a:ln>
-        </p:spPr>
-        <p:txBody>
-          <a:bodyPr wrap="square" lIns="89535" tIns="46355" rIns="89535" bIns="46355" numCol="1" vert="horz" anchor="t">
-            <a:spAutoFit/>
-          </a:bodyPr>
-          <a:lstStyle/>
-          <a:p>
-            <a:pPr marL="0" indent="0" algn="l" latinLnBrk="0" hangingPunct="1">
-              <a:buFontTx/>
-              <a:buNone/>
-            </a:pPr>
-            <a:r>
-              <a:rPr lang="ko-KR" sz="2000" b="1">
-                <a:solidFill>
-                  <a:srgbClr val="0611F2"/>
-                </a:solidFill>
-                <a:latin typeface="맑은 고딕" charset="0"/>
-                <a:ea typeface="맑은 고딕" charset="0"/>
-              </a:rPr>
-              <a:t>41.</a:t>
-            </a:r>
-            <a:r>
-              <a:rPr lang="ko-KR" sz="2000" b="1">
-                <a:solidFill>
-                  <a:srgbClr val="0611F2"/>
-                </a:solidFill>
-                <a:latin typeface="맑은 고딕" charset="0"/>
-                <a:ea typeface="맑은 고딕" charset="0"/>
-              </a:rPr>
-              <a:t> </a:t>
-            </a:r>
-            <a:r>
-              <a:rPr lang="ko-KR" sz="1800">
-                <a:latin typeface="맑은 고딕" charset="0"/>
-                <a:ea typeface="맑은 고딕" charset="0"/>
-              </a:rPr>
-              <a:t>그런 다음 Point Light </a:t>
-            </a:r>
-            <a:r>
-              <a:rPr lang="ko-KR" sz="1800">
-                <a:latin typeface="맑은 고딕" charset="0"/>
-                <a:ea typeface="맑은 고딕" charset="0"/>
-              </a:rPr>
-              <a:t>오브젝트의</a:t>
-            </a:r>
-            <a:r>
-              <a:rPr lang="ko-KR" sz="1800">
-                <a:latin typeface="맑은 고딕" charset="0"/>
-                <a:ea typeface="맑은 고딕" charset="0"/>
-              </a:rPr>
-              <a:t> </a:t>
-            </a:r>
-            <a:r>
-              <a:rPr lang="ko-KR" sz="1800">
-                <a:latin typeface="맑은 고딕" charset="0"/>
-                <a:ea typeface="맑은 고딕" charset="0"/>
-              </a:rPr>
-              <a:t>위치와</a:t>
-            </a:r>
-            <a:r>
-              <a:rPr lang="ko-KR" sz="1800">
-                <a:latin typeface="맑은 고딕" charset="0"/>
-                <a:ea typeface="맑은 고딕" charset="0"/>
-              </a:rPr>
-              <a:t> </a:t>
-            </a:r>
-            <a:r>
-              <a:rPr lang="ko-KR" sz="1800">
-                <a:latin typeface="맑은 고딕" charset="0"/>
-                <a:ea typeface="맑은 고딕" charset="0"/>
-              </a:rPr>
-              <a:t>회전</a:t>
-            </a:r>
-            <a:r>
-              <a:rPr lang="ko-KR" sz="1800">
-                <a:latin typeface="맑은 고딕" charset="0"/>
-                <a:ea typeface="맑은 고딕" charset="0"/>
-              </a:rPr>
-              <a:t> </a:t>
-            </a:r>
-            <a:r>
-              <a:rPr lang="ko-KR" sz="1800">
-                <a:latin typeface="맑은 고딕" charset="0"/>
-                <a:ea typeface="맑은 고딕" charset="0"/>
-              </a:rPr>
-              <a:t>값을</a:t>
-            </a:r>
-            <a:r>
-              <a:rPr lang="ko-KR" sz="1800">
-                <a:latin typeface="맑은 고딕" charset="0"/>
-                <a:ea typeface="맑은 고딕" charset="0"/>
-              </a:rPr>
-              <a:t> </a:t>
-            </a:r>
-            <a:r>
-              <a:rPr lang="ko-KR" sz="1800">
-                <a:latin typeface="맑은 고딕" charset="0"/>
-                <a:ea typeface="맑은 고딕" charset="0"/>
-              </a:rPr>
-              <a:t>설정합니다.</a:t>
-            </a:r>
-            <a:endParaRPr lang="ko-KR" altLang="en-US" sz="1800">
-              <a:latin typeface="맑은 고딕" charset="0"/>
-              <a:ea typeface="맑은 고딕" charset="0"/>
-            </a:endParaRPr>
-          </a:p>
-        </p:txBody>
-      </p:sp>
-      <p:sp>
-        <p:nvSpPr>
-          <p:cNvPr id="1228" name="텍스트 상자 4"/>
-          <p:cNvSpPr txBox="1">
-            <a:spLocks/>
-          </p:cNvSpPr>
-          <p:nvPr/>
-        </p:nvSpPr>
-        <p:spPr>
-          <a:xfrm rot="0">
-            <a:off x="6813550" y="3094355"/>
-            <a:ext cx="4144010" cy="677545"/>
-          </a:xfrm>
-          <a:prstGeom prst="rect"/>
-          <a:noFill/>
-          <a:ln w="0">
-            <a:noFill/>
-            <a:prstDash/>
-          </a:ln>
-        </p:spPr>
-        <p:txBody>
-          <a:bodyPr wrap="square" lIns="89535" tIns="46355" rIns="89535" bIns="46355" numCol="1" vert="horz" anchor="t">
-            <a:spAutoFit/>
-          </a:bodyPr>
-          <a:lstStyle/>
-          <a:p>
-            <a:pPr marL="0" indent="0" algn="l" latinLnBrk="0" hangingPunct="1">
-              <a:buFontTx/>
-              <a:buNone/>
-            </a:pPr>
-            <a:r>
-              <a:rPr lang="ko-KR" sz="2000" b="1">
-                <a:solidFill>
-                  <a:srgbClr val="0611F2"/>
-                </a:solidFill>
-                <a:latin typeface="맑은 고딕" charset="0"/>
-                <a:ea typeface="맑은 고딕" charset="0"/>
-              </a:rPr>
-              <a:t>40.</a:t>
-            </a:r>
-            <a:r>
-              <a:rPr lang="ko-KR" sz="2000" b="1">
-                <a:solidFill>
-                  <a:srgbClr val="0611F2"/>
-                </a:solidFill>
-                <a:latin typeface="맑은 고딕" charset="0"/>
-                <a:ea typeface="맑은 고딕" charset="0"/>
-              </a:rPr>
-              <a:t> </a:t>
-            </a:r>
-            <a:r>
-              <a:rPr lang="ko-KR" sz="1800">
-                <a:latin typeface="맑은 고딕" charset="0"/>
-                <a:ea typeface="맑은 고딕" charset="0"/>
-              </a:rPr>
-              <a:t>그리고 Area Light </a:t>
-            </a:r>
-            <a:r>
-              <a:rPr lang="ko-KR" sz="1800">
-                <a:latin typeface="맑은 고딕" charset="0"/>
-                <a:ea typeface="맑은 고딕" charset="0"/>
-              </a:rPr>
-              <a:t>오브젝트의 </a:t>
-            </a:r>
-            <a:r>
-              <a:rPr lang="ko-KR" sz="1800">
-                <a:latin typeface="맑은 고딕" charset="0"/>
-                <a:ea typeface="맑은 고딕" charset="0"/>
-              </a:rPr>
-              <a:t>위치와</a:t>
-            </a:r>
-            <a:r>
-              <a:rPr lang="ko-KR" sz="1800">
-                <a:latin typeface="맑은 고딕" charset="0"/>
-                <a:ea typeface="맑은 고딕" charset="0"/>
-              </a:rPr>
-              <a:t> 회전 값을 설정합니</a:t>
-            </a:r>
-            <a:r>
-              <a:rPr lang="ko-KR" sz="1800">
-                <a:latin typeface="맑은 고딕" charset="0"/>
-                <a:ea typeface="맑은 고딕" charset="0"/>
-              </a:rPr>
-              <a:t>다.</a:t>
-            </a:r>
-            <a:endParaRPr lang="ko-KR" altLang="en-US" sz="1800">
-              <a:latin typeface="맑은 고딕" charset="0"/>
-              <a:ea typeface="맑은 고딕" charset="0"/>
-            </a:endParaRPr>
-          </a:p>
-        </p:txBody>
-      </p:sp>
-      <p:pic>
-        <p:nvPicPr>
-          <p:cNvPr id="1229" name="그림 5" descr="C:/Users/Admin1/AppData/Roaming/PolarisOffice/ETemp/26084_16904392/fImage104272846500.png"/>
-          <p:cNvPicPr>
-            <a:picLocks noChangeAspect="1"/>
-          </p:cNvPicPr>
-          <p:nvPr/>
-        </p:nvPicPr>
-        <p:blipFill rotWithShape="1">
-          <a:blip r:embed="rId7" cstate="print">
-            <a:extLst>
-              <a:ext uri="{28A0092B-C50C-407E-A947-70E740481C1C}">
-                <a14:useLocalDpi xmlns:a14="http://schemas.microsoft.com/office/drawing/2010/main" val="0"/>
-              </a:ext>
-            </a:extLst>
-          </a:blip>
-          <a:stretch>
-            <a:fillRect/>
-          </a:stretch>
-        </p:blipFill>
-        <p:spPr>
-          <a:xfrm rot="0">
-            <a:off x="6814185" y="3875405"/>
-            <a:ext cx="4143375" cy="1560195"/>
-          </a:xfrm>
-          <a:prstGeom prst="roundRect"/>
-          <a:solidFill>
-            <a:srgbClr val="EDEDED"/>
-          </a:solidFill>
-        </p:spPr>
-      </p:pic>
-      <p:pic>
-        <p:nvPicPr>
-          <p:cNvPr id="1230" name="그림 14" descr="C:/Users/Admin1/AppData/Roaming/PolarisOffice/ETemp/26084_16904392/fImage105942879169.png"/>
-          <p:cNvPicPr>
-            <a:picLocks noChangeAspect="1"/>
-          </p:cNvPicPr>
-          <p:nvPr/>
-        </p:nvPicPr>
-        <p:blipFill rotWithShape="1">
-          <a:blip r:embed="rId8" cstate="print">
-            <a:extLst>
-              <a:ext uri="{28A0092B-C50C-407E-A947-70E740481C1C}">
-                <a14:useLocalDpi xmlns:a14="http://schemas.microsoft.com/office/drawing/2010/main" val="0"/>
-              </a:ext>
-            </a:extLst>
-          </a:blip>
-          <a:stretch>
-            <a:fillRect/>
-          </a:stretch>
-        </p:blipFill>
-        <p:spPr>
-          <a:xfrm rot="0">
-            <a:off x="6813550" y="1457960"/>
-            <a:ext cx="4135120" cy="1548765"/>
-          </a:xfrm>
-          <a:prstGeom prst="roundRect"/>
-          <a:solidFill>
-            <a:srgbClr val="EDEDED"/>
-          </a:solidFill>
-        </p:spPr>
-      </p:pic>
-      <p:sp>
-        <p:nvSpPr>
-          <p:cNvPr id="1231" name="텍스트 상자 17"/>
-          <p:cNvSpPr txBox="1">
-            <a:spLocks/>
-          </p:cNvSpPr>
-          <p:nvPr/>
-        </p:nvSpPr>
-        <p:spPr>
-          <a:xfrm rot="0">
-            <a:off x="1249680" y="4422775"/>
-            <a:ext cx="4126230" cy="1784985"/>
-          </a:xfrm>
-          <a:prstGeom prst="rect"/>
-          <a:noFill/>
-          <a:ln w="0">
-            <a:noFill/>
-            <a:prstDash/>
-          </a:ln>
-        </p:spPr>
-        <p:txBody>
-          <a:bodyPr wrap="square" lIns="89535" tIns="46355" rIns="89535" bIns="46355" numCol="1" vert="horz" anchor="t">
-            <a:spAutoFit/>
-          </a:bodyPr>
-          <a:lstStyle/>
-          <a:p>
-            <a:pPr marL="0" indent="0" algn="l" latinLnBrk="0" hangingPunct="1">
-              <a:buFontTx/>
-              <a:buNone/>
-            </a:pPr>
-            <a:r>
-              <a:rPr lang="ko-KR" sz="2000" b="1">
-                <a:solidFill>
-                  <a:srgbClr val="0611F2"/>
-                </a:solidFill>
-                <a:latin typeface="맑은 고딕" charset="0"/>
-                <a:ea typeface="맑은 고딕" charset="0"/>
-              </a:rPr>
-              <a:t>39.</a:t>
-            </a:r>
-            <a:r>
-              <a:rPr lang="ko-KR" sz="2000" b="1">
-                <a:solidFill>
-                  <a:srgbClr val="0611F2"/>
-                </a:solidFill>
-                <a:latin typeface="맑은 고딕" charset="0"/>
-                <a:ea typeface="맑은 고딕" charset="0"/>
-              </a:rPr>
-              <a:t> </a:t>
-            </a:r>
-            <a:r>
-              <a:rPr lang="ko-KR" sz="1800">
-                <a:latin typeface="맑은 고딕" charset="0"/>
-                <a:ea typeface="맑은 고딕" charset="0"/>
-              </a:rPr>
-              <a:t>그러고 나서 Spot Light </a:t>
-            </a:r>
-            <a:r>
-              <a:rPr lang="ko-KR" sz="1800">
-                <a:latin typeface="맑은 고딕" charset="0"/>
-                <a:ea typeface="맑은 고딕" charset="0"/>
-              </a:rPr>
-              <a:t>오브젝트의</a:t>
-            </a:r>
-            <a:r>
-              <a:rPr lang="ko-KR" sz="1800">
-                <a:latin typeface="맑은 고딕" charset="0"/>
-                <a:ea typeface="맑은 고딕" charset="0"/>
-              </a:rPr>
-              <a:t> </a:t>
-            </a:r>
-            <a:r>
-              <a:rPr lang="ko-KR" sz="1800">
-                <a:latin typeface="맑은 고딕" charset="0"/>
-                <a:ea typeface="맑은 고딕" charset="0"/>
-              </a:rPr>
-              <a:t>Height와 </a:t>
-            </a:r>
-            <a:r>
-              <a:rPr lang="ko-KR" sz="1800">
-                <a:latin typeface="맑은 고딕" charset="0"/>
-                <a:ea typeface="맑은 고딕" charset="0"/>
-              </a:rPr>
-              <a:t>Width 값을 </a:t>
-            </a:r>
-            <a:r>
-              <a:rPr lang="ko-KR" sz="1800">
-                <a:latin typeface="맑은 고딕" charset="0"/>
-                <a:ea typeface="맑은 고딕" charset="0"/>
-              </a:rPr>
-              <a:t>설정합니다.</a:t>
-            </a:r>
-            <a:endParaRPr lang="ko-KR" altLang="en-US" sz="1800">
-              <a:latin typeface="맑은 고딕" charset="0"/>
-              <a:ea typeface="맑은 고딕" charset="0"/>
-            </a:endParaRPr>
-          </a:p>
-          <a:p>
-            <a:pPr marL="0" indent="0" algn="l" latinLnBrk="0" hangingPunct="1">
-              <a:buFontTx/>
-              <a:buNone/>
-            </a:pPr>
-            <a:endParaRPr lang="ko-KR" altLang="en-US" sz="1800">
-              <a:latin typeface="맑은 고딕" charset="0"/>
-              <a:ea typeface="맑은 고딕" charset="0"/>
-            </a:endParaRPr>
-          </a:p>
-          <a:p>
-            <a:pPr marL="0" indent="0" algn="l" latinLnBrk="0" hangingPunct="1">
-              <a:buFontTx/>
-              <a:buNone/>
-            </a:pPr>
-            <a:r>
-              <a:rPr lang="ko-KR" sz="1800">
-                <a:latin typeface="맑은 고딕" charset="0"/>
-                <a:ea typeface="맑은 고딕" charset="0"/>
-              </a:rPr>
-              <a:t>이제</a:t>
-            </a:r>
-            <a:r>
-              <a:rPr lang="ko-KR" sz="1800">
-                <a:latin typeface="맑은 고딕" charset="0"/>
-                <a:ea typeface="맑은 고딕" charset="0"/>
-              </a:rPr>
-              <a:t> </a:t>
-            </a:r>
-            <a:r>
-              <a:rPr lang="ko-KR" sz="1800">
-                <a:latin typeface="맑은 고딕" charset="0"/>
-                <a:ea typeface="맑은 고딕" charset="0"/>
-              </a:rPr>
-              <a:t>Color 값을 설정한 다음 Range</a:t>
-            </a:r>
-            <a:r>
-              <a:rPr lang="ko-KR" sz="1800">
-                <a:latin typeface="맑은 고딕" charset="0"/>
-                <a:ea typeface="맑은 고딕" charset="0"/>
-              </a:rPr>
-              <a:t> </a:t>
-            </a:r>
-            <a:r>
-              <a:rPr lang="ko-KR" sz="1800">
-                <a:latin typeface="맑은 고딕" charset="0"/>
-                <a:ea typeface="맑은 고딕" charset="0"/>
-              </a:rPr>
-              <a:t>값</a:t>
-            </a:r>
-            <a:r>
-              <a:rPr lang="ko-KR" sz="1800">
-                <a:latin typeface="맑은 고딕" charset="0"/>
-                <a:ea typeface="맑은 고딕" charset="0"/>
-              </a:rPr>
-              <a:t>을</a:t>
-            </a:r>
-            <a:r>
-              <a:rPr lang="ko-KR" sz="1800">
-                <a:latin typeface="맑은 고딕" charset="0"/>
-                <a:ea typeface="맑은 고딕" charset="0"/>
-              </a:rPr>
-              <a:t> 15로 설정합니다.</a:t>
-            </a:r>
-            <a:endParaRPr lang="ko-KR" altLang="en-US" sz="1800">
-              <a:latin typeface="맑은 고딕" charset="0"/>
-              <a:ea typeface="맑은 고딕" charset="0"/>
-            </a:endParaRPr>
-          </a:p>
-        </p:txBody>
-      </p:sp>
-      <p:pic>
-        <p:nvPicPr>
-          <p:cNvPr id="1232" name="그림 18" descr="C:/Users/Admin1/AppData/Roaming/PolarisOffice/ETemp/26084_16904392/fImage162692895724.png"/>
-          <p:cNvPicPr>
-            <a:picLocks noChangeAspect="1"/>
-          </p:cNvPicPr>
-          <p:nvPr/>
-        </p:nvPicPr>
-        <p:blipFill rotWithShape="1">
-          <a:blip r:embed="rId9" cstate="print">
-            <a:extLst>
-              <a:ext uri="{28A0092B-C50C-407E-A947-70E740481C1C}">
-                <a14:useLocalDpi xmlns:a14="http://schemas.microsoft.com/office/drawing/2010/main" val="0"/>
-              </a:ext>
-            </a:extLst>
-          </a:blip>
-          <a:stretch>
-            <a:fillRect/>
-          </a:stretch>
-        </p:blipFill>
-        <p:spPr>
-          <a:xfrm rot="0">
-            <a:off x="1249680" y="1447165"/>
-            <a:ext cx="4126230" cy="2791460"/>
-          </a:xfrm>
-          <a:prstGeom prst="roundRect"/>
-          <a:solidFill>
-            <a:srgbClr val="EDEDED"/>
-          </a:solidFill>
-        </p:spPr>
-      </p:pic>
-    </p:spTree>
-  </p:cSld>
-  <p:clrMapOvr>
-    <a:masterClrMapping/>
-  </p:clrMapOvr>
-  <mc:AlternateContent xmlns:mc="http://schemas.openxmlformats.org/markup-compatibility/2006">
-    <mc:Choice xmlns:p14="http://schemas.microsoft.com/office/powerpoint/2010/main" Requires="p14">
-      <p:transition spd="slow" p14:dur="2000"/>
-    </mc:Choice>
-    <mc:Fallback>
-      <p:transition spd="slow"/>
-    </mc:Fallback>
-  </mc:AlternateContent>
-  <p:timing>
-    <p:tnLst>
-      <p:par>
-        <p:cTn id="1" dur="indefinite" restart="never" nodeType="tmRoot"/>
-      </p:par>
-    </p:tnLst>
-  </p:timing>
-</p:sld>
-</file>
-
-<file path=ppt/slides/slide15.xml><?xml version="1.0" encoding="utf-8"?>
-<p:sld xmlns:a="http://schemas.openxmlformats.org/drawingml/2006/main" xmlns:r="http://schemas.openxmlformats.org/officeDocument/2006/relationships" xmlns:p="http://schemas.openxmlformats.org/presentationml/2006/main" xmlns:p14="http://schemas.microsoft.com/office/powerpoint/2010/main">
-  <p:cSld>
-    <p:spTree>
-      <p:nvGrpSpPr>
-        <p:cNvPr id="1" name=""/>
-        <p:cNvGrpSpPr/>
-        <p:nvPr/>
-      </p:nvGrpSpPr>
-      <p:grpSpPr>
-        <a:xfrm>
-          <a:off x="0" y="0"/>
-          <a:ext cx="0" cy="0"/>
-          <a:chOff x="0" y="0"/>
-          <a:chExt cx="0" cy="0"/>
-        </a:xfrm>
-      </p:grpSpPr>
-      <p:sp>
-        <p:nvSpPr>
-          <p:cNvPr id="1031" name="Rect 0"/>
-          <p:cNvSpPr txBox="1">
-            <a:spLocks/>
-          </p:cNvSpPr>
-          <p:nvPr/>
-        </p:nvSpPr>
-        <p:spPr>
-          <a:xfrm>
-            <a:off x="4232275" y="396240"/>
-            <a:ext cx="3721100" cy="478155"/>
-          </a:xfrm>
-          <a:prstGeom prst="rect"/>
-          <a:noFill/>
-          <a:ln w="0">
-            <a:noFill/>
-            <a:prstDash/>
-          </a:ln>
-        </p:spPr>
-        <p:txBody>
-          <a:bodyPr wrap="square" lIns="89535" tIns="46355" rIns="89535" bIns="46355" numCol="1" vert="horz" anchor="t">
-            <a:spAutoFit/>
-          </a:bodyPr>
-          <a:lstStyle/>
-          <a:p>
-            <a:pPr marL="0" indent="0" algn="ctr" latinLnBrk="0">
-              <a:buFontTx/>
-              <a:buNone/>
-            </a:pPr>
-            <a:r>
-              <a:rPr lang="ko-KR" altLang="en-US" sz="2500" b="1">
-                <a:solidFill>
-                  <a:schemeClr val="tx1"/>
-                </a:solidFill>
-                <a:latin typeface="나눔바른고딕" charset="0"/>
-                <a:ea typeface="나눔바른고딕" charset="0"/>
-              </a:rPr>
-              <a:t>열다섯</a:t>
-            </a:r>
-            <a:r>
-              <a:rPr lang="ko-KR" altLang="en-US" sz="2500" b="1">
-                <a:solidFill>
-                  <a:schemeClr val="tx1"/>
-                </a:solidFill>
-                <a:latin typeface="나눔바른고딕" charset="0"/>
-                <a:ea typeface="나눔바른고딕" charset="0"/>
-              </a:rPr>
-              <a:t> 번째 튜토리얼</a:t>
-            </a:r>
-            <a:endParaRPr lang="ko-KR" altLang="en-US" sz="2500" b="1">
-              <a:solidFill>
-                <a:schemeClr val="tx1"/>
-              </a:solidFill>
-              <a:latin typeface="나눔바른고딕" charset="0"/>
-              <a:ea typeface="나눔바른고딕" charset="0"/>
-            </a:endParaRPr>
-          </a:p>
-        </p:txBody>
-      </p:sp>
-      <p:sp>
-        <p:nvSpPr>
-          <p:cNvPr id="1220" name="Rect 0"/>
-          <p:cNvSpPr txBox="1">
-            <a:spLocks/>
-          </p:cNvSpPr>
-          <p:nvPr/>
-        </p:nvSpPr>
-        <p:spPr>
-          <a:xfrm rot="0">
-            <a:off x="6805295" y="5590540"/>
-            <a:ext cx="4160520" cy="647065"/>
-          </a:xfrm>
-          <a:prstGeom prst="rect"/>
-          <a:noFill/>
-          <a:ln w="0">
-            <a:noFill/>
-            <a:prstDash/>
-          </a:ln>
-        </p:spPr>
-        <p:txBody>
-          <a:bodyPr wrap="square" lIns="89535" tIns="46355" rIns="89535" bIns="46355" numCol="1" vert="horz" anchor="t">
-            <a:spAutoFit/>
-          </a:bodyPr>
-          <a:lstStyle/>
-          <a:p>
-            <a:pPr marL="0" indent="0" rtl="0" algn="l" defTabSz="914400" eaLnBrk="1" latinLnBrk="0" hangingPunct="1">
-              <a:buFontTx/>
-              <a:buNone/>
-            </a:pPr>
-            <a:r>
-              <a:rPr lang="ko-KR" sz="1800" b="1">
-                <a:solidFill>
-                  <a:srgbClr val="0611F2"/>
-                </a:solidFill>
-                <a:latin typeface="맑은 고딕" charset="0"/>
-                <a:ea typeface="맑은 고딕" charset="0"/>
-              </a:rPr>
-              <a:t>4</a:t>
-            </a:r>
-            <a:r>
-              <a:rPr lang="ko-KR" sz="1800" b="1">
-                <a:solidFill>
-                  <a:srgbClr val="0611F2"/>
-                </a:solidFill>
-                <a:latin typeface="맑은 고딕" charset="0"/>
-                <a:ea typeface="맑은 고딕" charset="0"/>
-              </a:rPr>
-              <a:t>4</a:t>
-            </a:r>
-            <a:r>
-              <a:rPr sz="1800" b="1">
-                <a:solidFill>
-                  <a:srgbClr val="0611F2"/>
-                </a:solidFill>
-                <a:latin typeface="맑은 고딕" charset="0"/>
-                <a:ea typeface="맑은 고딕" charset="0"/>
-              </a:rPr>
-              <a:t>.</a:t>
-            </a:r>
-            <a:r>
-              <a:rPr sz="1800">
-                <a:latin typeface="맑은 고딕" charset="0"/>
-                <a:ea typeface="맑은 고딕" charset="0"/>
-              </a:rPr>
-              <a:t> </a:t>
-            </a:r>
-            <a:r>
-              <a:rPr lang="ko-KR" sz="1800">
-                <a:latin typeface="맑은 고딕" charset="0"/>
-                <a:ea typeface="맑은 고딕" charset="0"/>
-              </a:rPr>
-              <a:t>이제 Area Street Lamp </a:t>
-            </a:r>
-            <a:r>
-              <a:rPr lang="ko-KR" sz="1800">
-                <a:latin typeface="맑은 고딕" charset="0"/>
-                <a:ea typeface="맑은 고딕" charset="0"/>
-              </a:rPr>
-              <a:t>오브젝트의 </a:t>
-            </a:r>
-            <a:r>
-              <a:rPr lang="ko-KR" sz="1800">
-                <a:latin typeface="맑은 고딕" charset="0"/>
-                <a:ea typeface="맑은 고딕" charset="0"/>
-              </a:rPr>
-              <a:t>위치와</a:t>
-            </a:r>
-            <a:r>
-              <a:rPr lang="ko-KR" sz="1800">
-                <a:latin typeface="맑은 고딕" charset="0"/>
-                <a:ea typeface="맑은 고딕" charset="0"/>
-              </a:rPr>
-              <a:t> 회전 값을 설정합니</a:t>
-            </a:r>
-            <a:r>
-              <a:rPr lang="ko-KR" sz="1800">
-                <a:latin typeface="맑은 고딕" charset="0"/>
-                <a:ea typeface="맑은 고딕" charset="0"/>
-              </a:rPr>
-              <a:t>다.</a:t>
-            </a:r>
-            <a:endParaRPr lang="ko-KR" altLang="en-US" sz="1800">
-              <a:latin typeface="맑은 고딕" charset="0"/>
-              <a:ea typeface="맑은 고딕" charset="0"/>
-            </a:endParaRPr>
-          </a:p>
-        </p:txBody>
-      </p:sp>
-      <p:sp>
-        <p:nvSpPr>
-          <p:cNvPr id="1238" name="텍스트 상자 20"/>
-          <p:cNvSpPr txBox="1">
-            <a:spLocks/>
-          </p:cNvSpPr>
-          <p:nvPr/>
-        </p:nvSpPr>
-        <p:spPr>
-          <a:xfrm rot="0">
-            <a:off x="6808470" y="3015615"/>
-            <a:ext cx="4157345" cy="923925"/>
-          </a:xfrm>
-          <a:prstGeom prst="rect"/>
-          <a:noFill/>
-          <a:ln w="0">
-            <a:noFill/>
-            <a:prstDash/>
-          </a:ln>
-        </p:spPr>
-        <p:txBody>
-          <a:bodyPr wrap="square" lIns="89535" tIns="46355" rIns="89535" bIns="46355" numCol="1" vert="horz" anchor="t">
-            <a:spAutoFit/>
-          </a:bodyPr>
-          <a:lstStyle/>
-          <a:p>
-            <a:pPr marL="0" indent="0" rtl="0" algn="l" defTabSz="914400" eaLnBrk="1" latinLnBrk="0" hangingPunct="1">
-              <a:buFontTx/>
-              <a:buNone/>
-            </a:pPr>
-            <a:r>
-              <a:rPr lang="ko-KR" sz="1800" b="1">
-                <a:solidFill>
-                  <a:srgbClr val="0611F2"/>
-                </a:solidFill>
-                <a:latin typeface="맑은 고딕" charset="0"/>
-                <a:ea typeface="맑은 고딕" charset="0"/>
-              </a:rPr>
-              <a:t>4</a:t>
-            </a:r>
-            <a:r>
-              <a:rPr lang="ko-KR" sz="1800" b="1">
-                <a:solidFill>
-                  <a:srgbClr val="0611F2"/>
-                </a:solidFill>
-                <a:latin typeface="맑은 고딕" charset="0"/>
-                <a:ea typeface="맑은 고딕" charset="0"/>
-              </a:rPr>
-              <a:t>3</a:t>
-            </a:r>
-            <a:r>
-              <a:rPr sz="1800" b="1">
-                <a:solidFill>
-                  <a:srgbClr val="0611F2"/>
-                </a:solidFill>
-                <a:latin typeface="맑은 고딕" charset="0"/>
-                <a:ea typeface="맑은 고딕" charset="0"/>
-              </a:rPr>
-              <a:t>.</a:t>
-            </a:r>
-            <a:r>
-              <a:rPr sz="1800">
-                <a:latin typeface="맑은 고딕" charset="0"/>
-                <a:ea typeface="맑은 고딕" charset="0"/>
-              </a:rPr>
-              <a:t> </a:t>
-            </a:r>
-            <a:r>
-              <a:rPr lang="ko-KR" sz="1800">
-                <a:latin typeface="맑은 고딕" charset="0"/>
-                <a:ea typeface="맑은 고딕" charset="0"/>
-              </a:rPr>
-              <a:t>그러고 나서 Point Street Lamp </a:t>
-            </a:r>
-            <a:r>
-              <a:rPr lang="ko-KR" sz="1800">
-                <a:latin typeface="맑은 고딕" charset="0"/>
-                <a:ea typeface="맑은 고딕" charset="0"/>
-              </a:rPr>
-              <a:t>오브젝트의</a:t>
-            </a:r>
-            <a:r>
-              <a:rPr lang="ko-KR" sz="1800">
-                <a:latin typeface="맑은 고딕" charset="0"/>
-                <a:ea typeface="맑은 고딕" charset="0"/>
-              </a:rPr>
-              <a:t> </a:t>
-            </a:r>
-            <a:r>
-              <a:rPr lang="ko-KR" sz="1800">
-                <a:latin typeface="맑은 고딕" charset="0"/>
-                <a:ea typeface="맑은 고딕" charset="0"/>
-              </a:rPr>
-              <a:t>위치와 회전 값을 </a:t>
-            </a:r>
-            <a:r>
-              <a:rPr lang="ko-KR" sz="1800">
-                <a:latin typeface="맑은 고딕" charset="0"/>
-                <a:ea typeface="맑은 고딕" charset="0"/>
-              </a:rPr>
-              <a:t>설정합니</a:t>
-            </a:r>
-            <a:r>
-              <a:rPr lang="ko-KR" sz="1800">
-                <a:latin typeface="맑은 고딕" charset="0"/>
-                <a:ea typeface="맑은 고딕" charset="0"/>
-              </a:rPr>
-              <a:t>다.</a:t>
-            </a:r>
-            <a:endParaRPr lang="ko-KR" altLang="en-US" sz="1800">
-              <a:latin typeface="맑은 고딕" charset="0"/>
-              <a:ea typeface="맑은 고딕" charset="0"/>
-            </a:endParaRPr>
-          </a:p>
-        </p:txBody>
-      </p:sp>
-      <p:pic>
-        <p:nvPicPr>
-          <p:cNvPr id="1243" name="그림 26"/>
-          <p:cNvPicPr>
-            <a:picLocks noChangeAspect="1"/>
-          </p:cNvPicPr>
-          <p:nvPr/>
-        </p:nvPicPr>
-        <p:blipFill rotWithShape="1">
-          <a:blip r:embed="rId5" cstate="print">
-            <a:extLst>
-              <a:ext uri="{28A0092B-C50C-407E-A947-70E740481C1C}">
-                <a14:useLocalDpi xmlns:a14="http://schemas.microsoft.com/office/drawing/2010/main" val="0"/>
-              </a:ext>
-            </a:extLst>
-          </a:blip>
-          <a:stretch>
-            <a:fillRect/>
-          </a:stretch>
-        </p:blipFill>
-        <p:spPr>
-          <a:xfrm rot="0">
-            <a:off x="1240790" y="1445260"/>
-            <a:ext cx="4126230" cy="2379980"/>
-          </a:xfrm>
-          <a:prstGeom prst="roundRect"/>
-          <a:solidFill>
-            <a:srgbClr val="EDEDED"/>
-          </a:solidFill>
-        </p:spPr>
-      </p:pic>
-      <p:sp>
-        <p:nvSpPr>
-          <p:cNvPr id="1245" name="텍스트 상자 32"/>
-          <p:cNvSpPr txBox="1">
-            <a:spLocks/>
-          </p:cNvSpPr>
-          <p:nvPr/>
-        </p:nvSpPr>
-        <p:spPr>
-          <a:xfrm>
-            <a:off x="1240790" y="5325745"/>
-            <a:ext cx="4130040" cy="923925"/>
-          </a:xfrm>
-          <a:prstGeom prst="rect"/>
-          <a:noFill/>
-          <a:ln w="0">
-            <a:noFill/>
-            <a:prstDash/>
-          </a:ln>
-        </p:spPr>
-        <p:txBody>
-          <a:bodyPr wrap="square" lIns="89535" tIns="46355" rIns="89535" bIns="46355" numCol="1" vert="horz" anchor="t">
-            <a:spAutoFit/>
-          </a:bodyPr>
-          <a:lstStyle/>
-          <a:p>
-            <a:pPr marL="0" indent="0" rtl="0" algn="l" defTabSz="914400" eaLnBrk="1" latinLnBrk="0" hangingPunct="1">
-              <a:buFontTx/>
-              <a:buNone/>
-            </a:pPr>
-            <a:r>
-              <a:rPr lang="ko-KR" sz="1800" b="1">
-                <a:solidFill>
-                  <a:srgbClr val="0611F2"/>
-                </a:solidFill>
-                <a:latin typeface="맑은 고딕" charset="0"/>
-                <a:ea typeface="맑은 고딕" charset="0"/>
-              </a:rPr>
-              <a:t>42</a:t>
-            </a:r>
-            <a:r>
-              <a:rPr sz="1800" b="1">
-                <a:solidFill>
-                  <a:srgbClr val="0611F2"/>
-                </a:solidFill>
-                <a:latin typeface="맑은 고딕" charset="0"/>
-                <a:ea typeface="맑은 고딕" charset="0"/>
-              </a:rPr>
-              <a:t>.</a:t>
-            </a:r>
-            <a:r>
-              <a:rPr sz="1800">
-                <a:latin typeface="맑은 고딕" charset="0"/>
-                <a:ea typeface="맑은 고딕" charset="0"/>
-              </a:rPr>
-              <a:t> </a:t>
-            </a:r>
-            <a:r>
-              <a:rPr lang="ko-KR" sz="1800">
-                <a:latin typeface="맑은 고딕" charset="0"/>
-                <a:ea typeface="맑은 고딕" charset="0"/>
-              </a:rPr>
-              <a:t>그다음으로 Project 폴더에 있는 </a:t>
-            </a:r>
-            <a:r>
-              <a:rPr lang="ko-KR" sz="1800">
-                <a:latin typeface="맑은 고딕" charset="0"/>
-                <a:ea typeface="맑은 고딕" charset="0"/>
-              </a:rPr>
-              <a:t>Texture</a:t>
-            </a:r>
-            <a:r>
-              <a:rPr lang="ko-KR" sz="1800">
-                <a:latin typeface="맑은 고딕" charset="0"/>
-                <a:ea typeface="맑은 고딕" charset="0"/>
-              </a:rPr>
-              <a:t> 폴더에 Sky 텍스처를 월드 </a:t>
-            </a:r>
-            <a:r>
-              <a:rPr lang="ko-KR" sz="1800">
-                <a:latin typeface="맑은 고딕" charset="0"/>
-                <a:ea typeface="맑은 고딕" charset="0"/>
-              </a:rPr>
-              <a:t>공간에</a:t>
-            </a:r>
-            <a:r>
-              <a:rPr lang="ko-KR" sz="1800">
-                <a:latin typeface="맑은 고딕" charset="0"/>
-                <a:ea typeface="맑은 고딕" charset="0"/>
-              </a:rPr>
-              <a:t> 넣어줍니다.</a:t>
-            </a:r>
-            <a:endParaRPr lang="ko-KR" altLang="en-US" sz="1800">
-              <a:latin typeface="맑은 고딕" charset="0"/>
-              <a:ea typeface="맑은 고딕" charset="0"/>
-            </a:endParaRPr>
-          </a:p>
-        </p:txBody>
-      </p:sp>
-      <p:pic>
-        <p:nvPicPr>
-          <p:cNvPr id="1249" name="그림 1" descr="C:/Users/Admin1/AppData/Roaming/PolarisOffice/ETemp/11500_10679736/fImage230142638467.png"/>
-          <p:cNvPicPr>
-            <a:picLocks noChangeAspect="1"/>
-          </p:cNvPicPr>
-          <p:nvPr/>
-        </p:nvPicPr>
-        <p:blipFill rotWithShape="1">
-          <a:blip r:embed="rId9" cstate="print">
-            <a:extLst>
-              <a:ext uri="{28A0092B-C50C-407E-A947-70E740481C1C}">
-                <a14:useLocalDpi xmlns:a14="http://schemas.microsoft.com/office/drawing/2010/main" val="0"/>
-              </a:ext>
-            </a:extLst>
-          </a:blip>
-          <a:stretch>
-            <a:fillRect/>
-          </a:stretch>
-        </p:blipFill>
-        <p:spPr>
-          <a:xfrm rot="0">
-            <a:off x="1229995" y="4030980"/>
-            <a:ext cx="4137025" cy="1139825"/>
-          </a:xfrm>
-          <a:prstGeom prst="roundRect"/>
-          <a:solidFill>
-            <a:srgbClr val="EDEDED"/>
-          </a:solidFill>
-        </p:spPr>
-      </p:pic>
-      <p:pic>
-        <p:nvPicPr>
-          <p:cNvPr id="1246" name="그림 33" descr="C:/Users/Admin1/AppData/Roaming/PolarisOffice/ETemp/11500_10679736/fImage2242172146334.png"/>
-          <p:cNvPicPr>
-            <a:picLocks noChangeAspect="1"/>
-          </p:cNvPicPr>
-          <p:nvPr/>
-        </p:nvPicPr>
-        <p:blipFill rotWithShape="1">
-          <a:blip r:embed="rId7" cstate="hqprint">
-            <a:extLst>
-              <a:ext uri="{28A0092B-C50C-407E-A947-70E740481C1C}">
-                <a14:useLocalDpi xmlns:a14="http://schemas.microsoft.com/office/drawing/2010/main"/>
-              </a:ext>
-            </a:extLst>
-          </a:blip>
-          <a:stretch>
-            <a:fillRect/>
-          </a:stretch>
-        </p:blipFill>
-        <p:spPr>
-          <a:xfrm rot="16200000">
-            <a:off x="2926080" y="3658870"/>
-            <a:ext cx="773430" cy="560070"/>
-          </a:xfrm>
-          <a:prstGeom prst="rect"/>
-          <a:noFill/>
-        </p:spPr>
-      </p:pic>
-      <p:pic>
-        <p:nvPicPr>
-          <p:cNvPr id="1250" name="그림 4" descr="C:/Users/Admin1/AppData/Roaming/PolarisOffice/ETemp/11500_10679736/fImage136772646334.png"/>
-          <p:cNvPicPr>
-            <a:picLocks noChangeAspect="1"/>
-          </p:cNvPicPr>
-          <p:nvPr/>
-        </p:nvPicPr>
-        <p:blipFill rotWithShape="1">
-          <a:blip r:embed="rId10" cstate="print">
-            <a:extLst>
-              <a:ext uri="{28A0092B-C50C-407E-A947-70E740481C1C}">
-                <a14:useLocalDpi xmlns:a14="http://schemas.microsoft.com/office/drawing/2010/main" val="0"/>
-              </a:ext>
-            </a:extLst>
-          </a:blip>
-          <a:stretch>
-            <a:fillRect/>
-          </a:stretch>
-        </p:blipFill>
-        <p:spPr>
-          <a:xfrm rot="0">
-            <a:off x="6804660" y="1452880"/>
-            <a:ext cx="4161155" cy="1485265"/>
-          </a:xfrm>
-          <a:prstGeom prst="roundRect"/>
-          <a:solidFill>
-            <a:srgbClr val="EDEDED"/>
-          </a:solidFill>
-        </p:spPr>
-      </p:pic>
-      <p:pic>
-        <p:nvPicPr>
-          <p:cNvPr id="1251" name="그림 7" descr="C:/Users/Admin1/AppData/Roaming/PolarisOffice/ETemp/11500_10679736/fImage135822656500.png"/>
-          <p:cNvPicPr>
-            <a:picLocks noChangeAspect="1"/>
-          </p:cNvPicPr>
-          <p:nvPr/>
-        </p:nvPicPr>
-        <p:blipFill rotWithShape="1">
-          <a:blip r:embed="rId11" cstate="print">
-            <a:extLst>
-              <a:ext uri="{28A0092B-C50C-407E-A947-70E740481C1C}">
-                <a14:useLocalDpi xmlns:a14="http://schemas.microsoft.com/office/drawing/2010/main" val="0"/>
-              </a:ext>
-            </a:extLst>
-          </a:blip>
-          <a:stretch>
-            <a:fillRect/>
-          </a:stretch>
-        </p:blipFill>
-        <p:spPr>
-          <a:xfrm rot="0">
-            <a:off x="6816090" y="4030980"/>
-            <a:ext cx="4150360" cy="1456055"/>
-          </a:xfrm>
-          <a:prstGeom prst="roundRect"/>
-          <a:solidFill>
-            <a:srgbClr val="EDEDED"/>
-          </a:solidFill>
-        </p:spPr>
-      </p:pic>
-    </p:spTree>
-  </p:cSld>
-  <p:clrMapOvr>
-    <a:masterClrMapping/>
-  </p:clrMapOvr>
-  <mc:AlternateContent xmlns:mc="http://schemas.openxmlformats.org/markup-compatibility/2006">
-    <mc:Choice xmlns:p14="http://schemas.microsoft.com/office/powerpoint/2010/main" Requires="p14">
-      <p:transition spd="slow" p14:dur="2000"/>
-    </mc:Choice>
-    <mc:Fallback>
-      <p:transition spd="slow"/>
-    </mc:Fallback>
-  </mc:AlternateContent>
-  <p:timing>
-    <p:tnLst>
-      <p:par>
-        <p:cTn id="1" dur="indefinite" restart="never" nodeType="tmRoot"/>
-      </p:par>
-    </p:tnLst>
-  </p:timing>
-</p:sld>
-</file>
-
-<file path=ppt/slides/slide16.xml><?xml version="1.0" encoding="utf-8"?>
-<p:sld xmlns:a="http://schemas.openxmlformats.org/drawingml/2006/main" xmlns:r="http://schemas.openxmlformats.org/officeDocument/2006/relationships" xmlns:p="http://schemas.openxmlformats.org/presentationml/2006/main" xmlns:p14="http://schemas.microsoft.com/office/powerpoint/2010/main">
-  <p:cSld>
-    <p:spTree>
-      <p:nvGrpSpPr>
-        <p:cNvPr id="1" name=""/>
-        <p:cNvGrpSpPr/>
-        <p:nvPr/>
-      </p:nvGrpSpPr>
-      <p:grpSpPr>
-        <a:xfrm>
-          <a:off x="0" y="0"/>
-          <a:ext cx="0" cy="0"/>
-          <a:chOff x="0" y="0"/>
-          <a:chExt cx="0" cy="0"/>
-        </a:xfrm>
-      </p:grpSpPr>
-      <p:sp>
-        <p:nvSpPr>
-          <p:cNvPr id="1031" name="Rect 0"/>
-          <p:cNvSpPr txBox="1">
-            <a:spLocks/>
-          </p:cNvSpPr>
-          <p:nvPr/>
-        </p:nvSpPr>
-        <p:spPr>
-          <a:xfrm>
             <a:off x="4110990" y="327660"/>
             <a:ext cx="3989070" cy="478155"/>
           </a:xfrm>
@@ -12382,8 +10502,8 @@
         </p:nvSpPr>
         <p:spPr>
           <a:xfrm rot="0">
-            <a:off x="1240790" y="3141345"/>
-            <a:ext cx="4135120" cy="677545"/>
+            <a:off x="1240790" y="3230245"/>
+            <a:ext cx="4135755" cy="677545"/>
           </a:xfrm>
           <a:prstGeom prst="rect"/>
           <a:noFill/>
@@ -12410,7 +10530,7 @@
                 <a:latin typeface="맑은 고딕" charset="0"/>
                 <a:ea typeface="맑은 고딕" charset="0"/>
               </a:rPr>
-              <a:t>5.</a:t>
+              <a:t>4</a:t>
             </a:r>
             <a:r>
               <a:rPr lang="ko-KR" sz="2000" b="1">
@@ -12420,63 +10540,42 @@
                 <a:latin typeface="맑은 고딕" charset="0"/>
                 <a:ea typeface="맑은 고딕" charset="0"/>
               </a:rPr>
-              <a:t> </a:t>
-            </a:r>
-            <a:r>
-              <a:rPr lang="ko-KR" sz="1800">
-                <a:latin typeface="맑은 고딕" charset="0"/>
-                <a:ea typeface="맑은 고딕" charset="0"/>
-              </a:rPr>
-              <a:t>그다음 Right Road </a:t>
-            </a:r>
-            <a:r>
-              <a:rPr lang="ko-KR" sz="1800">
-                <a:latin typeface="맑은 고딕" charset="0"/>
-                <a:ea typeface="맑은 고딕" charset="0"/>
-              </a:rPr>
-              <a:t>오브젝트의</a:t>
-            </a:r>
-            <a:r>
-              <a:rPr lang="ko-KR" sz="1800">
-                <a:latin typeface="맑은 고딕" charset="0"/>
-                <a:ea typeface="맑은 고딕" charset="0"/>
-              </a:rPr>
-              <a:t> </a:t>
-            </a:r>
-            <a:r>
-              <a:rPr lang="ko-KR" sz="1800">
-                <a:latin typeface="맑은 고딕" charset="0"/>
-                <a:ea typeface="맑은 고딕" charset="0"/>
-              </a:rPr>
-              <a:t>위치와</a:t>
-            </a:r>
-            <a:r>
-              <a:rPr lang="ko-KR" sz="1800">
-                <a:latin typeface="맑은 고딕" charset="0"/>
-                <a:ea typeface="맑은 고딕" charset="0"/>
-              </a:rPr>
-              <a:t> </a:t>
-            </a:r>
-            <a:r>
-              <a:rPr lang="ko-KR" sz="1800">
-                <a:latin typeface="맑은 고딕" charset="0"/>
-                <a:ea typeface="맑은 고딕" charset="0"/>
-              </a:rPr>
-              <a:t>크기</a:t>
-            </a:r>
-            <a:r>
-              <a:rPr lang="ko-KR" sz="1800">
-                <a:latin typeface="맑은 고딕" charset="0"/>
-                <a:ea typeface="맑은 고딕" charset="0"/>
-              </a:rPr>
-              <a:t> 값을 </a:t>
-            </a:r>
-            <a:r>
-              <a:rPr lang="ko-KR" sz="1800">
-                <a:latin typeface="맑은 고딕" charset="0"/>
-                <a:ea typeface="맑은 고딕" charset="0"/>
-              </a:rPr>
-              <a:t>설정합니다.</a:t>
+              <a:t>. </a:t>
+            </a:r>
+            <a:r>
+              <a:rPr lang="ko-KR" sz="1800">
+                <a:latin typeface="맑은 고딕" charset="0"/>
+                <a:ea typeface="맑은 고딕" charset="0"/>
+              </a:rPr>
+              <a:t>그다음</a:t>
+            </a:r>
+            <a:r>
+              <a:rPr lang="ko-KR" sz="1800">
+                <a:latin typeface="맑은 고딕" charset="0"/>
+                <a:ea typeface="맑은 고딕" charset="0"/>
+              </a:rPr>
+              <a:t>으로 </a:t>
+            </a:r>
+            <a:r>
+              <a:rPr lang="ko-KR" sz="1800">
+                <a:latin typeface="맑은 고딕" charset="0"/>
+                <a:ea typeface="맑은 고딕" charset="0"/>
+              </a:rPr>
+              <a:t>Arrival Point 오브</a:t>
+            </a:r>
+            <a:r>
+              <a:rPr lang="ko-KR" sz="1800">
+                <a:latin typeface="맑은 고딕" charset="0"/>
+                <a:ea typeface="맑은 고딕" charset="0"/>
+              </a:rPr>
+              <a:t>젝트의 </a:t>
+            </a:r>
+            <a:r>
+              <a:rPr lang="ko-KR" sz="1800">
+                <a:latin typeface="맑은 고딕" charset="0"/>
+                <a:ea typeface="맑은 고딕" charset="0"/>
+              </a:rPr>
+              <a:t>위치 값을 설정합니다.</a:t>
             </a:r>
             <a:endParaRPr lang="ko-KR" altLang="en-US" sz="1800">
               <a:latin typeface="맑은 고딕" charset="0"/>
@@ -12495,8 +10594,8 @@
         </p:nvSpPr>
         <p:spPr>
           <a:xfrm rot="0">
-            <a:off x="6839585" y="5252085"/>
-            <a:ext cx="4118610" cy="954405"/>
+            <a:off x="6845935" y="5525135"/>
+            <a:ext cx="4119245" cy="677545"/>
           </a:xfrm>
           <a:prstGeom prst="rect"/>
           <a:noFill/>
@@ -12523,7 +10622,7 @@
                 <a:latin typeface="맑은 고딕" charset="0"/>
                 <a:ea typeface="맑은 고딕" charset="0"/>
               </a:rPr>
-              <a:t>8.</a:t>
+              <a:t>7</a:t>
             </a:r>
             <a:r>
               <a:rPr lang="ko-KR" sz="2000" b="1">
@@ -12533,63 +10632,56 @@
                 <a:latin typeface="맑은 고딕" charset="0"/>
                 <a:ea typeface="맑은 고딕" charset="0"/>
               </a:rPr>
-              <a:t> </a:t>
-            </a:r>
-            <a:r>
-              <a:rPr lang="ko-KR" sz="1800">
-                <a:latin typeface="맑은 고딕" charset="0"/>
-                <a:ea typeface="맑은 고딕" charset="0"/>
-              </a:rPr>
-              <a:t>그리고 Project 폴더에 있는 </a:t>
-            </a:r>
-            <a:r>
-              <a:rPr lang="ko-KR" sz="1800">
-                <a:latin typeface="맑은 고딕" charset="0"/>
-                <a:ea typeface="맑은 고딕" charset="0"/>
-              </a:rPr>
-              <a:t>Model</a:t>
-            </a:r>
-            <a:r>
-              <a:rPr lang="ko-KR" sz="1800">
-                <a:latin typeface="맑은 고딕" charset="0"/>
-                <a:ea typeface="맑은 고딕" charset="0"/>
-              </a:rPr>
-              <a:t> </a:t>
-            </a:r>
-            <a:r>
-              <a:rPr lang="ko-KR" sz="1800">
-                <a:latin typeface="맑은 고딕" charset="0"/>
-                <a:ea typeface="맑은 고딕" charset="0"/>
-              </a:rPr>
-              <a:t>폴더에</a:t>
-            </a:r>
-            <a:r>
-              <a:rPr lang="ko-KR" sz="1800">
-                <a:latin typeface="맑은 고딕" charset="0"/>
-                <a:ea typeface="맑은 고딕" charset="0"/>
-              </a:rPr>
-              <a:t> Robot 모델을 월드 </a:t>
-            </a:r>
-            <a:r>
-              <a:rPr lang="ko-KR" sz="1800">
-                <a:latin typeface="맑은 고딕" charset="0"/>
-                <a:ea typeface="맑은 고딕" charset="0"/>
-              </a:rPr>
-              <a:t>공간에</a:t>
-            </a:r>
-            <a:r>
-              <a:rPr lang="ko-KR" sz="1800">
-                <a:latin typeface="맑은 고딕" charset="0"/>
-                <a:ea typeface="맑은 고딕" charset="0"/>
-              </a:rPr>
-              <a:t> </a:t>
-            </a:r>
-            <a:r>
-              <a:rPr lang="ko-KR" sz="1800">
-                <a:latin typeface="맑은 고딕" charset="0"/>
-                <a:ea typeface="맑은 고딕" charset="0"/>
-              </a:rPr>
-              <a:t>배치합니다.</a:t>
+              <a:t>. </a:t>
+            </a:r>
+            <a:r>
+              <a:rPr lang="ko-KR" sz="1800">
+                <a:latin typeface="맑은 고딕" charset="0"/>
+                <a:ea typeface="맑은 고딕" charset="0"/>
+              </a:rPr>
+              <a:t>그리고 </a:t>
+            </a:r>
+            <a:r>
+              <a:rPr lang="ko-KR" sz="1800">
+                <a:latin typeface="맑은 고딕" charset="0"/>
+                <a:ea typeface="맑은 고딕" charset="0"/>
+              </a:rPr>
+              <a:t>M</a:t>
+            </a:r>
+            <a:r>
+              <a:rPr lang="ko-KR" sz="1800">
+                <a:latin typeface="맑은 고딕" charset="0"/>
+                <a:ea typeface="맑은 고딕" charset="0"/>
+              </a:rPr>
+              <a:t>ain </a:t>
+            </a:r>
+            <a:r>
+              <a:rPr lang="ko-KR" sz="1800">
+                <a:latin typeface="맑은 고딕" charset="0"/>
+                <a:ea typeface="맑은 고딕" charset="0"/>
+              </a:rPr>
+              <a:t>C</a:t>
+            </a:r>
+            <a:r>
+              <a:rPr lang="ko-KR" sz="1800">
+                <a:latin typeface="맑은 고딕" charset="0"/>
+                <a:ea typeface="맑은 고딕" charset="0"/>
+              </a:rPr>
+              <a:t>amera 오브</a:t>
+            </a:r>
+            <a:r>
+              <a:rPr lang="ko-KR" sz="1800">
+                <a:latin typeface="맑은 고딕" charset="0"/>
+                <a:ea typeface="맑은 고딕" charset="0"/>
+              </a:rPr>
+              <a:t>젝트의 </a:t>
+            </a:r>
+            <a:r>
+              <a:rPr lang="ko-KR" sz="1800">
+                <a:latin typeface="맑은 고딕" charset="0"/>
+                <a:ea typeface="맑은 고딕" charset="0"/>
+              </a:rPr>
+              <a:t>위치와 회전 값을 설정합니다.</a:t>
             </a:r>
             <a:endParaRPr lang="ko-KR" altLang="en-US" sz="1800">
               <a:latin typeface="맑은 고딕" charset="0"/>
@@ -12608,8 +10700,8 @@
         </p:nvSpPr>
         <p:spPr>
           <a:xfrm rot="0">
-            <a:off x="1240790" y="5533390"/>
-            <a:ext cx="4117975" cy="677545"/>
+            <a:off x="1240790" y="5520690"/>
+            <a:ext cx="4128135" cy="677545"/>
           </a:xfrm>
           <a:prstGeom prst="rect"/>
           <a:noFill/>
@@ -12636,7 +10728,7 @@
                 <a:latin typeface="맑은 고딕" charset="0"/>
                 <a:ea typeface="맑은 고딕" charset="0"/>
               </a:rPr>
-              <a:t>6.</a:t>
+              <a:t>5</a:t>
             </a:r>
             <a:r>
               <a:rPr lang="ko-KR" sz="2000" b="1">
@@ -12646,63 +10738,35 @@
                 <a:latin typeface="맑은 고딕" charset="0"/>
                 <a:ea typeface="맑은 고딕" charset="0"/>
               </a:rPr>
-              <a:t> </a:t>
-            </a:r>
-            <a:r>
-              <a:rPr lang="ko-KR" sz="1800">
-                <a:latin typeface="맑은 고딕" charset="0"/>
-                <a:ea typeface="맑은 고딕" charset="0"/>
-              </a:rPr>
-              <a:t>그러고 나서 Left Road </a:t>
-            </a:r>
-            <a:r>
-              <a:rPr lang="ko-KR" sz="1800">
-                <a:latin typeface="맑은 고딕" charset="0"/>
-                <a:ea typeface="맑은 고딕" charset="0"/>
-              </a:rPr>
-              <a:t>오브젝트에</a:t>
-            </a:r>
-            <a:r>
-              <a:rPr lang="ko-KR" sz="1800">
-                <a:latin typeface="맑은 고딕" charset="0"/>
-                <a:ea typeface="맑은 고딕" charset="0"/>
-              </a:rPr>
-              <a:t> </a:t>
-            </a:r>
-            <a:r>
-              <a:rPr lang="ko-KR" sz="1800">
-                <a:latin typeface="맑은 고딕" charset="0"/>
-                <a:ea typeface="맑은 고딕" charset="0"/>
-              </a:rPr>
-              <a:t>Contribute</a:t>
-            </a:r>
-            <a:r>
-              <a:rPr lang="ko-KR" sz="1800">
-                <a:latin typeface="맑은 고딕" charset="0"/>
-                <a:ea typeface="맑은 고딕" charset="0"/>
-              </a:rPr>
-              <a:t> </a:t>
-            </a:r>
-            <a:r>
-              <a:rPr lang="ko-KR" sz="1800">
-                <a:latin typeface="맑은 고딕" charset="0"/>
-                <a:ea typeface="맑은 고딕" charset="0"/>
-              </a:rPr>
-              <a:t>GI를</a:t>
-            </a:r>
-            <a:r>
-              <a:rPr lang="ko-KR" sz="1800">
-                <a:latin typeface="맑은 고딕" charset="0"/>
-                <a:ea typeface="맑은 고딕" charset="0"/>
-              </a:rPr>
-              <a:t> </a:t>
-            </a:r>
-            <a:r>
-              <a:rPr lang="ko-KR" sz="1800">
-                <a:latin typeface="맑은 고딕" charset="0"/>
-                <a:ea typeface="맑은 고딕" charset="0"/>
-              </a:rPr>
-              <a:t>설정합니다.</a:t>
+              <a:t>. </a:t>
+            </a:r>
+            <a:r>
+              <a:rPr lang="ko-KR" sz="1800">
+                <a:latin typeface="맑은 고딕" charset="0"/>
+                <a:ea typeface="맑은 고딕" charset="0"/>
+              </a:rPr>
+              <a:t>그러고 나서 </a:t>
+            </a:r>
+            <a:r>
+              <a:rPr lang="ko-KR" sz="1800">
+                <a:latin typeface="맑은 고딕" charset="0"/>
+                <a:ea typeface="맑은 고딕" charset="0"/>
+              </a:rPr>
+              <a:t>R</a:t>
+            </a:r>
+            <a:r>
+              <a:rPr lang="ko-KR" sz="1800">
+                <a:latin typeface="맑은 고딕" charset="0"/>
+                <a:ea typeface="맑은 고딕" charset="0"/>
+              </a:rPr>
+              <a:t>oad</a:t>
+            </a:r>
+            <a:r>
+              <a:rPr lang="ko-KR" sz="1800">
+                <a:latin typeface="맑은 고딕" charset="0"/>
+                <a:ea typeface="맑은 고딕" charset="0"/>
+              </a:rPr>
+              <a:t> 오브젝트에 Contribute GI를 설정합니다.</a:t>
             </a:r>
             <a:endParaRPr lang="ko-KR" altLang="en-US" sz="1800">
               <a:latin typeface="맑은 고딕" charset="0"/>
@@ -12713,7 +10777,7 @@
       </p:sp>
       <p:pic>
         <p:nvPicPr>
-          <p:cNvPr id="1149" name="그림 22" descr="C:/Users/Admin1/AppData/Roaming/PolarisOffice/ETemp/18888_13767696/fImage50303243281.png"/>
+          <p:cNvPr id="1149" name="그림 22" descr="C:/Users/nwond/AppData/Roaming/PolarisOffice/ETemp/19384_9309304/fImage50303243281.png"/>
           <p:cNvPicPr>
             <a:picLocks noChangeAspect="1"/>
           </p:cNvPicPr>
@@ -12733,8 +10797,8 @@
         </p:blipFill>
         <p:spPr>
           <a:xfrm rot="0">
-            <a:off x="3032760" y="3927475"/>
-            <a:ext cx="2335530" cy="1508125"/>
+            <a:off x="3159125" y="3916045"/>
+            <a:ext cx="2221865" cy="1601470"/>
           </a:xfrm>
           <a:prstGeom prst="roundRect"/>
           <a:solidFill>
@@ -12742,16 +10806,101 @@
           </a:solidFill>
         </p:spPr>
       </p:pic>
+      <p:sp>
+        <p:nvSpPr>
+          <p:cNvPr id="1152" name="텍스트 상자 33"/>
+          <p:cNvSpPr txBox="1">
+            <a:spLocks/>
+          </p:cNvSpPr>
+          <p:nvPr/>
+        </p:nvSpPr>
+        <p:spPr>
+          <a:xfrm rot="0">
+            <a:off x="6863715" y="2754630"/>
+            <a:ext cx="4115435" cy="954405"/>
+          </a:xfrm>
+          <a:prstGeom prst="rect"/>
+          <a:noFill/>
+          <a:ln w="0">
+            <a:noFill/>
+            <a:prstDash/>
+          </a:ln>
+        </p:spPr>
+        <p:txBody>
+          <a:bodyPr wrap="square" lIns="89535" tIns="46355" rIns="89535" bIns="46355" numCol="1" vert="horz" anchor="t">
+            <a:spAutoFit/>
+          </a:bodyPr>
+          <a:lstStyle/>
+          <a:p>
+            <a:pPr marL="0" indent="0" algn="l" latinLnBrk="0" hangingPunct="1">
+              <a:buFontTx/>
+              <a:buNone/>
+            </a:pPr>
+            <a:r>
+              <a:rPr lang="ko-KR" sz="2000" b="1">
+                <a:solidFill>
+                  <a:srgbClr val="0611F2"/>
+                </a:solidFill>
+                <a:latin typeface="맑은 고딕" charset="0"/>
+                <a:ea typeface="맑은 고딕" charset="0"/>
+              </a:rPr>
+              <a:t>6</a:t>
+            </a:r>
+            <a:r>
+              <a:rPr lang="ko-KR" sz="2000" b="1">
+                <a:solidFill>
+                  <a:srgbClr val="0611F2"/>
+                </a:solidFill>
+                <a:latin typeface="맑은 고딕" charset="0"/>
+                <a:ea typeface="맑은 고딕" charset="0"/>
+              </a:rPr>
+              <a:t>. </a:t>
+            </a:r>
+            <a:r>
+              <a:rPr lang="ko-KR" sz="1800">
+                <a:latin typeface="맑은 고딕" charset="0"/>
+                <a:ea typeface="맑은 고딕" charset="0"/>
+              </a:rPr>
+              <a:t>이제 Model 폴더에 Street Lamp를 월드 공간에 배치하고 </a:t>
+            </a:r>
+            <a:r>
+              <a:rPr lang="ko-KR" sz="1800">
+                <a:latin typeface="맑은 고딕" charset="0"/>
+                <a:ea typeface="맑은 고딕" charset="0"/>
+              </a:rPr>
+              <a:t>S</a:t>
+            </a:r>
+            <a:r>
+              <a:rPr lang="ko-KR" sz="1800">
+                <a:latin typeface="맑은 고딕" charset="0"/>
+                <a:ea typeface="맑은 고딕" charset="0"/>
+              </a:rPr>
+              <a:t>pot</a:t>
+            </a:r>
+            <a:r>
+              <a:rPr lang="ko-KR" sz="1800">
+                <a:latin typeface="맑은 고딕" charset="0"/>
+                <a:ea typeface="맑은 고딕" charset="0"/>
+              </a:rPr>
+              <a:t> Street Lamp라는 이름으로 정의합니다.</a:t>
+            </a:r>
+            <a:endParaRPr lang="ko-KR" altLang="en-US" sz="1800">
+              <a:latin typeface="맑은 고딕" charset="0"/>
+              <a:ea typeface="맑은 고딕" charset="0"/>
+            </a:endParaRPr>
+          </a:p>
+        </p:txBody>
+      </p:sp>
       <p:pic>
         <p:nvPicPr>
-          <p:cNvPr id="1150" name="그림 24" descr="C:/Users/Admin1/AppData/Roaming/PolarisOffice/ETemp/18888_13767696/fImage58173061478.png"/>
+          <p:cNvPr id="1158" name="그림 17" descr="C:/Users/nwond/AppData/Roaming/PolarisOffice/ETemp/19384_9309304/fImage121792689169.png"/>
           <p:cNvPicPr>
             <a:picLocks noChangeAspect="1"/>
           </p:cNvPicPr>
           <p:nvPr/>
         </p:nvPicPr>
         <p:blipFill rotWithShape="1">
-          <a:blip r:embed="rId11" cstate="print">
+          <a:blip r:embed="rId16" cstate="print">
             <a:extLst>
               <a:ext uri="{28A0092B-C50C-407E-A947-70E740481C1C}">
                 <a14:useLocalDpi xmlns:a14="http://schemas.microsoft.com/office/drawing/2010/main" val="0"/>
@@ -12764,8 +10913,8 @@
         </p:blipFill>
         <p:spPr>
           <a:xfrm rot="0">
-            <a:off x="6843395" y="1455420"/>
-            <a:ext cx="1608455" cy="1499235"/>
+            <a:off x="1242060" y="1458595"/>
+            <a:ext cx="4133215" cy="1788160"/>
           </a:xfrm>
           <a:prstGeom prst="roundRect"/>
           <a:solidFill>
@@ -12775,14 +10924,14 @@
       </p:pic>
       <p:pic>
         <p:nvPicPr>
-          <p:cNvPr id="1151" name="그림 28" descr="C:/Users/Admin1/AppData/Roaming/PolarisOffice/ETemp/18888_13767696/fImage136363089358.png"/>
+          <p:cNvPr id="1159" name="그림 23" descr="C:/Users/nwond/AppData/Roaming/PolarisOffice/ETemp/19384_9309304/fImage56212705724.png"/>
           <p:cNvPicPr>
             <a:picLocks noChangeAspect="1"/>
           </p:cNvPicPr>
           <p:nvPr/>
         </p:nvPicPr>
         <p:blipFill rotWithShape="1">
-          <a:blip r:embed="rId12" cstate="print">
+          <a:blip r:embed="rId17" cstate="print">
             <a:extLst>
               <a:ext uri="{28A0092B-C50C-407E-A947-70E740481C1C}">
                 <a14:useLocalDpi xmlns:a14="http://schemas.microsoft.com/office/drawing/2010/main" val="0"/>
@@ -12795,8 +10944,8 @@
         </p:blipFill>
         <p:spPr>
           <a:xfrm rot="0">
-            <a:off x="1240790" y="1455420"/>
-            <a:ext cx="4135120" cy="1645920"/>
+            <a:off x="1235075" y="3909060"/>
+            <a:ext cx="1818640" cy="1596390"/>
           </a:xfrm>
           <a:prstGeom prst="roundRect"/>
           <a:solidFill>
@@ -12804,146 +10953,16 @@
           </a:solidFill>
         </p:spPr>
       </p:pic>
-      <p:sp>
-        <p:nvSpPr>
-          <p:cNvPr id="1152" name="텍스트 상자 33"/>
-          <p:cNvSpPr txBox="1">
-            <a:spLocks/>
-          </p:cNvSpPr>
-          <p:nvPr/>
-        </p:nvSpPr>
-        <p:spPr>
-          <a:xfrm rot="0">
-            <a:off x="6842125" y="3072130"/>
-            <a:ext cx="4115435" cy="677545"/>
-          </a:xfrm>
-          <a:prstGeom prst="rect"/>
-          <a:noFill/>
-          <a:ln w="0">
-            <a:noFill/>
-            <a:prstDash/>
-          </a:ln>
-        </p:spPr>
-        <p:txBody>
-          <a:bodyPr wrap="square" lIns="89535" tIns="46355" rIns="89535" bIns="46355" numCol="1" vert="horz" anchor="t">
-            <a:spAutoFit/>
-          </a:bodyPr>
-          <a:lstStyle/>
-          <a:p>
-            <a:pPr marL="0" indent="0" algn="l" latinLnBrk="0" hangingPunct="1">
-              <a:buFontTx/>
-              <a:buNone/>
-            </a:pPr>
-            <a:r>
-              <a:rPr lang="ko-KR" sz="2000" b="1">
-                <a:solidFill>
-                  <a:srgbClr val="0611F2"/>
-                </a:solidFill>
-                <a:latin typeface="맑은 고딕" charset="0"/>
-                <a:ea typeface="맑은 고딕" charset="0"/>
-              </a:rPr>
-              <a:t>7.</a:t>
-            </a:r>
-            <a:r>
-              <a:rPr lang="ko-KR" sz="2000" b="1">
-                <a:solidFill>
-                  <a:srgbClr val="0611F2"/>
-                </a:solidFill>
-                <a:latin typeface="맑은 고딕" charset="0"/>
-                <a:ea typeface="맑은 고딕" charset="0"/>
-              </a:rPr>
-              <a:t> </a:t>
-            </a:r>
-            <a:r>
-              <a:rPr lang="ko-KR" sz="1800">
-                <a:latin typeface="맑은 고딕" charset="0"/>
-                <a:ea typeface="맑은 고딕" charset="0"/>
-              </a:rPr>
-              <a:t>이제 Right Road 오브젝트에 </a:t>
-            </a:r>
-            <a:r>
-              <a:rPr lang="ko-KR" sz="1800">
-                <a:latin typeface="맑은 고딕" charset="0"/>
-                <a:ea typeface="맑은 고딕" charset="0"/>
-              </a:rPr>
-              <a:t>Contribute</a:t>
-            </a:r>
-            <a:r>
-              <a:rPr lang="ko-KR" sz="1800">
-                <a:latin typeface="맑은 고딕" charset="0"/>
-                <a:ea typeface="맑은 고딕" charset="0"/>
-              </a:rPr>
-              <a:t> </a:t>
-            </a:r>
-            <a:r>
-              <a:rPr lang="ko-KR" sz="1800">
-                <a:latin typeface="맑은 고딕" charset="0"/>
-                <a:ea typeface="맑은 고딕" charset="0"/>
-              </a:rPr>
-              <a:t>GI를</a:t>
-            </a:r>
-            <a:r>
-              <a:rPr lang="ko-KR" sz="1800">
-                <a:latin typeface="맑은 고딕" charset="0"/>
-                <a:ea typeface="맑은 고딕" charset="0"/>
-              </a:rPr>
-              <a:t> </a:t>
-            </a:r>
-            <a:r>
-              <a:rPr lang="ko-KR" sz="1800">
-                <a:latin typeface="맑은 고딕" charset="0"/>
-                <a:ea typeface="맑은 고딕" charset="0"/>
-              </a:rPr>
-              <a:t>설정합니다.</a:t>
-            </a:r>
-            <a:endParaRPr lang="ko-KR" altLang="en-US" sz="1800">
-              <a:latin typeface="맑은 고딕" charset="0"/>
-              <a:ea typeface="맑은 고딕" charset="0"/>
-            </a:endParaRPr>
-          </a:p>
-        </p:txBody>
-      </p:sp>
       <p:pic>
         <p:nvPicPr>
-          <p:cNvPr id="1153" name="그림 34" descr="C:/Users/Admin1/AppData/Roaming/PolarisOffice/ETemp/18888_13767696/fImage50303243281.png"/>
+          <p:cNvPr id="1160" name="그림 26" descr="C:/Users/nwond/AppData/Roaming/PolarisOffice/ETemp/19384_9309304/fImage70242711478.png"/>
           <p:cNvPicPr>
             <a:picLocks noChangeAspect="1"/>
           </p:cNvPicPr>
           <p:nvPr/>
         </p:nvPicPr>
         <p:blipFill rotWithShape="1">
-          <a:blip r:embed="rId10" cstate="hqprint">
-            <a:extLst>
-              <a:ext uri="{28A0092B-C50C-407E-A947-70E740481C1C}">
-                <a14:useLocalDpi xmlns:a14="http://schemas.microsoft.com/office/drawing/2010/main"/>
-              </a:ext>
-            </a:extLst>
-          </a:blip>
-          <a:stretch>
-            <a:fillRect/>
-          </a:stretch>
-        </p:blipFill>
-        <p:spPr>
-          <a:xfrm rot="0">
-            <a:off x="8605520" y="1458595"/>
-            <a:ext cx="2355215" cy="1504950"/>
-          </a:xfrm>
-          <a:prstGeom prst="roundRect"/>
-          <a:solidFill>
-            <a:srgbClr val="EDEDED"/>
-          </a:solidFill>
-        </p:spPr>
-      </p:pic>
-      <p:pic>
-        <p:nvPicPr>
-          <p:cNvPr id="1155" name="그림 55" descr="C:/Users/Admin1/AppData/Roaming/PolarisOffice/ETemp/18888_13767696/fImage69283246962.png"/>
-          <p:cNvPicPr>
-            <a:picLocks noChangeAspect="1"/>
-          </p:cNvPicPr>
-          <p:nvPr/>
-        </p:nvPicPr>
-        <p:blipFill rotWithShape="1">
-          <a:blip r:embed="rId13" cstate="print">
+          <a:blip r:embed="rId18" cstate="print">
             <a:extLst>
               <a:ext uri="{28A0092B-C50C-407E-A947-70E740481C1C}">
                 <a14:useLocalDpi xmlns:a14="http://schemas.microsoft.com/office/drawing/2010/main" val="0"/>
@@ -12956,8 +10975,8 @@
         </p:blipFill>
         <p:spPr>
           <a:xfrm rot="0">
-            <a:off x="8338185" y="3893820"/>
-            <a:ext cx="2619375" cy="1240790"/>
+            <a:off x="6840220" y="1458595"/>
+            <a:ext cx="1494790" cy="1291590"/>
           </a:xfrm>
           <a:prstGeom prst="roundRect"/>
           <a:solidFill>
@@ -12967,14 +10986,14 @@
       </p:pic>
       <p:pic>
         <p:nvPicPr>
-          <p:cNvPr id="1156" name="그림 58" descr="C:/Users/Admin1/AppData/Roaming/PolarisOffice/ETemp/18888_13767696/fImage57863254464.png"/>
+          <p:cNvPr id="1161" name="그림 29" descr="C:/Users/nwond/AppData/Roaming/PolarisOffice/ETemp/19384_9309304/fImage109952729358.png"/>
           <p:cNvPicPr>
             <a:picLocks noChangeAspect="1"/>
           </p:cNvPicPr>
           <p:nvPr/>
         </p:nvPicPr>
         <p:blipFill rotWithShape="1">
-          <a:blip r:embed="rId14" cstate="print">
+          <a:blip r:embed="rId19" cstate="print">
             <a:extLst>
               <a:ext uri="{28A0092B-C50C-407E-A947-70E740481C1C}">
                 <a14:useLocalDpi xmlns:a14="http://schemas.microsoft.com/office/drawing/2010/main" val="0"/>
@@ -12987,8 +11006,8 @@
         </p:blipFill>
         <p:spPr>
           <a:xfrm rot="0">
-            <a:off x="1242060" y="3921760"/>
-            <a:ext cx="1604010" cy="1516380"/>
+            <a:off x="8452485" y="1464945"/>
+            <a:ext cx="2501900" cy="1285240"/>
           </a:xfrm>
           <a:prstGeom prst="roundRect"/>
           <a:solidFill>
@@ -12998,38 +11017,7 @@
       </p:pic>
       <p:pic>
         <p:nvPicPr>
-          <p:cNvPr id="1157" name="그림 59" descr="C:/Users/Admin1/AppData/Roaming/PolarisOffice/ETemp/18888_13767696/fImage64153265705.png"/>
-          <p:cNvPicPr>
-            <a:picLocks noChangeAspect="1"/>
-          </p:cNvPicPr>
-          <p:nvPr/>
-        </p:nvPicPr>
-        <p:blipFill rotWithShape="1">
-          <a:blip r:embed="rId15" cstate="print">
-            <a:extLst>
-              <a:ext uri="{28A0092B-C50C-407E-A947-70E740481C1C}">
-                <a14:useLocalDpi xmlns:a14="http://schemas.microsoft.com/office/drawing/2010/main" val="0"/>
-              </a:ext>
-            </a:extLst>
-          </a:blip>
-          <a:stretch>
-            <a:fillRect/>
-          </a:stretch>
-        </p:blipFill>
-        <p:spPr>
-          <a:xfrm rot="0">
-            <a:off x="6840220" y="3902075"/>
-            <a:ext cx="1395095" cy="1223645"/>
-          </a:xfrm>
-          <a:prstGeom prst="roundRect"/>
-          <a:solidFill>
-            <a:srgbClr val="EDEDED"/>
-          </a:solidFill>
-        </p:spPr>
-      </p:pic>
-      <p:pic>
-        <p:nvPicPr>
-          <p:cNvPr id="1147" name="그림 10" descr="C:/Users/Admin1/AppData/Roaming/PolarisOffice/ETemp/18888_13767696/fImage22421721541.png"/>
+          <p:cNvPr id="1162" name="그림 32" descr="C:/Users/nwond/AppData/Roaming/PolarisOffice/ETemp/19384_9309304/fImage22421721541.png"/>
           <p:cNvPicPr>
             <a:picLocks noChangeAspect="1"/>
           </p:cNvPicPr>
@@ -13049,11 +11037,42 @@
         </p:blipFill>
         <p:spPr>
           <a:xfrm rot="10800000">
-            <a:off x="7941310" y="4333240"/>
-            <a:ext cx="626110" cy="352425"/>
+            <a:off x="8037195" y="1899920"/>
+            <a:ext cx="770255" cy="416560"/>
           </a:xfrm>
           <a:prstGeom prst="rect"/>
           <a:noFill/>
+        </p:spPr>
+      </p:pic>
+      <p:pic>
+        <p:nvPicPr>
+          <p:cNvPr id="1163" name="그림 33" descr="C:/Users/nwond/AppData/Roaming/PolarisOffice/ETemp/19384_9309304/fImage129832746962.png"/>
+          <p:cNvPicPr>
+            <a:picLocks noChangeAspect="1"/>
+          </p:cNvPicPr>
+          <p:nvPr/>
+        </p:nvPicPr>
+        <p:blipFill rotWithShape="1">
+          <a:blip r:embed="rId20" cstate="print">
+            <a:extLst>
+              <a:ext uri="{28A0092B-C50C-407E-A947-70E740481C1C}">
+                <a14:useLocalDpi xmlns:a14="http://schemas.microsoft.com/office/drawing/2010/main" val="0"/>
+              </a:ext>
+            </a:extLst>
+          </a:blip>
+          <a:stretch>
+            <a:fillRect/>
+          </a:stretch>
+        </p:blipFill>
+        <p:spPr>
+          <a:xfrm rot="0">
+            <a:off x="6844665" y="3729990"/>
+            <a:ext cx="4116070" cy="1807210"/>
+          </a:xfrm>
+          <a:prstGeom prst="roundRect"/>
+          <a:solidFill>
+            <a:srgbClr val="EDEDED"/>
+          </a:solidFill>
         </p:spPr>
       </p:pic>
     </p:spTree>
@@ -13158,7 +11177,7 @@
       </p:sp>
       <p:pic>
         <p:nvPicPr>
-          <p:cNvPr id="1154" name="그림 11" descr="C:/Users/Admin1/AppData/Roaming/PolarisOffice/ETemp/18888_13767696/fImage828938141.png"/>
+          <p:cNvPr id="1154" name="그림 11" descr="C:/Users/nwond/AppData/Roaming/PolarisOffice/ETemp/19384_9309304/fImage828938141.png"/>
           <p:cNvPicPr>
             <a:picLocks noChangeAspect="1"/>
           </p:cNvPicPr>
@@ -13178,8 +11197,8 @@
         </p:blipFill>
         <p:spPr>
           <a:xfrm rot="0">
-            <a:off x="1249045" y="1464310"/>
-            <a:ext cx="2680335" cy="3842385"/>
+            <a:off x="1235075" y="1470660"/>
+            <a:ext cx="2707640" cy="3843020"/>
           </a:xfrm>
           <a:prstGeom prst="roundRect"/>
           <a:solidFill>
@@ -13197,8 +11216,8 @@
         </p:nvSpPr>
         <p:spPr>
           <a:xfrm rot="0">
-            <a:off x="1260475" y="5467985"/>
-            <a:ext cx="4116070" cy="677545"/>
+            <a:off x="1228725" y="5467985"/>
+            <a:ext cx="4148455" cy="677545"/>
           </a:xfrm>
           <a:prstGeom prst="rect"/>
           <a:noFill/>
@@ -13225,7 +11244,7 @@
                 <a:latin typeface="맑은 고딕" charset="0"/>
                 <a:ea typeface="맑은 고딕" charset="0"/>
               </a:rPr>
-              <a:t>9.</a:t>
+              <a:t>8</a:t>
             </a:r>
             <a:r>
               <a:rPr lang="ko-KR" sz="2000" b="1">
@@ -13235,7 +11254,7 @@
                 <a:latin typeface="맑은 고딕" charset="0"/>
                 <a:ea typeface="맑은 고딕" charset="0"/>
               </a:rPr>
-              <a:t> </a:t>
+              <a:t>. </a:t>
             </a:r>
             <a:r>
               <a:rPr lang="ko-KR" sz="1800">
@@ -13256,35 +11275,7 @@
                 <a:latin typeface="맑은 고딕" charset="0"/>
                 <a:ea typeface="맑은 고딕" charset="0"/>
               </a:rPr>
-              <a:t> </a:t>
-            </a:r>
-            <a:r>
-              <a:rPr sz="1800">
-                <a:latin typeface="맑은 고딕" charset="0"/>
-                <a:ea typeface="맑은 고딕" charset="0"/>
-              </a:rPr>
-              <a:t>Movement</a:t>
-            </a:r>
-            <a:r>
-              <a:rPr sz="1800">
-                <a:latin typeface="맑은 고딕" charset="0"/>
-                <a:ea typeface="맑은 고딕" charset="0"/>
-              </a:rPr>
-              <a:t> </a:t>
-            </a:r>
-            <a:r>
-              <a:rPr sz="1800">
-                <a:latin typeface="맑은 고딕" charset="0"/>
-                <a:ea typeface="맑은 고딕" charset="0"/>
-              </a:rPr>
-              <a:t>라는</a:t>
-            </a:r>
-            <a:r>
-              <a:rPr sz="1800">
-                <a:latin typeface="맑은 고딕" charset="0"/>
-                <a:ea typeface="맑은 고딕" charset="0"/>
-              </a:rPr>
-              <a:t> 이름으로 정의합니다.</a:t>
+              <a:t> Movement 라는 이름으로 정의합니다.</a:t>
             </a:r>
             <a:endParaRPr lang="ko-KR" altLang="en-US" sz="1800">
               <a:latin typeface="맑은 고딕" charset="0"/>
@@ -13295,7 +11286,7 @@
       </p:sp>
       <p:pic>
         <p:nvPicPr>
-          <p:cNvPr id="1157" name="그림 14" descr="C:/Users/Admin1/AppData/Roaming/PolarisOffice/ETemp/18888_13767696/fImage25863848467.png"/>
+          <p:cNvPr id="1157" name="그림 14"/>
           <p:cNvPicPr>
             <a:picLocks noChangeAspect="1"/>
           </p:cNvPicPr>
@@ -13326,7 +11317,7 @@
       </p:pic>
       <p:pic>
         <p:nvPicPr>
-          <p:cNvPr id="1155" name="그림 12" descr="C:/Users/Admin1/AppData/Roaming/PolarisOffice/ETemp/18888_13767696/fImage2242173826334.png"/>
+          <p:cNvPr id="1155" name="그림 12"/>
           <p:cNvPicPr>
             <a:picLocks noChangeAspect="1"/>
           </p:cNvPicPr>
@@ -13353,16 +11344,139 @@
           <a:noFill/>
         </p:spPr>
       </p:pic>
+      <p:sp>
+        <p:nvSpPr>
+          <p:cNvPr id="1158" name="텍스트 상자 48"/>
+          <p:cNvSpPr txBox="1">
+            <a:spLocks/>
+          </p:cNvSpPr>
+          <p:nvPr/>
+        </p:nvSpPr>
+        <p:spPr>
+          <a:xfrm rot="0">
+            <a:off x="6809740" y="5190490"/>
+            <a:ext cx="4140835" cy="954405"/>
+          </a:xfrm>
+          <a:prstGeom prst="rect"/>
+          <a:noFill/>
+          <a:ln w="0">
+            <a:noFill/>
+            <a:prstDash/>
+          </a:ln>
+        </p:spPr>
+        <p:txBody>
+          <a:bodyPr wrap="square" lIns="89535" tIns="46355" rIns="89535" bIns="46355" numCol="1" vert="horz" anchor="t">
+            <a:spAutoFit/>
+          </a:bodyPr>
+          <a:lstStyle/>
+          <a:p>
+            <a:pPr marL="0" indent="0" algn="l" latinLnBrk="0" hangingPunct="1">
+              <a:buFontTx/>
+              <a:buNone/>
+            </a:pPr>
+            <a:r>
+              <a:rPr lang="ko-KR" sz="2000" b="1">
+                <a:solidFill>
+                  <a:srgbClr val="0611F2"/>
+                </a:solidFill>
+                <a:latin typeface="맑은 고딕" charset="0"/>
+                <a:ea typeface="맑은 고딕" charset="0"/>
+              </a:rPr>
+              <a:t>9</a:t>
+            </a:r>
+            <a:r>
+              <a:rPr lang="ko-KR" sz="2000" b="1">
+                <a:solidFill>
+                  <a:srgbClr val="0611F2"/>
+                </a:solidFill>
+                <a:latin typeface="맑은 고딕" charset="0"/>
+                <a:ea typeface="맑은 고딕" charset="0"/>
+              </a:rPr>
+              <a:t>. </a:t>
+            </a:r>
+            <a:r>
+              <a:rPr lang="ko-KR" sz="1800">
+                <a:latin typeface="맑은 고딕" charset="0"/>
+                <a:ea typeface="맑은 고딕" charset="0"/>
+              </a:rPr>
+              <a:t>그다음</a:t>
+            </a:r>
+            <a:r>
+              <a:rPr lang="ko-KR" sz="1800">
+                <a:latin typeface="맑은 고딕" charset="0"/>
+                <a:ea typeface="맑은 고딕" charset="0"/>
+              </a:rPr>
+              <a:t>으로</a:t>
+            </a:r>
+            <a:r>
+              <a:rPr lang="ko-KR" sz="1800">
+                <a:latin typeface="맑은 고딕" charset="0"/>
+                <a:ea typeface="맑은 고딕" charset="0"/>
+              </a:rPr>
+              <a:t> Spot Street Lamp 오브젝트의 하위 오브젝트로 Light에 Spot</a:t>
+            </a:r>
+            <a:r>
+              <a:rPr lang="ko-KR" sz="1800">
+                <a:latin typeface="맑은 고딕" charset="0"/>
+                <a:ea typeface="맑은 고딕" charset="0"/>
+              </a:rPr>
+              <a:t>l</a:t>
+            </a:r>
+            <a:r>
+              <a:rPr lang="ko-KR" sz="1800">
+                <a:latin typeface="맑은 고딕" charset="0"/>
+                <a:ea typeface="맑은 고딕" charset="0"/>
+              </a:rPr>
+              <a:t>ight를 생성합니다.</a:t>
+            </a:r>
+            <a:endParaRPr lang="ko-KR" altLang="en-US" sz="1800">
+              <a:latin typeface="맑은 고딕" charset="0"/>
+              <a:ea typeface="맑은 고딕" charset="0"/>
+            </a:endParaRPr>
+          </a:p>
+        </p:txBody>
+      </p:sp>
       <p:pic>
         <p:nvPicPr>
-          <p:cNvPr id="1158" name="그림 62" descr="C:/Users/Admin1/AppData/Roaming/PolarisOffice/ETemp/18888_13767696/fImage139043278145.png"/>
+          <p:cNvPr id="1159" name="그림 49" descr="C:/Users/nwond/AppData/Roaming/PolarisOffice/ETemp/19384_9309304/fImage2321137641.png"/>
           <p:cNvPicPr>
             <a:picLocks noChangeAspect="1"/>
           </p:cNvPicPr>
           <p:nvPr/>
         </p:nvPicPr>
         <p:blipFill rotWithShape="1">
-          <a:blip r:embed="rId12" cstate="print">
+          <a:blip r:embed="rId15" cstate="hqprint">
+            <a:extLst>
+              <a:ext uri="{28A0092B-C50C-407E-A947-70E740481C1C}">
+                <a14:useLocalDpi xmlns:a14="http://schemas.microsoft.com/office/drawing/2010/main"/>
+              </a:ext>
+            </a:extLst>
+          </a:blip>
+          <a:stretch>
+            <a:fillRect/>
+          </a:stretch>
+        </p:blipFill>
+        <p:spPr>
+          <a:xfrm rot="0">
+            <a:off x="6814185" y="1471295"/>
+            <a:ext cx="2706370" cy="3587750"/>
+          </a:xfrm>
+          <a:prstGeom prst="roundRect"/>
+          <a:solidFill>
+            <a:srgbClr val="EDEDED"/>
+          </a:solidFill>
+        </p:spPr>
+      </p:pic>
+      <p:pic>
+        <p:nvPicPr>
+          <p:cNvPr id="1160" name="그림 50" descr="C:/Users/nwond/AppData/Roaming/PolarisOffice/ETemp/19384_9309304/fImage82712844464.png"/>
+          <p:cNvPicPr>
+            <a:picLocks noChangeAspect="1"/>
+          </p:cNvPicPr>
+          <p:nvPr/>
+        </p:nvPicPr>
+        <p:blipFill rotWithShape="1">
+          <a:blip r:embed="rId16" cstate="print">
             <a:extLst>
               <a:ext uri="{28A0092B-C50C-407E-A947-70E740481C1C}">
                 <a14:useLocalDpi xmlns:a14="http://schemas.microsoft.com/office/drawing/2010/main" val="0"/>
@@ -13375,8 +11489,8 @@
         </p:blipFill>
         <p:spPr>
           <a:xfrm rot="0">
-            <a:off x="6822440" y="1464310"/>
-            <a:ext cx="4135120" cy="1387475"/>
+            <a:off x="9625330" y="2377440"/>
+            <a:ext cx="1322705" cy="1775460"/>
           </a:xfrm>
           <a:prstGeom prst="roundRect"/>
           <a:solidFill>
@@ -13384,307 +11498,6 @@
           </a:solidFill>
         </p:spPr>
       </p:pic>
-      <p:sp>
-        <p:nvSpPr>
-          <p:cNvPr id="1159" name="텍스트 상자 65"/>
-          <p:cNvSpPr txBox="1">
-            <a:spLocks/>
-          </p:cNvSpPr>
-          <p:nvPr/>
-        </p:nvSpPr>
-        <p:spPr>
-          <a:xfrm rot="0">
-            <a:off x="6813550" y="2926715"/>
-            <a:ext cx="4143375" cy="954405"/>
-          </a:xfrm>
-          <a:prstGeom prst="rect"/>
-          <a:noFill/>
-          <a:ln w="0">
-            <a:noFill/>
-            <a:prstDash/>
-          </a:ln>
-        </p:spPr>
-        <p:txBody>
-          <a:bodyPr wrap="square" lIns="89535" tIns="46355" rIns="89535" bIns="46355" numCol="1" vert="horz" anchor="t">
-            <a:spAutoFit/>
-          </a:bodyPr>
-          <a:lstStyle/>
-          <a:p>
-            <a:pPr marL="0" indent="0" algn="l" latinLnBrk="0" hangingPunct="1">
-              <a:buFontTx/>
-              <a:buNone/>
-            </a:pPr>
-            <a:r>
-              <a:rPr lang="ko-KR" sz="2000" b="1">
-                <a:solidFill>
-                  <a:srgbClr val="0611F2"/>
-                </a:solidFill>
-                <a:latin typeface="맑은 고딕" charset="0"/>
-                <a:ea typeface="맑은 고딕" charset="0"/>
-              </a:rPr>
-              <a:t>1</a:t>
-            </a:r>
-            <a:r>
-              <a:rPr lang="ko-KR" sz="2000" b="1">
-                <a:solidFill>
-                  <a:srgbClr val="0611F2"/>
-                </a:solidFill>
-                <a:latin typeface="맑은 고딕" charset="0"/>
-                <a:ea typeface="맑은 고딕" charset="0"/>
-              </a:rPr>
-              <a:t>0</a:t>
-            </a:r>
-            <a:r>
-              <a:rPr lang="ko-KR" sz="2000" b="1">
-                <a:solidFill>
-                  <a:srgbClr val="0611F2"/>
-                </a:solidFill>
-                <a:latin typeface="맑은 고딕" charset="0"/>
-                <a:ea typeface="맑은 고딕" charset="0"/>
-              </a:rPr>
-              <a:t>.</a:t>
-            </a:r>
-            <a:r>
-              <a:rPr lang="ko-KR" sz="2000" b="1">
-                <a:solidFill>
-                  <a:srgbClr val="0611F2"/>
-                </a:solidFill>
-                <a:latin typeface="맑은 고딕" charset="0"/>
-                <a:ea typeface="맑은 고딕" charset="0"/>
-              </a:rPr>
-              <a:t> </a:t>
-            </a:r>
-            <a:r>
-              <a:rPr lang="ko-KR" sz="1800">
-                <a:latin typeface="맑은 고딕" charset="0"/>
-                <a:ea typeface="맑은 고딕" charset="0"/>
-              </a:rPr>
-              <a:t>그다음으로 Robot 오브젝트의 </a:t>
-            </a:r>
-            <a:r>
-              <a:rPr lang="ko-KR" sz="1800">
-                <a:latin typeface="맑은 고딕" charset="0"/>
-                <a:ea typeface="맑은 고딕" charset="0"/>
-              </a:rPr>
-              <a:t>위치와</a:t>
-            </a:r>
-            <a:r>
-              <a:rPr lang="ko-KR" sz="1800">
-                <a:latin typeface="맑은 고딕" charset="0"/>
-                <a:ea typeface="맑은 고딕" charset="0"/>
-              </a:rPr>
-              <a:t> </a:t>
-            </a:r>
-            <a:r>
-              <a:rPr lang="ko-KR" sz="1800">
-                <a:latin typeface="맑은 고딕" charset="0"/>
-                <a:ea typeface="맑은 고딕" charset="0"/>
-              </a:rPr>
-              <a:t>회전 </a:t>
-            </a:r>
-            <a:r>
-              <a:rPr lang="ko-KR" sz="1800">
-                <a:latin typeface="맑은 고딕" charset="0"/>
-                <a:ea typeface="맑은 고딕" charset="0"/>
-              </a:rPr>
-              <a:t>값을 설정하고 크기 값을 </a:t>
-            </a:r>
-            <a:r>
-              <a:rPr lang="ko-KR" sz="1800">
-                <a:latin typeface="맑은 고딕" charset="0"/>
-                <a:ea typeface="맑은 고딕" charset="0"/>
-              </a:rPr>
-              <a:t>설정합니</a:t>
-            </a:r>
-            <a:r>
-              <a:rPr lang="ko-KR" sz="1800">
-                <a:latin typeface="맑은 고딕" charset="0"/>
-                <a:ea typeface="맑은 고딕" charset="0"/>
-              </a:rPr>
-              <a:t>다.</a:t>
-            </a:r>
-            <a:endParaRPr lang="ko-KR" altLang="en-US" sz="1800">
-              <a:latin typeface="맑은 고딕" charset="0"/>
-              <a:ea typeface="맑은 고딕" charset="0"/>
-            </a:endParaRPr>
-          </a:p>
-        </p:txBody>
-      </p:sp>
-      <p:pic>
-        <p:nvPicPr>
-          <p:cNvPr id="1160" name="그림 68" descr="C:/Users/Admin1/AppData/Roaming/PolarisOffice/ETemp/18888_13767696/fImage50303243281.png"/>
-          <p:cNvPicPr>
-            <a:picLocks noChangeAspect="1"/>
-          </p:cNvPicPr>
-          <p:nvPr/>
-        </p:nvPicPr>
-        <p:blipFill rotWithShape="1">
-          <a:blip r:embed="rId13" cstate="hqprint">
-            <a:extLst>
-              <a:ext uri="{28A0092B-C50C-407E-A947-70E740481C1C}">
-                <a14:useLocalDpi xmlns:a14="http://schemas.microsoft.com/office/drawing/2010/main"/>
-              </a:ext>
-            </a:extLst>
-          </a:blip>
-          <a:stretch>
-            <a:fillRect/>
-          </a:stretch>
-        </p:blipFill>
-        <p:spPr>
-          <a:xfrm rot="0">
-            <a:off x="8614410" y="4013835"/>
-            <a:ext cx="2351405" cy="1387475"/>
-          </a:xfrm>
-          <a:prstGeom prst="roundRect"/>
-          <a:solidFill>
-            <a:srgbClr val="EDEDED"/>
-          </a:solidFill>
-        </p:spPr>
-      </p:pic>
-      <p:pic>
-        <p:nvPicPr>
-          <p:cNvPr id="1161" name="그림 69" descr="C:/Users/Admin1/AppData/Roaming/PolarisOffice/ETemp/18888_13767696/fImage64153323281.png"/>
-          <p:cNvPicPr>
-            <a:picLocks noChangeAspect="1"/>
-          </p:cNvPicPr>
-          <p:nvPr/>
-        </p:nvPicPr>
-        <p:blipFill rotWithShape="1">
-          <a:blip r:embed="rId14" cstate="print">
-            <a:extLst>
-              <a:ext uri="{28A0092B-C50C-407E-A947-70E740481C1C}">
-                <a14:useLocalDpi xmlns:a14="http://schemas.microsoft.com/office/drawing/2010/main" val="0"/>
-              </a:ext>
-            </a:extLst>
-          </a:blip>
-          <a:stretch>
-            <a:fillRect/>
-          </a:stretch>
-        </p:blipFill>
-        <p:spPr>
-          <a:xfrm rot="0">
-            <a:off x="6822440" y="4002405"/>
-            <a:ext cx="1628140" cy="1398905"/>
-          </a:xfrm>
-          <a:prstGeom prst="roundRect"/>
-          <a:solidFill>
-            <a:srgbClr val="EDEDED"/>
-          </a:solidFill>
-        </p:spPr>
-      </p:pic>
-      <p:sp>
-        <p:nvSpPr>
-          <p:cNvPr id="1162" name="텍스트 상자 70"/>
-          <p:cNvSpPr txBox="1">
-            <a:spLocks/>
-          </p:cNvSpPr>
-          <p:nvPr/>
-        </p:nvSpPr>
-        <p:spPr>
-          <a:xfrm rot="0">
-            <a:off x="6816090" y="5470525"/>
-            <a:ext cx="4143375" cy="677545"/>
-          </a:xfrm>
-          <a:prstGeom prst="rect"/>
-          <a:noFill/>
-          <a:ln w="0">
-            <a:noFill/>
-            <a:prstDash/>
-          </a:ln>
-        </p:spPr>
-        <p:txBody>
-          <a:bodyPr wrap="square" lIns="89535" tIns="46355" rIns="89535" bIns="46355" numCol="1" vert="horz" anchor="t">
-            <a:spAutoFit/>
-          </a:bodyPr>
-          <a:lstStyle/>
-          <a:p>
-            <a:pPr marL="0" indent="0" algn="l" latinLnBrk="0" hangingPunct="1">
-              <a:buFontTx/>
-              <a:buNone/>
-            </a:pPr>
-            <a:r>
-              <a:rPr lang="ko-KR" sz="2000" b="1">
-                <a:solidFill>
-                  <a:srgbClr val="0611F2"/>
-                </a:solidFill>
-                <a:latin typeface="맑은 고딕" charset="0"/>
-                <a:ea typeface="맑은 고딕" charset="0"/>
-              </a:rPr>
-              <a:t>11.</a:t>
-            </a:r>
-            <a:r>
-              <a:rPr lang="ko-KR" sz="2000" b="1">
-                <a:solidFill>
-                  <a:srgbClr val="0611F2"/>
-                </a:solidFill>
-                <a:latin typeface="맑은 고딕" charset="0"/>
-                <a:ea typeface="맑은 고딕" charset="0"/>
-              </a:rPr>
-              <a:t> </a:t>
-            </a:r>
-            <a:r>
-              <a:rPr lang="ko-KR" sz="1800">
-                <a:latin typeface="맑은 고딕" charset="0"/>
-                <a:ea typeface="맑은 고딕" charset="0"/>
-              </a:rPr>
-              <a:t>그러고 나서 Robot </a:t>
-            </a:r>
-            <a:r>
-              <a:rPr lang="ko-KR" sz="1800">
-                <a:latin typeface="맑은 고딕" charset="0"/>
-                <a:ea typeface="맑은 고딕" charset="0"/>
-              </a:rPr>
-              <a:t>오브젝트에</a:t>
-            </a:r>
-            <a:r>
-              <a:rPr lang="ko-KR" sz="1800">
-                <a:latin typeface="맑은 고딕" charset="0"/>
-                <a:ea typeface="맑은 고딕" charset="0"/>
-              </a:rPr>
-              <a:t> </a:t>
-            </a:r>
-            <a:r>
-              <a:rPr lang="ko-KR" sz="1800">
-                <a:latin typeface="맑은 고딕" charset="0"/>
-                <a:ea typeface="맑은 고딕" charset="0"/>
-              </a:rPr>
-              <a:t>Contribute</a:t>
-            </a:r>
-            <a:r>
-              <a:rPr lang="ko-KR" sz="1800">
-                <a:latin typeface="맑은 고딕" charset="0"/>
-                <a:ea typeface="맑은 고딕" charset="0"/>
-              </a:rPr>
-              <a:t> </a:t>
-            </a:r>
-            <a:r>
-              <a:rPr lang="ko-KR" sz="1800">
-                <a:latin typeface="맑은 고딕" charset="0"/>
-                <a:ea typeface="맑은 고딕" charset="0"/>
-              </a:rPr>
-              <a:t>GI를</a:t>
-            </a:r>
-            <a:r>
-              <a:rPr lang="ko-KR" sz="1800">
-                <a:latin typeface="맑은 고딕" charset="0"/>
-                <a:ea typeface="맑은 고딕" charset="0"/>
-              </a:rPr>
-              <a:t> </a:t>
-            </a:r>
-            <a:r>
-              <a:rPr lang="ko-KR" sz="1800">
-                <a:latin typeface="맑은 고딕" charset="0"/>
-                <a:ea typeface="맑은 고딕" charset="0"/>
-              </a:rPr>
-              <a:t>설정합니다.</a:t>
-            </a:r>
-            <a:endParaRPr lang="ko-KR" altLang="en-US" sz="1800">
-              <a:latin typeface="맑은 고딕" charset="0"/>
-              <a:ea typeface="맑은 고딕" charset="0"/>
-            </a:endParaRPr>
-          </a:p>
-        </p:txBody>
-      </p:sp>
     </p:spTree>
   </p:cSld>
   <p:clrMapOvr>
@@ -13795,8 +11608,8 @@
         </p:nvSpPr>
         <p:spPr>
           <a:xfrm rot="0">
-            <a:off x="6830695" y="5198110"/>
-            <a:ext cx="4117975" cy="954405"/>
+            <a:off x="6820535" y="5558155"/>
+            <a:ext cx="4146550" cy="647065"/>
           </a:xfrm>
           <a:prstGeom prst="rect"/>
           <a:noFill/>
@@ -13811,6 +11624,172 @@
           </a:bodyPr>
           <a:lstStyle/>
           <a:p>
+            <a:pPr marL="0" indent="0" rtl="0" algn="l" defTabSz="914400" eaLnBrk="1" latinLnBrk="0" hangingPunct="1">
+              <a:buFontTx/>
+              <a:buNone/>
+            </a:pPr>
+            <a:r>
+              <a:rPr lang="ko-KR" sz="1800">
+                <a:latin typeface="맑은 고딕" charset="0"/>
+                <a:ea typeface="맑은 고딕" charset="0"/>
+              </a:rPr>
+              <a:t>라이트 맵은 실시</a:t>
+            </a:r>
+            <a:r>
+              <a:rPr lang="ko-KR" sz="1800">
+                <a:latin typeface="맑은 고딕" charset="0"/>
+                <a:ea typeface="맑은 고딕" charset="0"/>
+              </a:rPr>
+              <a:t>간</a:t>
+            </a:r>
+            <a:r>
+              <a:rPr lang="ko-KR" sz="1800">
+                <a:latin typeface="맑은 고딕" charset="0"/>
+                <a:ea typeface="맑은 고딕" charset="0"/>
+              </a:rPr>
+              <a:t> 빛</a:t>
+            </a:r>
+            <a:r>
+              <a:rPr lang="ko-KR" sz="1800">
+                <a:latin typeface="맑은 고딕" charset="0"/>
+                <a:ea typeface="맑은 고딕" charset="0"/>
+              </a:rPr>
+              <a:t>에 </a:t>
+            </a:r>
+            <a:r>
+              <a:rPr lang="ko-KR" sz="1800">
+                <a:latin typeface="맑은 고딕" charset="0"/>
+                <a:ea typeface="맑은 고딕" charset="0"/>
+              </a:rPr>
+              <a:t>대한</a:t>
+            </a:r>
+            <a:r>
+              <a:rPr lang="ko-KR" sz="1800">
+                <a:latin typeface="맑은 고딕" charset="0"/>
+                <a:ea typeface="맑은 고딕" charset="0"/>
+              </a:rPr>
+              <a:t> 정보를 한 번에 저장한 텍스처입니다.</a:t>
+            </a:r>
+            <a:endParaRPr lang="ko-KR" altLang="en-US" sz="1800">
+              <a:latin typeface="맑은 고딕" charset="0"/>
+              <a:ea typeface="맑은 고딕" charset="0"/>
+            </a:endParaRPr>
+          </a:p>
+        </p:txBody>
+      </p:sp>
+      <p:sp>
+        <p:nvSpPr>
+          <p:cNvPr id="1163" name="텍스트 상자 76"/>
+          <p:cNvSpPr txBox="1">
+            <a:spLocks/>
+          </p:cNvSpPr>
+          <p:nvPr/>
+        </p:nvSpPr>
+        <p:spPr>
+          <a:xfrm rot="0">
+            <a:off x="1249680" y="5283200"/>
+            <a:ext cx="4125595" cy="923925"/>
+          </a:xfrm>
+          <a:prstGeom prst="rect"/>
+          <a:noFill/>
+          <a:ln w="0">
+            <a:noFill/>
+            <a:prstDash/>
+          </a:ln>
+        </p:spPr>
+        <p:txBody>
+          <a:bodyPr wrap="square" lIns="89535" tIns="46355" rIns="89535" bIns="46355" numCol="1" vert="horz" anchor="t">
+            <a:spAutoFit/>
+          </a:bodyPr>
+          <a:lstStyle/>
+          <a:p>
+            <a:pPr marL="0" indent="0" algn="l" latinLnBrk="0" hangingPunct="1">
+              <a:buFontTx/>
+              <a:buNone/>
+            </a:pPr>
+            <a:r>
+              <a:rPr lang="ko-KR" sz="1800" i="0" b="0">
+                <a:solidFill>
+                  <a:schemeClr val="tx1"/>
+                </a:solidFill>
+                <a:latin typeface="맑은 고딕" charset="0"/>
+                <a:ea typeface="맑은 고딕" charset="0"/>
+              </a:rPr>
+              <a:t>라이트 프로브 그룹은 </a:t>
+            </a:r>
+            <a:r>
+              <a:rPr lang="ko-KR" sz="1800" i="0" b="0">
+                <a:solidFill>
+                  <a:schemeClr val="tx1"/>
+                </a:solidFill>
+                <a:latin typeface="맑은 고딕" charset="0"/>
+                <a:ea typeface="맑은 고딕" charset="0"/>
+              </a:rPr>
+              <a:t>광원</a:t>
+            </a:r>
+            <a:r>
+              <a:rPr lang="ko-KR" sz="1800" i="0" b="0">
+                <a:solidFill>
+                  <a:schemeClr val="tx1"/>
+                </a:solidFill>
+                <a:latin typeface="맑은 고딕" charset="0"/>
+                <a:ea typeface="맑은 고딕" charset="0"/>
+              </a:rPr>
+              <a:t>을 사전에 배치한 빛의 정보 값을 저장하여 해당 위치에서 계산하는 </a:t>
+            </a:r>
+            <a:r>
+              <a:rPr lang="ko-KR" sz="1800" i="0" b="0">
+                <a:solidFill>
+                  <a:schemeClr val="tx1"/>
+                </a:solidFill>
+                <a:latin typeface="맑은 고딕" charset="0"/>
+                <a:ea typeface="맑은 고딕" charset="0"/>
+              </a:rPr>
+              <a:t>기능</a:t>
+            </a:r>
+            <a:r>
+              <a:rPr lang="ko-KR" sz="1800" i="0" b="0">
+                <a:solidFill>
+                  <a:schemeClr val="tx1"/>
+                </a:solidFill>
+                <a:latin typeface="맑은 고딕" charset="0"/>
+                <a:ea typeface="맑은 고딕" charset="0"/>
+              </a:rPr>
+              <a:t>입니다</a:t>
+            </a:r>
+            <a:endParaRPr lang="ko-KR" altLang="en-US" sz="1800">
+              <a:latin typeface="맑은 고딕" charset="0"/>
+              <a:ea typeface="맑은 고딕" charset="0"/>
+            </a:endParaRPr>
+          </a:p>
+        </p:txBody>
+      </p:sp>
+      <p:sp>
+        <p:nvSpPr>
+          <p:cNvPr id="1164" name="텍스트 상자 46"/>
+          <p:cNvSpPr txBox="1">
+            <a:spLocks/>
+          </p:cNvSpPr>
+          <p:nvPr/>
+        </p:nvSpPr>
+        <p:spPr>
+          <a:xfrm rot="0">
+            <a:off x="6819900" y="2719070"/>
+            <a:ext cx="4140835" cy="954405"/>
+          </a:xfrm>
+          <a:prstGeom prst="rect"/>
+          <a:noFill/>
+          <a:ln w="0">
+            <a:noFill/>
+            <a:prstDash/>
+          </a:ln>
+        </p:spPr>
+        <p:txBody>
+          <a:bodyPr wrap="square" lIns="89535" tIns="46355" rIns="89535" bIns="46355" numCol="1" vert="horz" anchor="t">
+            <a:spAutoFit/>
+          </a:bodyPr>
+          <a:lstStyle/>
+          <a:p>
             <a:pPr marL="0" indent="0" algn="l" latinLnBrk="0" hangingPunct="1">
               <a:buFontTx/>
               <a:buNone/>
@@ -13823,7 +11802,7 @@
                 <a:latin typeface="맑은 고딕" charset="0"/>
                 <a:ea typeface="맑은 고딕" charset="0"/>
               </a:rPr>
-              <a:t>14.</a:t>
+              <a:t>11</a:t>
             </a:r>
             <a:r>
               <a:rPr lang="ko-KR" sz="2000" b="1">
@@ -13833,49 +11812,56 @@
                 <a:latin typeface="맑은 고딕" charset="0"/>
                 <a:ea typeface="맑은 고딕" charset="0"/>
               </a:rPr>
-              <a:t> </a:t>
-            </a:r>
-            <a:r>
-              <a:rPr lang="ko-KR" sz="1800">
-                <a:latin typeface="맑은 고딕" charset="0"/>
-                <a:ea typeface="맑은 고딕" charset="0"/>
-              </a:rPr>
-              <a:t>그런 다음 Movement </a:t>
-            </a:r>
-            <a:r>
-              <a:rPr lang="ko-KR" sz="1800">
-                <a:latin typeface="맑은 고딕" charset="0"/>
-                <a:ea typeface="맑은 고딕" charset="0"/>
-              </a:rPr>
-              <a:t>스크립트에서</a:t>
-            </a:r>
-            <a:r>
-              <a:rPr lang="ko-KR" sz="1800">
-                <a:latin typeface="맑은 고딕" charset="0"/>
-                <a:ea typeface="맑은 고딕" charset="0"/>
-              </a:rPr>
-              <a:t> </a:t>
-            </a:r>
-            <a:r>
-              <a:rPr lang="ko-KR" sz="1800">
-                <a:latin typeface="맑은 고딕" charset="0"/>
-                <a:ea typeface="맑은 고딕" charset="0"/>
-              </a:rPr>
-              <a:t>float 변수와 Transform </a:t>
-            </a:r>
-            <a:r>
-              <a:rPr lang="ko-KR" sz="1800">
-                <a:latin typeface="맑은 고딕" charset="0"/>
-                <a:ea typeface="맑은 고딕" charset="0"/>
-              </a:rPr>
-              <a:t>변수를</a:t>
-            </a:r>
-            <a:r>
-              <a:rPr lang="ko-KR" sz="1800">
-                <a:latin typeface="맑은 고딕" charset="0"/>
-                <a:ea typeface="맑은 고딕" charset="0"/>
-              </a:rPr>
-              <a:t> 선언합니다.</a:t>
+              <a:t>. </a:t>
+            </a:r>
+            <a:r>
+              <a:rPr lang="ko-KR" sz="1800">
+                <a:latin typeface="맑은 고딕" charset="0"/>
+                <a:ea typeface="맑은 고딕" charset="0"/>
+              </a:rPr>
+              <a:t>이제</a:t>
+            </a:r>
+            <a:r>
+              <a:rPr lang="ko-KR" sz="1800">
+                <a:latin typeface="맑은 고딕" charset="0"/>
+                <a:ea typeface="맑은 고딕" charset="0"/>
+              </a:rPr>
+              <a:t> Project 폴더에 있는 Texture 폴더에 </a:t>
+            </a:r>
+            <a:r>
+              <a:rPr lang="ko-KR" sz="1800">
+                <a:latin typeface="맑은 고딕" charset="0"/>
+                <a:ea typeface="맑은 고딕" charset="0"/>
+              </a:rPr>
+              <a:t>R</a:t>
+            </a:r>
+            <a:r>
+              <a:rPr lang="ko-KR" sz="1800">
+                <a:latin typeface="맑은 고딕" charset="0"/>
+                <a:ea typeface="맑은 고딕" charset="0"/>
+              </a:rPr>
+              <a:t>oad </a:t>
+            </a:r>
+            <a:r>
+              <a:rPr lang="ko-KR" sz="1800">
+                <a:latin typeface="맑은 고딕" charset="0"/>
+                <a:ea typeface="맑은 고딕" charset="0"/>
+              </a:rPr>
+              <a:t>텍스처를 </a:t>
+            </a:r>
+            <a:r>
+              <a:rPr lang="ko-KR" sz="1800">
+                <a:latin typeface="맑은 고딕" charset="0"/>
+                <a:ea typeface="맑은 고딕" charset="0"/>
+              </a:rPr>
+              <a:t>Road</a:t>
+            </a:r>
+            <a:r>
+              <a:rPr lang="ko-KR" sz="1800">
+                <a:latin typeface="맑은 고딕" charset="0"/>
+                <a:ea typeface="맑은 고딕" charset="0"/>
+              </a:rPr>
+              <a:t> 오브젝트에 넣어줍니다.</a:t>
             </a:r>
             <a:endParaRPr lang="ko-KR" altLang="en-US" sz="1800">
               <a:latin typeface="맑은 고딕" charset="0"/>
@@ -13886,14 +11872,151 @@
       </p:sp>
       <p:pic>
         <p:nvPicPr>
-          <p:cNvPr id="1160" name="그림 43"/>
+          <p:cNvPr id="1166" name="그림 53" descr="C:/Users/nwond/AppData/Roaming/PolarisOffice/ETemp/19384_9309304/fImage2270692959358.png"/>
           <p:cNvPicPr>
             <a:picLocks noChangeAspect="1"/>
           </p:cNvPicPr>
           <p:nvPr/>
         </p:nvPicPr>
         <p:blipFill rotWithShape="1">
-          <a:blip r:embed="rId9" cstate="print">
+          <a:blip r:embed="rId13" cstate="hqprint">
+            <a:extLst>
+              <a:ext uri="{28A0092B-C50C-407E-A947-70E740481C1C}">
+                <a14:useLocalDpi xmlns:a14="http://schemas.microsoft.com/office/drawing/2010/main"/>
+              </a:ext>
+            </a:extLst>
+          </a:blip>
+          <a:stretch>
+            <a:fillRect/>
+          </a:stretch>
+        </p:blipFill>
+        <p:spPr>
+          <a:xfrm rot="0">
+            <a:off x="6819900" y="3680460"/>
+            <a:ext cx="4152900" cy="1868805"/>
+          </a:xfrm>
+          <a:prstGeom prst="roundRect"/>
+          <a:solidFill>
+            <a:srgbClr val="EDEDED"/>
+          </a:solidFill>
+        </p:spPr>
+      </p:pic>
+      <p:sp>
+        <p:nvSpPr>
+          <p:cNvPr id="1167" name="텍스트 상자 54"/>
+          <p:cNvSpPr txBox="1">
+            <a:spLocks/>
+          </p:cNvSpPr>
+          <p:nvPr/>
+        </p:nvSpPr>
+        <p:spPr>
+          <a:xfrm rot="0">
+            <a:off x="1250315" y="2724150"/>
+            <a:ext cx="4124960" cy="954405"/>
+          </a:xfrm>
+          <a:prstGeom prst="rect"/>
+          <a:noFill/>
+          <a:ln w="0">
+            <a:noFill/>
+            <a:prstDash/>
+          </a:ln>
+        </p:spPr>
+        <p:txBody>
+          <a:bodyPr wrap="square" lIns="89535" tIns="46355" rIns="89535" bIns="46355" numCol="1" vert="horz" anchor="t">
+            <a:spAutoFit/>
+          </a:bodyPr>
+          <a:lstStyle/>
+          <a:p>
+            <a:pPr marL="0" indent="0" algn="l" latinLnBrk="0" hangingPunct="1">
+              <a:buFontTx/>
+              <a:buNone/>
+            </a:pPr>
+            <a:r>
+              <a:rPr lang="ko-KR" sz="2000" b="1">
+                <a:solidFill>
+                  <a:srgbClr val="0611F2"/>
+                </a:solidFill>
+                <a:latin typeface="맑은 고딕" charset="0"/>
+                <a:ea typeface="맑은 고딕" charset="0"/>
+              </a:rPr>
+              <a:t>10</a:t>
+            </a:r>
+            <a:r>
+              <a:rPr lang="ko-KR" sz="2000" b="1">
+                <a:solidFill>
+                  <a:srgbClr val="0611F2"/>
+                </a:solidFill>
+                <a:latin typeface="맑은 고딕" charset="0"/>
+                <a:ea typeface="맑은 고딕" charset="0"/>
+              </a:rPr>
+              <a:t>. </a:t>
+            </a:r>
+            <a:r>
+              <a:rPr lang="ko-KR" sz="1800">
+                <a:latin typeface="맑은 고딕" charset="0"/>
+                <a:ea typeface="맑은 고딕" charset="0"/>
+              </a:rPr>
+              <a:t>그러고 </a:t>
+            </a:r>
+            <a:r>
+              <a:rPr lang="ko-KR" sz="1800">
+                <a:latin typeface="맑은 고딕" charset="0"/>
+                <a:ea typeface="맑은 고딕" charset="0"/>
+              </a:rPr>
+              <a:t>나서</a:t>
+            </a:r>
+            <a:r>
+              <a:rPr lang="ko-KR" sz="1800">
+                <a:latin typeface="맑은 고딕" charset="0"/>
+                <a:ea typeface="맑은 고딕" charset="0"/>
+              </a:rPr>
+              <a:t> </a:t>
+            </a:r>
+            <a:r>
+              <a:rPr lang="ko-KR" sz="1800">
+                <a:latin typeface="맑은 고딕" charset="0"/>
+                <a:ea typeface="맑은 고딕" charset="0"/>
+              </a:rPr>
+              <a:t>Model 폴더에 Street Lamp를 월드 공간에 배치하고 </a:t>
+            </a:r>
+            <a:r>
+              <a:rPr lang="ko-KR" sz="1800">
+                <a:latin typeface="맑은 고딕" charset="0"/>
+                <a:ea typeface="맑은 고딕" charset="0"/>
+              </a:rPr>
+              <a:t>P</a:t>
+            </a:r>
+            <a:r>
+              <a:rPr lang="ko-KR" sz="1800">
+                <a:latin typeface="맑은 고딕" charset="0"/>
+                <a:ea typeface="맑은 고딕" charset="0"/>
+              </a:rPr>
+              <a:t>oint</a:t>
+            </a:r>
+            <a:r>
+              <a:rPr lang="ko-KR" sz="1800">
+                <a:latin typeface="맑은 고딕" charset="0"/>
+                <a:ea typeface="맑은 고딕" charset="0"/>
+              </a:rPr>
+              <a:t> Street Lamp라는 이름으로 정의합니다.</a:t>
+            </a:r>
+            <a:endParaRPr lang="ko-KR" altLang="en-US" sz="1800">
+              <a:latin typeface="맑은 고딕" charset="0"/>
+              <a:ea typeface="맑은 고딕" charset="0"/>
+            </a:endParaRPr>
+          </a:p>
+        </p:txBody>
+      </p:sp>
+      <p:pic>
+        <p:nvPicPr>
+          <p:cNvPr id="1168" name="그림 55" descr="C:/Users/nwond/AppData/Roaming/PolarisOffice/ETemp/19384_9309304/fImage82692875705.png"/>
+          <p:cNvPicPr>
+            <a:picLocks noChangeAspect="1"/>
+          </p:cNvPicPr>
+          <p:nvPr/>
+        </p:nvPicPr>
+        <p:blipFill rotWithShape="1">
+          <a:blip r:embed="rId14" cstate="print">
             <a:extLst>
               <a:ext uri="{28A0092B-C50C-407E-A947-70E740481C1C}">
                 <a14:useLocalDpi xmlns:a14="http://schemas.microsoft.com/office/drawing/2010/main" val="0"/>
@@ -13906,8 +12029,8 @@
         </p:blipFill>
         <p:spPr>
           <a:xfrm rot="0">
-            <a:off x="6839585" y="3841750"/>
-            <a:ext cx="4117975" cy="1257935"/>
+            <a:off x="6820535" y="1445895"/>
+            <a:ext cx="1445260" cy="1278890"/>
           </a:xfrm>
           <a:prstGeom prst="roundRect"/>
           <a:solidFill>
@@ -13917,14 +12040,45 @@
       </p:pic>
       <p:pic>
         <p:nvPicPr>
-          <p:cNvPr id="1161" name="그림 72"/>
+          <p:cNvPr id="1169" name="그림 56" descr="C:/Users/nwond/AppData/Roaming/PolarisOffice/ETemp/19384_9309304/fImage276952888145.png"/>
           <p:cNvPicPr>
             <a:picLocks noChangeAspect="1"/>
           </p:cNvPicPr>
           <p:nvPr/>
         </p:nvPicPr>
         <p:blipFill rotWithShape="1">
-          <a:blip r:embed="rId10" cstate="hqprint">
+          <a:blip r:embed="rId15" cstate="print">
+            <a:extLst>
+              <a:ext uri="{28A0092B-C50C-407E-A947-70E740481C1C}">
+                <a14:useLocalDpi xmlns:a14="http://schemas.microsoft.com/office/drawing/2010/main" val="0"/>
+              </a:ext>
+            </a:extLst>
+          </a:blip>
+          <a:stretch>
+            <a:fillRect/>
+          </a:stretch>
+        </p:blipFill>
+        <p:spPr>
+          <a:xfrm rot="0">
+            <a:off x="8365490" y="1452245"/>
+            <a:ext cx="2600960" cy="1273175"/>
+          </a:xfrm>
+          <a:prstGeom prst="roundRect"/>
+          <a:solidFill>
+            <a:srgbClr val="EDEDED"/>
+          </a:solidFill>
+        </p:spPr>
+      </p:pic>
+      <p:pic>
+        <p:nvPicPr>
+          <p:cNvPr id="1170" name="그림 61" descr="C:/Users/nwond/AppData/Roaming/PolarisOffice/ETemp/19384_9309304/fImage22421721541.png"/>
+          <p:cNvPicPr>
+            <a:picLocks noChangeAspect="1"/>
+          </p:cNvPicPr>
+          <p:nvPr/>
+        </p:nvPicPr>
+        <p:blipFill rotWithShape="1">
+          <a:blip r:embed="rId16" cstate="hqprint">
             <a:extLst>
               <a:ext uri="{28A0092B-C50C-407E-A947-70E740481C1C}">
                 <a14:useLocalDpi xmlns:a14="http://schemas.microsoft.com/office/drawing/2010/main"/>
@@ -13936,26 +12090,24 @@
           </a:stretch>
         </p:blipFill>
         <p:spPr>
-          <a:xfrm rot="0">
-            <a:off x="1240790" y="1455420"/>
-            <a:ext cx="2534920" cy="3566795"/>
-          </a:xfrm>
-          <a:prstGeom prst="roundRect"/>
-          <a:solidFill>
-            <a:srgbClr val="EDEDED"/>
-          </a:solidFill>
+          <a:xfrm rot="10800000">
+            <a:off x="7981315" y="1875155"/>
+            <a:ext cx="770255" cy="416560"/>
+          </a:xfrm>
+          <a:prstGeom prst="rect"/>
+          <a:noFill/>
         </p:spPr>
       </p:pic>
       <p:pic>
         <p:nvPicPr>
-          <p:cNvPr id="1162" name="그림 73"/>
+          <p:cNvPr id="1171" name="그림 62" descr="C:/Users/nwond/AppData/Roaming/PolarisOffice/ETemp/19384_9309304/fImage77682903281.png"/>
           <p:cNvPicPr>
             <a:picLocks noChangeAspect="1"/>
           </p:cNvPicPr>
           <p:nvPr/>
         </p:nvPicPr>
         <p:blipFill rotWithShape="1">
-          <a:blip r:embed="rId11" cstate="print">
+          <a:blip r:embed="rId17" cstate="print">
             <a:extLst>
               <a:ext uri="{28A0092B-C50C-407E-A947-70E740481C1C}">
                 <a14:useLocalDpi xmlns:a14="http://schemas.microsoft.com/office/drawing/2010/main" val="0"/>
@@ -13968,8 +12120,8 @@
         </p:blipFill>
         <p:spPr>
           <a:xfrm rot="0">
-            <a:off x="3928110" y="2291080"/>
-            <a:ext cx="1447800" cy="1904365"/>
+            <a:off x="1243330" y="1443355"/>
+            <a:ext cx="1556385" cy="1287780"/>
           </a:xfrm>
           <a:prstGeom prst="roundRect"/>
           <a:solidFill>
@@ -13977,101 +12129,16 @@
           </a:solidFill>
         </p:spPr>
       </p:pic>
-      <p:sp>
-        <p:nvSpPr>
-          <p:cNvPr id="1163" name="텍스트 상자 76"/>
-          <p:cNvSpPr txBox="1">
-            <a:spLocks/>
-          </p:cNvSpPr>
-          <p:nvPr/>
-        </p:nvSpPr>
-        <p:spPr>
-          <a:xfrm rot="0">
-            <a:off x="1243330" y="5201920"/>
-            <a:ext cx="4133215" cy="955040"/>
-          </a:xfrm>
-          <a:prstGeom prst="rect"/>
-          <a:noFill/>
-          <a:ln w="0">
-            <a:noFill/>
-            <a:prstDash/>
-          </a:ln>
-        </p:spPr>
-        <p:txBody>
-          <a:bodyPr wrap="square" lIns="89535" tIns="46355" rIns="89535" bIns="46355" numCol="1" vert="horz" anchor="t">
-            <a:spAutoFit/>
-          </a:bodyPr>
-          <a:lstStyle/>
-          <a:p>
-            <a:pPr marL="0" indent="0" algn="l" latinLnBrk="0" hangingPunct="1">
-              <a:buFontTx/>
-              <a:buNone/>
-            </a:pPr>
-            <a:r>
-              <a:rPr lang="ko-KR" sz="2000" b="1">
-                <a:solidFill>
-                  <a:srgbClr val="0611F2"/>
-                </a:solidFill>
-                <a:latin typeface="맑은 고딕" charset="0"/>
-                <a:ea typeface="맑은 고딕" charset="0"/>
-              </a:rPr>
-              <a:t>12.</a:t>
-            </a:r>
-            <a:r>
-              <a:rPr lang="ko-KR" sz="2000" b="1">
-                <a:solidFill>
-                  <a:srgbClr val="0611F2"/>
-                </a:solidFill>
-                <a:latin typeface="맑은 고딕" charset="0"/>
-                <a:ea typeface="맑은 고딕" charset="0"/>
-              </a:rPr>
-              <a:t> </a:t>
-            </a:r>
-            <a:r>
-              <a:rPr lang="ko-KR" sz="1800">
-                <a:latin typeface="맑은 고딕" charset="0"/>
-                <a:ea typeface="맑은 고딕" charset="0"/>
-              </a:rPr>
-              <a:t>이제 빈 게임 오브젝트를 생성한 </a:t>
-            </a:r>
-            <a:r>
-              <a:rPr lang="ko-KR" sz="1800">
-                <a:latin typeface="맑은 고딕" charset="0"/>
-                <a:ea typeface="맑은 고딕" charset="0"/>
-              </a:rPr>
-              <a:t>다음</a:t>
-            </a:r>
-            <a:r>
-              <a:rPr lang="ko-KR" sz="1800">
-                <a:latin typeface="맑은 고딕" charset="0"/>
-                <a:ea typeface="맑은 고딕" charset="0"/>
-              </a:rPr>
-              <a:t> Arrival Point 라는 이름으로 </a:t>
-            </a:r>
-            <a:r>
-              <a:rPr lang="ko-KR" sz="1800">
-                <a:latin typeface="맑은 고딕" charset="0"/>
-                <a:ea typeface="맑은 고딕" charset="0"/>
-              </a:rPr>
-              <a:t>정의합니다.</a:t>
-            </a:r>
-            <a:endParaRPr lang="ko-KR" altLang="en-US" sz="1800">
-              <a:latin typeface="맑은 고딕" charset="0"/>
-              <a:ea typeface="맑은 고딕" charset="0"/>
-            </a:endParaRPr>
-          </a:p>
-        </p:txBody>
-      </p:sp>
       <p:pic>
         <p:nvPicPr>
-          <p:cNvPr id="1164" name="그림 77"/>
+          <p:cNvPr id="1172" name="그림 65" descr="C:/Users/nwond/AppData/Roaming/PolarisOffice/ETemp/19384_9309304/fImage109952916827.png"/>
           <p:cNvPicPr>
             <a:picLocks noChangeAspect="1"/>
           </p:cNvPicPr>
           <p:nvPr/>
         </p:nvPicPr>
         <p:blipFill rotWithShape="1">
-          <a:blip r:embed="rId12" cstate="print">
+          <a:blip r:embed="rId18" cstate="print">
             <a:extLst>
               <a:ext uri="{28A0092B-C50C-407E-A947-70E740481C1C}">
                 <a14:useLocalDpi xmlns:a14="http://schemas.microsoft.com/office/drawing/2010/main" val="0"/>
@@ -14084,8 +12151,8 @@
         </p:blipFill>
         <p:spPr>
           <a:xfrm rot="0">
-            <a:off x="6827520" y="1448435"/>
-            <a:ext cx="4130040" cy="1515110"/>
+            <a:off x="2879725" y="1452245"/>
+            <a:ext cx="2495550" cy="1278890"/>
           </a:xfrm>
           <a:prstGeom prst="roundRect"/>
           <a:solidFill>
@@ -14093,91 +12160,66 @@
           </a:solidFill>
         </p:spPr>
       </p:pic>
-      <p:sp>
-        <p:nvSpPr>
-          <p:cNvPr id="1165" name="텍스트 상자 80"/>
-          <p:cNvSpPr txBox="1">
-            <a:spLocks/>
-          </p:cNvSpPr>
+      <p:pic>
+        <p:nvPicPr>
+          <p:cNvPr id="1173" name="그림 66" descr="C:/Users/nwond/AppData/Roaming/PolarisOffice/ETemp/19384_9309304/fImage22421721541.png"/>
+          <p:cNvPicPr>
+            <a:picLocks noChangeAspect="1"/>
+          </p:cNvPicPr>
           <p:nvPr/>
-        </p:nvSpPr>
-        <p:spPr>
-          <a:xfrm rot="0">
-            <a:off x="6833235" y="3039110"/>
-            <a:ext cx="4117975" cy="677545"/>
+        </p:nvPicPr>
+        <p:blipFill rotWithShape="1">
+          <a:blip r:embed="rId16" cstate="hqprint">
+            <a:extLst>
+              <a:ext uri="{28A0092B-C50C-407E-A947-70E740481C1C}">
+                <a14:useLocalDpi xmlns:a14="http://schemas.microsoft.com/office/drawing/2010/main"/>
+              </a:ext>
+            </a:extLst>
+          </a:blip>
+          <a:stretch>
+            <a:fillRect/>
+          </a:stretch>
+        </p:blipFill>
+        <p:spPr>
+          <a:xfrm rot="10800000">
+            <a:off x="2498725" y="1903730"/>
+            <a:ext cx="770255" cy="416560"/>
           </a:xfrm>
           <a:prstGeom prst="rect"/>
           <a:noFill/>
-          <a:ln w="0">
-            <a:noFill/>
-            <a:prstDash/>
-          </a:ln>
-        </p:spPr>
-        <p:txBody>
-          <a:bodyPr wrap="square" lIns="89535" tIns="46355" rIns="89535" bIns="46355" numCol="1" vert="horz" anchor="t">
-            <a:spAutoFit/>
-          </a:bodyPr>
-          <a:lstStyle/>
-          <a:p>
-            <a:pPr marL="0" indent="0" algn="l" latinLnBrk="0" hangingPunct="1">
-              <a:buFontTx/>
-              <a:buNone/>
-            </a:pPr>
-            <a:r>
-              <a:rPr lang="ko-KR" sz="2000" b="1">
-                <a:solidFill>
-                  <a:srgbClr val="0611F2"/>
-                </a:solidFill>
-                <a:latin typeface="맑은 고딕" charset="0"/>
-                <a:ea typeface="맑은 고딕" charset="0"/>
-              </a:rPr>
-              <a:t>13.</a:t>
-            </a:r>
-            <a:r>
-              <a:rPr lang="ko-KR" sz="2000" b="1">
-                <a:solidFill>
-                  <a:srgbClr val="0611F2"/>
-                </a:solidFill>
-                <a:latin typeface="맑은 고딕" charset="0"/>
-                <a:ea typeface="맑은 고딕" charset="0"/>
-              </a:rPr>
-              <a:t> </a:t>
-            </a:r>
-            <a:r>
-              <a:rPr lang="ko-KR" sz="1800">
-                <a:latin typeface="맑은 고딕" charset="0"/>
-                <a:ea typeface="맑은 고딕" charset="0"/>
-              </a:rPr>
-              <a:t>그리고 Arrival Point 오브젝트의 </a:t>
-            </a:r>
-            <a:r>
-              <a:rPr lang="ko-KR" sz="1800">
-                <a:latin typeface="맑은 고딕" charset="0"/>
-                <a:ea typeface="맑은 고딕" charset="0"/>
-              </a:rPr>
-              <a:t>위치</a:t>
-            </a:r>
-            <a:r>
-              <a:rPr lang="ko-KR" sz="1800">
-                <a:latin typeface="맑은 고딕" charset="0"/>
-                <a:ea typeface="맑은 고딕" charset="0"/>
-              </a:rPr>
-              <a:t> </a:t>
-            </a:r>
-            <a:r>
-              <a:rPr lang="ko-KR" sz="1800">
-                <a:latin typeface="맑은 고딕" charset="0"/>
-                <a:ea typeface="맑은 고딕" charset="0"/>
-              </a:rPr>
-              <a:t>값을 설정합니다.</a:t>
-            </a:r>
-            <a:endParaRPr lang="ko-KR" altLang="en-US" sz="1800">
-              <a:latin typeface="맑은 고딕" charset="0"/>
-              <a:ea typeface="맑은 고딕" charset="0"/>
-            </a:endParaRPr>
-          </a:p>
-        </p:txBody>
-      </p:sp>
+        </p:spPr>
+      </p:pic>
+      <p:pic>
+        <p:nvPicPr>
+          <p:cNvPr id="1174" name="그림 94" descr="C:/Users/nwond/AppData/Roaming/PolarisOffice/ETemp/19384_9309304/fImage950373089961.png"/>
+          <p:cNvPicPr>
+            <a:picLocks noChangeAspect="1"/>
+          </p:cNvPicPr>
+          <p:nvPr/>
+        </p:nvPicPr>
+        <p:blipFill rotWithShape="1">
+          <a:blip r:embed="rId19" cstate="print">
+            <a:extLst>
+              <a:ext uri="{28A0092B-C50C-407E-A947-70E740481C1C}">
+                <a14:useLocalDpi xmlns:a14="http://schemas.microsoft.com/office/drawing/2010/main" val="0"/>
+              </a:ext>
+            </a:extLst>
+          </a:blip>
+          <a:stretch>
+            <a:fillRect/>
+          </a:stretch>
+        </p:blipFill>
+        <p:spPr>
+          <a:xfrm rot="0">
+            <a:off x="1247140" y="3693160"/>
+            <a:ext cx="4133850" cy="1570355"/>
+          </a:xfrm>
+          <a:prstGeom prst="roundRect"/>
+          <a:solidFill>
+            <a:srgbClr val="EDEDED"/>
+          </a:solidFill>
+        </p:spPr>
+      </p:pic>
     </p:spTree>
   </p:cSld>
   <p:clrMapOvr>
@@ -15476,7 +13518,7 @@
       </p:sp>
       <p:pic>
         <p:nvPicPr>
-          <p:cNvPr id="1172" name="그림 3" descr="C:/Users/Admin1/AppData/Roaming/PolarisOffice/ETemp/2672_21102392/fImage2321137641.png"/>
+          <p:cNvPr id="1172" name="그림 3"/>
           <p:cNvPicPr>
             <a:picLocks noChangeAspect="1"/>
           </p:cNvPicPr>
@@ -15507,7 +13549,7 @@
       </p:pic>
       <p:pic>
         <p:nvPicPr>
-          <p:cNvPr id="1173" name="그림 4" descr="C:/Users/Admin1/AppData/Roaming/PolarisOffice/ETemp/2672_21102392/fImage96493778467.png"/>
+          <p:cNvPr id="1173" name="그림 4"/>
           <p:cNvPicPr>
             <a:picLocks noChangeAspect="1"/>
           </p:cNvPicPr>
@@ -15538,7 +13580,7 @@
       </p:pic>
       <p:pic>
         <p:nvPicPr>
-          <p:cNvPr id="1175" name="그림 10" descr="C:/Users/Admin1/AppData/Roaming/PolarisOffice/ETemp/2672_21102392/fImage229433796334.png"/>
+          <p:cNvPr id="1175" name="그림 10"/>
           <p:cNvPicPr>
             <a:picLocks noChangeAspect="1"/>
           </p:cNvPicPr>
@@ -15569,7 +13611,7 @@
       </p:pic>
       <p:pic>
         <p:nvPicPr>
-          <p:cNvPr id="1176" name="그림 13" descr="C:/Users/Admin1/AppData/Roaming/PolarisOffice/ETemp/2672_21102392/fImage96863806500.png"/>
+          <p:cNvPr id="1176" name="그림 13"/>
           <p:cNvPicPr>
             <a:picLocks noChangeAspect="1"/>
           </p:cNvPicPr>
@@ -15600,7 +13642,7 @@
       </p:pic>
       <p:pic>
         <p:nvPicPr>
-          <p:cNvPr id="1177" name="그림 16" descr="C:/Users/Admin1/AppData/Roaming/PolarisOffice/ETemp/2672_21102392/fImage22421721541.png"/>
+          <p:cNvPr id="1177" name="그림 16"/>
           <p:cNvPicPr>
             <a:picLocks noChangeAspect="1"/>
           </p:cNvPicPr>
@@ -15629,7 +13671,7 @@
       </p:pic>
       <p:pic>
         <p:nvPicPr>
-          <p:cNvPr id="1178" name="그림 20" descr="C:/Users/Admin1/AppData/Roaming/PolarisOffice/ETemp/2672_21102392/fImage229563839169.png"/>
+          <p:cNvPr id="1178" name="그림 20"/>
           <p:cNvPicPr>
             <a:picLocks noChangeAspect="1"/>
           </p:cNvPicPr>
@@ -15660,7 +13702,7 @@
       </p:pic>
       <p:pic>
         <p:nvPicPr>
-          <p:cNvPr id="1179" name="그림 23" descr="C:/Users/Admin1/AppData/Roaming/PolarisOffice/ETemp/2672_21102392/fImage96703845724.png"/>
+          <p:cNvPr id="1179" name="그림 23"/>
           <p:cNvPicPr>
             <a:picLocks noChangeAspect="1"/>
           </p:cNvPicPr>
@@ -15691,7 +13733,7 @@
       </p:pic>
       <p:pic>
         <p:nvPicPr>
-          <p:cNvPr id="1180" name="그림 26" descr="C:/Users/Admin1/AppData/Roaming/PolarisOffice/ETemp/2672_21102392/fImage22421721541.png"/>
+          <p:cNvPr id="1180" name="그림 26"/>
           <p:cNvPicPr>
             <a:picLocks noChangeAspect="1"/>
           </p:cNvPicPr>
@@ -16340,7 +14382,7 @@
       </p:sp>
       <p:pic>
         <p:nvPicPr>
-          <p:cNvPr id="1190" name="그림 30" descr="C:/Users/Admin1/AppData/Roaming/PolarisOffice/ETemp/2672_21102392/fImage229563871478.png"/>
+          <p:cNvPr id="1190" name="그림 30"/>
           <p:cNvPicPr>
             <a:picLocks noChangeAspect="1"/>
           </p:cNvPicPr>
@@ -16371,7 +14413,7 @@
       </p:pic>
       <p:pic>
         <p:nvPicPr>
-          <p:cNvPr id="1191" name="그림 35" descr="C:/Users/Admin1/AppData/Roaming/PolarisOffice/ETemp/2672_21102392/fImage96783909358.png"/>
+          <p:cNvPr id="1191" name="그림 35"/>
           <p:cNvPicPr>
             <a:picLocks noChangeAspect="1"/>
           </p:cNvPicPr>
@@ -16402,7 +14444,7 @@
       </p:pic>
       <p:pic>
         <p:nvPicPr>
-          <p:cNvPr id="1192" name="그림 36" descr="C:/Users/Admin1/AppData/Roaming/PolarisOffice/ETemp/2672_21102392/fImage22421721541.png"/>
+          <p:cNvPr id="1192" name="그림 36"/>
           <p:cNvPicPr>
             <a:picLocks noChangeAspect="1"/>
           </p:cNvPicPr>
@@ -16431,7 +14473,7 @@
       </p:pic>
       <p:pic>
         <p:nvPicPr>
-          <p:cNvPr id="1193" name="그림 37" descr="C:/Users/Admin1/AppData/Roaming/PolarisOffice/ETemp/2672_21102392/fImage96793926962.png"/>
+          <p:cNvPr id="1193" name="그림 37"/>
           <p:cNvPicPr>
             <a:picLocks noChangeAspect="1"/>
           </p:cNvPicPr>
@@ -16462,7 +14504,7 @@
       </p:pic>
       <p:pic>
         <p:nvPicPr>
-          <p:cNvPr id="1194" name="그림 40" descr="C:/Users/Admin1/AppData/Roaming/PolarisOffice/ETemp/2672_21102392/fImage229293934464.png"/>
+          <p:cNvPr id="1194" name="그림 40"/>
           <p:cNvPicPr>
             <a:picLocks noChangeAspect="1"/>
           </p:cNvPicPr>
@@ -16493,7 +14535,7 @@
       </p:pic>
       <p:pic>
         <p:nvPicPr>
-          <p:cNvPr id="1195" name="그림 43" descr="C:/Users/Admin1/AppData/Roaming/PolarisOffice/ETemp/2672_21102392/fImage22421721541.png"/>
+          <p:cNvPr id="1195" name="그림 43"/>
           <p:cNvPicPr>
             <a:picLocks noChangeAspect="1"/>
           </p:cNvPicPr>
@@ -16522,7 +14564,7 @@
       </p:pic>
       <p:pic>
         <p:nvPicPr>
-          <p:cNvPr id="1196" name="그림 44" descr="C:/Users/Admin1/AppData/Roaming/PolarisOffice/ETemp/2672_21102392/fImage141733955705.png"/>
+          <p:cNvPr id="1196" name="그림 44"/>
           <p:cNvPicPr>
             <a:picLocks noChangeAspect="1"/>
           </p:cNvPicPr>
@@ -16553,7 +14595,7 @@
       </p:pic>
       <p:pic>
         <p:nvPicPr>
-          <p:cNvPr id="1197" name="그림 45" descr="C:/Users/Admin1/AppData/Roaming/PolarisOffice/ETemp/2672_21102392/fImage111763968145.png"/>
+          <p:cNvPr id="1197" name="그림 45"/>
           <p:cNvPicPr>
             <a:picLocks noChangeAspect="1"/>
           </p:cNvPicPr>
@@ -16988,7 +15030,7 @@
       </p:sp>
       <p:pic>
         <p:nvPicPr>
-          <p:cNvPr id="1067" name="그림 49" descr="C:/Users/Admin1/AppData/Roaming/PolarisOffice/ETemp/2672_21102392/fImage69173504604.png"/>
+          <p:cNvPr id="1067" name="그림 49"/>
           <p:cNvPicPr>
             <a:picLocks noChangeAspect="1"/>
           </p:cNvPicPr>
@@ -17019,7 +15061,7 @@
       </p:pic>
       <p:pic>
         <p:nvPicPr>
-          <p:cNvPr id="1069" name="그림 55" descr="C:/Users/Admin1/AppData/Roaming/PolarisOffice/ETemp/2672_21102392/fImage107334023281.png"/>
+          <p:cNvPr id="1069" name="그림 55"/>
           <p:cNvPicPr>
             <a:picLocks noChangeAspect="1"/>
           </p:cNvPicPr>
@@ -17050,7 +15092,7 @@
       </p:pic>
       <p:pic>
         <p:nvPicPr>
-          <p:cNvPr id="1068" name="그림 50" descr="C:/Users/Admin1/AppData/Roaming/PolarisOffice/ETemp/2672_21102392/fImage22421721541.png"/>
+          <p:cNvPr id="1068" name="그림 50"/>
           <p:cNvPicPr>
             <a:picLocks noChangeAspect="1"/>
           </p:cNvPicPr>
@@ -17079,7 +15121,7 @@
       </p:pic>
       <p:pic>
         <p:nvPicPr>
-          <p:cNvPr id="1070" name="그림 56" descr="C:/Users/Admin1/AppData/Roaming/PolarisOffice/ETemp/2672_21102392/fImage102054036827.png"/>
+          <p:cNvPr id="1070" name="그림 56"/>
           <p:cNvPicPr>
             <a:picLocks noChangeAspect="1"/>
           </p:cNvPicPr>
@@ -17110,7 +15152,7 @@
       </p:pic>
       <p:pic>
         <p:nvPicPr>
-          <p:cNvPr id="1071" name="그림 59" descr="C:/Users/Admin1/AppData/Roaming/PolarisOffice/ETemp/2672_21102392/fImage86244049961.png"/>
+          <p:cNvPr id="1071" name="그림 59"/>
           <p:cNvPicPr>
             <a:picLocks noChangeAspect="1"/>
           </p:cNvPicPr>
@@ -17307,7 +15349,7 @@
       </p:sp>
       <p:pic>
         <p:nvPicPr>
-          <p:cNvPr id="1074" name="그림 65" descr="C:/Users/Admin1/AppData/Roaming/PolarisOffice/ETemp/2672_21102392/fImage11599409491.png"/>
+          <p:cNvPr id="1074" name="그림 65"/>
           <p:cNvPicPr>
             <a:picLocks noChangeAspect="1"/>
           </p:cNvPicPr>
@@ -17338,7 +15380,7 @@
       </p:pic>
       <p:pic>
         <p:nvPicPr>
-          <p:cNvPr id="1075" name="그림 66" descr="C:/Users/Admin1/AppData/Roaming/PolarisOffice/ETemp/2672_21102392/fImage107604102995.png"/>
+          <p:cNvPr id="1075" name="그림 66"/>
           <p:cNvPicPr>
             <a:picLocks noChangeAspect="1"/>
           </p:cNvPicPr>
@@ -17778,7 +15820,7 @@
       </p:sp>
       <p:pic>
         <p:nvPicPr>
-          <p:cNvPr id="1066" name="그림 2" descr="C:/Users/Admin1/AppData/Roaming/PolarisOffice/ETemp/18264_16703120/fImage69173504604.png"/>
+          <p:cNvPr id="1066" name="그림 2"/>
           <p:cNvPicPr>
             <a:picLocks noChangeAspect="1"/>
           </p:cNvPicPr>
@@ -17809,7 +15851,7 @@
       </p:pic>
       <p:pic>
         <p:nvPicPr>
-          <p:cNvPr id="1068" name="그림 4" descr="C:/Users/Admin1/AppData/Roaming/PolarisOffice/ETemp/18264_16703120/fImage985628941.png"/>
+          <p:cNvPr id="1068" name="그림 4"/>
           <p:cNvPicPr>
             <a:picLocks noChangeAspect="1"/>
           </p:cNvPicPr>
@@ -17840,7 +15882,7 @@
       </p:pic>
       <p:pic>
         <p:nvPicPr>
-          <p:cNvPr id="1067" name="그림 3" descr="C:/Users/Admin1/AppData/Roaming/PolarisOffice/ETemp/18264_16703120/fImage22421721541.png"/>
+          <p:cNvPr id="1067" name="그림 3"/>
           <p:cNvPicPr>
             <a:picLocks noChangeAspect="1"/>
           </p:cNvPicPr>
@@ -17869,7 +15911,7 @@
       </p:pic>
       <p:pic>
         <p:nvPicPr>
-          <p:cNvPr id="1069" name="그림 10" descr="C:/Users/Admin1/AppData/Roaming/PolarisOffice/ETemp/18264_16703120/fImage174022958467.png"/>
+          <p:cNvPr id="1069" name="그림 10"/>
           <p:cNvPicPr>
             <a:picLocks noChangeAspect="1"/>
           </p:cNvPicPr>
@@ -17900,7 +15942,7 @@
       </p:pic>
       <p:pic>
         <p:nvPicPr>
-          <p:cNvPr id="1070" name="그림 11" descr="C:/Users/Admin1/AppData/Roaming/PolarisOffice/ETemp/18264_16703120/fImage120532966334.png"/>
+          <p:cNvPr id="1070" name="그림 11"/>
           <p:cNvPicPr>
             <a:picLocks noChangeAspect="1"/>
           </p:cNvPicPr>
@@ -18053,7 +16095,7 @@
       </p:sp>
       <p:pic>
         <p:nvPicPr>
-          <p:cNvPr id="1072" name="그림 15" descr="C:/Users/Admin1/AppData/Roaming/PolarisOffice/ETemp/18264_16703120/fImage229433796334.png"/>
+          <p:cNvPr id="1072" name="그림 15"/>
           <p:cNvPicPr>
             <a:picLocks noChangeAspect="1"/>
           </p:cNvPicPr>
@@ -18084,7 +16126,7 @@
       </p:pic>
       <p:pic>
         <p:nvPicPr>
-          <p:cNvPr id="1073" name="그림 16" descr="C:/Users/Admin1/AppData/Roaming/PolarisOffice/ETemp/18264_16703120/fImage98562996500.png"/>
+          <p:cNvPr id="1073" name="그림 16"/>
           <p:cNvPicPr>
             <a:picLocks noChangeAspect="1"/>
           </p:cNvPicPr>
@@ -18115,7 +16157,7 @@
       </p:pic>
       <p:pic>
         <p:nvPicPr>
-          <p:cNvPr id="1074" name="그림 17" descr="C:/Users/Admin1/AppData/Roaming/PolarisOffice/ETemp/18264_16703120/fImage22421721541.png"/>
+          <p:cNvPr id="1074" name="그림 17"/>
           <p:cNvPicPr>
             <a:picLocks noChangeAspect="1"/>
           </p:cNvPicPr>
